--- a/Analysis/Music-Descriptor-Space.pptx
+++ b/Analysis/Music-Descriptor-Space.pptx
@@ -4399,18 +4399,18 @@
           </p:nvSpPr>
           <p:spPr>
             <a:xfrm>
-              <a:off x="4405706" y="4023176"/>
-              <a:ext cx="308928" cy="108295"/>
+              <a:off x="4405709" y="4023540"/>
+              <a:ext cx="309124" cy="107945"/>
             </a:xfrm>
             <a:custGeom>
               <a:avLst/>
               <a:pathLst>
-                <a:path w="308928" h="108295">
+                <a:path w="309124" h="107945">
                   <a:moveTo>
-                    <a:pt x="308928" y="0"/>
+                    <a:pt x="309124" y="0"/>
                   </a:moveTo>
                   <a:lnTo>
-                    <a:pt x="0" y="108295"/>
+                    <a:pt x="0" y="107945"/>
                   </a:lnTo>
                 </a:path>
               </a:pathLst>
@@ -4430,7 +4430,7 @@
           </p:nvSpPr>
           <p:spPr>
             <a:xfrm>
-              <a:off x="3506273" y="5235528"/>
+              <a:off x="3505952" y="5235862"/>
               <a:ext cx="488087" cy="99300"/>
             </a:xfrm>
             <a:prstGeom prst="rect">
@@ -4476,7 +4476,7 @@
           </p:nvSpPr>
           <p:spPr>
             <a:xfrm>
-              <a:off x="4025061" y="4560171"/>
+              <a:off x="4022943" y="4560922"/>
               <a:ext cx="488087" cy="99300"/>
             </a:xfrm>
             <a:prstGeom prst="rect">
@@ -4522,7 +4522,7 @@
           </p:nvSpPr>
           <p:spPr>
             <a:xfrm>
-              <a:off x="5263434" y="3649366"/>
+              <a:off x="5263304" y="3649375"/>
               <a:ext cx="488087" cy="99300"/>
             </a:xfrm>
             <a:prstGeom prst="rect">
@@ -4568,7 +4568,7 @@
           </p:nvSpPr>
           <p:spPr>
             <a:xfrm>
-              <a:off x="4682572" y="3791400"/>
+              <a:off x="4682623" y="3791398"/>
               <a:ext cx="488087" cy="99300"/>
             </a:xfrm>
             <a:prstGeom prst="rect">
@@ -4614,7 +4614,7 @@
           </p:nvSpPr>
           <p:spPr>
             <a:xfrm>
-              <a:off x="4441223" y="4391807"/>
+              <a:off x="4412338" y="4392205"/>
               <a:ext cx="488087" cy="98983"/>
             </a:xfrm>
             <a:prstGeom prst="rect">
@@ -4660,7 +4660,7 @@
           </p:nvSpPr>
           <p:spPr>
             <a:xfrm>
-              <a:off x="3293133" y="4708214"/>
+              <a:off x="3292082" y="4707349"/>
               <a:ext cx="488087" cy="98983"/>
             </a:xfrm>
             <a:prstGeom prst="rect">
@@ -4706,7 +4706,7 @@
           </p:nvSpPr>
           <p:spPr>
             <a:xfrm>
-              <a:off x="4446234" y="3621940"/>
+              <a:off x="4445835" y="3621808"/>
               <a:ext cx="488087" cy="99300"/>
             </a:xfrm>
             <a:prstGeom prst="rect">
@@ -4752,7 +4752,7 @@
           </p:nvSpPr>
           <p:spPr>
             <a:xfrm>
-              <a:off x="3972985" y="4222805"/>
+              <a:off x="3973320" y="4221924"/>
               <a:ext cx="488087" cy="99300"/>
             </a:xfrm>
             <a:prstGeom prst="rect">
@@ -4798,7 +4798,7 @@
           </p:nvSpPr>
           <p:spPr>
             <a:xfrm>
-              <a:off x="4201654" y="3218830"/>
+              <a:off x="4199557" y="3218855"/>
               <a:ext cx="548376" cy="99300"/>
             </a:xfrm>
             <a:prstGeom prst="rect">
@@ -4844,7 +4844,7 @@
           </p:nvSpPr>
           <p:spPr>
             <a:xfrm>
-              <a:off x="5709666" y="2592330"/>
+              <a:off x="5709952" y="2591552"/>
               <a:ext cx="548376" cy="99300"/>
             </a:xfrm>
             <a:prstGeom prst="rect">
@@ -4890,7 +4890,7 @@
           </p:nvSpPr>
           <p:spPr>
             <a:xfrm>
-              <a:off x="3275159" y="4944779"/>
+              <a:off x="3273435" y="4944679"/>
               <a:ext cx="548376" cy="99300"/>
             </a:xfrm>
             <a:prstGeom prst="rect">
@@ -4936,7 +4936,7 @@
           </p:nvSpPr>
           <p:spPr>
             <a:xfrm>
-              <a:off x="3807157" y="3586752"/>
+              <a:off x="3806344" y="3586937"/>
               <a:ext cx="548376" cy="99300"/>
             </a:xfrm>
             <a:prstGeom prst="rect">
@@ -4982,7 +4982,7 @@
           </p:nvSpPr>
           <p:spPr>
             <a:xfrm>
-              <a:off x="3532177" y="4391379"/>
+              <a:off x="3529970" y="4391632"/>
               <a:ext cx="548376" cy="99300"/>
             </a:xfrm>
             <a:prstGeom prst="rect">
@@ -5028,7 +5028,7 @@
           </p:nvSpPr>
           <p:spPr>
             <a:xfrm>
-              <a:off x="4099835" y="4099684"/>
+              <a:off x="4100581" y="4099818"/>
               <a:ext cx="548376" cy="99300"/>
             </a:xfrm>
             <a:prstGeom prst="rect">
@@ -5074,7 +5074,7 @@
           </p:nvSpPr>
           <p:spPr>
             <a:xfrm>
-              <a:off x="3983876" y="3388725"/>
+              <a:off x="3984047" y="3388650"/>
               <a:ext cx="548376" cy="99300"/>
             </a:xfrm>
             <a:prstGeom prst="rect">
@@ -5120,7 +5120,7 @@
           </p:nvSpPr>
           <p:spPr>
             <a:xfrm>
-              <a:off x="5032273" y="2771635"/>
+              <a:off x="5032964" y="2771569"/>
               <a:ext cx="548376" cy="99300"/>
             </a:xfrm>
             <a:prstGeom prst="rect">
@@ -5166,7 +5166,7 @@
           </p:nvSpPr>
           <p:spPr>
             <a:xfrm>
-              <a:off x="4819839" y="4222354"/>
+              <a:off x="4819969" y="4222326"/>
               <a:ext cx="548376" cy="99300"/>
             </a:xfrm>
             <a:prstGeom prst="rect">
@@ -5212,7 +5212,7 @@
           </p:nvSpPr>
           <p:spPr>
             <a:xfrm>
-              <a:off x="4840892" y="3172311"/>
+              <a:off x="4839057" y="3172114"/>
               <a:ext cx="548376" cy="99300"/>
             </a:xfrm>
             <a:prstGeom prst="rect">
@@ -5258,7 +5258,7 @@
           </p:nvSpPr>
           <p:spPr>
             <a:xfrm>
-              <a:off x="4737495" y="3960687"/>
+              <a:off x="4737694" y="3961061"/>
               <a:ext cx="548376" cy="99300"/>
             </a:xfrm>
             <a:prstGeom prst="rect">
@@ -5304,7 +5304,7 @@
           </p:nvSpPr>
           <p:spPr>
             <a:xfrm>
-              <a:off x="3914845" y="5021380"/>
+              <a:off x="3913312" y="5021489"/>
               <a:ext cx="548376" cy="99300"/>
             </a:xfrm>
             <a:prstGeom prst="rect">
@@ -5350,7 +5350,7 @@
           </p:nvSpPr>
           <p:spPr>
             <a:xfrm>
-              <a:off x="4020840" y="3802602"/>
+              <a:off x="4020502" y="3802823"/>
               <a:ext cx="548376" cy="99300"/>
             </a:xfrm>
             <a:prstGeom prst="rect">
@@ -5396,7 +5396,7 @@
           </p:nvSpPr>
           <p:spPr>
             <a:xfrm>
-              <a:off x="5163775" y="2283754"/>
+              <a:off x="5164257" y="2284733"/>
               <a:ext cx="548376" cy="99300"/>
             </a:xfrm>
             <a:prstGeom prst="rect">
@@ -5442,7 +5442,7 @@
           </p:nvSpPr>
           <p:spPr>
             <a:xfrm>
-              <a:off x="5480883" y="3018753"/>
+              <a:off x="5478061" y="3018511"/>
               <a:ext cx="548376" cy="99300"/>
             </a:xfrm>
             <a:prstGeom prst="rect">
@@ -5488,7 +5488,7 @@
           </p:nvSpPr>
           <p:spPr>
             <a:xfrm>
-              <a:off x="5094108" y="3343760"/>
+              <a:off x="5093631" y="3344225"/>
               <a:ext cx="548376" cy="99300"/>
             </a:xfrm>
             <a:prstGeom prst="rect">
@@ -5534,7 +5534,7 @@
           </p:nvSpPr>
           <p:spPr>
             <a:xfrm>
-              <a:off x="3701216" y="4392268"/>
+              <a:off x="3473683" y="4666531"/>
               <a:ext cx="1108187" cy="201459"/>
             </a:xfrm>
             <a:prstGeom prst="rect">
@@ -5580,7 +5580,7 @@
           </p:nvSpPr>
           <p:spPr>
             <a:xfrm>
-              <a:off x="4134559" y="3701877"/>
+              <a:off x="4181410" y="3645115"/>
               <a:ext cx="1108187" cy="201459"/>
             </a:xfrm>
             <a:prstGeom prst="rect">
@@ -5626,7 +5626,7 @@
           </p:nvSpPr>
           <p:spPr>
             <a:xfrm>
-              <a:off x="4211203" y="3551489"/>
+              <a:off x="4390569" y="3333868"/>
               <a:ext cx="1108187" cy="201459"/>
             </a:xfrm>
             <a:prstGeom prst="rect">
@@ -5672,7 +5672,7 @@
           </p:nvSpPr>
           <p:spPr>
             <a:xfrm>
-              <a:off x="4962189" y="2637582"/>
+              <a:off x="4962128" y="2638001"/>
               <a:ext cx="1108187" cy="201459"/>
             </a:xfrm>
             <a:prstGeom prst="rect">
@@ -5718,165 +5718,165 @@
           </p:nvSpPr>
           <p:spPr>
             <a:xfrm>
-              <a:off x="3869358" y="4304101"/>
-              <a:ext cx="541251" cy="696398"/>
+              <a:off x="3860266" y="4315327"/>
+              <a:ext cx="550401" cy="669873"/>
             </a:xfrm>
             <a:custGeom>
               <a:avLst/>
               <a:pathLst>
-                <a:path w="541251" h="696398">
+                <a:path w="550401" h="669873">
                   <a:moveTo>
-                    <a:pt x="541251" y="62184"/>
+                    <a:pt x="550401" y="52118"/>
                   </a:moveTo>
                   <a:lnTo>
-                    <a:pt x="539198" y="39937"/>
-                  </a:lnTo>
-                  <a:lnTo>
-                    <a:pt x="533069" y="22366"/>
-                  </a:lnTo>
-                  <a:lnTo>
-                    <a:pt x="522959" y="9739"/>
-                  </a:lnTo>
-                  <a:lnTo>
-                    <a:pt x="509019" y="2245"/>
-                  </a:lnTo>
-                  <a:lnTo>
-                    <a:pt x="491462" y="0"/>
-                  </a:lnTo>
-                  <a:lnTo>
-                    <a:pt x="470553" y="3036"/>
-                  </a:lnTo>
-                  <a:lnTo>
-                    <a:pt x="446609" y="11308"/>
-                  </a:lnTo>
-                  <a:lnTo>
-                    <a:pt x="419994" y="24690"/>
-                  </a:lnTo>
-                  <a:lnTo>
-                    <a:pt x="391111" y="42980"/>
-                  </a:lnTo>
-                  <a:lnTo>
-                    <a:pt x="360397" y="65901"/>
-                  </a:lnTo>
-                  <a:lnTo>
-                    <a:pt x="328319" y="93104"/>
-                  </a:lnTo>
-                  <a:lnTo>
-                    <a:pt x="295362" y="124177"/>
-                  </a:lnTo>
-                  <a:lnTo>
-                    <a:pt x="262026" y="158651"/>
-                  </a:lnTo>
-                  <a:lnTo>
-                    <a:pt x="228817" y="196000"/>
-                  </a:lnTo>
-                  <a:lnTo>
-                    <a:pt x="196238" y="235661"/>
-                  </a:lnTo>
-                  <a:lnTo>
-                    <a:pt x="164782" y="277031"/>
-                  </a:lnTo>
-                  <a:lnTo>
-                    <a:pt x="134927" y="319484"/>
-                  </a:lnTo>
-                  <a:lnTo>
-                    <a:pt x="107125" y="362375"/>
-                  </a:lnTo>
-                  <a:lnTo>
-                    <a:pt x="81798" y="405055"/>
-                  </a:lnTo>
-                  <a:lnTo>
-                    <a:pt x="59329" y="446876"/>
-                  </a:lnTo>
-                  <a:lnTo>
-                    <a:pt x="40059" y="487206"/>
-                  </a:lnTo>
-                  <a:lnTo>
-                    <a:pt x="24281" y="525431"/>
-                  </a:lnTo>
-                  <a:lnTo>
-                    <a:pt x="12233" y="560973"/>
-                  </a:lnTo>
-                  <a:lnTo>
-                    <a:pt x="4098" y="593294"/>
-                  </a:lnTo>
-                  <a:lnTo>
-                    <a:pt x="0" y="621902"/>
-                  </a:lnTo>
-                  <a:lnTo>
-                    <a:pt x="0" y="646365"/>
-                  </a:lnTo>
-                  <a:lnTo>
-                    <a:pt x="4098" y="666312"/>
-                  </a:lnTo>
-                  <a:lnTo>
-                    <a:pt x="12233" y="681439"/>
-                  </a:lnTo>
-                  <a:lnTo>
-                    <a:pt x="24281" y="691519"/>
-                  </a:lnTo>
-                  <a:lnTo>
-                    <a:pt x="40059" y="696398"/>
-                  </a:lnTo>
-                  <a:lnTo>
-                    <a:pt x="59329" y="696002"/>
-                  </a:lnTo>
-                  <a:lnTo>
-                    <a:pt x="81798" y="690337"/>
-                  </a:lnTo>
-                  <a:lnTo>
-                    <a:pt x="107125" y="679489"/>
-                  </a:lnTo>
-                  <a:lnTo>
-                    <a:pt x="134927" y="663623"/>
-                  </a:lnTo>
-                  <a:lnTo>
-                    <a:pt x="164782" y="642979"/>
-                  </a:lnTo>
-                  <a:lnTo>
-                    <a:pt x="196238" y="617869"/>
-                  </a:lnTo>
-                  <a:lnTo>
-                    <a:pt x="228817" y="588675"/>
-                  </a:lnTo>
-                  <a:lnTo>
-                    <a:pt x="262026" y="555840"/>
-                  </a:lnTo>
-                  <a:lnTo>
-                    <a:pt x="295362" y="519860"/>
-                  </a:lnTo>
-                  <a:lnTo>
-                    <a:pt x="328319" y="481281"/>
-                  </a:lnTo>
-                  <a:lnTo>
-                    <a:pt x="360397" y="440689"/>
-                  </a:lnTo>
-                  <a:lnTo>
-                    <a:pt x="391111" y="398698"/>
-                  </a:lnTo>
-                  <a:lnTo>
-                    <a:pt x="419994" y="355945"/>
-                  </a:lnTo>
-                  <a:lnTo>
-                    <a:pt x="446609" y="313078"/>
-                  </a:lnTo>
-                  <a:lnTo>
-                    <a:pt x="470553" y="270747"/>
-                  </a:lnTo>
-                  <a:lnTo>
-                    <a:pt x="491462" y="229594"/>
-                  </a:lnTo>
-                  <a:lnTo>
-                    <a:pt x="509019" y="190242"/>
-                  </a:lnTo>
-                  <a:lnTo>
-                    <a:pt x="522959" y="153288"/>
-                  </a:lnTo>
-                  <a:lnTo>
-                    <a:pt x="533069" y="119292"/>
-                  </a:lnTo>
-                  <a:lnTo>
-                    <a:pt x="539198" y="88770"/>
+                    <a:pt x="548314" y="32125"/>
+                  </a:lnTo>
+                  <a:lnTo>
+                    <a:pt x="542082" y="16721"/>
+                  </a:lnTo>
+                  <a:lnTo>
+                    <a:pt x="531800" y="6137"/>
+                  </a:lnTo>
+                  <a:lnTo>
+                    <a:pt x="517625" y="535"/>
+                  </a:lnTo>
+                  <a:lnTo>
+                    <a:pt x="499771" y="0"/>
+                  </a:lnTo>
+                  <a:lnTo>
+                    <a:pt x="478508" y="4538"/>
+                  </a:lnTo>
+                  <a:lnTo>
+                    <a:pt x="454160" y="14083"/>
+                  </a:lnTo>
+                  <a:lnTo>
+                    <a:pt x="427095" y="28488"/>
+                  </a:lnTo>
+                  <a:lnTo>
+                    <a:pt x="397723" y="47537"/>
+                  </a:lnTo>
+                  <a:lnTo>
+                    <a:pt x="366490" y="70939"/>
+                  </a:lnTo>
+                  <a:lnTo>
+                    <a:pt x="333870" y="98340"/>
+                  </a:lnTo>
+                  <a:lnTo>
+                    <a:pt x="300356" y="129325"/>
+                  </a:lnTo>
+                  <a:lnTo>
+                    <a:pt x="266456" y="163424"/>
+                  </a:lnTo>
+                  <a:lnTo>
+                    <a:pt x="232686" y="200120"/>
+                  </a:lnTo>
+                  <a:lnTo>
+                    <a:pt x="199555" y="238857"/>
+                  </a:lnTo>
+                  <a:lnTo>
+                    <a:pt x="167568" y="279048"/>
+                  </a:lnTo>
+                  <a:lnTo>
+                    <a:pt x="137208" y="320083"/>
+                  </a:lnTo>
+                  <a:lnTo>
+                    <a:pt x="108936" y="361341"/>
+                  </a:lnTo>
+                  <a:lnTo>
+                    <a:pt x="83181" y="402196"/>
+                  </a:lnTo>
+                  <a:lnTo>
+                    <a:pt x="60332" y="442028"/>
+                  </a:lnTo>
+                  <a:lnTo>
+                    <a:pt x="40737" y="480234"/>
+                  </a:lnTo>
+                  <a:lnTo>
+                    <a:pt x="24691" y="516234"/>
+                  </a:lnTo>
+                  <a:lnTo>
+                    <a:pt x="12440" y="549484"/>
+                  </a:lnTo>
+                  <a:lnTo>
+                    <a:pt x="4167" y="579478"/>
+                  </a:lnTo>
+                  <a:lnTo>
+                    <a:pt x="0" y="605763"/>
+                  </a:lnTo>
+                  <a:lnTo>
+                    <a:pt x="0" y="627939"/>
+                  </a:lnTo>
+                  <a:lnTo>
+                    <a:pt x="4167" y="645671"/>
+                  </a:lnTo>
+                  <a:lnTo>
+                    <a:pt x="12440" y="658690"/>
+                  </a:lnTo>
+                  <a:lnTo>
+                    <a:pt x="24691" y="666798"/>
+                  </a:lnTo>
+                  <a:lnTo>
+                    <a:pt x="40737" y="669873"/>
+                  </a:lnTo>
+                  <a:lnTo>
+                    <a:pt x="60332" y="667868"/>
+                  </a:lnTo>
+                  <a:lnTo>
+                    <a:pt x="83181" y="660813"/>
+                  </a:lnTo>
+                  <a:lnTo>
+                    <a:pt x="108936" y="648815"/>
+                  </a:lnTo>
+                  <a:lnTo>
+                    <a:pt x="137208" y="632056"/>
+                  </a:lnTo>
+                  <a:lnTo>
+                    <a:pt x="167568" y="610791"/>
+                  </a:lnTo>
+                  <a:lnTo>
+                    <a:pt x="199555" y="585341"/>
+                  </a:lnTo>
+                  <a:lnTo>
+                    <a:pt x="232686" y="556092"/>
+                  </a:lnTo>
+                  <a:lnTo>
+                    <a:pt x="266456" y="523488"/>
+                  </a:lnTo>
+                  <a:lnTo>
+                    <a:pt x="300356" y="488023"/>
+                  </a:lnTo>
+                  <a:lnTo>
+                    <a:pt x="333870" y="450235"/>
+                  </a:lnTo>
+                  <a:lnTo>
+                    <a:pt x="366490" y="410696"/>
+                  </a:lnTo>
+                  <a:lnTo>
+                    <a:pt x="397723" y="370006"/>
+                  </a:lnTo>
+                  <a:lnTo>
+                    <a:pt x="427095" y="328781"/>
+                  </a:lnTo>
+                  <a:lnTo>
+                    <a:pt x="454160" y="287647"/>
+                  </a:lnTo>
+                  <a:lnTo>
+                    <a:pt x="478508" y="247227"/>
+                  </a:lnTo>
+                  <a:lnTo>
+                    <a:pt x="499771" y="208134"/>
+                  </a:lnTo>
+                  <a:lnTo>
+                    <a:pt x="517625" y="170960"/>
+                  </a:lnTo>
+                  <a:lnTo>
+                    <a:pt x="531800" y="136269"/>
+                  </a:lnTo>
+                  <a:lnTo>
+                    <a:pt x="542082" y="104587"/>
+                  </a:lnTo>
+                  <a:lnTo>
+                    <a:pt x="548314" y="76394"/>
                   </a:lnTo>
                   <a:close/>
                 </a:path>
@@ -5911,165 +5911,165 @@
           </p:nvSpPr>
           <p:spPr>
             <a:xfrm>
-              <a:off x="4241909" y="3599750"/>
-              <a:ext cx="727008" cy="648354"/>
+              <a:off x="4261788" y="3599164"/>
+              <a:ext cx="722658" cy="642146"/>
             </a:xfrm>
             <a:custGeom>
               <a:avLst/>
               <a:pathLst>
-                <a:path w="727008" h="648354">
+                <a:path w="722658" h="642146">
                   <a:moveTo>
-                    <a:pt x="727008" y="32703"/>
+                    <a:pt x="722658" y="29752"/>
                   </a:moveTo>
                   <a:lnTo>
-                    <a:pt x="724250" y="17410"/>
-                  </a:lnTo>
-                  <a:lnTo>
-                    <a:pt x="716018" y="6767"/>
-                  </a:lnTo>
-                  <a:lnTo>
-                    <a:pt x="702438" y="934"/>
-                  </a:lnTo>
-                  <a:lnTo>
-                    <a:pt x="683714" y="0"/>
-                  </a:lnTo>
-                  <a:lnTo>
-                    <a:pt x="660131" y="3978"/>
-                  </a:lnTo>
-                  <a:lnTo>
-                    <a:pt x="632046" y="12810"/>
-                  </a:lnTo>
-                  <a:lnTo>
-                    <a:pt x="599885" y="26361"/>
-                  </a:lnTo>
-                  <a:lnTo>
-                    <a:pt x="564136" y="44425"/>
-                  </a:lnTo>
-                  <a:lnTo>
-                    <a:pt x="525340" y="66728"/>
-                  </a:lnTo>
-                  <a:lnTo>
-                    <a:pt x="484085" y="92933"/>
-                  </a:lnTo>
-                  <a:lnTo>
-                    <a:pt x="440998" y="122643"/>
-                  </a:lnTo>
-                  <a:lnTo>
-                    <a:pt x="396730" y="155406"/>
-                  </a:lnTo>
-                  <a:lnTo>
-                    <a:pt x="351954" y="190727"/>
-                  </a:lnTo>
-                  <a:lnTo>
-                    <a:pt x="307347" y="228069"/>
-                  </a:lnTo>
-                  <a:lnTo>
-                    <a:pt x="263586" y="266868"/>
-                  </a:lnTo>
-                  <a:lnTo>
-                    <a:pt x="221335" y="306534"/>
-                  </a:lnTo>
-                  <a:lnTo>
-                    <a:pt x="181234" y="346466"/>
-                  </a:lnTo>
-                  <a:lnTo>
-                    <a:pt x="143890" y="386059"/>
-                  </a:lnTo>
-                  <a:lnTo>
-                    <a:pt x="109871" y="424713"/>
-                  </a:lnTo>
-                  <a:lnTo>
-                    <a:pt x="79691" y="461842"/>
-                  </a:lnTo>
-                  <a:lnTo>
-                    <a:pt x="53808" y="496883"/>
-                  </a:lnTo>
-                  <a:lnTo>
-                    <a:pt x="32614" y="529305"/>
-                  </a:lnTo>
-                  <a:lnTo>
-                    <a:pt x="16431" y="558616"/>
-                  </a:lnTo>
-                  <a:lnTo>
-                    <a:pt x="5505" y="584372"/>
-                  </a:lnTo>
-                  <a:lnTo>
-                    <a:pt x="0" y="606183"/>
-                  </a:lnTo>
-                  <a:lnTo>
-                    <a:pt x="0" y="623717"/>
-                  </a:lnTo>
-                  <a:lnTo>
-                    <a:pt x="5505" y="636710"/>
-                  </a:lnTo>
-                  <a:lnTo>
-                    <a:pt x="16431" y="644964"/>
-                  </a:lnTo>
-                  <a:lnTo>
-                    <a:pt x="32614" y="648354"/>
-                  </a:lnTo>
-                  <a:lnTo>
-                    <a:pt x="53808" y="646829"/>
-                  </a:lnTo>
-                  <a:lnTo>
-                    <a:pt x="79691" y="640412"/>
-                  </a:lnTo>
-                  <a:lnTo>
-                    <a:pt x="109871" y="629199"/>
-                  </a:lnTo>
-                  <a:lnTo>
-                    <a:pt x="143890" y="613362"/>
-                  </a:lnTo>
-                  <a:lnTo>
-                    <a:pt x="181234" y="593140"/>
-                  </a:lnTo>
-                  <a:lnTo>
-                    <a:pt x="221335" y="568839"/>
-                  </a:lnTo>
-                  <a:lnTo>
-                    <a:pt x="263586" y="540829"/>
-                  </a:lnTo>
-                  <a:lnTo>
-                    <a:pt x="307347" y="509533"/>
-                  </a:lnTo>
-                  <a:lnTo>
-                    <a:pt x="351954" y="475426"/>
-                  </a:lnTo>
-                  <a:lnTo>
-                    <a:pt x="396730" y="439026"/>
-                  </a:lnTo>
-                  <a:lnTo>
-                    <a:pt x="440998" y="400883"/>
-                  </a:lnTo>
-                  <a:lnTo>
-                    <a:pt x="484085" y="361576"/>
-                  </a:lnTo>
-                  <a:lnTo>
-                    <a:pt x="525340" y="321702"/>
-                  </a:lnTo>
-                  <a:lnTo>
-                    <a:pt x="564136" y="281863"/>
-                  </a:lnTo>
-                  <a:lnTo>
-                    <a:pt x="599885" y="242665"/>
-                  </a:lnTo>
-                  <a:lnTo>
-                    <a:pt x="632046" y="204702"/>
-                  </a:lnTo>
-                  <a:lnTo>
-                    <a:pt x="660131" y="168548"/>
-                  </a:lnTo>
-                  <a:lnTo>
-                    <a:pt x="683714" y="134753"/>
-                  </a:lnTo>
-                  <a:lnTo>
-                    <a:pt x="702438" y="103828"/>
-                  </a:lnTo>
-                  <a:lnTo>
-                    <a:pt x="716018" y="76242"/>
-                  </a:lnTo>
-                  <a:lnTo>
-                    <a:pt x="724250" y="52413"/>
+                    <a:pt x="719917" y="15234"/>
+                  </a:lnTo>
+                  <a:lnTo>
+                    <a:pt x="711735" y="5347"/>
+                  </a:lnTo>
+                  <a:lnTo>
+                    <a:pt x="698236" y="244"/>
+                  </a:lnTo>
+                  <a:lnTo>
+                    <a:pt x="679624" y="0"/>
+                  </a:lnTo>
+                  <a:lnTo>
+                    <a:pt x="656182" y="4619"/>
+                  </a:lnTo>
+                  <a:lnTo>
+                    <a:pt x="628265" y="14032"/>
+                  </a:lnTo>
+                  <a:lnTo>
+                    <a:pt x="596297" y="28095"/>
+                  </a:lnTo>
+                  <a:lnTo>
+                    <a:pt x="560761" y="46596"/>
+                  </a:lnTo>
+                  <a:lnTo>
+                    <a:pt x="522197" y="69254"/>
+                  </a:lnTo>
+                  <a:lnTo>
+                    <a:pt x="481190" y="95726"/>
+                  </a:lnTo>
+                  <a:lnTo>
+                    <a:pt x="438360" y="125610"/>
+                  </a:lnTo>
+                  <a:lnTo>
+                    <a:pt x="394357" y="158454"/>
+                  </a:lnTo>
+                  <a:lnTo>
+                    <a:pt x="349848" y="193759"/>
+                  </a:lnTo>
+                  <a:lnTo>
+                    <a:pt x="305508" y="230990"/>
+                  </a:lnTo>
+                  <a:lnTo>
+                    <a:pt x="262010" y="269583"/>
+                  </a:lnTo>
+                  <a:lnTo>
+                    <a:pt x="220011" y="308953"/>
+                  </a:lnTo>
+                  <a:lnTo>
+                    <a:pt x="180150" y="348502"/>
+                  </a:lnTo>
+                  <a:lnTo>
+                    <a:pt x="143030" y="387633"/>
+                  </a:lnTo>
+                  <a:lnTo>
+                    <a:pt x="109214" y="425751"/>
+                  </a:lnTo>
+                  <a:lnTo>
+                    <a:pt x="79214" y="462278"/>
+                  </a:lnTo>
+                  <a:lnTo>
+                    <a:pt x="53486" y="496661"/>
+                  </a:lnTo>
+                  <a:lnTo>
+                    <a:pt x="32419" y="528378"/>
+                  </a:lnTo>
+                  <a:lnTo>
+                    <a:pt x="16333" y="556950"/>
+                  </a:lnTo>
+                  <a:lnTo>
+                    <a:pt x="5472" y="581942"/>
+                  </a:lnTo>
+                  <a:lnTo>
+                    <a:pt x="0" y="602975"/>
+                  </a:lnTo>
+                  <a:lnTo>
+                    <a:pt x="0" y="619732"/>
+                  </a:lnTo>
+                  <a:lnTo>
+                    <a:pt x="5472" y="631958"/>
+                  </a:lnTo>
+                  <a:lnTo>
+                    <a:pt x="16333" y="639467"/>
+                  </a:lnTo>
+                  <a:lnTo>
+                    <a:pt x="32419" y="642146"/>
+                  </a:lnTo>
+                  <a:lnTo>
+                    <a:pt x="53486" y="639954"/>
+                  </a:lnTo>
+                  <a:lnTo>
+                    <a:pt x="79214" y="632925"/>
+                  </a:lnTo>
+                  <a:lnTo>
+                    <a:pt x="109214" y="621164"/>
+                  </a:lnTo>
+                  <a:lnTo>
+                    <a:pt x="143030" y="604851"/>
+                  </a:lnTo>
+                  <a:lnTo>
+                    <a:pt x="180150" y="584232"/>
+                  </a:lnTo>
+                  <a:lnTo>
+                    <a:pt x="220011" y="559621"/>
+                  </a:lnTo>
+                  <a:lnTo>
+                    <a:pt x="262010" y="531389"/>
+                  </a:lnTo>
+                  <a:lnTo>
+                    <a:pt x="305508" y="499966"/>
+                  </a:lnTo>
+                  <a:lnTo>
+                    <a:pt x="349848" y="465827"/>
+                  </a:lnTo>
+                  <a:lnTo>
+                    <a:pt x="394357" y="429490"/>
+                  </a:lnTo>
+                  <a:lnTo>
+                    <a:pt x="438360" y="391506"/>
+                  </a:lnTo>
+                  <a:lnTo>
+                    <a:pt x="481190" y="352451"/>
+                  </a:lnTo>
+                  <a:lnTo>
+                    <a:pt x="522197" y="312916"/>
+                  </a:lnTo>
+                  <a:lnTo>
+                    <a:pt x="560761" y="273501"/>
+                  </a:lnTo>
+                  <a:lnTo>
+                    <a:pt x="596297" y="234803"/>
+                  </a:lnTo>
+                  <a:lnTo>
+                    <a:pt x="628265" y="197410"/>
+                  </a:lnTo>
+                  <a:lnTo>
+                    <a:pt x="656182" y="161887"/>
+                  </a:lnTo>
+                  <a:lnTo>
+                    <a:pt x="679624" y="128774"/>
+                  </a:lnTo>
+                  <a:lnTo>
+                    <a:pt x="698236" y="98573"/>
+                  </a:lnTo>
+                  <a:lnTo>
+                    <a:pt x="711735" y="71740"/>
+                  </a:lnTo>
+                  <a:lnTo>
+                    <a:pt x="719917" y="48684"/>
                   </a:lnTo>
                   <a:close/>
                 </a:path>
@@ -6104,165 +6104,165 @@
           </p:nvSpPr>
           <p:spPr>
             <a:xfrm>
-              <a:off x="4519817" y="3414324"/>
-              <a:ext cx="644877" cy="334388"/>
+              <a:off x="4540522" y="3430167"/>
+              <a:ext cx="582017" cy="313786"/>
             </a:xfrm>
             <a:custGeom>
               <a:avLst/>
               <a:pathLst>
-                <a:path w="644877" h="334388">
+                <a:path w="582017" h="313786">
                   <a:moveTo>
-                    <a:pt x="644877" y="111987"/>
+                    <a:pt x="582017" y="119345"/>
                   </a:moveTo>
                   <a:lnTo>
-                    <a:pt x="642431" y="93000"/>
-                  </a:lnTo>
-                  <a:lnTo>
-                    <a:pt x="635129" y="75139"/>
-                  </a:lnTo>
-                  <a:lnTo>
-                    <a:pt x="623083" y="58677"/>
-                  </a:lnTo>
-                  <a:lnTo>
-                    <a:pt x="606474" y="43861"/>
-                  </a:lnTo>
-                  <a:lnTo>
-                    <a:pt x="585555" y="30918"/>
-                  </a:lnTo>
-                  <a:lnTo>
-                    <a:pt x="560643" y="20042"/>
-                  </a:lnTo>
-                  <a:lnTo>
-                    <a:pt x="532116" y="11400"/>
-                  </a:lnTo>
-                  <a:lnTo>
-                    <a:pt x="500405" y="5121"/>
-                  </a:lnTo>
-                  <a:lnTo>
-                    <a:pt x="465992" y="1302"/>
-                  </a:lnTo>
-                  <a:lnTo>
-                    <a:pt x="429398" y="0"/>
-                  </a:lnTo>
-                  <a:lnTo>
-                    <a:pt x="391178" y="1234"/>
-                  </a:lnTo>
-                  <a:lnTo>
-                    <a:pt x="351911" y="4986"/>
-                  </a:lnTo>
-                  <a:lnTo>
-                    <a:pt x="312193" y="11200"/>
-                  </a:lnTo>
-                  <a:lnTo>
-                    <a:pt x="272626" y="19781"/>
-                  </a:lnTo>
-                  <a:lnTo>
-                    <a:pt x="233809" y="30598"/>
-                  </a:lnTo>
-                  <a:lnTo>
-                    <a:pt x="196331" y="43489"/>
-                  </a:lnTo>
-                  <a:lnTo>
-                    <a:pt x="160760" y="58256"/>
-                  </a:lnTo>
-                  <a:lnTo>
-                    <a:pt x="127635" y="74678"/>
-                  </a:lnTo>
-                  <a:lnTo>
-                    <a:pt x="97459" y="92504"/>
-                  </a:lnTo>
-                  <a:lnTo>
-                    <a:pt x="70688" y="111465"/>
-                  </a:lnTo>
-                  <a:lnTo>
-                    <a:pt x="47729" y="131273"/>
-                  </a:lnTo>
-                  <a:lnTo>
-                    <a:pt x="28930" y="151628"/>
-                  </a:lnTo>
-                  <a:lnTo>
-                    <a:pt x="14575" y="172221"/>
-                  </a:lnTo>
-                  <a:lnTo>
-                    <a:pt x="4883" y="192740"/>
-                  </a:lnTo>
-                  <a:lnTo>
-                    <a:pt x="0" y="212874"/>
-                  </a:lnTo>
-                  <a:lnTo>
-                    <a:pt x="0" y="232318"/>
-                  </a:lnTo>
-                  <a:lnTo>
-                    <a:pt x="4883" y="250776"/>
-                  </a:lnTo>
-                  <a:lnTo>
-                    <a:pt x="14575" y="267971"/>
-                  </a:lnTo>
-                  <a:lnTo>
-                    <a:pt x="28930" y="283639"/>
-                  </a:lnTo>
-                  <a:lnTo>
-                    <a:pt x="47729" y="297545"/>
-                  </a:lnTo>
-                  <a:lnTo>
-                    <a:pt x="70688" y="309477"/>
-                  </a:lnTo>
-                  <a:lnTo>
-                    <a:pt x="97459" y="319255"/>
-                  </a:lnTo>
-                  <a:lnTo>
-                    <a:pt x="127635" y="326729"/>
-                  </a:lnTo>
-                  <a:lnTo>
-                    <a:pt x="160760" y="331788"/>
-                  </a:lnTo>
-                  <a:lnTo>
-                    <a:pt x="196331" y="334354"/>
-                  </a:lnTo>
-                  <a:lnTo>
-                    <a:pt x="233809" y="334388"/>
-                  </a:lnTo>
-                  <a:lnTo>
-                    <a:pt x="272626" y="331890"/>
-                  </a:lnTo>
-                  <a:lnTo>
-                    <a:pt x="312193" y="326897"/>
-                  </a:lnTo>
-                  <a:lnTo>
-                    <a:pt x="351911" y="319486"/>
-                  </a:lnTo>
-                  <a:lnTo>
-                    <a:pt x="391178" y="309768"/>
-                  </a:lnTo>
-                  <a:lnTo>
-                    <a:pt x="429398" y="297892"/>
-                  </a:lnTo>
-                  <a:lnTo>
-                    <a:pt x="465992" y="284036"/>
-                  </a:lnTo>
-                  <a:lnTo>
-                    <a:pt x="500405" y="268412"/>
-                  </a:lnTo>
-                  <a:lnTo>
-                    <a:pt x="532116" y="251255"/>
-                  </a:lnTo>
-                  <a:lnTo>
-                    <a:pt x="560643" y="232827"/>
-                  </a:lnTo>
-                  <a:lnTo>
-                    <a:pt x="585555" y="213406"/>
-                  </a:lnTo>
-                  <a:lnTo>
-                    <a:pt x="606474" y="193286"/>
-                  </a:lnTo>
-                  <a:lnTo>
-                    <a:pt x="623083" y="172774"/>
-                  </a:lnTo>
-                  <a:lnTo>
-                    <a:pt x="635129" y="152179"/>
-                  </a:lnTo>
-                  <a:lnTo>
-                    <a:pt x="642431" y="131813"/>
+                    <a:pt x="579809" y="100900"/>
+                  </a:lnTo>
+                  <a:lnTo>
+                    <a:pt x="573219" y="83305"/>
+                  </a:lnTo>
+                  <a:lnTo>
+                    <a:pt x="562347" y="66826"/>
+                  </a:lnTo>
+                  <a:lnTo>
+                    <a:pt x="547358" y="51713"/>
+                  </a:lnTo>
+                  <a:lnTo>
+                    <a:pt x="528478" y="38194"/>
+                  </a:lnTo>
+                  <a:lnTo>
+                    <a:pt x="505994" y="26475"/>
+                  </a:lnTo>
+                  <a:lnTo>
+                    <a:pt x="480247" y="16733"/>
+                  </a:lnTo>
+                  <a:lnTo>
+                    <a:pt x="451628" y="9116"/>
+                  </a:lnTo>
+                  <a:lnTo>
+                    <a:pt x="420569" y="3740"/>
+                  </a:lnTo>
+                  <a:lnTo>
+                    <a:pt x="387542" y="685"/>
+                  </a:lnTo>
+                  <a:lnTo>
+                    <a:pt x="353048" y="0"/>
+                  </a:lnTo>
+                  <a:lnTo>
+                    <a:pt x="317608" y="1692"/>
+                  </a:lnTo>
+                  <a:lnTo>
+                    <a:pt x="281762" y="5738"/>
+                  </a:lnTo>
+                  <a:lnTo>
+                    <a:pt x="246051" y="12075"/>
+                  </a:lnTo>
+                  <a:lnTo>
+                    <a:pt x="211018" y="20608"/>
+                  </a:lnTo>
+                  <a:lnTo>
+                    <a:pt x="177193" y="31208"/>
+                  </a:lnTo>
+                  <a:lnTo>
+                    <a:pt x="145090" y="43713"/>
+                  </a:lnTo>
+                  <a:lnTo>
+                    <a:pt x="115194" y="57933"/>
+                  </a:lnTo>
+                  <a:lnTo>
+                    <a:pt x="87959" y="73655"/>
+                  </a:lnTo>
+                  <a:lnTo>
+                    <a:pt x="63798" y="90638"/>
+                  </a:lnTo>
+                  <a:lnTo>
+                    <a:pt x="43077" y="108627"/>
+                  </a:lnTo>
+                  <a:lnTo>
+                    <a:pt x="26110" y="127347"/>
+                  </a:lnTo>
+                  <a:lnTo>
+                    <a:pt x="13154" y="146515"/>
+                  </a:lnTo>
+                  <a:lnTo>
+                    <a:pt x="4407" y="165841"/>
+                  </a:lnTo>
+                  <a:lnTo>
+                    <a:pt x="0" y="185032"/>
+                  </a:lnTo>
+                  <a:lnTo>
+                    <a:pt x="0" y="203797"/>
+                  </a:lnTo>
+                  <a:lnTo>
+                    <a:pt x="4407" y="221851"/>
+                  </a:lnTo>
+                  <a:lnTo>
+                    <a:pt x="13154" y="238920"/>
+                  </a:lnTo>
+                  <a:lnTo>
+                    <a:pt x="26110" y="254747"/>
+                  </a:lnTo>
+                  <a:lnTo>
+                    <a:pt x="43077" y="269090"/>
+                  </a:lnTo>
+                  <a:lnTo>
+                    <a:pt x="63798" y="281733"/>
+                  </a:lnTo>
+                  <a:lnTo>
+                    <a:pt x="87959" y="292484"/>
+                  </a:lnTo>
+                  <a:lnTo>
+                    <a:pt x="115194" y="301180"/>
+                  </a:lnTo>
+                  <a:lnTo>
+                    <a:pt x="145090" y="307689"/>
+                  </a:lnTo>
+                  <a:lnTo>
+                    <a:pt x="177193" y="311912"/>
+                  </a:lnTo>
+                  <a:lnTo>
+                    <a:pt x="211018" y="313786"/>
+                  </a:lnTo>
+                  <a:lnTo>
+                    <a:pt x="246051" y="313281"/>
+                  </a:lnTo>
+                  <a:lnTo>
+                    <a:pt x="281762" y="310407"/>
+                  </a:lnTo>
+                  <a:lnTo>
+                    <a:pt x="317608" y="305205"/>
+                  </a:lnTo>
+                  <a:lnTo>
+                    <a:pt x="353048" y="297756"/>
+                  </a:lnTo>
+                  <a:lnTo>
+                    <a:pt x="387542" y="288171"/>
+                  </a:lnTo>
+                  <a:lnTo>
+                    <a:pt x="420569" y="276597"/>
+                  </a:lnTo>
+                  <a:lnTo>
+                    <a:pt x="451628" y="263209"/>
+                  </a:lnTo>
+                  <a:lnTo>
+                    <a:pt x="480247" y="248209"/>
+                  </a:lnTo>
+                  <a:lnTo>
+                    <a:pt x="505994" y="231826"/>
+                  </a:lnTo>
+                  <a:lnTo>
+                    <a:pt x="528478" y="214307"/>
+                  </a:lnTo>
+                  <a:lnTo>
+                    <a:pt x="547358" y="195918"/>
+                  </a:lnTo>
+                  <a:lnTo>
+                    <a:pt x="562347" y="176937"/>
+                  </a:lnTo>
+                  <a:lnTo>
+                    <a:pt x="573219" y="157653"/>
+                  </a:lnTo>
+                  <a:lnTo>
+                    <a:pt x="579809" y="138358"/>
                   </a:lnTo>
                   <a:close/>
                 </a:path>
@@ -6297,165 +6297,165 @@
           </p:nvSpPr>
           <p:spPr>
             <a:xfrm>
-              <a:off x="5063456" y="2565546"/>
-              <a:ext cx="647226" cy="682673"/>
+              <a:off x="5047413" y="2520032"/>
+              <a:ext cx="693911" cy="769891"/>
             </a:xfrm>
             <a:custGeom>
               <a:avLst/>
               <a:pathLst>
-                <a:path w="647226" h="682673">
+                <a:path w="693911" h="769891">
                   <a:moveTo>
-                    <a:pt x="647226" y="47083"/>
+                    <a:pt x="693911" y="46953"/>
                   </a:moveTo>
                   <a:lnTo>
-                    <a:pt x="644771" y="27990"/>
-                  </a:lnTo>
-                  <a:lnTo>
-                    <a:pt x="637442" y="13647"/>
-                  </a:lnTo>
-                  <a:lnTo>
-                    <a:pt x="625352" y="4269"/>
-                  </a:lnTo>
-                  <a:lnTo>
-                    <a:pt x="608683" y="0"/>
-                  </a:lnTo>
-                  <a:lnTo>
-                    <a:pt x="587688" y="903"/>
-                  </a:lnTo>
-                  <a:lnTo>
-                    <a:pt x="562685" y="6965"/>
-                  </a:lnTo>
-                  <a:lnTo>
-                    <a:pt x="534054" y="18095"/>
-                  </a:lnTo>
-                  <a:lnTo>
-                    <a:pt x="502228" y="34123"/>
-                  </a:lnTo>
-                  <a:lnTo>
-                    <a:pt x="467689" y="54807"/>
-                  </a:lnTo>
-                  <a:lnTo>
-                    <a:pt x="430962" y="79832"/>
-                  </a:lnTo>
-                  <a:lnTo>
-                    <a:pt x="392603" y="108821"/>
-                  </a:lnTo>
-                  <a:lnTo>
-                    <a:pt x="353193" y="141332"/>
-                  </a:lnTo>
-                  <a:lnTo>
-                    <a:pt x="313330" y="176874"/>
-                  </a:lnTo>
-                  <a:lnTo>
-                    <a:pt x="273619" y="214908"/>
-                  </a:lnTo>
-                  <a:lnTo>
-                    <a:pt x="234660" y="254857"/>
-                  </a:lnTo>
-                  <a:lnTo>
-                    <a:pt x="197046" y="296115"/>
-                  </a:lnTo>
-                  <a:lnTo>
-                    <a:pt x="161345" y="338057"/>
-                  </a:lnTo>
-                  <a:lnTo>
-                    <a:pt x="128100" y="380047"/>
-                  </a:lnTo>
-                  <a:lnTo>
-                    <a:pt x="97814" y="421449"/>
-                  </a:lnTo>
-                  <a:lnTo>
-                    <a:pt x="70945" y="461635"/>
-                  </a:lnTo>
-                  <a:lnTo>
-                    <a:pt x="47903" y="499996"/>
-                  </a:lnTo>
-                  <a:lnTo>
-                    <a:pt x="29035" y="535951"/>
-                  </a:lnTo>
-                  <a:lnTo>
-                    <a:pt x="14628" y="568953"/>
-                  </a:lnTo>
-                  <a:lnTo>
-                    <a:pt x="4900" y="598504"/>
-                  </a:lnTo>
-                  <a:lnTo>
-                    <a:pt x="0" y="624155"/>
-                  </a:lnTo>
-                  <a:lnTo>
-                    <a:pt x="0" y="645517"/>
-                  </a:lnTo>
-                  <a:lnTo>
-                    <a:pt x="4900" y="662267"/>
-                  </a:lnTo>
-                  <a:lnTo>
-                    <a:pt x="14628" y="674150"/>
-                  </a:lnTo>
-                  <a:lnTo>
-                    <a:pt x="29035" y="680987"/>
-                  </a:lnTo>
-                  <a:lnTo>
-                    <a:pt x="47903" y="682673"/>
-                  </a:lnTo>
-                  <a:lnTo>
-                    <a:pt x="70945" y="679184"/>
-                  </a:lnTo>
-                  <a:lnTo>
-                    <a:pt x="97814" y="670571"/>
-                  </a:lnTo>
-                  <a:lnTo>
-                    <a:pt x="128100" y="656967"/>
-                  </a:lnTo>
-                  <a:lnTo>
-                    <a:pt x="161345" y="638576"/>
-                  </a:lnTo>
-                  <a:lnTo>
-                    <a:pt x="197046" y="615678"/>
-                  </a:lnTo>
-                  <a:lnTo>
-                    <a:pt x="234660" y="588619"/>
-                  </a:lnTo>
-                  <a:lnTo>
-                    <a:pt x="273619" y="557811"/>
-                  </a:lnTo>
-                  <a:lnTo>
-                    <a:pt x="313330" y="523720"/>
-                  </a:lnTo>
-                  <a:lnTo>
-                    <a:pt x="353193" y="486862"/>
-                  </a:lnTo>
-                  <a:lnTo>
-                    <a:pt x="392603" y="447797"/>
-                  </a:lnTo>
-                  <a:lnTo>
-                    <a:pt x="430962" y="407116"/>
-                  </a:lnTo>
-                  <a:lnTo>
-                    <a:pt x="467689" y="365437"/>
-                  </a:lnTo>
-                  <a:lnTo>
-                    <a:pt x="502228" y="323391"/>
-                  </a:lnTo>
-                  <a:lnTo>
-                    <a:pt x="534054" y="281616"/>
-                  </a:lnTo>
-                  <a:lnTo>
-                    <a:pt x="562685" y="240744"/>
-                  </a:lnTo>
-                  <a:lnTo>
-                    <a:pt x="587688" y="201396"/>
-                  </a:lnTo>
-                  <a:lnTo>
-                    <a:pt x="608683" y="164168"/>
-                  </a:lnTo>
-                  <a:lnTo>
-                    <a:pt x="625352" y="129623"/>
-                  </a:lnTo>
-                  <a:lnTo>
-                    <a:pt x="637442" y="98287"/>
-                  </a:lnTo>
-                  <a:lnTo>
-                    <a:pt x="644771" y="70634"/>
+                    <a:pt x="691279" y="26865"/>
+                  </a:lnTo>
+                  <a:lnTo>
+                    <a:pt x="683422" y="12209"/>
+                  </a:lnTo>
+                  <a:lnTo>
+                    <a:pt x="670460" y="3209"/>
+                  </a:lnTo>
+                  <a:lnTo>
+                    <a:pt x="652589" y="0"/>
+                  </a:lnTo>
+                  <a:lnTo>
+                    <a:pt x="630079" y="2630"/>
+                  </a:lnTo>
+                  <a:lnTo>
+                    <a:pt x="603273" y="11060"/>
+                  </a:lnTo>
+                  <a:lnTo>
+                    <a:pt x="572576" y="25163"/>
+                  </a:lnTo>
+                  <a:lnTo>
+                    <a:pt x="538454" y="44724"/>
+                  </a:lnTo>
+                  <a:lnTo>
+                    <a:pt x="501425" y="69447"/>
+                  </a:lnTo>
+                  <a:lnTo>
+                    <a:pt x="462048" y="98956"/>
+                  </a:lnTo>
+                  <a:lnTo>
+                    <a:pt x="420922" y="132806"/>
+                  </a:lnTo>
+                  <a:lnTo>
+                    <a:pt x="378670" y="170482"/>
+                  </a:lnTo>
+                  <a:lnTo>
+                    <a:pt x="335931" y="211414"/>
+                  </a:lnTo>
+                  <a:lnTo>
+                    <a:pt x="293355" y="254981"/>
+                  </a:lnTo>
+                  <a:lnTo>
+                    <a:pt x="251587" y="300522"/>
+                  </a:lnTo>
+                  <a:lnTo>
+                    <a:pt x="211259" y="347347"/>
+                  </a:lnTo>
+                  <a:lnTo>
+                    <a:pt x="172983" y="394747"/>
+                  </a:lnTo>
+                  <a:lnTo>
+                    <a:pt x="137340" y="442003"/>
+                  </a:lnTo>
+                  <a:lnTo>
+                    <a:pt x="104869" y="488398"/>
+                  </a:lnTo>
+                  <a:lnTo>
+                    <a:pt x="76063" y="533229"/>
+                  </a:lnTo>
+                  <a:lnTo>
+                    <a:pt x="51358" y="575817"/>
+                  </a:lnTo>
+                  <a:lnTo>
+                    <a:pt x="31129" y="615516"/>
+                  </a:lnTo>
+                  <a:lnTo>
+                    <a:pt x="15683" y="651725"/>
+                  </a:lnTo>
+                  <a:lnTo>
+                    <a:pt x="5254" y="683893"/>
+                  </a:lnTo>
+                  <a:lnTo>
+                    <a:pt x="0" y="711534"/>
+                  </a:lnTo>
+                  <a:lnTo>
+                    <a:pt x="0" y="734229"/>
+                  </a:lnTo>
+                  <a:lnTo>
+                    <a:pt x="5254" y="751634"/>
+                  </a:lnTo>
+                  <a:lnTo>
+                    <a:pt x="15683" y="763484"/>
+                  </a:lnTo>
+                  <a:lnTo>
+                    <a:pt x="31129" y="769601"/>
+                  </a:lnTo>
+                  <a:lnTo>
+                    <a:pt x="51358" y="769891"/>
+                  </a:lnTo>
+                  <a:lnTo>
+                    <a:pt x="76063" y="764350"/>
+                  </a:lnTo>
+                  <a:lnTo>
+                    <a:pt x="104869" y="753062"/>
+                  </a:lnTo>
+                  <a:lnTo>
+                    <a:pt x="137340" y="736198"/>
+                  </a:lnTo>
+                  <a:lnTo>
+                    <a:pt x="172983" y="714015"/>
+                  </a:lnTo>
+                  <a:lnTo>
+                    <a:pt x="211259" y="686847"/>
+                  </a:lnTo>
+                  <a:lnTo>
+                    <a:pt x="251587" y="655107"/>
+                  </a:lnTo>
+                  <a:lnTo>
+                    <a:pt x="293355" y="619276"/>
+                  </a:lnTo>
+                  <a:lnTo>
+                    <a:pt x="335931" y="579897"/>
+                  </a:lnTo>
+                  <a:lnTo>
+                    <a:pt x="378670" y="537568"/>
+                  </a:lnTo>
+                  <a:lnTo>
+                    <a:pt x="420922" y="492929"/>
+                  </a:lnTo>
+                  <a:lnTo>
+                    <a:pt x="462048" y="446658"/>
+                  </a:lnTo>
+                  <a:lnTo>
+                    <a:pt x="501425" y="399456"/>
+                  </a:lnTo>
+                  <a:lnTo>
+                    <a:pt x="538454" y="352038"/>
+                  </a:lnTo>
+                  <a:lnTo>
+                    <a:pt x="572576" y="305124"/>
+                  </a:lnTo>
+                  <a:lnTo>
+                    <a:pt x="603273" y="259424"/>
+                  </a:lnTo>
+                  <a:lnTo>
+                    <a:pt x="630079" y="215631"/>
+                  </a:lnTo>
+                  <a:lnTo>
+                    <a:pt x="652589" y="174409"/>
+                  </a:lnTo>
+                  <a:lnTo>
+                    <a:pt x="670460" y="136384"/>
+                  </a:lnTo>
+                  <a:lnTo>
+                    <a:pt x="683422" y="102130"/>
+                  </a:lnTo>
+                  <a:lnTo>
+                    <a:pt x="691279" y="72169"/>
                   </a:lnTo>
                   <a:close/>
                 </a:path>
@@ -9715,18 +9715,18 @@
           </p:nvSpPr>
           <p:spPr>
             <a:xfrm>
-              <a:off x="2022306" y="4575507"/>
-              <a:ext cx="124088" cy="57132"/>
+              <a:off x="2022078" y="4575408"/>
+              <a:ext cx="124316" cy="57231"/>
             </a:xfrm>
             <a:custGeom>
               <a:avLst/>
               <a:pathLst>
-                <a:path w="124088" h="57132">
+                <a:path w="124316" h="57231">
                   <a:moveTo>
                     <a:pt x="0" y="0"/>
                   </a:moveTo>
                   <a:lnTo>
-                    <a:pt x="124088" y="57132"/>
+                    <a:pt x="124316" y="57231"/>
                   </a:lnTo>
                 </a:path>
               </a:pathLst>
@@ -9746,18 +9746,18 @@
           </p:nvSpPr>
           <p:spPr>
             <a:xfrm>
-              <a:off x="2540093" y="4626330"/>
-              <a:ext cx="96113" cy="35937"/>
+              <a:off x="2422912" y="4273277"/>
+              <a:ext cx="50264" cy="86420"/>
             </a:xfrm>
             <a:custGeom>
               <a:avLst/>
               <a:pathLst>
-                <a:path w="96113" h="35937">
+                <a:path w="50264" h="86420">
                   <a:moveTo>
-                    <a:pt x="96113" y="35937"/>
+                    <a:pt x="0" y="0"/>
                   </a:moveTo>
                   <a:lnTo>
-                    <a:pt x="0" y="0"/>
+                    <a:pt x="50264" y="86420"/>
                   </a:lnTo>
                 </a:path>
               </a:pathLst>
@@ -9777,18 +9777,18 @@
           </p:nvSpPr>
           <p:spPr>
             <a:xfrm>
-              <a:off x="3320290" y="3032147"/>
-              <a:ext cx="99148" cy="68303"/>
+              <a:off x="2540095" y="4626326"/>
+              <a:ext cx="96126" cy="35911"/>
             </a:xfrm>
             <a:custGeom>
               <a:avLst/>
               <a:pathLst>
-                <a:path w="99148" h="68303">
+                <a:path w="96126" h="35911">
                   <a:moveTo>
-                    <a:pt x="0" y="68303"/>
+                    <a:pt x="96126" y="35911"/>
                   </a:moveTo>
                   <a:lnTo>
-                    <a:pt x="99148" y="0"/>
+                    <a:pt x="0" y="0"/>
                   </a:lnTo>
                 </a:path>
               </a:pathLst>
@@ -9808,18 +9808,49 @@
           </p:nvSpPr>
           <p:spPr>
             <a:xfrm>
-              <a:off x="2113794" y="4335674"/>
-              <a:ext cx="123610" cy="65876"/>
+              <a:off x="3320957" y="3032133"/>
+              <a:ext cx="98470" cy="67661"/>
             </a:xfrm>
             <a:custGeom>
               <a:avLst/>
               <a:pathLst>
-                <a:path w="123610" h="65876">
+                <a:path w="98470" h="67661">
+                  <a:moveTo>
+                    <a:pt x="0" y="67661"/>
+                  </a:moveTo>
+                  <a:lnTo>
+                    <a:pt x="98470" y="0"/>
+                  </a:lnTo>
+                </a:path>
+              </a:pathLst>
+            </a:custGeom>
+          </p:spPr>
+          <p:txBody>
+            <a:bodyPr/>
+            <a:lstStyle/>
+            <a:p/>
+          </p:txBody>
+        </p:sp>
+        <p:sp>
+          <p:nvSpPr>
+            <p:cNvPr id="64" name="pl63"/>
+            <p:cNvSpPr/>
+            <p:nvPr/>
+          </p:nvSpPr>
+          <p:spPr>
+            <a:xfrm>
+              <a:off x="2098463" y="4334601"/>
+              <a:ext cx="138702" cy="67416"/>
+            </a:xfrm>
+            <a:custGeom>
+              <a:avLst/>
+              <a:pathLst>
+                <a:path w="138702" h="67416">
                   <a:moveTo>
                     <a:pt x="0" y="0"/>
                   </a:moveTo>
                   <a:lnTo>
-                    <a:pt x="123610" y="65876"/>
+                    <a:pt x="138702" y="67416"/>
                   </a:lnTo>
                 </a:path>
               </a:pathLst>
@@ -9833,24 +9864,24 @@
         </p:sp>
         <p:sp>
           <p:nvSpPr>
-            <p:cNvPr id="64" name="pl63"/>
-            <p:cNvSpPr/>
-            <p:nvPr/>
-          </p:nvSpPr>
-          <p:spPr>
-            <a:xfrm>
-              <a:off x="3205813" y="2942837"/>
-              <a:ext cx="92613" cy="11256"/>
+            <p:cNvPr id="65" name="pl64"/>
+            <p:cNvSpPr/>
+            <p:nvPr/>
+          </p:nvSpPr>
+          <p:spPr>
+            <a:xfrm>
+              <a:off x="3204889" y="2942303"/>
+              <a:ext cx="93543" cy="11737"/>
             </a:xfrm>
             <a:custGeom>
               <a:avLst/>
               <a:pathLst>
-                <a:path w="92613" h="11256">
+                <a:path w="93543" h="11737">
                   <a:moveTo>
                     <a:pt x="0" y="0"/>
                   </a:moveTo>
                   <a:lnTo>
-                    <a:pt x="92613" y="11256"/>
+                    <a:pt x="93543" y="11737"/>
                   </a:lnTo>
                 </a:path>
               </a:pathLst>
@@ -9864,13 +9895,13 @@
         </p:sp>
         <p:sp>
           <p:nvSpPr>
-            <p:cNvPr id="65" name="tx64"/>
-            <p:cNvSpPr/>
-            <p:nvPr/>
-          </p:nvSpPr>
-          <p:spPr>
-            <a:xfrm>
-              <a:off x="1511359" y="4508371"/>
+            <p:cNvPr id="66" name="tx65"/>
+            <p:cNvSpPr/>
+            <p:nvPr/>
+          </p:nvSpPr>
+          <p:spPr>
+            <a:xfrm>
+              <a:off x="1511131" y="4508278"/>
               <a:ext cx="488087" cy="99300"/>
             </a:xfrm>
             <a:prstGeom prst="rect">
@@ -9910,13 +9941,13 @@
         </p:sp>
         <p:sp>
           <p:nvSpPr>
-            <p:cNvPr id="66" name="tx65"/>
-            <p:cNvSpPr/>
-            <p:nvPr/>
-          </p:nvSpPr>
-          <p:spPr>
-            <a:xfrm>
-              <a:off x="2761297" y="4242018"/>
+            <p:cNvPr id="67" name="tx66"/>
+            <p:cNvSpPr/>
+            <p:nvPr/>
+          </p:nvSpPr>
+          <p:spPr>
+            <a:xfrm>
+              <a:off x="2745182" y="4242163"/>
               <a:ext cx="488087" cy="99300"/>
             </a:xfrm>
             <a:prstGeom prst="rect">
@@ -9956,13 +9987,13 @@
         </p:sp>
         <p:sp>
           <p:nvSpPr>
-            <p:cNvPr id="67" name="tx66"/>
-            <p:cNvSpPr/>
-            <p:nvPr/>
-          </p:nvSpPr>
-          <p:spPr>
-            <a:xfrm>
-              <a:off x="3201003" y="2696170"/>
+            <p:cNvPr id="68" name="tx67"/>
+            <p:cNvSpPr/>
+            <p:nvPr/>
+          </p:nvSpPr>
+          <p:spPr>
+            <a:xfrm>
+              <a:off x="3201356" y="2696012"/>
               <a:ext cx="488087" cy="99300"/>
             </a:xfrm>
             <a:prstGeom prst="rect">
@@ -10002,13 +10033,13 @@
         </p:sp>
         <p:sp>
           <p:nvSpPr>
-            <p:cNvPr id="68" name="tx67"/>
-            <p:cNvSpPr/>
-            <p:nvPr/>
-          </p:nvSpPr>
-          <p:spPr>
-            <a:xfrm>
-              <a:off x="1632079" y="4898661"/>
+            <p:cNvPr id="69" name="tx68"/>
+            <p:cNvSpPr/>
+            <p:nvPr/>
+          </p:nvSpPr>
+          <p:spPr>
+            <a:xfrm>
+              <a:off x="1630900" y="4899080"/>
               <a:ext cx="488087" cy="99300"/>
             </a:xfrm>
             <a:prstGeom prst="rect">
@@ -10048,13 +10079,13 @@
         </p:sp>
         <p:sp>
           <p:nvSpPr>
-            <p:cNvPr id="69" name="tx68"/>
-            <p:cNvSpPr/>
-            <p:nvPr/>
-          </p:nvSpPr>
-          <p:spPr>
-            <a:xfrm>
-              <a:off x="3562993" y="3269821"/>
+            <p:cNvPr id="70" name="tx69"/>
+            <p:cNvSpPr/>
+            <p:nvPr/>
+          </p:nvSpPr>
+          <p:spPr>
+            <a:xfrm>
+              <a:off x="3564901" y="3269608"/>
               <a:ext cx="488087" cy="98983"/>
             </a:xfrm>
             <a:prstGeom prst="rect">
@@ -10094,13 +10125,13 @@
         </p:sp>
         <p:sp>
           <p:nvSpPr>
-            <p:cNvPr id="70" name="tx69"/>
-            <p:cNvSpPr/>
-            <p:nvPr/>
-          </p:nvSpPr>
-          <p:spPr>
-            <a:xfrm>
-              <a:off x="3807775" y="2680917"/>
+            <p:cNvPr id="71" name="tx70"/>
+            <p:cNvSpPr/>
+            <p:nvPr/>
+          </p:nvSpPr>
+          <p:spPr>
+            <a:xfrm>
+              <a:off x="3808376" y="2680749"/>
               <a:ext cx="488087" cy="98983"/>
             </a:xfrm>
             <a:prstGeom prst="rect">
@@ -10140,13 +10171,13 @@
         </p:sp>
         <p:sp>
           <p:nvSpPr>
-            <p:cNvPr id="71" name="tx70"/>
-            <p:cNvSpPr/>
-            <p:nvPr/>
-          </p:nvSpPr>
-          <p:spPr>
-            <a:xfrm>
-              <a:off x="2181805" y="4211203"/>
+            <p:cNvPr id="72" name="tx71"/>
+            <p:cNvSpPr/>
+            <p:nvPr/>
+          </p:nvSpPr>
+          <p:spPr>
+            <a:xfrm>
+              <a:off x="2165791" y="4151116"/>
               <a:ext cx="488087" cy="99300"/>
             </a:xfrm>
             <a:prstGeom prst="rect">
@@ -10186,13 +10217,13 @@
         </p:sp>
         <p:sp>
           <p:nvSpPr>
-            <p:cNvPr id="72" name="tx71"/>
-            <p:cNvSpPr/>
-            <p:nvPr/>
-          </p:nvSpPr>
-          <p:spPr>
-            <a:xfrm>
-              <a:off x="2659067" y="4604977"/>
+            <p:cNvPr id="73" name="tx72"/>
+            <p:cNvSpPr/>
+            <p:nvPr/>
+          </p:nvSpPr>
+          <p:spPr>
+            <a:xfrm>
+              <a:off x="2659081" y="4604938"/>
               <a:ext cx="488087" cy="99300"/>
             </a:xfrm>
             <a:prstGeom prst="rect">
@@ -10232,13 +10263,13 @@
         </p:sp>
         <p:sp>
           <p:nvSpPr>
-            <p:cNvPr id="73" name="tx72"/>
-            <p:cNvSpPr/>
-            <p:nvPr/>
-          </p:nvSpPr>
-          <p:spPr>
-            <a:xfrm>
-              <a:off x="3272946" y="2883157"/>
+            <p:cNvPr id="74" name="tx73"/>
+            <p:cNvSpPr/>
+            <p:nvPr/>
+          </p:nvSpPr>
+          <p:spPr>
+            <a:xfrm>
+              <a:off x="3273280" y="2883022"/>
               <a:ext cx="548376" cy="99300"/>
             </a:xfrm>
             <a:prstGeom prst="rect">
@@ -10278,13 +10309,13 @@
         </p:sp>
         <p:sp>
           <p:nvSpPr>
-            <p:cNvPr id="74" name="tx73"/>
-            <p:cNvSpPr/>
-            <p:nvPr/>
-          </p:nvSpPr>
-          <p:spPr>
-            <a:xfrm>
-              <a:off x="3102134" y="3438366"/>
+            <p:cNvPr id="75" name="tx74"/>
+            <p:cNvSpPr/>
+            <p:nvPr/>
+          </p:nvSpPr>
+          <p:spPr>
+            <a:xfrm>
+              <a:off x="3101881" y="3437673"/>
               <a:ext cx="548376" cy="99300"/>
             </a:xfrm>
             <a:prstGeom prst="rect">
@@ -10324,13 +10355,13 @@
         </p:sp>
         <p:sp>
           <p:nvSpPr>
-            <p:cNvPr id="75" name="tx74"/>
-            <p:cNvSpPr/>
-            <p:nvPr/>
-          </p:nvSpPr>
-          <p:spPr>
-            <a:xfrm>
-              <a:off x="3385243" y="3608032"/>
+            <p:cNvPr id="76" name="tx75"/>
+            <p:cNvSpPr/>
+            <p:nvPr/>
+          </p:nvSpPr>
+          <p:spPr>
+            <a:xfrm>
+              <a:off x="3385219" y="3607822"/>
               <a:ext cx="548376" cy="99300"/>
             </a:xfrm>
             <a:prstGeom prst="rect">
@@ -10370,13 +10401,13 @@
         </p:sp>
         <p:sp>
           <p:nvSpPr>
-            <p:cNvPr id="76" name="tx75"/>
-            <p:cNvSpPr/>
-            <p:nvPr/>
-          </p:nvSpPr>
-          <p:spPr>
-            <a:xfrm>
-              <a:off x="1985979" y="5096602"/>
+            <p:cNvPr id="77" name="tx76"/>
+            <p:cNvSpPr/>
+            <p:nvPr/>
+          </p:nvSpPr>
+          <p:spPr>
+            <a:xfrm>
+              <a:off x="1985071" y="5095922"/>
               <a:ext cx="548376" cy="99300"/>
             </a:xfrm>
             <a:prstGeom prst="rect">
@@ -10416,13 +10447,13 @@
         </p:sp>
         <p:sp>
           <p:nvSpPr>
-            <p:cNvPr id="77" name="tx76"/>
-            <p:cNvSpPr/>
-            <p:nvPr/>
-          </p:nvSpPr>
-          <p:spPr>
-            <a:xfrm>
-              <a:off x="2749053" y="3052068"/>
+            <p:cNvPr id="78" name="tx77"/>
+            <p:cNvSpPr/>
+            <p:nvPr/>
+          </p:nvSpPr>
+          <p:spPr>
+            <a:xfrm>
+              <a:off x="2749720" y="3051440"/>
               <a:ext cx="548376" cy="99300"/>
             </a:xfrm>
             <a:prstGeom prst="rect">
@@ -10462,13 +10493,13 @@
         </p:sp>
         <p:sp>
           <p:nvSpPr>
-            <p:cNvPr id="78" name="tx77"/>
-            <p:cNvSpPr/>
-            <p:nvPr/>
-          </p:nvSpPr>
-          <p:spPr>
-            <a:xfrm>
-              <a:off x="1542557" y="4267043"/>
+            <p:cNvPr id="79" name="tx78"/>
+            <p:cNvSpPr/>
+            <p:nvPr/>
+          </p:nvSpPr>
+          <p:spPr>
+            <a:xfrm>
+              <a:off x="1527226" y="4267290"/>
               <a:ext cx="548376" cy="99300"/>
             </a:xfrm>
             <a:prstGeom prst="rect">
@@ -10508,13 +10539,13 @@
         </p:sp>
         <p:sp>
           <p:nvSpPr>
-            <p:cNvPr id="79" name="tx78"/>
-            <p:cNvSpPr/>
-            <p:nvPr/>
-          </p:nvSpPr>
-          <p:spPr>
-            <a:xfrm>
-              <a:off x="2759865" y="3238113"/>
+            <p:cNvPr id="80" name="tx79"/>
+            <p:cNvSpPr/>
+            <p:nvPr/>
+          </p:nvSpPr>
+          <p:spPr>
+            <a:xfrm>
+              <a:off x="2759864" y="3238132"/>
               <a:ext cx="548376" cy="99300"/>
             </a:xfrm>
             <a:prstGeom prst="rect">
@@ -10554,13 +10585,13 @@
         </p:sp>
         <p:sp>
           <p:nvSpPr>
-            <p:cNvPr id="80" name="tx79"/>
-            <p:cNvSpPr/>
-            <p:nvPr/>
-          </p:nvSpPr>
-          <p:spPr>
-            <a:xfrm>
-              <a:off x="2634576" y="2882239"/>
+            <p:cNvPr id="81" name="tx80"/>
+            <p:cNvSpPr/>
+            <p:nvPr/>
+          </p:nvSpPr>
+          <p:spPr>
+            <a:xfrm>
+              <a:off x="2633652" y="2881693"/>
               <a:ext cx="548376" cy="99300"/>
             </a:xfrm>
             <a:prstGeom prst="rect">
@@ -10600,13 +10631,13 @@
         </p:sp>
         <p:sp>
           <p:nvSpPr>
-            <p:cNvPr id="81" name="tx80"/>
-            <p:cNvSpPr/>
-            <p:nvPr/>
-          </p:nvSpPr>
-          <p:spPr>
-            <a:xfrm>
-              <a:off x="1920292" y="4774719"/>
+            <p:cNvPr id="82" name="tx81"/>
+            <p:cNvSpPr/>
+            <p:nvPr/>
+          </p:nvSpPr>
+          <p:spPr>
+            <a:xfrm>
+              <a:off x="1920537" y="4775057"/>
               <a:ext cx="548376" cy="99300"/>
             </a:xfrm>
             <a:prstGeom prst="rect">
@@ -10646,13 +10677,13 @@
         </p:sp>
         <p:sp>
           <p:nvSpPr>
-            <p:cNvPr id="82" name="tx81"/>
-            <p:cNvSpPr/>
-            <p:nvPr/>
-          </p:nvSpPr>
-          <p:spPr>
-            <a:xfrm>
-              <a:off x="2034211" y="3619718"/>
+            <p:cNvPr id="83" name="tx82"/>
+            <p:cNvSpPr/>
+            <p:nvPr/>
+          </p:nvSpPr>
+          <p:spPr>
+            <a:xfrm>
+              <a:off x="2034706" y="3619641"/>
               <a:ext cx="548376" cy="99300"/>
             </a:xfrm>
             <a:prstGeom prst="rect">
@@ -10692,13 +10723,13 @@
         </p:sp>
         <p:sp>
           <p:nvSpPr>
-            <p:cNvPr id="83" name="tx82"/>
-            <p:cNvSpPr/>
-            <p:nvPr/>
-          </p:nvSpPr>
-          <p:spPr>
-            <a:xfrm>
-              <a:off x="3416709" y="3099975"/>
+            <p:cNvPr id="84" name="tx83"/>
+            <p:cNvSpPr/>
+            <p:nvPr/>
+          </p:nvSpPr>
+          <p:spPr>
+            <a:xfrm>
+              <a:off x="3417773" y="3099883"/>
               <a:ext cx="548376" cy="99300"/>
             </a:xfrm>
             <a:prstGeom prst="rect">
@@ -10738,13 +10769,13 @@
         </p:sp>
         <p:sp>
           <p:nvSpPr>
-            <p:cNvPr id="84" name="tx83"/>
-            <p:cNvSpPr/>
-            <p:nvPr/>
-          </p:nvSpPr>
-          <p:spPr>
-            <a:xfrm>
-              <a:off x="2562834" y="3982007"/>
+            <p:cNvPr id="85" name="tx84"/>
+            <p:cNvSpPr/>
+            <p:nvPr/>
+          </p:nvSpPr>
+          <p:spPr>
+            <a:xfrm>
+              <a:off x="2563154" y="3981080"/>
               <a:ext cx="548376" cy="99300"/>
             </a:xfrm>
             <a:prstGeom prst="rect">
@@ -10784,13 +10815,13 @@
         </p:sp>
         <p:sp>
           <p:nvSpPr>
-            <p:cNvPr id="85" name="tx84"/>
-            <p:cNvSpPr/>
-            <p:nvPr/>
-          </p:nvSpPr>
-          <p:spPr>
-            <a:xfrm>
-              <a:off x="1346197" y="5132200"/>
+            <p:cNvPr id="86" name="tx85"/>
+            <p:cNvSpPr/>
+            <p:nvPr/>
+          </p:nvSpPr>
+          <p:spPr>
+            <a:xfrm>
+              <a:off x="1345673" y="5132529"/>
               <a:ext cx="548376" cy="99300"/>
             </a:xfrm>
             <a:prstGeom prst="rect">
@@ -10830,13 +10861,13 @@
         </p:sp>
         <p:sp>
           <p:nvSpPr>
-            <p:cNvPr id="86" name="tx85"/>
-            <p:cNvSpPr/>
-            <p:nvPr/>
-          </p:nvSpPr>
-          <p:spPr>
-            <a:xfrm>
-              <a:off x="3859284" y="2384501"/>
+            <p:cNvPr id="87" name="tx86"/>
+            <p:cNvSpPr/>
+            <p:nvPr/>
+          </p:nvSpPr>
+          <p:spPr>
+            <a:xfrm>
+              <a:off x="3858670" y="2385107"/>
               <a:ext cx="548376" cy="99300"/>
             </a:xfrm>
             <a:prstGeom prst="rect">
@@ -10876,13 +10907,13 @@
         </p:sp>
         <p:sp>
           <p:nvSpPr>
-            <p:cNvPr id="87" name="tx86"/>
-            <p:cNvSpPr/>
-            <p:nvPr/>
-          </p:nvSpPr>
-          <p:spPr>
-            <a:xfrm>
-              <a:off x="2019226" y="4676535"/>
+            <p:cNvPr id="88" name="tx87"/>
+            <p:cNvSpPr/>
+            <p:nvPr/>
+          </p:nvSpPr>
+          <p:spPr>
+            <a:xfrm>
+              <a:off x="2019561" y="4677187"/>
               <a:ext cx="548376" cy="99300"/>
             </a:xfrm>
             <a:prstGeom prst="rect">
@@ -10922,13 +10953,13 @@
         </p:sp>
         <p:sp>
           <p:nvSpPr>
-            <p:cNvPr id="88" name="tx87"/>
-            <p:cNvSpPr/>
-            <p:nvPr/>
-          </p:nvSpPr>
-          <p:spPr>
-            <a:xfrm>
-              <a:off x="993246" y="4932488"/>
+            <p:cNvPr id="89" name="tx88"/>
+            <p:cNvSpPr/>
+            <p:nvPr/>
+          </p:nvSpPr>
+          <p:spPr>
+            <a:xfrm>
+              <a:off x="993246" y="4932505"/>
               <a:ext cx="548376" cy="99300"/>
             </a:xfrm>
             <a:prstGeom prst="rect">
@@ -10968,13 +10999,13 @@
         </p:sp>
         <p:sp>
           <p:nvSpPr>
-            <p:cNvPr id="89" name="tx88"/>
-            <p:cNvSpPr/>
-            <p:nvPr/>
-          </p:nvSpPr>
-          <p:spPr>
-            <a:xfrm>
-              <a:off x="3219380" y="2478546"/>
+            <p:cNvPr id="90" name="tx89"/>
+            <p:cNvSpPr/>
+            <p:nvPr/>
+          </p:nvSpPr>
+          <p:spPr>
+            <a:xfrm>
+              <a:off x="3219008" y="2478346"/>
               <a:ext cx="548376" cy="99300"/>
             </a:xfrm>
             <a:prstGeom prst="rect">
@@ -11014,13 +11045,13 @@
         </p:sp>
         <p:sp>
           <p:nvSpPr>
-            <p:cNvPr id="90" name="tx89"/>
-            <p:cNvSpPr/>
-            <p:nvPr/>
-          </p:nvSpPr>
-          <p:spPr>
-            <a:xfrm>
-              <a:off x="2848115" y="3816586"/>
+            <p:cNvPr id="91" name="tx90"/>
+            <p:cNvSpPr/>
+            <p:nvPr/>
+          </p:nvSpPr>
+          <p:spPr>
+            <a:xfrm>
+              <a:off x="2848245" y="3816345"/>
               <a:ext cx="548376" cy="99300"/>
             </a:xfrm>
             <a:prstGeom prst="rect">
@@ -11060,13 +11091,13 @@
         </p:sp>
         <p:sp>
           <p:nvSpPr>
-            <p:cNvPr id="91" name="tx90"/>
-            <p:cNvSpPr/>
-            <p:nvPr/>
-          </p:nvSpPr>
-          <p:spPr>
-            <a:xfrm>
-              <a:off x="2090242" y="4436055"/>
+            <p:cNvPr id="92" name="tx91"/>
+            <p:cNvSpPr/>
+            <p:nvPr/>
+          </p:nvSpPr>
+          <p:spPr>
+            <a:xfrm>
+              <a:off x="2090257" y="4436009"/>
               <a:ext cx="548376" cy="99300"/>
             </a:xfrm>
             <a:prstGeom prst="rect">
@@ -11106,13 +11137,13 @@
         </p:sp>
         <p:sp>
           <p:nvSpPr>
-            <p:cNvPr id="92" name="tx91"/>
-            <p:cNvSpPr/>
-            <p:nvPr/>
-          </p:nvSpPr>
-          <p:spPr>
-            <a:xfrm>
-              <a:off x="2462222" y="3450621"/>
+            <p:cNvPr id="93" name="tx92"/>
+            <p:cNvSpPr/>
+            <p:nvPr/>
+          </p:nvSpPr>
+          <p:spPr>
+            <a:xfrm>
+              <a:off x="2462318" y="3450470"/>
               <a:ext cx="548376" cy="99300"/>
             </a:xfrm>
             <a:prstGeom prst="rect">
@@ -11152,13 +11183,13 @@
         </p:sp>
         <p:sp>
           <p:nvSpPr>
-            <p:cNvPr id="93" name="tx92"/>
-            <p:cNvSpPr/>
-            <p:nvPr/>
-          </p:nvSpPr>
-          <p:spPr>
-            <a:xfrm>
-              <a:off x="1892682" y="4354243"/>
+            <p:cNvPr id="94" name="tx93"/>
+            <p:cNvSpPr/>
+            <p:nvPr/>
+          </p:nvSpPr>
+          <p:spPr>
+            <a:xfrm>
+              <a:off x="2166729" y="4081261"/>
               <a:ext cx="1108187" cy="201459"/>
             </a:xfrm>
             <a:prstGeom prst="rect">
@@ -11198,13 +11229,13 @@
         </p:sp>
         <p:sp>
           <p:nvSpPr>
-            <p:cNvPr id="94" name="tx93"/>
-            <p:cNvSpPr/>
-            <p:nvPr/>
-          </p:nvSpPr>
-          <p:spPr>
-            <a:xfrm>
-              <a:off x="2859387" y="2969680"/>
+            <p:cNvPr id="95" name="tx94"/>
+            <p:cNvSpPr/>
+            <p:nvPr/>
+          </p:nvSpPr>
+          <p:spPr>
+            <a:xfrm>
+              <a:off x="2860105" y="2969169"/>
               <a:ext cx="1108187" cy="201459"/>
             </a:xfrm>
             <a:prstGeom prst="rect">
@@ -11244,13 +11275,13 @@
         </p:sp>
         <p:sp>
           <p:nvSpPr>
-            <p:cNvPr id="95" name="tx94"/>
-            <p:cNvSpPr/>
-            <p:nvPr/>
-          </p:nvSpPr>
-          <p:spPr>
-            <a:xfrm>
-              <a:off x="1427825" y="4780324"/>
+            <p:cNvPr id="96" name="tx95"/>
+            <p:cNvSpPr/>
+            <p:nvPr/>
+          </p:nvSpPr>
+          <p:spPr>
+            <a:xfrm>
+              <a:off x="1427347" y="4780603"/>
               <a:ext cx="1108187" cy="201459"/>
             </a:xfrm>
             <a:prstGeom prst="rect">
@@ -11290,13 +11321,13 @@
         </p:sp>
         <p:sp>
           <p:nvSpPr>
-            <p:cNvPr id="96" name="tx95"/>
-            <p:cNvSpPr/>
-            <p:nvPr/>
-          </p:nvSpPr>
-          <p:spPr>
-            <a:xfrm>
-              <a:off x="2418312" y="3702791"/>
+            <p:cNvPr id="97" name="tx96"/>
+            <p:cNvSpPr/>
+            <p:nvPr/>
+          </p:nvSpPr>
+          <p:spPr>
+            <a:xfrm>
+              <a:off x="2417650" y="3702884"/>
               <a:ext cx="1108187" cy="201459"/>
             </a:xfrm>
             <a:prstGeom prst="rect">
@@ -11336,171 +11367,171 @@
         </p:sp>
         <p:sp>
           <p:nvSpPr>
-            <p:cNvPr id="97" name="pg96"/>
-            <p:cNvSpPr/>
-            <p:nvPr/>
-          </p:nvSpPr>
-          <p:spPr>
-            <a:xfrm>
-              <a:off x="2290273" y="4046557"/>
-              <a:ext cx="609084" cy="561805"/>
+            <p:cNvPr id="98" name="pg97"/>
+            <p:cNvSpPr/>
+            <p:nvPr/>
+          </p:nvSpPr>
+          <p:spPr>
+            <a:xfrm>
+              <a:off x="2303241" y="4096633"/>
+              <a:ext cx="539216" cy="498763"/>
             </a:xfrm>
             <a:custGeom>
               <a:avLst/>
               <a:pathLst>
-                <a:path w="609084" h="561805">
+                <a:path w="539216" h="498763">
                   <a:moveTo>
-                    <a:pt x="609084" y="19411"/>
+                    <a:pt x="539216" y="22268"/>
                   </a:moveTo>
                   <a:lnTo>
-                    <a:pt x="606774" y="8779"/>
-                  </a:lnTo>
-                  <a:lnTo>
-                    <a:pt x="599877" y="2276"/>
-                  </a:lnTo>
-                  <a:lnTo>
-                    <a:pt x="588500" y="0"/>
-                  </a:lnTo>
-                  <a:lnTo>
-                    <a:pt x="572813" y="1985"/>
-                  </a:lnTo>
-                  <a:lnTo>
-                    <a:pt x="553055" y="8202"/>
-                  </a:lnTo>
-                  <a:lnTo>
-                    <a:pt x="529526" y="18557"/>
-                  </a:lnTo>
-                  <a:lnTo>
-                    <a:pt x="502582" y="32892"/>
-                  </a:lnTo>
-                  <a:lnTo>
-                    <a:pt x="472631" y="50990"/>
-                  </a:lnTo>
-                  <a:lnTo>
-                    <a:pt x="440128" y="72577"/>
-                  </a:lnTo>
-                  <a:lnTo>
-                    <a:pt x="405565" y="97325"/>
-                  </a:lnTo>
-                  <a:lnTo>
-                    <a:pt x="369466" y="124860"/>
-                  </a:lnTo>
-                  <a:lnTo>
-                    <a:pt x="332379" y="154763"/>
-                  </a:lnTo>
-                  <a:lnTo>
-                    <a:pt x="294865" y="186583"/>
-                  </a:lnTo>
-                  <a:lnTo>
-                    <a:pt x="257494" y="219835"/>
-                  </a:lnTo>
-                  <a:lnTo>
-                    <a:pt x="220832" y="254017"/>
-                  </a:lnTo>
-                  <a:lnTo>
-                    <a:pt x="185434" y="288609"/>
-                  </a:lnTo>
-                  <a:lnTo>
-                    <a:pt x="151837" y="323089"/>
-                  </a:lnTo>
-                  <a:lnTo>
-                    <a:pt x="120551" y="356932"/>
-                  </a:lnTo>
-                  <a:lnTo>
-                    <a:pt x="92049" y="389627"/>
-                  </a:lnTo>
-                  <a:lnTo>
-                    <a:pt x="66765" y="420676"/>
-                  </a:lnTo>
-                  <a:lnTo>
-                    <a:pt x="45080" y="449611"/>
-                  </a:lnTo>
-                  <a:lnTo>
-                    <a:pt x="27324" y="475991"/>
-                  </a:lnTo>
-                  <a:lnTo>
-                    <a:pt x="13766" y="499418"/>
-                  </a:lnTo>
-                  <a:lnTo>
-                    <a:pt x="4612" y="519535"/>
-                  </a:lnTo>
-                  <a:lnTo>
-                    <a:pt x="0" y="536039"/>
-                  </a:lnTo>
-                  <a:lnTo>
-                    <a:pt x="0" y="548678"/>
-                  </a:lnTo>
-                  <a:lnTo>
-                    <a:pt x="4612" y="557262"/>
-                  </a:lnTo>
-                  <a:lnTo>
-                    <a:pt x="13766" y="561660"/>
-                  </a:lnTo>
-                  <a:lnTo>
-                    <a:pt x="27324" y="561805"/>
-                  </a:lnTo>
-                  <a:lnTo>
-                    <a:pt x="45080" y="557696"/>
-                  </a:lnTo>
-                  <a:lnTo>
-                    <a:pt x="66765" y="549394"/>
-                  </a:lnTo>
-                  <a:lnTo>
-                    <a:pt x="92049" y="537026"/>
-                  </a:lnTo>
-                  <a:lnTo>
-                    <a:pt x="120551" y="520779"/>
-                  </a:lnTo>
-                  <a:lnTo>
-                    <a:pt x="151837" y="500899"/>
-                  </a:lnTo>
-                  <a:lnTo>
-                    <a:pt x="185434" y="477687"/>
-                  </a:lnTo>
-                  <a:lnTo>
-                    <a:pt x="220832" y="451496"/>
-                  </a:lnTo>
-                  <a:lnTo>
-                    <a:pt x="257494" y="422722"/>
-                  </a:lnTo>
-                  <a:lnTo>
-                    <a:pt x="294865" y="391802"/>
-                  </a:lnTo>
-                  <a:lnTo>
-                    <a:pt x="332379" y="359205"/>
-                  </a:lnTo>
-                  <a:lnTo>
-                    <a:pt x="369466" y="325423"/>
-                  </a:lnTo>
-                  <a:lnTo>
-                    <a:pt x="405565" y="290971"/>
-                  </a:lnTo>
-                  <a:lnTo>
-                    <a:pt x="440128" y="256369"/>
-                  </a:lnTo>
-                  <a:lnTo>
-                    <a:pt x="472631" y="222143"/>
-                  </a:lnTo>
-                  <a:lnTo>
-                    <a:pt x="502582" y="188811"/>
-                  </a:lnTo>
-                  <a:lnTo>
-                    <a:pt x="529526" y="156878"/>
-                  </a:lnTo>
-                  <a:lnTo>
-                    <a:pt x="553055" y="126829"/>
-                  </a:lnTo>
-                  <a:lnTo>
-                    <a:pt x="572813" y="99119"/>
-                  </a:lnTo>
-                  <a:lnTo>
-                    <a:pt x="588500" y="74169"/>
-                  </a:lnTo>
-                  <a:lnTo>
-                    <a:pt x="599877" y="52355"/>
-                  </a:lnTo>
-                  <a:lnTo>
-                    <a:pt x="606774" y="34010"/>
+                    <a:pt x="537170" y="11201"/>
+                  </a:lnTo>
+                  <a:lnTo>
+                    <a:pt x="531065" y="3740"/>
+                  </a:lnTo>
+                  <a:lnTo>
+                    <a:pt x="520992" y="0"/>
+                  </a:lnTo>
+                  <a:lnTo>
+                    <a:pt x="507105" y="36"/>
+                  </a:lnTo>
+                  <a:lnTo>
+                    <a:pt x="489614" y="3849"/>
+                  </a:lnTo>
+                  <a:lnTo>
+                    <a:pt x="468784" y="11380"/>
+                  </a:lnTo>
+                  <a:lnTo>
+                    <a:pt x="444930" y="22516"/>
+                  </a:lnTo>
+                  <a:lnTo>
+                    <a:pt x="418415" y="37088"/>
+                  </a:lnTo>
+                  <a:lnTo>
+                    <a:pt x="389640" y="54874"/>
+                  </a:lnTo>
+                  <a:lnTo>
+                    <a:pt x="359042" y="75605"/>
+                  </a:lnTo>
+                  <a:lnTo>
+                    <a:pt x="327084" y="98967"/>
+                  </a:lnTo>
+                  <a:lnTo>
+                    <a:pt x="294252" y="124606"/>
+                  </a:lnTo>
+                  <a:lnTo>
+                    <a:pt x="261041" y="152132"/>
+                  </a:lnTo>
+                  <a:lnTo>
+                    <a:pt x="227957" y="181130"/>
+                  </a:lnTo>
+                  <a:lnTo>
+                    <a:pt x="195500" y="211159"/>
+                  </a:lnTo>
+                  <a:lnTo>
+                    <a:pt x="164162" y="241763"/>
+                  </a:lnTo>
+                  <a:lnTo>
+                    <a:pt x="134420" y="272480"/>
+                  </a:lnTo>
+                  <a:lnTo>
+                    <a:pt x="106722" y="302843"/>
+                  </a:lnTo>
+                  <a:lnTo>
+                    <a:pt x="81490" y="332392"/>
+                  </a:lnTo>
+                  <a:lnTo>
+                    <a:pt x="59106" y="360679"/>
+                  </a:lnTo>
+                  <a:lnTo>
+                    <a:pt x="39909" y="387276"/>
+                  </a:lnTo>
+                  <a:lnTo>
+                    <a:pt x="24190" y="411779"/>
+                  </a:lnTo>
+                  <a:lnTo>
+                    <a:pt x="12187" y="433817"/>
+                  </a:lnTo>
+                  <a:lnTo>
+                    <a:pt x="4083" y="453055"/>
+                  </a:lnTo>
+                  <a:lnTo>
+                    <a:pt x="0" y="469203"/>
+                  </a:lnTo>
+                  <a:lnTo>
+                    <a:pt x="0" y="482014"/>
+                  </a:lnTo>
+                  <a:lnTo>
+                    <a:pt x="4083" y="491296"/>
+                  </a:lnTo>
+                  <a:lnTo>
+                    <a:pt x="12187" y="496907"/>
+                  </a:lnTo>
+                  <a:lnTo>
+                    <a:pt x="24190" y="498763"/>
+                  </a:lnTo>
+                  <a:lnTo>
+                    <a:pt x="39909" y="496834"/>
+                  </a:lnTo>
+                  <a:lnTo>
+                    <a:pt x="59106" y="491151"/>
+                  </a:lnTo>
+                  <a:lnTo>
+                    <a:pt x="81490" y="481800"/>
+                  </a:lnTo>
+                  <a:lnTo>
+                    <a:pt x="106722" y="468922"/>
+                  </a:lnTo>
+                  <a:lnTo>
+                    <a:pt x="134420" y="452712"/>
+                  </a:lnTo>
+                  <a:lnTo>
+                    <a:pt x="164162" y="433417"/>
+                  </a:lnTo>
+                  <a:lnTo>
+                    <a:pt x="195500" y="411329"/>
+                  </a:lnTo>
+                  <a:lnTo>
+                    <a:pt x="227957" y="386782"/>
+                  </a:lnTo>
+                  <a:lnTo>
+                    <a:pt x="261041" y="360148"/>
+                  </a:lnTo>
+                  <a:lnTo>
+                    <a:pt x="294252" y="331833"/>
+                  </a:lnTo>
+                  <a:lnTo>
+                    <a:pt x="327084" y="302264"/>
+                  </a:lnTo>
+                  <a:lnTo>
+                    <a:pt x="359042" y="271889"/>
+                  </a:lnTo>
+                  <a:lnTo>
+                    <a:pt x="389640" y="241170"/>
+                  </a:lnTo>
+                  <a:lnTo>
+                    <a:pt x="418415" y="210573"/>
+                  </a:lnTo>
+                  <a:lnTo>
+                    <a:pt x="444930" y="180560"/>
+                  </a:lnTo>
+                  <a:lnTo>
+                    <a:pt x="468784" y="151586"/>
+                  </a:lnTo>
+                  <a:lnTo>
+                    <a:pt x="489614" y="124092"/>
+                  </a:lnTo>
+                  <a:lnTo>
+                    <a:pt x="507105" y="98494"/>
+                  </a:lnTo>
+                  <a:lnTo>
+                    <a:pt x="520992" y="75179"/>
+                  </a:lnTo>
+                  <a:lnTo>
+                    <a:pt x="531065" y="54502"/>
+                  </a:lnTo>
+                  <a:lnTo>
+                    <a:pt x="537170" y="36775"/>
                   </a:lnTo>
                   <a:close/>
                 </a:path>
@@ -11529,171 +11560,171 @@
         </p:sp>
         <p:sp>
           <p:nvSpPr>
-            <p:cNvPr id="98" name="pg97"/>
-            <p:cNvSpPr/>
-            <p:nvPr/>
-          </p:nvSpPr>
-          <p:spPr>
-            <a:xfrm>
-              <a:off x="3351198" y="2768389"/>
-              <a:ext cx="390178" cy="377309"/>
+            <p:cNvPr id="99" name="pg98"/>
+            <p:cNvSpPr/>
+            <p:nvPr/>
+          </p:nvSpPr>
+          <p:spPr>
+            <a:xfrm>
+              <a:off x="3363202" y="2779575"/>
+              <a:ext cx="357346" cy="372003"/>
             </a:xfrm>
             <a:custGeom>
               <a:avLst/>
               <a:pathLst>
-                <a:path w="390178" h="377309">
+                <a:path w="357346" h="372003">
                   <a:moveTo>
-                    <a:pt x="390178" y="20291"/>
+                    <a:pt x="357346" y="22843"/>
                   </a:moveTo>
                   <a:lnTo>
-                    <a:pt x="388698" y="11091"/>
-                  </a:lnTo>
-                  <a:lnTo>
-                    <a:pt x="384280" y="4584"/>
-                  </a:lnTo>
-                  <a:lnTo>
-                    <a:pt x="376992" y="868"/>
-                  </a:lnTo>
-                  <a:lnTo>
-                    <a:pt x="366943" y="0"/>
-                  </a:lnTo>
-                  <a:lnTo>
-                    <a:pt x="354286" y="1991"/>
-                  </a:lnTo>
-                  <a:lnTo>
-                    <a:pt x="339213" y="6813"/>
-                  </a:lnTo>
-                  <a:lnTo>
-                    <a:pt x="321953" y="14392"/>
-                  </a:lnTo>
-                  <a:lnTo>
-                    <a:pt x="302766" y="24613"/>
-                  </a:lnTo>
-                  <a:lnTo>
-                    <a:pt x="281945" y="37321"/>
-                  </a:lnTo>
-                  <a:lnTo>
-                    <a:pt x="259804" y="52324"/>
-                  </a:lnTo>
-                  <a:lnTo>
-                    <a:pt x="236679" y="69394"/>
-                  </a:lnTo>
-                  <a:lnTo>
-                    <a:pt x="212921" y="88273"/>
-                  </a:lnTo>
-                  <a:lnTo>
-                    <a:pt x="188890" y="108674"/>
-                  </a:lnTo>
-                  <a:lnTo>
-                    <a:pt x="164950" y="130288"/>
-                  </a:lnTo>
-                  <a:lnTo>
-                    <a:pt x="141464" y="152787"/>
-                  </a:lnTo>
-                  <a:lnTo>
-                    <a:pt x="118788" y="175831"/>
-                  </a:lnTo>
-                  <a:lnTo>
-                    <a:pt x="97266" y="199069"/>
-                  </a:lnTo>
-                  <a:lnTo>
-                    <a:pt x="77224" y="222150"/>
-                  </a:lnTo>
-                  <a:lnTo>
-                    <a:pt x="58966" y="244725"/>
-                  </a:lnTo>
-                  <a:lnTo>
-                    <a:pt x="42769" y="266449"/>
-                  </a:lnTo>
-                  <a:lnTo>
-                    <a:pt x="28878" y="286995"/>
-                  </a:lnTo>
-                  <a:lnTo>
-                    <a:pt x="17504" y="306051"/>
-                  </a:lnTo>
-                  <a:lnTo>
-                    <a:pt x="8818" y="323328"/>
-                  </a:lnTo>
-                  <a:lnTo>
-                    <a:pt x="2954" y="338563"/>
-                  </a:lnTo>
-                  <a:lnTo>
-                    <a:pt x="0" y="351527"/>
-                  </a:lnTo>
-                  <a:lnTo>
-                    <a:pt x="0" y="362023"/>
-                  </a:lnTo>
-                  <a:lnTo>
-                    <a:pt x="2954" y="369891"/>
-                  </a:lnTo>
-                  <a:lnTo>
-                    <a:pt x="8818" y="375012"/>
-                  </a:lnTo>
-                  <a:lnTo>
-                    <a:pt x="17504" y="377309"/>
-                  </a:lnTo>
-                  <a:lnTo>
-                    <a:pt x="28878" y="376746"/>
-                  </a:lnTo>
-                  <a:lnTo>
-                    <a:pt x="42769" y="373333"/>
-                  </a:lnTo>
-                  <a:lnTo>
-                    <a:pt x="58966" y="367121"/>
-                  </a:lnTo>
-                  <a:lnTo>
-                    <a:pt x="77224" y="358204"/>
-                  </a:lnTo>
-                  <a:lnTo>
-                    <a:pt x="97266" y="346718"/>
-                  </a:lnTo>
-                  <a:lnTo>
-                    <a:pt x="118788" y="332836"/>
-                  </a:lnTo>
-                  <a:lnTo>
-                    <a:pt x="141464" y="316769"/>
-                  </a:lnTo>
-                  <a:lnTo>
-                    <a:pt x="164950" y="298760"/>
-                  </a:lnTo>
-                  <a:lnTo>
-                    <a:pt x="188890" y="279083"/>
-                  </a:lnTo>
-                  <a:lnTo>
-                    <a:pt x="212921" y="258036"/>
-                  </a:lnTo>
-                  <a:lnTo>
-                    <a:pt x="236679" y="235937"/>
-                  </a:lnTo>
-                  <a:lnTo>
-                    <a:pt x="259804" y="213122"/>
-                  </a:lnTo>
-                  <a:lnTo>
-                    <a:pt x="281945" y="189937"/>
-                  </a:lnTo>
-                  <a:lnTo>
-                    <a:pt x="302766" y="166733"/>
-                  </a:lnTo>
-                  <a:lnTo>
-                    <a:pt x="321953" y="143862"/>
-                  </a:lnTo>
-                  <a:lnTo>
-                    <a:pt x="339213" y="121671"/>
-                  </a:lnTo>
-                  <a:lnTo>
-                    <a:pt x="354286" y="100496"/>
-                  </a:lnTo>
-                  <a:lnTo>
-                    <a:pt x="366943" y="80657"/>
-                  </a:lnTo>
-                  <a:lnTo>
-                    <a:pt x="376992" y="62456"/>
-                  </a:lnTo>
-                  <a:lnTo>
-                    <a:pt x="384280" y="46169"/>
-                  </a:lnTo>
-                  <a:lnTo>
-                    <a:pt x="388698" y="32042"/>
+                    <a:pt x="355991" y="13100"/>
+                  </a:lnTo>
+                  <a:lnTo>
+                    <a:pt x="351945" y="5980"/>
+                  </a:lnTo>
+                  <a:lnTo>
+                    <a:pt x="345270" y="1591"/>
+                  </a:lnTo>
+                  <a:lnTo>
+                    <a:pt x="336066" y="0"/>
+                  </a:lnTo>
+                  <a:lnTo>
+                    <a:pt x="324475" y="1229"/>
+                  </a:lnTo>
+                  <a:lnTo>
+                    <a:pt x="310670" y="5262"/>
+                  </a:lnTo>
+                  <a:lnTo>
+                    <a:pt x="294862" y="12037"/>
+                  </a:lnTo>
+                  <a:lnTo>
+                    <a:pt x="277290" y="21451"/>
+                  </a:lnTo>
+                  <a:lnTo>
+                    <a:pt x="258221" y="33361"/>
+                  </a:lnTo>
+                  <a:lnTo>
+                    <a:pt x="237943" y="47587"/>
+                  </a:lnTo>
+                  <a:lnTo>
+                    <a:pt x="216764" y="63913"/>
+                  </a:lnTo>
+                  <a:lnTo>
+                    <a:pt x="195005" y="82092"/>
+                  </a:lnTo>
+                  <a:lnTo>
+                    <a:pt x="172996" y="101849"/>
+                  </a:lnTo>
+                  <a:lnTo>
+                    <a:pt x="151070" y="122882"/>
+                  </a:lnTo>
+                  <a:lnTo>
+                    <a:pt x="129561" y="144875"/>
+                  </a:lnTo>
+                  <a:lnTo>
+                    <a:pt x="108793" y="167493"/>
+                  </a:lnTo>
+                  <a:lnTo>
+                    <a:pt x="89082" y="190394"/>
+                  </a:lnTo>
+                  <a:lnTo>
+                    <a:pt x="70726" y="213229"/>
+                  </a:lnTo>
+                  <a:lnTo>
+                    <a:pt x="54005" y="235655"/>
+                  </a:lnTo>
+                  <a:lnTo>
+                    <a:pt x="39170" y="257329"/>
+                  </a:lnTo>
+                  <a:lnTo>
+                    <a:pt x="26448" y="277924"/>
+                  </a:lnTo>
+                  <a:lnTo>
+                    <a:pt x="16031" y="297128"/>
+                  </a:lnTo>
+                  <a:lnTo>
+                    <a:pt x="8076" y="314649"/>
+                  </a:lnTo>
+                  <a:lnTo>
+                    <a:pt x="2705" y="330222"/>
+                  </a:lnTo>
+                  <a:lnTo>
+                    <a:pt x="0" y="343611"/>
+                  </a:lnTo>
+                  <a:lnTo>
+                    <a:pt x="0" y="354612"/>
+                  </a:lnTo>
+                  <a:lnTo>
+                    <a:pt x="2705" y="363060"/>
+                  </a:lnTo>
+                  <a:lnTo>
+                    <a:pt x="8076" y="368825"/>
+                  </a:lnTo>
+                  <a:lnTo>
+                    <a:pt x="16031" y="371821"/>
+                  </a:lnTo>
+                  <a:lnTo>
+                    <a:pt x="26448" y="372003"/>
+                  </a:lnTo>
+                  <a:lnTo>
+                    <a:pt x="39170" y="369366"/>
+                  </a:lnTo>
+                  <a:lnTo>
+                    <a:pt x="54005" y="363952"/>
+                  </a:lnTo>
+                  <a:lnTo>
+                    <a:pt x="70726" y="355842"/>
+                  </a:lnTo>
+                  <a:lnTo>
+                    <a:pt x="89082" y="345160"/>
+                  </a:lnTo>
+                  <a:lnTo>
+                    <a:pt x="108793" y="332067"/>
+                  </a:lnTo>
+                  <a:lnTo>
+                    <a:pt x="129561" y="316762"/>
+                  </a:lnTo>
+                  <a:lnTo>
+                    <a:pt x="151070" y="299477"/>
+                  </a:lnTo>
+                  <a:lnTo>
+                    <a:pt x="172996" y="280473"/>
+                  </a:lnTo>
+                  <a:lnTo>
+                    <a:pt x="195005" y="260039"/>
+                  </a:lnTo>
+                  <a:lnTo>
+                    <a:pt x="216764" y="238485"/>
+                  </a:lnTo>
+                  <a:lnTo>
+                    <a:pt x="237943" y="216138"/>
+                  </a:lnTo>
+                  <a:lnTo>
+                    <a:pt x="258221" y="193335"/>
+                  </a:lnTo>
+                  <a:lnTo>
+                    <a:pt x="277290" y="170423"/>
+                  </a:lnTo>
+                  <a:lnTo>
+                    <a:pt x="294862" y="147750"/>
+                  </a:lnTo>
+                  <a:lnTo>
+                    <a:pt x="310670" y="125658"/>
+                  </a:lnTo>
+                  <a:lnTo>
+                    <a:pt x="324475" y="104483"/>
+                  </a:lnTo>
+                  <a:lnTo>
+                    <a:pt x="336066" y="84546"/>
+                  </a:lnTo>
+                  <a:lnTo>
+                    <a:pt x="345270" y="66148"/>
+                  </a:lnTo>
+                  <a:lnTo>
+                    <a:pt x="351945" y="49570"/>
+                  </a:lnTo>
+                  <a:lnTo>
+                    <a:pt x="355991" y="35061"/>
                   </a:lnTo>
                   <a:close/>
                 </a:path>
@@ -11722,171 +11753,171 @@
         </p:sp>
         <p:sp>
           <p:nvSpPr>
-            <p:cNvPr id="99" name="pg98"/>
-            <p:cNvSpPr/>
-            <p:nvPr/>
-          </p:nvSpPr>
-          <p:spPr>
-            <a:xfrm>
-              <a:off x="1619275" y="4985381"/>
-              <a:ext cx="465526" cy="117325"/>
+            <p:cNvPr id="100" name="pg99"/>
+            <p:cNvSpPr/>
+            <p:nvPr/>
+          </p:nvSpPr>
+          <p:spPr>
+            <a:xfrm>
+              <a:off x="1602778" y="4986756"/>
+              <a:ext cx="468967" cy="122293"/>
             </a:xfrm>
             <a:custGeom>
               <a:avLst/>
               <a:pathLst>
-                <a:path w="465526" h="117325">
+                <a:path w="468967" h="122293">
                   <a:moveTo>
-                    <a:pt x="465526" y="17226"/>
+                    <a:pt x="468967" y="21445"/>
                   </a:moveTo>
                   <a:lnTo>
-                    <a:pt x="463761" y="12427"/>
-                  </a:lnTo>
-                  <a:lnTo>
-                    <a:pt x="458490" y="8327"/>
-                  </a:lnTo>
-                  <a:lnTo>
-                    <a:pt x="449793" y="4991"/>
-                  </a:lnTo>
-                  <a:lnTo>
-                    <a:pt x="437804" y="2467"/>
-                  </a:lnTo>
-                  <a:lnTo>
-                    <a:pt x="422703" y="795"/>
-                  </a:lnTo>
-                  <a:lnTo>
-                    <a:pt x="404720" y="0"/>
-                  </a:lnTo>
-                  <a:lnTo>
-                    <a:pt x="384126" y="93"/>
-                  </a:lnTo>
-                  <a:lnTo>
-                    <a:pt x="361234" y="1073"/>
-                  </a:lnTo>
-                  <a:lnTo>
-                    <a:pt x="336392" y="2927"/>
-                  </a:lnTo>
-                  <a:lnTo>
-                    <a:pt x="309975" y="5624"/>
-                  </a:lnTo>
-                  <a:lnTo>
-                    <a:pt x="282385" y="9125"/>
-                  </a:lnTo>
-                  <a:lnTo>
-                    <a:pt x="254039" y="13377"/>
-                  </a:lnTo>
-                  <a:lnTo>
-                    <a:pt x="225367" y="18314"/>
-                  </a:lnTo>
-                  <a:lnTo>
-                    <a:pt x="196804" y="23863"/>
-                  </a:lnTo>
-                  <a:lnTo>
-                    <a:pt x="168783" y="29938"/>
-                  </a:lnTo>
-                  <a:lnTo>
-                    <a:pt x="141728" y="36449"/>
-                  </a:lnTo>
-                  <a:lnTo>
-                    <a:pt x="116050" y="43296"/>
-                  </a:lnTo>
-                  <a:lnTo>
-                    <a:pt x="92138" y="50375"/>
-                  </a:lnTo>
-                  <a:lnTo>
-                    <a:pt x="70354" y="57579"/>
-                  </a:lnTo>
-                  <a:lnTo>
-                    <a:pt x="51028" y="64800"/>
-                  </a:lnTo>
-                  <a:lnTo>
-                    <a:pt x="34455" y="71927"/>
-                  </a:lnTo>
-                  <a:lnTo>
-                    <a:pt x="20884" y="78852"/>
-                  </a:lnTo>
-                  <a:lnTo>
-                    <a:pt x="10521" y="85470"/>
-                  </a:lnTo>
-                  <a:lnTo>
-                    <a:pt x="3525" y="91682"/>
-                  </a:lnTo>
-                  <a:lnTo>
-                    <a:pt x="0" y="97393"/>
-                  </a:lnTo>
-                  <a:lnTo>
-                    <a:pt x="0" y="102516"/>
-                  </a:lnTo>
-                  <a:lnTo>
-                    <a:pt x="3525" y="106974"/>
-                  </a:lnTo>
-                  <a:lnTo>
-                    <a:pt x="10521" y="110699"/>
-                  </a:lnTo>
-                  <a:lnTo>
-                    <a:pt x="20884" y="113635"/>
-                  </a:lnTo>
-                  <a:lnTo>
-                    <a:pt x="34455" y="115737"/>
-                  </a:lnTo>
-                  <a:lnTo>
-                    <a:pt x="51028" y="116973"/>
-                  </a:lnTo>
-                  <a:lnTo>
-                    <a:pt x="70354" y="117325"/>
-                  </a:lnTo>
-                  <a:lnTo>
-                    <a:pt x="92138" y="116787"/>
-                  </a:lnTo>
-                  <a:lnTo>
-                    <a:pt x="116050" y="115367"/>
-                  </a:lnTo>
-                  <a:lnTo>
-                    <a:pt x="141728" y="113087"/>
-                  </a:lnTo>
-                  <a:lnTo>
-                    <a:pt x="168783" y="109982"/>
-                  </a:lnTo>
-                  <a:lnTo>
-                    <a:pt x="196804" y="106099"/>
-                  </a:lnTo>
-                  <a:lnTo>
-                    <a:pt x="225367" y="101495"/>
-                  </a:lnTo>
-                  <a:lnTo>
-                    <a:pt x="254039" y="96242"/>
-                  </a:lnTo>
-                  <a:lnTo>
-                    <a:pt x="282385" y="90419"/>
-                  </a:lnTo>
-                  <a:lnTo>
-                    <a:pt x="309975" y="84114"/>
-                  </a:lnTo>
-                  <a:lnTo>
-                    <a:pt x="336392" y="77423"/>
-                  </a:lnTo>
-                  <a:lnTo>
-                    <a:pt x="361234" y="70446"/>
-                  </a:lnTo>
-                  <a:lnTo>
-                    <a:pt x="384126" y="63291"/>
-                  </a:lnTo>
-                  <a:lnTo>
-                    <a:pt x="404720" y="56065"/>
-                  </a:lnTo>
-                  <a:lnTo>
-                    <a:pt x="422703" y="48878"/>
-                  </a:lnTo>
-                  <a:lnTo>
-                    <a:pt x="437804" y="41838"/>
-                  </a:lnTo>
-                  <a:lnTo>
-                    <a:pt x="449793" y="35054"/>
-                  </a:lnTo>
-                  <a:lnTo>
-                    <a:pt x="458490" y="28626"/>
-                  </a:lnTo>
-                  <a:lnTo>
-                    <a:pt x="463761" y="22654"/>
+                    <a:pt x="467188" y="16028"/>
+                  </a:lnTo>
+                  <a:lnTo>
+                    <a:pt x="461878" y="11296"/>
+                  </a:lnTo>
+                  <a:lnTo>
+                    <a:pt x="453118" y="7321"/>
+                  </a:lnTo>
+                  <a:lnTo>
+                    <a:pt x="441040" y="4162"/>
+                  </a:lnTo>
+                  <a:lnTo>
+                    <a:pt x="425827" y="1868"/>
+                  </a:lnTo>
+                  <a:lnTo>
+                    <a:pt x="407711" y="473"/>
+                  </a:lnTo>
+                  <a:lnTo>
+                    <a:pt x="386965" y="0"/>
+                  </a:lnTo>
+                  <a:lnTo>
+                    <a:pt x="363904" y="453"/>
+                  </a:lnTo>
+                  <a:lnTo>
+                    <a:pt x="338878" y="1828"/>
+                  </a:lnTo>
+                  <a:lnTo>
+                    <a:pt x="312266" y="4103"/>
+                  </a:lnTo>
+                  <a:lnTo>
+                    <a:pt x="284472" y="7243"/>
+                  </a:lnTo>
+                  <a:lnTo>
+                    <a:pt x="255917" y="11201"/>
+                  </a:lnTo>
+                  <a:lnTo>
+                    <a:pt x="227033" y="15917"/>
+                  </a:lnTo>
+                  <a:lnTo>
+                    <a:pt x="198259" y="21320"/>
+                  </a:lnTo>
+                  <a:lnTo>
+                    <a:pt x="170030" y="27327"/>
+                  </a:lnTo>
+                  <a:lnTo>
+                    <a:pt x="142775" y="33848"/>
+                  </a:lnTo>
+                  <a:lnTo>
+                    <a:pt x="116907" y="40784"/>
+                  </a:lnTo>
+                  <a:lnTo>
+                    <a:pt x="92818" y="48028"/>
+                  </a:lnTo>
+                  <a:lnTo>
+                    <a:pt x="70874" y="55473"/>
+                  </a:lnTo>
+                  <a:lnTo>
+                    <a:pt x="51406" y="63005"/>
+                  </a:lnTo>
+                  <a:lnTo>
+                    <a:pt x="34709" y="70509"/>
+                  </a:lnTo>
+                  <a:lnTo>
+                    <a:pt x="21038" y="77872"/>
+                  </a:lnTo>
+                  <a:lnTo>
+                    <a:pt x="10599" y="84982"/>
+                  </a:lnTo>
+                  <a:lnTo>
+                    <a:pt x="3551" y="91732"/>
+                  </a:lnTo>
+                  <a:lnTo>
+                    <a:pt x="0" y="98019"/>
+                  </a:lnTo>
+                  <a:lnTo>
+                    <a:pt x="0" y="103748"/>
+                  </a:lnTo>
+                  <a:lnTo>
+                    <a:pt x="3551" y="108832"/>
+                  </a:lnTo>
+                  <a:lnTo>
+                    <a:pt x="10599" y="113194"/>
+                  </a:lnTo>
+                  <a:lnTo>
+                    <a:pt x="21038" y="116768"/>
+                  </a:lnTo>
+                  <a:lnTo>
+                    <a:pt x="34709" y="119499"/>
+                  </a:lnTo>
+                  <a:lnTo>
+                    <a:pt x="51406" y="121347"/>
+                  </a:lnTo>
+                  <a:lnTo>
+                    <a:pt x="70874" y="122283"/>
+                  </a:lnTo>
+                  <a:lnTo>
+                    <a:pt x="92818" y="122293"/>
+                  </a:lnTo>
+                  <a:lnTo>
+                    <a:pt x="116907" y="121377"/>
+                  </a:lnTo>
+                  <a:lnTo>
+                    <a:pt x="142775" y="119549"/>
+                  </a:lnTo>
+                  <a:lnTo>
+                    <a:pt x="170030" y="116836"/>
+                  </a:lnTo>
+                  <a:lnTo>
+                    <a:pt x="198259" y="113280"/>
+                  </a:lnTo>
+                  <a:lnTo>
+                    <a:pt x="227033" y="108935"/>
+                  </a:lnTo>
+                  <a:lnTo>
+                    <a:pt x="255917" y="103866"/>
+                  </a:lnTo>
+                  <a:lnTo>
+                    <a:pt x="284472" y="98150"/>
+                  </a:lnTo>
+                  <a:lnTo>
+                    <a:pt x="312266" y="91874"/>
+                  </a:lnTo>
+                  <a:lnTo>
+                    <a:pt x="338878" y="85133"/>
+                  </a:lnTo>
+                  <a:lnTo>
+                    <a:pt x="363904" y="78030"/>
+                  </a:lnTo>
+                  <a:lnTo>
+                    <a:pt x="386965" y="70671"/>
+                  </a:lnTo>
+                  <a:lnTo>
+                    <a:pt x="407711" y="63169"/>
+                  </a:lnTo>
+                  <a:lnTo>
+                    <a:pt x="425827" y="55637"/>
+                  </a:lnTo>
+                  <a:lnTo>
+                    <a:pt x="441040" y="48189"/>
+                  </a:lnTo>
+                  <a:lnTo>
+                    <a:pt x="453118" y="40938"/>
+                  </a:lnTo>
+                  <a:lnTo>
+                    <a:pt x="461878" y="33995"/>
+                  </a:lnTo>
+                  <a:lnTo>
+                    <a:pt x="467188" y="27464"/>
                   </a:lnTo>
                   <a:close/>
                 </a:path>
@@ -11915,171 +11946,171 @@
         </p:sp>
         <p:sp>
           <p:nvSpPr>
-            <p:cNvPr id="100" name="pg99"/>
-            <p:cNvSpPr/>
-            <p:nvPr/>
-          </p:nvSpPr>
-          <p:spPr>
-            <a:xfrm>
-              <a:off x="2497666" y="3574345"/>
-              <a:ext cx="669441" cy="815155"/>
+            <p:cNvPr id="101" name="pg100"/>
+            <p:cNvSpPr/>
+            <p:nvPr/>
+          </p:nvSpPr>
+          <p:spPr>
+            <a:xfrm>
+              <a:off x="2500221" y="3589157"/>
+              <a:ext cx="694904" cy="763359"/>
             </a:xfrm>
             <a:custGeom>
               <a:avLst/>
               <a:pathLst>
-                <a:path w="669441" h="815155">
+                <a:path w="694904" h="763359">
                   <a:moveTo>
-                    <a:pt x="669441" y="97677"/>
+                    <a:pt x="694904" y="70908"/>
                   </a:moveTo>
                   <a:lnTo>
-                    <a:pt x="666902" y="67455"/>
-                  </a:lnTo>
-                  <a:lnTo>
-                    <a:pt x="659322" y="42390"/>
-                  </a:lnTo>
-                  <a:lnTo>
-                    <a:pt x="646817" y="22860"/>
-                  </a:lnTo>
-                  <a:lnTo>
-                    <a:pt x="629576" y="9162"/>
-                  </a:lnTo>
-                  <a:lnTo>
-                    <a:pt x="607860" y="1503"/>
-                  </a:lnTo>
-                  <a:lnTo>
-                    <a:pt x="581999" y="0"/>
-                  </a:lnTo>
-                  <a:lnTo>
-                    <a:pt x="552385" y="4675"/>
-                  </a:lnTo>
-                  <a:lnTo>
-                    <a:pt x="519466" y="15457"/>
-                  </a:lnTo>
-                  <a:lnTo>
-                    <a:pt x="483742" y="32183"/>
-                  </a:lnTo>
-                  <a:lnTo>
-                    <a:pt x="445754" y="54600"/>
-                  </a:lnTo>
-                  <a:lnTo>
-                    <a:pt x="406079" y="82368"/>
-                  </a:lnTo>
-                  <a:lnTo>
-                    <a:pt x="365316" y="115065"/>
-                  </a:lnTo>
-                  <a:lnTo>
-                    <a:pt x="324085" y="152196"/>
-                  </a:lnTo>
-                  <a:lnTo>
-                    <a:pt x="283011" y="193198"/>
-                  </a:lnTo>
-                  <a:lnTo>
-                    <a:pt x="242715" y="237450"/>
-                  </a:lnTo>
-                  <a:lnTo>
-                    <a:pt x="203809" y="284281"/>
-                  </a:lnTo>
-                  <a:lnTo>
-                    <a:pt x="166883" y="332981"/>
-                  </a:lnTo>
-                  <a:lnTo>
-                    <a:pt x="132497" y="382811"/>
-                  </a:lnTo>
-                  <a:lnTo>
-                    <a:pt x="101171" y="433016"/>
-                  </a:lnTo>
-                  <a:lnTo>
-                    <a:pt x="73381" y="482836"/>
-                  </a:lnTo>
-                  <a:lnTo>
-                    <a:pt x="49547" y="531515"/>
-                  </a:lnTo>
-                  <a:lnTo>
-                    <a:pt x="30032" y="578314"/>
-                  </a:lnTo>
-                  <a:lnTo>
-                    <a:pt x="15130" y="622526"/>
-                  </a:lnTo>
-                  <a:lnTo>
-                    <a:pt x="5069" y="663479"/>
-                  </a:lnTo>
-                  <a:lnTo>
-                    <a:pt x="0" y="700552"/>
-                  </a:lnTo>
-                  <a:lnTo>
-                    <a:pt x="0" y="733184"/>
-                  </a:lnTo>
-                  <a:lnTo>
-                    <a:pt x="5069" y="760880"/>
-                  </a:lnTo>
-                  <a:lnTo>
-                    <a:pt x="15130" y="783221"/>
-                  </a:lnTo>
-                  <a:lnTo>
-                    <a:pt x="30032" y="799866"/>
-                  </a:lnTo>
-                  <a:lnTo>
-                    <a:pt x="49547" y="810565"/>
-                  </a:lnTo>
-                  <a:lnTo>
-                    <a:pt x="73381" y="815155"/>
-                  </a:lnTo>
-                  <a:lnTo>
-                    <a:pt x="101171" y="813566"/>
-                  </a:lnTo>
-                  <a:lnTo>
-                    <a:pt x="132497" y="805822"/>
-                  </a:lnTo>
-                  <a:lnTo>
-                    <a:pt x="166883" y="792042"/>
-                  </a:lnTo>
-                  <a:lnTo>
-                    <a:pt x="203809" y="772433"/>
-                  </a:lnTo>
-                  <a:lnTo>
-                    <a:pt x="242715" y="747293"/>
-                  </a:lnTo>
-                  <a:lnTo>
-                    <a:pt x="283011" y="717003"/>
-                  </a:lnTo>
-                  <a:lnTo>
-                    <a:pt x="324085" y="682023"/>
-                  </a:lnTo>
-                  <a:lnTo>
-                    <a:pt x="365316" y="642882"/>
-                  </a:lnTo>
-                  <a:lnTo>
-                    <a:pt x="406079" y="600174"/>
-                  </a:lnTo>
-                  <a:lnTo>
-                    <a:pt x="445754" y="554546"/>
-                  </a:lnTo>
-                  <a:lnTo>
-                    <a:pt x="483742" y="506690"/>
-                  </a:lnTo>
-                  <a:lnTo>
-                    <a:pt x="519466" y="457331"/>
-                  </a:lnTo>
-                  <a:lnTo>
-                    <a:pt x="552385" y="407219"/>
-                  </a:lnTo>
-                  <a:lnTo>
-                    <a:pt x="581999" y="357111"/>
-                  </a:lnTo>
-                  <a:lnTo>
-                    <a:pt x="607860" y="307768"/>
-                  </a:lnTo>
-                  <a:lnTo>
-                    <a:pt x="629576" y="259938"/>
-                  </a:lnTo>
-                  <a:lnTo>
-                    <a:pt x="646817" y="214346"/>
-                  </a:lnTo>
-                  <a:lnTo>
-                    <a:pt x="659322" y="171683"/>
-                  </a:lnTo>
-                  <a:lnTo>
-                    <a:pt x="666902" y="132596"/>
+                    <a:pt x="692268" y="46023"/>
+                  </a:lnTo>
+                  <a:lnTo>
+                    <a:pt x="684400" y="26230"/>
+                  </a:lnTo>
+                  <a:lnTo>
+                    <a:pt x="671419" y="11831"/>
+                  </a:lnTo>
+                  <a:lnTo>
+                    <a:pt x="653522" y="3043"/>
+                  </a:lnTo>
+                  <a:lnTo>
+                    <a:pt x="630981" y="0"/>
+                  </a:lnTo>
+                  <a:lnTo>
+                    <a:pt x="604136" y="2747"/>
+                  </a:lnTo>
+                  <a:lnTo>
+                    <a:pt x="573396" y="11244"/>
+                  </a:lnTo>
+                  <a:lnTo>
+                    <a:pt x="539225" y="25361"/>
+                  </a:lnTo>
+                  <a:lnTo>
+                    <a:pt x="502142" y="44884"/>
+                  </a:lnTo>
+                  <a:lnTo>
+                    <a:pt x="462709" y="69518"/>
+                  </a:lnTo>
+                  <a:lnTo>
+                    <a:pt x="421524" y="98889"/>
+                  </a:lnTo>
+                  <a:lnTo>
+                    <a:pt x="379211" y="132551"/>
+                  </a:lnTo>
+                  <a:lnTo>
+                    <a:pt x="336412" y="169995"/>
+                  </a:lnTo>
+                  <a:lnTo>
+                    <a:pt x="293775" y="210653"/>
+                  </a:lnTo>
+                  <a:lnTo>
+                    <a:pt x="251947" y="253908"/>
+                  </a:lnTo>
+                  <a:lnTo>
+                    <a:pt x="211561" y="299105"/>
+                  </a:lnTo>
+                  <a:lnTo>
+                    <a:pt x="173231" y="345559"/>
+                  </a:lnTo>
+                  <a:lnTo>
+                    <a:pt x="137536" y="392565"/>
+                  </a:lnTo>
+                  <a:lnTo>
+                    <a:pt x="105019" y="439411"/>
+                  </a:lnTo>
+                  <a:lnTo>
+                    <a:pt x="76172" y="485387"/>
+                  </a:lnTo>
+                  <a:lnTo>
+                    <a:pt x="51432" y="529796"/>
+                  </a:lnTo>
+                  <a:lnTo>
+                    <a:pt x="31174" y="571965"/>
+                  </a:lnTo>
+                  <a:lnTo>
+                    <a:pt x="15706" y="611253"/>
+                  </a:lnTo>
+                  <a:lnTo>
+                    <a:pt x="5262" y="647067"/>
+                  </a:lnTo>
+                  <a:lnTo>
+                    <a:pt x="0" y="678862"/>
+                  </a:lnTo>
+                  <a:lnTo>
+                    <a:pt x="0" y="706158"/>
+                  </a:lnTo>
+                  <a:lnTo>
+                    <a:pt x="5262" y="728539"/>
+                  </a:lnTo>
+                  <a:lnTo>
+                    <a:pt x="15706" y="745668"/>
+                  </a:lnTo>
+                  <a:lnTo>
+                    <a:pt x="31174" y="757284"/>
+                  </a:lnTo>
+                  <a:lnTo>
+                    <a:pt x="51432" y="763210"/>
+                  </a:lnTo>
+                  <a:lnTo>
+                    <a:pt x="76172" y="763359"/>
+                  </a:lnTo>
+                  <a:lnTo>
+                    <a:pt x="105019" y="757726"/>
+                  </a:lnTo>
+                  <a:lnTo>
+                    <a:pt x="137536" y="746397"/>
+                  </a:lnTo>
+                  <a:lnTo>
+                    <a:pt x="173231" y="729545"/>
+                  </a:lnTo>
+                  <a:lnTo>
+                    <a:pt x="211561" y="707425"/>
+                  </a:lnTo>
+                  <a:lnTo>
+                    <a:pt x="251947" y="680371"/>
+                  </a:lnTo>
+                  <a:lnTo>
+                    <a:pt x="293775" y="648795"/>
+                  </a:lnTo>
+                  <a:lnTo>
+                    <a:pt x="336412" y="613174"/>
+                  </a:lnTo>
+                  <a:lnTo>
+                    <a:pt x="379211" y="574049"/>
+                  </a:lnTo>
+                  <a:lnTo>
+                    <a:pt x="421524" y="532012"/>
+                  </a:lnTo>
+                  <a:lnTo>
+                    <a:pt x="462709" y="487702"/>
+                  </a:lnTo>
+                  <a:lnTo>
+                    <a:pt x="502142" y="441790"/>
+                  </a:lnTo>
+                  <a:lnTo>
+                    <a:pt x="539225" y="394971"/>
+                  </a:lnTo>
+                  <a:lnTo>
+                    <a:pt x="573396" y="347956"/>
+                  </a:lnTo>
+                  <a:lnTo>
+                    <a:pt x="604136" y="301456"/>
+                  </a:lnTo>
+                  <a:lnTo>
+                    <a:pt x="630981" y="256178"/>
+                  </a:lnTo>
+                  <a:lnTo>
+                    <a:pt x="653522" y="212807"/>
+                  </a:lnTo>
+                  <a:lnTo>
+                    <a:pt x="671419" y="172001"/>
+                  </a:lnTo>
+                  <a:lnTo>
+                    <a:pt x="684400" y="134379"/>
+                  </a:lnTo>
+                  <a:lnTo>
+                    <a:pt x="692268" y="100510"/>
                   </a:lnTo>
                   <a:close/>
                 </a:path>
@@ -12108,7 +12139,7 @@
         </p:sp>
         <p:sp>
           <p:nvSpPr>
-            <p:cNvPr id="101" name="tx100"/>
+            <p:cNvPr id="102" name="tx101"/>
             <p:cNvSpPr/>
             <p:nvPr/>
           </p:nvSpPr>
@@ -12154,7 +12185,7 @@
         </p:sp>
         <p:sp>
           <p:nvSpPr>
-            <p:cNvPr id="102" name="tx101"/>
+            <p:cNvPr id="103" name="tx102"/>
             <p:cNvSpPr/>
             <p:nvPr/>
           </p:nvSpPr>
@@ -12200,7 +12231,7 @@
         </p:sp>
         <p:sp>
           <p:nvSpPr>
-            <p:cNvPr id="103" name="tx102"/>
+            <p:cNvPr id="104" name="tx103"/>
             <p:cNvSpPr/>
             <p:nvPr/>
           </p:nvSpPr>
@@ -12246,7 +12277,7 @@
         </p:sp>
         <p:sp>
           <p:nvSpPr>
-            <p:cNvPr id="104" name="tx103"/>
+            <p:cNvPr id="105" name="tx104"/>
             <p:cNvSpPr/>
             <p:nvPr/>
           </p:nvSpPr>
@@ -12292,7 +12323,7 @@
         </p:sp>
         <p:sp>
           <p:nvSpPr>
-            <p:cNvPr id="105" name="tx104"/>
+            <p:cNvPr id="106" name="tx105"/>
             <p:cNvSpPr/>
             <p:nvPr/>
           </p:nvSpPr>
@@ -12338,7 +12369,7 @@
         </p:sp>
         <p:sp>
           <p:nvSpPr>
-            <p:cNvPr id="106" name="pl105"/>
+            <p:cNvPr id="107" name="pl106"/>
             <p:cNvSpPr/>
             <p:nvPr/>
           </p:nvSpPr>
@@ -12378,7 +12409,7 @@
         </p:sp>
         <p:sp>
           <p:nvSpPr>
-            <p:cNvPr id="107" name="pl106"/>
+            <p:cNvPr id="108" name="pl107"/>
             <p:cNvSpPr/>
             <p:nvPr/>
           </p:nvSpPr>
@@ -12418,7 +12449,7 @@
         </p:sp>
         <p:sp>
           <p:nvSpPr>
-            <p:cNvPr id="108" name="pl107"/>
+            <p:cNvPr id="109" name="pl108"/>
             <p:cNvSpPr/>
             <p:nvPr/>
           </p:nvSpPr>
@@ -12458,7 +12489,7 @@
         </p:sp>
         <p:sp>
           <p:nvSpPr>
-            <p:cNvPr id="109" name="pl108"/>
+            <p:cNvPr id="110" name="pl109"/>
             <p:cNvSpPr/>
             <p:nvPr/>
           </p:nvSpPr>
@@ -12498,7 +12529,7 @@
         </p:sp>
         <p:sp>
           <p:nvSpPr>
-            <p:cNvPr id="110" name="pl109"/>
+            <p:cNvPr id="111" name="pl110"/>
             <p:cNvSpPr/>
             <p:nvPr/>
           </p:nvSpPr>
@@ -12538,7 +12569,7 @@
         </p:sp>
         <p:sp>
           <p:nvSpPr>
-            <p:cNvPr id="111" name="pl110"/>
+            <p:cNvPr id="112" name="pl111"/>
             <p:cNvSpPr/>
             <p:nvPr/>
           </p:nvSpPr>
@@ -12578,7 +12609,7 @@
         </p:sp>
         <p:sp>
           <p:nvSpPr>
-            <p:cNvPr id="112" name="pl111"/>
+            <p:cNvPr id="113" name="pl112"/>
             <p:cNvSpPr/>
             <p:nvPr/>
           </p:nvSpPr>
@@ -12618,7 +12649,7 @@
         </p:sp>
         <p:sp>
           <p:nvSpPr>
-            <p:cNvPr id="113" name="pl112"/>
+            <p:cNvPr id="114" name="pl113"/>
             <p:cNvSpPr/>
             <p:nvPr/>
           </p:nvSpPr>
@@ -12658,7 +12689,7 @@
         </p:sp>
         <p:sp>
           <p:nvSpPr>
-            <p:cNvPr id="114" name="pl113"/>
+            <p:cNvPr id="115" name="pl114"/>
             <p:cNvSpPr/>
             <p:nvPr/>
           </p:nvSpPr>
@@ -12698,7 +12729,7 @@
         </p:sp>
         <p:sp>
           <p:nvSpPr>
-            <p:cNvPr id="115" name="pl114"/>
+            <p:cNvPr id="116" name="pl115"/>
             <p:cNvSpPr/>
             <p:nvPr/>
           </p:nvSpPr>
@@ -12738,7 +12769,7 @@
         </p:sp>
         <p:sp>
           <p:nvSpPr>
-            <p:cNvPr id="116" name="pl115"/>
+            <p:cNvPr id="117" name="pl116"/>
             <p:cNvSpPr/>
             <p:nvPr/>
           </p:nvSpPr>
@@ -12778,7 +12809,7 @@
         </p:sp>
         <p:sp>
           <p:nvSpPr>
-            <p:cNvPr id="117" name="tx116"/>
+            <p:cNvPr id="118" name="tx117"/>
             <p:cNvSpPr/>
             <p:nvPr/>
           </p:nvSpPr>
@@ -12824,7 +12855,7 @@
         </p:sp>
         <p:sp>
           <p:nvSpPr>
-            <p:cNvPr id="118" name="tx117"/>
+            <p:cNvPr id="119" name="tx118"/>
             <p:cNvSpPr/>
             <p:nvPr/>
           </p:nvSpPr>
@@ -12870,7 +12901,7 @@
         </p:sp>
         <p:sp>
           <p:nvSpPr>
-            <p:cNvPr id="119" name="tx118"/>
+            <p:cNvPr id="120" name="tx119"/>
             <p:cNvSpPr/>
             <p:nvPr/>
           </p:nvSpPr>
@@ -12916,7 +12947,7 @@
         </p:sp>
         <p:sp>
           <p:nvSpPr>
-            <p:cNvPr id="120" name="tx119"/>
+            <p:cNvPr id="121" name="tx120"/>
             <p:cNvSpPr/>
             <p:nvPr/>
           </p:nvSpPr>
@@ -12962,7 +12993,7 @@
         </p:sp>
         <p:sp>
           <p:nvSpPr>
-            <p:cNvPr id="121" name="tx120"/>
+            <p:cNvPr id="122" name="tx121"/>
             <p:cNvSpPr/>
             <p:nvPr/>
           </p:nvSpPr>
@@ -13008,7 +13039,7 @@
         </p:sp>
         <p:sp>
           <p:nvSpPr>
-            <p:cNvPr id="122" name="tx121"/>
+            <p:cNvPr id="123" name="tx122"/>
             <p:cNvSpPr/>
             <p:nvPr/>
           </p:nvSpPr>
@@ -13054,7 +13085,7 @@
         </p:sp>
         <p:sp>
           <p:nvSpPr>
-            <p:cNvPr id="123" name="tx122"/>
+            <p:cNvPr id="124" name="tx123"/>
             <p:cNvSpPr/>
             <p:nvPr/>
           </p:nvSpPr>
@@ -13100,7 +13131,7 @@
         </p:sp>
         <p:sp>
           <p:nvSpPr>
-            <p:cNvPr id="124" name="tx123"/>
+            <p:cNvPr id="125" name="tx124"/>
             <p:cNvSpPr/>
             <p:nvPr/>
           </p:nvSpPr>
@@ -13146,7 +13177,7 @@
         </p:sp>
         <p:sp>
           <p:nvSpPr>
-            <p:cNvPr id="125" name="tx124"/>
+            <p:cNvPr id="126" name="tx125"/>
             <p:cNvSpPr/>
             <p:nvPr/>
           </p:nvSpPr>
@@ -13192,7 +13223,7 @@
         </p:sp>
         <p:sp>
           <p:nvSpPr>
-            <p:cNvPr id="126" name="rc125"/>
+            <p:cNvPr id="127" name="rc126"/>
             <p:cNvSpPr/>
             <p:nvPr/>
           </p:nvSpPr>
@@ -13227,7 +13258,7 @@
         </p:sp>
         <p:sp>
           <p:nvSpPr>
-            <p:cNvPr id="127" name="rc126"/>
+            <p:cNvPr id="128" name="rc127"/>
             <p:cNvSpPr/>
             <p:nvPr/>
           </p:nvSpPr>
@@ -13262,7 +13293,7 @@
         </p:sp>
         <p:sp>
           <p:nvSpPr>
-            <p:cNvPr id="128" name="pl127"/>
+            <p:cNvPr id="129" name="pl128"/>
             <p:cNvSpPr/>
             <p:nvPr/>
           </p:nvSpPr>
@@ -13305,7 +13336,7 @@
         </p:sp>
         <p:sp>
           <p:nvSpPr>
-            <p:cNvPr id="129" name="pl128"/>
+            <p:cNvPr id="130" name="pl129"/>
             <p:cNvSpPr/>
             <p:nvPr/>
           </p:nvSpPr>
@@ -13348,7 +13379,7 @@
         </p:sp>
         <p:sp>
           <p:nvSpPr>
-            <p:cNvPr id="130" name="pl129"/>
+            <p:cNvPr id="131" name="pl130"/>
             <p:cNvSpPr/>
             <p:nvPr/>
           </p:nvSpPr>
@@ -13391,7 +13422,7 @@
         </p:sp>
         <p:sp>
           <p:nvSpPr>
-            <p:cNvPr id="131" name="pl130"/>
+            <p:cNvPr id="132" name="pl131"/>
             <p:cNvSpPr/>
             <p:nvPr/>
           </p:nvSpPr>
@@ -13434,7 +13465,7 @@
         </p:sp>
         <p:sp>
           <p:nvSpPr>
-            <p:cNvPr id="132" name="pl131"/>
+            <p:cNvPr id="133" name="pl132"/>
             <p:cNvSpPr/>
             <p:nvPr/>
           </p:nvSpPr>
@@ -13477,7 +13508,7 @@
         </p:sp>
         <p:sp>
           <p:nvSpPr>
-            <p:cNvPr id="133" name="pl132"/>
+            <p:cNvPr id="134" name="pl133"/>
             <p:cNvSpPr/>
             <p:nvPr/>
           </p:nvSpPr>
@@ -13520,7 +13551,7 @@
         </p:sp>
         <p:sp>
           <p:nvSpPr>
-            <p:cNvPr id="134" name="pl133"/>
+            <p:cNvPr id="135" name="pl134"/>
             <p:cNvSpPr/>
             <p:nvPr/>
           </p:nvSpPr>
@@ -13563,7 +13594,7 @@
         </p:sp>
         <p:sp>
           <p:nvSpPr>
-            <p:cNvPr id="135" name="pl134"/>
+            <p:cNvPr id="136" name="pl135"/>
             <p:cNvSpPr/>
             <p:nvPr/>
           </p:nvSpPr>
@@ -13606,7 +13637,7 @@
         </p:sp>
         <p:sp>
           <p:nvSpPr>
-            <p:cNvPr id="136" name="pl135"/>
+            <p:cNvPr id="137" name="pl136"/>
             <p:cNvSpPr/>
             <p:nvPr/>
           </p:nvSpPr>
@@ -13649,7 +13680,7 @@
         </p:sp>
         <p:sp>
           <p:nvSpPr>
-            <p:cNvPr id="137" name="pl136"/>
+            <p:cNvPr id="138" name="pl137"/>
             <p:cNvSpPr/>
             <p:nvPr/>
           </p:nvSpPr>
@@ -13692,7 +13723,7 @@
         </p:sp>
         <p:sp>
           <p:nvSpPr>
-            <p:cNvPr id="138" name="pl137"/>
+            <p:cNvPr id="139" name="pl138"/>
             <p:cNvSpPr/>
             <p:nvPr/>
           </p:nvSpPr>
@@ -13735,7 +13766,7 @@
         </p:sp>
         <p:sp>
           <p:nvSpPr>
-            <p:cNvPr id="139" name="pl138"/>
+            <p:cNvPr id="140" name="pl139"/>
             <p:cNvSpPr/>
             <p:nvPr/>
           </p:nvSpPr>
@@ -13778,7 +13809,7 @@
         </p:sp>
         <p:sp>
           <p:nvSpPr>
-            <p:cNvPr id="140" name="pl139"/>
+            <p:cNvPr id="141" name="pl140"/>
             <p:cNvSpPr/>
             <p:nvPr/>
           </p:nvSpPr>
@@ -13821,7 +13852,7 @@
         </p:sp>
         <p:sp>
           <p:nvSpPr>
-            <p:cNvPr id="141" name="pl140"/>
+            <p:cNvPr id="142" name="pl141"/>
             <p:cNvSpPr/>
             <p:nvPr/>
           </p:nvSpPr>
@@ -13864,7 +13895,7 @@
         </p:sp>
         <p:sp>
           <p:nvSpPr>
-            <p:cNvPr id="142" name="pl141"/>
+            <p:cNvPr id="143" name="pl142"/>
             <p:cNvSpPr/>
             <p:nvPr/>
           </p:nvSpPr>
@@ -13907,7 +13938,7 @@
         </p:sp>
         <p:sp>
           <p:nvSpPr>
-            <p:cNvPr id="143" name="pl142"/>
+            <p:cNvPr id="144" name="pl143"/>
             <p:cNvSpPr/>
             <p:nvPr/>
           </p:nvSpPr>
@@ -13950,7 +13981,7 @@
         </p:sp>
         <p:sp>
           <p:nvSpPr>
-            <p:cNvPr id="144" name="pl143"/>
+            <p:cNvPr id="145" name="pl144"/>
             <p:cNvSpPr/>
             <p:nvPr/>
           </p:nvSpPr>
@@ -13993,7 +14024,7 @@
         </p:sp>
         <p:sp>
           <p:nvSpPr>
-            <p:cNvPr id="145" name="pl144"/>
+            <p:cNvPr id="146" name="pl145"/>
             <p:cNvSpPr/>
             <p:nvPr/>
           </p:nvSpPr>
@@ -14036,7 +14067,7 @@
         </p:sp>
         <p:sp>
           <p:nvSpPr>
-            <p:cNvPr id="146" name="pl145"/>
+            <p:cNvPr id="147" name="pl146"/>
             <p:cNvSpPr/>
             <p:nvPr/>
           </p:nvSpPr>
@@ -14079,7 +14110,7 @@
         </p:sp>
         <p:sp>
           <p:nvSpPr>
-            <p:cNvPr id="147" name="pl146"/>
+            <p:cNvPr id="148" name="pl147"/>
             <p:cNvSpPr/>
             <p:nvPr/>
           </p:nvSpPr>
@@ -14122,7 +14153,7 @@
         </p:sp>
         <p:sp>
           <p:nvSpPr>
-            <p:cNvPr id="148" name="pl147"/>
+            <p:cNvPr id="149" name="pl148"/>
             <p:cNvSpPr/>
             <p:nvPr/>
           </p:nvSpPr>
@@ -14165,7 +14196,7 @@
         </p:sp>
         <p:sp>
           <p:nvSpPr>
-            <p:cNvPr id="149" name="pl148"/>
+            <p:cNvPr id="150" name="pl149"/>
             <p:cNvSpPr/>
             <p:nvPr/>
           </p:nvSpPr>
@@ -14208,7 +14239,7 @@
         </p:sp>
         <p:sp>
           <p:nvSpPr>
-            <p:cNvPr id="150" name="pl149"/>
+            <p:cNvPr id="151" name="pl150"/>
             <p:cNvSpPr/>
             <p:nvPr/>
           </p:nvSpPr>
@@ -14251,7 +14282,7 @@
         </p:sp>
         <p:sp>
           <p:nvSpPr>
-            <p:cNvPr id="151" name="pt150"/>
+            <p:cNvPr id="152" name="pt151"/>
             <p:cNvSpPr/>
             <p:nvPr/>
           </p:nvSpPr>
@@ -14286,7 +14317,7 @@
         </p:sp>
         <p:sp>
           <p:nvSpPr>
-            <p:cNvPr id="152" name="pt151"/>
+            <p:cNvPr id="153" name="pt152"/>
             <p:cNvSpPr/>
             <p:nvPr/>
           </p:nvSpPr>
@@ -14321,7 +14352,7 @@
         </p:sp>
         <p:sp>
           <p:nvSpPr>
-            <p:cNvPr id="153" name="pt152"/>
+            <p:cNvPr id="154" name="pt153"/>
             <p:cNvSpPr/>
             <p:nvPr/>
           </p:nvSpPr>
@@ -14356,7 +14387,7 @@
         </p:sp>
         <p:sp>
           <p:nvSpPr>
-            <p:cNvPr id="154" name="pt153"/>
+            <p:cNvPr id="155" name="pt154"/>
             <p:cNvSpPr/>
             <p:nvPr/>
           </p:nvSpPr>
@@ -14391,7 +14422,7 @@
         </p:sp>
         <p:sp>
           <p:nvSpPr>
-            <p:cNvPr id="155" name="pt154"/>
+            <p:cNvPr id="156" name="pt155"/>
             <p:cNvSpPr/>
             <p:nvPr/>
           </p:nvSpPr>
@@ -14426,7 +14457,7 @@
         </p:sp>
         <p:sp>
           <p:nvSpPr>
-            <p:cNvPr id="156" name="pt155"/>
+            <p:cNvPr id="157" name="pt156"/>
             <p:cNvSpPr/>
             <p:nvPr/>
           </p:nvSpPr>
@@ -14461,7 +14492,7 @@
         </p:sp>
         <p:sp>
           <p:nvSpPr>
-            <p:cNvPr id="157" name="pt156"/>
+            <p:cNvPr id="158" name="pt157"/>
             <p:cNvSpPr/>
             <p:nvPr/>
           </p:nvSpPr>
@@ -14496,7 +14527,7 @@
         </p:sp>
         <p:sp>
           <p:nvSpPr>
-            <p:cNvPr id="158" name="pt157"/>
+            <p:cNvPr id="159" name="pt158"/>
             <p:cNvSpPr/>
             <p:nvPr/>
           </p:nvSpPr>
@@ -14531,7 +14562,7 @@
         </p:sp>
         <p:sp>
           <p:nvSpPr>
-            <p:cNvPr id="159" name="pt158"/>
+            <p:cNvPr id="160" name="pt159"/>
             <p:cNvSpPr/>
             <p:nvPr/>
           </p:nvSpPr>
@@ -14566,7 +14597,7 @@
         </p:sp>
         <p:sp>
           <p:nvSpPr>
-            <p:cNvPr id="160" name="pt159"/>
+            <p:cNvPr id="161" name="pt160"/>
             <p:cNvSpPr/>
             <p:nvPr/>
           </p:nvSpPr>
@@ -14601,7 +14632,7 @@
         </p:sp>
         <p:sp>
           <p:nvSpPr>
-            <p:cNvPr id="161" name="pt160"/>
+            <p:cNvPr id="162" name="pt161"/>
             <p:cNvSpPr/>
             <p:nvPr/>
           </p:nvSpPr>
@@ -14636,7 +14667,7 @@
         </p:sp>
         <p:sp>
           <p:nvSpPr>
-            <p:cNvPr id="162" name="pt161"/>
+            <p:cNvPr id="163" name="pt162"/>
             <p:cNvSpPr/>
             <p:nvPr/>
           </p:nvSpPr>
@@ -14671,7 +14702,7 @@
         </p:sp>
         <p:sp>
           <p:nvSpPr>
-            <p:cNvPr id="163" name="pt162"/>
+            <p:cNvPr id="164" name="pt163"/>
             <p:cNvSpPr/>
             <p:nvPr/>
           </p:nvSpPr>
@@ -14706,7 +14737,7 @@
         </p:sp>
         <p:sp>
           <p:nvSpPr>
-            <p:cNvPr id="164" name="pt163"/>
+            <p:cNvPr id="165" name="pt164"/>
             <p:cNvSpPr/>
             <p:nvPr/>
           </p:nvSpPr>
@@ -14741,7 +14772,7 @@
         </p:sp>
         <p:sp>
           <p:nvSpPr>
-            <p:cNvPr id="165" name="pt164"/>
+            <p:cNvPr id="166" name="pt165"/>
             <p:cNvSpPr/>
             <p:nvPr/>
           </p:nvSpPr>
@@ -14776,7 +14807,7 @@
         </p:sp>
         <p:sp>
           <p:nvSpPr>
-            <p:cNvPr id="166" name="pt165"/>
+            <p:cNvPr id="167" name="pt166"/>
             <p:cNvSpPr/>
             <p:nvPr/>
           </p:nvSpPr>
@@ -14811,7 +14842,7 @@
         </p:sp>
         <p:sp>
           <p:nvSpPr>
-            <p:cNvPr id="167" name="pt166"/>
+            <p:cNvPr id="168" name="pt167"/>
             <p:cNvSpPr/>
             <p:nvPr/>
           </p:nvSpPr>
@@ -14846,7 +14877,7 @@
         </p:sp>
         <p:sp>
           <p:nvSpPr>
-            <p:cNvPr id="168" name="pt167"/>
+            <p:cNvPr id="169" name="pt168"/>
             <p:cNvSpPr/>
             <p:nvPr/>
           </p:nvSpPr>
@@ -14881,7 +14912,7 @@
         </p:sp>
         <p:sp>
           <p:nvSpPr>
-            <p:cNvPr id="169" name="pt168"/>
+            <p:cNvPr id="170" name="pt169"/>
             <p:cNvSpPr/>
             <p:nvPr/>
           </p:nvSpPr>
@@ -14916,7 +14947,7 @@
         </p:sp>
         <p:sp>
           <p:nvSpPr>
-            <p:cNvPr id="170" name="pt169"/>
+            <p:cNvPr id="171" name="pt170"/>
             <p:cNvSpPr/>
             <p:nvPr/>
           </p:nvSpPr>
@@ -14951,7 +14982,7 @@
         </p:sp>
         <p:sp>
           <p:nvSpPr>
-            <p:cNvPr id="171" name="pt170"/>
+            <p:cNvPr id="172" name="pt171"/>
             <p:cNvSpPr/>
             <p:nvPr/>
           </p:nvSpPr>
@@ -14986,7 +15017,7 @@
         </p:sp>
         <p:sp>
           <p:nvSpPr>
-            <p:cNvPr id="172" name="pt171"/>
+            <p:cNvPr id="173" name="pt172"/>
             <p:cNvSpPr/>
             <p:nvPr/>
           </p:nvSpPr>
@@ -15021,7 +15052,7 @@
         </p:sp>
         <p:sp>
           <p:nvSpPr>
-            <p:cNvPr id="173" name="pt172"/>
+            <p:cNvPr id="174" name="pt173"/>
             <p:cNvSpPr/>
             <p:nvPr/>
           </p:nvSpPr>
@@ -15056,7 +15087,7 @@
         </p:sp>
         <p:sp>
           <p:nvSpPr>
-            <p:cNvPr id="174" name="pt173"/>
+            <p:cNvPr id="175" name="pt174"/>
             <p:cNvSpPr/>
             <p:nvPr/>
           </p:nvSpPr>
@@ -15091,7 +15122,7 @@
         </p:sp>
         <p:sp>
           <p:nvSpPr>
-            <p:cNvPr id="175" name="pt174"/>
+            <p:cNvPr id="176" name="pt175"/>
             <p:cNvSpPr/>
             <p:nvPr/>
           </p:nvSpPr>
@@ -15126,7 +15157,7 @@
         </p:sp>
         <p:sp>
           <p:nvSpPr>
-            <p:cNvPr id="176" name="pt175"/>
+            <p:cNvPr id="177" name="pt176"/>
             <p:cNvSpPr/>
             <p:nvPr/>
           </p:nvSpPr>
@@ -15161,7 +15192,7 @@
         </p:sp>
         <p:sp>
           <p:nvSpPr>
-            <p:cNvPr id="177" name="pt176"/>
+            <p:cNvPr id="178" name="pt177"/>
             <p:cNvSpPr/>
             <p:nvPr/>
           </p:nvSpPr>
@@ -15196,7 +15227,7 @@
         </p:sp>
         <p:sp>
           <p:nvSpPr>
-            <p:cNvPr id="178" name="pt177"/>
+            <p:cNvPr id="179" name="pt178"/>
             <p:cNvSpPr/>
             <p:nvPr/>
           </p:nvSpPr>
@@ -15231,24 +15262,24 @@
         </p:sp>
         <p:sp>
           <p:nvSpPr>
-            <p:cNvPr id="179" name="pl178"/>
-            <p:cNvSpPr/>
-            <p:nvPr/>
-          </p:nvSpPr>
-          <p:spPr>
-            <a:xfrm>
-              <a:off x="6464197" y="4024289"/>
-              <a:ext cx="309199" cy="105965"/>
+            <p:cNvPr id="180" name="pl179"/>
+            <p:cNvSpPr/>
+            <p:nvPr/>
+          </p:nvSpPr>
+          <p:spPr>
+            <a:xfrm>
+              <a:off x="6464184" y="4022622"/>
+              <a:ext cx="309041" cy="107576"/>
             </a:xfrm>
             <a:custGeom>
               <a:avLst/>
               <a:pathLst>
-                <a:path w="309199" h="105965">
+                <a:path w="309041" h="107576">
                   <a:moveTo>
-                    <a:pt x="309199" y="0"/>
+                    <a:pt x="309041" y="0"/>
                   </a:moveTo>
                   <a:lnTo>
-                    <a:pt x="0" y="105965"/>
+                    <a:pt x="0" y="107576"/>
                   </a:lnTo>
                 </a:path>
               </a:pathLst>
@@ -15262,13 +15293,13 @@
         </p:sp>
         <p:sp>
           <p:nvSpPr>
-            <p:cNvPr id="180" name="tx179"/>
-            <p:cNvSpPr/>
-            <p:nvPr/>
-          </p:nvSpPr>
-          <p:spPr>
-            <a:xfrm>
-              <a:off x="5564291" y="5233979"/>
+            <p:cNvPr id="181" name="tx180"/>
+            <p:cNvSpPr/>
+            <p:nvPr/>
+          </p:nvSpPr>
+          <p:spPr>
+            <a:xfrm>
+              <a:off x="5565002" y="5232851"/>
               <a:ext cx="488087" cy="99300"/>
             </a:xfrm>
             <a:prstGeom prst="rect">
@@ -15308,13 +15339,13 @@
         </p:sp>
         <p:sp>
           <p:nvSpPr>
-            <p:cNvPr id="181" name="tx180"/>
-            <p:cNvSpPr/>
-            <p:nvPr/>
-          </p:nvSpPr>
-          <p:spPr>
-            <a:xfrm>
-              <a:off x="6079668" y="4559335"/>
+            <p:cNvPr id="182" name="tx181"/>
+            <p:cNvSpPr/>
+            <p:nvPr/>
+          </p:nvSpPr>
+          <p:spPr>
+            <a:xfrm>
+              <a:off x="6088769" y="4559201"/>
               <a:ext cx="488087" cy="99300"/>
             </a:xfrm>
             <a:prstGeom prst="rect">
@@ -15354,13 +15385,13 @@
         </p:sp>
         <p:sp>
           <p:nvSpPr>
-            <p:cNvPr id="182" name="tx181"/>
-            <p:cNvSpPr/>
-            <p:nvPr/>
-          </p:nvSpPr>
-          <p:spPr>
-            <a:xfrm>
-              <a:off x="7321247" y="3648591"/>
+            <p:cNvPr id="183" name="tx182"/>
+            <p:cNvSpPr/>
+            <p:nvPr/>
+          </p:nvSpPr>
+          <p:spPr>
+            <a:xfrm>
+              <a:off x="7321368" y="3648547"/>
               <a:ext cx="488087" cy="99300"/>
             </a:xfrm>
             <a:prstGeom prst="rect">
@@ -15400,13 +15431,13 @@
         </p:sp>
         <p:sp>
           <p:nvSpPr>
-            <p:cNvPr id="183" name="tx182"/>
-            <p:cNvSpPr/>
-            <p:nvPr/>
-          </p:nvSpPr>
-          <p:spPr>
-            <a:xfrm>
-              <a:off x="6741763" y="3792368"/>
+            <p:cNvPr id="184" name="tx183"/>
+            <p:cNvSpPr/>
+            <p:nvPr/>
+          </p:nvSpPr>
+          <p:spPr>
+            <a:xfrm>
+              <a:off x="6741899" y="3791050"/>
               <a:ext cx="488087" cy="99300"/>
             </a:xfrm>
             <a:prstGeom prst="rect">
@@ -15446,13 +15477,13 @@
         </p:sp>
         <p:sp>
           <p:nvSpPr>
-            <p:cNvPr id="184" name="tx183"/>
-            <p:cNvSpPr/>
-            <p:nvPr/>
-          </p:nvSpPr>
-          <p:spPr>
-            <a:xfrm>
-              <a:off x="6472355" y="4390574"/>
+            <p:cNvPr id="185" name="tx184"/>
+            <p:cNvSpPr/>
+            <p:nvPr/>
+          </p:nvSpPr>
+          <p:spPr>
+            <a:xfrm>
+              <a:off x="6488778" y="4390492"/>
               <a:ext cx="488087" cy="98983"/>
             </a:xfrm>
             <a:prstGeom prst="rect">
@@ -15492,13 +15523,13 @@
         </p:sp>
         <p:sp>
           <p:nvSpPr>
-            <p:cNvPr id="185" name="tx184"/>
-            <p:cNvSpPr/>
-            <p:nvPr/>
-          </p:nvSpPr>
-          <p:spPr>
-            <a:xfrm>
-              <a:off x="5351653" y="4705601"/>
+            <p:cNvPr id="186" name="tx185"/>
+            <p:cNvSpPr/>
+            <p:nvPr/>
+          </p:nvSpPr>
+          <p:spPr>
+            <a:xfrm>
+              <a:off x="5351700" y="4706161"/>
               <a:ext cx="488087" cy="98983"/>
             </a:xfrm>
             <a:prstGeom prst="rect">
@@ -15538,13 +15569,13 @@
         </p:sp>
         <p:sp>
           <p:nvSpPr>
-            <p:cNvPr id="186" name="tx185"/>
-            <p:cNvSpPr/>
-            <p:nvPr/>
-          </p:nvSpPr>
-          <p:spPr>
-            <a:xfrm>
-              <a:off x="6505883" y="3621192"/>
+            <p:cNvPr id="187" name="tx186"/>
+            <p:cNvSpPr/>
+            <p:nvPr/>
+          </p:nvSpPr>
+          <p:spPr>
+            <a:xfrm>
+              <a:off x="6505647" y="3621152"/>
               <a:ext cx="488087" cy="99300"/>
             </a:xfrm>
             <a:prstGeom prst="rect">
@@ -15584,13 +15615,13 @@
         </p:sp>
         <p:sp>
           <p:nvSpPr>
-            <p:cNvPr id="187" name="tx186"/>
-            <p:cNvSpPr/>
-            <p:nvPr/>
-          </p:nvSpPr>
-          <p:spPr>
-            <a:xfrm>
-              <a:off x="6031351" y="4221091"/>
+            <p:cNvPr id="188" name="tx187"/>
+            <p:cNvSpPr/>
+            <p:nvPr/>
+          </p:nvSpPr>
+          <p:spPr>
+            <a:xfrm>
+              <a:off x="6032115" y="4221643"/>
               <a:ext cx="488087" cy="99300"/>
             </a:xfrm>
             <a:prstGeom prst="rect">
@@ -15630,13 +15661,13 @@
         </p:sp>
         <p:sp>
           <p:nvSpPr>
-            <p:cNvPr id="188" name="tx187"/>
-            <p:cNvSpPr/>
-            <p:nvPr/>
-          </p:nvSpPr>
-          <p:spPr>
-            <a:xfrm>
-              <a:off x="6260106" y="3218467"/>
+            <p:cNvPr id="189" name="tx188"/>
+            <p:cNvSpPr/>
+            <p:nvPr/>
+          </p:nvSpPr>
+          <p:spPr>
+            <a:xfrm>
+              <a:off x="6278173" y="3218880"/>
               <a:ext cx="548376" cy="99300"/>
             </a:xfrm>
             <a:prstGeom prst="rect">
@@ -15676,13 +15707,13 @@
         </p:sp>
         <p:sp>
           <p:nvSpPr>
-            <p:cNvPr id="189" name="tx188"/>
-            <p:cNvSpPr/>
-            <p:nvPr/>
-          </p:nvSpPr>
-          <p:spPr>
-            <a:xfrm>
-              <a:off x="7766600" y="2592022"/>
+            <p:cNvPr id="190" name="tx189"/>
+            <p:cNvSpPr/>
+            <p:nvPr/>
+          </p:nvSpPr>
+          <p:spPr>
+            <a:xfrm>
+              <a:off x="7766682" y="2591970"/>
               <a:ext cx="548376" cy="99300"/>
             </a:xfrm>
             <a:prstGeom prst="rect">
@@ -15722,13 +15753,13 @@
         </p:sp>
         <p:sp>
           <p:nvSpPr>
-            <p:cNvPr id="190" name="tx189"/>
-            <p:cNvSpPr/>
-            <p:nvPr/>
-          </p:nvSpPr>
-          <p:spPr>
-            <a:xfrm>
-              <a:off x="5330411" y="4942301"/>
+            <p:cNvPr id="191" name="tx190"/>
+            <p:cNvSpPr/>
+            <p:nvPr/>
+          </p:nvSpPr>
+          <p:spPr>
+            <a:xfrm>
+              <a:off x="5332276" y="4942468"/>
               <a:ext cx="548376" cy="99300"/>
             </a:xfrm>
             <a:prstGeom prst="rect">
@@ -15768,13 +15799,13 @@
         </p:sp>
         <p:sp>
           <p:nvSpPr>
-            <p:cNvPr id="191" name="tx190"/>
-            <p:cNvSpPr/>
-            <p:nvPr/>
-          </p:nvSpPr>
-          <p:spPr>
-            <a:xfrm>
-              <a:off x="5865750" y="3585985"/>
+            <p:cNvPr id="192" name="tx191"/>
+            <p:cNvSpPr/>
+            <p:nvPr/>
+          </p:nvSpPr>
+          <p:spPr>
+            <a:xfrm>
+              <a:off x="5865583" y="3585913"/>
               <a:ext cx="548376" cy="99300"/>
             </a:xfrm>
             <a:prstGeom prst="rect">
@@ -15814,13 +15845,13 @@
         </p:sp>
         <p:sp>
           <p:nvSpPr>
-            <p:cNvPr id="192" name="tx191"/>
-            <p:cNvSpPr/>
-            <p:nvPr/>
-          </p:nvSpPr>
-          <p:spPr>
-            <a:xfrm>
-              <a:off x="5589881" y="4389968"/>
+            <p:cNvPr id="193" name="tx192"/>
+            <p:cNvSpPr/>
+            <p:nvPr/>
+          </p:nvSpPr>
+          <p:spPr>
+            <a:xfrm>
+              <a:off x="5588974" y="4390206"/>
               <a:ext cx="548376" cy="99300"/>
             </a:xfrm>
             <a:prstGeom prst="rect">
@@ -15860,13 +15891,13 @@
         </p:sp>
         <p:sp>
           <p:nvSpPr>
-            <p:cNvPr id="193" name="tx192"/>
-            <p:cNvSpPr/>
-            <p:nvPr/>
-          </p:nvSpPr>
-          <p:spPr>
-            <a:xfrm>
-              <a:off x="6158255" y="4098410"/>
+            <p:cNvPr id="194" name="tx193"/>
+            <p:cNvSpPr/>
+            <p:nvPr/>
+          </p:nvSpPr>
+          <p:spPr>
+            <a:xfrm>
+              <a:off x="6158271" y="4097250"/>
               <a:ext cx="548376" cy="99300"/>
             </a:xfrm>
             <a:prstGeom prst="rect">
@@ -15906,13 +15937,13 @@
         </p:sp>
         <p:sp>
           <p:nvSpPr>
-            <p:cNvPr id="194" name="tx193"/>
-            <p:cNvSpPr/>
-            <p:nvPr/>
-          </p:nvSpPr>
-          <p:spPr>
-            <a:xfrm>
-              <a:off x="6042773" y="3388297"/>
+            <p:cNvPr id="195" name="tx194"/>
+            <p:cNvSpPr/>
+            <p:nvPr/>
+          </p:nvSpPr>
+          <p:spPr>
+            <a:xfrm>
+              <a:off x="6042377" y="3387325"/>
               <a:ext cx="548376" cy="99300"/>
             </a:xfrm>
             <a:prstGeom prst="rect">
@@ -15952,13 +15983,13 @@
         </p:sp>
         <p:sp>
           <p:nvSpPr>
-            <p:cNvPr id="195" name="tx194"/>
-            <p:cNvSpPr/>
-            <p:nvPr/>
-          </p:nvSpPr>
-          <p:spPr>
-            <a:xfrm>
-              <a:off x="7089733" y="2771618"/>
+            <p:cNvPr id="196" name="tx195"/>
+            <p:cNvSpPr/>
+            <p:nvPr/>
+          </p:nvSpPr>
+          <p:spPr>
+            <a:xfrm>
+              <a:off x="7090483" y="2771693"/>
               <a:ext cx="548376" cy="99300"/>
             </a:xfrm>
             <a:prstGeom prst="rect">
@@ -15998,13 +16029,13 @@
         </p:sp>
         <p:sp>
           <p:nvSpPr>
-            <p:cNvPr id="196" name="tx195"/>
-            <p:cNvSpPr/>
-            <p:nvPr/>
-          </p:nvSpPr>
-          <p:spPr>
-            <a:xfrm>
-              <a:off x="6877638" y="4221025"/>
+            <p:cNvPr id="197" name="tx196"/>
+            <p:cNvSpPr/>
+            <p:nvPr/>
+          </p:nvSpPr>
+          <p:spPr>
+            <a:xfrm>
+              <a:off x="6877424" y="4220696"/>
               <a:ext cx="548376" cy="99300"/>
             </a:xfrm>
             <a:prstGeom prst="rect">
@@ -16044,13 +16075,13 @@
         </p:sp>
         <p:sp>
           <p:nvSpPr>
-            <p:cNvPr id="197" name="tx196"/>
-            <p:cNvSpPr/>
-            <p:nvPr/>
-          </p:nvSpPr>
-          <p:spPr>
-            <a:xfrm>
-              <a:off x="6899481" y="3171757"/>
+            <p:cNvPr id="198" name="tx197"/>
+            <p:cNvSpPr/>
+            <p:nvPr/>
+          </p:nvSpPr>
+          <p:spPr>
+            <a:xfrm>
+              <a:off x="6917570" y="3171515"/>
               <a:ext cx="548376" cy="99300"/>
             </a:xfrm>
             <a:prstGeom prst="rect">
@@ -16090,13 +16121,13 @@
         </p:sp>
         <p:sp>
           <p:nvSpPr>
-            <p:cNvPr id="198" name="tx197"/>
-            <p:cNvSpPr/>
-            <p:nvPr/>
-          </p:nvSpPr>
-          <p:spPr>
-            <a:xfrm>
-              <a:off x="6796256" y="3961856"/>
+            <p:cNvPr id="199" name="tx198"/>
+            <p:cNvSpPr/>
+            <p:nvPr/>
+          </p:nvSpPr>
+          <p:spPr>
+            <a:xfrm>
+              <a:off x="6796085" y="3960150"/>
               <a:ext cx="548376" cy="99300"/>
             </a:xfrm>
             <a:prstGeom prst="rect">
@@ -16136,13 +16167,13 @@
         </p:sp>
         <p:sp>
           <p:nvSpPr>
-            <p:cNvPr id="199" name="tx198"/>
-            <p:cNvSpPr/>
-            <p:nvPr/>
-          </p:nvSpPr>
-          <p:spPr>
-            <a:xfrm>
-              <a:off x="5969965" y="5019751"/>
+            <p:cNvPr id="200" name="tx199"/>
+            <p:cNvSpPr/>
+            <p:nvPr/>
+          </p:nvSpPr>
+          <p:spPr>
+            <a:xfrm>
+              <a:off x="5972155" y="5019345"/>
               <a:ext cx="548376" cy="99300"/>
             </a:xfrm>
             <a:prstGeom prst="rect">
@@ -16182,13 +16213,13 @@
         </p:sp>
         <p:sp>
           <p:nvSpPr>
-            <p:cNvPr id="200" name="tx199"/>
-            <p:cNvSpPr/>
-            <p:nvPr/>
-          </p:nvSpPr>
-          <p:spPr>
-            <a:xfrm>
-              <a:off x="6078727" y="3801625"/>
+            <p:cNvPr id="201" name="tx200"/>
+            <p:cNvSpPr/>
+            <p:nvPr/>
+          </p:nvSpPr>
+          <p:spPr>
+            <a:xfrm>
+              <a:off x="6079040" y="3801810"/>
               <a:ext cx="548376" cy="99300"/>
             </a:xfrm>
             <a:prstGeom prst="rect">
@@ -16228,13 +16259,13 @@
         </p:sp>
         <p:sp>
           <p:nvSpPr>
-            <p:cNvPr id="201" name="tx200"/>
-            <p:cNvSpPr/>
-            <p:nvPr/>
-          </p:nvSpPr>
-          <p:spPr>
-            <a:xfrm>
-              <a:off x="7221436" y="2284842"/>
+            <p:cNvPr id="202" name="tx201"/>
+            <p:cNvSpPr/>
+            <p:nvPr/>
+          </p:nvSpPr>
+          <p:spPr>
+            <a:xfrm>
+              <a:off x="7221491" y="2285141"/>
               <a:ext cx="548376" cy="99300"/>
             </a:xfrm>
             <a:prstGeom prst="rect">
@@ -16274,13 +16305,13 @@
         </p:sp>
         <p:sp>
           <p:nvSpPr>
-            <p:cNvPr id="202" name="tx201"/>
-            <p:cNvSpPr/>
-            <p:nvPr/>
-          </p:nvSpPr>
-          <p:spPr>
-            <a:xfrm>
-              <a:off x="7539471" y="3018585"/>
+            <p:cNvPr id="203" name="tx202"/>
+            <p:cNvSpPr/>
+            <p:nvPr/>
+          </p:nvSpPr>
+          <p:spPr>
+            <a:xfrm>
+              <a:off x="7556648" y="3018426"/>
               <a:ext cx="548376" cy="99300"/>
             </a:xfrm>
             <a:prstGeom prst="rect">
@@ -16320,13 +16351,13 @@
         </p:sp>
         <p:sp>
           <p:nvSpPr>
-            <p:cNvPr id="203" name="tx202"/>
-            <p:cNvSpPr/>
-            <p:nvPr/>
-          </p:nvSpPr>
-          <p:spPr>
-            <a:xfrm>
-              <a:off x="5759570" y="4390509"/>
+            <p:cNvPr id="204" name="tx203"/>
+            <p:cNvSpPr/>
+            <p:nvPr/>
+          </p:nvSpPr>
+          <p:spPr>
+            <a:xfrm>
+              <a:off x="5759385" y="4390857"/>
               <a:ext cx="1108187" cy="201459"/>
             </a:xfrm>
             <a:prstGeom prst="rect">
@@ -16366,13 +16397,13 @@
         </p:sp>
         <p:sp>
           <p:nvSpPr>
-            <p:cNvPr id="204" name="tx203"/>
-            <p:cNvSpPr/>
-            <p:nvPr/>
-          </p:nvSpPr>
-          <p:spPr>
-            <a:xfrm>
-              <a:off x="6192243" y="3700279"/>
+            <p:cNvPr id="205" name="tx204"/>
+            <p:cNvSpPr/>
+            <p:nvPr/>
+          </p:nvSpPr>
+          <p:spPr>
+            <a:xfrm>
+              <a:off x="6239751" y="3643793"/>
               <a:ext cx="1108187" cy="201459"/>
             </a:xfrm>
             <a:prstGeom prst="rect">
@@ -16412,13 +16443,13 @@
         </p:sp>
         <p:sp>
           <p:nvSpPr>
-            <p:cNvPr id="205" name="tx204"/>
-            <p:cNvSpPr/>
-            <p:nvPr/>
-          </p:nvSpPr>
-          <p:spPr>
-            <a:xfrm>
-              <a:off x="6269041" y="3550388"/>
+            <p:cNvPr id="206" name="tx205"/>
+            <p:cNvSpPr/>
+            <p:nvPr/>
+          </p:nvSpPr>
+          <p:spPr>
+            <a:xfrm>
+              <a:off x="6447769" y="3333963"/>
               <a:ext cx="1108187" cy="201459"/>
             </a:xfrm>
             <a:prstGeom prst="rect">
@@ -16458,13 +16489,13 @@
         </p:sp>
         <p:sp>
           <p:nvSpPr>
-            <p:cNvPr id="206" name="tx205"/>
-            <p:cNvSpPr/>
-            <p:nvPr/>
-          </p:nvSpPr>
-          <p:spPr>
-            <a:xfrm>
-              <a:off x="7019774" y="2637311"/>
+            <p:cNvPr id="207" name="tx206"/>
+            <p:cNvSpPr/>
+            <p:nvPr/>
+          </p:nvSpPr>
+          <p:spPr>
+            <a:xfrm>
+              <a:off x="7019508" y="2637896"/>
               <a:ext cx="1108187" cy="201459"/>
             </a:xfrm>
             <a:prstGeom prst="rect">
@@ -16504,171 +16535,171 @@
         </p:sp>
         <p:sp>
           <p:nvSpPr>
-            <p:cNvPr id="207" name="pg206"/>
-            <p:cNvSpPr/>
-            <p:nvPr/>
-          </p:nvSpPr>
-          <p:spPr>
-            <a:xfrm>
-              <a:off x="5928378" y="4302626"/>
-              <a:ext cx="540685" cy="695670"/>
+            <p:cNvPr id="208" name="pg207"/>
+            <p:cNvSpPr/>
+            <p:nvPr/>
+          </p:nvSpPr>
+          <p:spPr>
+            <a:xfrm>
+              <a:off x="5919296" y="4313841"/>
+              <a:ext cx="549827" cy="669173"/>
             </a:xfrm>
             <a:custGeom>
               <a:avLst/>
               <a:pathLst>
-                <a:path w="540685" h="695670">
+                <a:path w="549827" h="669173">
                   <a:moveTo>
-                    <a:pt x="540685" y="62119"/>
+                    <a:pt x="549827" y="52063"/>
                   </a:moveTo>
                   <a:lnTo>
-                    <a:pt x="538634" y="39895"/>
-                  </a:lnTo>
-                  <a:lnTo>
-                    <a:pt x="532512" y="22343"/>
-                  </a:lnTo>
-                  <a:lnTo>
-                    <a:pt x="522412" y="9728"/>
-                  </a:lnTo>
-                  <a:lnTo>
-                    <a:pt x="508487" y="2243"/>
-                  </a:lnTo>
-                  <a:lnTo>
-                    <a:pt x="490948" y="0"/>
-                  </a:lnTo>
-                  <a:lnTo>
-                    <a:pt x="470061" y="3033"/>
-                  </a:lnTo>
-                  <a:lnTo>
-                    <a:pt x="446143" y="11296"/>
-                  </a:lnTo>
-                  <a:lnTo>
-                    <a:pt x="419556" y="24664"/>
-                  </a:lnTo>
-                  <a:lnTo>
-                    <a:pt x="390702" y="42935"/>
-                  </a:lnTo>
-                  <a:lnTo>
-                    <a:pt x="360021" y="65832"/>
-                  </a:lnTo>
-                  <a:lnTo>
-                    <a:pt x="327976" y="93006"/>
-                  </a:lnTo>
-                  <a:lnTo>
-                    <a:pt x="295054" y="124048"/>
-                  </a:lnTo>
-                  <a:lnTo>
-                    <a:pt x="261753" y="158485"/>
-                  </a:lnTo>
-                  <a:lnTo>
-                    <a:pt x="228578" y="195796"/>
-                  </a:lnTo>
-                  <a:lnTo>
-                    <a:pt x="196033" y="235415"/>
-                  </a:lnTo>
-                  <a:lnTo>
-                    <a:pt x="164610" y="276742"/>
-                  </a:lnTo>
-                  <a:lnTo>
-                    <a:pt x="134786" y="319150"/>
-                  </a:lnTo>
-                  <a:lnTo>
-                    <a:pt x="107013" y="361996"/>
-                  </a:lnTo>
-                  <a:lnTo>
-                    <a:pt x="81712" y="404632"/>
-                  </a:lnTo>
-                  <a:lnTo>
-                    <a:pt x="59267" y="446410"/>
-                  </a:lnTo>
-                  <a:lnTo>
-                    <a:pt x="40017" y="486697"/>
-                  </a:lnTo>
-                  <a:lnTo>
-                    <a:pt x="24256" y="524882"/>
-                  </a:lnTo>
-                  <a:lnTo>
-                    <a:pt x="12220" y="560387"/>
-                  </a:lnTo>
-                  <a:lnTo>
-                    <a:pt x="4094" y="592674"/>
-                  </a:lnTo>
-                  <a:lnTo>
-                    <a:pt x="0" y="621252"/>
-                  </a:lnTo>
-                  <a:lnTo>
-                    <a:pt x="0" y="645690"/>
-                  </a:lnTo>
-                  <a:lnTo>
-                    <a:pt x="4094" y="665616"/>
-                  </a:lnTo>
-                  <a:lnTo>
-                    <a:pt x="12220" y="680727"/>
-                  </a:lnTo>
-                  <a:lnTo>
-                    <a:pt x="24256" y="690797"/>
-                  </a:lnTo>
-                  <a:lnTo>
-                    <a:pt x="40017" y="695670"/>
-                  </a:lnTo>
-                  <a:lnTo>
-                    <a:pt x="59267" y="695275"/>
-                  </a:lnTo>
-                  <a:lnTo>
-                    <a:pt x="81712" y="689616"/>
-                  </a:lnTo>
-                  <a:lnTo>
-                    <a:pt x="107013" y="678779"/>
-                  </a:lnTo>
-                  <a:lnTo>
-                    <a:pt x="134786" y="662930"/>
-                  </a:lnTo>
-                  <a:lnTo>
-                    <a:pt x="164610" y="642307"/>
-                  </a:lnTo>
-                  <a:lnTo>
-                    <a:pt x="196033" y="617224"/>
-                  </a:lnTo>
-                  <a:lnTo>
-                    <a:pt x="228578" y="588060"/>
-                  </a:lnTo>
-                  <a:lnTo>
-                    <a:pt x="261753" y="555259"/>
-                  </a:lnTo>
-                  <a:lnTo>
-                    <a:pt x="295054" y="519317"/>
-                  </a:lnTo>
-                  <a:lnTo>
-                    <a:pt x="327976" y="480779"/>
-                  </a:lnTo>
-                  <a:lnTo>
-                    <a:pt x="360021" y="440229"/>
-                  </a:lnTo>
-                  <a:lnTo>
-                    <a:pt x="390702" y="398282"/>
-                  </a:lnTo>
-                  <a:lnTo>
-                    <a:pt x="419556" y="355573"/>
-                  </a:lnTo>
-                  <a:lnTo>
-                    <a:pt x="446143" y="312751"/>
-                  </a:lnTo>
-                  <a:lnTo>
-                    <a:pt x="470061" y="270464"/>
-                  </a:lnTo>
-                  <a:lnTo>
-                    <a:pt x="490948" y="229354"/>
-                  </a:lnTo>
-                  <a:lnTo>
-                    <a:pt x="508487" y="190043"/>
-                  </a:lnTo>
-                  <a:lnTo>
-                    <a:pt x="522412" y="153128"/>
-                  </a:lnTo>
-                  <a:lnTo>
-                    <a:pt x="532512" y="119168"/>
-                  </a:lnTo>
-                  <a:lnTo>
-                    <a:pt x="538634" y="88677"/>
+                    <a:pt x="547741" y="32092"/>
+                  </a:lnTo>
+                  <a:lnTo>
+                    <a:pt x="541515" y="16703"/>
+                  </a:lnTo>
+                  <a:lnTo>
+                    <a:pt x="531245" y="6131"/>
+                  </a:lnTo>
+                  <a:lnTo>
+                    <a:pt x="517084" y="535"/>
+                  </a:lnTo>
+                  <a:lnTo>
+                    <a:pt x="499249" y="0"/>
+                  </a:lnTo>
+                  <a:lnTo>
+                    <a:pt x="478008" y="4534"/>
+                  </a:lnTo>
+                  <a:lnTo>
+                    <a:pt x="453686" y="14068"/>
+                  </a:lnTo>
+                  <a:lnTo>
+                    <a:pt x="426649" y="28459"/>
+                  </a:lnTo>
+                  <a:lnTo>
+                    <a:pt x="397308" y="47487"/>
+                  </a:lnTo>
+                  <a:lnTo>
+                    <a:pt x="366108" y="70865"/>
+                  </a:lnTo>
+                  <a:lnTo>
+                    <a:pt x="333521" y="98237"/>
+                  </a:lnTo>
+                  <a:lnTo>
+                    <a:pt x="300042" y="129190"/>
+                  </a:lnTo>
+                  <a:lnTo>
+                    <a:pt x="266178" y="163253"/>
+                  </a:lnTo>
+                  <a:lnTo>
+                    <a:pt x="232443" y="199911"/>
+                  </a:lnTo>
+                  <a:lnTo>
+                    <a:pt x="199347" y="238608"/>
+                  </a:lnTo>
+                  <a:lnTo>
+                    <a:pt x="167393" y="278757"/>
+                  </a:lnTo>
+                  <a:lnTo>
+                    <a:pt x="137065" y="319749"/>
+                  </a:lnTo>
+                  <a:lnTo>
+                    <a:pt x="108822" y="360964"/>
+                  </a:lnTo>
+                  <a:lnTo>
+                    <a:pt x="83094" y="401775"/>
+                  </a:lnTo>
+                  <a:lnTo>
+                    <a:pt x="60269" y="441566"/>
+                  </a:lnTo>
+                  <a:lnTo>
+                    <a:pt x="40694" y="479732"/>
+                  </a:lnTo>
+                  <a:lnTo>
+                    <a:pt x="24666" y="515695"/>
+                  </a:lnTo>
+                  <a:lnTo>
+                    <a:pt x="12427" y="548910"/>
+                  </a:lnTo>
+                  <a:lnTo>
+                    <a:pt x="4163" y="578873"/>
+                  </a:lnTo>
+                  <a:lnTo>
+                    <a:pt x="0" y="605130"/>
+                  </a:lnTo>
+                  <a:lnTo>
+                    <a:pt x="0" y="627283"/>
+                  </a:lnTo>
+                  <a:lnTo>
+                    <a:pt x="4163" y="644997"/>
+                  </a:lnTo>
+                  <a:lnTo>
+                    <a:pt x="12427" y="658002"/>
+                  </a:lnTo>
+                  <a:lnTo>
+                    <a:pt x="24666" y="666102"/>
+                  </a:lnTo>
+                  <a:lnTo>
+                    <a:pt x="40694" y="669173"/>
+                  </a:lnTo>
+                  <a:lnTo>
+                    <a:pt x="60269" y="667170"/>
+                  </a:lnTo>
+                  <a:lnTo>
+                    <a:pt x="83094" y="660122"/>
+                  </a:lnTo>
+                  <a:lnTo>
+                    <a:pt x="108822" y="648137"/>
+                  </a:lnTo>
+                  <a:lnTo>
+                    <a:pt x="137065" y="631396"/>
+                  </a:lnTo>
+                  <a:lnTo>
+                    <a:pt x="167393" y="610153"/>
+                  </a:lnTo>
+                  <a:lnTo>
+                    <a:pt x="199347" y="584729"/>
+                  </a:lnTo>
+                  <a:lnTo>
+                    <a:pt x="232443" y="555511"/>
+                  </a:lnTo>
+                  <a:lnTo>
+                    <a:pt x="266178" y="522942"/>
+                  </a:lnTo>
+                  <a:lnTo>
+                    <a:pt x="300042" y="487514"/>
+                  </a:lnTo>
+                  <a:lnTo>
+                    <a:pt x="333521" y="449765"/>
+                  </a:lnTo>
+                  <a:lnTo>
+                    <a:pt x="366108" y="410267"/>
+                  </a:lnTo>
+                  <a:lnTo>
+                    <a:pt x="397308" y="369619"/>
+                  </a:lnTo>
+                  <a:lnTo>
+                    <a:pt x="426649" y="328438"/>
+                  </a:lnTo>
+                  <a:lnTo>
+                    <a:pt x="453686" y="287347"/>
+                  </a:lnTo>
+                  <a:lnTo>
+                    <a:pt x="478008" y="246969"/>
+                  </a:lnTo>
+                  <a:lnTo>
+                    <a:pt x="499249" y="207917"/>
+                  </a:lnTo>
+                  <a:lnTo>
+                    <a:pt x="517084" y="170782"/>
+                  </a:lnTo>
+                  <a:lnTo>
+                    <a:pt x="531245" y="136127"/>
+                  </a:lnTo>
+                  <a:lnTo>
+                    <a:pt x="541515" y="104478"/>
+                  </a:lnTo>
+                  <a:lnTo>
+                    <a:pt x="547741" y="76314"/>
                   </a:lnTo>
                   <a:close/>
                 </a:path>
@@ -16697,171 +16728,171 @@
         </p:sp>
         <p:sp>
           <p:nvSpPr>
-            <p:cNvPr id="208" name="pg207"/>
-            <p:cNvSpPr/>
-            <p:nvPr/>
-          </p:nvSpPr>
-          <p:spPr>
-            <a:xfrm>
-              <a:off x="6300540" y="3599011"/>
-              <a:ext cx="726248" cy="647677"/>
+            <p:cNvPr id="209" name="pg208"/>
+            <p:cNvSpPr/>
+            <p:nvPr/>
+          </p:nvSpPr>
+          <p:spPr>
+            <a:xfrm>
+              <a:off x="6320398" y="3598426"/>
+              <a:ext cx="721904" cy="641475"/>
             </a:xfrm>
             <a:custGeom>
               <a:avLst/>
               <a:pathLst>
-                <a:path w="726248" h="647677">
+                <a:path w="721904" h="641475">
                   <a:moveTo>
-                    <a:pt x="726248" y="32669"/>
+                    <a:pt x="721904" y="29721"/>
                   </a:moveTo>
                   <a:lnTo>
-                    <a:pt x="723493" y="17392"/>
-                  </a:lnTo>
-                  <a:lnTo>
-                    <a:pt x="715270" y="6760"/>
-                  </a:lnTo>
-                  <a:lnTo>
-                    <a:pt x="701704" y="933"/>
-                  </a:lnTo>
-                  <a:lnTo>
-                    <a:pt x="683000" y="0"/>
-                  </a:lnTo>
-                  <a:lnTo>
-                    <a:pt x="659441" y="3974"/>
-                  </a:lnTo>
-                  <a:lnTo>
-                    <a:pt x="631386" y="12797"/>
-                  </a:lnTo>
-                  <a:lnTo>
-                    <a:pt x="599259" y="26333"/>
-                  </a:lnTo>
-                  <a:lnTo>
-                    <a:pt x="563547" y="44378"/>
-                  </a:lnTo>
-                  <a:lnTo>
-                    <a:pt x="524791" y="66658"/>
-                  </a:lnTo>
-                  <a:lnTo>
-                    <a:pt x="483580" y="92836"/>
-                  </a:lnTo>
-                  <a:lnTo>
-                    <a:pt x="440537" y="122515"/>
-                  </a:lnTo>
-                  <a:lnTo>
-                    <a:pt x="396316" y="155244"/>
-                  </a:lnTo>
-                  <a:lnTo>
-                    <a:pt x="351586" y="190528"/>
-                  </a:lnTo>
-                  <a:lnTo>
-                    <a:pt x="307026" y="227831"/>
-                  </a:lnTo>
-                  <a:lnTo>
-                    <a:pt x="263311" y="266589"/>
-                  </a:lnTo>
-                  <a:lnTo>
-                    <a:pt x="221104" y="306213"/>
-                  </a:lnTo>
-                  <a:lnTo>
-                    <a:pt x="181045" y="346104"/>
-                  </a:lnTo>
-                  <a:lnTo>
-                    <a:pt x="143740" y="385656"/>
-                  </a:lnTo>
-                  <a:lnTo>
-                    <a:pt x="109756" y="424269"/>
-                  </a:lnTo>
-                  <a:lnTo>
-                    <a:pt x="79607" y="461360"/>
-                  </a:lnTo>
-                  <a:lnTo>
-                    <a:pt x="53752" y="496364"/>
-                  </a:lnTo>
-                  <a:lnTo>
-                    <a:pt x="32580" y="528752"/>
-                  </a:lnTo>
-                  <a:lnTo>
-                    <a:pt x="16414" y="558032"/>
-                  </a:lnTo>
-                  <a:lnTo>
-                    <a:pt x="5499" y="583762"/>
-                  </a:lnTo>
-                  <a:lnTo>
-                    <a:pt x="0" y="605549"/>
-                  </a:lnTo>
-                  <a:lnTo>
-                    <a:pt x="0" y="623066"/>
-                  </a:lnTo>
-                  <a:lnTo>
-                    <a:pt x="5499" y="636045"/>
-                  </a:lnTo>
-                  <a:lnTo>
-                    <a:pt x="16414" y="644290"/>
-                  </a:lnTo>
-                  <a:lnTo>
-                    <a:pt x="32580" y="647677"/>
-                  </a:lnTo>
-                  <a:lnTo>
-                    <a:pt x="53752" y="646153"/>
-                  </a:lnTo>
-                  <a:lnTo>
-                    <a:pt x="79607" y="639743"/>
-                  </a:lnTo>
-                  <a:lnTo>
-                    <a:pt x="109756" y="628542"/>
-                  </a:lnTo>
-                  <a:lnTo>
-                    <a:pt x="143740" y="612721"/>
-                  </a:lnTo>
-                  <a:lnTo>
-                    <a:pt x="181045" y="592520"/>
-                  </a:lnTo>
-                  <a:lnTo>
-                    <a:pt x="221104" y="568245"/>
-                  </a:lnTo>
-                  <a:lnTo>
-                    <a:pt x="263311" y="540264"/>
-                  </a:lnTo>
-                  <a:lnTo>
-                    <a:pt x="307026" y="509001"/>
-                  </a:lnTo>
-                  <a:lnTo>
-                    <a:pt x="351586" y="474930"/>
-                  </a:lnTo>
-                  <a:lnTo>
-                    <a:pt x="396316" y="438567"/>
-                  </a:lnTo>
-                  <a:lnTo>
-                    <a:pt x="440537" y="400464"/>
-                  </a:lnTo>
-                  <a:lnTo>
-                    <a:pt x="483580" y="361199"/>
-                  </a:lnTo>
-                  <a:lnTo>
-                    <a:pt x="524791" y="321366"/>
-                  </a:lnTo>
-                  <a:lnTo>
-                    <a:pt x="563547" y="281569"/>
-                  </a:lnTo>
-                  <a:lnTo>
-                    <a:pt x="599259" y="242412"/>
-                  </a:lnTo>
-                  <a:lnTo>
-                    <a:pt x="631386" y="204488"/>
-                  </a:lnTo>
-                  <a:lnTo>
-                    <a:pt x="659441" y="168372"/>
-                  </a:lnTo>
-                  <a:lnTo>
-                    <a:pt x="683000" y="134612"/>
-                  </a:lnTo>
-                  <a:lnTo>
-                    <a:pt x="701704" y="103719"/>
-                  </a:lnTo>
-                  <a:lnTo>
-                    <a:pt x="715270" y="76162"/>
-                  </a:lnTo>
-                  <a:lnTo>
-                    <a:pt x="723493" y="52358"/>
+                    <a:pt x="719165" y="15218"/>
+                  </a:lnTo>
+                  <a:lnTo>
+                    <a:pt x="710991" y="5342"/>
+                  </a:lnTo>
+                  <a:lnTo>
+                    <a:pt x="697506" y="243"/>
+                  </a:lnTo>
+                  <a:lnTo>
+                    <a:pt x="678914" y="0"/>
+                  </a:lnTo>
+                  <a:lnTo>
+                    <a:pt x="655496" y="4614"/>
+                  </a:lnTo>
+                  <a:lnTo>
+                    <a:pt x="627609" y="14017"/>
+                  </a:lnTo>
+                  <a:lnTo>
+                    <a:pt x="595674" y="28066"/>
+                  </a:lnTo>
+                  <a:lnTo>
+                    <a:pt x="560175" y="46548"/>
+                  </a:lnTo>
+                  <a:lnTo>
+                    <a:pt x="521652" y="69182"/>
+                  </a:lnTo>
+                  <a:lnTo>
+                    <a:pt x="480687" y="95626"/>
+                  </a:lnTo>
+                  <a:lnTo>
+                    <a:pt x="437902" y="125479"/>
+                  </a:lnTo>
+                  <a:lnTo>
+                    <a:pt x="393945" y="158288"/>
+                  </a:lnTo>
+                  <a:lnTo>
+                    <a:pt x="349483" y="193556"/>
+                  </a:lnTo>
+                  <a:lnTo>
+                    <a:pt x="305189" y="230748"/>
+                  </a:lnTo>
+                  <a:lnTo>
+                    <a:pt x="261736" y="269301"/>
+                  </a:lnTo>
+                  <a:lnTo>
+                    <a:pt x="219781" y="308630"/>
+                  </a:lnTo>
+                  <a:lnTo>
+                    <a:pt x="179962" y="348138"/>
+                  </a:lnTo>
+                  <a:lnTo>
+                    <a:pt x="142880" y="387228"/>
+                  </a:lnTo>
+                  <a:lnTo>
+                    <a:pt x="109099" y="425306"/>
+                  </a:lnTo>
+                  <a:lnTo>
+                    <a:pt x="79131" y="461795"/>
+                  </a:lnTo>
+                  <a:lnTo>
+                    <a:pt x="53430" y="496142"/>
+                  </a:lnTo>
+                  <a:lnTo>
+                    <a:pt x="32385" y="527826"/>
+                  </a:lnTo>
+                  <a:lnTo>
+                    <a:pt x="16316" y="556368"/>
+                  </a:lnTo>
+                  <a:lnTo>
+                    <a:pt x="5466" y="581334"/>
+                  </a:lnTo>
+                  <a:lnTo>
+                    <a:pt x="0" y="602345"/>
+                  </a:lnTo>
+                  <a:lnTo>
+                    <a:pt x="0" y="619085"/>
+                  </a:lnTo>
+                  <a:lnTo>
+                    <a:pt x="5466" y="631298"/>
+                  </a:lnTo>
+                  <a:lnTo>
+                    <a:pt x="16316" y="638799"/>
+                  </a:lnTo>
+                  <a:lnTo>
+                    <a:pt x="32385" y="641475"/>
+                  </a:lnTo>
+                  <a:lnTo>
+                    <a:pt x="53430" y="639286"/>
+                  </a:lnTo>
+                  <a:lnTo>
+                    <a:pt x="79131" y="632264"/>
+                  </a:lnTo>
+                  <a:lnTo>
+                    <a:pt x="109099" y="620516"/>
+                  </a:lnTo>
+                  <a:lnTo>
+                    <a:pt x="142880" y="604219"/>
+                  </a:lnTo>
+                  <a:lnTo>
+                    <a:pt x="179962" y="583622"/>
+                  </a:lnTo>
+                  <a:lnTo>
+                    <a:pt x="219781" y="559036"/>
+                  </a:lnTo>
+                  <a:lnTo>
+                    <a:pt x="261736" y="530834"/>
+                  </a:lnTo>
+                  <a:lnTo>
+                    <a:pt x="305189" y="499444"/>
+                  </a:lnTo>
+                  <a:lnTo>
+                    <a:pt x="349483" y="465340"/>
+                  </a:lnTo>
+                  <a:lnTo>
+                    <a:pt x="393945" y="429041"/>
+                  </a:lnTo>
+                  <a:lnTo>
+                    <a:pt x="437902" y="391097"/>
+                  </a:lnTo>
+                  <a:lnTo>
+                    <a:pt x="480687" y="352082"/>
+                  </a:lnTo>
+                  <a:lnTo>
+                    <a:pt x="521652" y="312589"/>
+                  </a:lnTo>
+                  <a:lnTo>
+                    <a:pt x="560175" y="273215"/>
+                  </a:lnTo>
+                  <a:lnTo>
+                    <a:pt x="595674" y="234558"/>
+                  </a:lnTo>
+                  <a:lnTo>
+                    <a:pt x="627609" y="197204"/>
+                  </a:lnTo>
+                  <a:lnTo>
+                    <a:pt x="655496" y="161718"/>
+                  </a:lnTo>
+                  <a:lnTo>
+                    <a:pt x="678914" y="128640"/>
+                  </a:lnTo>
+                  <a:lnTo>
+                    <a:pt x="697506" y="98470"/>
+                  </a:lnTo>
+                  <a:lnTo>
+                    <a:pt x="710991" y="71665"/>
+                  </a:lnTo>
+                  <a:lnTo>
+                    <a:pt x="719165" y="48633"/>
                   </a:lnTo>
                   <a:close/>
                 </a:path>
@@ -16890,171 +16921,171 @@
         </p:sp>
         <p:sp>
           <p:nvSpPr>
-            <p:cNvPr id="209" name="pg208"/>
-            <p:cNvSpPr/>
-            <p:nvPr/>
-          </p:nvSpPr>
-          <p:spPr>
-            <a:xfrm>
-              <a:off x="6578158" y="3413779"/>
-              <a:ext cx="644203" cy="334038"/>
+            <p:cNvPr id="210" name="pg209"/>
+            <p:cNvSpPr/>
+            <p:nvPr/>
+          </p:nvSpPr>
+          <p:spPr>
+            <a:xfrm>
+              <a:off x="6598841" y="3429606"/>
+              <a:ext cx="581409" cy="313458"/>
             </a:xfrm>
             <a:custGeom>
               <a:avLst/>
               <a:pathLst>
-                <a:path w="644203" h="334038">
+                <a:path w="581409" h="313458">
                   <a:moveTo>
-                    <a:pt x="644203" y="111870"/>
+                    <a:pt x="581409" y="119220"/>
                   </a:moveTo>
                   <a:lnTo>
-                    <a:pt x="641759" y="92902"/>
-                  </a:lnTo>
-                  <a:lnTo>
-                    <a:pt x="634465" y="75061"/>
-                  </a:lnTo>
-                  <a:lnTo>
-                    <a:pt x="622432" y="58615"/>
-                  </a:lnTo>
-                  <a:lnTo>
-                    <a:pt x="605841" y="43815"/>
-                  </a:lnTo>
-                  <a:lnTo>
-                    <a:pt x="584944" y="30885"/>
-                  </a:lnTo>
-                  <a:lnTo>
-                    <a:pt x="560058" y="20021"/>
-                  </a:lnTo>
-                  <a:lnTo>
-                    <a:pt x="531560" y="11388"/>
-                  </a:lnTo>
-                  <a:lnTo>
-                    <a:pt x="499882" y="5116"/>
-                  </a:lnTo>
-                  <a:lnTo>
-                    <a:pt x="465505" y="1301"/>
-                  </a:lnTo>
-                  <a:lnTo>
-                    <a:pt x="428949" y="0"/>
-                  </a:lnTo>
-                  <a:lnTo>
-                    <a:pt x="390769" y="1233"/>
-                  </a:lnTo>
-                  <a:lnTo>
-                    <a:pt x="351544" y="4981"/>
-                  </a:lnTo>
-                  <a:lnTo>
-                    <a:pt x="311867" y="11188"/>
-                  </a:lnTo>
-                  <a:lnTo>
-                    <a:pt x="272341" y="19760"/>
-                  </a:lnTo>
-                  <a:lnTo>
-                    <a:pt x="233565" y="30566"/>
-                  </a:lnTo>
-                  <a:lnTo>
-                    <a:pt x="196126" y="43443"/>
-                  </a:lnTo>
-                  <a:lnTo>
-                    <a:pt x="160592" y="58196"/>
-                  </a:lnTo>
-                  <a:lnTo>
-                    <a:pt x="127502" y="74600"/>
-                  </a:lnTo>
-                  <a:lnTo>
-                    <a:pt x="97357" y="92408"/>
-                  </a:lnTo>
-                  <a:lnTo>
-                    <a:pt x="70614" y="111349"/>
-                  </a:lnTo>
-                  <a:lnTo>
-                    <a:pt x="47679" y="131136"/>
-                  </a:lnTo>
-                  <a:lnTo>
-                    <a:pt x="28899" y="151469"/>
-                  </a:lnTo>
-                  <a:lnTo>
-                    <a:pt x="14560" y="172041"/>
-                  </a:lnTo>
-                  <a:lnTo>
-                    <a:pt x="4878" y="192538"/>
-                  </a:lnTo>
-                  <a:lnTo>
-                    <a:pt x="0" y="212651"/>
-                  </a:lnTo>
-                  <a:lnTo>
-                    <a:pt x="0" y="232075"/>
-                  </a:lnTo>
-                  <a:lnTo>
-                    <a:pt x="4878" y="250514"/>
-                  </a:lnTo>
-                  <a:lnTo>
-                    <a:pt x="14560" y="267691"/>
-                  </a:lnTo>
-                  <a:lnTo>
-                    <a:pt x="28899" y="283343"/>
-                  </a:lnTo>
-                  <a:lnTo>
-                    <a:pt x="47679" y="297234"/>
-                  </a:lnTo>
-                  <a:lnTo>
-                    <a:pt x="70614" y="309154"/>
-                  </a:lnTo>
-                  <a:lnTo>
-                    <a:pt x="97357" y="318921"/>
-                  </a:lnTo>
-                  <a:lnTo>
-                    <a:pt x="127502" y="326388"/>
-                  </a:lnTo>
-                  <a:lnTo>
-                    <a:pt x="160592" y="331441"/>
-                  </a:lnTo>
-                  <a:lnTo>
-                    <a:pt x="196126" y="334004"/>
-                  </a:lnTo>
-                  <a:lnTo>
-                    <a:pt x="233565" y="334038"/>
-                  </a:lnTo>
-                  <a:lnTo>
-                    <a:pt x="272341" y="331543"/>
-                  </a:lnTo>
-                  <a:lnTo>
-                    <a:pt x="311867" y="326556"/>
-                  </a:lnTo>
-                  <a:lnTo>
-                    <a:pt x="351544" y="319152"/>
-                  </a:lnTo>
-                  <a:lnTo>
-                    <a:pt x="390769" y="309445"/>
-                  </a:lnTo>
-                  <a:lnTo>
-                    <a:pt x="428949" y="297581"/>
-                  </a:lnTo>
-                  <a:lnTo>
-                    <a:pt x="465505" y="283740"/>
-                  </a:lnTo>
-                  <a:lnTo>
-                    <a:pt x="499882" y="268132"/>
-                  </a:lnTo>
-                  <a:lnTo>
-                    <a:pt x="531560" y="250993"/>
-                  </a:lnTo>
-                  <a:lnTo>
-                    <a:pt x="560058" y="232584"/>
-                  </a:lnTo>
-                  <a:lnTo>
-                    <a:pt x="584944" y="213183"/>
-                  </a:lnTo>
-                  <a:lnTo>
-                    <a:pt x="605841" y="193084"/>
-                  </a:lnTo>
-                  <a:lnTo>
-                    <a:pt x="622432" y="172593"/>
-                  </a:lnTo>
-                  <a:lnTo>
-                    <a:pt x="634465" y="152020"/>
-                  </a:lnTo>
-                  <a:lnTo>
-                    <a:pt x="641759" y="131676"/>
+                    <a:pt x="579204" y="100795"/>
+                  </a:lnTo>
+                  <a:lnTo>
+                    <a:pt x="572621" y="83218"/>
+                  </a:lnTo>
+                  <a:lnTo>
+                    <a:pt x="561760" y="66756"/>
+                  </a:lnTo>
+                  <a:lnTo>
+                    <a:pt x="546786" y="51658"/>
+                  </a:lnTo>
+                  <a:lnTo>
+                    <a:pt x="527926" y="38154"/>
+                  </a:lnTo>
+                  <a:lnTo>
+                    <a:pt x="505466" y="26447"/>
+                  </a:lnTo>
+                  <a:lnTo>
+                    <a:pt x="479746" y="16715"/>
+                  </a:lnTo>
+                  <a:lnTo>
+                    <a:pt x="451156" y="9107"/>
+                  </a:lnTo>
+                  <a:lnTo>
+                    <a:pt x="420130" y="3736"/>
+                  </a:lnTo>
+                  <a:lnTo>
+                    <a:pt x="387137" y="685"/>
+                  </a:lnTo>
+                  <a:lnTo>
+                    <a:pt x="352679" y="0"/>
+                  </a:lnTo>
+                  <a:lnTo>
+                    <a:pt x="317277" y="1690"/>
+                  </a:lnTo>
+                  <a:lnTo>
+                    <a:pt x="281468" y="5732"/>
+                  </a:lnTo>
+                  <a:lnTo>
+                    <a:pt x="245794" y="12063"/>
+                  </a:lnTo>
+                  <a:lnTo>
+                    <a:pt x="210798" y="20587"/>
+                  </a:lnTo>
+                  <a:lnTo>
+                    <a:pt x="177008" y="31175"/>
+                  </a:lnTo>
+                  <a:lnTo>
+                    <a:pt x="144938" y="43667"/>
+                  </a:lnTo>
+                  <a:lnTo>
+                    <a:pt x="115073" y="57873"/>
+                  </a:lnTo>
+                  <a:lnTo>
+                    <a:pt x="87867" y="73578"/>
+                  </a:lnTo>
+                  <a:lnTo>
+                    <a:pt x="63731" y="90544"/>
+                  </a:lnTo>
+                  <a:lnTo>
+                    <a:pt x="43032" y="108513"/>
+                  </a:lnTo>
+                  <a:lnTo>
+                    <a:pt x="26082" y="127214"/>
+                  </a:lnTo>
+                  <a:lnTo>
+                    <a:pt x="13141" y="146362"/>
+                  </a:lnTo>
+                  <a:lnTo>
+                    <a:pt x="4402" y="165668"/>
+                  </a:lnTo>
+                  <a:lnTo>
+                    <a:pt x="0" y="184839"/>
+                  </a:lnTo>
+                  <a:lnTo>
+                    <a:pt x="0" y="203584"/>
+                  </a:lnTo>
+                  <a:lnTo>
+                    <a:pt x="4402" y="221619"/>
+                  </a:lnTo>
+                  <a:lnTo>
+                    <a:pt x="13141" y="238671"/>
+                  </a:lnTo>
+                  <a:lnTo>
+                    <a:pt x="26082" y="254481"/>
+                  </a:lnTo>
+                  <a:lnTo>
+                    <a:pt x="43032" y="268809"/>
+                  </a:lnTo>
+                  <a:lnTo>
+                    <a:pt x="63731" y="281439"/>
+                  </a:lnTo>
+                  <a:lnTo>
+                    <a:pt x="87867" y="292178"/>
+                  </a:lnTo>
+                  <a:lnTo>
+                    <a:pt x="115073" y="300865"/>
+                  </a:lnTo>
+                  <a:lnTo>
+                    <a:pt x="144938" y="307367"/>
+                  </a:lnTo>
+                  <a:lnTo>
+                    <a:pt x="177008" y="311586"/>
+                  </a:lnTo>
+                  <a:lnTo>
+                    <a:pt x="210798" y="313458"/>
+                  </a:lnTo>
+                  <a:lnTo>
+                    <a:pt x="245794" y="312954"/>
+                  </a:lnTo>
+                  <a:lnTo>
+                    <a:pt x="281468" y="310082"/>
+                  </a:lnTo>
+                  <a:lnTo>
+                    <a:pt x="317277" y="304886"/>
+                  </a:lnTo>
+                  <a:lnTo>
+                    <a:pt x="352679" y="297445"/>
+                  </a:lnTo>
+                  <a:lnTo>
+                    <a:pt x="387137" y="287870"/>
+                  </a:lnTo>
+                  <a:lnTo>
+                    <a:pt x="420130" y="276308"/>
+                  </a:lnTo>
+                  <a:lnTo>
+                    <a:pt x="451156" y="262934"/>
+                  </a:lnTo>
+                  <a:lnTo>
+                    <a:pt x="479746" y="247950"/>
+                  </a:lnTo>
+                  <a:lnTo>
+                    <a:pt x="505466" y="231584"/>
+                  </a:lnTo>
+                  <a:lnTo>
+                    <a:pt x="527926" y="214083"/>
+                  </a:lnTo>
+                  <a:lnTo>
+                    <a:pt x="546786" y="195713"/>
+                  </a:lnTo>
+                  <a:lnTo>
+                    <a:pt x="561760" y="176752"/>
+                  </a:lnTo>
+                  <a:lnTo>
+                    <a:pt x="572621" y="157489"/>
+                  </a:lnTo>
+                  <a:lnTo>
+                    <a:pt x="579204" y="138214"/>
                   </a:lnTo>
                   <a:close/>
                 </a:path>
@@ -17083,171 +17114,171 @@
         </p:sp>
         <p:sp>
           <p:nvSpPr>
-            <p:cNvPr id="210" name="pg209"/>
-            <p:cNvSpPr/>
-            <p:nvPr/>
-          </p:nvSpPr>
-          <p:spPr>
-            <a:xfrm>
-              <a:off x="7121229" y="2565887"/>
-              <a:ext cx="646550" cy="681960"/>
+            <p:cNvPr id="211" name="pg210"/>
+            <p:cNvSpPr/>
+            <p:nvPr/>
+          </p:nvSpPr>
+          <p:spPr>
+            <a:xfrm>
+              <a:off x="7105203" y="2520421"/>
+              <a:ext cx="693187" cy="769087"/>
             </a:xfrm>
             <a:custGeom>
               <a:avLst/>
               <a:pathLst>
-                <a:path w="646550" h="681960">
+                <a:path w="693187" h="769087">
                   <a:moveTo>
-                    <a:pt x="646550" y="47033"/>
+                    <a:pt x="693187" y="46904"/>
                   </a:moveTo>
                   <a:lnTo>
-                    <a:pt x="644097" y="27961"/>
-                  </a:lnTo>
-                  <a:lnTo>
-                    <a:pt x="636776" y="13633"/>
-                  </a:lnTo>
-                  <a:lnTo>
-                    <a:pt x="624699" y="4265"/>
-                  </a:lnTo>
-                  <a:lnTo>
-                    <a:pt x="608047" y="0"/>
-                  </a:lnTo>
-                  <a:lnTo>
-                    <a:pt x="587074" y="902"/>
-                  </a:lnTo>
-                  <a:lnTo>
-                    <a:pt x="562098" y="6958"/>
-                  </a:lnTo>
-                  <a:lnTo>
-                    <a:pt x="533496" y="18076"/>
-                  </a:lnTo>
-                  <a:lnTo>
-                    <a:pt x="501703" y="34087"/>
-                  </a:lnTo>
-                  <a:lnTo>
-                    <a:pt x="467201" y="54749"/>
-                  </a:lnTo>
-                  <a:lnTo>
-                    <a:pt x="430512" y="79749"/>
-                  </a:lnTo>
-                  <a:lnTo>
-                    <a:pt x="392193" y="108707"/>
-                  </a:lnTo>
-                  <a:lnTo>
-                    <a:pt x="352824" y="141185"/>
-                  </a:lnTo>
-                  <a:lnTo>
-                    <a:pt x="313003" y="176690"/>
-                  </a:lnTo>
-                  <a:lnTo>
-                    <a:pt x="273333" y="214683"/>
-                  </a:lnTo>
-                  <a:lnTo>
-                    <a:pt x="234415" y="254590"/>
-                  </a:lnTo>
-                  <a:lnTo>
-                    <a:pt x="196840" y="295805"/>
-                  </a:lnTo>
-                  <a:lnTo>
-                    <a:pt x="161177" y="337704"/>
-                  </a:lnTo>
-                  <a:lnTo>
-                    <a:pt x="127966" y="379650"/>
-                  </a:lnTo>
-                  <a:lnTo>
-                    <a:pt x="97711" y="421009"/>
-                  </a:lnTo>
-                  <a:lnTo>
-                    <a:pt x="70871" y="461153"/>
-                  </a:lnTo>
-                  <a:lnTo>
-                    <a:pt x="47853" y="499474"/>
-                  </a:lnTo>
-                  <a:lnTo>
-                    <a:pt x="29005" y="535391"/>
-                  </a:lnTo>
-                  <a:lnTo>
-                    <a:pt x="14613" y="568359"/>
-                  </a:lnTo>
-                  <a:lnTo>
-                    <a:pt x="4895" y="597879"/>
-                  </a:lnTo>
-                  <a:lnTo>
-                    <a:pt x="0" y="623503"/>
-                  </a:lnTo>
-                  <a:lnTo>
-                    <a:pt x="0" y="644843"/>
-                  </a:lnTo>
-                  <a:lnTo>
-                    <a:pt x="4895" y="661575"/>
-                  </a:lnTo>
-                  <a:lnTo>
-                    <a:pt x="14613" y="673446"/>
-                  </a:lnTo>
-                  <a:lnTo>
-                    <a:pt x="29005" y="680275"/>
-                  </a:lnTo>
-                  <a:lnTo>
-                    <a:pt x="47853" y="681960"/>
-                  </a:lnTo>
-                  <a:lnTo>
-                    <a:pt x="70871" y="678474"/>
-                  </a:lnTo>
-                  <a:lnTo>
-                    <a:pt x="97711" y="669871"/>
-                  </a:lnTo>
-                  <a:lnTo>
-                    <a:pt x="127966" y="656280"/>
-                  </a:lnTo>
-                  <a:lnTo>
-                    <a:pt x="161177" y="637909"/>
-                  </a:lnTo>
-                  <a:lnTo>
-                    <a:pt x="196840" y="615035"/>
-                  </a:lnTo>
-                  <a:lnTo>
-                    <a:pt x="234415" y="588004"/>
-                  </a:lnTo>
-                  <a:lnTo>
-                    <a:pt x="273333" y="557228"/>
-                  </a:lnTo>
-                  <a:lnTo>
-                    <a:pt x="313003" y="523172"/>
-                  </a:lnTo>
-                  <a:lnTo>
-                    <a:pt x="352824" y="486353"/>
-                  </a:lnTo>
-                  <a:lnTo>
-                    <a:pt x="392193" y="447329"/>
-                  </a:lnTo>
-                  <a:lnTo>
-                    <a:pt x="430512" y="406691"/>
-                  </a:lnTo>
-                  <a:lnTo>
-                    <a:pt x="467201" y="365055"/>
-                  </a:lnTo>
-                  <a:lnTo>
-                    <a:pt x="501703" y="323053"/>
-                  </a:lnTo>
-                  <a:lnTo>
-                    <a:pt x="533496" y="281321"/>
-                  </a:lnTo>
-                  <a:lnTo>
-                    <a:pt x="562098" y="240493"/>
-                  </a:lnTo>
-                  <a:lnTo>
-                    <a:pt x="587074" y="201186"/>
-                  </a:lnTo>
-                  <a:lnTo>
-                    <a:pt x="608047" y="163996"/>
-                  </a:lnTo>
-                  <a:lnTo>
-                    <a:pt x="624699" y="129488"/>
-                  </a:lnTo>
-                  <a:lnTo>
-                    <a:pt x="636776" y="98185"/>
-                  </a:lnTo>
-                  <a:lnTo>
-                    <a:pt x="644097" y="70560"/>
+                    <a:pt x="690557" y="26837"/>
+                  </a:lnTo>
+                  <a:lnTo>
+                    <a:pt x="682708" y="12197"/>
+                  </a:lnTo>
+                  <a:lnTo>
+                    <a:pt x="669760" y="3206"/>
+                  </a:lnTo>
+                  <a:lnTo>
+                    <a:pt x="651907" y="0"/>
+                  </a:lnTo>
+                  <a:lnTo>
+                    <a:pt x="629421" y="2627"/>
+                  </a:lnTo>
+                  <a:lnTo>
+                    <a:pt x="602643" y="11049"/>
+                  </a:lnTo>
+                  <a:lnTo>
+                    <a:pt x="571978" y="25137"/>
+                  </a:lnTo>
+                  <a:lnTo>
+                    <a:pt x="537892" y="44677"/>
+                  </a:lnTo>
+                  <a:lnTo>
+                    <a:pt x="500901" y="69374"/>
+                  </a:lnTo>
+                  <a:lnTo>
+                    <a:pt x="461565" y="98853"/>
+                  </a:lnTo>
+                  <a:lnTo>
+                    <a:pt x="420482" y="132667"/>
+                  </a:lnTo>
+                  <a:lnTo>
+                    <a:pt x="378274" y="170304"/>
+                  </a:lnTo>
+                  <a:lnTo>
+                    <a:pt x="335581" y="211193"/>
+                  </a:lnTo>
+                  <a:lnTo>
+                    <a:pt x="293049" y="254714"/>
+                  </a:lnTo>
+                  <a:lnTo>
+                    <a:pt x="251324" y="300208"/>
+                  </a:lnTo>
+                  <a:lnTo>
+                    <a:pt x="211039" y="346984"/>
+                  </a:lnTo>
+                  <a:lnTo>
+                    <a:pt x="172803" y="394335"/>
+                  </a:lnTo>
+                  <a:lnTo>
+                    <a:pt x="137196" y="441541"/>
+                  </a:lnTo>
+                  <a:lnTo>
+                    <a:pt x="104759" y="487888"/>
+                  </a:lnTo>
+                  <a:lnTo>
+                    <a:pt x="75983" y="532672"/>
+                  </a:lnTo>
+                  <a:lnTo>
+                    <a:pt x="51305" y="575216"/>
+                  </a:lnTo>
+                  <a:lnTo>
+                    <a:pt x="31097" y="614873"/>
+                  </a:lnTo>
+                  <a:lnTo>
+                    <a:pt x="15667" y="651044"/>
+                  </a:lnTo>
+                  <a:lnTo>
+                    <a:pt x="5249" y="683179"/>
+                  </a:lnTo>
+                  <a:lnTo>
+                    <a:pt x="0" y="710791"/>
+                  </a:lnTo>
+                  <a:lnTo>
+                    <a:pt x="0" y="733462"/>
+                  </a:lnTo>
+                  <a:lnTo>
+                    <a:pt x="5249" y="750849"/>
+                  </a:lnTo>
+                  <a:lnTo>
+                    <a:pt x="15667" y="762687"/>
+                  </a:lnTo>
+                  <a:lnTo>
+                    <a:pt x="31097" y="768797"/>
+                  </a:lnTo>
+                  <a:lnTo>
+                    <a:pt x="51305" y="769087"/>
+                  </a:lnTo>
+                  <a:lnTo>
+                    <a:pt x="75983" y="763552"/>
+                  </a:lnTo>
+                  <a:lnTo>
+                    <a:pt x="104759" y="752275"/>
+                  </a:lnTo>
+                  <a:lnTo>
+                    <a:pt x="137196" y="735429"/>
+                  </a:lnTo>
+                  <a:lnTo>
+                    <a:pt x="172803" y="713269"/>
+                  </a:lnTo>
+                  <a:lnTo>
+                    <a:pt x="211039" y="686129"/>
+                  </a:lnTo>
+                  <a:lnTo>
+                    <a:pt x="251324" y="654422"/>
+                  </a:lnTo>
+                  <a:lnTo>
+                    <a:pt x="293049" y="618629"/>
+                  </a:lnTo>
+                  <a:lnTo>
+                    <a:pt x="335581" y="579292"/>
+                  </a:lnTo>
+                  <a:lnTo>
+                    <a:pt x="378274" y="537006"/>
+                  </a:lnTo>
+                  <a:lnTo>
+                    <a:pt x="420482" y="492414"/>
+                  </a:lnTo>
+                  <a:lnTo>
+                    <a:pt x="461565" y="446192"/>
+                  </a:lnTo>
+                  <a:lnTo>
+                    <a:pt x="500901" y="399039"/>
+                  </a:lnTo>
+                  <a:lnTo>
+                    <a:pt x="537892" y="351670"/>
+                  </a:lnTo>
+                  <a:lnTo>
+                    <a:pt x="571978" y="304805"/>
+                  </a:lnTo>
+                  <a:lnTo>
+                    <a:pt x="602643" y="259153"/>
+                  </a:lnTo>
+                  <a:lnTo>
+                    <a:pt x="629421" y="215406"/>
+                  </a:lnTo>
+                  <a:lnTo>
+                    <a:pt x="651907" y="174227"/>
+                  </a:lnTo>
+                  <a:lnTo>
+                    <a:pt x="669760" y="136241"/>
+                  </a:lnTo>
+                  <a:lnTo>
+                    <a:pt x="682708" y="102024"/>
+                  </a:lnTo>
+                  <a:lnTo>
+                    <a:pt x="690557" y="72093"/>
                   </a:lnTo>
                   <a:close/>
                 </a:path>
@@ -17276,7 +17307,7 @@
         </p:sp>
         <p:sp>
           <p:nvSpPr>
-            <p:cNvPr id="211" name="tx210"/>
+            <p:cNvPr id="212" name="tx211"/>
             <p:cNvSpPr/>
             <p:nvPr/>
           </p:nvSpPr>
@@ -17322,7 +17353,7 @@
         </p:sp>
         <p:sp>
           <p:nvSpPr>
-            <p:cNvPr id="212" name="tx211"/>
+            <p:cNvPr id="213" name="tx212"/>
             <p:cNvSpPr/>
             <p:nvPr/>
           </p:nvSpPr>
@@ -17368,7 +17399,7 @@
         </p:sp>
         <p:sp>
           <p:nvSpPr>
-            <p:cNvPr id="213" name="tx212"/>
+            <p:cNvPr id="214" name="tx213"/>
             <p:cNvSpPr/>
             <p:nvPr/>
           </p:nvSpPr>
@@ -17414,7 +17445,7 @@
         </p:sp>
         <p:sp>
           <p:nvSpPr>
-            <p:cNvPr id="214" name="tx213"/>
+            <p:cNvPr id="215" name="tx214"/>
             <p:cNvSpPr/>
             <p:nvPr/>
           </p:nvSpPr>
@@ -17460,7 +17491,7 @@
         </p:sp>
         <p:sp>
           <p:nvSpPr>
-            <p:cNvPr id="215" name="tx214"/>
+            <p:cNvPr id="216" name="tx215"/>
             <p:cNvSpPr/>
             <p:nvPr/>
           </p:nvSpPr>
@@ -17506,7 +17537,7 @@
         </p:sp>
         <p:sp>
           <p:nvSpPr>
-            <p:cNvPr id="216" name="pl215"/>
+            <p:cNvPr id="217" name="pl216"/>
             <p:cNvSpPr/>
             <p:nvPr/>
           </p:nvSpPr>
@@ -17546,7 +17577,7 @@
         </p:sp>
         <p:sp>
           <p:nvSpPr>
-            <p:cNvPr id="217" name="pl216"/>
+            <p:cNvPr id="218" name="pl217"/>
             <p:cNvSpPr/>
             <p:nvPr/>
           </p:nvSpPr>
@@ -17586,7 +17617,7 @@
         </p:sp>
         <p:sp>
           <p:nvSpPr>
-            <p:cNvPr id="218" name="pl217"/>
+            <p:cNvPr id="219" name="pl218"/>
             <p:cNvSpPr/>
             <p:nvPr/>
           </p:nvSpPr>
@@ -17626,7 +17657,7 @@
         </p:sp>
         <p:sp>
           <p:nvSpPr>
-            <p:cNvPr id="219" name="pl218"/>
+            <p:cNvPr id="220" name="pl219"/>
             <p:cNvSpPr/>
             <p:nvPr/>
           </p:nvSpPr>
@@ -17666,7 +17697,7 @@
         </p:sp>
         <p:sp>
           <p:nvSpPr>
-            <p:cNvPr id="220" name="pl219"/>
+            <p:cNvPr id="221" name="pl220"/>
             <p:cNvSpPr/>
             <p:nvPr/>
           </p:nvSpPr>
@@ -17706,7 +17737,7 @@
         </p:sp>
         <p:sp>
           <p:nvSpPr>
-            <p:cNvPr id="221" name="pl220"/>
+            <p:cNvPr id="222" name="pl221"/>
             <p:cNvSpPr/>
             <p:nvPr/>
           </p:nvSpPr>
@@ -17746,7 +17777,7 @@
         </p:sp>
         <p:sp>
           <p:nvSpPr>
-            <p:cNvPr id="222" name="pl221"/>
+            <p:cNvPr id="223" name="pl222"/>
             <p:cNvSpPr/>
             <p:nvPr/>
           </p:nvSpPr>
@@ -17786,7 +17817,7 @@
         </p:sp>
         <p:sp>
           <p:nvSpPr>
-            <p:cNvPr id="223" name="pl222"/>
+            <p:cNvPr id="224" name="pl223"/>
             <p:cNvSpPr/>
             <p:nvPr/>
           </p:nvSpPr>
@@ -17826,7 +17857,7 @@
         </p:sp>
         <p:sp>
           <p:nvSpPr>
-            <p:cNvPr id="224" name="pl223"/>
+            <p:cNvPr id="225" name="pl224"/>
             <p:cNvSpPr/>
             <p:nvPr/>
           </p:nvSpPr>
@@ -17866,7 +17897,7 @@
         </p:sp>
         <p:sp>
           <p:nvSpPr>
-            <p:cNvPr id="225" name="pl224"/>
+            <p:cNvPr id="226" name="pl225"/>
             <p:cNvSpPr/>
             <p:nvPr/>
           </p:nvSpPr>
@@ -17906,7 +17937,7 @@
         </p:sp>
         <p:sp>
           <p:nvSpPr>
-            <p:cNvPr id="226" name="tx225"/>
+            <p:cNvPr id="227" name="tx226"/>
             <p:cNvSpPr/>
             <p:nvPr/>
           </p:nvSpPr>
@@ -17952,7 +17983,7 @@
         </p:sp>
         <p:sp>
           <p:nvSpPr>
-            <p:cNvPr id="227" name="tx226"/>
+            <p:cNvPr id="228" name="tx227"/>
             <p:cNvSpPr/>
             <p:nvPr/>
           </p:nvSpPr>
@@ -17998,7 +18029,7 @@
         </p:sp>
         <p:sp>
           <p:nvSpPr>
-            <p:cNvPr id="228" name="tx227"/>
+            <p:cNvPr id="229" name="tx228"/>
             <p:cNvSpPr/>
             <p:nvPr/>
           </p:nvSpPr>
@@ -18044,7 +18075,7 @@
         </p:sp>
         <p:sp>
           <p:nvSpPr>
-            <p:cNvPr id="229" name="tx228"/>
+            <p:cNvPr id="230" name="tx229"/>
             <p:cNvSpPr/>
             <p:nvPr/>
           </p:nvSpPr>
@@ -18090,7 +18121,7 @@
         </p:sp>
         <p:sp>
           <p:nvSpPr>
-            <p:cNvPr id="230" name="tx229"/>
+            <p:cNvPr id="231" name="tx230"/>
             <p:cNvSpPr/>
             <p:nvPr/>
           </p:nvSpPr>
@@ -18136,7 +18167,7 @@
         </p:sp>
         <p:sp>
           <p:nvSpPr>
-            <p:cNvPr id="231" name="tx230"/>
+            <p:cNvPr id="232" name="tx231"/>
             <p:cNvSpPr/>
             <p:nvPr/>
           </p:nvSpPr>
@@ -18182,7 +18213,7 @@
         </p:sp>
         <p:sp>
           <p:nvSpPr>
-            <p:cNvPr id="232" name="tx231"/>
+            <p:cNvPr id="233" name="tx232"/>
             <p:cNvSpPr/>
             <p:nvPr/>
           </p:nvSpPr>
@@ -18228,7 +18259,7 @@
         </p:sp>
         <p:sp>
           <p:nvSpPr>
-            <p:cNvPr id="233" name="tx232"/>
+            <p:cNvPr id="234" name="tx233"/>
             <p:cNvSpPr/>
             <p:nvPr/>
           </p:nvSpPr>
@@ -47380,18 +47411,18 @@
           </p:nvSpPr>
           <p:spPr>
             <a:xfrm>
-              <a:off x="3609987" y="4936947"/>
-              <a:ext cx="140581" cy="210094"/>
+              <a:off x="3611372" y="4937743"/>
+              <a:ext cx="139228" cy="209277"/>
             </a:xfrm>
             <a:custGeom>
               <a:avLst/>
               <a:pathLst>
-                <a:path w="140581" h="210094">
+                <a:path w="139228" h="209277">
                   <a:moveTo>
                     <a:pt x="0" y="0"/>
                   </a:moveTo>
                   <a:lnTo>
-                    <a:pt x="140581" y="210094"/>
+                    <a:pt x="139228" y="209277"/>
                   </a:lnTo>
                 </a:path>
               </a:pathLst>
@@ -47411,7 +47442,7 @@
           </p:nvSpPr>
           <p:spPr>
             <a:xfrm>
-              <a:off x="3744398" y="4546739"/>
+              <a:off x="3744967" y="4546853"/>
               <a:ext cx="488087" cy="99300"/>
             </a:xfrm>
             <a:prstGeom prst="rect">
@@ -47457,7 +47488,7 @@
           </p:nvSpPr>
           <p:spPr>
             <a:xfrm>
-              <a:off x="4819098" y="4274440"/>
+              <a:off x="4819915" y="4274681"/>
               <a:ext cx="488087" cy="99300"/>
             </a:xfrm>
             <a:prstGeom prst="rect">
@@ -47503,7 +47534,7 @@
           </p:nvSpPr>
           <p:spPr>
             <a:xfrm>
-              <a:off x="5339444" y="2620567"/>
+              <a:off x="5339440" y="2620904"/>
               <a:ext cx="488087" cy="99300"/>
             </a:xfrm>
             <a:prstGeom prst="rect">
@@ -47549,7 +47580,7 @@
           </p:nvSpPr>
           <p:spPr>
             <a:xfrm>
-              <a:off x="3099040" y="4865365"/>
+              <a:off x="3100425" y="4866084"/>
               <a:ext cx="488087" cy="99300"/>
             </a:xfrm>
             <a:prstGeom prst="rect">
@@ -47595,7 +47626,7 @@
           </p:nvSpPr>
           <p:spPr>
             <a:xfrm>
-              <a:off x="5682224" y="3210695"/>
+              <a:off x="5684237" y="3211246"/>
               <a:ext cx="488087" cy="98983"/>
             </a:xfrm>
             <a:prstGeom prst="rect">
@@ -47641,7 +47672,7 @@
           </p:nvSpPr>
           <p:spPr>
             <a:xfrm>
-              <a:off x="5947413" y="2603871"/>
+              <a:off x="5947206" y="2604054"/>
               <a:ext cx="488087" cy="98983"/>
             </a:xfrm>
             <a:prstGeom prst="rect">
@@ -47687,7 +47718,7 @@
           </p:nvSpPr>
           <p:spPr>
             <a:xfrm>
-              <a:off x="4239834" y="4207308"/>
+              <a:off x="4240495" y="4207521"/>
               <a:ext cx="488087" cy="99300"/>
             </a:xfrm>
             <a:prstGeom prst="rect">
@@ -47733,7 +47764,7 @@
           </p:nvSpPr>
           <p:spPr>
             <a:xfrm>
-              <a:off x="4627425" y="4668254"/>
+              <a:off x="4627518" y="4668545"/>
               <a:ext cx="488087" cy="99300"/>
             </a:xfrm>
             <a:prstGeom prst="rect">
@@ -47779,7 +47810,7 @@
           </p:nvSpPr>
           <p:spPr>
             <a:xfrm>
-              <a:off x="5393401" y="2817319"/>
+              <a:off x="5393141" y="2817062"/>
               <a:ext cx="548376" cy="99300"/>
             </a:xfrm>
             <a:prstGeom prst="rect">
@@ -47825,7 +47856,7 @@
           </p:nvSpPr>
           <p:spPr>
             <a:xfrm>
-              <a:off x="5301451" y="3379507"/>
+              <a:off x="5299115" y="3379564"/>
               <a:ext cx="548376" cy="99300"/>
             </a:xfrm>
             <a:prstGeom prst="rect">
@@ -47871,7 +47902,7 @@
           </p:nvSpPr>
           <p:spPr>
             <a:xfrm>
-              <a:off x="5489948" y="3549219"/>
+              <a:off x="5490187" y="3549150"/>
               <a:ext cx="548376" cy="99300"/>
             </a:xfrm>
             <a:prstGeom prst="rect">
@@ -47917,7 +47948,7 @@
           </p:nvSpPr>
           <p:spPr>
             <a:xfrm>
-              <a:off x="3983758" y="5197549"/>
+              <a:off x="3983794" y="5197416"/>
               <a:ext cx="548376" cy="99300"/>
             </a:xfrm>
             <a:prstGeom prst="rect">
@@ -47963,7 +47994,7 @@
           </p:nvSpPr>
           <p:spPr>
             <a:xfrm>
-              <a:off x="4938805" y="2993393"/>
+              <a:off x="4937909" y="2993517"/>
               <a:ext cx="548376" cy="99300"/>
             </a:xfrm>
             <a:prstGeom prst="rect">
@@ -48009,7 +48040,7 @@
           </p:nvSpPr>
           <p:spPr>
             <a:xfrm>
-              <a:off x="3660764" y="4376649"/>
+              <a:off x="3658788" y="4376513"/>
               <a:ext cx="548376" cy="99300"/>
             </a:xfrm>
             <a:prstGeom prst="rect">
@@ -48055,7 +48086,7 @@
           </p:nvSpPr>
           <p:spPr>
             <a:xfrm>
-              <a:off x="4869186" y="3190694"/>
+              <a:off x="4870472" y="3190346"/>
               <a:ext cx="548376" cy="99300"/>
             </a:xfrm>
             <a:prstGeom prst="rect">
@@ -48101,7 +48132,7 @@
           </p:nvSpPr>
           <p:spPr>
             <a:xfrm>
-              <a:off x="4754638" y="2817814"/>
+              <a:off x="4754497" y="2817426"/>
               <a:ext cx="548376" cy="99300"/>
             </a:xfrm>
             <a:prstGeom prst="rect">
@@ -48147,7 +48178,7 @@
           </p:nvSpPr>
           <p:spPr>
             <a:xfrm>
-              <a:off x="3678686" y="4999877"/>
+              <a:off x="3678320" y="4999425"/>
               <a:ext cx="548376" cy="99300"/>
             </a:xfrm>
             <a:prstGeom prst="rect">
@@ -48193,7 +48224,7 @@
           </p:nvSpPr>
           <p:spPr>
             <a:xfrm>
-              <a:off x="4084757" y="3589164"/>
+              <a:off x="4085121" y="3589198"/>
               <a:ext cx="548376" cy="99300"/>
             </a:xfrm>
             <a:prstGeom prst="rect">
@@ -48239,7 +48270,7 @@
           </p:nvSpPr>
           <p:spPr>
             <a:xfrm>
-              <a:off x="5582381" y="3041441"/>
+              <a:off x="5580083" y="3041101"/>
               <a:ext cx="548376" cy="99300"/>
             </a:xfrm>
             <a:prstGeom prst="rect">
@@ -48285,7 +48316,7 @@
           </p:nvSpPr>
           <p:spPr>
             <a:xfrm>
-              <a:off x="4620916" y="4008956"/>
+              <a:off x="4621285" y="4008160"/>
               <a:ext cx="548376" cy="99300"/>
             </a:xfrm>
             <a:prstGeom prst="rect">
@@ -48331,7 +48362,7 @@
           </p:nvSpPr>
           <p:spPr>
             <a:xfrm>
-              <a:off x="3343957" y="5235579"/>
+              <a:off x="3344259" y="5235204"/>
               <a:ext cx="548376" cy="99300"/>
             </a:xfrm>
             <a:prstGeom prst="rect">
@@ -48377,7 +48408,7 @@
           </p:nvSpPr>
           <p:spPr>
             <a:xfrm>
-              <a:off x="6021044" y="2283829"/>
+              <a:off x="6020891" y="2283791"/>
               <a:ext cx="548376" cy="99300"/>
             </a:xfrm>
             <a:prstGeom prst="rect">
@@ -48423,7 +48454,7 @@
           </p:nvSpPr>
           <p:spPr>
             <a:xfrm>
-              <a:off x="3987616" y="4784826"/>
+              <a:off x="3988150" y="4783872"/>
               <a:ext cx="548376" cy="99300"/>
             </a:xfrm>
             <a:prstGeom prst="rect">
@@ -48469,7 +48500,7 @@
           </p:nvSpPr>
           <p:spPr>
             <a:xfrm>
-              <a:off x="3038488" y="5035461"/>
+              <a:off x="3038581" y="5035556"/>
               <a:ext cx="548376" cy="99300"/>
             </a:xfrm>
             <a:prstGeom prst="rect">
@@ -48515,7 +48546,7 @@
           </p:nvSpPr>
           <p:spPr>
             <a:xfrm>
-              <a:off x="5381027" y="2385638"/>
+              <a:off x="5379906" y="2385422"/>
               <a:ext cx="548376" cy="99300"/>
             </a:xfrm>
             <a:prstGeom prst="rect">
@@ -48561,7 +48592,7 @@
           </p:nvSpPr>
           <p:spPr>
             <a:xfrm>
-              <a:off x="4944346" y="3815129"/>
+              <a:off x="4944303" y="3815316"/>
               <a:ext cx="548376" cy="99300"/>
             </a:xfrm>
             <a:prstGeom prst="rect">
@@ -48607,7 +48638,7 @@
           </p:nvSpPr>
           <p:spPr>
             <a:xfrm>
-              <a:off x="4323863" y="4498669"/>
+              <a:off x="4325003" y="4498048"/>
               <a:ext cx="548376" cy="99300"/>
             </a:xfrm>
             <a:prstGeom prst="rect">
@@ -48653,7 +48684,7 @@
           </p:nvSpPr>
           <p:spPr>
             <a:xfrm>
-              <a:off x="4661958" y="3419743"/>
+              <a:off x="4659455" y="3420116"/>
               <a:ext cx="548376" cy="99300"/>
             </a:xfrm>
             <a:prstGeom prst="rect">
@@ -48699,7 +48730,7 @@
           </p:nvSpPr>
           <p:spPr>
             <a:xfrm>
-              <a:off x="4212190" y="4124251"/>
+              <a:off x="4212943" y="4123616"/>
               <a:ext cx="1108187" cy="201459"/>
             </a:xfrm>
             <a:prstGeom prst="rect">
@@ -48745,7 +48776,7 @@
           </p:nvSpPr>
           <p:spPr>
             <a:xfrm>
-              <a:off x="5256928" y="2628638"/>
+              <a:off x="5256298" y="2628954"/>
               <a:ext cx="1108187" cy="201459"/>
             </a:xfrm>
             <a:prstGeom prst="rect">
@@ -48791,7 +48822,7 @@
           </p:nvSpPr>
           <p:spPr>
             <a:xfrm>
-              <a:off x="3415120" y="4878793"/>
+              <a:off x="3140061" y="5153181"/>
               <a:ext cx="1108187" cy="201459"/>
             </a:xfrm>
             <a:prstGeom prst="rect">
@@ -48837,7 +48868,7 @@
           </p:nvSpPr>
           <p:spPr>
             <a:xfrm>
-              <a:off x="4483888" y="3716035"/>
+              <a:off x="4483437" y="3716087"/>
               <a:ext cx="1108187" cy="201459"/>
             </a:xfrm>
             <a:prstGeom prst="rect">
@@ -48883,165 +48914,165 @@
           </p:nvSpPr>
           <p:spPr>
             <a:xfrm>
-              <a:off x="4312232" y="4066481"/>
-              <a:ext cx="657808" cy="606747"/>
+              <a:off x="4326238" y="4120563"/>
+              <a:ext cx="582350" cy="538661"/>
             </a:xfrm>
             <a:custGeom>
               <a:avLst/>
               <a:pathLst>
-                <a:path w="657808" h="606747">
+                <a:path w="582350" h="538661">
                   <a:moveTo>
-                    <a:pt x="657808" y="20963"/>
+                    <a:pt x="582350" y="24050"/>
                   </a:moveTo>
                   <a:lnTo>
-                    <a:pt x="655313" y="9481"/>
-                  </a:lnTo>
-                  <a:lnTo>
-                    <a:pt x="647865" y="2458"/>
-                  </a:lnTo>
-                  <a:lnTo>
-                    <a:pt x="635577" y="0"/>
-                  </a:lnTo>
-                  <a:lnTo>
-                    <a:pt x="618635" y="2144"/>
-                  </a:lnTo>
-                  <a:lnTo>
-                    <a:pt x="597297" y="8859"/>
-                  </a:lnTo>
-                  <a:lnTo>
-                    <a:pt x="571886" y="20042"/>
-                  </a:lnTo>
-                  <a:lnTo>
-                    <a:pt x="542786" y="35523"/>
-                  </a:lnTo>
-                  <a:lnTo>
-                    <a:pt x="510439" y="55069"/>
-                  </a:lnTo>
-                  <a:lnTo>
-                    <a:pt x="475336" y="78383"/>
-                  </a:lnTo>
-                  <a:lnTo>
-                    <a:pt x="438008" y="105111"/>
-                  </a:lnTo>
-                  <a:lnTo>
-                    <a:pt x="399022" y="134848"/>
-                  </a:lnTo>
-                  <a:lnTo>
-                    <a:pt x="358968" y="167144"/>
-                  </a:lnTo>
-                  <a:lnTo>
-                    <a:pt x="318453" y="201508"/>
-                  </a:lnTo>
-                  <a:lnTo>
-                    <a:pt x="278093" y="237421"/>
-                  </a:lnTo>
-                  <a:lnTo>
-                    <a:pt x="238497" y="274337"/>
-                  </a:lnTo>
-                  <a:lnTo>
-                    <a:pt x="200268" y="311697"/>
-                  </a:lnTo>
-                  <a:lnTo>
-                    <a:pt x="163983" y="348934"/>
-                  </a:lnTo>
-                  <a:lnTo>
-                    <a:pt x="130194" y="385485"/>
-                  </a:lnTo>
-                  <a:lnTo>
-                    <a:pt x="99413" y="420795"/>
-                  </a:lnTo>
-                  <a:lnTo>
-                    <a:pt x="72105" y="454328"/>
-                  </a:lnTo>
-                  <a:lnTo>
-                    <a:pt x="48686" y="485577"/>
-                  </a:lnTo>
-                  <a:lnTo>
-                    <a:pt x="29510" y="514068"/>
-                  </a:lnTo>
-                  <a:lnTo>
-                    <a:pt x="14867" y="539369"/>
-                  </a:lnTo>
-                  <a:lnTo>
-                    <a:pt x="4981" y="561095"/>
-                  </a:lnTo>
-                  <a:lnTo>
-                    <a:pt x="0" y="578919"/>
-                  </a:lnTo>
-                  <a:lnTo>
-                    <a:pt x="0" y="592570"/>
-                  </a:lnTo>
-                  <a:lnTo>
-                    <a:pt x="4981" y="601840"/>
-                  </a:lnTo>
-                  <a:lnTo>
-                    <a:pt x="14867" y="606590"/>
-                  </a:lnTo>
-                  <a:lnTo>
-                    <a:pt x="29510" y="606747"/>
-                  </a:lnTo>
-                  <a:lnTo>
-                    <a:pt x="48686" y="602309"/>
-                  </a:lnTo>
-                  <a:lnTo>
-                    <a:pt x="72105" y="593343"/>
-                  </a:lnTo>
-                  <a:lnTo>
-                    <a:pt x="99413" y="579986"/>
-                  </a:lnTo>
-                  <a:lnTo>
-                    <a:pt x="130194" y="562439"/>
-                  </a:lnTo>
-                  <a:lnTo>
-                    <a:pt x="163983" y="540968"/>
-                  </a:lnTo>
-                  <a:lnTo>
-                    <a:pt x="200268" y="515900"/>
-                  </a:lnTo>
-                  <a:lnTo>
-                    <a:pt x="238497" y="487614"/>
-                  </a:lnTo>
-                  <a:lnTo>
-                    <a:pt x="278093" y="456538"/>
-                  </a:lnTo>
-                  <a:lnTo>
-                    <a:pt x="318453" y="423145"/>
-                  </a:lnTo>
-                  <a:lnTo>
-                    <a:pt x="358968" y="387939"/>
-                  </a:lnTo>
-                  <a:lnTo>
-                    <a:pt x="399022" y="351456"/>
-                  </a:lnTo>
-                  <a:lnTo>
-                    <a:pt x="438008" y="314247"/>
-                  </a:lnTo>
-                  <a:lnTo>
-                    <a:pt x="475336" y="276878"/>
-                  </a:lnTo>
-                  <a:lnTo>
-                    <a:pt x="510439" y="239913"/>
-                  </a:lnTo>
-                  <a:lnTo>
-                    <a:pt x="542786" y="203915"/>
-                  </a:lnTo>
-                  <a:lnTo>
-                    <a:pt x="571886" y="169428"/>
-                  </a:lnTo>
-                  <a:lnTo>
-                    <a:pt x="597297" y="136975"/>
-                  </a:lnTo>
-                  <a:lnTo>
-                    <a:pt x="618635" y="107048"/>
-                  </a:lnTo>
-                  <a:lnTo>
-                    <a:pt x="635577" y="80102"/>
-                  </a:lnTo>
-                  <a:lnTo>
-                    <a:pt x="647865" y="56543"/>
-                  </a:lnTo>
-                  <a:lnTo>
-                    <a:pt x="655313" y="36730"/>
+                    <a:pt x="580141" y="12097"/>
+                  </a:lnTo>
+                  <a:lnTo>
+                    <a:pt x="573548" y="4039"/>
+                  </a:lnTo>
+                  <a:lnTo>
+                    <a:pt x="562669" y="0"/>
+                  </a:lnTo>
+                  <a:lnTo>
+                    <a:pt x="547671" y="39"/>
+                  </a:lnTo>
+                  <a:lnTo>
+                    <a:pt x="528781" y="4157"/>
+                  </a:lnTo>
+                  <a:lnTo>
+                    <a:pt x="506284" y="12291"/>
+                  </a:lnTo>
+                  <a:lnTo>
+                    <a:pt x="480522" y="24317"/>
+                  </a:lnTo>
+                  <a:lnTo>
+                    <a:pt x="451886" y="40054"/>
+                  </a:lnTo>
+                  <a:lnTo>
+                    <a:pt x="420810" y="59263"/>
+                  </a:lnTo>
+                  <a:lnTo>
+                    <a:pt x="387764" y="81653"/>
+                  </a:lnTo>
+                  <a:lnTo>
+                    <a:pt x="353250" y="106884"/>
+                  </a:lnTo>
+                  <a:lnTo>
+                    <a:pt x="317790" y="134574"/>
+                  </a:lnTo>
+                  <a:lnTo>
+                    <a:pt x="281923" y="164302"/>
+                  </a:lnTo>
+                  <a:lnTo>
+                    <a:pt x="246192" y="195620"/>
+                  </a:lnTo>
+                  <a:lnTo>
+                    <a:pt x="211139" y="228050"/>
+                  </a:lnTo>
+                  <a:lnTo>
+                    <a:pt x="177295" y="261103"/>
+                  </a:lnTo>
+                  <a:lnTo>
+                    <a:pt x="145173" y="294277"/>
+                  </a:lnTo>
+                  <a:lnTo>
+                    <a:pt x="115260" y="327069"/>
+                  </a:lnTo>
+                  <a:lnTo>
+                    <a:pt x="88009" y="358982"/>
+                  </a:lnTo>
+                  <a:lnTo>
+                    <a:pt x="63834" y="389532"/>
+                  </a:lnTo>
+                  <a:lnTo>
+                    <a:pt x="43101" y="418256"/>
+                  </a:lnTo>
+                  <a:lnTo>
+                    <a:pt x="26125" y="444719"/>
+                  </a:lnTo>
+                  <a:lnTo>
+                    <a:pt x="13162" y="468520"/>
+                  </a:lnTo>
+                  <a:lnTo>
+                    <a:pt x="4409" y="489297"/>
+                  </a:lnTo>
+                  <a:lnTo>
+                    <a:pt x="0" y="506737"/>
+                  </a:lnTo>
+                  <a:lnTo>
+                    <a:pt x="0" y="520573"/>
+                  </a:lnTo>
+                  <a:lnTo>
+                    <a:pt x="4409" y="530597"/>
+                  </a:lnTo>
+                  <a:lnTo>
+                    <a:pt x="13162" y="536658"/>
+                  </a:lnTo>
+                  <a:lnTo>
+                    <a:pt x="26125" y="538661"/>
+                  </a:lnTo>
+                  <a:lnTo>
+                    <a:pt x="43101" y="536579"/>
+                  </a:lnTo>
+                  <a:lnTo>
+                    <a:pt x="63834" y="530441"/>
+                  </a:lnTo>
+                  <a:lnTo>
+                    <a:pt x="88009" y="520342"/>
+                  </a:lnTo>
+                  <a:lnTo>
+                    <a:pt x="115260" y="506434"/>
+                  </a:lnTo>
+                  <a:lnTo>
+                    <a:pt x="145173" y="488927"/>
+                  </a:lnTo>
+                  <a:lnTo>
+                    <a:pt x="177295" y="468089"/>
+                  </a:lnTo>
+                  <a:lnTo>
+                    <a:pt x="211139" y="444233"/>
+                  </a:lnTo>
+                  <a:lnTo>
+                    <a:pt x="246192" y="417722"/>
+                  </a:lnTo>
+                  <a:lnTo>
+                    <a:pt x="281923" y="388959"/>
+                  </a:lnTo>
+                  <a:lnTo>
+                    <a:pt x="317790" y="358378"/>
+                  </a:lnTo>
+                  <a:lnTo>
+                    <a:pt x="353250" y="326443"/>
+                  </a:lnTo>
+                  <a:lnTo>
+                    <a:pt x="387764" y="293639"/>
+                  </a:lnTo>
+                  <a:lnTo>
+                    <a:pt x="420810" y="260463"/>
+                  </a:lnTo>
+                  <a:lnTo>
+                    <a:pt x="451886" y="227417"/>
+                  </a:lnTo>
+                  <a:lnTo>
+                    <a:pt x="480522" y="195003"/>
+                  </a:lnTo>
+                  <a:lnTo>
+                    <a:pt x="506284" y="163713"/>
+                  </a:lnTo>
+                  <a:lnTo>
+                    <a:pt x="528781" y="134019"/>
+                  </a:lnTo>
+                  <a:lnTo>
+                    <a:pt x="547671" y="106373"/>
+                  </a:lnTo>
+                  <a:lnTo>
+                    <a:pt x="562669" y="81193"/>
+                  </a:lnTo>
+                  <a:lnTo>
+                    <a:pt x="573548" y="58862"/>
+                  </a:lnTo>
+                  <a:lnTo>
+                    <a:pt x="580141" y="39717"/>
                   </a:lnTo>
                   <a:close/>
                 </a:path>
@@ -49076,165 +49107,165 @@
           </p:nvSpPr>
           <p:spPr>
             <a:xfrm>
-              <a:off x="5458027" y="2686065"/>
-              <a:ext cx="421391" cy="407492"/>
+              <a:off x="5470990" y="2698146"/>
+              <a:ext cx="385933" cy="401761"/>
             </a:xfrm>
             <a:custGeom>
               <a:avLst/>
               <a:pathLst>
-                <a:path w="421391" h="407492">
+                <a:path w="385933" h="401761">
                   <a:moveTo>
-                    <a:pt x="421391" y="21914"/>
+                    <a:pt x="385933" y="24671"/>
                   </a:moveTo>
                   <a:lnTo>
-                    <a:pt x="419792" y="11979"/>
-                  </a:lnTo>
-                  <a:lnTo>
-                    <a:pt x="415021" y="4951"/>
-                  </a:lnTo>
-                  <a:lnTo>
-                    <a:pt x="407149" y="938"/>
-                  </a:lnTo>
-                  <a:lnTo>
-                    <a:pt x="396297" y="0"/>
-                  </a:lnTo>
-                  <a:lnTo>
-                    <a:pt x="382627" y="2150"/>
-                  </a:lnTo>
-                  <a:lnTo>
-                    <a:pt x="366349" y="7358"/>
-                  </a:lnTo>
-                  <a:lnTo>
-                    <a:pt x="347707" y="15543"/>
-                  </a:lnTo>
-                  <a:lnTo>
-                    <a:pt x="326986" y="26582"/>
-                  </a:lnTo>
-                  <a:lnTo>
-                    <a:pt x="304499" y="40307"/>
-                  </a:lnTo>
-                  <a:lnTo>
-                    <a:pt x="280587" y="56510"/>
-                  </a:lnTo>
-                  <a:lnTo>
-                    <a:pt x="255613" y="74946"/>
-                  </a:lnTo>
-                  <a:lnTo>
-                    <a:pt x="229954" y="95335"/>
-                  </a:lnTo>
-                  <a:lnTo>
-                    <a:pt x="204000" y="117367"/>
-                  </a:lnTo>
-                  <a:lnTo>
-                    <a:pt x="178145" y="140710"/>
-                  </a:lnTo>
-                  <a:lnTo>
-                    <a:pt x="152781" y="165009"/>
-                  </a:lnTo>
-                  <a:lnTo>
-                    <a:pt x="128291" y="189896"/>
-                  </a:lnTo>
-                  <a:lnTo>
-                    <a:pt x="105047" y="214994"/>
-                  </a:lnTo>
-                  <a:lnTo>
-                    <a:pt x="83402" y="239922"/>
-                  </a:lnTo>
-                  <a:lnTo>
-                    <a:pt x="63683" y="264301"/>
-                  </a:lnTo>
-                  <a:lnTo>
-                    <a:pt x="46190" y="287764"/>
-                  </a:lnTo>
-                  <a:lnTo>
-                    <a:pt x="31188" y="309953"/>
-                  </a:lnTo>
-                  <a:lnTo>
-                    <a:pt x="18904" y="330534"/>
-                  </a:lnTo>
-                  <a:lnTo>
-                    <a:pt x="9524" y="349192"/>
-                  </a:lnTo>
-                  <a:lnTo>
-                    <a:pt x="3190" y="365647"/>
-                  </a:lnTo>
-                  <a:lnTo>
-                    <a:pt x="0" y="379648"/>
-                  </a:lnTo>
-                  <a:lnTo>
-                    <a:pt x="0" y="390983"/>
-                  </a:lnTo>
-                  <a:lnTo>
-                    <a:pt x="3190" y="399480"/>
-                  </a:lnTo>
-                  <a:lnTo>
-                    <a:pt x="9524" y="405011"/>
-                  </a:lnTo>
-                  <a:lnTo>
-                    <a:pt x="18904" y="407492"/>
-                  </a:lnTo>
-                  <a:lnTo>
-                    <a:pt x="31188" y="406884"/>
-                  </a:lnTo>
-                  <a:lnTo>
-                    <a:pt x="46190" y="403198"/>
-                  </a:lnTo>
-                  <a:lnTo>
-                    <a:pt x="63683" y="396489"/>
-                  </a:lnTo>
-                  <a:lnTo>
-                    <a:pt x="83402" y="386859"/>
-                  </a:lnTo>
-                  <a:lnTo>
-                    <a:pt x="105047" y="374453"/>
-                  </a:lnTo>
-                  <a:lnTo>
-                    <a:pt x="128291" y="359461"/>
-                  </a:lnTo>
-                  <a:lnTo>
-                    <a:pt x="152781" y="342109"/>
-                  </a:lnTo>
-                  <a:lnTo>
-                    <a:pt x="178145" y="322659"/>
-                  </a:lnTo>
-                  <a:lnTo>
-                    <a:pt x="204000" y="301408"/>
-                  </a:lnTo>
-                  <a:lnTo>
-                    <a:pt x="229954" y="278677"/>
-                  </a:lnTo>
-                  <a:lnTo>
-                    <a:pt x="255613" y="254811"/>
-                  </a:lnTo>
-                  <a:lnTo>
-                    <a:pt x="280587" y="230171"/>
-                  </a:lnTo>
-                  <a:lnTo>
-                    <a:pt x="304499" y="205131"/>
-                  </a:lnTo>
-                  <a:lnTo>
-                    <a:pt x="326986" y="180071"/>
-                  </a:lnTo>
-                  <a:lnTo>
-                    <a:pt x="347707" y="155371"/>
-                  </a:lnTo>
-                  <a:lnTo>
-                    <a:pt x="366349" y="131404"/>
-                  </a:lnTo>
-                  <a:lnTo>
-                    <a:pt x="382627" y="108535"/>
-                  </a:lnTo>
-                  <a:lnTo>
-                    <a:pt x="396297" y="87109"/>
-                  </a:lnTo>
-                  <a:lnTo>
-                    <a:pt x="407149" y="67453"/>
-                  </a:lnTo>
-                  <a:lnTo>
-                    <a:pt x="415021" y="49863"/>
-                  </a:lnTo>
-                  <a:lnTo>
-                    <a:pt x="419792" y="34606"/>
+                    <a:pt x="384469" y="14148"/>
+                  </a:lnTo>
+                  <a:lnTo>
+                    <a:pt x="380099" y="6459"/>
+                  </a:lnTo>
+                  <a:lnTo>
+                    <a:pt x="372890" y="1718"/>
+                  </a:lnTo>
+                  <a:lnTo>
+                    <a:pt x="362950" y="0"/>
+                  </a:lnTo>
+                  <a:lnTo>
+                    <a:pt x="350431" y="1328"/>
+                  </a:lnTo>
+                  <a:lnTo>
+                    <a:pt x="335522" y="5683"/>
+                  </a:lnTo>
+                  <a:lnTo>
+                    <a:pt x="318450" y="13000"/>
+                  </a:lnTo>
+                  <a:lnTo>
+                    <a:pt x="299472" y="23167"/>
+                  </a:lnTo>
+                  <a:lnTo>
+                    <a:pt x="278877" y="36030"/>
+                  </a:lnTo>
+                  <a:lnTo>
+                    <a:pt x="256977" y="51394"/>
+                  </a:lnTo>
+                  <a:lnTo>
+                    <a:pt x="234104" y="69026"/>
+                  </a:lnTo>
+                  <a:lnTo>
+                    <a:pt x="210604" y="88660"/>
+                  </a:lnTo>
+                  <a:lnTo>
+                    <a:pt x="186835" y="109996"/>
+                  </a:lnTo>
+                  <a:lnTo>
+                    <a:pt x="163155" y="132712"/>
+                  </a:lnTo>
+                  <a:lnTo>
+                    <a:pt x="139925" y="156464"/>
+                  </a:lnTo>
+                  <a:lnTo>
+                    <a:pt x="117496" y="180892"/>
+                  </a:lnTo>
+                  <a:lnTo>
+                    <a:pt x="96208" y="205624"/>
+                  </a:lnTo>
+                  <a:lnTo>
+                    <a:pt x="76384" y="230287"/>
+                  </a:lnTo>
+                  <a:lnTo>
+                    <a:pt x="58325" y="254506"/>
+                  </a:lnTo>
+                  <a:lnTo>
+                    <a:pt x="42304" y="277914"/>
+                  </a:lnTo>
+                  <a:lnTo>
+                    <a:pt x="28564" y="300157"/>
+                  </a:lnTo>
+                  <a:lnTo>
+                    <a:pt x="17313" y="320897"/>
+                  </a:lnTo>
+                  <a:lnTo>
+                    <a:pt x="8722" y="339820"/>
+                  </a:lnTo>
+                  <a:lnTo>
+                    <a:pt x="2922" y="356638"/>
+                  </a:lnTo>
+                  <a:lnTo>
+                    <a:pt x="0" y="371098"/>
+                  </a:lnTo>
+                  <a:lnTo>
+                    <a:pt x="0" y="382980"/>
+                  </a:lnTo>
+                  <a:lnTo>
+                    <a:pt x="2922" y="392103"/>
+                  </a:lnTo>
+                  <a:lnTo>
+                    <a:pt x="8722" y="398330"/>
+                  </a:lnTo>
+                  <a:lnTo>
+                    <a:pt x="17313" y="401565"/>
+                  </a:lnTo>
+                  <a:lnTo>
+                    <a:pt x="28564" y="401761"/>
+                  </a:lnTo>
+                  <a:lnTo>
+                    <a:pt x="42304" y="398914"/>
+                  </a:lnTo>
+                  <a:lnTo>
+                    <a:pt x="58325" y="393067"/>
+                  </a:lnTo>
+                  <a:lnTo>
+                    <a:pt x="76384" y="384308"/>
+                  </a:lnTo>
+                  <a:lnTo>
+                    <a:pt x="96208" y="372771"/>
+                  </a:lnTo>
+                  <a:lnTo>
+                    <a:pt x="117496" y="358631"/>
+                  </a:lnTo>
+                  <a:lnTo>
+                    <a:pt x="139925" y="342102"/>
+                  </a:lnTo>
+                  <a:lnTo>
+                    <a:pt x="163155" y="323433"/>
+                  </a:lnTo>
+                  <a:lnTo>
+                    <a:pt x="186835" y="302910"/>
+                  </a:lnTo>
+                  <a:lnTo>
+                    <a:pt x="210604" y="280841"/>
+                  </a:lnTo>
+                  <a:lnTo>
+                    <a:pt x="234104" y="257563"/>
+                  </a:lnTo>
+                  <a:lnTo>
+                    <a:pt x="256977" y="233428"/>
+                  </a:lnTo>
+                  <a:lnTo>
+                    <a:pt x="278877" y="208801"/>
+                  </a:lnTo>
+                  <a:lnTo>
+                    <a:pt x="299472" y="184056"/>
+                  </a:lnTo>
+                  <a:lnTo>
+                    <a:pt x="318450" y="159569"/>
+                  </a:lnTo>
+                  <a:lnTo>
+                    <a:pt x="335522" y="135710"/>
+                  </a:lnTo>
+                  <a:lnTo>
+                    <a:pt x="350431" y="112841"/>
+                  </a:lnTo>
+                  <a:lnTo>
+                    <a:pt x="362950" y="91309"/>
+                  </a:lnTo>
+                  <a:lnTo>
+                    <a:pt x="372890" y="71440"/>
+                  </a:lnTo>
+                  <a:lnTo>
+                    <a:pt x="380099" y="53535"/>
+                  </a:lnTo>
+                  <a:lnTo>
+                    <a:pt x="384469" y="37866"/>
                   </a:lnTo>
                   <a:close/>
                 </a:path>
@@ -49269,165 +49300,165 @@
           </p:nvSpPr>
           <p:spPr>
             <a:xfrm>
-              <a:off x="3587557" y="5080407"/>
-              <a:ext cx="502766" cy="126710"/>
+              <a:off x="3569741" y="5081891"/>
+              <a:ext cx="506482" cy="132076"/>
             </a:xfrm>
             <a:custGeom>
               <a:avLst/>
               <a:pathLst>
-                <a:path w="502766" h="126710">
+                <a:path w="506482" h="132076">
                   <a:moveTo>
-                    <a:pt x="502766" y="18604"/>
+                    <a:pt x="506482" y="23160"/>
                   </a:moveTo>
                   <a:lnTo>
-                    <a:pt x="500859" y="13421"/>
-                  </a:lnTo>
-                  <a:lnTo>
-                    <a:pt x="495167" y="8994"/>
-                  </a:lnTo>
-                  <a:lnTo>
-                    <a:pt x="485775" y="5390"/>
-                  </a:lnTo>
-                  <a:lnTo>
-                    <a:pt x="472826" y="2665"/>
-                  </a:lnTo>
-                  <a:lnTo>
-                    <a:pt x="456517" y="859"/>
-                  </a:lnTo>
-                  <a:lnTo>
-                    <a:pt x="437095" y="0"/>
-                  </a:lnTo>
-                  <a:lnTo>
-                    <a:pt x="414854" y="100"/>
-                  </a:lnTo>
-                  <a:lnTo>
-                    <a:pt x="390132" y="1159"/>
-                  </a:lnTo>
-                  <a:lnTo>
-                    <a:pt x="363302" y="3161"/>
-                  </a:lnTo>
-                  <a:lnTo>
-                    <a:pt x="334772" y="6074"/>
-                  </a:lnTo>
-                  <a:lnTo>
-                    <a:pt x="304975" y="9855"/>
-                  </a:lnTo>
-                  <a:lnTo>
-                    <a:pt x="274361" y="14447"/>
-                  </a:lnTo>
-                  <a:lnTo>
-                    <a:pt x="243396" y="19779"/>
-                  </a:lnTo>
-                  <a:lnTo>
-                    <a:pt x="212548" y="25772"/>
-                  </a:lnTo>
-                  <a:lnTo>
-                    <a:pt x="182285" y="32333"/>
-                  </a:lnTo>
-                  <a:lnTo>
-                    <a:pt x="153066" y="39365"/>
-                  </a:lnTo>
-                  <a:lnTo>
-                    <a:pt x="125333" y="46759"/>
-                  </a:lnTo>
-                  <a:lnTo>
-                    <a:pt x="99508" y="54405"/>
-                  </a:lnTo>
-                  <a:lnTo>
-                    <a:pt x="75982" y="62186"/>
-                  </a:lnTo>
-                  <a:lnTo>
-                    <a:pt x="55110" y="69983"/>
-                  </a:lnTo>
-                  <a:lnTo>
-                    <a:pt x="37211" y="77680"/>
-                  </a:lnTo>
-                  <a:lnTo>
-                    <a:pt x="22554" y="85160"/>
-                  </a:lnTo>
-                  <a:lnTo>
-                    <a:pt x="11363" y="92308"/>
-                  </a:lnTo>
-                  <a:lnTo>
-                    <a:pt x="3807" y="99016"/>
-                  </a:lnTo>
-                  <a:lnTo>
-                    <a:pt x="0" y="105184"/>
-                  </a:lnTo>
-                  <a:lnTo>
-                    <a:pt x="0" y="110717"/>
-                  </a:lnTo>
-                  <a:lnTo>
-                    <a:pt x="3807" y="115531"/>
-                  </a:lnTo>
-                  <a:lnTo>
-                    <a:pt x="11363" y="119554"/>
-                  </a:lnTo>
-                  <a:lnTo>
-                    <a:pt x="22554" y="122725"/>
-                  </a:lnTo>
-                  <a:lnTo>
-                    <a:pt x="37211" y="124995"/>
-                  </a:lnTo>
-                  <a:lnTo>
-                    <a:pt x="55110" y="126330"/>
-                  </a:lnTo>
-                  <a:lnTo>
-                    <a:pt x="75982" y="126710"/>
-                  </a:lnTo>
-                  <a:lnTo>
-                    <a:pt x="99508" y="126129"/>
-                  </a:lnTo>
-                  <a:lnTo>
-                    <a:pt x="125333" y="124596"/>
-                  </a:lnTo>
-                  <a:lnTo>
-                    <a:pt x="153066" y="122134"/>
-                  </a:lnTo>
-                  <a:lnTo>
-                    <a:pt x="182285" y="118780"/>
-                  </a:lnTo>
-                  <a:lnTo>
-                    <a:pt x="212548" y="114586"/>
-                  </a:lnTo>
-                  <a:lnTo>
-                    <a:pt x="243396" y="109615"/>
-                  </a:lnTo>
-                  <a:lnTo>
-                    <a:pt x="274361" y="103941"/>
-                  </a:lnTo>
-                  <a:lnTo>
-                    <a:pt x="304975" y="97652"/>
-                  </a:lnTo>
-                  <a:lnTo>
-                    <a:pt x="334772" y="90843"/>
-                  </a:lnTo>
-                  <a:lnTo>
-                    <a:pt x="363302" y="83616"/>
-                  </a:lnTo>
-                  <a:lnTo>
-                    <a:pt x="390132" y="76082"/>
-                  </a:lnTo>
-                  <a:lnTo>
-                    <a:pt x="414854" y="68354"/>
-                  </a:lnTo>
-                  <a:lnTo>
-                    <a:pt x="437095" y="60550"/>
-                  </a:lnTo>
-                  <a:lnTo>
-                    <a:pt x="456517" y="52788"/>
-                  </a:lnTo>
-                  <a:lnTo>
-                    <a:pt x="472826" y="45185"/>
-                  </a:lnTo>
-                  <a:lnTo>
-                    <a:pt x="485775" y="37858"/>
-                  </a:lnTo>
-                  <a:lnTo>
-                    <a:pt x="495167" y="30916"/>
-                  </a:lnTo>
-                  <a:lnTo>
-                    <a:pt x="500859" y="24466"/>
+                    <a:pt x="504561" y="17310"/>
+                  </a:lnTo>
+                  <a:lnTo>
+                    <a:pt x="498826" y="12200"/>
+                  </a:lnTo>
+                  <a:lnTo>
+                    <a:pt x="489365" y="7906"/>
+                  </a:lnTo>
+                  <a:lnTo>
+                    <a:pt x="476321" y="4495"/>
+                  </a:lnTo>
+                  <a:lnTo>
+                    <a:pt x="459891" y="2018"/>
+                  </a:lnTo>
+                  <a:lnTo>
+                    <a:pt x="440326" y="511"/>
+                  </a:lnTo>
+                  <a:lnTo>
+                    <a:pt x="417920" y="0"/>
+                  </a:lnTo>
+                  <a:lnTo>
+                    <a:pt x="393015" y="490"/>
+                  </a:lnTo>
+                  <a:lnTo>
+                    <a:pt x="365987" y="1974"/>
+                  </a:lnTo>
+                  <a:lnTo>
+                    <a:pt x="337246" y="4431"/>
+                  </a:lnTo>
+                  <a:lnTo>
+                    <a:pt x="307229" y="7822"/>
+                  </a:lnTo>
+                  <a:lnTo>
+                    <a:pt x="276389" y="12097"/>
+                  </a:lnTo>
+                  <a:lnTo>
+                    <a:pt x="245194" y="17191"/>
+                  </a:lnTo>
+                  <a:lnTo>
+                    <a:pt x="214118" y="23026"/>
+                  </a:lnTo>
+                  <a:lnTo>
+                    <a:pt x="183632" y="29513"/>
+                  </a:lnTo>
+                  <a:lnTo>
+                    <a:pt x="154197" y="36556"/>
+                  </a:lnTo>
+                  <a:lnTo>
+                    <a:pt x="126260" y="44046"/>
+                  </a:lnTo>
+                  <a:lnTo>
+                    <a:pt x="100244" y="51871"/>
+                  </a:lnTo>
+                  <a:lnTo>
+                    <a:pt x="76543" y="59911"/>
+                  </a:lnTo>
+                  <a:lnTo>
+                    <a:pt x="55518" y="68045"/>
+                  </a:lnTo>
+                  <a:lnTo>
+                    <a:pt x="37486" y="76149"/>
+                  </a:lnTo>
+                  <a:lnTo>
+                    <a:pt x="22721" y="84101"/>
+                  </a:lnTo>
+                  <a:lnTo>
+                    <a:pt x="11447" y="91780"/>
+                  </a:lnTo>
+                  <a:lnTo>
+                    <a:pt x="3835" y="99070"/>
+                  </a:lnTo>
+                  <a:lnTo>
+                    <a:pt x="0" y="105860"/>
+                  </a:lnTo>
+                  <a:lnTo>
+                    <a:pt x="0" y="112047"/>
+                  </a:lnTo>
+                  <a:lnTo>
+                    <a:pt x="3835" y="117538"/>
+                  </a:lnTo>
+                  <a:lnTo>
+                    <a:pt x="11447" y="122249"/>
+                  </a:lnTo>
+                  <a:lnTo>
+                    <a:pt x="22721" y="126109"/>
+                  </a:lnTo>
+                  <a:lnTo>
+                    <a:pt x="37486" y="129059"/>
+                  </a:lnTo>
+                  <a:lnTo>
+                    <a:pt x="55518" y="131054"/>
+                  </a:lnTo>
+                  <a:lnTo>
+                    <a:pt x="76543" y="132065"/>
+                  </a:lnTo>
+                  <a:lnTo>
+                    <a:pt x="100244" y="132076"/>
+                  </a:lnTo>
+                  <a:lnTo>
+                    <a:pt x="126260" y="131087"/>
+                  </a:lnTo>
+                  <a:lnTo>
+                    <a:pt x="154197" y="129112"/>
+                  </a:lnTo>
+                  <a:lnTo>
+                    <a:pt x="183632" y="126183"/>
+                  </a:lnTo>
+                  <a:lnTo>
+                    <a:pt x="214118" y="122342"/>
+                  </a:lnTo>
+                  <a:lnTo>
+                    <a:pt x="245194" y="117649"/>
+                  </a:lnTo>
+                  <a:lnTo>
+                    <a:pt x="276389" y="112175"/>
+                  </a:lnTo>
+                  <a:lnTo>
+                    <a:pt x="307229" y="106002"/>
+                  </a:lnTo>
+                  <a:lnTo>
+                    <a:pt x="337246" y="99224"/>
+                  </a:lnTo>
+                  <a:lnTo>
+                    <a:pt x="365987" y="91944"/>
+                  </a:lnTo>
+                  <a:lnTo>
+                    <a:pt x="393015" y="84272"/>
+                  </a:lnTo>
+                  <a:lnTo>
+                    <a:pt x="417920" y="76324"/>
+                  </a:lnTo>
+                  <a:lnTo>
+                    <a:pt x="440326" y="68222"/>
+                  </a:lnTo>
+                  <a:lnTo>
+                    <a:pt x="459891" y="60087"/>
+                  </a:lnTo>
+                  <a:lnTo>
+                    <a:pt x="476321" y="52044"/>
+                  </a:lnTo>
+                  <a:lnTo>
+                    <a:pt x="489365" y="44213"/>
+                  </a:lnTo>
+                  <a:lnTo>
+                    <a:pt x="498826" y="36715"/>
+                  </a:lnTo>
+                  <a:lnTo>
+                    <a:pt x="504561" y="29661"/>
                   </a:lnTo>
                   <a:close/>
                 </a:path>
@@ -49462,165 +49493,165 @@
           </p:nvSpPr>
           <p:spPr>
             <a:xfrm>
-              <a:off x="4536215" y="3556494"/>
-              <a:ext cx="722994" cy="880363"/>
+              <a:off x="4538975" y="3572491"/>
+              <a:ext cx="750493" cy="824424"/>
             </a:xfrm>
             <a:custGeom>
               <a:avLst/>
               <a:pathLst>
-                <a:path w="722994" h="880363">
+                <a:path w="750493" h="824424">
                   <a:moveTo>
-                    <a:pt x="722994" y="105490"/>
+                    <a:pt x="750493" y="76581"/>
                   </a:moveTo>
                   <a:lnTo>
-                    <a:pt x="720251" y="72852"/>
-                  </a:lnTo>
-                  <a:lnTo>
-                    <a:pt x="712065" y="45781"/>
-                  </a:lnTo>
-                  <a:lnTo>
-                    <a:pt x="698559" y="24688"/>
-                  </a:lnTo>
-                  <a:lnTo>
-                    <a:pt x="679939" y="9894"/>
-                  </a:lnTo>
-                  <a:lnTo>
-                    <a:pt x="656486" y="1623"/>
-                  </a:lnTo>
-                  <a:lnTo>
-                    <a:pt x="628557" y="0"/>
-                  </a:lnTo>
-                  <a:lnTo>
-                    <a:pt x="596573" y="5049"/>
-                  </a:lnTo>
-                  <a:lnTo>
-                    <a:pt x="561021" y="16694"/>
-                  </a:lnTo>
-                  <a:lnTo>
-                    <a:pt x="522439" y="34758"/>
-                  </a:lnTo>
-                  <a:lnTo>
-                    <a:pt x="481413" y="58968"/>
-                  </a:lnTo>
-                  <a:lnTo>
-                    <a:pt x="438563" y="88957"/>
-                  </a:lnTo>
-                  <a:lnTo>
-                    <a:pt x="394540" y="124270"/>
-                  </a:lnTo>
-                  <a:lnTo>
-                    <a:pt x="350011" y="164371"/>
-                  </a:lnTo>
-                  <a:lnTo>
-                    <a:pt x="305650" y="208653"/>
-                  </a:lnTo>
-                  <a:lnTo>
-                    <a:pt x="262131" y="256445"/>
-                  </a:lnTo>
-                  <a:lnTo>
-                    <a:pt x="220113" y="307022"/>
-                  </a:lnTo>
-                  <a:lnTo>
-                    <a:pt x="180233" y="359618"/>
-                  </a:lnTo>
-                  <a:lnTo>
-                    <a:pt x="143096" y="413434"/>
-                  </a:lnTo>
-                  <a:lnTo>
-                    <a:pt x="109264" y="467656"/>
-                  </a:lnTo>
-                  <a:lnTo>
-                    <a:pt x="79251" y="521461"/>
-                  </a:lnTo>
-                  <a:lnTo>
-                    <a:pt x="53511" y="574033"/>
-                  </a:lnTo>
-                  <a:lnTo>
-                    <a:pt x="32434" y="624577"/>
-                  </a:lnTo>
-                  <a:lnTo>
-                    <a:pt x="16341" y="672325"/>
-                  </a:lnTo>
-                  <a:lnTo>
-                    <a:pt x="5474" y="716554"/>
-                  </a:lnTo>
-                  <a:lnTo>
-                    <a:pt x="0" y="756593"/>
-                  </a:lnTo>
-                  <a:lnTo>
-                    <a:pt x="0" y="791836"/>
-                  </a:lnTo>
-                  <a:lnTo>
-                    <a:pt x="5474" y="821747"/>
-                  </a:lnTo>
-                  <a:lnTo>
-                    <a:pt x="16341" y="845875"/>
-                  </a:lnTo>
-                  <a:lnTo>
-                    <a:pt x="32434" y="863852"/>
-                  </a:lnTo>
-                  <a:lnTo>
-                    <a:pt x="53511" y="875406"/>
-                  </a:lnTo>
-                  <a:lnTo>
-                    <a:pt x="79251" y="880363"/>
-                  </a:lnTo>
-                  <a:lnTo>
-                    <a:pt x="109264" y="878647"/>
-                  </a:lnTo>
-                  <a:lnTo>
-                    <a:pt x="143096" y="870284"/>
-                  </a:lnTo>
-                  <a:lnTo>
-                    <a:pt x="180233" y="855401"/>
-                  </a:lnTo>
-                  <a:lnTo>
-                    <a:pt x="220113" y="834224"/>
-                  </a:lnTo>
-                  <a:lnTo>
-                    <a:pt x="262131" y="807073"/>
-                  </a:lnTo>
-                  <a:lnTo>
-                    <a:pt x="305650" y="774360"/>
-                  </a:lnTo>
-                  <a:lnTo>
-                    <a:pt x="350011" y="736582"/>
-                  </a:lnTo>
-                  <a:lnTo>
-                    <a:pt x="394540" y="694309"/>
-                  </a:lnTo>
-                  <a:lnTo>
-                    <a:pt x="438563" y="648185"/>
-                  </a:lnTo>
-                  <a:lnTo>
-                    <a:pt x="481413" y="598907"/>
-                  </a:lnTo>
-                  <a:lnTo>
-                    <a:pt x="522439" y="547223"/>
-                  </a:lnTo>
-                  <a:lnTo>
-                    <a:pt x="561021" y="493916"/>
-                  </a:lnTo>
-                  <a:lnTo>
-                    <a:pt x="596573" y="439794"/>
-                  </a:lnTo>
-                  <a:lnTo>
-                    <a:pt x="628557" y="385678"/>
-                  </a:lnTo>
-                  <a:lnTo>
-                    <a:pt x="656486" y="332388"/>
-                  </a:lnTo>
-                  <a:lnTo>
-                    <a:pt x="679939" y="280732"/>
-                  </a:lnTo>
-                  <a:lnTo>
-                    <a:pt x="698559" y="231493"/>
-                  </a:lnTo>
-                  <a:lnTo>
-                    <a:pt x="712065" y="185417"/>
-                  </a:lnTo>
-                  <a:lnTo>
-                    <a:pt x="720251" y="143203"/>
+                    <a:pt x="747647" y="49704"/>
+                  </a:lnTo>
+                  <a:lnTo>
+                    <a:pt x="739149" y="28328"/>
+                  </a:lnTo>
+                  <a:lnTo>
+                    <a:pt x="725130" y="12777"/>
+                  </a:lnTo>
+                  <a:lnTo>
+                    <a:pt x="705801" y="3286"/>
+                  </a:lnTo>
+                  <a:lnTo>
+                    <a:pt x="681456" y="0"/>
+                  </a:lnTo>
+                  <a:lnTo>
+                    <a:pt x="652464" y="2967"/>
+                  </a:lnTo>
+                  <a:lnTo>
+                    <a:pt x="619265" y="12143"/>
+                  </a:lnTo>
+                  <a:lnTo>
+                    <a:pt x="582360" y="27390"/>
+                  </a:lnTo>
+                  <a:lnTo>
+                    <a:pt x="542311" y="48475"/>
+                  </a:lnTo>
+                  <a:lnTo>
+                    <a:pt x="499724" y="75079"/>
+                  </a:lnTo>
+                  <a:lnTo>
+                    <a:pt x="455244" y="106799"/>
+                  </a:lnTo>
+                  <a:lnTo>
+                    <a:pt x="409547" y="143155"/>
+                  </a:lnTo>
+                  <a:lnTo>
+                    <a:pt x="363324" y="183594"/>
+                  </a:lnTo>
+                  <a:lnTo>
+                    <a:pt x="317276" y="227504"/>
+                  </a:lnTo>
+                  <a:lnTo>
+                    <a:pt x="272102" y="274220"/>
+                  </a:lnTo>
+                  <a:lnTo>
+                    <a:pt x="228485" y="323032"/>
+                  </a:lnTo>
+                  <a:lnTo>
+                    <a:pt x="187089" y="373202"/>
+                  </a:lnTo>
+                  <a:lnTo>
+                    <a:pt x="148539" y="423969"/>
+                  </a:lnTo>
+                  <a:lnTo>
+                    <a:pt x="113420" y="474562"/>
+                  </a:lnTo>
+                  <a:lnTo>
+                    <a:pt x="82265" y="524216"/>
+                  </a:lnTo>
+                  <a:lnTo>
+                    <a:pt x="55546" y="572177"/>
+                  </a:lnTo>
+                  <a:lnTo>
+                    <a:pt x="33668" y="617719"/>
+                  </a:lnTo>
+                  <a:lnTo>
+                    <a:pt x="16962" y="660151"/>
+                  </a:lnTo>
+                  <a:lnTo>
+                    <a:pt x="5682" y="698829"/>
+                  </a:lnTo>
+                  <a:lnTo>
+                    <a:pt x="0" y="733168"/>
+                  </a:lnTo>
+                  <a:lnTo>
+                    <a:pt x="0" y="762647"/>
+                  </a:lnTo>
+                  <a:lnTo>
+                    <a:pt x="5682" y="786819"/>
+                  </a:lnTo>
+                  <a:lnTo>
+                    <a:pt x="16962" y="805318"/>
+                  </a:lnTo>
+                  <a:lnTo>
+                    <a:pt x="33668" y="817863"/>
+                  </a:lnTo>
+                  <a:lnTo>
+                    <a:pt x="55546" y="824264"/>
+                  </a:lnTo>
+                  <a:lnTo>
+                    <a:pt x="82265" y="824424"/>
+                  </a:lnTo>
+                  <a:lnTo>
+                    <a:pt x="113420" y="818340"/>
+                  </a:lnTo>
+                  <a:lnTo>
+                    <a:pt x="148539" y="806106"/>
+                  </a:lnTo>
+                  <a:lnTo>
+                    <a:pt x="187089" y="787905"/>
+                  </a:lnTo>
+                  <a:lnTo>
+                    <a:pt x="228485" y="764015"/>
+                  </a:lnTo>
+                  <a:lnTo>
+                    <a:pt x="272102" y="734798"/>
+                  </a:lnTo>
+                  <a:lnTo>
+                    <a:pt x="317276" y="700695"/>
+                  </a:lnTo>
+                  <a:lnTo>
+                    <a:pt x="363324" y="662225"/>
+                  </a:lnTo>
+                  <a:lnTo>
+                    <a:pt x="409547" y="619970"/>
+                  </a:lnTo>
+                  <a:lnTo>
+                    <a:pt x="455244" y="574571"/>
+                  </a:lnTo>
+                  <a:lnTo>
+                    <a:pt x="499724" y="526716"/>
+                  </a:lnTo>
+                  <a:lnTo>
+                    <a:pt x="542311" y="477131"/>
+                  </a:lnTo>
+                  <a:lnTo>
+                    <a:pt x="582360" y="426567"/>
+                  </a:lnTo>
+                  <a:lnTo>
+                    <a:pt x="619265" y="375790"/>
+                  </a:lnTo>
+                  <a:lnTo>
+                    <a:pt x="652464" y="325571"/>
+                  </a:lnTo>
+                  <a:lnTo>
+                    <a:pt x="681456" y="276671"/>
+                  </a:lnTo>
+                  <a:lnTo>
+                    <a:pt x="705801" y="229831"/>
+                  </a:lnTo>
+                  <a:lnTo>
+                    <a:pt x="725130" y="185761"/>
+                  </a:lnTo>
+                  <a:lnTo>
+                    <a:pt x="739149" y="145129"/>
+                  </a:lnTo>
+                  <a:lnTo>
+                    <a:pt x="747647" y="108550"/>
                   </a:lnTo>
                   <a:close/>
                 </a:path>

--- a/Analysis/Music-Descriptor-Space.pptx
+++ b/Analysis/Music-Descriptor-Space.pptx
@@ -4399,18 +4399,18 @@
           </p:nvSpPr>
           <p:spPr>
             <a:xfrm>
-              <a:off x="4405709" y="4023540"/>
-              <a:ext cx="309124" cy="107945"/>
+              <a:off x="4405712" y="4023783"/>
+              <a:ext cx="309545" cy="107715"/>
             </a:xfrm>
             <a:custGeom>
               <a:avLst/>
               <a:pathLst>
-                <a:path w="309124" h="107945">
+                <a:path w="309545" h="107715">
                   <a:moveTo>
-                    <a:pt x="309124" y="0"/>
+                    <a:pt x="309545" y="0"/>
                   </a:moveTo>
                   <a:lnTo>
-                    <a:pt x="0" y="107945"/>
+                    <a:pt x="0" y="107715"/>
                   </a:lnTo>
                 </a:path>
               </a:pathLst>
@@ -4430,7 +4430,7 @@
           </p:nvSpPr>
           <p:spPr>
             <a:xfrm>
-              <a:off x="3505952" y="5235862"/>
+              <a:off x="3506077" y="5235505"/>
               <a:ext cx="488087" cy="99300"/>
             </a:xfrm>
             <a:prstGeom prst="rect">
@@ -4476,7 +4476,7 @@
           </p:nvSpPr>
           <p:spPr>
             <a:xfrm>
-              <a:off x="4022943" y="4560922"/>
+              <a:off x="4024012" y="4560997"/>
               <a:ext cx="488087" cy="99300"/>
             </a:xfrm>
             <a:prstGeom prst="rect">
@@ -4522,7 +4522,7 @@
           </p:nvSpPr>
           <p:spPr>
             <a:xfrm>
-              <a:off x="5263304" y="3649375"/>
+              <a:off x="5263051" y="3649538"/>
               <a:ext cx="488087" cy="99300"/>
             </a:xfrm>
             <a:prstGeom prst="rect">
@@ -4568,7 +4568,7 @@
           </p:nvSpPr>
           <p:spPr>
             <a:xfrm>
-              <a:off x="4682623" y="3791398"/>
+              <a:off x="4682997" y="3791610"/>
               <a:ext cx="488087" cy="99300"/>
             </a:xfrm>
             <a:prstGeom prst="rect">
@@ -4614,7 +4614,7 @@
           </p:nvSpPr>
           <p:spPr>
             <a:xfrm>
-              <a:off x="4412338" y="4392205"/>
+              <a:off x="4409537" y="4392210"/>
               <a:ext cx="488087" cy="98983"/>
             </a:xfrm>
             <a:prstGeom prst="rect">
@@ -4660,7 +4660,7 @@
           </p:nvSpPr>
           <p:spPr>
             <a:xfrm>
-              <a:off x="3292082" y="4707349"/>
+              <a:off x="3293054" y="4708336"/>
               <a:ext cx="488087" cy="98983"/>
             </a:xfrm>
             <a:prstGeom prst="rect">
@@ -4706,7 +4706,7 @@
           </p:nvSpPr>
           <p:spPr>
             <a:xfrm>
-              <a:off x="4445835" y="3621808"/>
+              <a:off x="4446776" y="3621796"/>
               <a:ext cx="488087" cy="99300"/>
             </a:xfrm>
             <a:prstGeom prst="rect">
@@ -4752,7 +4752,7 @@
           </p:nvSpPr>
           <p:spPr>
             <a:xfrm>
-              <a:off x="3973320" y="4221924"/>
+              <a:off x="3973802" y="4223218"/>
               <a:ext cx="488087" cy="99300"/>
             </a:xfrm>
             <a:prstGeom prst="rect">
@@ -4798,7 +4798,7 @@
           </p:nvSpPr>
           <p:spPr>
             <a:xfrm>
-              <a:off x="4199557" y="3218855"/>
+              <a:off x="4200356" y="3218827"/>
               <a:ext cx="548376" cy="99300"/>
             </a:xfrm>
             <a:prstGeom prst="rect">
@@ -4844,7 +4844,7 @@
           </p:nvSpPr>
           <p:spPr>
             <a:xfrm>
-              <a:off x="5709952" y="2591552"/>
+              <a:off x="5710145" y="2592450"/>
               <a:ext cx="548376" cy="99300"/>
             </a:xfrm>
             <a:prstGeom prst="rect">
@@ -4890,7 +4890,7 @@
           </p:nvSpPr>
           <p:spPr>
             <a:xfrm>
-              <a:off x="3273435" y="4944679"/>
+              <a:off x="3276121" y="4944294"/>
               <a:ext cx="548376" cy="99300"/>
             </a:xfrm>
             <a:prstGeom prst="rect">
@@ -4936,7 +4936,7 @@
           </p:nvSpPr>
           <p:spPr>
             <a:xfrm>
-              <a:off x="3806344" y="3586937"/>
+              <a:off x="3807595" y="3586881"/>
               <a:ext cx="548376" cy="99300"/>
             </a:xfrm>
             <a:prstGeom prst="rect">
@@ -4982,7 +4982,7 @@
           </p:nvSpPr>
           <p:spPr>
             <a:xfrm>
-              <a:off x="3529970" y="4391632"/>
+              <a:off x="3529750" y="4392042"/>
               <a:ext cx="548376" cy="99300"/>
             </a:xfrm>
             <a:prstGeom prst="rect">
@@ -5028,7 +5028,7 @@
           </p:nvSpPr>
           <p:spPr>
             <a:xfrm>
-              <a:off x="4100581" y="4099818"/>
+              <a:off x="4099835" y="4099639"/>
               <a:ext cx="548376" cy="99300"/>
             </a:xfrm>
             <a:prstGeom prst="rect">
@@ -5074,7 +5074,7 @@
           </p:nvSpPr>
           <p:spPr>
             <a:xfrm>
-              <a:off x="3984047" y="3388650"/>
+              <a:off x="3985138" y="3389348"/>
               <a:ext cx="548376" cy="99300"/>
             </a:xfrm>
             <a:prstGeom prst="rect">
@@ -5120,7 +5120,7 @@
           </p:nvSpPr>
           <p:spPr>
             <a:xfrm>
-              <a:off x="5032964" y="2771569"/>
+              <a:off x="5032582" y="2771133"/>
               <a:ext cx="548376" cy="99300"/>
             </a:xfrm>
             <a:prstGeom prst="rect">
@@ -5166,7 +5166,7 @@
           </p:nvSpPr>
           <p:spPr>
             <a:xfrm>
-              <a:off x="4819969" y="4222326"/>
+              <a:off x="4819926" y="4222467"/>
               <a:ext cx="548376" cy="99300"/>
             </a:xfrm>
             <a:prstGeom prst="rect">
@@ -5212,7 +5212,7 @@
           </p:nvSpPr>
           <p:spPr>
             <a:xfrm>
-              <a:off x="4839057" y="3172114"/>
+              <a:off x="4840086" y="3172017"/>
               <a:ext cx="548376" cy="99300"/>
             </a:xfrm>
             <a:prstGeom prst="rect">
@@ -5258,7 +5258,7 @@
           </p:nvSpPr>
           <p:spPr>
             <a:xfrm>
-              <a:off x="4737694" y="3961061"/>
+              <a:off x="4738118" y="3961314"/>
               <a:ext cx="548376" cy="99300"/>
             </a:xfrm>
             <a:prstGeom prst="rect">
@@ -5304,7 +5304,7 @@
           </p:nvSpPr>
           <p:spPr>
             <a:xfrm>
-              <a:off x="3913312" y="5021489"/>
+              <a:off x="3915393" y="5021849"/>
               <a:ext cx="548376" cy="99300"/>
             </a:xfrm>
             <a:prstGeom prst="rect">
@@ -5350,7 +5350,7 @@
           </p:nvSpPr>
           <p:spPr>
             <a:xfrm>
-              <a:off x="4020502" y="3802823"/>
+              <a:off x="4020176" y="3801783"/>
               <a:ext cx="548376" cy="99300"/>
             </a:xfrm>
             <a:prstGeom prst="rect">
@@ -5396,7 +5396,7 @@
           </p:nvSpPr>
           <p:spPr>
             <a:xfrm>
-              <a:off x="5164257" y="2284733"/>
+              <a:off x="5162955" y="2284058"/>
               <a:ext cx="548376" cy="99300"/>
             </a:xfrm>
             <a:prstGeom prst="rect">
@@ -5442,7 +5442,7 @@
           </p:nvSpPr>
           <p:spPr>
             <a:xfrm>
-              <a:off x="5478061" y="3018511"/>
+              <a:off x="5480102" y="3018849"/>
               <a:ext cx="548376" cy="99300"/>
             </a:xfrm>
             <a:prstGeom prst="rect">
@@ -5488,7 +5488,7 @@
           </p:nvSpPr>
           <p:spPr>
             <a:xfrm>
-              <a:off x="5093631" y="3344225"/>
+              <a:off x="5094222" y="3343654"/>
               <a:ext cx="548376" cy="99300"/>
             </a:xfrm>
             <a:prstGeom prst="rect">
@@ -5534,7 +5534,7 @@
           </p:nvSpPr>
           <p:spPr>
             <a:xfrm>
-              <a:off x="3473683" y="4666531"/>
+              <a:off x="3473614" y="4666249"/>
               <a:ext cx="1108187" cy="201459"/>
             </a:xfrm>
             <a:prstGeom prst="rect">
@@ -5580,7 +5580,7 @@
           </p:nvSpPr>
           <p:spPr>
             <a:xfrm>
-              <a:off x="4181410" y="3645115"/>
+              <a:off x="3954250" y="3918914"/>
               <a:ext cx="1108187" cy="201459"/>
             </a:xfrm>
             <a:prstGeom prst="rect">
@@ -5626,7 +5626,7 @@
           </p:nvSpPr>
           <p:spPr>
             <a:xfrm>
-              <a:off x="4390569" y="3333868"/>
+              <a:off x="4390172" y="3334301"/>
               <a:ext cx="1108187" cy="201459"/>
             </a:xfrm>
             <a:prstGeom prst="rect">
@@ -5672,7 +5672,7 @@
           </p:nvSpPr>
           <p:spPr>
             <a:xfrm>
-              <a:off x="4962128" y="2638001"/>
+              <a:off x="4962619" y="2637435"/>
               <a:ext cx="1108187" cy="201459"/>
             </a:xfrm>
             <a:prstGeom prst="rect">
@@ -5718,165 +5718,165 @@
           </p:nvSpPr>
           <p:spPr>
             <a:xfrm>
-              <a:off x="3860266" y="4315327"/>
-              <a:ext cx="550401" cy="669873"/>
+              <a:off x="3900842" y="4364031"/>
+              <a:ext cx="493622" cy="558421"/>
             </a:xfrm>
             <a:custGeom>
               <a:avLst/>
               <a:pathLst>
-                <a:path w="550401" h="669873">
+                <a:path w="493622" h="558421">
                   <a:moveTo>
-                    <a:pt x="550401" y="52118"/>
+                    <a:pt x="493622" y="72698"/>
                   </a:moveTo>
                   <a:lnTo>
-                    <a:pt x="548314" y="32125"/>
-                  </a:lnTo>
-                  <a:lnTo>
-                    <a:pt x="542082" y="16721"/>
-                  </a:lnTo>
-                  <a:lnTo>
-                    <a:pt x="531800" y="6137"/>
-                  </a:lnTo>
-                  <a:lnTo>
-                    <a:pt x="517625" y="535"/>
-                  </a:lnTo>
-                  <a:lnTo>
-                    <a:pt x="499771" y="0"/>
-                  </a:lnTo>
-                  <a:lnTo>
-                    <a:pt x="478508" y="4538"/>
-                  </a:lnTo>
-                  <a:lnTo>
-                    <a:pt x="454160" y="14083"/>
-                  </a:lnTo>
-                  <a:lnTo>
-                    <a:pt x="427095" y="28488"/>
-                  </a:lnTo>
-                  <a:lnTo>
-                    <a:pt x="397723" y="47537"/>
-                  </a:lnTo>
-                  <a:lnTo>
-                    <a:pt x="366490" y="70939"/>
-                  </a:lnTo>
-                  <a:lnTo>
-                    <a:pt x="333870" y="98340"/>
-                  </a:lnTo>
-                  <a:lnTo>
-                    <a:pt x="300356" y="129325"/>
-                  </a:lnTo>
-                  <a:lnTo>
-                    <a:pt x="266456" y="163424"/>
-                  </a:lnTo>
-                  <a:lnTo>
-                    <a:pt x="232686" y="200120"/>
-                  </a:lnTo>
-                  <a:lnTo>
-                    <a:pt x="199555" y="238857"/>
-                  </a:lnTo>
-                  <a:lnTo>
-                    <a:pt x="167568" y="279048"/>
-                  </a:lnTo>
-                  <a:lnTo>
-                    <a:pt x="137208" y="320083"/>
-                  </a:lnTo>
-                  <a:lnTo>
-                    <a:pt x="108936" y="361341"/>
-                  </a:lnTo>
-                  <a:lnTo>
-                    <a:pt x="83181" y="402196"/>
-                  </a:lnTo>
-                  <a:lnTo>
-                    <a:pt x="60332" y="442028"/>
-                  </a:lnTo>
-                  <a:lnTo>
-                    <a:pt x="40737" y="480234"/>
-                  </a:lnTo>
-                  <a:lnTo>
-                    <a:pt x="24691" y="516234"/>
-                  </a:lnTo>
-                  <a:lnTo>
-                    <a:pt x="12440" y="549484"/>
-                  </a:lnTo>
-                  <a:lnTo>
-                    <a:pt x="4167" y="579478"/>
-                  </a:lnTo>
-                  <a:lnTo>
-                    <a:pt x="0" y="605763"/>
-                  </a:lnTo>
-                  <a:lnTo>
-                    <a:pt x="0" y="627939"/>
-                  </a:lnTo>
-                  <a:lnTo>
-                    <a:pt x="4167" y="645671"/>
-                  </a:lnTo>
-                  <a:lnTo>
-                    <a:pt x="12440" y="658690"/>
-                  </a:lnTo>
-                  <a:lnTo>
-                    <a:pt x="24691" y="666798"/>
-                  </a:lnTo>
-                  <a:lnTo>
-                    <a:pt x="40737" y="669873"/>
-                  </a:lnTo>
-                  <a:lnTo>
-                    <a:pt x="60332" y="667868"/>
-                  </a:lnTo>
-                  <a:lnTo>
-                    <a:pt x="83181" y="660813"/>
-                  </a:lnTo>
-                  <a:lnTo>
-                    <a:pt x="108936" y="648815"/>
-                  </a:lnTo>
-                  <a:lnTo>
-                    <a:pt x="137208" y="632056"/>
-                  </a:lnTo>
-                  <a:lnTo>
-                    <a:pt x="167568" y="610791"/>
-                  </a:lnTo>
-                  <a:lnTo>
-                    <a:pt x="199555" y="585341"/>
-                  </a:lnTo>
-                  <a:lnTo>
-                    <a:pt x="232686" y="556092"/>
-                  </a:lnTo>
-                  <a:lnTo>
-                    <a:pt x="266456" y="523488"/>
-                  </a:lnTo>
-                  <a:lnTo>
-                    <a:pt x="300356" y="488023"/>
-                  </a:lnTo>
-                  <a:lnTo>
-                    <a:pt x="333870" y="450235"/>
-                  </a:lnTo>
-                  <a:lnTo>
-                    <a:pt x="366490" y="410696"/>
-                  </a:lnTo>
-                  <a:lnTo>
-                    <a:pt x="397723" y="370006"/>
-                  </a:lnTo>
-                  <a:lnTo>
-                    <a:pt x="427095" y="328781"/>
-                  </a:lnTo>
-                  <a:lnTo>
-                    <a:pt x="454160" y="287647"/>
-                  </a:lnTo>
-                  <a:lnTo>
-                    <a:pt x="478508" y="247227"/>
-                  </a:lnTo>
-                  <a:lnTo>
-                    <a:pt x="499771" y="208134"/>
-                  </a:lnTo>
-                  <a:lnTo>
-                    <a:pt x="517625" y="170960"/>
-                  </a:lnTo>
-                  <a:lnTo>
-                    <a:pt x="531800" y="136269"/>
-                  </a:lnTo>
-                  <a:lnTo>
-                    <a:pt x="542082" y="104587"/>
-                  </a:lnTo>
-                  <a:lnTo>
-                    <a:pt x="548314" y="76394"/>
+                    <a:pt x="491750" y="51161"/>
+                  </a:lnTo>
+                  <a:lnTo>
+                    <a:pt x="486161" y="33084"/>
+                  </a:lnTo>
+                  <a:lnTo>
+                    <a:pt x="476940" y="18743"/>
+                  </a:lnTo>
+                  <a:lnTo>
+                    <a:pt x="464227" y="8354"/>
+                  </a:lnTo>
+                  <a:lnTo>
+                    <a:pt x="448215" y="2074"/>
+                  </a:lnTo>
+                  <a:lnTo>
+                    <a:pt x="429146" y="0"/>
+                  </a:lnTo>
+                  <a:lnTo>
+                    <a:pt x="407309" y="2161"/>
+                  </a:lnTo>
+                  <a:lnTo>
+                    <a:pt x="383036" y="8527"/>
+                  </a:lnTo>
+                  <a:lnTo>
+                    <a:pt x="356694" y="18999"/>
+                  </a:lnTo>
+                  <a:lnTo>
+                    <a:pt x="328684" y="33420"/>
+                  </a:lnTo>
+                  <a:lnTo>
+                    <a:pt x="299428" y="51571"/>
+                  </a:lnTo>
+                  <a:lnTo>
+                    <a:pt x="269371" y="73177"/>
+                  </a:lnTo>
+                  <a:lnTo>
+                    <a:pt x="238969" y="97909"/>
+                  </a:lnTo>
+                  <a:lnTo>
+                    <a:pt x="208682" y="125394"/>
+                  </a:lnTo>
+                  <a:lnTo>
+                    <a:pt x="178969" y="155214"/>
+                  </a:lnTo>
+                  <a:lnTo>
+                    <a:pt x="150282" y="186918"/>
+                  </a:lnTo>
+                  <a:lnTo>
+                    <a:pt x="123054" y="220025"/>
+                  </a:lnTo>
+                  <a:lnTo>
+                    <a:pt x="97698" y="254032"/>
+                  </a:lnTo>
+                  <a:lnTo>
+                    <a:pt x="74600" y="288426"/>
+                  </a:lnTo>
+                  <a:lnTo>
+                    <a:pt x="54108" y="322683"/>
+                  </a:lnTo>
+                  <a:lnTo>
+                    <a:pt x="36534" y="356285"/>
+                  </a:lnTo>
+                  <a:lnTo>
+                    <a:pt x="22144" y="388723"/>
+                  </a:lnTo>
+                  <a:lnTo>
+                    <a:pt x="11156" y="419505"/>
+                  </a:lnTo>
+                  <a:lnTo>
+                    <a:pt x="3737" y="448163"/>
+                  </a:lnTo>
+                  <a:lnTo>
+                    <a:pt x="0" y="474265"/>
+                  </a:lnTo>
+                  <a:lnTo>
+                    <a:pt x="0" y="497413"/>
+                  </a:lnTo>
+                  <a:lnTo>
+                    <a:pt x="3737" y="517258"/>
+                  </a:lnTo>
+                  <a:lnTo>
+                    <a:pt x="11156" y="533497"/>
+                  </a:lnTo>
+                  <a:lnTo>
+                    <a:pt x="22144" y="545886"/>
+                  </a:lnTo>
+                  <a:lnTo>
+                    <a:pt x="36534" y="554236"/>
+                  </a:lnTo>
+                  <a:lnTo>
+                    <a:pt x="54108" y="558421"/>
+                  </a:lnTo>
+                  <a:lnTo>
+                    <a:pt x="74600" y="558378"/>
+                  </a:lnTo>
+                  <a:lnTo>
+                    <a:pt x="97698" y="554106"/>
+                  </a:lnTo>
+                  <a:lnTo>
+                    <a:pt x="123054" y="545671"/>
+                  </a:lnTo>
+                  <a:lnTo>
+                    <a:pt x="150282" y="533200"/>
+                  </a:lnTo>
+                  <a:lnTo>
+                    <a:pt x="178969" y="516884"/>
+                  </a:lnTo>
+                  <a:lnTo>
+                    <a:pt x="208682" y="496968"/>
+                  </a:lnTo>
+                  <a:lnTo>
+                    <a:pt x="238969" y="473755"/>
+                  </a:lnTo>
+                  <a:lnTo>
+                    <a:pt x="269371" y="447596"/>
+                  </a:lnTo>
+                  <a:lnTo>
+                    <a:pt x="299428" y="418889"/>
+                  </a:lnTo>
+                  <a:lnTo>
+                    <a:pt x="328684" y="388069"/>
+                  </a:lnTo>
+                  <a:lnTo>
+                    <a:pt x="356694" y="355602"/>
+                  </a:lnTo>
+                  <a:lnTo>
+                    <a:pt x="383036" y="321981"/>
+                  </a:lnTo>
+                  <a:lnTo>
+                    <a:pt x="407309" y="287716"/>
+                  </a:lnTo>
+                  <a:lnTo>
+                    <a:pt x="429146" y="253325"/>
+                  </a:lnTo>
+                  <a:lnTo>
+                    <a:pt x="448215" y="219331"/>
+                  </a:lnTo>
+                  <a:lnTo>
+                    <a:pt x="464227" y="186248"/>
+                  </a:lnTo>
+                  <a:lnTo>
+                    <a:pt x="476940" y="154578"/>
+                  </a:lnTo>
+                  <a:lnTo>
+                    <a:pt x="486161" y="124802"/>
+                  </a:lnTo>
+                  <a:lnTo>
+                    <a:pt x="491750" y="97370"/>
                   </a:lnTo>
                   <a:close/>
                 </a:path>
@@ -5911,165 +5911,165 @@
           </p:nvSpPr>
           <p:spPr>
             <a:xfrm>
-              <a:off x="4261788" y="3599164"/>
-              <a:ext cx="722658" cy="642146"/>
+              <a:off x="4301770" y="3607407"/>
+              <a:ext cx="639179" cy="616029"/>
             </a:xfrm>
             <a:custGeom>
               <a:avLst/>
               <a:pathLst>
-                <a:path w="722658" h="642146">
+                <a:path w="639179" h="616029">
                   <a:moveTo>
-                    <a:pt x="722658" y="29752"/>
+                    <a:pt x="639179" y="51841"/>
                   </a:moveTo>
                   <a:lnTo>
-                    <a:pt x="719917" y="15234"/>
-                  </a:lnTo>
-                  <a:lnTo>
-                    <a:pt x="711735" y="5347"/>
-                  </a:lnTo>
-                  <a:lnTo>
-                    <a:pt x="698236" y="244"/>
-                  </a:lnTo>
-                  <a:lnTo>
-                    <a:pt x="679624" y="0"/>
-                  </a:lnTo>
-                  <a:lnTo>
-                    <a:pt x="656182" y="4619"/>
-                  </a:lnTo>
-                  <a:lnTo>
-                    <a:pt x="628265" y="14032"/>
-                  </a:lnTo>
-                  <a:lnTo>
-                    <a:pt x="596297" y="28095"/>
-                  </a:lnTo>
-                  <a:lnTo>
-                    <a:pt x="560761" y="46596"/>
-                  </a:lnTo>
-                  <a:lnTo>
-                    <a:pt x="522197" y="69254"/>
-                  </a:lnTo>
-                  <a:lnTo>
-                    <a:pt x="481190" y="95726"/>
-                  </a:lnTo>
-                  <a:lnTo>
-                    <a:pt x="438360" y="125610"/>
-                  </a:lnTo>
-                  <a:lnTo>
-                    <a:pt x="394357" y="158454"/>
-                  </a:lnTo>
-                  <a:lnTo>
-                    <a:pt x="349848" y="193759"/>
-                  </a:lnTo>
-                  <a:lnTo>
-                    <a:pt x="305508" y="230990"/>
-                  </a:lnTo>
-                  <a:lnTo>
-                    <a:pt x="262010" y="269583"/>
-                  </a:lnTo>
-                  <a:lnTo>
-                    <a:pt x="220011" y="308953"/>
-                  </a:lnTo>
-                  <a:lnTo>
-                    <a:pt x="180150" y="348502"/>
-                  </a:lnTo>
-                  <a:lnTo>
-                    <a:pt x="143030" y="387633"/>
-                  </a:lnTo>
-                  <a:lnTo>
-                    <a:pt x="109214" y="425751"/>
-                  </a:lnTo>
-                  <a:lnTo>
-                    <a:pt x="79214" y="462278"/>
-                  </a:lnTo>
-                  <a:lnTo>
-                    <a:pt x="53486" y="496661"/>
-                  </a:lnTo>
-                  <a:lnTo>
-                    <a:pt x="32419" y="528378"/>
-                  </a:lnTo>
-                  <a:lnTo>
-                    <a:pt x="16333" y="556950"/>
-                  </a:lnTo>
-                  <a:lnTo>
-                    <a:pt x="5472" y="581942"/>
-                  </a:lnTo>
-                  <a:lnTo>
-                    <a:pt x="0" y="602975"/>
-                  </a:lnTo>
-                  <a:lnTo>
-                    <a:pt x="0" y="619732"/>
-                  </a:lnTo>
-                  <a:lnTo>
-                    <a:pt x="5472" y="631958"/>
-                  </a:lnTo>
-                  <a:lnTo>
-                    <a:pt x="16333" y="639467"/>
-                  </a:lnTo>
-                  <a:lnTo>
-                    <a:pt x="32419" y="642146"/>
-                  </a:lnTo>
-                  <a:lnTo>
-                    <a:pt x="53486" y="639954"/>
-                  </a:lnTo>
-                  <a:lnTo>
-                    <a:pt x="79214" y="632925"/>
-                  </a:lnTo>
-                  <a:lnTo>
-                    <a:pt x="109214" y="621164"/>
-                  </a:lnTo>
-                  <a:lnTo>
-                    <a:pt x="143030" y="604851"/>
-                  </a:lnTo>
-                  <a:lnTo>
-                    <a:pt x="180150" y="584232"/>
-                  </a:lnTo>
-                  <a:lnTo>
-                    <a:pt x="220011" y="559621"/>
-                  </a:lnTo>
-                  <a:lnTo>
-                    <a:pt x="262010" y="531389"/>
-                  </a:lnTo>
-                  <a:lnTo>
-                    <a:pt x="305508" y="499966"/>
-                  </a:lnTo>
-                  <a:lnTo>
-                    <a:pt x="349848" y="465827"/>
-                  </a:lnTo>
-                  <a:lnTo>
-                    <a:pt x="394357" y="429490"/>
-                  </a:lnTo>
-                  <a:lnTo>
-                    <a:pt x="438360" y="391506"/>
-                  </a:lnTo>
-                  <a:lnTo>
-                    <a:pt x="481190" y="352451"/>
-                  </a:lnTo>
-                  <a:lnTo>
-                    <a:pt x="522197" y="312916"/>
-                  </a:lnTo>
-                  <a:lnTo>
-                    <a:pt x="560761" y="273501"/>
-                  </a:lnTo>
-                  <a:lnTo>
-                    <a:pt x="596297" y="234803"/>
-                  </a:lnTo>
-                  <a:lnTo>
-                    <a:pt x="628265" y="197410"/>
-                  </a:lnTo>
-                  <a:lnTo>
-                    <a:pt x="656182" y="161887"/>
-                  </a:lnTo>
-                  <a:lnTo>
-                    <a:pt x="679624" y="128774"/>
-                  </a:lnTo>
-                  <a:lnTo>
-                    <a:pt x="698236" y="98573"/>
-                  </a:lnTo>
-                  <a:lnTo>
-                    <a:pt x="711735" y="71740"/>
-                  </a:lnTo>
-                  <a:lnTo>
-                    <a:pt x="719917" y="48684"/>
+                    <a:pt x="636754" y="32741"/>
+                  </a:lnTo>
+                  <a:lnTo>
+                    <a:pt x="629517" y="17814"/>
+                  </a:lnTo>
+                  <a:lnTo>
+                    <a:pt x="617577" y="7286"/>
+                  </a:lnTo>
+                  <a:lnTo>
+                    <a:pt x="601116" y="1318"/>
+                  </a:lnTo>
+                  <a:lnTo>
+                    <a:pt x="580382" y="0"/>
+                  </a:lnTo>
+                  <a:lnTo>
+                    <a:pt x="555690" y="3351"/>
+                  </a:lnTo>
+                  <a:lnTo>
+                    <a:pt x="527414" y="11321"/>
+                  </a:lnTo>
+                  <a:lnTo>
+                    <a:pt x="495984" y="23790"/>
+                  </a:lnTo>
+                  <a:lnTo>
+                    <a:pt x="461874" y="40567"/>
+                  </a:lnTo>
+                  <a:lnTo>
+                    <a:pt x="425604" y="61399"/>
+                  </a:lnTo>
+                  <a:lnTo>
+                    <a:pt x="387722" y="85971"/>
+                  </a:lnTo>
+                  <a:lnTo>
+                    <a:pt x="348802" y="113909"/>
+                  </a:lnTo>
+                  <a:lnTo>
+                    <a:pt x="309435" y="144790"/>
+                  </a:lnTo>
+                  <a:lnTo>
+                    <a:pt x="270217" y="178145"/>
+                  </a:lnTo>
+                  <a:lnTo>
+                    <a:pt x="231743" y="213470"/>
+                  </a:lnTo>
+                  <a:lnTo>
+                    <a:pt x="194596" y="250229"/>
+                  </a:lnTo>
+                  <a:lnTo>
+                    <a:pt x="159339" y="287864"/>
+                  </a:lnTo>
+                  <a:lnTo>
+                    <a:pt x="126507" y="325806"/>
+                  </a:lnTo>
+                  <a:lnTo>
+                    <a:pt x="96597" y="363478"/>
+                  </a:lnTo>
+                  <a:lnTo>
+                    <a:pt x="70063" y="400310"/>
+                  </a:lnTo>
+                  <a:lnTo>
+                    <a:pt x="47307" y="435743"/>
+                  </a:lnTo>
+                  <a:lnTo>
+                    <a:pt x="28674" y="469241"/>
+                  </a:lnTo>
+                  <a:lnTo>
+                    <a:pt x="14446" y="500295"/>
+                  </a:lnTo>
+                  <a:lnTo>
+                    <a:pt x="4840" y="528435"/>
+                  </a:lnTo>
+                  <a:lnTo>
+                    <a:pt x="0" y="553235"/>
+                  </a:lnTo>
+                  <a:lnTo>
+                    <a:pt x="0" y="574317"/>
+                  </a:lnTo>
+                  <a:lnTo>
+                    <a:pt x="4840" y="591364"/>
+                  </a:lnTo>
+                  <a:lnTo>
+                    <a:pt x="14446" y="604115"/>
+                  </a:lnTo>
+                  <a:lnTo>
+                    <a:pt x="28674" y="612379"/>
+                  </a:lnTo>
+                  <a:lnTo>
+                    <a:pt x="47307" y="616029"/>
+                  </a:lnTo>
+                  <a:lnTo>
+                    <a:pt x="70063" y="615010"/>
+                  </a:lnTo>
+                  <a:lnTo>
+                    <a:pt x="96597" y="609339"/>
+                  </a:lnTo>
+                  <a:lnTo>
+                    <a:pt x="126507" y="599100"/>
+                  </a:lnTo>
+                  <a:lnTo>
+                    <a:pt x="159339" y="584449"/>
+                  </a:lnTo>
+                  <a:lnTo>
+                    <a:pt x="194596" y="565609"/>
+                  </a:lnTo>
+                  <a:lnTo>
+                    <a:pt x="231743" y="542864"/>
+                  </a:lnTo>
+                  <a:lnTo>
+                    <a:pt x="270217" y="516559"/>
+                  </a:lnTo>
+                  <a:lnTo>
+                    <a:pt x="309435" y="487094"/>
+                  </a:lnTo>
+                  <a:lnTo>
+                    <a:pt x="348802" y="454914"/>
+                  </a:lnTo>
+                  <a:lnTo>
+                    <a:pt x="387722" y="420509"/>
+                  </a:lnTo>
+                  <a:lnTo>
+                    <a:pt x="425604" y="384398"/>
+                  </a:lnTo>
+                  <a:lnTo>
+                    <a:pt x="461874" y="347131"/>
+                  </a:lnTo>
+                  <a:lnTo>
+                    <a:pt x="495984" y="309271"/>
+                  </a:lnTo>
+                  <a:lnTo>
+                    <a:pt x="527414" y="271392"/>
+                  </a:lnTo>
+                  <a:lnTo>
+                    <a:pt x="555690" y="234069"/>
+                  </a:lnTo>
+                  <a:lnTo>
+                    <a:pt x="580382" y="197868"/>
+                  </a:lnTo>
+                  <a:lnTo>
+                    <a:pt x="601116" y="163337"/>
+                  </a:lnTo>
+                  <a:lnTo>
+                    <a:pt x="617577" y="130999"/>
+                  </a:lnTo>
+                  <a:lnTo>
+                    <a:pt x="629517" y="101346"/>
+                  </a:lnTo>
+                  <a:lnTo>
+                    <a:pt x="636754" y="74826"/>
                   </a:lnTo>
                   <a:close/>
                 </a:path>
@@ -6104,165 +6104,165 @@
           </p:nvSpPr>
           <p:spPr>
             <a:xfrm>
-              <a:off x="4540522" y="3430167"/>
-              <a:ext cx="582017" cy="313786"/>
+              <a:off x="4520638" y="3469868"/>
+              <a:ext cx="602927" cy="255424"/>
             </a:xfrm>
             <a:custGeom>
               <a:avLst/>
               <a:pathLst>
-                <a:path w="582017" h="313786">
+                <a:path w="602927" h="255424">
                   <a:moveTo>
-                    <a:pt x="582017" y="119345"/>
+                    <a:pt x="602927" y="84582"/>
                   </a:moveTo>
                   <a:lnTo>
-                    <a:pt x="579809" y="100900"/>
-                  </a:lnTo>
-                  <a:lnTo>
-                    <a:pt x="573219" y="83305"/>
-                  </a:lnTo>
-                  <a:lnTo>
-                    <a:pt x="562347" y="66826"/>
-                  </a:lnTo>
-                  <a:lnTo>
-                    <a:pt x="547358" y="51713"/>
-                  </a:lnTo>
-                  <a:lnTo>
-                    <a:pt x="528478" y="38194"/>
-                  </a:lnTo>
-                  <a:lnTo>
-                    <a:pt x="505994" y="26475"/>
-                  </a:lnTo>
-                  <a:lnTo>
-                    <a:pt x="480247" y="16733"/>
-                  </a:lnTo>
-                  <a:lnTo>
-                    <a:pt x="451628" y="9116"/>
-                  </a:lnTo>
-                  <a:lnTo>
-                    <a:pt x="420569" y="3740"/>
-                  </a:lnTo>
-                  <a:lnTo>
-                    <a:pt x="387542" y="685"/>
-                  </a:lnTo>
-                  <a:lnTo>
-                    <a:pt x="353048" y="0"/>
-                  </a:lnTo>
-                  <a:lnTo>
-                    <a:pt x="317608" y="1692"/>
-                  </a:lnTo>
-                  <a:lnTo>
-                    <a:pt x="281762" y="5738"/>
-                  </a:lnTo>
-                  <a:lnTo>
-                    <a:pt x="246051" y="12075"/>
-                  </a:lnTo>
-                  <a:lnTo>
-                    <a:pt x="211018" y="20608"/>
-                  </a:lnTo>
-                  <a:lnTo>
-                    <a:pt x="177193" y="31208"/>
-                  </a:lnTo>
-                  <a:lnTo>
-                    <a:pt x="145090" y="43713"/>
-                  </a:lnTo>
-                  <a:lnTo>
-                    <a:pt x="115194" y="57933"/>
-                  </a:lnTo>
-                  <a:lnTo>
-                    <a:pt x="87959" y="73655"/>
-                  </a:lnTo>
-                  <a:lnTo>
-                    <a:pt x="63798" y="90638"/>
-                  </a:lnTo>
-                  <a:lnTo>
-                    <a:pt x="43077" y="108627"/>
-                  </a:lnTo>
-                  <a:lnTo>
-                    <a:pt x="26110" y="127347"/>
-                  </a:lnTo>
-                  <a:lnTo>
-                    <a:pt x="13154" y="146515"/>
-                  </a:lnTo>
-                  <a:lnTo>
-                    <a:pt x="4407" y="165841"/>
-                  </a:lnTo>
-                  <a:lnTo>
-                    <a:pt x="0" y="185032"/>
-                  </a:lnTo>
-                  <a:lnTo>
-                    <a:pt x="0" y="203797"/>
-                  </a:lnTo>
-                  <a:lnTo>
-                    <a:pt x="4407" y="221851"/>
-                  </a:lnTo>
-                  <a:lnTo>
-                    <a:pt x="13154" y="238920"/>
-                  </a:lnTo>
-                  <a:lnTo>
-                    <a:pt x="26110" y="254747"/>
-                  </a:lnTo>
-                  <a:lnTo>
-                    <a:pt x="43077" y="269090"/>
-                  </a:lnTo>
-                  <a:lnTo>
-                    <a:pt x="63798" y="281733"/>
-                  </a:lnTo>
-                  <a:lnTo>
-                    <a:pt x="87959" y="292484"/>
-                  </a:lnTo>
-                  <a:lnTo>
-                    <a:pt x="115194" y="301180"/>
-                  </a:lnTo>
-                  <a:lnTo>
-                    <a:pt x="145090" y="307689"/>
-                  </a:lnTo>
-                  <a:lnTo>
-                    <a:pt x="177193" y="311912"/>
-                  </a:lnTo>
-                  <a:lnTo>
-                    <a:pt x="211018" y="313786"/>
-                  </a:lnTo>
-                  <a:lnTo>
-                    <a:pt x="246051" y="313281"/>
-                  </a:lnTo>
-                  <a:lnTo>
-                    <a:pt x="281762" y="310407"/>
-                  </a:lnTo>
-                  <a:lnTo>
-                    <a:pt x="317608" y="305205"/>
-                  </a:lnTo>
-                  <a:lnTo>
-                    <a:pt x="353048" y="297756"/>
-                  </a:lnTo>
-                  <a:lnTo>
-                    <a:pt x="387542" y="288171"/>
-                  </a:lnTo>
-                  <a:lnTo>
-                    <a:pt x="420569" y="276597"/>
-                  </a:lnTo>
-                  <a:lnTo>
-                    <a:pt x="451628" y="263209"/>
-                  </a:lnTo>
-                  <a:lnTo>
-                    <a:pt x="480247" y="248209"/>
-                  </a:lnTo>
-                  <a:lnTo>
-                    <a:pt x="505994" y="231826"/>
-                  </a:lnTo>
-                  <a:lnTo>
-                    <a:pt x="528478" y="214307"/>
-                  </a:lnTo>
-                  <a:lnTo>
-                    <a:pt x="547358" y="195918"/>
-                  </a:lnTo>
-                  <a:lnTo>
-                    <a:pt x="562347" y="176937"/>
-                  </a:lnTo>
-                  <a:lnTo>
-                    <a:pt x="573219" y="157653"/>
-                  </a:lnTo>
-                  <a:lnTo>
-                    <a:pt x="579809" y="138358"/>
+                    <a:pt x="600639" y="70128"/>
+                  </a:lnTo>
+                  <a:lnTo>
+                    <a:pt x="593813" y="56549"/>
+                  </a:lnTo>
+                  <a:lnTo>
+                    <a:pt x="582550" y="44051"/>
+                  </a:lnTo>
+                  <a:lnTo>
+                    <a:pt x="567022" y="32822"/>
+                  </a:lnTo>
+                  <a:lnTo>
+                    <a:pt x="547464" y="23033"/>
+                  </a:lnTo>
+                  <a:lnTo>
+                    <a:pt x="524173" y="14832"/>
+                  </a:lnTo>
+                  <a:lnTo>
+                    <a:pt x="497501" y="8343"/>
+                  </a:lnTo>
+                  <a:lnTo>
+                    <a:pt x="467853" y="3666"/>
+                  </a:lnTo>
+                  <a:lnTo>
+                    <a:pt x="435678" y="871"/>
+                  </a:lnTo>
+                  <a:lnTo>
+                    <a:pt x="401465" y="0"/>
+                  </a:lnTo>
+                  <a:lnTo>
+                    <a:pt x="365731" y="1066"/>
+                  </a:lnTo>
+                  <a:lnTo>
+                    <a:pt x="329019" y="4053"/>
+                  </a:lnTo>
+                  <a:lnTo>
+                    <a:pt x="291884" y="8917"/>
+                  </a:lnTo>
+                  <a:lnTo>
+                    <a:pt x="254891" y="15583"/>
+                  </a:lnTo>
+                  <a:lnTo>
+                    <a:pt x="218599" y="23950"/>
+                  </a:lnTo>
+                  <a:lnTo>
+                    <a:pt x="183559" y="33891"/>
+                  </a:lnTo>
+                  <a:lnTo>
+                    <a:pt x="150302" y="45256"/>
+                  </a:lnTo>
+                  <a:lnTo>
+                    <a:pt x="119332" y="57873"/>
+                  </a:lnTo>
+                  <a:lnTo>
+                    <a:pt x="91119" y="71550"/>
+                  </a:lnTo>
+                  <a:lnTo>
+                    <a:pt x="66090" y="86079"/>
+                  </a:lnTo>
+                  <a:lnTo>
+                    <a:pt x="44624" y="101241"/>
+                  </a:lnTo>
+                  <a:lnTo>
+                    <a:pt x="27048" y="116806"/>
+                  </a:lnTo>
+                  <a:lnTo>
+                    <a:pt x="13627" y="132538"/>
+                  </a:lnTo>
+                  <a:lnTo>
+                    <a:pt x="4565" y="148198"/>
+                  </a:lnTo>
+                  <a:lnTo>
+                    <a:pt x="0" y="163549"/>
+                  </a:lnTo>
+                  <a:lnTo>
+                    <a:pt x="0" y="178358"/>
+                  </a:lnTo>
+                  <a:lnTo>
+                    <a:pt x="4565" y="192400"/>
+                  </a:lnTo>
+                  <a:lnTo>
+                    <a:pt x="13627" y="205464"/>
+                  </a:lnTo>
+                  <a:lnTo>
+                    <a:pt x="27048" y="217350"/>
+                  </a:lnTo>
+                  <a:lnTo>
+                    <a:pt x="44624" y="227880"/>
+                  </a:lnTo>
+                  <a:lnTo>
+                    <a:pt x="66090" y="236892"/>
+                  </a:lnTo>
+                  <a:lnTo>
+                    <a:pt x="91119" y="244250"/>
+                  </a:lnTo>
+                  <a:lnTo>
+                    <a:pt x="119332" y="249844"/>
+                  </a:lnTo>
+                  <a:lnTo>
+                    <a:pt x="150302" y="253587"/>
+                  </a:lnTo>
+                  <a:lnTo>
+                    <a:pt x="183559" y="255424"/>
+                  </a:lnTo>
+                  <a:lnTo>
+                    <a:pt x="218599" y="255326"/>
+                  </a:lnTo>
+                  <a:lnTo>
+                    <a:pt x="254891" y="253295"/>
+                  </a:lnTo>
+                  <a:lnTo>
+                    <a:pt x="291884" y="249362"/>
+                  </a:lnTo>
+                  <a:lnTo>
+                    <a:pt x="329019" y="243587"/>
+                  </a:lnTo>
+                  <a:lnTo>
+                    <a:pt x="365731" y="236056"/>
+                  </a:lnTo>
+                  <a:lnTo>
+                    <a:pt x="401465" y="226884"/>
+                  </a:lnTo>
+                  <a:lnTo>
+                    <a:pt x="435678" y="216211"/>
+                  </a:lnTo>
+                  <a:lnTo>
+                    <a:pt x="467853" y="204197"/>
+                  </a:lnTo>
+                  <a:lnTo>
+                    <a:pt x="497501" y="191025"/>
+                  </a:lnTo>
+                  <a:lnTo>
+                    <a:pt x="524173" y="176895"/>
+                  </a:lnTo>
+                  <a:lnTo>
+                    <a:pt x="547464" y="162021"/>
+                  </a:lnTo>
+                  <a:lnTo>
+                    <a:pt x="567022" y="146629"/>
+                  </a:lnTo>
+                  <a:lnTo>
+                    <a:pt x="582550" y="130951"/>
+                  </a:lnTo>
+                  <a:lnTo>
+                    <a:pt x="593813" y="115225"/>
+                  </a:lnTo>
+                  <a:lnTo>
+                    <a:pt x="600639" y="99690"/>
                   </a:lnTo>
                   <a:close/>
                 </a:path>
@@ -6297,165 +6297,165 @@
           </p:nvSpPr>
           <p:spPr>
             <a:xfrm>
-              <a:off x="5047413" y="2520032"/>
-              <a:ext cx="693911" cy="769891"/>
+              <a:off x="5034995" y="2529480"/>
+              <a:ext cx="754736" cy="772375"/>
             </a:xfrm>
             <a:custGeom>
               <a:avLst/>
               <a:pathLst>
-                <a:path w="693911" h="769891">
+                <a:path w="754736" h="772375">
                   <a:moveTo>
-                    <a:pt x="693911" y="46953"/>
+                    <a:pt x="754736" y="37324"/>
                   </a:moveTo>
                   <a:lnTo>
-                    <a:pt x="691279" y="26865"/>
-                  </a:lnTo>
-                  <a:lnTo>
-                    <a:pt x="683422" y="12209"/>
-                  </a:lnTo>
-                  <a:lnTo>
-                    <a:pt x="670460" y="3209"/>
-                  </a:lnTo>
-                  <a:lnTo>
-                    <a:pt x="652589" y="0"/>
-                  </a:lnTo>
-                  <a:lnTo>
-                    <a:pt x="630079" y="2630"/>
-                  </a:lnTo>
-                  <a:lnTo>
-                    <a:pt x="603273" y="11060"/>
-                  </a:lnTo>
-                  <a:lnTo>
-                    <a:pt x="572576" y="25163"/>
-                  </a:lnTo>
-                  <a:lnTo>
-                    <a:pt x="538454" y="44724"/>
-                  </a:lnTo>
-                  <a:lnTo>
-                    <a:pt x="501425" y="69447"/>
-                  </a:lnTo>
-                  <a:lnTo>
-                    <a:pt x="462048" y="98956"/>
-                  </a:lnTo>
-                  <a:lnTo>
-                    <a:pt x="420922" y="132806"/>
-                  </a:lnTo>
-                  <a:lnTo>
-                    <a:pt x="378670" y="170482"/>
-                  </a:lnTo>
-                  <a:lnTo>
-                    <a:pt x="335931" y="211414"/>
-                  </a:lnTo>
-                  <a:lnTo>
-                    <a:pt x="293355" y="254981"/>
-                  </a:lnTo>
-                  <a:lnTo>
-                    <a:pt x="251587" y="300522"/>
-                  </a:lnTo>
-                  <a:lnTo>
-                    <a:pt x="211259" y="347347"/>
-                  </a:lnTo>
-                  <a:lnTo>
-                    <a:pt x="172983" y="394747"/>
-                  </a:lnTo>
-                  <a:lnTo>
-                    <a:pt x="137340" y="442003"/>
-                  </a:lnTo>
-                  <a:lnTo>
-                    <a:pt x="104869" y="488398"/>
-                  </a:lnTo>
-                  <a:lnTo>
-                    <a:pt x="76063" y="533229"/>
-                  </a:lnTo>
-                  <a:lnTo>
-                    <a:pt x="51358" y="575817"/>
-                  </a:lnTo>
-                  <a:lnTo>
-                    <a:pt x="31129" y="615516"/>
-                  </a:lnTo>
-                  <a:lnTo>
-                    <a:pt x="15683" y="651725"/>
-                  </a:lnTo>
-                  <a:lnTo>
-                    <a:pt x="5254" y="683893"/>
-                  </a:lnTo>
-                  <a:lnTo>
-                    <a:pt x="0" y="711534"/>
-                  </a:lnTo>
-                  <a:lnTo>
-                    <a:pt x="0" y="734229"/>
-                  </a:lnTo>
-                  <a:lnTo>
-                    <a:pt x="5254" y="751634"/>
-                  </a:lnTo>
-                  <a:lnTo>
-                    <a:pt x="15683" y="763484"/>
-                  </a:lnTo>
-                  <a:lnTo>
-                    <a:pt x="31129" y="769601"/>
-                  </a:lnTo>
-                  <a:lnTo>
-                    <a:pt x="51358" y="769891"/>
-                  </a:lnTo>
-                  <a:lnTo>
-                    <a:pt x="76063" y="764350"/>
-                  </a:lnTo>
-                  <a:lnTo>
-                    <a:pt x="104869" y="753062"/>
-                  </a:lnTo>
-                  <a:lnTo>
-                    <a:pt x="137340" y="736198"/>
-                  </a:lnTo>
-                  <a:lnTo>
-                    <a:pt x="172983" y="714015"/>
-                  </a:lnTo>
-                  <a:lnTo>
-                    <a:pt x="211259" y="686847"/>
-                  </a:lnTo>
-                  <a:lnTo>
-                    <a:pt x="251587" y="655107"/>
-                  </a:lnTo>
-                  <a:lnTo>
-                    <a:pt x="293355" y="619276"/>
-                  </a:lnTo>
-                  <a:lnTo>
-                    <a:pt x="335931" y="579897"/>
-                  </a:lnTo>
-                  <a:lnTo>
-                    <a:pt x="378670" y="537568"/>
-                  </a:lnTo>
-                  <a:lnTo>
-                    <a:pt x="420922" y="492929"/>
-                  </a:lnTo>
-                  <a:lnTo>
-                    <a:pt x="462048" y="446658"/>
-                  </a:lnTo>
-                  <a:lnTo>
-                    <a:pt x="501425" y="399456"/>
-                  </a:lnTo>
-                  <a:lnTo>
-                    <a:pt x="538454" y="352038"/>
-                  </a:lnTo>
-                  <a:lnTo>
-                    <a:pt x="572576" y="305124"/>
-                  </a:lnTo>
-                  <a:lnTo>
-                    <a:pt x="603273" y="259424"/>
-                  </a:lnTo>
-                  <a:lnTo>
-                    <a:pt x="630079" y="215631"/>
-                  </a:lnTo>
-                  <a:lnTo>
-                    <a:pt x="652589" y="174409"/>
-                  </a:lnTo>
-                  <a:lnTo>
-                    <a:pt x="670460" y="136384"/>
-                  </a:lnTo>
-                  <a:lnTo>
-                    <a:pt x="683422" y="102130"/>
-                  </a:lnTo>
-                  <a:lnTo>
-                    <a:pt x="691279" y="72169"/>
+                    <a:pt x="751873" y="19495"/>
+                  </a:lnTo>
+                  <a:lnTo>
+                    <a:pt x="743328" y="7222"/>
+                  </a:lnTo>
+                  <a:lnTo>
+                    <a:pt x="729229" y="690"/>
+                  </a:lnTo>
+                  <a:lnTo>
+                    <a:pt x="709791" y="0"/>
+                  </a:lnTo>
+                  <a:lnTo>
+                    <a:pt x="685309" y="5160"/>
+                  </a:lnTo>
+                  <a:lnTo>
+                    <a:pt x="656153" y="16094"/>
+                  </a:lnTo>
+                  <a:lnTo>
+                    <a:pt x="622766" y="32635"/>
+                  </a:lnTo>
+                  <a:lnTo>
+                    <a:pt x="585653" y="54532"/>
+                  </a:lnTo>
+                  <a:lnTo>
+                    <a:pt x="545377" y="81454"/>
+                  </a:lnTo>
+                  <a:lnTo>
+                    <a:pt x="502549" y="112993"/>
+                  </a:lnTo>
+                  <a:lnTo>
+                    <a:pt x="457818" y="148670"/>
+                  </a:lnTo>
+                  <a:lnTo>
+                    <a:pt x="411862" y="187944"/>
+                  </a:lnTo>
+                  <a:lnTo>
+                    <a:pt x="365378" y="230221"/>
+                  </a:lnTo>
+                  <a:lnTo>
+                    <a:pt x="319070" y="274859"/>
+                  </a:lnTo>
+                  <a:lnTo>
+                    <a:pt x="273640" y="321182"/>
+                  </a:lnTo>
+                  <a:lnTo>
+                    <a:pt x="229777" y="368488"/>
+                  </a:lnTo>
+                  <a:lnTo>
+                    <a:pt x="188146" y="416058"/>
+                  </a:lnTo>
+                  <a:lnTo>
+                    <a:pt x="149379" y="463173"/>
+                  </a:lnTo>
+                  <a:lnTo>
+                    <a:pt x="114061" y="509118"/>
+                  </a:lnTo>
+                  <a:lnTo>
+                    <a:pt x="82730" y="553197"/>
+                  </a:lnTo>
+                  <a:lnTo>
+                    <a:pt x="55860" y="594741"/>
+                  </a:lnTo>
+                  <a:lnTo>
+                    <a:pt x="33858" y="633120"/>
+                  </a:lnTo>
+                  <a:lnTo>
+                    <a:pt x="17058" y="667754"/>
+                  </a:lnTo>
+                  <a:lnTo>
+                    <a:pt x="5715" y="698116"/>
+                  </a:lnTo>
+                  <a:lnTo>
+                    <a:pt x="0" y="723746"/>
+                  </a:lnTo>
+                  <a:lnTo>
+                    <a:pt x="0" y="744257"/>
+                  </a:lnTo>
+                  <a:lnTo>
+                    <a:pt x="5715" y="759337"/>
+                  </a:lnTo>
+                  <a:lnTo>
+                    <a:pt x="17058" y="768757"/>
+                  </a:lnTo>
+                  <a:lnTo>
+                    <a:pt x="33858" y="772375"/>
+                  </a:lnTo>
+                  <a:lnTo>
+                    <a:pt x="55860" y="770136"/>
+                  </a:lnTo>
+                  <a:lnTo>
+                    <a:pt x="82730" y="762073"/>
+                  </a:lnTo>
+                  <a:lnTo>
+                    <a:pt x="114061" y="748310"/>
+                  </a:lnTo>
+                  <a:lnTo>
+                    <a:pt x="149379" y="729054"/>
+                  </a:lnTo>
+                  <a:lnTo>
+                    <a:pt x="188146" y="704598"/>
+                  </a:lnTo>
+                  <a:lnTo>
+                    <a:pt x="229777" y="675312"/>
+                  </a:lnTo>
+                  <a:lnTo>
+                    <a:pt x="273640" y="641641"/>
+                  </a:lnTo>
+                  <a:lnTo>
+                    <a:pt x="319070" y="604094"/>
+                  </a:lnTo>
+                  <a:lnTo>
+                    <a:pt x="365378" y="563240"/>
+                  </a:lnTo>
+                  <a:lnTo>
+                    <a:pt x="411862" y="519700"/>
+                  </a:lnTo>
+                  <a:lnTo>
+                    <a:pt x="457818" y="474133"/>
+                  </a:lnTo>
+                  <a:lnTo>
+                    <a:pt x="502549" y="427230"/>
+                  </a:lnTo>
+                  <a:lnTo>
+                    <a:pt x="545377" y="379702"/>
+                  </a:lnTo>
+                  <a:lnTo>
+                    <a:pt x="585653" y="332269"/>
+                  </a:lnTo>
+                  <a:lnTo>
+                    <a:pt x="622766" y="285651"/>
+                  </a:lnTo>
+                  <a:lnTo>
+                    <a:pt x="656153" y="240554"/>
+                  </a:lnTo>
+                  <a:lnTo>
+                    <a:pt x="685309" y="197661"/>
+                  </a:lnTo>
+                  <a:lnTo>
+                    <a:pt x="709791" y="157623"/>
+                  </a:lnTo>
+                  <a:lnTo>
+                    <a:pt x="729229" y="121048"/>
+                  </a:lnTo>
+                  <a:lnTo>
+                    <a:pt x="743328" y="88488"/>
+                  </a:lnTo>
+                  <a:lnTo>
+                    <a:pt x="751873" y="60439"/>
                   </a:lnTo>
                   <a:close/>
                 </a:path>
@@ -9715,18 +9715,18 @@
           </p:nvSpPr>
           <p:spPr>
             <a:xfrm>
-              <a:off x="2022078" y="4575408"/>
-              <a:ext cx="124316" cy="57231"/>
+              <a:off x="2022662" y="4575552"/>
+              <a:ext cx="123736" cy="57077"/>
             </a:xfrm>
             <a:custGeom>
               <a:avLst/>
               <a:pathLst>
-                <a:path w="124316" h="57231">
+                <a:path w="123736" h="57077">
                   <a:moveTo>
                     <a:pt x="0" y="0"/>
                   </a:moveTo>
                   <a:lnTo>
-                    <a:pt x="124316" y="57231"/>
+                    <a:pt x="123736" y="57077"/>
                   </a:lnTo>
                 </a:path>
               </a:pathLst>
@@ -9746,18 +9746,18 @@
           </p:nvSpPr>
           <p:spPr>
             <a:xfrm>
-              <a:off x="2422912" y="4273277"/>
-              <a:ext cx="50264" cy="86420"/>
+              <a:off x="2423454" y="4276674"/>
+              <a:ext cx="49586" cy="83103"/>
             </a:xfrm>
             <a:custGeom>
               <a:avLst/>
               <a:pathLst>
-                <a:path w="50264" h="86420">
+                <a:path w="49586" h="83103">
                   <a:moveTo>
                     <a:pt x="0" y="0"/>
                   </a:moveTo>
                   <a:lnTo>
-                    <a:pt x="50264" y="86420"/>
+                    <a:pt x="49586" y="83103"/>
                   </a:lnTo>
                 </a:path>
               </a:pathLst>
@@ -9777,15 +9777,15 @@
           </p:nvSpPr>
           <p:spPr>
             <a:xfrm>
-              <a:off x="2540095" y="4626326"/>
-              <a:ext cx="96126" cy="35911"/>
+              <a:off x="2540103" y="4626305"/>
+              <a:ext cx="96821" cy="35989"/>
             </a:xfrm>
             <a:custGeom>
               <a:avLst/>
               <a:pathLst>
-                <a:path w="96126" h="35911">
+                <a:path w="96821" h="35989">
                   <a:moveTo>
-                    <a:pt x="96126" y="35911"/>
+                    <a:pt x="96821" y="35989"/>
                   </a:moveTo>
                   <a:lnTo>
                     <a:pt x="0" y="0"/>
@@ -9808,18 +9808,18 @@
           </p:nvSpPr>
           <p:spPr>
             <a:xfrm>
-              <a:off x="3320957" y="3032133"/>
-              <a:ext cx="98470" cy="67661"/>
+              <a:off x="3320629" y="3032149"/>
+              <a:ext cx="98809" cy="68086"/>
             </a:xfrm>
             <a:custGeom>
               <a:avLst/>
               <a:pathLst>
-                <a:path w="98470" h="67661">
+                <a:path w="98809" h="68086">
                   <a:moveTo>
-                    <a:pt x="0" y="67661"/>
+                    <a:pt x="0" y="68086"/>
                   </a:moveTo>
                   <a:lnTo>
-                    <a:pt x="98470" y="0"/>
+                    <a:pt x="98809" y="0"/>
                   </a:lnTo>
                 </a:path>
               </a:pathLst>
@@ -9839,18 +9839,18 @@
           </p:nvSpPr>
           <p:spPr>
             <a:xfrm>
-              <a:off x="2098463" y="4334601"/>
-              <a:ext cx="138702" cy="67416"/>
+              <a:off x="2097622" y="4334542"/>
+              <a:ext cx="139531" cy="67498"/>
             </a:xfrm>
             <a:custGeom>
               <a:avLst/>
               <a:pathLst>
-                <a:path w="138702" h="67416">
+                <a:path w="139531" h="67498">
                   <a:moveTo>
                     <a:pt x="0" y="0"/>
                   </a:moveTo>
                   <a:lnTo>
-                    <a:pt x="138702" y="67416"/>
+                    <a:pt x="139531" y="67498"/>
                   </a:lnTo>
                 </a:path>
               </a:pathLst>
@@ -9870,18 +9870,18 @@
           </p:nvSpPr>
           <p:spPr>
             <a:xfrm>
-              <a:off x="3204889" y="2942303"/>
-              <a:ext cx="93543" cy="11737"/>
+              <a:off x="3204529" y="2942646"/>
+              <a:ext cx="93897" cy="11443"/>
             </a:xfrm>
             <a:custGeom>
               <a:avLst/>
               <a:pathLst>
-                <a:path w="93543" h="11737">
+                <a:path w="93897" h="11443">
                   <a:moveTo>
                     <a:pt x="0" y="0"/>
                   </a:moveTo>
                   <a:lnTo>
-                    <a:pt x="93543" y="11737"/>
+                    <a:pt x="93897" y="11443"/>
                   </a:lnTo>
                 </a:path>
               </a:pathLst>
@@ -9901,7 +9901,7 @@
           </p:nvSpPr>
           <p:spPr>
             <a:xfrm>
-              <a:off x="1511131" y="4508278"/>
+              <a:off x="1511715" y="4508389"/>
               <a:ext cx="488087" cy="99300"/>
             </a:xfrm>
             <a:prstGeom prst="rect">
@@ -9947,7 +9947,7 @@
           </p:nvSpPr>
           <p:spPr>
             <a:xfrm>
-              <a:off x="2745182" y="4242163"/>
+              <a:off x="2744860" y="4242104"/>
               <a:ext cx="488087" cy="99300"/>
             </a:xfrm>
             <a:prstGeom prst="rect">
@@ -9993,7 +9993,7 @@
           </p:nvSpPr>
           <p:spPr>
             <a:xfrm>
-              <a:off x="3201356" y="2696012"/>
+              <a:off x="3200690" y="2696221"/>
               <a:ext cx="488087" cy="99300"/>
             </a:xfrm>
             <a:prstGeom prst="rect">
@@ -10039,7 +10039,7 @@
           </p:nvSpPr>
           <p:spPr>
             <a:xfrm>
-              <a:off x="1630900" y="4899080"/>
+              <a:off x="1631876" y="4898943"/>
               <a:ext cx="488087" cy="99300"/>
             </a:xfrm>
             <a:prstGeom prst="rect">
@@ -10085,7 +10085,7 @@
           </p:nvSpPr>
           <p:spPr>
             <a:xfrm>
-              <a:off x="3564901" y="3269608"/>
+              <a:off x="3564609" y="3270005"/>
               <a:ext cx="488087" cy="98983"/>
             </a:xfrm>
             <a:prstGeom prst="rect">
@@ -10131,7 +10131,7 @@
           </p:nvSpPr>
           <p:spPr>
             <a:xfrm>
-              <a:off x="3808376" y="2680749"/>
+              <a:off x="3808446" y="2680785"/>
               <a:ext cx="488087" cy="98983"/>
             </a:xfrm>
             <a:prstGeom prst="rect">
@@ -10177,7 +10177,7 @@
           </p:nvSpPr>
           <p:spPr>
             <a:xfrm>
-              <a:off x="2165791" y="4151116"/>
+              <a:off x="2165509" y="4154513"/>
               <a:ext cx="488087" cy="99300"/>
             </a:xfrm>
             <a:prstGeom prst="rect">
@@ -10223,7 +10223,7 @@
           </p:nvSpPr>
           <p:spPr>
             <a:xfrm>
-              <a:off x="2659081" y="4604938"/>
+              <a:off x="2659784" y="4604964"/>
               <a:ext cx="488087" cy="99300"/>
             </a:xfrm>
             <a:prstGeom prst="rect">
@@ -10269,7 +10269,7 @@
           </p:nvSpPr>
           <p:spPr>
             <a:xfrm>
-              <a:off x="3273280" y="2883022"/>
+              <a:off x="3272846" y="2882963"/>
               <a:ext cx="548376" cy="99300"/>
             </a:xfrm>
             <a:prstGeom prst="rect">
@@ -10315,7 +10315,7 @@
           </p:nvSpPr>
           <p:spPr>
             <a:xfrm>
-              <a:off x="3101881" y="3437673"/>
+              <a:off x="3100851" y="3438625"/>
               <a:ext cx="548376" cy="99300"/>
             </a:xfrm>
             <a:prstGeom prst="rect">
@@ -10361,7 +10361,7 @@
           </p:nvSpPr>
           <p:spPr>
             <a:xfrm>
-              <a:off x="3385219" y="3607822"/>
+              <a:off x="3385477" y="3607928"/>
               <a:ext cx="548376" cy="99300"/>
             </a:xfrm>
             <a:prstGeom prst="rect">
@@ -10407,7 +10407,7 @@
           </p:nvSpPr>
           <p:spPr>
             <a:xfrm>
-              <a:off x="1985071" y="5095922"/>
+              <a:off x="1989392" y="5096465"/>
               <a:ext cx="548376" cy="99300"/>
             </a:xfrm>
             <a:prstGeom prst="rect">
@@ -10453,7 +10453,7 @@
           </p:nvSpPr>
           <p:spPr>
             <a:xfrm>
-              <a:off x="2749720" y="3051440"/>
+              <a:off x="2749392" y="3051882"/>
               <a:ext cx="548376" cy="99300"/>
             </a:xfrm>
             <a:prstGeom prst="rect">
@@ -10499,7 +10499,7 @@
           </p:nvSpPr>
           <p:spPr>
             <a:xfrm>
-              <a:off x="1527226" y="4267290"/>
+              <a:off x="1526385" y="4267293"/>
               <a:ext cx="548376" cy="99300"/>
             </a:xfrm>
             <a:prstGeom prst="rect">
@@ -10545,7 +10545,7 @@
           </p:nvSpPr>
           <p:spPr>
             <a:xfrm>
-              <a:off x="2759864" y="3238132"/>
+              <a:off x="2760906" y="3237794"/>
               <a:ext cx="548376" cy="99300"/>
             </a:xfrm>
             <a:prstGeom prst="rect">
@@ -10591,7 +10591,7 @@
           </p:nvSpPr>
           <p:spPr>
             <a:xfrm>
-              <a:off x="2633652" y="2881693"/>
+              <a:off x="2633292" y="2882045"/>
               <a:ext cx="548376" cy="99300"/>
             </a:xfrm>
             <a:prstGeom prst="rect">
@@ -10637,7 +10637,7 @@
           </p:nvSpPr>
           <p:spPr>
             <a:xfrm>
-              <a:off x="1920537" y="4775057"/>
+              <a:off x="1920979" y="4775389"/>
               <a:ext cx="548376" cy="99300"/>
             </a:xfrm>
             <a:prstGeom prst="rect">
@@ -10683,7 +10683,7 @@
           </p:nvSpPr>
           <p:spPr>
             <a:xfrm>
-              <a:off x="2034706" y="3619641"/>
+              <a:off x="2034769" y="3619741"/>
               <a:ext cx="548376" cy="99300"/>
             </a:xfrm>
             <a:prstGeom prst="rect">
@@ -10729,7 +10729,7 @@
           </p:nvSpPr>
           <p:spPr>
             <a:xfrm>
-              <a:off x="3417773" y="3099883"/>
+              <a:off x="3417640" y="3100421"/>
               <a:ext cx="548376" cy="99300"/>
             </a:xfrm>
             <a:prstGeom prst="rect">
@@ -10775,7 +10775,7 @@
           </p:nvSpPr>
           <p:spPr>
             <a:xfrm>
-              <a:off x="2563154" y="3981080"/>
+              <a:off x="2563052" y="3980999"/>
               <a:ext cx="548376" cy="99300"/>
             </a:xfrm>
             <a:prstGeom prst="rect">
@@ -10821,7 +10821,7 @@
           </p:nvSpPr>
           <p:spPr>
             <a:xfrm>
-              <a:off x="1345673" y="5132529"/>
+              <a:off x="1349950" y="5132072"/>
               <a:ext cx="548376" cy="99300"/>
             </a:xfrm>
             <a:prstGeom prst="rect">
@@ -10867,7 +10867,7 @@
           </p:nvSpPr>
           <p:spPr>
             <a:xfrm>
-              <a:off x="3858670" y="2385107"/>
+              <a:off x="3859513" y="2384925"/>
               <a:ext cx="548376" cy="99300"/>
             </a:xfrm>
             <a:prstGeom prst="rect">
@@ -10913,7 +10913,7 @@
           </p:nvSpPr>
           <p:spPr>
             <a:xfrm>
-              <a:off x="2019561" y="4677187"/>
+              <a:off x="2020132" y="4677457"/>
               <a:ext cx="548376" cy="99300"/>
             </a:xfrm>
             <a:prstGeom prst="rect">
@@ -10959,7 +10959,7 @@
           </p:nvSpPr>
           <p:spPr>
             <a:xfrm>
-              <a:off x="993246" y="4932505"/>
+              <a:off x="993246" y="4932577"/>
               <a:ext cx="548376" cy="99300"/>
             </a:xfrm>
             <a:prstGeom prst="rect">
@@ -11005,7 +11005,7 @@
           </p:nvSpPr>
           <p:spPr>
             <a:xfrm>
-              <a:off x="3219008" y="2478346"/>
+              <a:off x="3219475" y="2478503"/>
               <a:ext cx="548376" cy="99300"/>
             </a:xfrm>
             <a:prstGeom prst="rect">
@@ -11051,7 +11051,7 @@
           </p:nvSpPr>
           <p:spPr>
             <a:xfrm>
-              <a:off x="2848245" y="3816345"/>
+              <a:off x="2848102" y="3816591"/>
               <a:ext cx="548376" cy="99300"/>
             </a:xfrm>
             <a:prstGeom prst="rect">
@@ -11097,7 +11097,7 @@
           </p:nvSpPr>
           <p:spPr>
             <a:xfrm>
-              <a:off x="2090257" y="4436009"/>
+              <a:off x="2090363" y="4435951"/>
               <a:ext cx="548376" cy="99300"/>
             </a:xfrm>
             <a:prstGeom prst="rect">
@@ -11143,7 +11143,7 @@
           </p:nvSpPr>
           <p:spPr>
             <a:xfrm>
-              <a:off x="2462318" y="3450470"/>
+              <a:off x="2461425" y="3450589"/>
               <a:ext cx="548376" cy="99300"/>
             </a:xfrm>
             <a:prstGeom prst="rect">
@@ -11189,7 +11189,7 @@
           </p:nvSpPr>
           <p:spPr>
             <a:xfrm>
-              <a:off x="2166729" y="4081261"/>
+              <a:off x="1892343" y="4354544"/>
               <a:ext cx="1108187" cy="201459"/>
             </a:xfrm>
             <a:prstGeom prst="rect">
@@ -11235,7 +11235,7 @@
           </p:nvSpPr>
           <p:spPr>
             <a:xfrm>
-              <a:off x="2860105" y="2969169"/>
+              <a:off x="2859621" y="2969773"/>
               <a:ext cx="1108187" cy="201459"/>
             </a:xfrm>
             <a:prstGeom prst="rect">
@@ -11281,7 +11281,7 @@
           </p:nvSpPr>
           <p:spPr>
             <a:xfrm>
-              <a:off x="1427347" y="4780603"/>
+              <a:off x="1153565" y="5054249"/>
               <a:ext cx="1108187" cy="201459"/>
             </a:xfrm>
             <a:prstGeom prst="rect">
@@ -11327,7 +11327,7 @@
           </p:nvSpPr>
           <p:spPr>
             <a:xfrm>
-              <a:off x="2417650" y="3702884"/>
+              <a:off x="2144005" y="3976395"/>
               <a:ext cx="1108187" cy="201459"/>
             </a:xfrm>
             <a:prstGeom prst="rect">
@@ -11373,165 +11373,165 @@
           </p:nvSpPr>
           <p:spPr>
             <a:xfrm>
-              <a:off x="2303241" y="4096633"/>
-              <a:ext cx="539216" cy="498763"/>
+              <a:off x="2249001" y="4066252"/>
+              <a:ext cx="664041" cy="563699"/>
             </a:xfrm>
             <a:custGeom>
               <a:avLst/>
               <a:pathLst>
-                <a:path w="539216" h="498763">
+                <a:path w="664041" h="563699">
                   <a:moveTo>
-                    <a:pt x="539216" y="22268"/>
+                    <a:pt x="664041" y="23176"/>
                   </a:moveTo>
                   <a:lnTo>
-                    <a:pt x="537170" y="11201"/>
-                  </a:lnTo>
-                  <a:lnTo>
-                    <a:pt x="531065" y="3740"/>
-                  </a:lnTo>
-                  <a:lnTo>
-                    <a:pt x="520992" y="0"/>
-                  </a:lnTo>
-                  <a:lnTo>
-                    <a:pt x="507105" y="36"/>
-                  </a:lnTo>
-                  <a:lnTo>
-                    <a:pt x="489614" y="3849"/>
-                  </a:lnTo>
-                  <a:lnTo>
-                    <a:pt x="468784" y="11380"/>
-                  </a:lnTo>
-                  <a:lnTo>
-                    <a:pt x="444930" y="22516"/>
-                  </a:lnTo>
-                  <a:lnTo>
-                    <a:pt x="418415" y="37088"/>
-                  </a:lnTo>
-                  <a:lnTo>
-                    <a:pt x="389640" y="54874"/>
-                  </a:lnTo>
-                  <a:lnTo>
-                    <a:pt x="359042" y="75605"/>
-                  </a:lnTo>
-                  <a:lnTo>
-                    <a:pt x="327084" y="98967"/>
-                  </a:lnTo>
-                  <a:lnTo>
-                    <a:pt x="294252" y="124606"/>
-                  </a:lnTo>
-                  <a:lnTo>
-                    <a:pt x="261041" y="152132"/>
-                  </a:lnTo>
-                  <a:lnTo>
-                    <a:pt x="227957" y="181130"/>
-                  </a:lnTo>
-                  <a:lnTo>
-                    <a:pt x="195500" y="211159"/>
-                  </a:lnTo>
-                  <a:lnTo>
-                    <a:pt x="164162" y="241763"/>
-                  </a:lnTo>
-                  <a:lnTo>
-                    <a:pt x="134420" y="272480"/>
-                  </a:lnTo>
-                  <a:lnTo>
-                    <a:pt x="106722" y="302843"/>
-                  </a:lnTo>
-                  <a:lnTo>
-                    <a:pt x="81490" y="332392"/>
-                  </a:lnTo>
-                  <a:lnTo>
-                    <a:pt x="59106" y="360679"/>
-                  </a:lnTo>
-                  <a:lnTo>
-                    <a:pt x="39909" y="387276"/>
-                  </a:lnTo>
-                  <a:lnTo>
-                    <a:pt x="24190" y="411779"/>
-                  </a:lnTo>
-                  <a:lnTo>
-                    <a:pt x="12187" y="433817"/>
-                  </a:lnTo>
-                  <a:lnTo>
-                    <a:pt x="4083" y="453055"/>
-                  </a:lnTo>
-                  <a:lnTo>
-                    <a:pt x="0" y="469203"/>
-                  </a:lnTo>
-                  <a:lnTo>
-                    <a:pt x="0" y="482014"/>
-                  </a:lnTo>
-                  <a:lnTo>
-                    <a:pt x="4083" y="491296"/>
-                  </a:lnTo>
-                  <a:lnTo>
-                    <a:pt x="12187" y="496907"/>
-                  </a:lnTo>
-                  <a:lnTo>
-                    <a:pt x="24190" y="498763"/>
-                  </a:lnTo>
-                  <a:lnTo>
-                    <a:pt x="39909" y="496834"/>
-                  </a:lnTo>
-                  <a:lnTo>
-                    <a:pt x="59106" y="491151"/>
-                  </a:lnTo>
-                  <a:lnTo>
-                    <a:pt x="81490" y="481800"/>
-                  </a:lnTo>
-                  <a:lnTo>
-                    <a:pt x="106722" y="468922"/>
-                  </a:lnTo>
-                  <a:lnTo>
-                    <a:pt x="134420" y="452712"/>
-                  </a:lnTo>
-                  <a:lnTo>
-                    <a:pt x="164162" y="433417"/>
-                  </a:lnTo>
-                  <a:lnTo>
-                    <a:pt x="195500" y="411329"/>
-                  </a:lnTo>
-                  <a:lnTo>
-                    <a:pt x="227957" y="386782"/>
-                  </a:lnTo>
-                  <a:lnTo>
-                    <a:pt x="261041" y="360148"/>
-                  </a:lnTo>
-                  <a:lnTo>
-                    <a:pt x="294252" y="331833"/>
-                  </a:lnTo>
-                  <a:lnTo>
-                    <a:pt x="327084" y="302264"/>
-                  </a:lnTo>
-                  <a:lnTo>
-                    <a:pt x="359042" y="271889"/>
-                  </a:lnTo>
-                  <a:lnTo>
-                    <a:pt x="389640" y="241170"/>
-                  </a:lnTo>
-                  <a:lnTo>
-                    <a:pt x="418415" y="210573"/>
-                  </a:lnTo>
-                  <a:lnTo>
-                    <a:pt x="444930" y="180560"/>
-                  </a:lnTo>
-                  <a:lnTo>
-                    <a:pt x="468784" y="151586"/>
-                  </a:lnTo>
-                  <a:lnTo>
-                    <a:pt x="489614" y="124092"/>
-                  </a:lnTo>
-                  <a:lnTo>
-                    <a:pt x="507105" y="98494"/>
-                  </a:lnTo>
-                  <a:lnTo>
-                    <a:pt x="520992" y="75179"/>
-                  </a:lnTo>
-                  <a:lnTo>
-                    <a:pt x="531065" y="54502"/>
-                  </a:lnTo>
-                  <a:lnTo>
-                    <a:pt x="537170" y="36775"/>
+                    <a:pt x="661522" y="11311"/>
+                  </a:lnTo>
+                  <a:lnTo>
+                    <a:pt x="654004" y="3547"/>
+                  </a:lnTo>
+                  <a:lnTo>
+                    <a:pt x="641599" y="0"/>
+                  </a:lnTo>
+                  <a:lnTo>
+                    <a:pt x="624497" y="724"/>
+                  </a:lnTo>
+                  <a:lnTo>
+                    <a:pt x="602957" y="5708"/>
+                  </a:lnTo>
+                  <a:lnTo>
+                    <a:pt x="577304" y="14877"/>
+                  </a:lnTo>
+                  <a:lnTo>
+                    <a:pt x="547929" y="28092"/>
+                  </a:lnTo>
+                  <a:lnTo>
+                    <a:pt x="515276" y="45152"/>
+                  </a:lnTo>
+                  <a:lnTo>
+                    <a:pt x="479840" y="65799"/>
+                  </a:lnTo>
+                  <a:lnTo>
+                    <a:pt x="442159" y="89720"/>
+                  </a:lnTo>
+                  <a:lnTo>
+                    <a:pt x="402803" y="116552"/>
+                  </a:lnTo>
+                  <a:lnTo>
+                    <a:pt x="362369" y="145888"/>
+                  </a:lnTo>
+                  <a:lnTo>
+                    <a:pt x="321471" y="177284"/>
+                  </a:lnTo>
+                  <a:lnTo>
+                    <a:pt x="280728" y="210264"/>
+                  </a:lnTo>
+                  <a:lnTo>
+                    <a:pt x="240757" y="244328"/>
+                  </a:lnTo>
+                  <a:lnTo>
+                    <a:pt x="202165" y="278959"/>
+                  </a:lnTo>
+                  <a:lnTo>
+                    <a:pt x="165537" y="313633"/>
+                  </a:lnTo>
+                  <a:lnTo>
+                    <a:pt x="131428" y="347823"/>
+                  </a:lnTo>
+                  <a:lnTo>
+                    <a:pt x="100355" y="381012"/>
+                  </a:lnTo>
+                  <a:lnTo>
+                    <a:pt x="72789" y="412697"/>
+                  </a:lnTo>
+                  <a:lnTo>
+                    <a:pt x="49147" y="442397"/>
+                  </a:lnTo>
+                  <a:lnTo>
+                    <a:pt x="29789" y="469662"/>
+                  </a:lnTo>
+                  <a:lnTo>
+                    <a:pt x="15008" y="494078"/>
+                  </a:lnTo>
+                  <a:lnTo>
+                    <a:pt x="5028" y="515276"/>
+                  </a:lnTo>
+                  <a:lnTo>
+                    <a:pt x="0" y="532934"/>
+                  </a:lnTo>
+                  <a:lnTo>
+                    <a:pt x="0" y="546785"/>
+                  </a:lnTo>
+                  <a:lnTo>
+                    <a:pt x="5028" y="556618"/>
+                  </a:lnTo>
+                  <a:lnTo>
+                    <a:pt x="15008" y="562285"/>
+                  </a:lnTo>
+                  <a:lnTo>
+                    <a:pt x="29789" y="563699"/>
+                  </a:lnTo>
+                  <a:lnTo>
+                    <a:pt x="49147" y="560839"/>
+                  </a:lnTo>
+                  <a:lnTo>
+                    <a:pt x="72789" y="553749"/>
+                  </a:lnTo>
+                  <a:lnTo>
+                    <a:pt x="100355" y="542536"/>
+                  </a:lnTo>
+                  <a:lnTo>
+                    <a:pt x="131428" y="527370"/>
+                  </a:lnTo>
+                  <a:lnTo>
+                    <a:pt x="165537" y="508480"/>
+                  </a:lnTo>
+                  <a:lnTo>
+                    <a:pt x="202165" y="486154"/>
+                  </a:lnTo>
+                  <a:lnTo>
+                    <a:pt x="240757" y="460729"/>
+                  </a:lnTo>
+                  <a:lnTo>
+                    <a:pt x="280728" y="432592"/>
+                  </a:lnTo>
+                  <a:lnTo>
+                    <a:pt x="321471" y="402168"/>
+                  </a:lnTo>
+                  <a:lnTo>
+                    <a:pt x="362369" y="369919"/>
+                  </a:lnTo>
+                  <a:lnTo>
+                    <a:pt x="402803" y="336333"/>
+                  </a:lnTo>
+                  <a:lnTo>
+                    <a:pt x="442159" y="301921"/>
+                  </a:lnTo>
+                  <a:lnTo>
+                    <a:pt x="479840" y="267202"/>
+                  </a:lnTo>
+                  <a:lnTo>
+                    <a:pt x="515276" y="232705"/>
+                  </a:lnTo>
+                  <a:lnTo>
+                    <a:pt x="547929" y="198951"/>
+                  </a:lnTo>
+                  <a:lnTo>
+                    <a:pt x="577304" y="166452"/>
+                  </a:lnTo>
+                  <a:lnTo>
+                    <a:pt x="602957" y="135702"/>
+                  </a:lnTo>
+                  <a:lnTo>
+                    <a:pt x="624497" y="107165"/>
+                  </a:lnTo>
+                  <a:lnTo>
+                    <a:pt x="641599" y="81275"/>
+                  </a:lnTo>
+                  <a:lnTo>
+                    <a:pt x="654004" y="58425"/>
+                  </a:lnTo>
+                  <a:lnTo>
+                    <a:pt x="661522" y="38960"/>
                   </a:lnTo>
                   <a:close/>
                 </a:path>
@@ -11566,165 +11566,165 @@
           </p:nvSpPr>
           <p:spPr>
             <a:xfrm>
-              <a:off x="3363202" y="2779575"/>
-              <a:ext cx="357346" cy="372003"/>
+              <a:off x="3353287" y="2788168"/>
+              <a:ext cx="379378" cy="348526"/>
             </a:xfrm>
             <a:custGeom>
               <a:avLst/>
               <a:pathLst>
-                <a:path w="357346" h="372003">
+                <a:path w="379378" h="348526">
                   <a:moveTo>
-                    <a:pt x="357346" y="22843"/>
+                    <a:pt x="379378" y="18722"/>
                   </a:moveTo>
                   <a:lnTo>
-                    <a:pt x="355991" y="13100"/>
-                  </a:lnTo>
-                  <a:lnTo>
-                    <a:pt x="351945" y="5980"/>
-                  </a:lnTo>
-                  <a:lnTo>
-                    <a:pt x="345270" y="1591"/>
-                  </a:lnTo>
-                  <a:lnTo>
-                    <a:pt x="336066" y="0"/>
-                  </a:lnTo>
-                  <a:lnTo>
-                    <a:pt x="324475" y="1229"/>
-                  </a:lnTo>
-                  <a:lnTo>
-                    <a:pt x="310670" y="5262"/>
-                  </a:lnTo>
-                  <a:lnTo>
-                    <a:pt x="294862" y="12037"/>
-                  </a:lnTo>
-                  <a:lnTo>
-                    <a:pt x="277290" y="21451"/>
-                  </a:lnTo>
-                  <a:lnTo>
-                    <a:pt x="258221" y="33361"/>
-                  </a:lnTo>
-                  <a:lnTo>
-                    <a:pt x="237943" y="47587"/>
-                  </a:lnTo>
-                  <a:lnTo>
-                    <a:pt x="216764" y="63913"/>
-                  </a:lnTo>
-                  <a:lnTo>
-                    <a:pt x="195005" y="82092"/>
-                  </a:lnTo>
-                  <a:lnTo>
-                    <a:pt x="172996" y="101849"/>
-                  </a:lnTo>
-                  <a:lnTo>
-                    <a:pt x="151070" y="122882"/>
-                  </a:lnTo>
-                  <a:lnTo>
-                    <a:pt x="129561" y="144875"/>
-                  </a:lnTo>
-                  <a:lnTo>
-                    <a:pt x="108793" y="167493"/>
-                  </a:lnTo>
-                  <a:lnTo>
-                    <a:pt x="89082" y="190394"/>
-                  </a:lnTo>
-                  <a:lnTo>
-                    <a:pt x="70726" y="213229"/>
-                  </a:lnTo>
-                  <a:lnTo>
-                    <a:pt x="54005" y="235655"/>
-                  </a:lnTo>
-                  <a:lnTo>
-                    <a:pt x="39170" y="257329"/>
-                  </a:lnTo>
-                  <a:lnTo>
-                    <a:pt x="26448" y="277924"/>
-                  </a:lnTo>
-                  <a:lnTo>
-                    <a:pt x="16031" y="297128"/>
-                  </a:lnTo>
-                  <a:lnTo>
-                    <a:pt x="8076" y="314649"/>
-                  </a:lnTo>
-                  <a:lnTo>
-                    <a:pt x="2705" y="330222"/>
-                  </a:lnTo>
-                  <a:lnTo>
-                    <a:pt x="0" y="343611"/>
-                  </a:lnTo>
-                  <a:lnTo>
-                    <a:pt x="0" y="354612"/>
-                  </a:lnTo>
-                  <a:lnTo>
-                    <a:pt x="2705" y="363060"/>
-                  </a:lnTo>
-                  <a:lnTo>
-                    <a:pt x="8076" y="368825"/>
-                  </a:lnTo>
-                  <a:lnTo>
-                    <a:pt x="16031" y="371821"/>
-                  </a:lnTo>
-                  <a:lnTo>
-                    <a:pt x="26448" y="372003"/>
-                  </a:lnTo>
-                  <a:lnTo>
-                    <a:pt x="39170" y="369366"/>
-                  </a:lnTo>
-                  <a:lnTo>
-                    <a:pt x="54005" y="363952"/>
-                  </a:lnTo>
-                  <a:lnTo>
-                    <a:pt x="70726" y="355842"/>
-                  </a:lnTo>
-                  <a:lnTo>
-                    <a:pt x="89082" y="345160"/>
-                  </a:lnTo>
-                  <a:lnTo>
-                    <a:pt x="108793" y="332067"/>
-                  </a:lnTo>
-                  <a:lnTo>
-                    <a:pt x="129561" y="316762"/>
-                  </a:lnTo>
-                  <a:lnTo>
-                    <a:pt x="151070" y="299477"/>
-                  </a:lnTo>
-                  <a:lnTo>
-                    <a:pt x="172996" y="280473"/>
-                  </a:lnTo>
-                  <a:lnTo>
-                    <a:pt x="195005" y="260039"/>
-                  </a:lnTo>
-                  <a:lnTo>
-                    <a:pt x="216764" y="238485"/>
-                  </a:lnTo>
-                  <a:lnTo>
-                    <a:pt x="237943" y="216138"/>
-                  </a:lnTo>
-                  <a:lnTo>
-                    <a:pt x="258221" y="193335"/>
-                  </a:lnTo>
-                  <a:lnTo>
-                    <a:pt x="277290" y="170423"/>
-                  </a:lnTo>
-                  <a:lnTo>
-                    <a:pt x="294862" y="147750"/>
-                  </a:lnTo>
-                  <a:lnTo>
-                    <a:pt x="310670" y="125658"/>
-                  </a:lnTo>
-                  <a:lnTo>
-                    <a:pt x="324475" y="104483"/>
-                  </a:lnTo>
-                  <a:lnTo>
-                    <a:pt x="336066" y="84546"/>
-                  </a:lnTo>
-                  <a:lnTo>
-                    <a:pt x="345270" y="66148"/>
-                  </a:lnTo>
-                  <a:lnTo>
-                    <a:pt x="351945" y="49570"/>
-                  </a:lnTo>
-                  <a:lnTo>
-                    <a:pt x="355991" y="35061"/>
+                    <a:pt x="377939" y="10229"/>
+                  </a:lnTo>
+                  <a:lnTo>
+                    <a:pt x="373644" y="4224"/>
+                  </a:lnTo>
+                  <a:lnTo>
+                    <a:pt x="366557" y="797"/>
+                  </a:lnTo>
+                  <a:lnTo>
+                    <a:pt x="356786" y="0"/>
+                  </a:lnTo>
+                  <a:lnTo>
+                    <a:pt x="344480" y="1844"/>
+                  </a:lnTo>
+                  <a:lnTo>
+                    <a:pt x="329824" y="6304"/>
+                  </a:lnTo>
+                  <a:lnTo>
+                    <a:pt x="313042" y="13309"/>
+                  </a:lnTo>
+                  <a:lnTo>
+                    <a:pt x="294386" y="22756"/>
+                  </a:lnTo>
+                  <a:lnTo>
+                    <a:pt x="274141" y="34499"/>
+                  </a:lnTo>
+                  <a:lnTo>
+                    <a:pt x="252613" y="48362"/>
+                  </a:lnTo>
+                  <a:lnTo>
+                    <a:pt x="230128" y="64133"/>
+                  </a:lnTo>
+                  <a:lnTo>
+                    <a:pt x="207028" y="81575"/>
+                  </a:lnTo>
+                  <a:lnTo>
+                    <a:pt x="183662" y="100422"/>
+                  </a:lnTo>
+                  <a:lnTo>
+                    <a:pt x="160385" y="120389"/>
+                  </a:lnTo>
+                  <a:lnTo>
+                    <a:pt x="137549" y="141173"/>
+                  </a:lnTo>
+                  <a:lnTo>
+                    <a:pt x="115500" y="162459"/>
+                  </a:lnTo>
+                  <a:lnTo>
+                    <a:pt x="94574" y="183925"/>
+                  </a:lnTo>
+                  <a:lnTo>
+                    <a:pt x="75087" y="205245"/>
+                  </a:lnTo>
+                  <a:lnTo>
+                    <a:pt x="57334" y="226096"/>
+                  </a:lnTo>
+                  <a:lnTo>
+                    <a:pt x="41585" y="246161"/>
+                  </a:lnTo>
+                  <a:lnTo>
+                    <a:pt x="28079" y="265137"/>
+                  </a:lnTo>
+                  <a:lnTo>
+                    <a:pt x="17019" y="282736"/>
+                  </a:lnTo>
+                  <a:lnTo>
+                    <a:pt x="8574" y="298691"/>
+                  </a:lnTo>
+                  <a:lnTo>
+                    <a:pt x="2872" y="312761"/>
+                  </a:lnTo>
+                  <a:lnTo>
+                    <a:pt x="0" y="324731"/>
+                  </a:lnTo>
+                  <a:lnTo>
+                    <a:pt x="0" y="334421"/>
+                  </a:lnTo>
+                  <a:lnTo>
+                    <a:pt x="2872" y="341684"/>
+                  </a:lnTo>
+                  <a:lnTo>
+                    <a:pt x="8574" y="346409"/>
+                  </a:lnTo>
+                  <a:lnTo>
+                    <a:pt x="17019" y="348526"/>
+                  </a:lnTo>
+                  <a:lnTo>
+                    <a:pt x="28079" y="348001"/>
+                  </a:lnTo>
+                  <a:lnTo>
+                    <a:pt x="41585" y="344843"/>
+                  </a:lnTo>
+                  <a:lnTo>
+                    <a:pt x="57334" y="339099"/>
+                  </a:lnTo>
+                  <a:lnTo>
+                    <a:pt x="75087" y="330858"/>
+                  </a:lnTo>
+                  <a:lnTo>
+                    <a:pt x="94574" y="320243"/>
+                  </a:lnTo>
+                  <a:lnTo>
+                    <a:pt x="115500" y="307415"/>
+                  </a:lnTo>
+                  <a:lnTo>
+                    <a:pt x="137549" y="292570"/>
+                  </a:lnTo>
+                  <a:lnTo>
+                    <a:pt x="160385" y="275932"/>
+                  </a:lnTo>
+                  <a:lnTo>
+                    <a:pt x="183662" y="257753"/>
+                  </a:lnTo>
+                  <a:lnTo>
+                    <a:pt x="207028" y="238309"/>
+                  </a:lnTo>
+                  <a:lnTo>
+                    <a:pt x="230128" y="217895"/>
+                  </a:lnTo>
+                  <a:lnTo>
+                    <a:pt x="252613" y="196820"/>
+                  </a:lnTo>
+                  <a:lnTo>
+                    <a:pt x="274141" y="175403"/>
+                  </a:lnTo>
+                  <a:lnTo>
+                    <a:pt x="294386" y="153970"/>
+                  </a:lnTo>
+                  <a:lnTo>
+                    <a:pt x="313042" y="132844"/>
+                  </a:lnTo>
+                  <a:lnTo>
+                    <a:pt x="329824" y="112347"/>
+                  </a:lnTo>
+                  <a:lnTo>
+                    <a:pt x="344480" y="92790"/>
+                  </a:lnTo>
+                  <a:lnTo>
+                    <a:pt x="356786" y="74467"/>
+                  </a:lnTo>
+                  <a:lnTo>
+                    <a:pt x="366557" y="57658"/>
+                  </a:lnTo>
+                  <a:lnTo>
+                    <a:pt x="373644" y="42617"/>
+                  </a:lnTo>
+                  <a:lnTo>
+                    <a:pt x="377939" y="29573"/>
                   </a:lnTo>
                   <a:close/>
                 </a:path>
@@ -11759,165 +11759,165 @@
           </p:nvSpPr>
           <p:spPr>
             <a:xfrm>
-              <a:off x="1602778" y="4986756"/>
-              <a:ext cx="468967" cy="122293"/>
+              <a:off x="1578524" y="4989868"/>
+              <a:ext cx="499456" cy="113193"/>
             </a:xfrm>
             <a:custGeom>
               <a:avLst/>
               <a:pathLst>
-                <a:path w="468967" h="122293">
+                <a:path w="499456" h="113193">
                   <a:moveTo>
-                    <a:pt x="468967" y="21445"/>
+                    <a:pt x="499456" y="18867"/>
                   </a:moveTo>
                   <a:lnTo>
-                    <a:pt x="467188" y="16028"/>
-                  </a:lnTo>
-                  <a:lnTo>
-                    <a:pt x="461878" y="11296"/>
-                  </a:lnTo>
-                  <a:lnTo>
-                    <a:pt x="453118" y="7321"/>
-                  </a:lnTo>
-                  <a:lnTo>
-                    <a:pt x="441040" y="4162"/>
-                  </a:lnTo>
-                  <a:lnTo>
-                    <a:pt x="425827" y="1868"/>
-                  </a:lnTo>
-                  <a:lnTo>
-                    <a:pt x="407711" y="473"/>
-                  </a:lnTo>
-                  <a:lnTo>
-                    <a:pt x="386965" y="0"/>
-                  </a:lnTo>
-                  <a:lnTo>
-                    <a:pt x="363904" y="453"/>
-                  </a:lnTo>
-                  <a:lnTo>
-                    <a:pt x="338878" y="1828"/>
-                  </a:lnTo>
-                  <a:lnTo>
-                    <a:pt x="312266" y="4103"/>
-                  </a:lnTo>
-                  <a:lnTo>
-                    <a:pt x="284472" y="7243"/>
-                  </a:lnTo>
-                  <a:lnTo>
-                    <a:pt x="255917" y="11201"/>
-                  </a:lnTo>
-                  <a:lnTo>
-                    <a:pt x="227033" y="15917"/>
-                  </a:lnTo>
-                  <a:lnTo>
-                    <a:pt x="198259" y="21320"/>
-                  </a:lnTo>
-                  <a:lnTo>
-                    <a:pt x="170030" y="27327"/>
-                  </a:lnTo>
-                  <a:lnTo>
-                    <a:pt x="142775" y="33848"/>
-                  </a:lnTo>
-                  <a:lnTo>
-                    <a:pt x="116907" y="40784"/>
-                  </a:lnTo>
-                  <a:lnTo>
-                    <a:pt x="92818" y="48028"/>
-                  </a:lnTo>
-                  <a:lnTo>
-                    <a:pt x="70874" y="55473"/>
-                  </a:lnTo>
-                  <a:lnTo>
-                    <a:pt x="51406" y="63005"/>
-                  </a:lnTo>
-                  <a:lnTo>
-                    <a:pt x="34709" y="70509"/>
-                  </a:lnTo>
-                  <a:lnTo>
-                    <a:pt x="21038" y="77872"/>
-                  </a:lnTo>
-                  <a:lnTo>
-                    <a:pt x="10599" y="84982"/>
-                  </a:lnTo>
-                  <a:lnTo>
-                    <a:pt x="3551" y="91732"/>
-                  </a:lnTo>
-                  <a:lnTo>
-                    <a:pt x="0" y="98019"/>
-                  </a:lnTo>
-                  <a:lnTo>
-                    <a:pt x="0" y="103748"/>
-                  </a:lnTo>
-                  <a:lnTo>
-                    <a:pt x="3551" y="108832"/>
-                  </a:lnTo>
-                  <a:lnTo>
-                    <a:pt x="10599" y="113194"/>
-                  </a:lnTo>
-                  <a:lnTo>
-                    <a:pt x="21038" y="116768"/>
-                  </a:lnTo>
-                  <a:lnTo>
-                    <a:pt x="34709" y="119499"/>
-                  </a:lnTo>
-                  <a:lnTo>
-                    <a:pt x="51406" y="121347"/>
-                  </a:lnTo>
-                  <a:lnTo>
-                    <a:pt x="70874" y="122283"/>
-                  </a:lnTo>
-                  <a:lnTo>
-                    <a:pt x="92818" y="122293"/>
-                  </a:lnTo>
-                  <a:lnTo>
-                    <a:pt x="116907" y="121377"/>
-                  </a:lnTo>
-                  <a:lnTo>
-                    <a:pt x="142775" y="119549"/>
-                  </a:lnTo>
-                  <a:lnTo>
-                    <a:pt x="170030" y="116836"/>
-                  </a:lnTo>
-                  <a:lnTo>
-                    <a:pt x="198259" y="113280"/>
-                  </a:lnTo>
-                  <a:lnTo>
-                    <a:pt x="227033" y="108935"/>
-                  </a:lnTo>
-                  <a:lnTo>
-                    <a:pt x="255917" y="103866"/>
-                  </a:lnTo>
-                  <a:lnTo>
-                    <a:pt x="284472" y="98150"/>
-                  </a:lnTo>
-                  <a:lnTo>
-                    <a:pt x="312266" y="91874"/>
-                  </a:lnTo>
-                  <a:lnTo>
-                    <a:pt x="338878" y="85133"/>
-                  </a:lnTo>
-                  <a:lnTo>
-                    <a:pt x="363904" y="78030"/>
-                  </a:lnTo>
-                  <a:lnTo>
-                    <a:pt x="386965" y="70671"/>
-                  </a:lnTo>
-                  <a:lnTo>
-                    <a:pt x="407711" y="63169"/>
-                  </a:lnTo>
-                  <a:lnTo>
-                    <a:pt x="425827" y="55637"/>
-                  </a:lnTo>
-                  <a:lnTo>
-                    <a:pt x="441040" y="48189"/>
-                  </a:lnTo>
-                  <a:lnTo>
-                    <a:pt x="453118" y="40938"/>
-                  </a:lnTo>
-                  <a:lnTo>
-                    <a:pt x="461878" y="33995"/>
-                  </a:lnTo>
-                  <a:lnTo>
-                    <a:pt x="467188" y="27464"/>
+                    <a:pt x="497561" y="13966"/>
+                  </a:lnTo>
+                  <a:lnTo>
+                    <a:pt x="491906" y="9711"/>
+                  </a:lnTo>
+                  <a:lnTo>
+                    <a:pt x="482576" y="6168"/>
+                  </a:lnTo>
+                  <a:lnTo>
+                    <a:pt x="469713" y="3389"/>
+                  </a:lnTo>
+                  <a:lnTo>
+                    <a:pt x="453511" y="1416"/>
+                  </a:lnTo>
+                  <a:lnTo>
+                    <a:pt x="434217" y="281"/>
+                  </a:lnTo>
+                  <a:lnTo>
+                    <a:pt x="412122" y="0"/>
+                  </a:lnTo>
+                  <a:lnTo>
+                    <a:pt x="387562" y="576"/>
+                  </a:lnTo>
+                  <a:lnTo>
+                    <a:pt x="360910" y="2002"/>
+                  </a:lnTo>
+                  <a:lnTo>
+                    <a:pt x="332568" y="4256"/>
+                  </a:lnTo>
+                  <a:lnTo>
+                    <a:pt x="302966" y="7304"/>
+                  </a:lnTo>
+                  <a:lnTo>
+                    <a:pt x="272554" y="11099"/>
+                  </a:lnTo>
+                  <a:lnTo>
+                    <a:pt x="241793" y="15584"/>
+                  </a:lnTo>
+                  <a:lnTo>
+                    <a:pt x="211148" y="20691"/>
+                  </a:lnTo>
+                  <a:lnTo>
+                    <a:pt x="181084" y="26343"/>
+                  </a:lnTo>
+                  <a:lnTo>
+                    <a:pt x="152058" y="32454"/>
+                  </a:lnTo>
+                  <a:lnTo>
+                    <a:pt x="124508" y="38930"/>
+                  </a:lnTo>
+                  <a:lnTo>
+                    <a:pt x="98853" y="45675"/>
+                  </a:lnTo>
+                  <a:lnTo>
+                    <a:pt x="75481" y="52586"/>
+                  </a:lnTo>
+                  <a:lnTo>
+                    <a:pt x="54748" y="59557"/>
+                  </a:lnTo>
+                  <a:lnTo>
+                    <a:pt x="36966" y="66484"/>
+                  </a:lnTo>
+                  <a:lnTo>
+                    <a:pt x="22406" y="73261"/>
+                  </a:lnTo>
+                  <a:lnTo>
+                    <a:pt x="11288" y="79786"/>
+                  </a:lnTo>
+                  <a:lnTo>
+                    <a:pt x="3782" y="85960"/>
+                  </a:lnTo>
+                  <a:lnTo>
+                    <a:pt x="0" y="91689"/>
+                  </a:lnTo>
+                  <a:lnTo>
+                    <a:pt x="0" y="96886"/>
+                  </a:lnTo>
+                  <a:lnTo>
+                    <a:pt x="3782" y="101473"/>
+                  </a:lnTo>
+                  <a:lnTo>
+                    <a:pt x="11288" y="105379"/>
+                  </a:lnTo>
+                  <a:lnTo>
+                    <a:pt x="22406" y="108547"/>
+                  </a:lnTo>
+                  <a:lnTo>
+                    <a:pt x="36966" y="110927"/>
+                  </a:lnTo>
+                  <a:lnTo>
+                    <a:pt x="54748" y="112483"/>
+                  </a:lnTo>
+                  <a:lnTo>
+                    <a:pt x="75481" y="113193"/>
+                  </a:lnTo>
+                  <a:lnTo>
+                    <a:pt x="98853" y="113045"/>
+                  </a:lnTo>
+                  <a:lnTo>
+                    <a:pt x="124508" y="112042"/>
+                  </a:lnTo>
+                  <a:lnTo>
+                    <a:pt x="152058" y="110198"/>
+                  </a:lnTo>
+                  <a:lnTo>
+                    <a:pt x="181084" y="107542"/>
+                  </a:lnTo>
+                  <a:lnTo>
+                    <a:pt x="211148" y="104115"/>
+                  </a:lnTo>
+                  <a:lnTo>
+                    <a:pt x="241793" y="99967"/>
+                  </a:lnTo>
+                  <a:lnTo>
+                    <a:pt x="272554" y="95161"/>
+                  </a:lnTo>
+                  <a:lnTo>
+                    <a:pt x="302966" y="89772"/>
+                  </a:lnTo>
+                  <a:lnTo>
+                    <a:pt x="332568" y="83880"/>
+                  </a:lnTo>
+                  <a:lnTo>
+                    <a:pt x="360910" y="77574"/>
+                  </a:lnTo>
+                  <a:lnTo>
+                    <a:pt x="387562" y="70951"/>
+                  </a:lnTo>
+                  <a:lnTo>
+                    <a:pt x="412122" y="64110"/>
+                  </a:lnTo>
+                  <a:lnTo>
+                    <a:pt x="434217" y="57156"/>
+                  </a:lnTo>
+                  <a:lnTo>
+                    <a:pt x="453511" y="50193"/>
+                  </a:lnTo>
+                  <a:lnTo>
+                    <a:pt x="469713" y="43328"/>
+                  </a:lnTo>
+                  <a:lnTo>
+                    <a:pt x="482576" y="36664"/>
+                  </a:lnTo>
+                  <a:lnTo>
+                    <a:pt x="491906" y="30303"/>
+                  </a:lnTo>
+                  <a:lnTo>
+                    <a:pt x="497561" y="24340"/>
                   </a:lnTo>
                   <a:close/>
                 </a:path>
@@ -11952,165 +11952,165 @@
           </p:nvSpPr>
           <p:spPr>
             <a:xfrm>
-              <a:off x="2500221" y="3589157"/>
-              <a:ext cx="694904" cy="763359"/>
+              <a:off x="2485250" y="3551235"/>
+              <a:ext cx="690558" cy="821759"/>
             </a:xfrm>
             <a:custGeom>
               <a:avLst/>
               <a:pathLst>
-                <a:path w="694904" h="763359">
+                <a:path w="690558" h="821759">
                   <a:moveTo>
-                    <a:pt x="694904" y="70908"/>
+                    <a:pt x="690558" y="82840"/>
                   </a:moveTo>
                   <a:lnTo>
-                    <a:pt x="692268" y="46023"/>
-                  </a:lnTo>
-                  <a:lnTo>
-                    <a:pt x="684400" y="26230"/>
-                  </a:lnTo>
-                  <a:lnTo>
-                    <a:pt x="671419" y="11831"/>
-                  </a:lnTo>
-                  <a:lnTo>
-                    <a:pt x="653522" y="3043"/>
-                  </a:lnTo>
-                  <a:lnTo>
-                    <a:pt x="630981" y="0"/>
-                  </a:lnTo>
-                  <a:lnTo>
-                    <a:pt x="604136" y="2747"/>
-                  </a:lnTo>
-                  <a:lnTo>
-                    <a:pt x="573396" y="11244"/>
-                  </a:lnTo>
-                  <a:lnTo>
-                    <a:pt x="539225" y="25361"/>
-                  </a:lnTo>
-                  <a:lnTo>
-                    <a:pt x="502142" y="44884"/>
-                  </a:lnTo>
-                  <a:lnTo>
-                    <a:pt x="462709" y="69518"/>
-                  </a:lnTo>
-                  <a:lnTo>
-                    <a:pt x="421524" y="98889"/>
-                  </a:lnTo>
-                  <a:lnTo>
-                    <a:pt x="379211" y="132551"/>
-                  </a:lnTo>
-                  <a:lnTo>
-                    <a:pt x="336412" y="169995"/>
-                  </a:lnTo>
-                  <a:lnTo>
-                    <a:pt x="293775" y="210653"/>
-                  </a:lnTo>
-                  <a:lnTo>
-                    <a:pt x="251947" y="253908"/>
-                  </a:lnTo>
-                  <a:lnTo>
-                    <a:pt x="211561" y="299105"/>
-                  </a:lnTo>
-                  <a:lnTo>
-                    <a:pt x="173231" y="345559"/>
-                  </a:lnTo>
-                  <a:lnTo>
-                    <a:pt x="137536" y="392565"/>
-                  </a:lnTo>
-                  <a:lnTo>
-                    <a:pt x="105019" y="439411"/>
-                  </a:lnTo>
-                  <a:lnTo>
-                    <a:pt x="76172" y="485387"/>
-                  </a:lnTo>
-                  <a:lnTo>
-                    <a:pt x="51432" y="529796"/>
-                  </a:lnTo>
-                  <a:lnTo>
-                    <a:pt x="31174" y="571965"/>
-                  </a:lnTo>
-                  <a:lnTo>
-                    <a:pt x="15706" y="611253"/>
-                  </a:lnTo>
-                  <a:lnTo>
-                    <a:pt x="5262" y="647067"/>
-                  </a:lnTo>
-                  <a:lnTo>
-                    <a:pt x="0" y="678862"/>
-                  </a:lnTo>
-                  <a:lnTo>
-                    <a:pt x="0" y="706158"/>
-                  </a:lnTo>
-                  <a:lnTo>
-                    <a:pt x="5262" y="728539"/>
-                  </a:lnTo>
-                  <a:lnTo>
-                    <a:pt x="15706" y="745668"/>
-                  </a:lnTo>
-                  <a:lnTo>
-                    <a:pt x="31174" y="757284"/>
-                  </a:lnTo>
-                  <a:lnTo>
-                    <a:pt x="51432" y="763210"/>
-                  </a:lnTo>
-                  <a:lnTo>
-                    <a:pt x="76172" y="763359"/>
-                  </a:lnTo>
-                  <a:lnTo>
-                    <a:pt x="105019" y="757726"/>
-                  </a:lnTo>
-                  <a:lnTo>
-                    <a:pt x="137536" y="746397"/>
-                  </a:lnTo>
-                  <a:lnTo>
-                    <a:pt x="173231" y="729545"/>
-                  </a:lnTo>
-                  <a:lnTo>
-                    <a:pt x="211561" y="707425"/>
-                  </a:lnTo>
-                  <a:lnTo>
-                    <a:pt x="251947" y="680371"/>
-                  </a:lnTo>
-                  <a:lnTo>
-                    <a:pt x="293775" y="648795"/>
-                  </a:lnTo>
-                  <a:lnTo>
-                    <a:pt x="336412" y="613174"/>
-                  </a:lnTo>
-                  <a:lnTo>
-                    <a:pt x="379211" y="574049"/>
-                  </a:lnTo>
-                  <a:lnTo>
-                    <a:pt x="421524" y="532012"/>
-                  </a:lnTo>
-                  <a:lnTo>
-                    <a:pt x="462709" y="487702"/>
-                  </a:lnTo>
-                  <a:lnTo>
-                    <a:pt x="502142" y="441790"/>
-                  </a:lnTo>
-                  <a:lnTo>
-                    <a:pt x="539225" y="394971"/>
-                  </a:lnTo>
-                  <a:lnTo>
-                    <a:pt x="573396" y="347956"/>
-                  </a:lnTo>
-                  <a:lnTo>
-                    <a:pt x="604136" y="301456"/>
-                  </a:lnTo>
-                  <a:lnTo>
-                    <a:pt x="630981" y="256178"/>
-                  </a:lnTo>
-                  <a:lnTo>
-                    <a:pt x="653522" y="212807"/>
-                  </a:lnTo>
-                  <a:lnTo>
-                    <a:pt x="671419" y="172001"/>
-                  </a:lnTo>
-                  <a:lnTo>
-                    <a:pt x="684400" y="134379"/>
-                  </a:lnTo>
-                  <a:lnTo>
-                    <a:pt x="692268" y="100510"/>
+                    <a:pt x="687938" y="54882"/>
+                  </a:lnTo>
+                  <a:lnTo>
+                    <a:pt x="680120" y="32322"/>
+                  </a:lnTo>
+                  <a:lnTo>
+                    <a:pt x="667220" y="15499"/>
+                  </a:lnTo>
+                  <a:lnTo>
+                    <a:pt x="649435" y="4671"/>
+                  </a:lnTo>
+                  <a:lnTo>
+                    <a:pt x="627034" y="0"/>
+                  </a:lnTo>
+                  <a:lnTo>
+                    <a:pt x="600358" y="1557"/>
+                  </a:lnTo>
+                  <a:lnTo>
+                    <a:pt x="569809" y="9319"/>
+                  </a:lnTo>
+                  <a:lnTo>
+                    <a:pt x="535852" y="23169"/>
+                  </a:lnTo>
+                  <a:lnTo>
+                    <a:pt x="499001" y="42896"/>
+                  </a:lnTo>
+                  <a:lnTo>
+                    <a:pt x="459815" y="68201"/>
+                  </a:lnTo>
+                  <a:lnTo>
+                    <a:pt x="418888" y="98701"/>
+                  </a:lnTo>
+                  <a:lnTo>
+                    <a:pt x="376840" y="133933"/>
+                  </a:lnTo>
+                  <a:lnTo>
+                    <a:pt x="334308" y="173363"/>
+                  </a:lnTo>
+                  <a:lnTo>
+                    <a:pt x="291938" y="216394"/>
+                  </a:lnTo>
+                  <a:lnTo>
+                    <a:pt x="250371" y="262373"/>
+                  </a:lnTo>
+                  <a:lnTo>
+                    <a:pt x="210238" y="310603"/>
+                  </a:lnTo>
+                  <a:lnTo>
+                    <a:pt x="172147" y="360354"/>
+                  </a:lnTo>
+                  <a:lnTo>
+                    <a:pt x="136676" y="410870"/>
+                  </a:lnTo>
+                  <a:lnTo>
+                    <a:pt x="104362" y="461386"/>
+                  </a:lnTo>
+                  <a:lnTo>
+                    <a:pt x="75695" y="511137"/>
+                  </a:lnTo>
+                  <a:lnTo>
+                    <a:pt x="51110" y="559368"/>
+                  </a:lnTo>
+                  <a:lnTo>
+                    <a:pt x="30979" y="605348"/>
+                  </a:lnTo>
+                  <a:lnTo>
+                    <a:pt x="15608" y="648380"/>
+                  </a:lnTo>
+                  <a:lnTo>
+                    <a:pt x="5229" y="687812"/>
+                  </a:lnTo>
+                  <a:lnTo>
+                    <a:pt x="0" y="723045"/>
+                  </a:lnTo>
+                  <a:lnTo>
+                    <a:pt x="0" y="753547"/>
+                  </a:lnTo>
+                  <a:lnTo>
+                    <a:pt x="5229" y="778854"/>
+                  </a:lnTo>
+                  <a:lnTo>
+                    <a:pt x="15608" y="798583"/>
+                  </a:lnTo>
+                  <a:lnTo>
+                    <a:pt x="30979" y="812435"/>
+                  </a:lnTo>
+                  <a:lnTo>
+                    <a:pt x="51110" y="820199"/>
+                  </a:lnTo>
+                  <a:lnTo>
+                    <a:pt x="75695" y="821759"/>
+                  </a:lnTo>
+                  <a:lnTo>
+                    <a:pt x="104362" y="817090"/>
+                  </a:lnTo>
+                  <a:lnTo>
+                    <a:pt x="136676" y="806264"/>
+                  </a:lnTo>
+                  <a:lnTo>
+                    <a:pt x="172147" y="789443"/>
+                  </a:lnTo>
+                  <a:lnTo>
+                    <a:pt x="210238" y="766885"/>
+                  </a:lnTo>
+                  <a:lnTo>
+                    <a:pt x="250371" y="738929"/>
+                  </a:lnTo>
+                  <a:lnTo>
+                    <a:pt x="291938" y="706001"/>
+                  </a:lnTo>
+                  <a:lnTo>
+                    <a:pt x="334308" y="668599"/>
+                  </a:lnTo>
+                  <a:lnTo>
+                    <a:pt x="376840" y="627290"/>
+                  </a:lnTo>
+                  <a:lnTo>
+                    <a:pt x="418888" y="582700"/>
+                  </a:lnTo>
+                  <a:lnTo>
+                    <a:pt x="459815" y="535506"/>
+                  </a:lnTo>
+                  <a:lnTo>
+                    <a:pt x="499001" y="486423"/>
+                  </a:lnTo>
+                  <a:lnTo>
+                    <a:pt x="535852" y="436194"/>
+                  </a:lnTo>
+                  <a:lnTo>
+                    <a:pt x="569809" y="385582"/>
+                  </a:lnTo>
+                  <a:lnTo>
+                    <a:pt x="600358" y="335353"/>
+                  </a:lnTo>
+                  <a:lnTo>
+                    <a:pt x="627034" y="286269"/>
+                  </a:lnTo>
+                  <a:lnTo>
+                    <a:pt x="649435" y="239074"/>
+                  </a:lnTo>
+                  <a:lnTo>
+                    <a:pt x="667220" y="194484"/>
+                  </a:lnTo>
+                  <a:lnTo>
+                    <a:pt x="680120" y="153173"/>
+                  </a:lnTo>
+                  <a:lnTo>
+                    <a:pt x="687938" y="115770"/>
                   </a:lnTo>
                   <a:close/>
                 </a:path>
@@ -15268,18 +15268,18 @@
           </p:nvSpPr>
           <p:spPr>
             <a:xfrm>
-              <a:off x="6464184" y="4022622"/>
-              <a:ext cx="309041" cy="107576"/>
+              <a:off x="6464194" y="4023944"/>
+              <a:ext cx="309006" cy="106297"/>
             </a:xfrm>
             <a:custGeom>
               <a:avLst/>
               <a:pathLst>
-                <a:path w="309041" h="107576">
+                <a:path w="309006" h="106297">
                   <a:moveTo>
-                    <a:pt x="309041" y="0"/>
+                    <a:pt x="309006" y="0"/>
                   </a:moveTo>
                   <a:lnTo>
-                    <a:pt x="0" y="107576"/>
+                    <a:pt x="0" y="106297"/>
                   </a:lnTo>
                 </a:path>
               </a:pathLst>
@@ -15299,7 +15299,7 @@
           </p:nvSpPr>
           <p:spPr>
             <a:xfrm>
-              <a:off x="5565002" y="5232851"/>
+              <a:off x="5565845" y="5232601"/>
               <a:ext cx="488087" cy="99300"/>
             </a:xfrm>
             <a:prstGeom prst="rect">
@@ -15345,7 +15345,7 @@
           </p:nvSpPr>
           <p:spPr>
             <a:xfrm>
-              <a:off x="6088769" y="4559201"/>
+              <a:off x="6083942" y="4559382"/>
               <a:ext cx="488087" cy="99300"/>
             </a:xfrm>
             <a:prstGeom prst="rect">
@@ -15391,7 +15391,7 @@
           </p:nvSpPr>
           <p:spPr>
             <a:xfrm>
-              <a:off x="7321368" y="3648547"/>
+              <a:off x="7321538" y="3648694"/>
               <a:ext cx="488087" cy="99300"/>
             </a:xfrm>
             <a:prstGeom prst="rect">
@@ -15437,7 +15437,7 @@
           </p:nvSpPr>
           <p:spPr>
             <a:xfrm>
-              <a:off x="6741899" y="3791050"/>
+              <a:off x="6740891" y="3791387"/>
               <a:ext cx="488087" cy="99300"/>
             </a:xfrm>
             <a:prstGeom prst="rect">
@@ -15483,7 +15483,7 @@
           </p:nvSpPr>
           <p:spPr>
             <a:xfrm>
-              <a:off x="6488778" y="4390492"/>
+              <a:off x="6470444" y="4390638"/>
               <a:ext cx="488087" cy="98983"/>
             </a:xfrm>
             <a:prstGeom prst="rect">
@@ -15529,7 +15529,7 @@
           </p:nvSpPr>
           <p:spPr>
             <a:xfrm>
-              <a:off x="5351700" y="4706161"/>
+              <a:off x="5352043" y="4705688"/>
               <a:ext cx="488087" cy="98983"/>
             </a:xfrm>
             <a:prstGeom prst="rect">
@@ -15575,7 +15575,7 @@
           </p:nvSpPr>
           <p:spPr>
             <a:xfrm>
-              <a:off x="6505647" y="3621152"/>
+              <a:off x="6505459" y="3621815"/>
               <a:ext cx="488087" cy="99300"/>
             </a:xfrm>
             <a:prstGeom prst="rect">
@@ -15621,7 +15621,7 @@
           </p:nvSpPr>
           <p:spPr>
             <a:xfrm>
-              <a:off x="6032115" y="4221643"/>
+              <a:off x="6031190" y="4221190"/>
               <a:ext cx="488087" cy="99300"/>
             </a:xfrm>
             <a:prstGeom prst="rect">
@@ -15667,7 +15667,7 @@
           </p:nvSpPr>
           <p:spPr>
             <a:xfrm>
-              <a:off x="6278173" y="3218880"/>
+              <a:off x="6279440" y="3218101"/>
               <a:ext cx="548376" cy="99300"/>
             </a:xfrm>
             <a:prstGeom prst="rect">
@@ -15713,7 +15713,7 @@
           </p:nvSpPr>
           <p:spPr>
             <a:xfrm>
-              <a:off x="7766682" y="2591970"/>
+              <a:off x="7766648" y="2592530"/>
               <a:ext cx="548376" cy="99300"/>
             </a:xfrm>
             <a:prstGeom prst="rect">
@@ -15759,7 +15759,7 @@
           </p:nvSpPr>
           <p:spPr>
             <a:xfrm>
-              <a:off x="5332276" y="4942468"/>
+              <a:off x="5331449" y="4942689"/>
               <a:ext cx="548376" cy="99300"/>
             </a:xfrm>
             <a:prstGeom prst="rect">
@@ -15805,7 +15805,7 @@
           </p:nvSpPr>
           <p:spPr>
             <a:xfrm>
-              <a:off x="5865583" y="3585913"/>
+              <a:off x="5865819" y="3585967"/>
               <a:ext cx="548376" cy="99300"/>
             </a:xfrm>
             <a:prstGeom prst="rect">
@@ -15851,7 +15851,7 @@
           </p:nvSpPr>
           <p:spPr>
             <a:xfrm>
-              <a:off x="5588974" y="4390206"/>
+              <a:off x="5588734" y="4390289"/>
               <a:ext cx="548376" cy="99300"/>
             </a:xfrm>
             <a:prstGeom prst="rect">
@@ -15897,7 +15897,7 @@
           </p:nvSpPr>
           <p:spPr>
             <a:xfrm>
-              <a:off x="6158271" y="4097250"/>
+              <a:off x="6158524" y="4097727"/>
               <a:ext cx="548376" cy="99300"/>
             </a:xfrm>
             <a:prstGeom prst="rect">
@@ -15943,7 +15943,7 @@
           </p:nvSpPr>
           <p:spPr>
             <a:xfrm>
-              <a:off x="6042377" y="3387325"/>
+              <a:off x="6042978" y="3388402"/>
               <a:ext cx="548376" cy="99300"/>
             </a:xfrm>
             <a:prstGeom prst="rect">
@@ -15989,7 +15989,7 @@
           </p:nvSpPr>
           <p:spPr>
             <a:xfrm>
-              <a:off x="7090483" y="2771693"/>
+              <a:off x="7090580" y="2772117"/>
               <a:ext cx="548376" cy="99300"/>
             </a:xfrm>
             <a:prstGeom prst="rect">
@@ -16035,7 +16035,7 @@
           </p:nvSpPr>
           <p:spPr>
             <a:xfrm>
-              <a:off x="6877424" y="4220696"/>
+              <a:off x="6877945" y="4220908"/>
               <a:ext cx="548376" cy="99300"/>
             </a:xfrm>
             <a:prstGeom prst="rect">
@@ -16081,7 +16081,7 @@
           </p:nvSpPr>
           <p:spPr>
             <a:xfrm>
-              <a:off x="6917570" y="3171515"/>
+              <a:off x="6919251" y="3171778"/>
               <a:ext cx="548376" cy="99300"/>
             </a:xfrm>
             <a:prstGeom prst="rect">
@@ -16127,7 +16127,7 @@
           </p:nvSpPr>
           <p:spPr>
             <a:xfrm>
-              <a:off x="6796085" y="3960150"/>
+              <a:off x="6796060" y="3961501"/>
               <a:ext cx="548376" cy="99300"/>
             </a:xfrm>
             <a:prstGeom prst="rect">
@@ -16173,7 +16173,7 @@
           </p:nvSpPr>
           <p:spPr>
             <a:xfrm>
-              <a:off x="5972155" y="5019345"/>
+              <a:off x="5970995" y="5019117"/>
               <a:ext cx="548376" cy="99300"/>
             </a:xfrm>
             <a:prstGeom prst="rect">
@@ -16219,7 +16219,7 @@
           </p:nvSpPr>
           <p:spPr>
             <a:xfrm>
-              <a:off x="6079040" y="3801810"/>
+              <a:off x="6078445" y="3800924"/>
               <a:ext cx="548376" cy="99300"/>
             </a:xfrm>
             <a:prstGeom prst="rect">
@@ -16265,7 +16265,7 @@
           </p:nvSpPr>
           <p:spPr>
             <a:xfrm>
-              <a:off x="7221491" y="2285141"/>
+              <a:off x="7220988" y="2284950"/>
               <a:ext cx="548376" cy="99300"/>
             </a:xfrm>
             <a:prstGeom prst="rect">
@@ -16311,7 +16311,7 @@
           </p:nvSpPr>
           <p:spPr>
             <a:xfrm>
-              <a:off x="7556648" y="3018426"/>
+              <a:off x="7559708" y="3018776"/>
               <a:ext cx="548376" cy="99300"/>
             </a:xfrm>
             <a:prstGeom prst="rect">
@@ -16357,7 +16357,7 @@
           </p:nvSpPr>
           <p:spPr>
             <a:xfrm>
-              <a:off x="5759385" y="4390857"/>
+              <a:off x="5533013" y="4663978"/>
               <a:ext cx="1108187" cy="201459"/>
             </a:xfrm>
             <a:prstGeom prst="rect">
@@ -16403,7 +16403,7 @@
           </p:nvSpPr>
           <p:spPr>
             <a:xfrm>
-              <a:off x="6239751" y="3643793"/>
+              <a:off x="6012774" y="3917186"/>
               <a:ext cx="1108187" cy="201459"/>
             </a:xfrm>
             <a:prstGeom prst="rect">
@@ -16449,7 +16449,7 @@
           </p:nvSpPr>
           <p:spPr>
             <a:xfrm>
-              <a:off x="6447769" y="3333963"/>
+              <a:off x="6448570" y="3333569"/>
               <a:ext cx="1108187" cy="201459"/>
             </a:xfrm>
             <a:prstGeom prst="rect">
@@ -16495,7 +16495,7 @@
           </p:nvSpPr>
           <p:spPr>
             <a:xfrm>
-              <a:off x="7019508" y="2637896"/>
+              <a:off x="6792570" y="2911274"/>
               <a:ext cx="1108187" cy="201459"/>
             </a:xfrm>
             <a:prstGeom prst="rect">
@@ -16541,165 +16541,165 @@
           </p:nvSpPr>
           <p:spPr>
             <a:xfrm>
-              <a:off x="5919296" y="4313841"/>
-              <a:ext cx="549827" cy="669173"/>
+              <a:off x="5959829" y="4362493"/>
+              <a:ext cx="493107" cy="557838"/>
             </a:xfrm>
             <a:custGeom>
               <a:avLst/>
               <a:pathLst>
-                <a:path w="549827" h="669173">
+                <a:path w="493107" h="557838">
                   <a:moveTo>
-                    <a:pt x="549827" y="52063"/>
+                    <a:pt x="493107" y="72622"/>
                   </a:moveTo>
                   <a:lnTo>
-                    <a:pt x="547741" y="32092"/>
-                  </a:lnTo>
-                  <a:lnTo>
-                    <a:pt x="541515" y="16703"/>
-                  </a:lnTo>
-                  <a:lnTo>
-                    <a:pt x="531245" y="6131"/>
-                  </a:lnTo>
-                  <a:lnTo>
-                    <a:pt x="517084" y="535"/>
-                  </a:lnTo>
-                  <a:lnTo>
-                    <a:pt x="499249" y="0"/>
-                  </a:lnTo>
-                  <a:lnTo>
-                    <a:pt x="478008" y="4534"/>
-                  </a:lnTo>
-                  <a:lnTo>
-                    <a:pt x="453686" y="14068"/>
-                  </a:lnTo>
-                  <a:lnTo>
-                    <a:pt x="426649" y="28459"/>
-                  </a:lnTo>
-                  <a:lnTo>
-                    <a:pt x="397308" y="47487"/>
-                  </a:lnTo>
-                  <a:lnTo>
-                    <a:pt x="366108" y="70865"/>
-                  </a:lnTo>
-                  <a:lnTo>
-                    <a:pt x="333521" y="98237"/>
-                  </a:lnTo>
-                  <a:lnTo>
-                    <a:pt x="300042" y="129190"/>
-                  </a:lnTo>
-                  <a:lnTo>
-                    <a:pt x="266178" y="163253"/>
-                  </a:lnTo>
-                  <a:lnTo>
-                    <a:pt x="232443" y="199911"/>
-                  </a:lnTo>
-                  <a:lnTo>
-                    <a:pt x="199347" y="238608"/>
-                  </a:lnTo>
-                  <a:lnTo>
-                    <a:pt x="167393" y="278757"/>
-                  </a:lnTo>
-                  <a:lnTo>
-                    <a:pt x="137065" y="319749"/>
-                  </a:lnTo>
-                  <a:lnTo>
-                    <a:pt x="108822" y="360964"/>
-                  </a:lnTo>
-                  <a:lnTo>
-                    <a:pt x="83094" y="401775"/>
-                  </a:lnTo>
-                  <a:lnTo>
-                    <a:pt x="60269" y="441566"/>
-                  </a:lnTo>
-                  <a:lnTo>
-                    <a:pt x="40694" y="479732"/>
-                  </a:lnTo>
-                  <a:lnTo>
-                    <a:pt x="24666" y="515695"/>
-                  </a:lnTo>
-                  <a:lnTo>
-                    <a:pt x="12427" y="548910"/>
-                  </a:lnTo>
-                  <a:lnTo>
-                    <a:pt x="4163" y="578873"/>
-                  </a:lnTo>
-                  <a:lnTo>
-                    <a:pt x="0" y="605130"/>
-                  </a:lnTo>
-                  <a:lnTo>
-                    <a:pt x="0" y="627283"/>
-                  </a:lnTo>
-                  <a:lnTo>
-                    <a:pt x="4163" y="644997"/>
-                  </a:lnTo>
-                  <a:lnTo>
-                    <a:pt x="12427" y="658002"/>
-                  </a:lnTo>
-                  <a:lnTo>
-                    <a:pt x="24666" y="666102"/>
-                  </a:lnTo>
-                  <a:lnTo>
-                    <a:pt x="40694" y="669173"/>
-                  </a:lnTo>
-                  <a:lnTo>
-                    <a:pt x="60269" y="667170"/>
-                  </a:lnTo>
-                  <a:lnTo>
-                    <a:pt x="83094" y="660122"/>
-                  </a:lnTo>
-                  <a:lnTo>
-                    <a:pt x="108822" y="648137"/>
-                  </a:lnTo>
-                  <a:lnTo>
-                    <a:pt x="137065" y="631396"/>
-                  </a:lnTo>
-                  <a:lnTo>
-                    <a:pt x="167393" y="610153"/>
-                  </a:lnTo>
-                  <a:lnTo>
-                    <a:pt x="199347" y="584729"/>
-                  </a:lnTo>
-                  <a:lnTo>
-                    <a:pt x="232443" y="555511"/>
-                  </a:lnTo>
-                  <a:lnTo>
-                    <a:pt x="266178" y="522942"/>
-                  </a:lnTo>
-                  <a:lnTo>
-                    <a:pt x="300042" y="487514"/>
-                  </a:lnTo>
-                  <a:lnTo>
-                    <a:pt x="333521" y="449765"/>
-                  </a:lnTo>
-                  <a:lnTo>
-                    <a:pt x="366108" y="410267"/>
-                  </a:lnTo>
-                  <a:lnTo>
-                    <a:pt x="397308" y="369619"/>
-                  </a:lnTo>
-                  <a:lnTo>
-                    <a:pt x="426649" y="328438"/>
-                  </a:lnTo>
-                  <a:lnTo>
-                    <a:pt x="453686" y="287347"/>
-                  </a:lnTo>
-                  <a:lnTo>
-                    <a:pt x="478008" y="246969"/>
-                  </a:lnTo>
-                  <a:lnTo>
-                    <a:pt x="499249" y="207917"/>
-                  </a:lnTo>
-                  <a:lnTo>
-                    <a:pt x="517084" y="170782"/>
-                  </a:lnTo>
-                  <a:lnTo>
-                    <a:pt x="531245" y="136127"/>
-                  </a:lnTo>
-                  <a:lnTo>
-                    <a:pt x="541515" y="104478"/>
-                  </a:lnTo>
-                  <a:lnTo>
-                    <a:pt x="547741" y="76314"/>
+                    <a:pt x="491236" y="51107"/>
+                  </a:lnTo>
+                  <a:lnTo>
+                    <a:pt x="485653" y="33050"/>
+                  </a:lnTo>
+                  <a:lnTo>
+                    <a:pt x="476442" y="18723"/>
+                  </a:lnTo>
+                  <a:lnTo>
+                    <a:pt x="463742" y="8345"/>
+                  </a:lnTo>
+                  <a:lnTo>
+                    <a:pt x="447746" y="2072"/>
+                  </a:lnTo>
+                  <a:lnTo>
+                    <a:pt x="428697" y="0"/>
+                  </a:lnTo>
+                  <a:lnTo>
+                    <a:pt x="406884" y="2159"/>
+                  </a:lnTo>
+                  <a:lnTo>
+                    <a:pt x="382636" y="8518"/>
+                  </a:lnTo>
+                  <a:lnTo>
+                    <a:pt x="356322" y="18980"/>
+                  </a:lnTo>
+                  <a:lnTo>
+                    <a:pt x="328340" y="33386"/>
+                  </a:lnTo>
+                  <a:lnTo>
+                    <a:pt x="299115" y="51517"/>
+                  </a:lnTo>
+                  <a:lnTo>
+                    <a:pt x="269090" y="73100"/>
+                  </a:lnTo>
+                  <a:lnTo>
+                    <a:pt x="238719" y="97807"/>
+                  </a:lnTo>
+                  <a:lnTo>
+                    <a:pt x="208464" y="125263"/>
+                  </a:lnTo>
+                  <a:lnTo>
+                    <a:pt x="178782" y="155052"/>
+                  </a:lnTo>
+                  <a:lnTo>
+                    <a:pt x="150125" y="186723"/>
+                  </a:lnTo>
+                  <a:lnTo>
+                    <a:pt x="122925" y="219795"/>
+                  </a:lnTo>
+                  <a:lnTo>
+                    <a:pt x="97596" y="253767"/>
+                  </a:lnTo>
+                  <a:lnTo>
+                    <a:pt x="74522" y="288124"/>
+                  </a:lnTo>
+                  <a:lnTo>
+                    <a:pt x="54052" y="322346"/>
+                  </a:lnTo>
+                  <a:lnTo>
+                    <a:pt x="36496" y="355913"/>
+                  </a:lnTo>
+                  <a:lnTo>
+                    <a:pt x="22121" y="388317"/>
+                  </a:lnTo>
+                  <a:lnTo>
+                    <a:pt x="11145" y="419066"/>
+                  </a:lnTo>
+                  <a:lnTo>
+                    <a:pt x="3733" y="447695"/>
+                  </a:lnTo>
+                  <a:lnTo>
+                    <a:pt x="0" y="473769"/>
+                  </a:lnTo>
+                  <a:lnTo>
+                    <a:pt x="0" y="496893"/>
+                  </a:lnTo>
+                  <a:lnTo>
+                    <a:pt x="3733" y="516717"/>
+                  </a:lnTo>
+                  <a:lnTo>
+                    <a:pt x="11145" y="532940"/>
+                  </a:lnTo>
+                  <a:lnTo>
+                    <a:pt x="22121" y="545316"/>
+                  </a:lnTo>
+                  <a:lnTo>
+                    <a:pt x="36496" y="553657"/>
+                  </a:lnTo>
+                  <a:lnTo>
+                    <a:pt x="54052" y="557838"/>
+                  </a:lnTo>
+                  <a:lnTo>
+                    <a:pt x="74522" y="557794"/>
+                  </a:lnTo>
+                  <a:lnTo>
+                    <a:pt x="97596" y="553527"/>
+                  </a:lnTo>
+                  <a:lnTo>
+                    <a:pt x="122925" y="545101"/>
+                  </a:lnTo>
+                  <a:lnTo>
+                    <a:pt x="150125" y="532643"/>
+                  </a:lnTo>
+                  <a:lnTo>
+                    <a:pt x="178782" y="516344"/>
+                  </a:lnTo>
+                  <a:lnTo>
+                    <a:pt x="208464" y="496449"/>
+                  </a:lnTo>
+                  <a:lnTo>
+                    <a:pt x="238719" y="473260"/>
+                  </a:lnTo>
+                  <a:lnTo>
+                    <a:pt x="269090" y="447129"/>
+                  </a:lnTo>
+                  <a:lnTo>
+                    <a:pt x="299115" y="418452"/>
+                  </a:lnTo>
+                  <a:lnTo>
+                    <a:pt x="328340" y="387664"/>
+                  </a:lnTo>
+                  <a:lnTo>
+                    <a:pt x="356322" y="355231"/>
+                  </a:lnTo>
+                  <a:lnTo>
+                    <a:pt x="382636" y="321645"/>
+                  </a:lnTo>
+                  <a:lnTo>
+                    <a:pt x="406884" y="287415"/>
+                  </a:lnTo>
+                  <a:lnTo>
+                    <a:pt x="428697" y="253060"/>
+                  </a:lnTo>
+                  <a:lnTo>
+                    <a:pt x="447746" y="219102"/>
+                  </a:lnTo>
+                  <a:lnTo>
+                    <a:pt x="463742" y="186053"/>
+                  </a:lnTo>
+                  <a:lnTo>
+                    <a:pt x="476442" y="154417"/>
+                  </a:lnTo>
+                  <a:lnTo>
+                    <a:pt x="485653" y="124671"/>
+                  </a:lnTo>
+                  <a:lnTo>
+                    <a:pt x="491236" y="97268"/>
                   </a:lnTo>
                   <a:close/>
                 </a:path>
@@ -16734,165 +16734,165 @@
           </p:nvSpPr>
           <p:spPr>
             <a:xfrm>
-              <a:off x="6320398" y="3598426"/>
-              <a:ext cx="721904" cy="641475"/>
+              <a:off x="6360338" y="3606661"/>
+              <a:ext cx="638511" cy="615385"/>
             </a:xfrm>
             <a:custGeom>
               <a:avLst/>
               <a:pathLst>
-                <a:path w="721904" h="641475">
+                <a:path w="638511" h="615385">
                   <a:moveTo>
-                    <a:pt x="721904" y="29721"/>
+                    <a:pt x="638511" y="51787"/>
                   </a:moveTo>
                   <a:lnTo>
-                    <a:pt x="719165" y="15218"/>
-                  </a:lnTo>
-                  <a:lnTo>
-                    <a:pt x="710991" y="5342"/>
-                  </a:lnTo>
-                  <a:lnTo>
-                    <a:pt x="697506" y="243"/>
-                  </a:lnTo>
-                  <a:lnTo>
-                    <a:pt x="678914" y="0"/>
-                  </a:lnTo>
-                  <a:lnTo>
-                    <a:pt x="655496" y="4614"/>
-                  </a:lnTo>
-                  <a:lnTo>
-                    <a:pt x="627609" y="14017"/>
-                  </a:lnTo>
-                  <a:lnTo>
-                    <a:pt x="595674" y="28066"/>
-                  </a:lnTo>
-                  <a:lnTo>
-                    <a:pt x="560175" y="46548"/>
-                  </a:lnTo>
-                  <a:lnTo>
-                    <a:pt x="521652" y="69182"/>
-                  </a:lnTo>
-                  <a:lnTo>
-                    <a:pt x="480687" y="95626"/>
-                  </a:lnTo>
-                  <a:lnTo>
-                    <a:pt x="437902" y="125479"/>
-                  </a:lnTo>
-                  <a:lnTo>
-                    <a:pt x="393945" y="158288"/>
-                  </a:lnTo>
-                  <a:lnTo>
-                    <a:pt x="349483" y="193556"/>
-                  </a:lnTo>
-                  <a:lnTo>
-                    <a:pt x="305189" y="230748"/>
-                  </a:lnTo>
-                  <a:lnTo>
-                    <a:pt x="261736" y="269301"/>
-                  </a:lnTo>
-                  <a:lnTo>
-                    <a:pt x="219781" y="308630"/>
-                  </a:lnTo>
-                  <a:lnTo>
-                    <a:pt x="179962" y="348138"/>
-                  </a:lnTo>
-                  <a:lnTo>
-                    <a:pt x="142880" y="387228"/>
-                  </a:lnTo>
-                  <a:lnTo>
-                    <a:pt x="109099" y="425306"/>
-                  </a:lnTo>
-                  <a:lnTo>
-                    <a:pt x="79131" y="461795"/>
-                  </a:lnTo>
-                  <a:lnTo>
-                    <a:pt x="53430" y="496142"/>
-                  </a:lnTo>
-                  <a:lnTo>
-                    <a:pt x="32385" y="527826"/>
-                  </a:lnTo>
-                  <a:lnTo>
-                    <a:pt x="16316" y="556368"/>
-                  </a:lnTo>
-                  <a:lnTo>
-                    <a:pt x="5466" y="581334"/>
-                  </a:lnTo>
-                  <a:lnTo>
-                    <a:pt x="0" y="602345"/>
-                  </a:lnTo>
-                  <a:lnTo>
-                    <a:pt x="0" y="619085"/>
-                  </a:lnTo>
-                  <a:lnTo>
-                    <a:pt x="5466" y="631298"/>
-                  </a:lnTo>
-                  <a:lnTo>
-                    <a:pt x="16316" y="638799"/>
-                  </a:lnTo>
-                  <a:lnTo>
-                    <a:pt x="32385" y="641475"/>
-                  </a:lnTo>
-                  <a:lnTo>
-                    <a:pt x="53430" y="639286"/>
-                  </a:lnTo>
-                  <a:lnTo>
-                    <a:pt x="79131" y="632264"/>
-                  </a:lnTo>
-                  <a:lnTo>
-                    <a:pt x="109099" y="620516"/>
-                  </a:lnTo>
-                  <a:lnTo>
-                    <a:pt x="142880" y="604219"/>
-                  </a:lnTo>
-                  <a:lnTo>
-                    <a:pt x="179962" y="583622"/>
-                  </a:lnTo>
-                  <a:lnTo>
-                    <a:pt x="219781" y="559036"/>
-                  </a:lnTo>
-                  <a:lnTo>
-                    <a:pt x="261736" y="530834"/>
-                  </a:lnTo>
-                  <a:lnTo>
-                    <a:pt x="305189" y="499444"/>
-                  </a:lnTo>
-                  <a:lnTo>
-                    <a:pt x="349483" y="465340"/>
-                  </a:lnTo>
-                  <a:lnTo>
-                    <a:pt x="393945" y="429041"/>
-                  </a:lnTo>
-                  <a:lnTo>
-                    <a:pt x="437902" y="391097"/>
-                  </a:lnTo>
-                  <a:lnTo>
-                    <a:pt x="480687" y="352082"/>
-                  </a:lnTo>
-                  <a:lnTo>
-                    <a:pt x="521652" y="312589"/>
-                  </a:lnTo>
-                  <a:lnTo>
-                    <a:pt x="560175" y="273215"/>
-                  </a:lnTo>
-                  <a:lnTo>
-                    <a:pt x="595674" y="234558"/>
-                  </a:lnTo>
-                  <a:lnTo>
-                    <a:pt x="627609" y="197204"/>
-                  </a:lnTo>
-                  <a:lnTo>
-                    <a:pt x="655496" y="161718"/>
-                  </a:lnTo>
-                  <a:lnTo>
-                    <a:pt x="678914" y="128640"/>
-                  </a:lnTo>
-                  <a:lnTo>
-                    <a:pt x="697506" y="98470"/>
-                  </a:lnTo>
-                  <a:lnTo>
-                    <a:pt x="710991" y="71665"/>
-                  </a:lnTo>
-                  <a:lnTo>
-                    <a:pt x="719165" y="48633"/>
+                    <a:pt x="636089" y="32707"/>
+                  </a:lnTo>
+                  <a:lnTo>
+                    <a:pt x="628860" y="17795"/>
+                  </a:lnTo>
+                  <a:lnTo>
+                    <a:pt x="616932" y="7278"/>
+                  </a:lnTo>
+                  <a:lnTo>
+                    <a:pt x="600488" y="1317"/>
+                  </a:lnTo>
+                  <a:lnTo>
+                    <a:pt x="579775" y="0"/>
+                  </a:lnTo>
+                  <a:lnTo>
+                    <a:pt x="555109" y="3347"/>
+                  </a:lnTo>
+                  <a:lnTo>
+                    <a:pt x="526863" y="11309"/>
+                  </a:lnTo>
+                  <a:lnTo>
+                    <a:pt x="495465" y="23765"/>
+                  </a:lnTo>
+                  <a:lnTo>
+                    <a:pt x="461392" y="40525"/>
+                  </a:lnTo>
+                  <a:lnTo>
+                    <a:pt x="425159" y="61335"/>
+                  </a:lnTo>
+                  <a:lnTo>
+                    <a:pt x="387317" y="85881"/>
+                  </a:lnTo>
+                  <a:lnTo>
+                    <a:pt x="348437" y="113790"/>
+                  </a:lnTo>
+                  <a:lnTo>
+                    <a:pt x="309111" y="144638"/>
+                  </a:lnTo>
+                  <a:lnTo>
+                    <a:pt x="269935" y="177959"/>
+                  </a:lnTo>
+                  <a:lnTo>
+                    <a:pt x="231501" y="213247"/>
+                  </a:lnTo>
+                  <a:lnTo>
+                    <a:pt x="194393" y="249968"/>
+                  </a:lnTo>
+                  <a:lnTo>
+                    <a:pt x="159173" y="287564"/>
+                  </a:lnTo>
+                  <a:lnTo>
+                    <a:pt x="126375" y="325465"/>
+                  </a:lnTo>
+                  <a:lnTo>
+                    <a:pt x="96497" y="363098"/>
+                  </a:lnTo>
+                  <a:lnTo>
+                    <a:pt x="69990" y="399892"/>
+                  </a:lnTo>
+                  <a:lnTo>
+                    <a:pt x="47258" y="435288"/>
+                  </a:lnTo>
+                  <a:lnTo>
+                    <a:pt x="28644" y="468751"/>
+                  </a:lnTo>
+                  <a:lnTo>
+                    <a:pt x="14431" y="499773"/>
+                  </a:lnTo>
+                  <a:lnTo>
+                    <a:pt x="4834" y="527883"/>
+                  </a:lnTo>
+                  <a:lnTo>
+                    <a:pt x="0" y="552657"/>
+                  </a:lnTo>
+                  <a:lnTo>
+                    <a:pt x="0" y="573717"/>
+                  </a:lnTo>
+                  <a:lnTo>
+                    <a:pt x="4834" y="590746"/>
+                  </a:lnTo>
+                  <a:lnTo>
+                    <a:pt x="14431" y="603484"/>
+                  </a:lnTo>
+                  <a:lnTo>
+                    <a:pt x="28644" y="611739"/>
+                  </a:lnTo>
+                  <a:lnTo>
+                    <a:pt x="47258" y="615385"/>
+                  </a:lnTo>
+                  <a:lnTo>
+                    <a:pt x="69990" y="614368"/>
+                  </a:lnTo>
+                  <a:lnTo>
+                    <a:pt x="96497" y="608702"/>
+                  </a:lnTo>
+                  <a:lnTo>
+                    <a:pt x="126375" y="598474"/>
+                  </a:lnTo>
+                  <a:lnTo>
+                    <a:pt x="159173" y="583839"/>
+                  </a:lnTo>
+                  <a:lnTo>
+                    <a:pt x="194393" y="565018"/>
+                  </a:lnTo>
+                  <a:lnTo>
+                    <a:pt x="231501" y="542296"/>
+                  </a:lnTo>
+                  <a:lnTo>
+                    <a:pt x="269935" y="516019"/>
+                  </a:lnTo>
+                  <a:lnTo>
+                    <a:pt x="309111" y="486585"/>
+                  </a:lnTo>
+                  <a:lnTo>
+                    <a:pt x="348437" y="454439"/>
+                  </a:lnTo>
+                  <a:lnTo>
+                    <a:pt x="387317" y="420069"/>
+                  </a:lnTo>
+                  <a:lnTo>
+                    <a:pt x="425159" y="383997"/>
+                  </a:lnTo>
+                  <a:lnTo>
+                    <a:pt x="461392" y="346768"/>
+                  </a:lnTo>
+                  <a:lnTo>
+                    <a:pt x="495465" y="308947"/>
+                  </a:lnTo>
+                  <a:lnTo>
+                    <a:pt x="526863" y="271108"/>
+                  </a:lnTo>
+                  <a:lnTo>
+                    <a:pt x="555109" y="233825"/>
+                  </a:lnTo>
+                  <a:lnTo>
+                    <a:pt x="579775" y="197661"/>
+                  </a:lnTo>
+                  <a:lnTo>
+                    <a:pt x="600488" y="163166"/>
+                  </a:lnTo>
+                  <a:lnTo>
+                    <a:pt x="616932" y="130862"/>
+                  </a:lnTo>
+                  <a:lnTo>
+                    <a:pt x="628860" y="101240"/>
+                  </a:lnTo>
+                  <a:lnTo>
+                    <a:pt x="636089" y="74748"/>
                   </a:lnTo>
                   <a:close/>
                 </a:path>
@@ -16927,165 +16927,165 @@
           </p:nvSpPr>
           <p:spPr>
             <a:xfrm>
-              <a:off x="6598841" y="3429606"/>
-              <a:ext cx="581409" cy="313458"/>
+              <a:off x="6578978" y="3469265"/>
+              <a:ext cx="602297" cy="255157"/>
             </a:xfrm>
             <a:custGeom>
               <a:avLst/>
               <a:pathLst>
-                <a:path w="581409" h="313458">
+                <a:path w="602297" h="255157">
                   <a:moveTo>
-                    <a:pt x="581409" y="119220"/>
+                    <a:pt x="602297" y="84493"/>
                   </a:moveTo>
                   <a:lnTo>
-                    <a:pt x="579204" y="100795"/>
-                  </a:lnTo>
-                  <a:lnTo>
-                    <a:pt x="572621" y="83218"/>
-                  </a:lnTo>
-                  <a:lnTo>
-                    <a:pt x="561760" y="66756"/>
-                  </a:lnTo>
-                  <a:lnTo>
-                    <a:pt x="546786" y="51658"/>
-                  </a:lnTo>
-                  <a:lnTo>
-                    <a:pt x="527926" y="38154"/>
-                  </a:lnTo>
-                  <a:lnTo>
-                    <a:pt x="505466" y="26447"/>
-                  </a:lnTo>
-                  <a:lnTo>
-                    <a:pt x="479746" y="16715"/>
-                  </a:lnTo>
-                  <a:lnTo>
-                    <a:pt x="451156" y="9107"/>
-                  </a:lnTo>
-                  <a:lnTo>
-                    <a:pt x="420130" y="3736"/>
-                  </a:lnTo>
-                  <a:lnTo>
-                    <a:pt x="387137" y="685"/>
-                  </a:lnTo>
-                  <a:lnTo>
-                    <a:pt x="352679" y="0"/>
-                  </a:lnTo>
-                  <a:lnTo>
-                    <a:pt x="317277" y="1690"/>
-                  </a:lnTo>
-                  <a:lnTo>
-                    <a:pt x="281468" y="5732"/>
-                  </a:lnTo>
-                  <a:lnTo>
-                    <a:pt x="245794" y="12063"/>
-                  </a:lnTo>
-                  <a:lnTo>
-                    <a:pt x="210798" y="20587"/>
-                  </a:lnTo>
-                  <a:lnTo>
-                    <a:pt x="177008" y="31175"/>
-                  </a:lnTo>
-                  <a:lnTo>
-                    <a:pt x="144938" y="43667"/>
-                  </a:lnTo>
-                  <a:lnTo>
-                    <a:pt x="115073" y="57873"/>
-                  </a:lnTo>
-                  <a:lnTo>
-                    <a:pt x="87867" y="73578"/>
-                  </a:lnTo>
-                  <a:lnTo>
-                    <a:pt x="63731" y="90544"/>
-                  </a:lnTo>
-                  <a:lnTo>
-                    <a:pt x="43032" y="108513"/>
-                  </a:lnTo>
-                  <a:lnTo>
-                    <a:pt x="26082" y="127214"/>
-                  </a:lnTo>
-                  <a:lnTo>
-                    <a:pt x="13141" y="146362"/>
-                  </a:lnTo>
-                  <a:lnTo>
-                    <a:pt x="4402" y="165668"/>
-                  </a:lnTo>
-                  <a:lnTo>
-                    <a:pt x="0" y="184839"/>
-                  </a:lnTo>
-                  <a:lnTo>
-                    <a:pt x="0" y="203584"/>
-                  </a:lnTo>
-                  <a:lnTo>
-                    <a:pt x="4402" y="221619"/>
-                  </a:lnTo>
-                  <a:lnTo>
-                    <a:pt x="13141" y="238671"/>
-                  </a:lnTo>
-                  <a:lnTo>
-                    <a:pt x="26082" y="254481"/>
-                  </a:lnTo>
-                  <a:lnTo>
-                    <a:pt x="43032" y="268809"/>
-                  </a:lnTo>
-                  <a:lnTo>
-                    <a:pt x="63731" y="281439"/>
-                  </a:lnTo>
-                  <a:lnTo>
-                    <a:pt x="87867" y="292178"/>
-                  </a:lnTo>
-                  <a:lnTo>
-                    <a:pt x="115073" y="300865"/>
-                  </a:lnTo>
-                  <a:lnTo>
-                    <a:pt x="144938" y="307367"/>
-                  </a:lnTo>
-                  <a:lnTo>
-                    <a:pt x="177008" y="311586"/>
-                  </a:lnTo>
-                  <a:lnTo>
-                    <a:pt x="210798" y="313458"/>
-                  </a:lnTo>
-                  <a:lnTo>
-                    <a:pt x="245794" y="312954"/>
-                  </a:lnTo>
-                  <a:lnTo>
-                    <a:pt x="281468" y="310082"/>
-                  </a:lnTo>
-                  <a:lnTo>
-                    <a:pt x="317277" y="304886"/>
-                  </a:lnTo>
-                  <a:lnTo>
-                    <a:pt x="352679" y="297445"/>
-                  </a:lnTo>
-                  <a:lnTo>
-                    <a:pt x="387137" y="287870"/>
-                  </a:lnTo>
-                  <a:lnTo>
-                    <a:pt x="420130" y="276308"/>
-                  </a:lnTo>
-                  <a:lnTo>
-                    <a:pt x="451156" y="262934"/>
-                  </a:lnTo>
-                  <a:lnTo>
-                    <a:pt x="479746" y="247950"/>
-                  </a:lnTo>
-                  <a:lnTo>
-                    <a:pt x="505466" y="231584"/>
-                  </a:lnTo>
-                  <a:lnTo>
-                    <a:pt x="527926" y="214083"/>
-                  </a:lnTo>
-                  <a:lnTo>
-                    <a:pt x="546786" y="195713"/>
-                  </a:lnTo>
-                  <a:lnTo>
-                    <a:pt x="561760" y="176752"/>
-                  </a:lnTo>
-                  <a:lnTo>
-                    <a:pt x="572621" y="157489"/>
-                  </a:lnTo>
-                  <a:lnTo>
-                    <a:pt x="579204" y="138214"/>
+                    <a:pt x="600012" y="70055"/>
+                  </a:lnTo>
+                  <a:lnTo>
+                    <a:pt x="593192" y="56490"/>
+                  </a:lnTo>
+                  <a:lnTo>
+                    <a:pt x="581942" y="44005"/>
+                  </a:lnTo>
+                  <a:lnTo>
+                    <a:pt x="566430" y="32787"/>
+                  </a:lnTo>
+                  <a:lnTo>
+                    <a:pt x="546892" y="23008"/>
+                  </a:lnTo>
+                  <a:lnTo>
+                    <a:pt x="523625" y="14816"/>
+                  </a:lnTo>
+                  <a:lnTo>
+                    <a:pt x="496981" y="8335"/>
+                  </a:lnTo>
+                  <a:lnTo>
+                    <a:pt x="467364" y="3662"/>
+                  </a:lnTo>
+                  <a:lnTo>
+                    <a:pt x="435223" y="870"/>
+                  </a:lnTo>
+                  <a:lnTo>
+                    <a:pt x="401045" y="0"/>
+                  </a:lnTo>
+                  <a:lnTo>
+                    <a:pt x="365349" y="1065"/>
+                  </a:lnTo>
+                  <a:lnTo>
+                    <a:pt x="328675" y="4049"/>
+                  </a:lnTo>
+                  <a:lnTo>
+                    <a:pt x="291580" y="8908"/>
+                  </a:lnTo>
+                  <a:lnTo>
+                    <a:pt x="254625" y="15566"/>
+                  </a:lnTo>
+                  <a:lnTo>
+                    <a:pt x="218371" y="23925"/>
+                  </a:lnTo>
+                  <a:lnTo>
+                    <a:pt x="183367" y="33856"/>
+                  </a:lnTo>
+                  <a:lnTo>
+                    <a:pt x="150145" y="45209"/>
+                  </a:lnTo>
+                  <a:lnTo>
+                    <a:pt x="119207" y="57813"/>
+                  </a:lnTo>
+                  <a:lnTo>
+                    <a:pt x="91023" y="71475"/>
+                  </a:lnTo>
+                  <a:lnTo>
+                    <a:pt x="66021" y="85989"/>
+                  </a:lnTo>
+                  <a:lnTo>
+                    <a:pt x="44577" y="101136"/>
+                  </a:lnTo>
+                  <a:lnTo>
+                    <a:pt x="27019" y="116684"/>
+                  </a:lnTo>
+                  <a:lnTo>
+                    <a:pt x="13613" y="132399"/>
+                  </a:lnTo>
+                  <a:lnTo>
+                    <a:pt x="4560" y="148043"/>
+                  </a:lnTo>
+                  <a:lnTo>
+                    <a:pt x="0" y="163378"/>
+                  </a:lnTo>
+                  <a:lnTo>
+                    <a:pt x="0" y="178171"/>
+                  </a:lnTo>
+                  <a:lnTo>
+                    <a:pt x="4560" y="192199"/>
+                  </a:lnTo>
+                  <a:lnTo>
+                    <a:pt x="13613" y="205249"/>
+                  </a:lnTo>
+                  <a:lnTo>
+                    <a:pt x="27019" y="217123"/>
+                  </a:lnTo>
+                  <a:lnTo>
+                    <a:pt x="44577" y="227641"/>
+                  </a:lnTo>
+                  <a:lnTo>
+                    <a:pt x="66021" y="236644"/>
+                  </a:lnTo>
+                  <a:lnTo>
+                    <a:pt x="91023" y="243995"/>
+                  </a:lnTo>
+                  <a:lnTo>
+                    <a:pt x="119207" y="249583"/>
+                  </a:lnTo>
+                  <a:lnTo>
+                    <a:pt x="150145" y="253322"/>
+                  </a:lnTo>
+                  <a:lnTo>
+                    <a:pt x="183367" y="255157"/>
+                  </a:lnTo>
+                  <a:lnTo>
+                    <a:pt x="218371" y="255059"/>
+                  </a:lnTo>
+                  <a:lnTo>
+                    <a:pt x="254625" y="253031"/>
+                  </a:lnTo>
+                  <a:lnTo>
+                    <a:pt x="291580" y="249102"/>
+                  </a:lnTo>
+                  <a:lnTo>
+                    <a:pt x="328675" y="243332"/>
+                  </a:lnTo>
+                  <a:lnTo>
+                    <a:pt x="365349" y="235809"/>
+                  </a:lnTo>
+                  <a:lnTo>
+                    <a:pt x="401045" y="226647"/>
+                  </a:lnTo>
+                  <a:lnTo>
+                    <a:pt x="435223" y="215985"/>
+                  </a:lnTo>
+                  <a:lnTo>
+                    <a:pt x="467364" y="203984"/>
+                  </a:lnTo>
+                  <a:lnTo>
+                    <a:pt x="496981" y="190826"/>
+                  </a:lnTo>
+                  <a:lnTo>
+                    <a:pt x="523625" y="176711"/>
+                  </a:lnTo>
+                  <a:lnTo>
+                    <a:pt x="546892" y="161852"/>
+                  </a:lnTo>
+                  <a:lnTo>
+                    <a:pt x="566430" y="146476"/>
+                  </a:lnTo>
+                  <a:lnTo>
+                    <a:pt x="581942" y="130814"/>
+                  </a:lnTo>
+                  <a:lnTo>
+                    <a:pt x="593192" y="115105"/>
+                  </a:lnTo>
+                  <a:lnTo>
+                    <a:pt x="600012" y="99586"/>
                   </a:lnTo>
                   <a:close/>
                 </a:path>
@@ -17120,165 +17120,165 @@
           </p:nvSpPr>
           <p:spPr>
             <a:xfrm>
-              <a:off x="7105203" y="2520421"/>
-              <a:ext cx="693187" cy="769087"/>
+              <a:off x="7092797" y="2529859"/>
+              <a:ext cx="753948" cy="771568"/>
             </a:xfrm>
             <a:custGeom>
               <a:avLst/>
               <a:pathLst>
-                <a:path w="693187" h="769087">
+                <a:path w="753948" h="771568">
                   <a:moveTo>
-                    <a:pt x="693187" y="46904"/>
+                    <a:pt x="753948" y="37285"/>
                   </a:moveTo>
                   <a:lnTo>
-                    <a:pt x="690557" y="26837"/>
-                  </a:lnTo>
-                  <a:lnTo>
-                    <a:pt x="682708" y="12197"/>
-                  </a:lnTo>
-                  <a:lnTo>
-                    <a:pt x="669760" y="3206"/>
-                  </a:lnTo>
-                  <a:lnTo>
-                    <a:pt x="651907" y="0"/>
-                  </a:lnTo>
-                  <a:lnTo>
-                    <a:pt x="629421" y="2627"/>
-                  </a:lnTo>
-                  <a:lnTo>
-                    <a:pt x="602643" y="11049"/>
-                  </a:lnTo>
-                  <a:lnTo>
-                    <a:pt x="571978" y="25137"/>
-                  </a:lnTo>
-                  <a:lnTo>
-                    <a:pt x="537892" y="44677"/>
-                  </a:lnTo>
-                  <a:lnTo>
-                    <a:pt x="500901" y="69374"/>
-                  </a:lnTo>
-                  <a:lnTo>
-                    <a:pt x="461565" y="98853"/>
-                  </a:lnTo>
-                  <a:lnTo>
-                    <a:pt x="420482" y="132667"/>
-                  </a:lnTo>
-                  <a:lnTo>
-                    <a:pt x="378274" y="170304"/>
-                  </a:lnTo>
-                  <a:lnTo>
-                    <a:pt x="335581" y="211193"/>
-                  </a:lnTo>
-                  <a:lnTo>
-                    <a:pt x="293049" y="254714"/>
-                  </a:lnTo>
-                  <a:lnTo>
-                    <a:pt x="251324" y="300208"/>
-                  </a:lnTo>
-                  <a:lnTo>
-                    <a:pt x="211039" y="346984"/>
-                  </a:lnTo>
-                  <a:lnTo>
-                    <a:pt x="172803" y="394335"/>
-                  </a:lnTo>
-                  <a:lnTo>
-                    <a:pt x="137196" y="441541"/>
-                  </a:lnTo>
-                  <a:lnTo>
-                    <a:pt x="104759" y="487888"/>
-                  </a:lnTo>
-                  <a:lnTo>
-                    <a:pt x="75983" y="532672"/>
-                  </a:lnTo>
-                  <a:lnTo>
-                    <a:pt x="51305" y="575216"/>
-                  </a:lnTo>
-                  <a:lnTo>
-                    <a:pt x="31097" y="614873"/>
-                  </a:lnTo>
-                  <a:lnTo>
-                    <a:pt x="15667" y="651044"/>
-                  </a:lnTo>
-                  <a:lnTo>
-                    <a:pt x="5249" y="683179"/>
-                  </a:lnTo>
-                  <a:lnTo>
-                    <a:pt x="0" y="710791"/>
-                  </a:lnTo>
-                  <a:lnTo>
-                    <a:pt x="0" y="733462"/>
-                  </a:lnTo>
-                  <a:lnTo>
-                    <a:pt x="5249" y="750849"/>
-                  </a:lnTo>
-                  <a:lnTo>
-                    <a:pt x="15667" y="762687"/>
-                  </a:lnTo>
-                  <a:lnTo>
-                    <a:pt x="31097" y="768797"/>
-                  </a:lnTo>
-                  <a:lnTo>
-                    <a:pt x="51305" y="769087"/>
-                  </a:lnTo>
-                  <a:lnTo>
-                    <a:pt x="75983" y="763552"/>
-                  </a:lnTo>
-                  <a:lnTo>
-                    <a:pt x="104759" y="752275"/>
-                  </a:lnTo>
-                  <a:lnTo>
-                    <a:pt x="137196" y="735429"/>
-                  </a:lnTo>
-                  <a:lnTo>
-                    <a:pt x="172803" y="713269"/>
-                  </a:lnTo>
-                  <a:lnTo>
-                    <a:pt x="211039" y="686129"/>
-                  </a:lnTo>
-                  <a:lnTo>
-                    <a:pt x="251324" y="654422"/>
-                  </a:lnTo>
-                  <a:lnTo>
-                    <a:pt x="293049" y="618629"/>
-                  </a:lnTo>
-                  <a:lnTo>
-                    <a:pt x="335581" y="579292"/>
-                  </a:lnTo>
-                  <a:lnTo>
-                    <a:pt x="378274" y="537006"/>
-                  </a:lnTo>
-                  <a:lnTo>
-                    <a:pt x="420482" y="492414"/>
-                  </a:lnTo>
-                  <a:lnTo>
-                    <a:pt x="461565" y="446192"/>
-                  </a:lnTo>
-                  <a:lnTo>
-                    <a:pt x="500901" y="399039"/>
-                  </a:lnTo>
-                  <a:lnTo>
-                    <a:pt x="537892" y="351670"/>
-                  </a:lnTo>
-                  <a:lnTo>
-                    <a:pt x="571978" y="304805"/>
-                  </a:lnTo>
-                  <a:lnTo>
-                    <a:pt x="602643" y="259153"/>
-                  </a:lnTo>
-                  <a:lnTo>
-                    <a:pt x="629421" y="215406"/>
-                  </a:lnTo>
-                  <a:lnTo>
-                    <a:pt x="651907" y="174227"/>
-                  </a:lnTo>
-                  <a:lnTo>
-                    <a:pt x="669760" y="136241"/>
-                  </a:lnTo>
-                  <a:lnTo>
-                    <a:pt x="682708" y="102024"/>
-                  </a:lnTo>
-                  <a:lnTo>
-                    <a:pt x="690557" y="72093"/>
+                    <a:pt x="751088" y="19475"/>
+                  </a:lnTo>
+                  <a:lnTo>
+                    <a:pt x="742551" y="7214"/>
+                  </a:lnTo>
+                  <a:lnTo>
+                    <a:pt x="728467" y="689"/>
+                  </a:lnTo>
+                  <a:lnTo>
+                    <a:pt x="709050" y="0"/>
+                  </a:lnTo>
+                  <a:lnTo>
+                    <a:pt x="684593" y="5155"/>
+                  </a:lnTo>
+                  <a:lnTo>
+                    <a:pt x="655468" y="16077"/>
+                  </a:lnTo>
+                  <a:lnTo>
+                    <a:pt x="622115" y="32601"/>
+                  </a:lnTo>
+                  <a:lnTo>
+                    <a:pt x="585041" y="54475"/>
+                  </a:lnTo>
+                  <a:lnTo>
+                    <a:pt x="544807" y="81369"/>
+                  </a:lnTo>
+                  <a:lnTo>
+                    <a:pt x="502024" y="112875"/>
+                  </a:lnTo>
+                  <a:lnTo>
+                    <a:pt x="457340" y="148515"/>
+                  </a:lnTo>
+                  <a:lnTo>
+                    <a:pt x="411432" y="187748"/>
+                  </a:lnTo>
+                  <a:lnTo>
+                    <a:pt x="364996" y="229981"/>
+                  </a:lnTo>
+                  <a:lnTo>
+                    <a:pt x="318736" y="274572"/>
+                  </a:lnTo>
+                  <a:lnTo>
+                    <a:pt x="273354" y="320847"/>
+                  </a:lnTo>
+                  <a:lnTo>
+                    <a:pt x="229537" y="368103"/>
+                  </a:lnTo>
+                  <a:lnTo>
+                    <a:pt x="187950" y="415624"/>
+                  </a:lnTo>
+                  <a:lnTo>
+                    <a:pt x="149222" y="462689"/>
+                  </a:lnTo>
+                  <a:lnTo>
+                    <a:pt x="113942" y="508586"/>
+                  </a:lnTo>
+                  <a:lnTo>
+                    <a:pt x="82644" y="552619"/>
+                  </a:lnTo>
+                  <a:lnTo>
+                    <a:pt x="55802" y="594119"/>
+                  </a:lnTo>
+                  <a:lnTo>
+                    <a:pt x="33823" y="632459"/>
+                  </a:lnTo>
+                  <a:lnTo>
+                    <a:pt x="17040" y="667056"/>
+                  </a:lnTo>
+                  <a:lnTo>
+                    <a:pt x="5709" y="697386"/>
+                  </a:lnTo>
+                  <a:lnTo>
+                    <a:pt x="0" y="722990"/>
+                  </a:lnTo>
+                  <a:lnTo>
+                    <a:pt x="0" y="743480"/>
+                  </a:lnTo>
+                  <a:lnTo>
+                    <a:pt x="5709" y="758544"/>
+                  </a:lnTo>
+                  <a:lnTo>
+                    <a:pt x="17040" y="767954"/>
+                  </a:lnTo>
+                  <a:lnTo>
+                    <a:pt x="33823" y="771568"/>
+                  </a:lnTo>
+                  <a:lnTo>
+                    <a:pt x="55802" y="769331"/>
+                  </a:lnTo>
+                  <a:lnTo>
+                    <a:pt x="82644" y="761277"/>
+                  </a:lnTo>
+                  <a:lnTo>
+                    <a:pt x="113942" y="747528"/>
+                  </a:lnTo>
+                  <a:lnTo>
+                    <a:pt x="149222" y="728293"/>
+                  </a:lnTo>
+                  <a:lnTo>
+                    <a:pt x="187950" y="703862"/>
+                  </a:lnTo>
+                  <a:lnTo>
+                    <a:pt x="229537" y="674607"/>
+                  </a:lnTo>
+                  <a:lnTo>
+                    <a:pt x="273354" y="640970"/>
+                  </a:lnTo>
+                  <a:lnTo>
+                    <a:pt x="318736" y="603462"/>
+                  </a:lnTo>
+                  <a:lnTo>
+                    <a:pt x="364996" y="562652"/>
+                  </a:lnTo>
+                  <a:lnTo>
+                    <a:pt x="411432" y="519157"/>
+                  </a:lnTo>
+                  <a:lnTo>
+                    <a:pt x="457340" y="473638"/>
+                  </a:lnTo>
+                  <a:lnTo>
+                    <a:pt x="502024" y="426784"/>
+                  </a:lnTo>
+                  <a:lnTo>
+                    <a:pt x="544807" y="379305"/>
+                  </a:lnTo>
+                  <a:lnTo>
+                    <a:pt x="585041" y="331922"/>
+                  </a:lnTo>
+                  <a:lnTo>
+                    <a:pt x="622115" y="285353"/>
+                  </a:lnTo>
+                  <a:lnTo>
+                    <a:pt x="655468" y="240302"/>
+                  </a:lnTo>
+                  <a:lnTo>
+                    <a:pt x="684593" y="197455"/>
+                  </a:lnTo>
+                  <a:lnTo>
+                    <a:pt x="709050" y="157459"/>
+                  </a:lnTo>
+                  <a:lnTo>
+                    <a:pt x="728467" y="120921"/>
+                  </a:lnTo>
+                  <a:lnTo>
+                    <a:pt x="742551" y="88396"/>
+                  </a:lnTo>
+                  <a:lnTo>
+                    <a:pt x="751088" y="60375"/>
                   </a:lnTo>
                   <a:close/>
                 </a:path>
@@ -20868,7 +20868,7 @@
           </p:nvSpPr>
           <p:spPr>
             <a:xfrm>
-              <a:off x="2423957" y="4913931"/>
+              <a:off x="2196009" y="4824424"/>
               <a:ext cx="102870" cy="102870"/>
             </a:xfrm>
             <a:prstGeom prst="ellipse">
@@ -20888,7 +20888,33 @@
         </p:sp>
         <p:sp>
           <p:nvSpPr>
-            <p:cNvPr id="71" name="pl70"/>
+            <p:cNvPr id="71" name="pt70"/>
+            <p:cNvSpPr/>
+            <p:nvPr/>
+          </p:nvSpPr>
+          <p:spPr>
+            <a:xfrm>
+              <a:off x="2423957" y="4913931"/>
+              <a:ext cx="102870" cy="102870"/>
+            </a:xfrm>
+            <a:prstGeom prst="ellipse">
+              <a:avLst/>
+            </a:prstGeom>
+            <a:solidFill>
+              <a:srgbClr val="54278F">
+                <a:alpha val="100000"/>
+              </a:srgbClr>
+            </a:solidFill>
+          </p:spPr>
+          <p:txBody>
+            <a:bodyPr/>
+            <a:lstStyle/>
+            <a:p/>
+          </p:txBody>
+        </p:sp>
+        <p:sp>
+          <p:nvSpPr>
+            <p:cNvPr id="72" name="pl71"/>
             <p:cNvSpPr/>
             <p:nvPr/>
           </p:nvSpPr>
@@ -20928,7 +20954,7 @@
         </p:sp>
         <p:sp>
           <p:nvSpPr>
-            <p:cNvPr id="72" name="tx71"/>
+            <p:cNvPr id="73" name="tx72"/>
             <p:cNvSpPr/>
             <p:nvPr/>
           </p:nvSpPr>
@@ -20974,7 +21000,7 @@
         </p:sp>
         <p:sp>
           <p:nvSpPr>
-            <p:cNvPr id="73" name="pl72"/>
+            <p:cNvPr id="74" name="pl73"/>
             <p:cNvSpPr/>
             <p:nvPr/>
           </p:nvSpPr>
@@ -21014,7 +21040,7 @@
         </p:sp>
         <p:sp>
           <p:nvSpPr>
-            <p:cNvPr id="74" name="pl73"/>
+            <p:cNvPr id="75" name="pl74"/>
             <p:cNvSpPr/>
             <p:nvPr/>
           </p:nvSpPr>
@@ -21054,7 +21080,7 @@
         </p:sp>
         <p:sp>
           <p:nvSpPr>
-            <p:cNvPr id="75" name="pl74"/>
+            <p:cNvPr id="76" name="pl75"/>
             <p:cNvSpPr/>
             <p:nvPr/>
           </p:nvSpPr>
@@ -21094,7 +21120,7 @@
         </p:sp>
         <p:sp>
           <p:nvSpPr>
-            <p:cNvPr id="76" name="pl75"/>
+            <p:cNvPr id="77" name="pl76"/>
             <p:cNvSpPr/>
             <p:nvPr/>
           </p:nvSpPr>
@@ -21134,7 +21160,7 @@
         </p:sp>
         <p:sp>
           <p:nvSpPr>
-            <p:cNvPr id="77" name="pl76"/>
+            <p:cNvPr id="78" name="pl77"/>
             <p:cNvSpPr/>
             <p:nvPr/>
           </p:nvSpPr>
@@ -21174,7 +21200,7 @@
         </p:sp>
         <p:sp>
           <p:nvSpPr>
-            <p:cNvPr id="78" name="pl77"/>
+            <p:cNvPr id="79" name="pl78"/>
             <p:cNvSpPr/>
             <p:nvPr/>
           </p:nvSpPr>
@@ -21214,7 +21240,7 @@
         </p:sp>
         <p:sp>
           <p:nvSpPr>
-            <p:cNvPr id="79" name="pl78"/>
+            <p:cNvPr id="80" name="pl79"/>
             <p:cNvSpPr/>
             <p:nvPr/>
           </p:nvSpPr>
@@ -21254,7 +21280,7 @@
         </p:sp>
         <p:sp>
           <p:nvSpPr>
-            <p:cNvPr id="80" name="pl79"/>
+            <p:cNvPr id="81" name="pl80"/>
             <p:cNvSpPr/>
             <p:nvPr/>
           </p:nvSpPr>
@@ -21294,7 +21320,7 @@
         </p:sp>
         <p:sp>
           <p:nvSpPr>
-            <p:cNvPr id="81" name="tx80"/>
+            <p:cNvPr id="82" name="tx81"/>
             <p:cNvSpPr/>
             <p:nvPr/>
           </p:nvSpPr>
@@ -21340,7 +21366,7 @@
         </p:sp>
         <p:sp>
           <p:nvSpPr>
-            <p:cNvPr id="82" name="tx81"/>
+            <p:cNvPr id="83" name="tx82"/>
             <p:cNvSpPr/>
             <p:nvPr/>
           </p:nvSpPr>
@@ -21386,7 +21412,7 @@
         </p:sp>
         <p:sp>
           <p:nvSpPr>
-            <p:cNvPr id="83" name="tx82"/>
+            <p:cNvPr id="84" name="tx83"/>
             <p:cNvSpPr/>
             <p:nvPr/>
           </p:nvSpPr>
@@ -21432,7 +21458,7 @@
         </p:sp>
         <p:sp>
           <p:nvSpPr>
-            <p:cNvPr id="84" name="tx83"/>
+            <p:cNvPr id="85" name="tx84"/>
             <p:cNvSpPr/>
             <p:nvPr/>
           </p:nvSpPr>
@@ -21478,7 +21504,7 @@
         </p:sp>
         <p:sp>
           <p:nvSpPr>
-            <p:cNvPr id="85" name="tx84"/>
+            <p:cNvPr id="86" name="tx85"/>
             <p:cNvSpPr/>
             <p:nvPr/>
           </p:nvSpPr>
@@ -21524,7 +21550,7 @@
         </p:sp>
         <p:sp>
           <p:nvSpPr>
-            <p:cNvPr id="86" name="tx85"/>
+            <p:cNvPr id="87" name="tx86"/>
             <p:cNvSpPr/>
             <p:nvPr/>
           </p:nvSpPr>
@@ -21570,7 +21596,7 @@
         </p:sp>
         <p:sp>
           <p:nvSpPr>
-            <p:cNvPr id="87" name="tx86"/>
+            <p:cNvPr id="88" name="tx87"/>
             <p:cNvSpPr/>
             <p:nvPr/>
           </p:nvSpPr>
@@ -47411,18 +47437,18 @@
           </p:nvSpPr>
           <p:spPr>
             <a:xfrm>
-              <a:off x="3611372" y="4937743"/>
-              <a:ext cx="139228" cy="209277"/>
+              <a:off x="3609898" y="4936763"/>
+              <a:ext cx="140672" cy="210277"/>
             </a:xfrm>
             <a:custGeom>
               <a:avLst/>
               <a:pathLst>
-                <a:path w="139228" h="209277">
+                <a:path w="140672" h="210277">
                   <a:moveTo>
                     <a:pt x="0" y="0"/>
                   </a:moveTo>
                   <a:lnTo>
-                    <a:pt x="139228" y="209277"/>
+                    <a:pt x="140672" y="210277"/>
                   </a:lnTo>
                 </a:path>
               </a:pathLst>
@@ -47442,7 +47468,7 @@
           </p:nvSpPr>
           <p:spPr>
             <a:xfrm>
-              <a:off x="3744967" y="4546853"/>
+              <a:off x="3744430" y="4546355"/>
               <a:ext cx="488087" cy="99300"/>
             </a:xfrm>
             <a:prstGeom prst="rect">
@@ -47488,7 +47514,7 @@
           </p:nvSpPr>
           <p:spPr>
             <a:xfrm>
-              <a:off x="4819915" y="4274681"/>
+              <a:off x="4819367" y="4274429"/>
               <a:ext cx="488087" cy="99300"/>
             </a:xfrm>
             <a:prstGeom prst="rect">
@@ -47534,7 +47560,7 @@
           </p:nvSpPr>
           <p:spPr>
             <a:xfrm>
-              <a:off x="5339440" y="2620904"/>
+              <a:off x="5339485" y="2620950"/>
               <a:ext cx="488087" cy="99300"/>
             </a:xfrm>
             <a:prstGeom prst="rect">
@@ -47580,7 +47606,7 @@
           </p:nvSpPr>
           <p:spPr>
             <a:xfrm>
-              <a:off x="3100425" y="4866084"/>
+              <a:off x="3098951" y="4865188"/>
               <a:ext cx="488087" cy="99300"/>
             </a:xfrm>
             <a:prstGeom prst="rect">
@@ -47626,7 +47652,7 @@
           </p:nvSpPr>
           <p:spPr>
             <a:xfrm>
-              <a:off x="5684237" y="3211246"/>
+              <a:off x="5683692" y="3211271"/>
               <a:ext cx="488087" cy="98983"/>
             </a:xfrm>
             <a:prstGeom prst="rect">
@@ -47672,7 +47698,7 @@
           </p:nvSpPr>
           <p:spPr>
             <a:xfrm>
-              <a:off x="5947206" y="2604054"/>
+              <a:off x="5947331" y="2603985"/>
               <a:ext cx="488087" cy="98983"/>
             </a:xfrm>
             <a:prstGeom prst="rect">
@@ -47718,7 +47744,7 @@
           </p:nvSpPr>
           <p:spPr>
             <a:xfrm>
-              <a:off x="4240495" y="4207521"/>
+              <a:off x="4240291" y="4208482"/>
               <a:ext cx="488087" cy="99300"/>
             </a:xfrm>
             <a:prstGeom prst="rect">
@@ -47764,7 +47790,7 @@
           </p:nvSpPr>
           <p:spPr>
             <a:xfrm>
-              <a:off x="4627518" y="4668545"/>
+              <a:off x="4627547" y="4668756"/>
               <a:ext cx="488087" cy="99300"/>
             </a:xfrm>
             <a:prstGeom prst="rect">
@@ -47810,7 +47836,7 @@
           </p:nvSpPr>
           <p:spPr>
             <a:xfrm>
-              <a:off x="5393141" y="2817062"/>
+              <a:off x="5393185" y="2817160"/>
               <a:ext cx="548376" cy="99300"/>
             </a:xfrm>
             <a:prstGeom prst="rect">
@@ -47856,7 +47882,7 @@
           </p:nvSpPr>
           <p:spPr>
             <a:xfrm>
-              <a:off x="5299115" y="3379564"/>
+              <a:off x="5300304" y="3379275"/>
               <a:ext cx="548376" cy="99300"/>
             </a:xfrm>
             <a:prstGeom prst="rect">
@@ -47902,7 +47928,7 @@
           </p:nvSpPr>
           <p:spPr>
             <a:xfrm>
-              <a:off x="5490187" y="3549150"/>
+              <a:off x="5489751" y="3549799"/>
               <a:ext cx="548376" cy="99300"/>
             </a:xfrm>
             <a:prstGeom prst="rect">
@@ -47948,7 +47974,7 @@
           </p:nvSpPr>
           <p:spPr>
             <a:xfrm>
-              <a:off x="3983794" y="5197416"/>
+              <a:off x="3983462" y="5197173"/>
               <a:ext cx="548376" cy="99300"/>
             </a:xfrm>
             <a:prstGeom prst="rect">
@@ -47994,7 +48020,7 @@
           </p:nvSpPr>
           <p:spPr>
             <a:xfrm>
-              <a:off x="4937909" y="2993517"/>
+              <a:off x="4938516" y="2993341"/>
               <a:ext cx="548376" cy="99300"/>
             </a:xfrm>
             <a:prstGeom prst="rect">
@@ -48040,7 +48066,7 @@
           </p:nvSpPr>
           <p:spPr>
             <a:xfrm>
-              <a:off x="3658788" y="4376513"/>
+              <a:off x="3658546" y="4375886"/>
               <a:ext cx="548376" cy="99300"/>
             </a:xfrm>
             <a:prstGeom prst="rect">
@@ -48086,7 +48112,7 @@
           </p:nvSpPr>
           <p:spPr>
             <a:xfrm>
-              <a:off x="4870472" y="3190346"/>
+              <a:off x="4869175" y="3190621"/>
               <a:ext cx="548376" cy="99300"/>
             </a:xfrm>
             <a:prstGeom prst="rect">
@@ -48132,7 +48158,7 @@
           </p:nvSpPr>
           <p:spPr>
             <a:xfrm>
-              <a:off x="4754497" y="2817426"/>
+              <a:off x="4754698" y="2816639"/>
               <a:ext cx="548376" cy="99300"/>
             </a:xfrm>
             <a:prstGeom prst="rect">
@@ -48178,7 +48204,7 @@
           </p:nvSpPr>
           <p:spPr>
             <a:xfrm>
-              <a:off x="3678320" y="4999425"/>
+              <a:off x="3678018" y="4999702"/>
               <a:ext cx="548376" cy="99300"/>
             </a:xfrm>
             <a:prstGeom prst="rect">
@@ -48224,7 +48250,7 @@
           </p:nvSpPr>
           <p:spPr>
             <a:xfrm>
-              <a:off x="4085121" y="3589198"/>
+              <a:off x="4084707" y="3589096"/>
               <a:ext cx="548376" cy="99300"/>
             </a:xfrm>
             <a:prstGeom prst="rect">
@@ -48270,7 +48296,7 @@
           </p:nvSpPr>
           <p:spPr>
             <a:xfrm>
-              <a:off x="5580083" y="3041101"/>
+              <a:off x="5578674" y="3040690"/>
               <a:ext cx="548376" cy="99300"/>
             </a:xfrm>
             <a:prstGeom prst="rect">
@@ -48316,7 +48342,7 @@
           </p:nvSpPr>
           <p:spPr>
             <a:xfrm>
-              <a:off x="4621285" y="4008160"/>
+              <a:off x="4620956" y="4008726"/>
               <a:ext cx="548376" cy="99300"/>
             </a:xfrm>
             <a:prstGeom prst="rect">
@@ -48362,7 +48388,7 @@
           </p:nvSpPr>
           <p:spPr>
             <a:xfrm>
-              <a:off x="3344259" y="5235204"/>
+              <a:off x="3343944" y="5235563"/>
               <a:ext cx="548376" cy="99300"/>
             </a:xfrm>
             <a:prstGeom prst="rect">
@@ -48408,7 +48434,7 @@
           </p:nvSpPr>
           <p:spPr>
             <a:xfrm>
-              <a:off x="6020891" y="2283791"/>
+              <a:off x="6020284" y="2284917"/>
               <a:ext cx="548376" cy="99300"/>
             </a:xfrm>
             <a:prstGeom prst="rect">
@@ -48454,7 +48480,7 @@
           </p:nvSpPr>
           <p:spPr>
             <a:xfrm>
-              <a:off x="3988150" y="4783872"/>
+              <a:off x="3988167" y="4783512"/>
               <a:ext cx="548376" cy="99300"/>
             </a:xfrm>
             <a:prstGeom prst="rect">
@@ -48500,7 +48526,7 @@
           </p:nvSpPr>
           <p:spPr>
             <a:xfrm>
-              <a:off x="3038581" y="5035556"/>
+              <a:off x="3038648" y="5036089"/>
               <a:ext cx="548376" cy="99300"/>
             </a:xfrm>
             <a:prstGeom prst="rect">
@@ -48546,7 +48572,7 @@
           </p:nvSpPr>
           <p:spPr>
             <a:xfrm>
-              <a:off x="5379906" y="2385422"/>
+              <a:off x="5380585" y="2385562"/>
               <a:ext cx="548376" cy="99300"/>
             </a:xfrm>
             <a:prstGeom prst="rect">
@@ -48592,7 +48618,7 @@
           </p:nvSpPr>
           <p:spPr>
             <a:xfrm>
-              <a:off x="4944303" y="3815316"/>
+              <a:off x="4944384" y="3814910"/>
               <a:ext cx="548376" cy="99300"/>
             </a:xfrm>
             <a:prstGeom prst="rect">
@@ -48638,7 +48664,7 @@
           </p:nvSpPr>
           <p:spPr>
             <a:xfrm>
-              <a:off x="4325003" y="4498048"/>
+              <a:off x="4324063" y="4498826"/>
               <a:ext cx="548376" cy="99300"/>
             </a:xfrm>
             <a:prstGeom prst="rect">
@@ -48684,7 +48710,7 @@
           </p:nvSpPr>
           <p:spPr>
             <a:xfrm>
-              <a:off x="4659455" y="3420116"/>
+              <a:off x="4660644" y="3419687"/>
               <a:ext cx="548376" cy="99300"/>
             </a:xfrm>
             <a:prstGeom prst="rect">
@@ -48730,7 +48756,7 @@
           </p:nvSpPr>
           <p:spPr>
             <a:xfrm>
-              <a:off x="4212943" y="4123616"/>
+              <a:off x="3938704" y="4397659"/>
               <a:ext cx="1108187" cy="201459"/>
             </a:xfrm>
             <a:prstGeom prst="rect">
@@ -48776,7 +48802,7 @@
           </p:nvSpPr>
           <p:spPr>
             <a:xfrm>
-              <a:off x="5256298" y="2628954"/>
+              <a:off x="5256465" y="2628906"/>
               <a:ext cx="1108187" cy="201459"/>
             </a:xfrm>
             <a:prstGeom prst="rect">
@@ -48822,7 +48848,7 @@
           </p:nvSpPr>
           <p:spPr>
             <a:xfrm>
-              <a:off x="3140061" y="5153181"/>
+              <a:off x="3140241" y="5153604"/>
               <a:ext cx="1108187" cy="201459"/>
             </a:xfrm>
             <a:prstGeom prst="rect">
@@ -48868,7 +48894,7 @@
           </p:nvSpPr>
           <p:spPr>
             <a:xfrm>
-              <a:off x="4483437" y="3716087"/>
+              <a:off x="4483681" y="3716005"/>
               <a:ext cx="1108187" cy="201459"/>
             </a:xfrm>
             <a:prstGeom prst="rect">
@@ -48914,165 +48940,165 @@
           </p:nvSpPr>
           <p:spPr>
             <a:xfrm>
-              <a:off x="4326238" y="4120563"/>
-              <a:ext cx="582350" cy="538661"/>
+              <a:off x="4267659" y="4087751"/>
+              <a:ext cx="717161" cy="608792"/>
             </a:xfrm>
             <a:custGeom>
               <a:avLst/>
               <a:pathLst>
-                <a:path w="582350" h="538661">
+                <a:path w="717161" h="608792">
                   <a:moveTo>
-                    <a:pt x="582350" y="24050"/>
+                    <a:pt x="717161" y="25030"/>
                   </a:moveTo>
                   <a:lnTo>
-                    <a:pt x="580141" y="12097"/>
-                  </a:lnTo>
-                  <a:lnTo>
-                    <a:pt x="573548" y="4039"/>
-                  </a:lnTo>
-                  <a:lnTo>
-                    <a:pt x="562669" y="0"/>
-                  </a:lnTo>
-                  <a:lnTo>
-                    <a:pt x="547671" y="39"/>
-                  </a:lnTo>
-                  <a:lnTo>
-                    <a:pt x="528781" y="4157"/>
-                  </a:lnTo>
-                  <a:lnTo>
-                    <a:pt x="506284" y="12291"/>
-                  </a:lnTo>
-                  <a:lnTo>
-                    <a:pt x="480522" y="24317"/>
-                  </a:lnTo>
-                  <a:lnTo>
-                    <a:pt x="451886" y="40054"/>
-                  </a:lnTo>
-                  <a:lnTo>
-                    <a:pt x="420810" y="59263"/>
-                  </a:lnTo>
-                  <a:lnTo>
-                    <a:pt x="387764" y="81653"/>
-                  </a:lnTo>
-                  <a:lnTo>
-                    <a:pt x="353250" y="106884"/>
-                  </a:lnTo>
-                  <a:lnTo>
-                    <a:pt x="317790" y="134574"/>
-                  </a:lnTo>
-                  <a:lnTo>
-                    <a:pt x="281923" y="164302"/>
-                  </a:lnTo>
-                  <a:lnTo>
-                    <a:pt x="246192" y="195620"/>
-                  </a:lnTo>
-                  <a:lnTo>
-                    <a:pt x="211139" y="228050"/>
-                  </a:lnTo>
-                  <a:lnTo>
-                    <a:pt x="177295" y="261103"/>
-                  </a:lnTo>
-                  <a:lnTo>
-                    <a:pt x="145173" y="294277"/>
-                  </a:lnTo>
-                  <a:lnTo>
-                    <a:pt x="115260" y="327069"/>
-                  </a:lnTo>
-                  <a:lnTo>
-                    <a:pt x="88009" y="358982"/>
-                  </a:lnTo>
-                  <a:lnTo>
-                    <a:pt x="63834" y="389532"/>
-                  </a:lnTo>
-                  <a:lnTo>
-                    <a:pt x="43101" y="418256"/>
-                  </a:lnTo>
-                  <a:lnTo>
-                    <a:pt x="26125" y="444719"/>
-                  </a:lnTo>
-                  <a:lnTo>
-                    <a:pt x="13162" y="468520"/>
-                  </a:lnTo>
-                  <a:lnTo>
-                    <a:pt x="4409" y="489297"/>
-                  </a:lnTo>
-                  <a:lnTo>
-                    <a:pt x="0" y="506737"/>
-                  </a:lnTo>
-                  <a:lnTo>
-                    <a:pt x="0" y="520573"/>
-                  </a:lnTo>
-                  <a:lnTo>
-                    <a:pt x="4409" y="530597"/>
-                  </a:lnTo>
-                  <a:lnTo>
-                    <a:pt x="13162" y="536658"/>
-                  </a:lnTo>
-                  <a:lnTo>
-                    <a:pt x="26125" y="538661"/>
-                  </a:lnTo>
-                  <a:lnTo>
-                    <a:pt x="43101" y="536579"/>
-                  </a:lnTo>
-                  <a:lnTo>
-                    <a:pt x="63834" y="530441"/>
-                  </a:lnTo>
-                  <a:lnTo>
-                    <a:pt x="88009" y="520342"/>
-                  </a:lnTo>
-                  <a:lnTo>
-                    <a:pt x="115260" y="506434"/>
-                  </a:lnTo>
-                  <a:lnTo>
-                    <a:pt x="145173" y="488927"/>
-                  </a:lnTo>
-                  <a:lnTo>
-                    <a:pt x="177295" y="468089"/>
-                  </a:lnTo>
-                  <a:lnTo>
-                    <a:pt x="211139" y="444233"/>
-                  </a:lnTo>
-                  <a:lnTo>
-                    <a:pt x="246192" y="417722"/>
-                  </a:lnTo>
-                  <a:lnTo>
-                    <a:pt x="281923" y="388959"/>
-                  </a:lnTo>
-                  <a:lnTo>
-                    <a:pt x="317790" y="358378"/>
-                  </a:lnTo>
-                  <a:lnTo>
-                    <a:pt x="353250" y="326443"/>
-                  </a:lnTo>
-                  <a:lnTo>
-                    <a:pt x="387764" y="293639"/>
-                  </a:lnTo>
-                  <a:lnTo>
-                    <a:pt x="420810" y="260463"/>
-                  </a:lnTo>
-                  <a:lnTo>
-                    <a:pt x="451886" y="227417"/>
-                  </a:lnTo>
-                  <a:lnTo>
-                    <a:pt x="480522" y="195003"/>
-                  </a:lnTo>
-                  <a:lnTo>
-                    <a:pt x="506284" y="163713"/>
-                  </a:lnTo>
-                  <a:lnTo>
-                    <a:pt x="528781" y="134019"/>
-                  </a:lnTo>
-                  <a:lnTo>
-                    <a:pt x="547671" y="106373"/>
-                  </a:lnTo>
-                  <a:lnTo>
-                    <a:pt x="562669" y="81193"/>
-                  </a:lnTo>
-                  <a:lnTo>
-                    <a:pt x="573548" y="58862"/>
-                  </a:lnTo>
-                  <a:lnTo>
-                    <a:pt x="580141" y="39717"/>
+                    <a:pt x="714441" y="12216"/>
+                  </a:lnTo>
+                  <a:lnTo>
+                    <a:pt x="706321" y="3830"/>
+                  </a:lnTo>
+                  <a:lnTo>
+                    <a:pt x="692924" y="0"/>
+                  </a:lnTo>
+                  <a:lnTo>
+                    <a:pt x="674454" y="782"/>
+                  </a:lnTo>
+                  <a:lnTo>
+                    <a:pt x="651191" y="6165"/>
+                  </a:lnTo>
+                  <a:lnTo>
+                    <a:pt x="623486" y="16067"/>
+                  </a:lnTo>
+                  <a:lnTo>
+                    <a:pt x="591761" y="30339"/>
+                  </a:lnTo>
+                  <a:lnTo>
+                    <a:pt x="556496" y="48764"/>
+                  </a:lnTo>
+                  <a:lnTo>
+                    <a:pt x="518225" y="71063"/>
+                  </a:lnTo>
+                  <a:lnTo>
+                    <a:pt x="477529" y="96897"/>
+                  </a:lnTo>
+                  <a:lnTo>
+                    <a:pt x="435025" y="125875"/>
+                  </a:lnTo>
+                  <a:lnTo>
+                    <a:pt x="391357" y="157558"/>
+                  </a:lnTo>
+                  <a:lnTo>
+                    <a:pt x="347187" y="191466"/>
+                  </a:lnTo>
+                  <a:lnTo>
+                    <a:pt x="303185" y="227084"/>
+                  </a:lnTo>
+                  <a:lnTo>
+                    <a:pt x="260017" y="263873"/>
+                  </a:lnTo>
+                  <a:lnTo>
+                    <a:pt x="218338" y="301274"/>
+                  </a:lnTo>
+                  <a:lnTo>
+                    <a:pt x="178779" y="338722"/>
+                  </a:lnTo>
+                  <a:lnTo>
+                    <a:pt x="141942" y="375647"/>
+                  </a:lnTo>
+                  <a:lnTo>
+                    <a:pt x="108383" y="411492"/>
+                  </a:lnTo>
+                  <a:lnTo>
+                    <a:pt x="78611" y="445711"/>
+                  </a:lnTo>
+                  <a:lnTo>
+                    <a:pt x="53079" y="477787"/>
+                  </a:lnTo>
+                  <a:lnTo>
+                    <a:pt x="32173" y="507232"/>
+                  </a:lnTo>
+                  <a:lnTo>
+                    <a:pt x="16209" y="533602"/>
+                  </a:lnTo>
+                  <a:lnTo>
+                    <a:pt x="5430" y="556496"/>
+                  </a:lnTo>
+                  <a:lnTo>
+                    <a:pt x="0" y="575566"/>
+                  </a:lnTo>
+                  <a:lnTo>
+                    <a:pt x="0" y="590525"/>
+                  </a:lnTo>
+                  <a:lnTo>
+                    <a:pt x="5430" y="601145"/>
+                  </a:lnTo>
+                  <a:lnTo>
+                    <a:pt x="16209" y="607265"/>
+                  </a:lnTo>
+                  <a:lnTo>
+                    <a:pt x="32173" y="608792"/>
+                  </a:lnTo>
+                  <a:lnTo>
+                    <a:pt x="53079" y="605704"/>
+                  </a:lnTo>
+                  <a:lnTo>
+                    <a:pt x="78611" y="598046"/>
+                  </a:lnTo>
+                  <a:lnTo>
+                    <a:pt x="108383" y="585936"/>
+                  </a:lnTo>
+                  <a:lnTo>
+                    <a:pt x="141942" y="569557"/>
+                  </a:lnTo>
+                  <a:lnTo>
+                    <a:pt x="178779" y="549156"/>
+                  </a:lnTo>
+                  <a:lnTo>
+                    <a:pt x="218338" y="525044"/>
+                  </a:lnTo>
+                  <a:lnTo>
+                    <a:pt x="260017" y="497586"/>
+                  </a:lnTo>
+                  <a:lnTo>
+                    <a:pt x="303185" y="467197"/>
+                  </a:lnTo>
+                  <a:lnTo>
+                    <a:pt x="347187" y="434339"/>
+                  </a:lnTo>
+                  <a:lnTo>
+                    <a:pt x="391357" y="399511"/>
+                  </a:lnTo>
+                  <a:lnTo>
+                    <a:pt x="435025" y="363238"/>
+                  </a:lnTo>
+                  <a:lnTo>
+                    <a:pt x="477529" y="326073"/>
+                  </a:lnTo>
+                  <a:lnTo>
+                    <a:pt x="518225" y="288577"/>
+                  </a:lnTo>
+                  <a:lnTo>
+                    <a:pt x="556496" y="251320"/>
+                  </a:lnTo>
+                  <a:lnTo>
+                    <a:pt x="591761" y="214866"/>
+                  </a:lnTo>
+                  <a:lnTo>
+                    <a:pt x="623486" y="179768"/>
+                  </a:lnTo>
+                  <a:lnTo>
+                    <a:pt x="651191" y="146557"/>
+                  </a:lnTo>
+                  <a:lnTo>
+                    <a:pt x="674454" y="115738"/>
+                  </a:lnTo>
+                  <a:lnTo>
+                    <a:pt x="692924" y="87777"/>
+                  </a:lnTo>
+                  <a:lnTo>
+                    <a:pt x="706321" y="63099"/>
+                  </a:lnTo>
+                  <a:lnTo>
+                    <a:pt x="714441" y="42077"/>
                   </a:lnTo>
                   <a:close/>
                 </a:path>
@@ -49107,165 +49133,165 @@
           </p:nvSpPr>
           <p:spPr>
             <a:xfrm>
-              <a:off x="5470990" y="2698146"/>
-              <a:ext cx="385933" cy="401761"/>
+              <a:off x="5460283" y="2707427"/>
+              <a:ext cx="409727" cy="376406"/>
             </a:xfrm>
             <a:custGeom>
               <a:avLst/>
               <a:pathLst>
-                <a:path w="385933" h="401761">
+                <a:path w="409727" h="376406">
                   <a:moveTo>
-                    <a:pt x="385933" y="24671"/>
+                    <a:pt x="409727" y="20220"/>
                   </a:moveTo>
                   <a:lnTo>
-                    <a:pt x="384469" y="14148"/>
-                  </a:lnTo>
-                  <a:lnTo>
-                    <a:pt x="380099" y="6459"/>
-                  </a:lnTo>
-                  <a:lnTo>
-                    <a:pt x="372890" y="1718"/>
-                  </a:lnTo>
-                  <a:lnTo>
-                    <a:pt x="362950" y="0"/>
-                  </a:lnTo>
-                  <a:lnTo>
-                    <a:pt x="350431" y="1328"/>
-                  </a:lnTo>
-                  <a:lnTo>
-                    <a:pt x="335522" y="5683"/>
-                  </a:lnTo>
-                  <a:lnTo>
-                    <a:pt x="318450" y="13000"/>
-                  </a:lnTo>
-                  <a:lnTo>
-                    <a:pt x="299472" y="23167"/>
-                  </a:lnTo>
-                  <a:lnTo>
-                    <a:pt x="278877" y="36030"/>
-                  </a:lnTo>
-                  <a:lnTo>
-                    <a:pt x="256977" y="51394"/>
-                  </a:lnTo>
-                  <a:lnTo>
-                    <a:pt x="234104" y="69026"/>
-                  </a:lnTo>
-                  <a:lnTo>
-                    <a:pt x="210604" y="88660"/>
-                  </a:lnTo>
-                  <a:lnTo>
-                    <a:pt x="186835" y="109996"/>
-                  </a:lnTo>
-                  <a:lnTo>
-                    <a:pt x="163155" y="132712"/>
-                  </a:lnTo>
-                  <a:lnTo>
-                    <a:pt x="139925" y="156464"/>
-                  </a:lnTo>
-                  <a:lnTo>
-                    <a:pt x="117496" y="180892"/>
-                  </a:lnTo>
-                  <a:lnTo>
-                    <a:pt x="96208" y="205624"/>
-                  </a:lnTo>
-                  <a:lnTo>
-                    <a:pt x="76384" y="230287"/>
-                  </a:lnTo>
-                  <a:lnTo>
-                    <a:pt x="58325" y="254506"/>
-                  </a:lnTo>
-                  <a:lnTo>
-                    <a:pt x="42304" y="277914"/>
-                  </a:lnTo>
-                  <a:lnTo>
-                    <a:pt x="28564" y="300157"/>
-                  </a:lnTo>
-                  <a:lnTo>
-                    <a:pt x="17313" y="320897"/>
-                  </a:lnTo>
-                  <a:lnTo>
-                    <a:pt x="8722" y="339820"/>
-                  </a:lnTo>
-                  <a:lnTo>
-                    <a:pt x="2922" y="356638"/>
-                  </a:lnTo>
-                  <a:lnTo>
-                    <a:pt x="0" y="371098"/>
-                  </a:lnTo>
-                  <a:lnTo>
-                    <a:pt x="0" y="382980"/>
-                  </a:lnTo>
-                  <a:lnTo>
-                    <a:pt x="2922" y="392103"/>
-                  </a:lnTo>
-                  <a:lnTo>
-                    <a:pt x="8722" y="398330"/>
-                  </a:lnTo>
-                  <a:lnTo>
-                    <a:pt x="17313" y="401565"/>
-                  </a:lnTo>
-                  <a:lnTo>
-                    <a:pt x="28564" y="401761"/>
-                  </a:lnTo>
-                  <a:lnTo>
-                    <a:pt x="42304" y="398914"/>
-                  </a:lnTo>
-                  <a:lnTo>
-                    <a:pt x="58325" y="393067"/>
-                  </a:lnTo>
-                  <a:lnTo>
-                    <a:pt x="76384" y="384308"/>
-                  </a:lnTo>
-                  <a:lnTo>
-                    <a:pt x="96208" y="372771"/>
-                  </a:lnTo>
-                  <a:lnTo>
-                    <a:pt x="117496" y="358631"/>
-                  </a:lnTo>
-                  <a:lnTo>
-                    <a:pt x="139925" y="342102"/>
-                  </a:lnTo>
-                  <a:lnTo>
-                    <a:pt x="163155" y="323433"/>
-                  </a:lnTo>
-                  <a:lnTo>
-                    <a:pt x="186835" y="302910"/>
-                  </a:lnTo>
-                  <a:lnTo>
-                    <a:pt x="210604" y="280841"/>
-                  </a:lnTo>
-                  <a:lnTo>
-                    <a:pt x="234104" y="257563"/>
-                  </a:lnTo>
-                  <a:lnTo>
-                    <a:pt x="256977" y="233428"/>
-                  </a:lnTo>
-                  <a:lnTo>
-                    <a:pt x="278877" y="208801"/>
-                  </a:lnTo>
-                  <a:lnTo>
-                    <a:pt x="299472" y="184056"/>
-                  </a:lnTo>
-                  <a:lnTo>
-                    <a:pt x="318450" y="159569"/>
-                  </a:lnTo>
-                  <a:lnTo>
-                    <a:pt x="335522" y="135710"/>
-                  </a:lnTo>
-                  <a:lnTo>
-                    <a:pt x="350431" y="112841"/>
-                  </a:lnTo>
-                  <a:lnTo>
-                    <a:pt x="362950" y="91309"/>
-                  </a:lnTo>
-                  <a:lnTo>
-                    <a:pt x="372890" y="71440"/>
-                  </a:lnTo>
-                  <a:lnTo>
-                    <a:pt x="380099" y="53535"/>
-                  </a:lnTo>
-                  <a:lnTo>
-                    <a:pt x="384469" y="37866"/>
+                    <a:pt x="408173" y="11048"/>
+                  </a:lnTo>
+                  <a:lnTo>
+                    <a:pt x="403534" y="4562"/>
+                  </a:lnTo>
+                  <a:lnTo>
+                    <a:pt x="395880" y="860"/>
+                  </a:lnTo>
+                  <a:lnTo>
+                    <a:pt x="385328" y="0"/>
+                  </a:lnTo>
+                  <a:lnTo>
+                    <a:pt x="372037" y="1992"/>
+                  </a:lnTo>
+                  <a:lnTo>
+                    <a:pt x="356209" y="6808"/>
+                  </a:lnTo>
+                  <a:lnTo>
+                    <a:pt x="338083" y="14374"/>
+                  </a:lnTo>
+                  <a:lnTo>
+                    <a:pt x="317936" y="24576"/>
+                  </a:lnTo>
+                  <a:lnTo>
+                    <a:pt x="296071" y="37259"/>
+                  </a:lnTo>
+                  <a:lnTo>
+                    <a:pt x="272821" y="52230"/>
+                  </a:lnTo>
+                  <a:lnTo>
+                    <a:pt x="248538" y="69264"/>
+                  </a:lnTo>
+                  <a:lnTo>
+                    <a:pt x="223589" y="88100"/>
+                  </a:lnTo>
+                  <a:lnTo>
+                    <a:pt x="198354" y="108455"/>
+                  </a:lnTo>
+                  <a:lnTo>
+                    <a:pt x="173215" y="130019"/>
+                  </a:lnTo>
+                  <a:lnTo>
+                    <a:pt x="148552" y="152466"/>
+                  </a:lnTo>
+                  <a:lnTo>
+                    <a:pt x="124740" y="175455"/>
+                  </a:lnTo>
+                  <a:lnTo>
+                    <a:pt x="102140" y="198638"/>
+                  </a:lnTo>
+                  <a:lnTo>
+                    <a:pt x="81094" y="221664"/>
+                  </a:lnTo>
+                  <a:lnTo>
+                    <a:pt x="61921" y="244182"/>
+                  </a:lnTo>
+                  <a:lnTo>
+                    <a:pt x="44912" y="265853"/>
+                  </a:lnTo>
+                  <a:lnTo>
+                    <a:pt x="30325" y="286347"/>
+                  </a:lnTo>
+                  <a:lnTo>
+                    <a:pt x="18381" y="305354"/>
+                  </a:lnTo>
+                  <a:lnTo>
+                    <a:pt x="9260" y="322585"/>
+                  </a:lnTo>
+                  <a:lnTo>
+                    <a:pt x="3102" y="337780"/>
+                  </a:lnTo>
+                  <a:lnTo>
+                    <a:pt x="0" y="350708"/>
+                  </a:lnTo>
+                  <a:lnTo>
+                    <a:pt x="0" y="361173"/>
+                  </a:lnTo>
+                  <a:lnTo>
+                    <a:pt x="3102" y="369017"/>
+                  </a:lnTo>
+                  <a:lnTo>
+                    <a:pt x="9260" y="374121"/>
+                  </a:lnTo>
+                  <a:lnTo>
+                    <a:pt x="18381" y="376406"/>
+                  </a:lnTo>
+                  <a:lnTo>
+                    <a:pt x="30325" y="375839"/>
+                  </a:lnTo>
+                  <a:lnTo>
+                    <a:pt x="44912" y="372428"/>
+                  </a:lnTo>
+                  <a:lnTo>
+                    <a:pt x="61921" y="366226"/>
+                  </a:lnTo>
+                  <a:lnTo>
+                    <a:pt x="81094" y="357325"/>
+                  </a:lnTo>
+                  <a:lnTo>
+                    <a:pt x="102140" y="345861"/>
+                  </a:lnTo>
+                  <a:lnTo>
+                    <a:pt x="124740" y="332007"/>
+                  </a:lnTo>
+                  <a:lnTo>
+                    <a:pt x="148552" y="315975"/>
+                  </a:lnTo>
+                  <a:lnTo>
+                    <a:pt x="173215" y="298005"/>
+                  </a:lnTo>
+                  <a:lnTo>
+                    <a:pt x="198354" y="278372"/>
+                  </a:lnTo>
+                  <a:lnTo>
+                    <a:pt x="223589" y="257373"/>
+                  </a:lnTo>
+                  <a:lnTo>
+                    <a:pt x="248538" y="235326"/>
+                  </a:lnTo>
+                  <a:lnTo>
+                    <a:pt x="272821" y="212564"/>
+                  </a:lnTo>
+                  <a:lnTo>
+                    <a:pt x="296071" y="189434"/>
+                  </a:lnTo>
+                  <a:lnTo>
+                    <a:pt x="317936" y="166286"/>
+                  </a:lnTo>
+                  <a:lnTo>
+                    <a:pt x="338083" y="143471"/>
+                  </a:lnTo>
+                  <a:lnTo>
+                    <a:pt x="356209" y="121335"/>
+                  </a:lnTo>
+                  <a:lnTo>
+                    <a:pt x="372037" y="100212"/>
+                  </a:lnTo>
+                  <a:lnTo>
+                    <a:pt x="385328" y="80424"/>
+                  </a:lnTo>
+                  <a:lnTo>
+                    <a:pt x="395880" y="62271"/>
+                  </a:lnTo>
+                  <a:lnTo>
+                    <a:pt x="403534" y="46027"/>
+                  </a:lnTo>
+                  <a:lnTo>
+                    <a:pt x="408173" y="31938"/>
                   </a:lnTo>
                   <a:close/>
                 </a:path>
@@ -49300,165 +49326,165 @@
           </p:nvSpPr>
           <p:spPr>
             <a:xfrm>
-              <a:off x="3569741" y="5081891"/>
-              <a:ext cx="506482" cy="132076"/>
+              <a:off x="3543546" y="5085253"/>
+              <a:ext cx="539410" cy="122248"/>
             </a:xfrm>
             <a:custGeom>
               <a:avLst/>
               <a:pathLst>
-                <a:path w="506482" h="132076">
+                <a:path w="539410" h="122248">
                   <a:moveTo>
-                    <a:pt x="506482" y="23160"/>
+                    <a:pt x="539410" y="20376"/>
                   </a:moveTo>
                   <a:lnTo>
-                    <a:pt x="504561" y="17310"/>
-                  </a:lnTo>
-                  <a:lnTo>
-                    <a:pt x="498826" y="12200"/>
-                  </a:lnTo>
-                  <a:lnTo>
-                    <a:pt x="489365" y="7906"/>
-                  </a:lnTo>
-                  <a:lnTo>
-                    <a:pt x="476321" y="4495"/>
-                  </a:lnTo>
-                  <a:lnTo>
-                    <a:pt x="459891" y="2018"/>
-                  </a:lnTo>
-                  <a:lnTo>
-                    <a:pt x="440326" y="511"/>
-                  </a:lnTo>
-                  <a:lnTo>
-                    <a:pt x="417920" y="0"/>
-                  </a:lnTo>
-                  <a:lnTo>
-                    <a:pt x="393015" y="490"/>
-                  </a:lnTo>
-                  <a:lnTo>
-                    <a:pt x="365987" y="1974"/>
-                  </a:lnTo>
-                  <a:lnTo>
-                    <a:pt x="337246" y="4431"/>
-                  </a:lnTo>
-                  <a:lnTo>
-                    <a:pt x="307229" y="7822"/>
-                  </a:lnTo>
-                  <a:lnTo>
-                    <a:pt x="276389" y="12097"/>
-                  </a:lnTo>
-                  <a:lnTo>
-                    <a:pt x="245194" y="17191"/>
-                  </a:lnTo>
-                  <a:lnTo>
-                    <a:pt x="214118" y="23026"/>
-                  </a:lnTo>
-                  <a:lnTo>
-                    <a:pt x="183632" y="29513"/>
-                  </a:lnTo>
-                  <a:lnTo>
-                    <a:pt x="154197" y="36556"/>
-                  </a:lnTo>
-                  <a:lnTo>
-                    <a:pt x="126260" y="44046"/>
-                  </a:lnTo>
-                  <a:lnTo>
-                    <a:pt x="100244" y="51871"/>
-                  </a:lnTo>
-                  <a:lnTo>
-                    <a:pt x="76543" y="59911"/>
-                  </a:lnTo>
-                  <a:lnTo>
-                    <a:pt x="55518" y="68045"/>
-                  </a:lnTo>
-                  <a:lnTo>
-                    <a:pt x="37486" y="76149"/>
-                  </a:lnTo>
-                  <a:lnTo>
-                    <a:pt x="22721" y="84101"/>
-                  </a:lnTo>
-                  <a:lnTo>
-                    <a:pt x="11447" y="91780"/>
-                  </a:lnTo>
-                  <a:lnTo>
-                    <a:pt x="3835" y="99070"/>
-                  </a:lnTo>
-                  <a:lnTo>
-                    <a:pt x="0" y="105860"/>
-                  </a:lnTo>
-                  <a:lnTo>
-                    <a:pt x="0" y="112047"/>
-                  </a:lnTo>
-                  <a:lnTo>
-                    <a:pt x="3835" y="117538"/>
-                  </a:lnTo>
-                  <a:lnTo>
-                    <a:pt x="11447" y="122249"/>
-                  </a:lnTo>
-                  <a:lnTo>
-                    <a:pt x="22721" y="126109"/>
-                  </a:lnTo>
-                  <a:lnTo>
-                    <a:pt x="37486" y="129059"/>
-                  </a:lnTo>
-                  <a:lnTo>
-                    <a:pt x="55518" y="131054"/>
-                  </a:lnTo>
-                  <a:lnTo>
-                    <a:pt x="76543" y="132065"/>
-                  </a:lnTo>
-                  <a:lnTo>
-                    <a:pt x="100244" y="132076"/>
-                  </a:lnTo>
-                  <a:lnTo>
-                    <a:pt x="126260" y="131087"/>
-                  </a:lnTo>
-                  <a:lnTo>
-                    <a:pt x="154197" y="129112"/>
-                  </a:lnTo>
-                  <a:lnTo>
-                    <a:pt x="183632" y="126183"/>
-                  </a:lnTo>
-                  <a:lnTo>
-                    <a:pt x="214118" y="122342"/>
-                  </a:lnTo>
-                  <a:lnTo>
-                    <a:pt x="245194" y="117649"/>
-                  </a:lnTo>
-                  <a:lnTo>
-                    <a:pt x="276389" y="112175"/>
-                  </a:lnTo>
-                  <a:lnTo>
-                    <a:pt x="307229" y="106002"/>
-                  </a:lnTo>
-                  <a:lnTo>
-                    <a:pt x="337246" y="99224"/>
-                  </a:lnTo>
-                  <a:lnTo>
-                    <a:pt x="365987" y="91944"/>
-                  </a:lnTo>
-                  <a:lnTo>
-                    <a:pt x="393015" y="84272"/>
-                  </a:lnTo>
-                  <a:lnTo>
-                    <a:pt x="417920" y="76324"/>
-                  </a:lnTo>
-                  <a:lnTo>
-                    <a:pt x="440326" y="68222"/>
-                  </a:lnTo>
-                  <a:lnTo>
-                    <a:pt x="459891" y="60087"/>
-                  </a:lnTo>
-                  <a:lnTo>
-                    <a:pt x="476321" y="52044"/>
-                  </a:lnTo>
-                  <a:lnTo>
-                    <a:pt x="489365" y="44213"/>
-                  </a:lnTo>
-                  <a:lnTo>
-                    <a:pt x="498826" y="36715"/>
-                  </a:lnTo>
-                  <a:lnTo>
-                    <a:pt x="504561" y="29661"/>
+                    <a:pt x="537364" y="15083"/>
+                  </a:lnTo>
+                  <a:lnTo>
+                    <a:pt x="531256" y="10488"/>
+                  </a:lnTo>
+                  <a:lnTo>
+                    <a:pt x="521180" y="6661"/>
+                  </a:lnTo>
+                  <a:lnTo>
+                    <a:pt x="507288" y="3660"/>
+                  </a:lnTo>
+                  <a:lnTo>
+                    <a:pt x="489790" y="1530"/>
+                  </a:lnTo>
+                  <a:lnTo>
+                    <a:pt x="468952" y="304"/>
+                  </a:lnTo>
+                  <a:lnTo>
+                    <a:pt x="445090" y="0"/>
+                  </a:lnTo>
+                  <a:lnTo>
+                    <a:pt x="418566" y="622"/>
+                  </a:lnTo>
+                  <a:lnTo>
+                    <a:pt x="389781" y="2163"/>
+                  </a:lnTo>
+                  <a:lnTo>
+                    <a:pt x="359171" y="4597"/>
+                  </a:lnTo>
+                  <a:lnTo>
+                    <a:pt x="327202" y="7888"/>
+                  </a:lnTo>
+                  <a:lnTo>
+                    <a:pt x="294357" y="11987"/>
+                  </a:lnTo>
+                  <a:lnTo>
+                    <a:pt x="261135" y="16831"/>
+                  </a:lnTo>
+                  <a:lnTo>
+                    <a:pt x="228039" y="22347"/>
+                  </a:lnTo>
+                  <a:lnTo>
+                    <a:pt x="195570" y="28450"/>
+                  </a:lnTo>
+                  <a:lnTo>
+                    <a:pt x="164222" y="35050"/>
+                  </a:lnTo>
+                  <a:lnTo>
+                    <a:pt x="134468" y="42044"/>
+                  </a:lnTo>
+                  <a:lnTo>
+                    <a:pt x="106761" y="49329"/>
+                  </a:lnTo>
+                  <a:lnTo>
+                    <a:pt x="81519" y="56792"/>
+                  </a:lnTo>
+                  <a:lnTo>
+                    <a:pt x="59127" y="64321"/>
+                  </a:lnTo>
+                  <a:lnTo>
+                    <a:pt x="39923" y="71803"/>
+                  </a:lnTo>
+                  <a:lnTo>
+                    <a:pt x="24198" y="79122"/>
+                  </a:lnTo>
+                  <a:lnTo>
+                    <a:pt x="12191" y="86169"/>
+                  </a:lnTo>
+                  <a:lnTo>
+                    <a:pt x="4084" y="92837"/>
+                  </a:lnTo>
+                  <a:lnTo>
+                    <a:pt x="0" y="99024"/>
+                  </a:lnTo>
+                  <a:lnTo>
+                    <a:pt x="0" y="104637"/>
+                  </a:lnTo>
+                  <a:lnTo>
+                    <a:pt x="4084" y="109590"/>
+                  </a:lnTo>
+                  <a:lnTo>
+                    <a:pt x="12191" y="113809"/>
+                  </a:lnTo>
+                  <a:lnTo>
+                    <a:pt x="24198" y="117230"/>
+                  </a:lnTo>
+                  <a:lnTo>
+                    <a:pt x="39923" y="119800"/>
+                  </a:lnTo>
+                  <a:lnTo>
+                    <a:pt x="59127" y="121482"/>
+                  </a:lnTo>
+                  <a:lnTo>
+                    <a:pt x="81519" y="122248"/>
+                  </a:lnTo>
+                  <a:lnTo>
+                    <a:pt x="106761" y="122088"/>
+                  </a:lnTo>
+                  <a:lnTo>
+                    <a:pt x="134468" y="121005"/>
+                  </a:lnTo>
+                  <a:lnTo>
+                    <a:pt x="164222" y="119014"/>
+                  </a:lnTo>
+                  <a:lnTo>
+                    <a:pt x="195570" y="116145"/>
+                  </a:lnTo>
+                  <a:lnTo>
+                    <a:pt x="228039" y="112443"/>
+                  </a:lnTo>
+                  <a:lnTo>
+                    <a:pt x="261135" y="107963"/>
+                  </a:lnTo>
+                  <a:lnTo>
+                    <a:pt x="294357" y="102774"/>
+                  </a:lnTo>
+                  <a:lnTo>
+                    <a:pt x="327202" y="96953"/>
+                  </a:lnTo>
+                  <a:lnTo>
+                    <a:pt x="359171" y="90590"/>
+                  </a:lnTo>
+                  <a:lnTo>
+                    <a:pt x="389781" y="83780"/>
+                  </a:lnTo>
+                  <a:lnTo>
+                    <a:pt x="418566" y="76627"/>
+                  </a:lnTo>
+                  <a:lnTo>
+                    <a:pt x="445090" y="69239"/>
+                  </a:lnTo>
+                  <a:lnTo>
+                    <a:pt x="468952" y="61728"/>
+                  </a:lnTo>
+                  <a:lnTo>
+                    <a:pt x="489790" y="54209"/>
+                  </a:lnTo>
+                  <a:lnTo>
+                    <a:pt x="507288" y="46794"/>
+                  </a:lnTo>
+                  <a:lnTo>
+                    <a:pt x="521180" y="39597"/>
+                  </a:lnTo>
+                  <a:lnTo>
+                    <a:pt x="531256" y="32727"/>
+                  </a:lnTo>
+                  <a:lnTo>
+                    <a:pt x="537364" y="26288"/>
                   </a:lnTo>
                   <a:close/>
                 </a:path>
@@ -49493,165 +49519,165 @@
           </p:nvSpPr>
           <p:spPr>
             <a:xfrm>
-              <a:off x="4538975" y="3572491"/>
-              <a:ext cx="750493" cy="824424"/>
+              <a:off x="4522807" y="3531535"/>
+              <a:ext cx="745799" cy="887496"/>
             </a:xfrm>
             <a:custGeom>
               <a:avLst/>
               <a:pathLst>
-                <a:path w="750493" h="824424">
+                <a:path w="745799" h="887496">
                   <a:moveTo>
-                    <a:pt x="750493" y="76581"/>
+                    <a:pt x="745799" y="89467"/>
                   </a:moveTo>
                   <a:lnTo>
-                    <a:pt x="747647" y="49704"/>
-                  </a:lnTo>
-                  <a:lnTo>
-                    <a:pt x="739149" y="28328"/>
-                  </a:lnTo>
-                  <a:lnTo>
-                    <a:pt x="725130" y="12777"/>
-                  </a:lnTo>
-                  <a:lnTo>
-                    <a:pt x="705801" y="3286"/>
-                  </a:lnTo>
-                  <a:lnTo>
-                    <a:pt x="681456" y="0"/>
-                  </a:lnTo>
-                  <a:lnTo>
-                    <a:pt x="652464" y="2967"/>
-                  </a:lnTo>
-                  <a:lnTo>
-                    <a:pt x="619265" y="12143"/>
-                  </a:lnTo>
-                  <a:lnTo>
-                    <a:pt x="582360" y="27390"/>
-                  </a:lnTo>
-                  <a:lnTo>
-                    <a:pt x="542311" y="48475"/>
-                  </a:lnTo>
-                  <a:lnTo>
-                    <a:pt x="499724" y="75079"/>
-                  </a:lnTo>
-                  <a:lnTo>
-                    <a:pt x="455244" y="106799"/>
-                  </a:lnTo>
-                  <a:lnTo>
-                    <a:pt x="409547" y="143155"/>
-                  </a:lnTo>
-                  <a:lnTo>
-                    <a:pt x="363324" y="183594"/>
-                  </a:lnTo>
-                  <a:lnTo>
-                    <a:pt x="317276" y="227504"/>
-                  </a:lnTo>
-                  <a:lnTo>
-                    <a:pt x="272102" y="274220"/>
-                  </a:lnTo>
-                  <a:lnTo>
-                    <a:pt x="228485" y="323032"/>
-                  </a:lnTo>
-                  <a:lnTo>
-                    <a:pt x="187089" y="373202"/>
-                  </a:lnTo>
-                  <a:lnTo>
-                    <a:pt x="148539" y="423969"/>
-                  </a:lnTo>
-                  <a:lnTo>
-                    <a:pt x="113420" y="474562"/>
-                  </a:lnTo>
-                  <a:lnTo>
-                    <a:pt x="82265" y="524216"/>
-                  </a:lnTo>
-                  <a:lnTo>
-                    <a:pt x="55546" y="572177"/>
-                  </a:lnTo>
-                  <a:lnTo>
-                    <a:pt x="33668" y="617719"/>
-                  </a:lnTo>
-                  <a:lnTo>
-                    <a:pt x="16962" y="660151"/>
-                  </a:lnTo>
-                  <a:lnTo>
-                    <a:pt x="5682" y="698829"/>
-                  </a:lnTo>
-                  <a:lnTo>
-                    <a:pt x="0" y="733168"/>
-                  </a:lnTo>
-                  <a:lnTo>
-                    <a:pt x="0" y="762647"/>
-                  </a:lnTo>
-                  <a:lnTo>
-                    <a:pt x="5682" y="786819"/>
-                  </a:lnTo>
-                  <a:lnTo>
-                    <a:pt x="16962" y="805318"/>
-                  </a:lnTo>
-                  <a:lnTo>
-                    <a:pt x="33668" y="817863"/>
-                  </a:lnTo>
-                  <a:lnTo>
-                    <a:pt x="55546" y="824264"/>
-                  </a:lnTo>
-                  <a:lnTo>
-                    <a:pt x="82265" y="824424"/>
-                  </a:lnTo>
-                  <a:lnTo>
-                    <a:pt x="113420" y="818340"/>
-                  </a:lnTo>
-                  <a:lnTo>
-                    <a:pt x="148539" y="806106"/>
-                  </a:lnTo>
-                  <a:lnTo>
-                    <a:pt x="187089" y="787905"/>
-                  </a:lnTo>
-                  <a:lnTo>
-                    <a:pt x="228485" y="764015"/>
-                  </a:lnTo>
-                  <a:lnTo>
-                    <a:pt x="272102" y="734798"/>
-                  </a:lnTo>
-                  <a:lnTo>
-                    <a:pt x="317276" y="700695"/>
-                  </a:lnTo>
-                  <a:lnTo>
-                    <a:pt x="363324" y="662225"/>
-                  </a:lnTo>
-                  <a:lnTo>
-                    <a:pt x="409547" y="619970"/>
-                  </a:lnTo>
-                  <a:lnTo>
-                    <a:pt x="455244" y="574571"/>
-                  </a:lnTo>
-                  <a:lnTo>
-                    <a:pt x="499724" y="526716"/>
-                  </a:lnTo>
-                  <a:lnTo>
-                    <a:pt x="542311" y="477131"/>
-                  </a:lnTo>
-                  <a:lnTo>
-                    <a:pt x="582360" y="426567"/>
-                  </a:lnTo>
-                  <a:lnTo>
-                    <a:pt x="619265" y="375790"/>
-                  </a:lnTo>
-                  <a:lnTo>
-                    <a:pt x="652464" y="325571"/>
-                  </a:lnTo>
-                  <a:lnTo>
-                    <a:pt x="681456" y="276671"/>
-                  </a:lnTo>
-                  <a:lnTo>
-                    <a:pt x="705801" y="229831"/>
-                  </a:lnTo>
-                  <a:lnTo>
-                    <a:pt x="725130" y="185761"/>
-                  </a:lnTo>
-                  <a:lnTo>
-                    <a:pt x="739149" y="145129"/>
-                  </a:lnTo>
-                  <a:lnTo>
-                    <a:pt x="747647" y="108550"/>
+                    <a:pt x="742970" y="59273"/>
+                  </a:lnTo>
+                  <a:lnTo>
+                    <a:pt x="734526" y="34907"/>
+                  </a:lnTo>
+                  <a:lnTo>
+                    <a:pt x="720594" y="16739"/>
+                  </a:lnTo>
+                  <a:lnTo>
+                    <a:pt x="701387" y="5044"/>
+                  </a:lnTo>
+                  <a:lnTo>
+                    <a:pt x="677194" y="0"/>
+                  </a:lnTo>
+                  <a:lnTo>
+                    <a:pt x="648383" y="1682"/>
+                  </a:lnTo>
+                  <a:lnTo>
+                    <a:pt x="615391" y="10065"/>
+                  </a:lnTo>
+                  <a:lnTo>
+                    <a:pt x="578718" y="25022"/>
+                  </a:lnTo>
+                  <a:lnTo>
+                    <a:pt x="538919" y="46327"/>
+                  </a:lnTo>
+                  <a:lnTo>
+                    <a:pt x="496598" y="73657"/>
+                  </a:lnTo>
+                  <a:lnTo>
+                    <a:pt x="452397" y="106597"/>
+                  </a:lnTo>
+                  <a:lnTo>
+                    <a:pt x="406985" y="144647"/>
+                  </a:lnTo>
+                  <a:lnTo>
+                    <a:pt x="361051" y="187232"/>
+                  </a:lnTo>
+                  <a:lnTo>
+                    <a:pt x="315291" y="233705"/>
+                  </a:lnTo>
+                  <a:lnTo>
+                    <a:pt x="270400" y="283362"/>
+                  </a:lnTo>
+                  <a:lnTo>
+                    <a:pt x="227056" y="335450"/>
+                  </a:lnTo>
+                  <a:lnTo>
+                    <a:pt x="185918" y="389180"/>
+                  </a:lnTo>
+                  <a:lnTo>
+                    <a:pt x="147610" y="443738"/>
+                  </a:lnTo>
+                  <a:lnTo>
+                    <a:pt x="112711" y="498295"/>
+                  </a:lnTo>
+                  <a:lnTo>
+                    <a:pt x="81751" y="552026"/>
+                  </a:lnTo>
+                  <a:lnTo>
+                    <a:pt x="55199" y="604115"/>
+                  </a:lnTo>
+                  <a:lnTo>
+                    <a:pt x="33457" y="653773"/>
+                  </a:lnTo>
+                  <a:lnTo>
+                    <a:pt x="16856" y="700247"/>
+                  </a:lnTo>
+                  <a:lnTo>
+                    <a:pt x="5647" y="742833"/>
+                  </a:lnTo>
+                  <a:lnTo>
+                    <a:pt x="0" y="780886"/>
+                  </a:lnTo>
+                  <a:lnTo>
+                    <a:pt x="0" y="813827"/>
+                  </a:lnTo>
+                  <a:lnTo>
+                    <a:pt x="5647" y="841159"/>
+                  </a:lnTo>
+                  <a:lnTo>
+                    <a:pt x="16856" y="862466"/>
+                  </a:lnTo>
+                  <a:lnTo>
+                    <a:pt x="33457" y="877426"/>
+                  </a:lnTo>
+                  <a:lnTo>
+                    <a:pt x="55199" y="885811"/>
+                  </a:lnTo>
+                  <a:lnTo>
+                    <a:pt x="81751" y="887496"/>
+                  </a:lnTo>
+                  <a:lnTo>
+                    <a:pt x="112711" y="882454"/>
+                  </a:lnTo>
+                  <a:lnTo>
+                    <a:pt x="147610" y="870761"/>
+                  </a:lnTo>
+                  <a:lnTo>
+                    <a:pt x="185918" y="852595"/>
+                  </a:lnTo>
+                  <a:lnTo>
+                    <a:pt x="227056" y="828232"/>
+                  </a:lnTo>
+                  <a:lnTo>
+                    <a:pt x="270400" y="798040"/>
+                  </a:lnTo>
+                  <a:lnTo>
+                    <a:pt x="315291" y="762477"/>
+                  </a:lnTo>
+                  <a:lnTo>
+                    <a:pt x="361051" y="722083"/>
+                  </a:lnTo>
+                  <a:lnTo>
+                    <a:pt x="406985" y="677470"/>
+                  </a:lnTo>
+                  <a:lnTo>
+                    <a:pt x="452397" y="629313"/>
+                  </a:lnTo>
+                  <a:lnTo>
+                    <a:pt x="496598" y="578344"/>
+                  </a:lnTo>
+                  <a:lnTo>
+                    <a:pt x="538919" y="525334"/>
+                  </a:lnTo>
+                  <a:lnTo>
+                    <a:pt x="578718" y="471088"/>
+                  </a:lnTo>
+                  <a:lnTo>
+                    <a:pt x="615391" y="416427"/>
+                  </a:lnTo>
+                  <a:lnTo>
+                    <a:pt x="648383" y="362180"/>
+                  </a:lnTo>
+                  <a:lnTo>
+                    <a:pt x="677194" y="309169"/>
+                  </a:lnTo>
+                  <a:lnTo>
+                    <a:pt x="701387" y="258199"/>
+                  </a:lnTo>
+                  <a:lnTo>
+                    <a:pt x="720594" y="210042"/>
+                  </a:lnTo>
+                  <a:lnTo>
+                    <a:pt x="734526" y="165427"/>
+                  </a:lnTo>
+                  <a:lnTo>
+                    <a:pt x="742970" y="125031"/>
                   </a:lnTo>
                   <a:close/>
                 </a:path>

--- a/Analysis/Music-Descriptor-Space.pptx
+++ b/Analysis/Music-Descriptor-Space.pptx
@@ -3427,13 +3427,13 @@
             </a:prstGeom>
             <a:solidFill>
               <a:srgbClr val="FF0000">
-                <a:alpha val="40000"/>
+                <a:alpha val="80000"/>
               </a:srgbClr>
             </a:solidFill>
             <a:ln w="9000" cap="rnd">
               <a:solidFill>
                 <a:srgbClr val="FF0000">
-                  <a:alpha val="40000"/>
+                  <a:alpha val="80000"/>
                 </a:srgbClr>
               </a:solidFill>
               <a:prstDash val="solid"/>
@@ -3462,13 +3462,13 @@
             </a:prstGeom>
             <a:solidFill>
               <a:srgbClr val="FF0000">
-                <a:alpha val="40000"/>
+                <a:alpha val="80000"/>
               </a:srgbClr>
             </a:solidFill>
             <a:ln w="9000" cap="rnd">
               <a:solidFill>
                 <a:srgbClr val="FF0000">
-                  <a:alpha val="40000"/>
+                  <a:alpha val="80000"/>
                 </a:srgbClr>
               </a:solidFill>
               <a:prstDash val="solid"/>
@@ -3497,13 +3497,13 @@
             </a:prstGeom>
             <a:solidFill>
               <a:srgbClr val="50A45C">
-                <a:alpha val="40000"/>
+                <a:alpha val="80000"/>
               </a:srgbClr>
             </a:solidFill>
             <a:ln w="9000" cap="rnd">
               <a:solidFill>
                 <a:srgbClr val="50A45C">
-                  <a:alpha val="40000"/>
+                  <a:alpha val="80000"/>
                 </a:srgbClr>
               </a:solidFill>
               <a:prstDash val="solid"/>
@@ -3532,13 +3532,13 @@
             </a:prstGeom>
             <a:solidFill>
               <a:srgbClr val="F69100">
-                <a:alpha val="40000"/>
+                <a:alpha val="80000"/>
               </a:srgbClr>
             </a:solidFill>
             <a:ln w="9000" cap="rnd">
               <a:solidFill>
                 <a:srgbClr val="F69100">
-                  <a:alpha val="40000"/>
+                  <a:alpha val="80000"/>
                 </a:srgbClr>
               </a:solidFill>
               <a:prstDash val="solid"/>
@@ -3567,13 +3567,13 @@
             </a:prstGeom>
             <a:solidFill>
               <a:srgbClr val="50A45C">
-                <a:alpha val="40000"/>
+                <a:alpha val="80000"/>
               </a:srgbClr>
             </a:solidFill>
             <a:ln w="9000" cap="rnd">
               <a:solidFill>
                 <a:srgbClr val="50A45C">
-                  <a:alpha val="40000"/>
+                  <a:alpha val="80000"/>
                 </a:srgbClr>
               </a:solidFill>
               <a:prstDash val="solid"/>
@@ -3602,13 +3602,13 @@
             </a:prstGeom>
             <a:solidFill>
               <a:srgbClr val="50A45C">
-                <a:alpha val="40000"/>
+                <a:alpha val="80000"/>
               </a:srgbClr>
             </a:solidFill>
             <a:ln w="9000" cap="rnd">
               <a:solidFill>
                 <a:srgbClr val="50A45C">
-                  <a:alpha val="40000"/>
+                  <a:alpha val="80000"/>
                 </a:srgbClr>
               </a:solidFill>
               <a:prstDash val="solid"/>
@@ -3637,13 +3637,13 @@
             </a:prstGeom>
             <a:solidFill>
               <a:srgbClr val="5BBCD6">
-                <a:alpha val="40000"/>
+                <a:alpha val="80000"/>
               </a:srgbClr>
             </a:solidFill>
             <a:ln w="9000" cap="rnd">
               <a:solidFill>
                 <a:srgbClr val="5BBCD6">
-                  <a:alpha val="40000"/>
+                  <a:alpha val="80000"/>
                 </a:srgbClr>
               </a:solidFill>
               <a:prstDash val="solid"/>
@@ -3672,13 +3672,13 @@
             </a:prstGeom>
             <a:solidFill>
               <a:srgbClr val="FF0000">
-                <a:alpha val="40000"/>
+                <a:alpha val="80000"/>
               </a:srgbClr>
             </a:solidFill>
             <a:ln w="9000" cap="rnd">
               <a:solidFill>
                 <a:srgbClr val="FF0000">
-                  <a:alpha val="40000"/>
+                  <a:alpha val="80000"/>
                 </a:srgbClr>
               </a:solidFill>
               <a:prstDash val="solid"/>
@@ -3707,13 +3707,13 @@
             </a:prstGeom>
             <a:solidFill>
               <a:srgbClr val="50A45C">
-                <a:alpha val="40000"/>
+                <a:alpha val="80000"/>
               </a:srgbClr>
             </a:solidFill>
             <a:ln w="9000" cap="rnd">
               <a:solidFill>
                 <a:srgbClr val="50A45C">
-                  <a:alpha val="40000"/>
+                  <a:alpha val="80000"/>
                 </a:srgbClr>
               </a:solidFill>
               <a:prstDash val="solid"/>
@@ -3742,13 +3742,13 @@
             </a:prstGeom>
             <a:solidFill>
               <a:srgbClr val="5BBCD6">
-                <a:alpha val="40000"/>
+                <a:alpha val="80000"/>
               </a:srgbClr>
             </a:solidFill>
             <a:ln w="9000" cap="rnd">
               <a:solidFill>
                 <a:srgbClr val="5BBCD6">
-                  <a:alpha val="40000"/>
+                  <a:alpha val="80000"/>
                 </a:srgbClr>
               </a:solidFill>
               <a:prstDash val="solid"/>
@@ -3777,13 +3777,13 @@
             </a:prstGeom>
             <a:solidFill>
               <a:srgbClr val="FF0000">
-                <a:alpha val="40000"/>
+                <a:alpha val="80000"/>
               </a:srgbClr>
             </a:solidFill>
             <a:ln w="9000" cap="rnd">
               <a:solidFill>
                 <a:srgbClr val="FF0000">
-                  <a:alpha val="40000"/>
+                  <a:alpha val="80000"/>
                 </a:srgbClr>
               </a:solidFill>
               <a:prstDash val="solid"/>
@@ -3812,13 +3812,13 @@
             </a:prstGeom>
             <a:solidFill>
               <a:srgbClr val="F69100">
-                <a:alpha val="40000"/>
+                <a:alpha val="80000"/>
               </a:srgbClr>
             </a:solidFill>
             <a:ln w="9000" cap="rnd">
               <a:solidFill>
                 <a:srgbClr val="F69100">
-                  <a:alpha val="40000"/>
+                  <a:alpha val="80000"/>
                 </a:srgbClr>
               </a:solidFill>
               <a:prstDash val="solid"/>
@@ -3847,13 +3847,13 @@
             </a:prstGeom>
             <a:solidFill>
               <a:srgbClr val="50A45C">
-                <a:alpha val="40000"/>
+                <a:alpha val="80000"/>
               </a:srgbClr>
             </a:solidFill>
             <a:ln w="9000" cap="rnd">
               <a:solidFill>
                 <a:srgbClr val="50A45C">
-                  <a:alpha val="40000"/>
+                  <a:alpha val="80000"/>
                 </a:srgbClr>
               </a:solidFill>
               <a:prstDash val="solid"/>
@@ -3882,13 +3882,13 @@
             </a:prstGeom>
             <a:solidFill>
               <a:srgbClr val="FF0000">
-                <a:alpha val="40000"/>
+                <a:alpha val="80000"/>
               </a:srgbClr>
             </a:solidFill>
             <a:ln w="9000" cap="rnd">
               <a:solidFill>
                 <a:srgbClr val="FF0000">
-                  <a:alpha val="40000"/>
+                  <a:alpha val="80000"/>
                 </a:srgbClr>
               </a:solidFill>
               <a:prstDash val="solid"/>
@@ -3917,13 +3917,13 @@
             </a:prstGeom>
             <a:solidFill>
               <a:srgbClr val="50A45C">
-                <a:alpha val="40000"/>
+                <a:alpha val="80000"/>
               </a:srgbClr>
             </a:solidFill>
             <a:ln w="9000" cap="rnd">
               <a:solidFill>
                 <a:srgbClr val="50A45C">
-                  <a:alpha val="40000"/>
+                  <a:alpha val="80000"/>
                 </a:srgbClr>
               </a:solidFill>
               <a:prstDash val="solid"/>
@@ -3952,13 +3952,13 @@
             </a:prstGeom>
             <a:solidFill>
               <a:srgbClr val="50A45C">
-                <a:alpha val="40000"/>
+                <a:alpha val="80000"/>
               </a:srgbClr>
             </a:solidFill>
             <a:ln w="9000" cap="rnd">
               <a:solidFill>
                 <a:srgbClr val="50A45C">
-                  <a:alpha val="40000"/>
+                  <a:alpha val="80000"/>
                 </a:srgbClr>
               </a:solidFill>
               <a:prstDash val="solid"/>
@@ -3987,13 +3987,13 @@
             </a:prstGeom>
             <a:solidFill>
               <a:srgbClr val="F69100">
-                <a:alpha val="40000"/>
+                <a:alpha val="80000"/>
               </a:srgbClr>
             </a:solidFill>
             <a:ln w="9000" cap="rnd">
               <a:solidFill>
                 <a:srgbClr val="F69100">
-                  <a:alpha val="40000"/>
+                  <a:alpha val="80000"/>
                 </a:srgbClr>
               </a:solidFill>
               <a:prstDash val="solid"/>
@@ -4022,13 +4022,13 @@
             </a:prstGeom>
             <a:solidFill>
               <a:srgbClr val="5BBCD6">
-                <a:alpha val="40000"/>
+                <a:alpha val="80000"/>
               </a:srgbClr>
             </a:solidFill>
             <a:ln w="9000" cap="rnd">
               <a:solidFill>
                 <a:srgbClr val="5BBCD6">
-                  <a:alpha val="40000"/>
+                  <a:alpha val="80000"/>
                 </a:srgbClr>
               </a:solidFill>
               <a:prstDash val="solid"/>
@@ -4057,13 +4057,13 @@
             </a:prstGeom>
             <a:solidFill>
               <a:srgbClr val="50A45C">
-                <a:alpha val="40000"/>
+                <a:alpha val="80000"/>
               </a:srgbClr>
             </a:solidFill>
             <a:ln w="9000" cap="rnd">
               <a:solidFill>
                 <a:srgbClr val="50A45C">
-                  <a:alpha val="40000"/>
+                  <a:alpha val="80000"/>
                 </a:srgbClr>
               </a:solidFill>
               <a:prstDash val="solid"/>
@@ -4092,13 +4092,13 @@
             </a:prstGeom>
             <a:solidFill>
               <a:srgbClr val="FF0000">
-                <a:alpha val="40000"/>
+                <a:alpha val="80000"/>
               </a:srgbClr>
             </a:solidFill>
             <a:ln w="9000" cap="rnd">
               <a:solidFill>
                 <a:srgbClr val="FF0000">
-                  <a:alpha val="40000"/>
+                  <a:alpha val="80000"/>
                 </a:srgbClr>
               </a:solidFill>
               <a:prstDash val="solid"/>
@@ -4127,13 +4127,13 @@
             </a:prstGeom>
             <a:solidFill>
               <a:srgbClr val="F69100">
-                <a:alpha val="40000"/>
+                <a:alpha val="80000"/>
               </a:srgbClr>
             </a:solidFill>
             <a:ln w="9000" cap="rnd">
               <a:solidFill>
                 <a:srgbClr val="F69100">
-                  <a:alpha val="40000"/>
+                  <a:alpha val="80000"/>
                 </a:srgbClr>
               </a:solidFill>
               <a:prstDash val="solid"/>
@@ -4162,13 +4162,13 @@
             </a:prstGeom>
             <a:solidFill>
               <a:srgbClr val="50A45C">
-                <a:alpha val="40000"/>
+                <a:alpha val="80000"/>
               </a:srgbClr>
             </a:solidFill>
             <a:ln w="9000" cap="rnd">
               <a:solidFill>
                 <a:srgbClr val="50A45C">
-                  <a:alpha val="40000"/>
+                  <a:alpha val="80000"/>
                 </a:srgbClr>
               </a:solidFill>
               <a:prstDash val="solid"/>
@@ -4197,13 +4197,13 @@
             </a:prstGeom>
             <a:solidFill>
               <a:srgbClr val="FF0000">
-                <a:alpha val="40000"/>
+                <a:alpha val="80000"/>
               </a:srgbClr>
             </a:solidFill>
             <a:ln w="9000" cap="rnd">
               <a:solidFill>
                 <a:srgbClr val="FF0000">
-                  <a:alpha val="40000"/>
+                  <a:alpha val="80000"/>
                 </a:srgbClr>
               </a:solidFill>
               <a:prstDash val="solid"/>
@@ -4232,13 +4232,13 @@
             </a:prstGeom>
             <a:solidFill>
               <a:srgbClr val="F69100">
-                <a:alpha val="40000"/>
+                <a:alpha val="80000"/>
               </a:srgbClr>
             </a:solidFill>
             <a:ln w="9000" cap="rnd">
               <a:solidFill>
                 <a:srgbClr val="F69100">
-                  <a:alpha val="40000"/>
+                  <a:alpha val="80000"/>
                 </a:srgbClr>
               </a:solidFill>
               <a:prstDash val="solid"/>
@@ -4267,13 +4267,13 @@
             </a:prstGeom>
             <a:solidFill>
               <a:srgbClr val="50A45C">
-                <a:alpha val="40000"/>
+                <a:alpha val="80000"/>
               </a:srgbClr>
             </a:solidFill>
             <a:ln w="9000" cap="rnd">
               <a:solidFill>
                 <a:srgbClr val="50A45C">
-                  <a:alpha val="40000"/>
+                  <a:alpha val="80000"/>
                 </a:srgbClr>
               </a:solidFill>
               <a:prstDash val="solid"/>
@@ -4302,13 +4302,13 @@
             </a:prstGeom>
             <a:solidFill>
               <a:srgbClr val="5BBCD6">
-                <a:alpha val="40000"/>
+                <a:alpha val="80000"/>
               </a:srgbClr>
             </a:solidFill>
             <a:ln w="9000" cap="rnd">
               <a:solidFill>
                 <a:srgbClr val="5BBCD6">
-                  <a:alpha val="40000"/>
+                  <a:alpha val="80000"/>
                 </a:srgbClr>
               </a:solidFill>
               <a:prstDash val="solid"/>
@@ -4337,13 +4337,13 @@
             </a:prstGeom>
             <a:solidFill>
               <a:srgbClr val="5BBCD6">
-                <a:alpha val="40000"/>
+                <a:alpha val="80000"/>
               </a:srgbClr>
             </a:solidFill>
             <a:ln w="9000" cap="rnd">
               <a:solidFill>
                 <a:srgbClr val="5BBCD6">
-                  <a:alpha val="40000"/>
+                  <a:alpha val="80000"/>
                 </a:srgbClr>
               </a:solidFill>
               <a:prstDash val="solid"/>
@@ -4372,13 +4372,13 @@
             </a:prstGeom>
             <a:solidFill>
               <a:srgbClr val="50A45C">
-                <a:alpha val="40000"/>
+                <a:alpha val="80000"/>
               </a:srgbClr>
             </a:solidFill>
             <a:ln w="9000" cap="rnd">
               <a:solidFill>
                 <a:srgbClr val="50A45C">
-                  <a:alpha val="40000"/>
+                  <a:alpha val="80000"/>
                 </a:srgbClr>
               </a:solidFill>
               <a:prstDash val="solid"/>
@@ -4399,18 +4399,18 @@
           </p:nvSpPr>
           <p:spPr>
             <a:xfrm>
-              <a:off x="4405712" y="4023783"/>
-              <a:ext cx="309545" cy="107715"/>
+              <a:off x="4617838" y="3241257"/>
+              <a:ext cx="10434" cy="128700"/>
             </a:xfrm>
             <a:custGeom>
               <a:avLst/>
               <a:pathLst>
-                <a:path w="309545" h="107715">
+                <a:path w="10434" h="128700">
                   <a:moveTo>
-                    <a:pt x="309545" y="0"/>
+                    <a:pt x="0" y="0"/>
                   </a:moveTo>
                   <a:lnTo>
-                    <a:pt x="0" y="107715"/>
+                    <a:pt x="10434" y="128700"/>
                   </a:lnTo>
                 </a:path>
               </a:pathLst>
@@ -4424,14 +4424,76 @@
         </p:sp>
         <p:sp>
           <p:nvSpPr>
-            <p:cNvPr id="59" name="tx58"/>
-            <p:cNvSpPr/>
-            <p:nvPr/>
-          </p:nvSpPr>
-          <p:spPr>
-            <a:xfrm>
-              <a:off x="3506077" y="5235505"/>
-              <a:ext cx="488087" cy="99300"/>
+            <p:cNvPr id="59" name="pl58"/>
+            <p:cNvSpPr/>
+            <p:nvPr/>
+          </p:nvSpPr>
+          <p:spPr>
+            <a:xfrm>
+              <a:off x="4406168" y="4135666"/>
+              <a:ext cx="114596" cy="2627"/>
+            </a:xfrm>
+            <a:custGeom>
+              <a:avLst/>
+              <a:pathLst>
+                <a:path w="114596" h="2627">
+                  <a:moveTo>
+                    <a:pt x="114596" y="2627"/>
+                  </a:moveTo>
+                  <a:lnTo>
+                    <a:pt x="0" y="0"/>
+                  </a:lnTo>
+                </a:path>
+              </a:pathLst>
+            </a:custGeom>
+          </p:spPr>
+          <p:txBody>
+            <a:bodyPr/>
+            <a:lstStyle/>
+            <a:p/>
+          </p:txBody>
+        </p:sp>
+        <p:sp>
+          <p:nvSpPr>
+            <p:cNvPr id="60" name="pl59"/>
+            <p:cNvSpPr/>
+            <p:nvPr/>
+          </p:nvSpPr>
+          <p:spPr>
+            <a:xfrm>
+              <a:off x="4976472" y="3667929"/>
+              <a:ext cx="60" cy="173139"/>
+            </a:xfrm>
+            <a:custGeom>
+              <a:avLst/>
+              <a:pathLst>
+                <a:path w="60" h="173139">
+                  <a:moveTo>
+                    <a:pt x="0" y="173139"/>
+                  </a:moveTo>
+                  <a:lnTo>
+                    <a:pt x="60" y="0"/>
+                  </a:lnTo>
+                </a:path>
+              </a:pathLst>
+            </a:custGeom>
+          </p:spPr>
+          <p:txBody>
+            <a:bodyPr/>
+            <a:lstStyle/>
+            <a:p/>
+          </p:txBody>
+        </p:sp>
+        <p:sp>
+          <p:nvSpPr>
+            <p:cNvPr id="61" name="tx60"/>
+            <p:cNvSpPr/>
+            <p:nvPr/>
+          </p:nvSpPr>
+          <p:spPr>
+            <a:xfrm>
+              <a:off x="3883482" y="5254456"/>
+              <a:ext cx="100482" cy="129860"/>
             </a:xfrm>
             <a:prstGeom prst="rect">
               <a:avLst/>
@@ -4444,7 +4506,7 @@
             <a:p>
               <a:pPr algn="l" marL="0" marR="0" indent="0">
                 <a:lnSpc>
-                  <a:spcPts val="853"/>
+                  <a:spcPts val="1422"/>
                 </a:lnSpc>
                 <a:spcBef>
                   <a:spcPts val="0"/>
@@ -4454,30 +4516,30 @@
                 </a:spcAft>
               </a:pPr>
               <a:r>
-                <a:rPr sz="853" b="1">
+                <a:rPr sz="1422" b="1">
                   <a:solidFill>
                     <a:srgbClr val="FF0000">
-                      <a:alpha val="40000"/>
+                      <a:alpha val="80000"/>
                     </a:srgbClr>
                   </a:solidFill>
                   <a:latin typeface="Arial"/>
                   <a:cs typeface="Arial"/>
                 </a:rPr>
-                <a:t>Excerpt.1</a:t>
+                <a:t>1</a:t>
               </a:r>
             </a:p>
           </p:txBody>
         </p:sp>
         <p:sp>
           <p:nvSpPr>
-            <p:cNvPr id="60" name="tx59"/>
-            <p:cNvSpPr/>
-            <p:nvPr/>
-          </p:nvSpPr>
-          <p:spPr>
-            <a:xfrm>
-              <a:off x="4024012" y="4560997"/>
-              <a:ext cx="488087" cy="99300"/>
+            <p:cNvPr id="62" name="tx61"/>
+            <p:cNvSpPr/>
+            <p:nvPr/>
+          </p:nvSpPr>
+          <p:spPr>
+            <a:xfrm>
+              <a:off x="4173368" y="4547489"/>
+              <a:ext cx="100482" cy="129860"/>
             </a:xfrm>
             <a:prstGeom prst="rect">
               <a:avLst/>
@@ -4490,7 +4552,7 @@
             <a:p>
               <a:pPr algn="l" marL="0" marR="0" indent="0">
                 <a:lnSpc>
-                  <a:spcPts val="853"/>
+                  <a:spcPts val="1422"/>
                 </a:lnSpc>
                 <a:spcBef>
                   <a:spcPts val="0"/>
@@ -4500,30 +4562,30 @@
                 </a:spcAft>
               </a:pPr>
               <a:r>
-                <a:rPr sz="853" b="1">
+                <a:rPr sz="1422" b="1">
                   <a:solidFill>
                     <a:srgbClr val="FF0000">
-                      <a:alpha val="40000"/>
+                      <a:alpha val="80000"/>
                     </a:srgbClr>
                   </a:solidFill>
                   <a:latin typeface="Arial"/>
                   <a:cs typeface="Arial"/>
                 </a:rPr>
-                <a:t>Excerpt.2</a:t>
+                <a:t>2</a:t>
               </a:r>
             </a:p>
           </p:txBody>
         </p:sp>
         <p:sp>
           <p:nvSpPr>
-            <p:cNvPr id="61" name="tx60"/>
-            <p:cNvSpPr/>
-            <p:nvPr/>
-          </p:nvSpPr>
-          <p:spPr>
-            <a:xfrm>
-              <a:off x="5263051" y="3649538"/>
-              <a:ext cx="488087" cy="99300"/>
+            <p:cNvPr id="63" name="tx62"/>
+            <p:cNvSpPr/>
+            <p:nvPr/>
+          </p:nvSpPr>
+          <p:spPr>
+            <a:xfrm>
+              <a:off x="5477585" y="3666897"/>
+              <a:ext cx="100482" cy="132065"/>
             </a:xfrm>
             <a:prstGeom prst="rect">
               <a:avLst/>
@@ -4536,7 +4598,7 @@
             <a:p>
               <a:pPr algn="l" marL="0" marR="0" indent="0">
                 <a:lnSpc>
-                  <a:spcPts val="853"/>
+                  <a:spcPts val="1422"/>
                 </a:lnSpc>
                 <a:spcBef>
                   <a:spcPts val="0"/>
@@ -4546,30 +4608,30 @@
                 </a:spcAft>
               </a:pPr>
               <a:r>
-                <a:rPr sz="853" b="1">
+                <a:rPr sz="1422" b="1">
                   <a:solidFill>
                     <a:srgbClr val="50A45C">
-                      <a:alpha val="40000"/>
+                      <a:alpha val="80000"/>
                     </a:srgbClr>
                   </a:solidFill>
                   <a:latin typeface="Arial"/>
                   <a:cs typeface="Arial"/>
                 </a:rPr>
-                <a:t>Excerpt.3</a:t>
+                <a:t>3</a:t>
               </a:r>
             </a:p>
           </p:txBody>
         </p:sp>
         <p:sp>
           <p:nvSpPr>
-            <p:cNvPr id="62" name="tx61"/>
-            <p:cNvSpPr/>
-            <p:nvPr/>
-          </p:nvSpPr>
-          <p:spPr>
-            <a:xfrm>
-              <a:off x="4682997" y="3791610"/>
-              <a:ext cx="488087" cy="99300"/>
+            <p:cNvPr id="64" name="tx63"/>
+            <p:cNvSpPr/>
+            <p:nvPr/>
+          </p:nvSpPr>
+          <p:spPr>
+            <a:xfrm>
+              <a:off x="4683671" y="3852040"/>
+              <a:ext cx="100482" cy="129860"/>
             </a:xfrm>
             <a:prstGeom prst="rect">
               <a:avLst/>
@@ -4582,7 +4644,7 @@
             <a:p>
               <a:pPr algn="l" marL="0" marR="0" indent="0">
                 <a:lnSpc>
-                  <a:spcPts val="853"/>
+                  <a:spcPts val="1422"/>
                 </a:lnSpc>
                 <a:spcBef>
                   <a:spcPts val="0"/>
@@ -4592,30 +4654,30 @@
                 </a:spcAft>
               </a:pPr>
               <a:r>
-                <a:rPr sz="853" b="1">
+                <a:rPr sz="1422" b="1">
                   <a:solidFill>
                     <a:srgbClr val="F69100">
-                      <a:alpha val="40000"/>
+                      <a:alpha val="80000"/>
                     </a:srgbClr>
                   </a:solidFill>
                   <a:latin typeface="Arial"/>
                   <a:cs typeface="Arial"/>
                 </a:rPr>
-                <a:t>Excerpt.4</a:t>
+                <a:t>4</a:t>
               </a:r>
             </a:p>
           </p:txBody>
         </p:sp>
         <p:sp>
           <p:nvSpPr>
-            <p:cNvPr id="63" name="tx62"/>
-            <p:cNvSpPr/>
-            <p:nvPr/>
-          </p:nvSpPr>
-          <p:spPr>
-            <a:xfrm>
-              <a:off x="4409537" y="4392210"/>
-              <a:ext cx="488087" cy="98983"/>
+            <p:cNvPr id="65" name="tx64"/>
+            <p:cNvSpPr/>
+            <p:nvPr/>
+          </p:nvSpPr>
+          <p:spPr>
+            <a:xfrm>
+              <a:off x="4409954" y="4343456"/>
+              <a:ext cx="100482" cy="129771"/>
             </a:xfrm>
             <a:prstGeom prst="rect">
               <a:avLst/>
@@ -4628,7 +4690,7 @@
             <a:p>
               <a:pPr algn="l" marL="0" marR="0" indent="0">
                 <a:lnSpc>
-                  <a:spcPts val="853"/>
+                  <a:spcPts val="1422"/>
                 </a:lnSpc>
                 <a:spcBef>
                   <a:spcPts val="0"/>
@@ -4638,30 +4700,30 @@
                 </a:spcAft>
               </a:pPr>
               <a:r>
-                <a:rPr sz="853" b="1">
+                <a:rPr sz="1422" b="1">
                   <a:solidFill>
                     <a:srgbClr val="50A45C">
-                      <a:alpha val="40000"/>
+                      <a:alpha val="80000"/>
                     </a:srgbClr>
                   </a:solidFill>
                   <a:latin typeface="Arial"/>
                   <a:cs typeface="Arial"/>
                 </a:rPr>
-                <a:t>Excerpt.5</a:t>
+                <a:t>5</a:t>
               </a:r>
             </a:p>
           </p:txBody>
         </p:sp>
         <p:sp>
           <p:nvSpPr>
-            <p:cNvPr id="64" name="tx63"/>
-            <p:cNvSpPr/>
-            <p:nvPr/>
-          </p:nvSpPr>
-          <p:spPr>
-            <a:xfrm>
-              <a:off x="3293054" y="4708336"/>
-              <a:ext cx="488087" cy="98983"/>
+            <p:cNvPr id="66" name="tx65"/>
+            <p:cNvSpPr/>
+            <p:nvPr/>
+          </p:nvSpPr>
+          <p:spPr>
+            <a:xfrm>
+              <a:off x="3466678" y="4681277"/>
+              <a:ext cx="100482" cy="127566"/>
             </a:xfrm>
             <a:prstGeom prst="rect">
               <a:avLst/>
@@ -4674,7 +4736,7 @@
             <a:p>
               <a:pPr algn="l" marL="0" marR="0" indent="0">
                 <a:lnSpc>
-                  <a:spcPts val="853"/>
+                  <a:spcPts val="1422"/>
                 </a:lnSpc>
                 <a:spcBef>
                   <a:spcPts val="0"/>
@@ -4684,30 +4746,30 @@
                 </a:spcAft>
               </a:pPr>
               <a:r>
-                <a:rPr sz="853" b="1">
+                <a:rPr sz="1422" b="1">
                   <a:solidFill>
                     <a:srgbClr val="50A45C">
-                      <a:alpha val="40000"/>
+                      <a:alpha val="80000"/>
                     </a:srgbClr>
                   </a:solidFill>
                   <a:latin typeface="Arial"/>
                   <a:cs typeface="Arial"/>
                 </a:rPr>
-                <a:t>Excerpt.7</a:t>
+                <a:t>7</a:t>
               </a:r>
             </a:p>
           </p:txBody>
         </p:sp>
         <p:sp>
           <p:nvSpPr>
-            <p:cNvPr id="65" name="tx64"/>
-            <p:cNvSpPr/>
-            <p:nvPr/>
-          </p:nvSpPr>
-          <p:spPr>
-            <a:xfrm>
-              <a:off x="4446776" y="3621796"/>
-              <a:ext cx="488087" cy="99300"/>
+            <p:cNvPr id="67" name="tx66"/>
+            <p:cNvSpPr/>
+            <p:nvPr/>
+          </p:nvSpPr>
+          <p:spPr>
+            <a:xfrm>
+              <a:off x="4790803" y="3627419"/>
+              <a:ext cx="100482" cy="132153"/>
             </a:xfrm>
             <a:prstGeom prst="rect">
               <a:avLst/>
@@ -4720,7 +4782,7 @@
             <a:p>
               <a:pPr algn="l" marL="0" marR="0" indent="0">
                 <a:lnSpc>
-                  <a:spcPts val="853"/>
+                  <a:spcPts val="1422"/>
                 </a:lnSpc>
                 <a:spcBef>
                   <a:spcPts val="0"/>
@@ -4730,30 +4792,30 @@
                 </a:spcAft>
               </a:pPr>
               <a:r>
-                <a:rPr sz="853" b="1">
+                <a:rPr sz="1422" b="1">
                   <a:solidFill>
                     <a:srgbClr val="5BBCD6">
-                      <a:alpha val="40000"/>
+                      <a:alpha val="80000"/>
                     </a:srgbClr>
                   </a:solidFill>
                   <a:latin typeface="Arial"/>
                   <a:cs typeface="Arial"/>
                 </a:rPr>
-                <a:t>Excerpt.8</a:t>
+                <a:t>8</a:t>
               </a:r>
             </a:p>
           </p:txBody>
         </p:sp>
         <p:sp>
           <p:nvSpPr>
-            <p:cNvPr id="66" name="tx65"/>
-            <p:cNvSpPr/>
-            <p:nvPr/>
-          </p:nvSpPr>
-          <p:spPr>
-            <a:xfrm>
-              <a:off x="3973802" y="4223218"/>
-              <a:ext cx="488087" cy="99300"/>
+            <p:cNvPr id="68" name="tx67"/>
+            <p:cNvSpPr/>
+            <p:nvPr/>
+          </p:nvSpPr>
+          <p:spPr>
+            <a:xfrm>
+              <a:off x="4170336" y="4212229"/>
+              <a:ext cx="100482" cy="132153"/>
             </a:xfrm>
             <a:prstGeom prst="rect">
               <a:avLst/>
@@ -4766,7 +4828,7 @@
             <a:p>
               <a:pPr algn="l" marL="0" marR="0" indent="0">
                 <a:lnSpc>
-                  <a:spcPts val="853"/>
+                  <a:spcPts val="1422"/>
                 </a:lnSpc>
                 <a:spcBef>
                   <a:spcPts val="0"/>
@@ -4776,30 +4838,30 @@
                 </a:spcAft>
               </a:pPr>
               <a:r>
-                <a:rPr sz="853" b="1">
+                <a:rPr sz="1422" b="1">
                   <a:solidFill>
                     <a:srgbClr val="FF0000">
-                      <a:alpha val="40000"/>
+                      <a:alpha val="80000"/>
                     </a:srgbClr>
                   </a:solidFill>
                   <a:latin typeface="Arial"/>
                   <a:cs typeface="Arial"/>
                 </a:rPr>
-                <a:t>Excerpt.9</a:t>
+                <a:t>9</a:t>
               </a:r>
             </a:p>
           </p:txBody>
         </p:sp>
         <p:sp>
           <p:nvSpPr>
-            <p:cNvPr id="67" name="tx66"/>
-            <p:cNvSpPr/>
-            <p:nvPr/>
-          </p:nvSpPr>
-          <p:spPr>
-            <a:xfrm>
-              <a:off x="4200356" y="3218827"/>
-              <a:ext cx="548376" cy="99300"/>
+            <p:cNvPr id="69" name="tx68"/>
+            <p:cNvSpPr/>
+            <p:nvPr/>
+          </p:nvSpPr>
+          <p:spPr>
+            <a:xfrm>
+              <a:off x="4394012" y="3132566"/>
+              <a:ext cx="200965" cy="132065"/>
             </a:xfrm>
             <a:prstGeom prst="rect">
               <a:avLst/>
@@ -4812,7 +4874,7 @@
             <a:p>
               <a:pPr algn="l" marL="0" marR="0" indent="0">
                 <a:lnSpc>
-                  <a:spcPts val="853"/>
+                  <a:spcPts val="1422"/>
                 </a:lnSpc>
                 <a:spcBef>
                   <a:spcPts val="0"/>
@@ -4822,30 +4884,30 @@
                 </a:spcAft>
               </a:pPr>
               <a:r>
-                <a:rPr sz="853" b="1">
+                <a:rPr sz="1422" b="1">
                   <a:solidFill>
                     <a:srgbClr val="50A45C">
-                      <a:alpha val="40000"/>
+                      <a:alpha val="80000"/>
                     </a:srgbClr>
                   </a:solidFill>
                   <a:latin typeface="Arial"/>
                   <a:cs typeface="Arial"/>
                 </a:rPr>
-                <a:t>Excerpt.10</a:t>
+                <a:t>10</a:t>
               </a:r>
             </a:p>
           </p:txBody>
         </p:sp>
         <p:sp>
           <p:nvSpPr>
-            <p:cNvPr id="68" name="tx67"/>
-            <p:cNvSpPr/>
-            <p:nvPr/>
-          </p:nvSpPr>
-          <p:spPr>
-            <a:xfrm>
-              <a:off x="5710145" y="2592450"/>
-              <a:ext cx="548376" cy="99300"/>
+            <p:cNvPr id="70" name="tx69"/>
+            <p:cNvSpPr/>
+            <p:nvPr/>
+          </p:nvSpPr>
+          <p:spPr>
+            <a:xfrm>
+              <a:off x="5904806" y="2364014"/>
+              <a:ext cx="200965" cy="129860"/>
             </a:xfrm>
             <a:prstGeom prst="rect">
               <a:avLst/>
@@ -4858,7 +4920,7 @@
             <a:p>
               <a:pPr algn="l" marL="0" marR="0" indent="0">
                 <a:lnSpc>
-                  <a:spcPts val="853"/>
+                  <a:spcPts val="1422"/>
                 </a:lnSpc>
                 <a:spcBef>
                   <a:spcPts val="0"/>
@@ -4868,30 +4930,30 @@
                 </a:spcAft>
               </a:pPr>
               <a:r>
-                <a:rPr sz="853" b="1">
+                <a:rPr sz="1422" b="1">
                   <a:solidFill>
                     <a:srgbClr val="5BBCD6">
-                      <a:alpha val="40000"/>
+                      <a:alpha val="80000"/>
                     </a:srgbClr>
                   </a:solidFill>
                   <a:latin typeface="Arial"/>
                   <a:cs typeface="Arial"/>
                 </a:rPr>
-                <a:t>Excerpt.11</a:t>
+                <a:t>11</a:t>
               </a:r>
             </a:p>
           </p:txBody>
         </p:sp>
         <p:sp>
           <p:nvSpPr>
-            <p:cNvPr id="69" name="tx68"/>
-            <p:cNvSpPr/>
-            <p:nvPr/>
-          </p:nvSpPr>
-          <p:spPr>
-            <a:xfrm>
-              <a:off x="3276121" y="4944294"/>
-              <a:ext cx="548376" cy="99300"/>
+            <p:cNvPr id="71" name="tx70"/>
+            <p:cNvSpPr/>
+            <p:nvPr/>
+          </p:nvSpPr>
+          <p:spPr>
+            <a:xfrm>
+              <a:off x="3732580" y="4965581"/>
+              <a:ext cx="200965" cy="129860"/>
             </a:xfrm>
             <a:prstGeom prst="rect">
               <a:avLst/>
@@ -4904,7 +4966,7 @@
             <a:p>
               <a:pPr algn="l" marL="0" marR="0" indent="0">
                 <a:lnSpc>
-                  <a:spcPts val="853"/>
+                  <a:spcPts val="1422"/>
                 </a:lnSpc>
                 <a:spcBef>
                   <a:spcPts val="0"/>
@@ -4914,30 +4976,30 @@
                 </a:spcAft>
               </a:pPr>
               <a:r>
-                <a:rPr sz="853" b="1">
+                <a:rPr sz="1422" b="1">
                   <a:solidFill>
                     <a:srgbClr val="FF0000">
-                      <a:alpha val="40000"/>
+                      <a:alpha val="80000"/>
                     </a:srgbClr>
                   </a:solidFill>
                   <a:latin typeface="Arial"/>
                   <a:cs typeface="Arial"/>
                 </a:rPr>
-                <a:t>Excerpt.12</a:t>
+                <a:t>12</a:t>
               </a:r>
             </a:p>
           </p:txBody>
         </p:sp>
         <p:sp>
           <p:nvSpPr>
-            <p:cNvPr id="70" name="tx69"/>
-            <p:cNvSpPr/>
-            <p:nvPr/>
-          </p:nvSpPr>
-          <p:spPr>
-            <a:xfrm>
-              <a:off x="3807595" y="3586881"/>
-              <a:ext cx="548376" cy="99300"/>
+            <p:cNvPr id="72" name="tx71"/>
+            <p:cNvSpPr/>
+            <p:nvPr/>
+          </p:nvSpPr>
+          <p:spPr>
+            <a:xfrm>
+              <a:off x="5167623" y="3640213"/>
+              <a:ext cx="200965" cy="132065"/>
             </a:xfrm>
             <a:prstGeom prst="rect">
               <a:avLst/>
@@ -4950,7 +5012,7 @@
             <a:p>
               <a:pPr algn="l" marL="0" marR="0" indent="0">
                 <a:lnSpc>
-                  <a:spcPts val="853"/>
+                  <a:spcPts val="1422"/>
                 </a:lnSpc>
                 <a:spcBef>
                   <a:spcPts val="0"/>
@@ -4960,30 +5022,30 @@
                 </a:spcAft>
               </a:pPr>
               <a:r>
-                <a:rPr sz="853" b="1">
+                <a:rPr sz="1422" b="1">
                   <a:solidFill>
-                    <a:srgbClr val="50A45C">
-                      <a:alpha val="40000"/>
+                    <a:srgbClr val="F69100">
+                      <a:alpha val="80000"/>
                     </a:srgbClr>
                   </a:solidFill>
                   <a:latin typeface="Arial"/>
                   <a:cs typeface="Arial"/>
                 </a:rPr>
-                <a:t>Excerpt.15</a:t>
+                <a:t>13</a:t>
               </a:r>
             </a:p>
           </p:txBody>
         </p:sp>
         <p:sp>
           <p:nvSpPr>
-            <p:cNvPr id="71" name="tx70"/>
-            <p:cNvSpPr/>
-            <p:nvPr/>
-          </p:nvSpPr>
-          <p:spPr>
-            <a:xfrm>
-              <a:off x="3529750" y="4392042"/>
-              <a:ext cx="548376" cy="99300"/>
+            <p:cNvPr id="73" name="tx72"/>
+            <p:cNvSpPr/>
+            <p:nvPr/>
+          </p:nvSpPr>
+          <p:spPr>
+            <a:xfrm>
+              <a:off x="4429846" y="3541294"/>
+              <a:ext cx="200965" cy="132065"/>
             </a:xfrm>
             <a:prstGeom prst="rect">
               <a:avLst/>
@@ -4996,7 +5058,7 @@
             <a:p>
               <a:pPr algn="l" marL="0" marR="0" indent="0">
                 <a:lnSpc>
-                  <a:spcPts val="853"/>
+                  <a:spcPts val="1422"/>
                 </a:lnSpc>
                 <a:spcBef>
                   <a:spcPts val="0"/>
@@ -5006,30 +5068,30 @@
                 </a:spcAft>
               </a:pPr>
               <a:r>
-                <a:rPr sz="853" b="1">
+                <a:rPr sz="1422" b="1">
                   <a:solidFill>
-                    <a:srgbClr val="FF0000">
-                      <a:alpha val="40000"/>
+                    <a:srgbClr val="50A45C">
+                      <a:alpha val="80000"/>
                     </a:srgbClr>
                   </a:solidFill>
                   <a:latin typeface="Arial"/>
                   <a:cs typeface="Arial"/>
                 </a:rPr>
-                <a:t>Excerpt.16</a:t>
+                <a:t>15</a:t>
               </a:r>
             </a:p>
           </p:txBody>
         </p:sp>
         <p:sp>
           <p:nvSpPr>
-            <p:cNvPr id="72" name="tx71"/>
-            <p:cNvSpPr/>
-            <p:nvPr/>
-          </p:nvSpPr>
-          <p:spPr>
-            <a:xfrm>
-              <a:off x="4099835" y="4099639"/>
-              <a:ext cx="548376" cy="99300"/>
+            <p:cNvPr id="74" name="tx73"/>
+            <p:cNvSpPr/>
+            <p:nvPr/>
+          </p:nvSpPr>
+          <p:spPr>
+            <a:xfrm>
+              <a:off x="3879809" y="4433438"/>
+              <a:ext cx="200965" cy="132065"/>
             </a:xfrm>
             <a:prstGeom prst="rect">
               <a:avLst/>
@@ -5042,7 +5104,7 @@
             <a:p>
               <a:pPr algn="l" marL="0" marR="0" indent="0">
                 <a:lnSpc>
-                  <a:spcPts val="853"/>
+                  <a:spcPts val="1422"/>
                 </a:lnSpc>
                 <a:spcBef>
                   <a:spcPts val="0"/>
@@ -5052,30 +5114,30 @@
                 </a:spcAft>
               </a:pPr>
               <a:r>
-                <a:rPr sz="853" b="1">
+                <a:rPr sz="1422" b="1">
                   <a:solidFill>
-                    <a:srgbClr val="50A45C">
-                      <a:alpha val="40000"/>
+                    <a:srgbClr val="FF0000">
+                      <a:alpha val="80000"/>
                     </a:srgbClr>
                   </a:solidFill>
                   <a:latin typeface="Arial"/>
                   <a:cs typeface="Arial"/>
                 </a:rPr>
-                <a:t>Excerpt.18</a:t>
+                <a:t>16</a:t>
               </a:r>
             </a:p>
           </p:txBody>
         </p:sp>
         <p:sp>
           <p:nvSpPr>
-            <p:cNvPr id="73" name="tx72"/>
-            <p:cNvSpPr/>
-            <p:nvPr/>
-          </p:nvSpPr>
-          <p:spPr>
-            <a:xfrm>
-              <a:off x="3985138" y="3389348"/>
-              <a:ext cx="548376" cy="99300"/>
+            <p:cNvPr id="75" name="tx74"/>
+            <p:cNvSpPr/>
+            <p:nvPr/>
+          </p:nvSpPr>
+          <p:spPr>
+            <a:xfrm>
+              <a:off x="4978262" y="3335823"/>
+              <a:ext cx="200965" cy="129860"/>
             </a:xfrm>
             <a:prstGeom prst="rect">
               <a:avLst/>
@@ -5088,7 +5150,7 @@
             <a:p>
               <a:pPr algn="l" marL="0" marR="0" indent="0">
                 <a:lnSpc>
-                  <a:spcPts val="853"/>
+                  <a:spcPts val="1422"/>
                 </a:lnSpc>
                 <a:spcBef>
                   <a:spcPts val="0"/>
@@ -5098,30 +5160,30 @@
                 </a:spcAft>
               </a:pPr>
               <a:r>
-                <a:rPr sz="853" b="1">
+                <a:rPr sz="1422" b="1">
                   <a:solidFill>
-                    <a:srgbClr val="F69100">
-                      <a:alpha val="40000"/>
+                    <a:srgbClr val="50A45C">
+                      <a:alpha val="80000"/>
                     </a:srgbClr>
                   </a:solidFill>
                   <a:latin typeface="Arial"/>
                   <a:cs typeface="Arial"/>
                 </a:rPr>
-                <a:t>Excerpt.19</a:t>
+                <a:t>17</a:t>
               </a:r>
             </a:p>
           </p:txBody>
         </p:sp>
         <p:sp>
           <p:nvSpPr>
-            <p:cNvPr id="74" name="tx73"/>
-            <p:cNvSpPr/>
-            <p:nvPr/>
-          </p:nvSpPr>
-          <p:spPr>
-            <a:xfrm>
-              <a:off x="5032582" y="2771133"/>
-              <a:ext cx="548376" cy="99300"/>
+            <p:cNvPr id="76" name="tx75"/>
+            <p:cNvSpPr/>
+            <p:nvPr/>
+          </p:nvSpPr>
+          <p:spPr>
+            <a:xfrm>
+              <a:off x="4252659" y="4119186"/>
+              <a:ext cx="200965" cy="132153"/>
             </a:xfrm>
             <a:prstGeom prst="rect">
               <a:avLst/>
@@ -5134,7 +5196,7 @@
             <a:p>
               <a:pPr algn="l" marL="0" marR="0" indent="0">
                 <a:lnSpc>
-                  <a:spcPts val="853"/>
+                  <a:spcPts val="1422"/>
                 </a:lnSpc>
                 <a:spcBef>
                   <a:spcPts val="0"/>
@@ -5144,30 +5206,30 @@
                 </a:spcAft>
               </a:pPr>
               <a:r>
-                <a:rPr sz="853" b="1">
+                <a:rPr sz="1422" b="1">
                   <a:solidFill>
-                    <a:srgbClr val="5BBCD6">
-                      <a:alpha val="40000"/>
+                    <a:srgbClr val="50A45C">
+                      <a:alpha val="80000"/>
                     </a:srgbClr>
                   </a:solidFill>
                   <a:latin typeface="Arial"/>
                   <a:cs typeface="Arial"/>
                 </a:rPr>
-                <a:t>Excerpt.20</a:t>
+                <a:t>18</a:t>
               </a:r>
             </a:p>
           </p:txBody>
         </p:sp>
         <p:sp>
           <p:nvSpPr>
-            <p:cNvPr id="75" name="tx74"/>
-            <p:cNvSpPr/>
-            <p:nvPr/>
-          </p:nvSpPr>
-          <p:spPr>
-            <a:xfrm>
-              <a:off x="4819926" y="4222467"/>
-              <a:ext cx="548376" cy="99300"/>
+            <p:cNvPr id="77" name="tx76"/>
+            <p:cNvSpPr/>
+            <p:nvPr/>
+          </p:nvSpPr>
+          <p:spPr>
+            <a:xfrm>
+              <a:off x="4137609" y="3356747"/>
+              <a:ext cx="200965" cy="132153"/>
             </a:xfrm>
             <a:prstGeom prst="rect">
               <a:avLst/>
@@ -5180,7 +5242,7 @@
             <a:p>
               <a:pPr algn="l" marL="0" marR="0" indent="0">
                 <a:lnSpc>
-                  <a:spcPts val="853"/>
+                  <a:spcPts val="1422"/>
                 </a:lnSpc>
                 <a:spcBef>
                   <a:spcPts val="0"/>
@@ -5190,30 +5252,30 @@
                 </a:spcAft>
               </a:pPr>
               <a:r>
-                <a:rPr sz="853" b="1">
+                <a:rPr sz="1422" b="1">
                   <a:solidFill>
-                    <a:srgbClr val="FF0000">
-                      <a:alpha val="40000"/>
+                    <a:srgbClr val="F69100">
+                      <a:alpha val="80000"/>
                     </a:srgbClr>
                   </a:solidFill>
                   <a:latin typeface="Arial"/>
                   <a:cs typeface="Arial"/>
                 </a:rPr>
-                <a:t>Excerpt.22</a:t>
+                <a:t>19</a:t>
               </a:r>
             </a:p>
           </p:txBody>
         </p:sp>
         <p:sp>
           <p:nvSpPr>
-            <p:cNvPr id="76" name="tx75"/>
-            <p:cNvSpPr/>
-            <p:nvPr/>
-          </p:nvSpPr>
-          <p:spPr>
-            <a:xfrm>
-              <a:off x="4840086" y="3172017"/>
-              <a:ext cx="548376" cy="99300"/>
+            <p:cNvPr id="78" name="tx77"/>
+            <p:cNvSpPr/>
+            <p:nvPr/>
+          </p:nvSpPr>
+          <p:spPr>
+            <a:xfrm>
+              <a:off x="5185201" y="2739251"/>
+              <a:ext cx="200965" cy="132065"/>
             </a:xfrm>
             <a:prstGeom prst="rect">
               <a:avLst/>
@@ -5226,7 +5288,7 @@
             <a:p>
               <a:pPr algn="l" marL="0" marR="0" indent="0">
                 <a:lnSpc>
-                  <a:spcPts val="853"/>
+                  <a:spcPts val="1422"/>
                 </a:lnSpc>
                 <a:spcBef>
                   <a:spcPts val="0"/>
@@ -5236,30 +5298,30 @@
                 </a:spcAft>
               </a:pPr>
               <a:r>
-                <a:rPr sz="853" b="1">
+                <a:rPr sz="1422" b="1">
                   <a:solidFill>
-                    <a:srgbClr val="F69100">
-                      <a:alpha val="40000"/>
+                    <a:srgbClr val="5BBCD6">
+                      <a:alpha val="80000"/>
                     </a:srgbClr>
                   </a:solidFill>
                   <a:latin typeface="Arial"/>
                   <a:cs typeface="Arial"/>
                 </a:rPr>
-                <a:t>Excerpt.23</a:t>
+                <a:t>20</a:t>
               </a:r>
             </a:p>
           </p:txBody>
         </p:sp>
         <p:sp>
           <p:nvSpPr>
-            <p:cNvPr id="77" name="tx76"/>
-            <p:cNvSpPr/>
-            <p:nvPr/>
-          </p:nvSpPr>
-          <p:spPr>
-            <a:xfrm>
-              <a:off x="4738118" y="3961314"/>
-              <a:ext cx="548376" cy="99300"/>
+            <p:cNvPr id="79" name="tx78"/>
+            <p:cNvSpPr/>
+            <p:nvPr/>
+          </p:nvSpPr>
+          <p:spPr>
+            <a:xfrm>
+              <a:off x="4686756" y="3322747"/>
+              <a:ext cx="200965" cy="129860"/>
             </a:xfrm>
             <a:prstGeom prst="rect">
               <a:avLst/>
@@ -5272,7 +5334,7 @@
             <a:p>
               <a:pPr algn="l" marL="0" marR="0" indent="0">
                 <a:lnSpc>
-                  <a:spcPts val="853"/>
+                  <a:spcPts val="1422"/>
                 </a:lnSpc>
                 <a:spcBef>
                   <a:spcPts val="0"/>
@@ -5282,30 +5344,30 @@
                 </a:spcAft>
               </a:pPr>
               <a:r>
-                <a:rPr sz="853" b="1">
+                <a:rPr sz="1422" b="1">
                   <a:solidFill>
                     <a:srgbClr val="50A45C">
-                      <a:alpha val="40000"/>
+                      <a:alpha val="80000"/>
                     </a:srgbClr>
                   </a:solidFill>
                   <a:latin typeface="Arial"/>
                   <a:cs typeface="Arial"/>
                 </a:rPr>
-                <a:t>Excerpt.24</a:t>
+                <a:t>21</a:t>
               </a:r>
             </a:p>
           </p:txBody>
         </p:sp>
         <p:sp>
           <p:nvSpPr>
-            <p:cNvPr id="78" name="tx77"/>
-            <p:cNvSpPr/>
-            <p:nvPr/>
-          </p:nvSpPr>
-          <p:spPr>
-            <a:xfrm>
-              <a:off x="3915393" y="5021849"/>
-              <a:ext cx="548376" cy="99300"/>
+            <p:cNvPr id="80" name="tx79"/>
+            <p:cNvSpPr/>
+            <p:nvPr/>
+          </p:nvSpPr>
+          <p:spPr>
+            <a:xfrm>
+              <a:off x="4765844" y="4323116"/>
+              <a:ext cx="200965" cy="129860"/>
             </a:xfrm>
             <a:prstGeom prst="rect">
               <a:avLst/>
@@ -5318,7 +5380,7 @@
             <a:p>
               <a:pPr algn="l" marL="0" marR="0" indent="0">
                 <a:lnSpc>
-                  <a:spcPts val="853"/>
+                  <a:spcPts val="1422"/>
                 </a:lnSpc>
                 <a:spcBef>
                   <a:spcPts val="0"/>
@@ -5328,30 +5390,30 @@
                 </a:spcAft>
               </a:pPr>
               <a:r>
-                <a:rPr sz="853" b="1">
+                <a:rPr sz="1422" b="1">
                   <a:solidFill>
                     <a:srgbClr val="FF0000">
-                      <a:alpha val="40000"/>
+                      <a:alpha val="80000"/>
                     </a:srgbClr>
                   </a:solidFill>
                   <a:latin typeface="Arial"/>
                   <a:cs typeface="Arial"/>
                 </a:rPr>
-                <a:t>Excerpt.25</a:t>
+                <a:t>22</a:t>
               </a:r>
             </a:p>
           </p:txBody>
         </p:sp>
         <p:sp>
           <p:nvSpPr>
-            <p:cNvPr id="79" name="tx78"/>
-            <p:cNvSpPr/>
-            <p:nvPr/>
-          </p:nvSpPr>
-          <p:spPr>
-            <a:xfrm>
-              <a:off x="4020176" y="3801783"/>
-              <a:ext cx="548376" cy="99300"/>
+            <p:cNvPr id="81" name="tx80"/>
+            <p:cNvSpPr/>
+            <p:nvPr/>
+          </p:nvSpPr>
+          <p:spPr>
+            <a:xfrm>
+              <a:off x="4978508" y="3099515"/>
+              <a:ext cx="200965" cy="132065"/>
             </a:xfrm>
             <a:prstGeom prst="rect">
               <a:avLst/>
@@ -5364,7 +5426,7 @@
             <a:p>
               <a:pPr algn="l" marL="0" marR="0" indent="0">
                 <a:lnSpc>
-                  <a:spcPts val="853"/>
+                  <a:spcPts val="1422"/>
                 </a:lnSpc>
                 <a:spcBef>
                   <a:spcPts val="0"/>
@@ -5374,30 +5436,30 @@
                 </a:spcAft>
               </a:pPr>
               <a:r>
-                <a:rPr sz="853" b="1">
+                <a:rPr sz="1422" b="1">
                   <a:solidFill>
-                    <a:srgbClr val="50A45C">
-                      <a:alpha val="40000"/>
+                    <a:srgbClr val="F69100">
+                      <a:alpha val="80000"/>
                     </a:srgbClr>
                   </a:solidFill>
                   <a:latin typeface="Arial"/>
                   <a:cs typeface="Arial"/>
                 </a:rPr>
-                <a:t>Excerpt.27</a:t>
+                <a:t>23</a:t>
               </a:r>
             </a:p>
           </p:txBody>
         </p:sp>
         <p:sp>
           <p:nvSpPr>
-            <p:cNvPr id="80" name="tx79"/>
-            <p:cNvSpPr/>
-            <p:nvPr/>
-          </p:nvSpPr>
-          <p:spPr>
-            <a:xfrm>
-              <a:off x="5162955" y="2284058"/>
-              <a:ext cx="548376" cy="99300"/>
+            <p:cNvPr id="82" name="tx81"/>
+            <p:cNvSpPr/>
+            <p:nvPr/>
+          </p:nvSpPr>
+          <p:spPr>
+            <a:xfrm>
+              <a:off x="4543624" y="4073100"/>
+              <a:ext cx="200965" cy="129860"/>
             </a:xfrm>
             <a:prstGeom prst="rect">
               <a:avLst/>
@@ -5410,7 +5472,7 @@
             <a:p>
               <a:pPr algn="l" marL="0" marR="0" indent="0">
                 <a:lnSpc>
-                  <a:spcPts val="853"/>
+                  <a:spcPts val="1422"/>
                 </a:lnSpc>
                 <a:spcBef>
                   <a:spcPts val="0"/>
@@ -5420,30 +5482,30 @@
                 </a:spcAft>
               </a:pPr>
               <a:r>
-                <a:rPr sz="853" b="1">
+                <a:rPr sz="1422" b="1">
                   <a:solidFill>
-                    <a:srgbClr val="5BBCD6">
-                      <a:alpha val="40000"/>
+                    <a:srgbClr val="50A45C">
+                      <a:alpha val="80000"/>
                     </a:srgbClr>
                   </a:solidFill>
                   <a:latin typeface="Arial"/>
                   <a:cs typeface="Arial"/>
                 </a:rPr>
-                <a:t>Excerpt.28</a:t>
+                <a:t>24</a:t>
               </a:r>
             </a:p>
           </p:txBody>
         </p:sp>
         <p:sp>
           <p:nvSpPr>
-            <p:cNvPr id="81" name="tx80"/>
-            <p:cNvSpPr/>
-            <p:nvPr/>
-          </p:nvSpPr>
-          <p:spPr>
-            <a:xfrm>
-              <a:off x="5480102" y="3018849"/>
-              <a:ext cx="548376" cy="99300"/>
+            <p:cNvPr id="83" name="tx82"/>
+            <p:cNvSpPr/>
+            <p:nvPr/>
+          </p:nvSpPr>
+          <p:spPr>
+            <a:xfrm>
+              <a:off x="4079717" y="4791212"/>
+              <a:ext cx="200965" cy="132065"/>
             </a:xfrm>
             <a:prstGeom prst="rect">
               <a:avLst/>
@@ -5456,7 +5518,7 @@
             <a:p>
               <a:pPr algn="l" marL="0" marR="0" indent="0">
                 <a:lnSpc>
-                  <a:spcPts val="853"/>
+                  <a:spcPts val="1422"/>
                 </a:lnSpc>
                 <a:spcBef>
                   <a:spcPts val="0"/>
@@ -5466,30 +5528,30 @@
                 </a:spcAft>
               </a:pPr>
               <a:r>
-                <a:rPr sz="853" b="1">
+                <a:rPr sz="1422" b="1">
                   <a:solidFill>
-                    <a:srgbClr val="5BBCD6">
-                      <a:alpha val="40000"/>
+                    <a:srgbClr val="FF0000">
+                      <a:alpha val="80000"/>
                     </a:srgbClr>
                   </a:solidFill>
                   <a:latin typeface="Arial"/>
                   <a:cs typeface="Arial"/>
                 </a:rPr>
-                <a:t>Excerpt.29</a:t>
+                <a:t>25</a:t>
               </a:r>
             </a:p>
           </p:txBody>
         </p:sp>
         <p:sp>
           <p:nvSpPr>
-            <p:cNvPr id="82" name="tx81"/>
-            <p:cNvSpPr/>
-            <p:nvPr/>
-          </p:nvSpPr>
-          <p:spPr>
-            <a:xfrm>
-              <a:off x="5094222" y="3343654"/>
-              <a:ext cx="548376" cy="99300"/>
+            <p:cNvPr id="84" name="tx83"/>
+            <p:cNvSpPr/>
+            <p:nvPr/>
+          </p:nvSpPr>
+          <p:spPr>
+            <a:xfrm>
+              <a:off x="4875989" y="3861194"/>
+              <a:ext cx="200965" cy="132065"/>
             </a:xfrm>
             <a:prstGeom prst="rect">
               <a:avLst/>
@@ -5502,7 +5564,7 @@
             <a:p>
               <a:pPr algn="l" marL="0" marR="0" indent="0">
                 <a:lnSpc>
-                  <a:spcPts val="853"/>
+                  <a:spcPts val="1422"/>
                 </a:lnSpc>
                 <a:spcBef>
                   <a:spcPts val="0"/>
@@ -5512,23 +5574,207 @@
                 </a:spcAft>
               </a:pPr>
               <a:r>
-                <a:rPr sz="853" b="1">
+                <a:rPr sz="1422" b="1">
                   <a:solidFill>
-                    <a:srgbClr val="50A45C">
-                      <a:alpha val="40000"/>
+                    <a:srgbClr val="F69100">
+                      <a:alpha val="80000"/>
                     </a:srgbClr>
                   </a:solidFill>
                   <a:latin typeface="Arial"/>
                   <a:cs typeface="Arial"/>
                 </a:rPr>
-                <a:t>Excerpt.30</a:t>
+                <a:t>26</a:t>
               </a:r>
             </a:p>
           </p:txBody>
         </p:sp>
         <p:sp>
           <p:nvSpPr>
-            <p:cNvPr id="83" name="tx82"/>
+            <p:cNvPr id="85" name="tx84"/>
+            <p:cNvSpPr/>
+            <p:nvPr/>
+          </p:nvSpPr>
+          <p:spPr>
+            <a:xfrm>
+              <a:off x="4152871" y="3772026"/>
+              <a:ext cx="200965" cy="129860"/>
+            </a:xfrm>
+            <a:prstGeom prst="rect">
+              <a:avLst/>
+            </a:prstGeom>
+            <a:noFill/>
+          </p:spPr>
+          <p:txBody>
+            <a:bodyPr lIns="0" rIns="0" tIns="0" bIns="0" anchorCtr="1" anchor="ctr" wrap="none"/>
+            <a:lstStyle/>
+            <a:p>
+              <a:pPr algn="l" marL="0" marR="0" indent="0">
+                <a:lnSpc>
+                  <a:spcPts val="1422"/>
+                </a:lnSpc>
+                <a:spcBef>
+                  <a:spcPts val="0"/>
+                </a:spcBef>
+                <a:spcAft>
+                  <a:spcPts val="0"/>
+                </a:spcAft>
+              </a:pPr>
+              <a:r>
+                <a:rPr sz="1422" b="1">
+                  <a:solidFill>
+                    <a:srgbClr val="50A45C">
+                      <a:alpha val="80000"/>
+                    </a:srgbClr>
+                  </a:solidFill>
+                  <a:latin typeface="Arial"/>
+                  <a:cs typeface="Arial"/>
+                </a:rPr>
+                <a:t>27</a:t>
+              </a:r>
+            </a:p>
+          </p:txBody>
+        </p:sp>
+        <p:sp>
+          <p:nvSpPr>
+            <p:cNvPr id="86" name="tx85"/>
+            <p:cNvSpPr/>
+            <p:nvPr/>
+          </p:nvSpPr>
+          <p:spPr>
+            <a:xfrm>
+              <a:off x="5522507" y="2251495"/>
+              <a:ext cx="200965" cy="132153"/>
+            </a:xfrm>
+            <a:prstGeom prst="rect">
+              <a:avLst/>
+            </a:prstGeom>
+            <a:noFill/>
+          </p:spPr>
+          <p:txBody>
+            <a:bodyPr lIns="0" rIns="0" tIns="0" bIns="0" anchorCtr="1" anchor="ctr" wrap="none"/>
+            <a:lstStyle/>
+            <a:p>
+              <a:pPr algn="l" marL="0" marR="0" indent="0">
+                <a:lnSpc>
+                  <a:spcPts val="1422"/>
+                </a:lnSpc>
+                <a:spcBef>
+                  <a:spcPts val="0"/>
+                </a:spcBef>
+                <a:spcAft>
+                  <a:spcPts val="0"/>
+                </a:spcAft>
+              </a:pPr>
+              <a:r>
+                <a:rPr sz="1422" b="1">
+                  <a:solidFill>
+                    <a:srgbClr val="5BBCD6">
+                      <a:alpha val="80000"/>
+                    </a:srgbClr>
+                  </a:solidFill>
+                  <a:latin typeface="Arial"/>
+                  <a:cs typeface="Arial"/>
+                </a:rPr>
+                <a:t>28</a:t>
+              </a:r>
+            </a:p>
+          </p:txBody>
+        </p:sp>
+        <p:sp>
+          <p:nvSpPr>
+            <p:cNvPr id="87" name="tx86"/>
+            <p:cNvSpPr/>
+            <p:nvPr/>
+          </p:nvSpPr>
+          <p:spPr>
+            <a:xfrm>
+              <a:off x="5474130" y="3038301"/>
+              <a:ext cx="200965" cy="132153"/>
+            </a:xfrm>
+            <a:prstGeom prst="rect">
+              <a:avLst/>
+            </a:prstGeom>
+            <a:noFill/>
+          </p:spPr>
+          <p:txBody>
+            <a:bodyPr lIns="0" rIns="0" tIns="0" bIns="0" anchorCtr="1" anchor="ctr" wrap="none"/>
+            <a:lstStyle/>
+            <a:p>
+              <a:pPr algn="l" marL="0" marR="0" indent="0">
+                <a:lnSpc>
+                  <a:spcPts val="1422"/>
+                </a:lnSpc>
+                <a:spcBef>
+                  <a:spcPts val="0"/>
+                </a:spcBef>
+                <a:spcAft>
+                  <a:spcPts val="0"/>
+                </a:spcAft>
+              </a:pPr>
+              <a:r>
+                <a:rPr sz="1422" b="1">
+                  <a:solidFill>
+                    <a:srgbClr val="5BBCD6">
+                      <a:alpha val="80000"/>
+                    </a:srgbClr>
+                  </a:solidFill>
+                  <a:latin typeface="Arial"/>
+                  <a:cs typeface="Arial"/>
+                </a:rPr>
+                <a:t>29</a:t>
+              </a:r>
+            </a:p>
+          </p:txBody>
+        </p:sp>
+        <p:sp>
+          <p:nvSpPr>
+            <p:cNvPr id="88" name="tx87"/>
+            <p:cNvSpPr/>
+            <p:nvPr/>
+          </p:nvSpPr>
+          <p:spPr>
+            <a:xfrm>
+              <a:off x="5270943" y="3320697"/>
+              <a:ext cx="200965" cy="132065"/>
+            </a:xfrm>
+            <a:prstGeom prst="rect">
+              <a:avLst/>
+            </a:prstGeom>
+            <a:noFill/>
+          </p:spPr>
+          <p:txBody>
+            <a:bodyPr lIns="0" rIns="0" tIns="0" bIns="0" anchorCtr="1" anchor="ctr" wrap="none"/>
+            <a:lstStyle/>
+            <a:p>
+              <a:pPr algn="l" marL="0" marR="0" indent="0">
+                <a:lnSpc>
+                  <a:spcPts val="1422"/>
+                </a:lnSpc>
+                <a:spcBef>
+                  <a:spcPts val="0"/>
+                </a:spcBef>
+                <a:spcAft>
+                  <a:spcPts val="0"/>
+                </a:spcAft>
+              </a:pPr>
+              <a:r>
+                <a:rPr sz="1422" b="1">
+                  <a:solidFill>
+                    <a:srgbClr val="50A45C">
+                      <a:alpha val="80000"/>
+                    </a:srgbClr>
+                  </a:solidFill>
+                  <a:latin typeface="Arial"/>
+                  <a:cs typeface="Arial"/>
+                </a:rPr>
+                <a:t>30</a:t>
+              </a:r>
+            </a:p>
+          </p:txBody>
+        </p:sp>
+        <p:sp>
+          <p:nvSpPr>
+            <p:cNvPr id="89" name="tx88"/>
             <p:cNvSpPr/>
             <p:nvPr/>
           </p:nvSpPr>
@@ -5561,7 +5807,7 @@
                 <a:rPr sz="1707" b="1">
                   <a:solidFill>
                     <a:srgbClr val="FF0000">
-                      <a:alpha val="100000"/>
+                      <a:alpha val="50196"/>
                     </a:srgbClr>
                   </a:solidFill>
                   <a:latin typeface="Arial"/>
@@ -5574,7 +5820,7 @@
         </p:sp>
         <p:sp>
           <p:nvSpPr>
-            <p:cNvPr id="84" name="tx83"/>
+            <p:cNvPr id="90" name="tx89"/>
             <p:cNvSpPr/>
             <p:nvPr/>
           </p:nvSpPr>
@@ -5607,7 +5853,7 @@
                 <a:rPr sz="1707" b="1">
                   <a:solidFill>
                     <a:srgbClr val="50A45C">
-                      <a:alpha val="100000"/>
+                      <a:alpha val="50196"/>
                     </a:srgbClr>
                   </a:solidFill>
                   <a:latin typeface="Arial"/>
@@ -5620,7 +5866,7 @@
         </p:sp>
         <p:sp>
           <p:nvSpPr>
-            <p:cNvPr id="85" name="tx84"/>
+            <p:cNvPr id="91" name="tx90"/>
             <p:cNvSpPr/>
             <p:nvPr/>
           </p:nvSpPr>
@@ -5653,7 +5899,7 @@
                 <a:rPr sz="1707" b="1">
                   <a:solidFill>
                     <a:srgbClr val="F69100">
-                      <a:alpha val="100000"/>
+                      <a:alpha val="50196"/>
                     </a:srgbClr>
                   </a:solidFill>
                   <a:latin typeface="Arial"/>
@@ -5666,7 +5912,7 @@
         </p:sp>
         <p:sp>
           <p:nvSpPr>
-            <p:cNvPr id="86" name="tx85"/>
+            <p:cNvPr id="92" name="tx91"/>
             <p:cNvSpPr/>
             <p:nvPr/>
           </p:nvSpPr>
@@ -5699,7 +5945,7 @@
                 <a:rPr sz="1707" b="1">
                   <a:solidFill>
                     <a:srgbClr val="5BBCD6">
-                      <a:alpha val="100000"/>
+                      <a:alpha val="50196"/>
                     </a:srgbClr>
                   </a:solidFill>
                   <a:latin typeface="Arial"/>
@@ -5712,7 +5958,7 @@
         </p:sp>
         <p:sp>
           <p:nvSpPr>
-            <p:cNvPr id="87" name="pg86"/>
+            <p:cNvPr id="93" name="pg92"/>
             <p:cNvSpPr/>
             <p:nvPr/>
           </p:nvSpPr>
@@ -5884,28 +6130,19 @@
             </a:custGeom>
             <a:solidFill>
               <a:srgbClr val="FF0000">
-                <a:alpha val="29803"/>
+                <a:alpha val="20000"/>
               </a:srgbClr>
             </a:solidFill>
-            <a:ln w="27101" cap="rnd">
-              <a:solidFill>
-                <a:srgbClr val="FF0000">
-                  <a:alpha val="100000"/>
-                </a:srgbClr>
-              </a:solidFill>
-              <a:prstDash val="solid"/>
-              <a:round/>
-            </a:ln>
-          </p:spPr>
-          <p:txBody>
-            <a:bodyPr/>
-            <a:lstStyle/>
-            <a:p/>
-          </p:txBody>
-        </p:sp>
-        <p:sp>
-          <p:nvSpPr>
-            <p:cNvPr id="88" name="pg87"/>
+          </p:spPr>
+          <p:txBody>
+            <a:bodyPr/>
+            <a:lstStyle/>
+            <a:p/>
+          </p:txBody>
+        </p:sp>
+        <p:sp>
+          <p:nvSpPr>
+            <p:cNvPr id="94" name="pg93"/>
             <p:cNvSpPr/>
             <p:nvPr/>
           </p:nvSpPr>
@@ -6077,28 +6314,19 @@
             </a:custGeom>
             <a:solidFill>
               <a:srgbClr val="50A45C">
-                <a:alpha val="29803"/>
+                <a:alpha val="20000"/>
               </a:srgbClr>
             </a:solidFill>
-            <a:ln w="27101" cap="rnd">
-              <a:solidFill>
-                <a:srgbClr val="50A45C">
-                  <a:alpha val="100000"/>
-                </a:srgbClr>
-              </a:solidFill>
-              <a:prstDash val="solid"/>
-              <a:round/>
-            </a:ln>
-          </p:spPr>
-          <p:txBody>
-            <a:bodyPr/>
-            <a:lstStyle/>
-            <a:p/>
-          </p:txBody>
-        </p:sp>
-        <p:sp>
-          <p:nvSpPr>
-            <p:cNvPr id="89" name="pg88"/>
+          </p:spPr>
+          <p:txBody>
+            <a:bodyPr/>
+            <a:lstStyle/>
+            <a:p/>
+          </p:txBody>
+        </p:sp>
+        <p:sp>
+          <p:nvSpPr>
+            <p:cNvPr id="95" name="pg94"/>
             <p:cNvSpPr/>
             <p:nvPr/>
           </p:nvSpPr>
@@ -6270,28 +6498,19 @@
             </a:custGeom>
             <a:solidFill>
               <a:srgbClr val="F69100">
-                <a:alpha val="29803"/>
+                <a:alpha val="20000"/>
               </a:srgbClr>
             </a:solidFill>
-            <a:ln w="27101" cap="rnd">
-              <a:solidFill>
-                <a:srgbClr val="F69100">
-                  <a:alpha val="100000"/>
-                </a:srgbClr>
-              </a:solidFill>
-              <a:prstDash val="solid"/>
-              <a:round/>
-            </a:ln>
-          </p:spPr>
-          <p:txBody>
-            <a:bodyPr/>
-            <a:lstStyle/>
-            <a:p/>
-          </p:txBody>
-        </p:sp>
-        <p:sp>
-          <p:nvSpPr>
-            <p:cNvPr id="90" name="pg89"/>
+          </p:spPr>
+          <p:txBody>
+            <a:bodyPr/>
+            <a:lstStyle/>
+            <a:p/>
+          </p:txBody>
+        </p:sp>
+        <p:sp>
+          <p:nvSpPr>
+            <p:cNvPr id="96" name="pg95"/>
             <p:cNvSpPr/>
             <p:nvPr/>
           </p:nvSpPr>
@@ -6463,28 +6682,19 @@
             </a:custGeom>
             <a:solidFill>
               <a:srgbClr val="5BBCD6">
-                <a:alpha val="29803"/>
+                <a:alpha val="20000"/>
               </a:srgbClr>
             </a:solidFill>
-            <a:ln w="27101" cap="rnd">
-              <a:solidFill>
-                <a:srgbClr val="5BBCD6">
-                  <a:alpha val="100000"/>
-                </a:srgbClr>
-              </a:solidFill>
-              <a:prstDash val="solid"/>
-              <a:round/>
-            </a:ln>
-          </p:spPr>
-          <p:txBody>
-            <a:bodyPr/>
-            <a:lstStyle/>
-            <a:p/>
-          </p:txBody>
-        </p:sp>
-        <p:sp>
-          <p:nvSpPr>
-            <p:cNvPr id="91" name="tx90"/>
+          </p:spPr>
+          <p:txBody>
+            <a:bodyPr/>
+            <a:lstStyle/>
+            <a:p/>
+          </p:txBody>
+        </p:sp>
+        <p:sp>
+          <p:nvSpPr>
+            <p:cNvPr id="97" name="tx96"/>
             <p:cNvSpPr/>
             <p:nvPr/>
           </p:nvSpPr>
@@ -6530,7 +6740,7 @@
         </p:sp>
         <p:sp>
           <p:nvSpPr>
-            <p:cNvPr id="92" name="tx91"/>
+            <p:cNvPr id="98" name="tx97"/>
             <p:cNvSpPr/>
             <p:nvPr/>
           </p:nvSpPr>
@@ -6576,7 +6786,7 @@
         </p:sp>
         <p:sp>
           <p:nvSpPr>
-            <p:cNvPr id="93" name="tx92"/>
+            <p:cNvPr id="99" name="tx98"/>
             <p:cNvSpPr/>
             <p:nvPr/>
           </p:nvSpPr>
@@ -6622,7 +6832,7 @@
         </p:sp>
         <p:sp>
           <p:nvSpPr>
-            <p:cNvPr id="94" name="tx93"/>
+            <p:cNvPr id="100" name="tx99"/>
             <p:cNvSpPr/>
             <p:nvPr/>
           </p:nvSpPr>
@@ -6668,7 +6878,7 @@
         </p:sp>
         <p:sp>
           <p:nvSpPr>
-            <p:cNvPr id="95" name="tx94"/>
+            <p:cNvPr id="101" name="tx100"/>
             <p:cNvSpPr/>
             <p:nvPr/>
           </p:nvSpPr>
@@ -6714,7 +6924,7 @@
         </p:sp>
         <p:sp>
           <p:nvSpPr>
-            <p:cNvPr id="96" name="pl95"/>
+            <p:cNvPr id="102" name="pl101"/>
             <p:cNvSpPr/>
             <p:nvPr/>
           </p:nvSpPr>
@@ -6754,7 +6964,7 @@
         </p:sp>
         <p:sp>
           <p:nvSpPr>
-            <p:cNvPr id="97" name="pl96"/>
+            <p:cNvPr id="103" name="pl102"/>
             <p:cNvSpPr/>
             <p:nvPr/>
           </p:nvSpPr>
@@ -6794,7 +7004,7 @@
         </p:sp>
         <p:sp>
           <p:nvSpPr>
-            <p:cNvPr id="98" name="pl97"/>
+            <p:cNvPr id="104" name="pl103"/>
             <p:cNvSpPr/>
             <p:nvPr/>
           </p:nvSpPr>
@@ -6834,7 +7044,7 @@
         </p:sp>
         <p:sp>
           <p:nvSpPr>
-            <p:cNvPr id="99" name="pl98"/>
+            <p:cNvPr id="105" name="pl104"/>
             <p:cNvSpPr/>
             <p:nvPr/>
           </p:nvSpPr>
@@ -6874,7 +7084,7 @@
         </p:sp>
         <p:sp>
           <p:nvSpPr>
-            <p:cNvPr id="100" name="pl99"/>
+            <p:cNvPr id="106" name="pl105"/>
             <p:cNvSpPr/>
             <p:nvPr/>
           </p:nvSpPr>
@@ -6914,7 +7124,7 @@
         </p:sp>
         <p:sp>
           <p:nvSpPr>
-            <p:cNvPr id="101" name="pl100"/>
+            <p:cNvPr id="107" name="pl106"/>
             <p:cNvSpPr/>
             <p:nvPr/>
           </p:nvSpPr>
@@ -6954,7 +7164,7 @@
         </p:sp>
         <p:sp>
           <p:nvSpPr>
-            <p:cNvPr id="102" name="pl101"/>
+            <p:cNvPr id="108" name="pl107"/>
             <p:cNvSpPr/>
             <p:nvPr/>
           </p:nvSpPr>
@@ -6994,7 +7204,7 @@
         </p:sp>
         <p:sp>
           <p:nvSpPr>
-            <p:cNvPr id="103" name="pl102"/>
+            <p:cNvPr id="109" name="pl108"/>
             <p:cNvSpPr/>
             <p:nvPr/>
           </p:nvSpPr>
@@ -7034,7 +7244,7 @@
         </p:sp>
         <p:sp>
           <p:nvSpPr>
-            <p:cNvPr id="104" name="pl103"/>
+            <p:cNvPr id="110" name="pl109"/>
             <p:cNvSpPr/>
             <p:nvPr/>
           </p:nvSpPr>
@@ -7074,7 +7284,7 @@
         </p:sp>
         <p:sp>
           <p:nvSpPr>
-            <p:cNvPr id="105" name="pl104"/>
+            <p:cNvPr id="111" name="pl110"/>
             <p:cNvSpPr/>
             <p:nvPr/>
           </p:nvSpPr>
@@ -7114,7 +7324,7 @@
         </p:sp>
         <p:sp>
           <p:nvSpPr>
-            <p:cNvPr id="106" name="tx105"/>
+            <p:cNvPr id="112" name="tx111"/>
             <p:cNvSpPr/>
             <p:nvPr/>
           </p:nvSpPr>
@@ -7160,7 +7370,7 @@
         </p:sp>
         <p:sp>
           <p:nvSpPr>
-            <p:cNvPr id="107" name="tx106"/>
+            <p:cNvPr id="113" name="tx112"/>
             <p:cNvSpPr/>
             <p:nvPr/>
           </p:nvSpPr>
@@ -7206,7 +7416,7 @@
         </p:sp>
         <p:sp>
           <p:nvSpPr>
-            <p:cNvPr id="108" name="tx107"/>
+            <p:cNvPr id="114" name="tx113"/>
             <p:cNvSpPr/>
             <p:nvPr/>
           </p:nvSpPr>
@@ -7252,7 +7462,7 @@
         </p:sp>
         <p:sp>
           <p:nvSpPr>
-            <p:cNvPr id="109" name="tx108"/>
+            <p:cNvPr id="115" name="tx114"/>
             <p:cNvSpPr/>
             <p:nvPr/>
           </p:nvSpPr>
@@ -7298,7 +7508,7 @@
         </p:sp>
         <p:sp>
           <p:nvSpPr>
-            <p:cNvPr id="110" name="tx109"/>
+            <p:cNvPr id="116" name="tx115"/>
             <p:cNvSpPr/>
             <p:nvPr/>
           </p:nvSpPr>
@@ -7344,7 +7554,7 @@
         </p:sp>
         <p:sp>
           <p:nvSpPr>
-            <p:cNvPr id="111" name="tx110"/>
+            <p:cNvPr id="117" name="tx116"/>
             <p:cNvSpPr/>
             <p:nvPr/>
           </p:nvSpPr>
@@ -7390,7 +7600,7 @@
         </p:sp>
         <p:sp>
           <p:nvSpPr>
-            <p:cNvPr id="112" name="tx111"/>
+            <p:cNvPr id="118" name="tx117"/>
             <p:cNvSpPr/>
             <p:nvPr/>
           </p:nvSpPr>
@@ -7436,7 +7646,7 @@
         </p:sp>
         <p:sp>
           <p:nvSpPr>
-            <p:cNvPr id="113" name="tx112"/>
+            <p:cNvPr id="119" name="tx118"/>
             <p:cNvSpPr/>
             <p:nvPr/>
           </p:nvSpPr>
@@ -8743,13 +8953,13 @@
             </a:prstGeom>
             <a:solidFill>
               <a:srgbClr val="FF0000">
-                <a:alpha val="40000"/>
+                <a:alpha val="80000"/>
               </a:srgbClr>
             </a:solidFill>
             <a:ln w="9000" cap="rnd">
               <a:solidFill>
                 <a:srgbClr val="FF0000">
-                  <a:alpha val="40000"/>
+                  <a:alpha val="80000"/>
                 </a:srgbClr>
               </a:solidFill>
               <a:prstDash val="solid"/>
@@ -8778,13 +8988,13 @@
             </a:prstGeom>
             <a:solidFill>
               <a:srgbClr val="FF0000">
-                <a:alpha val="40000"/>
+                <a:alpha val="80000"/>
               </a:srgbClr>
             </a:solidFill>
             <a:ln w="9000" cap="rnd">
               <a:solidFill>
                 <a:srgbClr val="FF0000">
-                  <a:alpha val="40000"/>
+                  <a:alpha val="80000"/>
                 </a:srgbClr>
               </a:solidFill>
               <a:prstDash val="solid"/>
@@ -8813,13 +9023,13 @@
             </a:prstGeom>
             <a:solidFill>
               <a:srgbClr val="50A45C">
-                <a:alpha val="40000"/>
+                <a:alpha val="80000"/>
               </a:srgbClr>
             </a:solidFill>
             <a:ln w="9000" cap="rnd">
               <a:solidFill>
                 <a:srgbClr val="50A45C">
-                  <a:alpha val="40000"/>
+                  <a:alpha val="80000"/>
                 </a:srgbClr>
               </a:solidFill>
               <a:prstDash val="solid"/>
@@ -8848,13 +9058,13 @@
             </a:prstGeom>
             <a:solidFill>
               <a:srgbClr val="F69100">
-                <a:alpha val="40000"/>
+                <a:alpha val="80000"/>
               </a:srgbClr>
             </a:solidFill>
             <a:ln w="9000" cap="rnd">
               <a:solidFill>
                 <a:srgbClr val="F69100">
-                  <a:alpha val="40000"/>
+                  <a:alpha val="80000"/>
                 </a:srgbClr>
               </a:solidFill>
               <a:prstDash val="solid"/>
@@ -8883,13 +9093,13 @@
             </a:prstGeom>
             <a:solidFill>
               <a:srgbClr val="50A45C">
-                <a:alpha val="40000"/>
+                <a:alpha val="80000"/>
               </a:srgbClr>
             </a:solidFill>
             <a:ln w="9000" cap="rnd">
               <a:solidFill>
                 <a:srgbClr val="50A45C">
-                  <a:alpha val="40000"/>
+                  <a:alpha val="80000"/>
                 </a:srgbClr>
               </a:solidFill>
               <a:prstDash val="solid"/>
@@ -8918,13 +9128,13 @@
             </a:prstGeom>
             <a:solidFill>
               <a:srgbClr val="50A45C">
-                <a:alpha val="40000"/>
+                <a:alpha val="80000"/>
               </a:srgbClr>
             </a:solidFill>
             <a:ln w="9000" cap="rnd">
               <a:solidFill>
                 <a:srgbClr val="50A45C">
-                  <a:alpha val="40000"/>
+                  <a:alpha val="80000"/>
                 </a:srgbClr>
               </a:solidFill>
               <a:prstDash val="solid"/>
@@ -8953,13 +9163,13 @@
             </a:prstGeom>
             <a:solidFill>
               <a:srgbClr val="5BBCD6">
-                <a:alpha val="40000"/>
+                <a:alpha val="80000"/>
               </a:srgbClr>
             </a:solidFill>
             <a:ln w="9000" cap="rnd">
               <a:solidFill>
                 <a:srgbClr val="5BBCD6">
-                  <a:alpha val="40000"/>
+                  <a:alpha val="80000"/>
                 </a:srgbClr>
               </a:solidFill>
               <a:prstDash val="solid"/>
@@ -8988,13 +9198,13 @@
             </a:prstGeom>
             <a:solidFill>
               <a:srgbClr val="FF0000">
-                <a:alpha val="40000"/>
+                <a:alpha val="80000"/>
               </a:srgbClr>
             </a:solidFill>
             <a:ln w="9000" cap="rnd">
               <a:solidFill>
                 <a:srgbClr val="FF0000">
-                  <a:alpha val="40000"/>
+                  <a:alpha val="80000"/>
                 </a:srgbClr>
               </a:solidFill>
               <a:prstDash val="solid"/>
@@ -9023,13 +9233,13 @@
             </a:prstGeom>
             <a:solidFill>
               <a:srgbClr val="50A45C">
-                <a:alpha val="40000"/>
+                <a:alpha val="80000"/>
               </a:srgbClr>
             </a:solidFill>
             <a:ln w="9000" cap="rnd">
               <a:solidFill>
                 <a:srgbClr val="50A45C">
-                  <a:alpha val="40000"/>
+                  <a:alpha val="80000"/>
                 </a:srgbClr>
               </a:solidFill>
               <a:prstDash val="solid"/>
@@ -9058,13 +9268,13 @@
             </a:prstGeom>
             <a:solidFill>
               <a:srgbClr val="5BBCD6">
-                <a:alpha val="40000"/>
+                <a:alpha val="80000"/>
               </a:srgbClr>
             </a:solidFill>
             <a:ln w="9000" cap="rnd">
               <a:solidFill>
                 <a:srgbClr val="5BBCD6">
-                  <a:alpha val="40000"/>
+                  <a:alpha val="80000"/>
                 </a:srgbClr>
               </a:solidFill>
               <a:prstDash val="solid"/>
@@ -9093,13 +9303,13 @@
             </a:prstGeom>
             <a:solidFill>
               <a:srgbClr val="FF0000">
-                <a:alpha val="40000"/>
+                <a:alpha val="80000"/>
               </a:srgbClr>
             </a:solidFill>
             <a:ln w="9000" cap="rnd">
               <a:solidFill>
                 <a:srgbClr val="FF0000">
-                  <a:alpha val="40000"/>
+                  <a:alpha val="80000"/>
                 </a:srgbClr>
               </a:solidFill>
               <a:prstDash val="solid"/>
@@ -9128,13 +9338,13 @@
             </a:prstGeom>
             <a:solidFill>
               <a:srgbClr val="F69100">
-                <a:alpha val="40000"/>
+                <a:alpha val="80000"/>
               </a:srgbClr>
             </a:solidFill>
             <a:ln w="9000" cap="rnd">
               <a:solidFill>
                 <a:srgbClr val="F69100">
-                  <a:alpha val="40000"/>
+                  <a:alpha val="80000"/>
                 </a:srgbClr>
               </a:solidFill>
               <a:prstDash val="solid"/>
@@ -9163,13 +9373,13 @@
             </a:prstGeom>
             <a:solidFill>
               <a:srgbClr val="50A45C">
-                <a:alpha val="40000"/>
+                <a:alpha val="80000"/>
               </a:srgbClr>
             </a:solidFill>
             <a:ln w="9000" cap="rnd">
               <a:solidFill>
                 <a:srgbClr val="50A45C">
-                  <a:alpha val="40000"/>
+                  <a:alpha val="80000"/>
                 </a:srgbClr>
               </a:solidFill>
               <a:prstDash val="solid"/>
@@ -9198,13 +9408,13 @@
             </a:prstGeom>
             <a:solidFill>
               <a:srgbClr val="FF0000">
-                <a:alpha val="40000"/>
+                <a:alpha val="80000"/>
               </a:srgbClr>
             </a:solidFill>
             <a:ln w="9000" cap="rnd">
               <a:solidFill>
                 <a:srgbClr val="FF0000">
-                  <a:alpha val="40000"/>
+                  <a:alpha val="80000"/>
                 </a:srgbClr>
               </a:solidFill>
               <a:prstDash val="solid"/>
@@ -9233,13 +9443,13 @@
             </a:prstGeom>
             <a:solidFill>
               <a:srgbClr val="50A45C">
-                <a:alpha val="40000"/>
+                <a:alpha val="80000"/>
               </a:srgbClr>
             </a:solidFill>
             <a:ln w="9000" cap="rnd">
               <a:solidFill>
                 <a:srgbClr val="50A45C">
-                  <a:alpha val="40000"/>
+                  <a:alpha val="80000"/>
                 </a:srgbClr>
               </a:solidFill>
               <a:prstDash val="solid"/>
@@ -9268,13 +9478,13 @@
             </a:prstGeom>
             <a:solidFill>
               <a:srgbClr val="50A45C">
-                <a:alpha val="40000"/>
+                <a:alpha val="80000"/>
               </a:srgbClr>
             </a:solidFill>
             <a:ln w="9000" cap="rnd">
               <a:solidFill>
                 <a:srgbClr val="50A45C">
-                  <a:alpha val="40000"/>
+                  <a:alpha val="80000"/>
                 </a:srgbClr>
               </a:solidFill>
               <a:prstDash val="solid"/>
@@ -9303,13 +9513,13 @@
             </a:prstGeom>
             <a:solidFill>
               <a:srgbClr val="F69100">
-                <a:alpha val="40000"/>
+                <a:alpha val="80000"/>
               </a:srgbClr>
             </a:solidFill>
             <a:ln w="9000" cap="rnd">
               <a:solidFill>
                 <a:srgbClr val="F69100">
-                  <a:alpha val="40000"/>
+                  <a:alpha val="80000"/>
                 </a:srgbClr>
               </a:solidFill>
               <a:prstDash val="solid"/>
@@ -9338,13 +9548,13 @@
             </a:prstGeom>
             <a:solidFill>
               <a:srgbClr val="5BBCD6">
-                <a:alpha val="40000"/>
+                <a:alpha val="80000"/>
               </a:srgbClr>
             </a:solidFill>
             <a:ln w="9000" cap="rnd">
               <a:solidFill>
                 <a:srgbClr val="5BBCD6">
-                  <a:alpha val="40000"/>
+                  <a:alpha val="80000"/>
                 </a:srgbClr>
               </a:solidFill>
               <a:prstDash val="solid"/>
@@ -9373,13 +9583,13 @@
             </a:prstGeom>
             <a:solidFill>
               <a:srgbClr val="50A45C">
-                <a:alpha val="40000"/>
+                <a:alpha val="80000"/>
               </a:srgbClr>
             </a:solidFill>
             <a:ln w="9000" cap="rnd">
               <a:solidFill>
                 <a:srgbClr val="50A45C">
-                  <a:alpha val="40000"/>
+                  <a:alpha val="80000"/>
                 </a:srgbClr>
               </a:solidFill>
               <a:prstDash val="solid"/>
@@ -9408,13 +9618,13 @@
             </a:prstGeom>
             <a:solidFill>
               <a:srgbClr val="FF0000">
-                <a:alpha val="40000"/>
+                <a:alpha val="80000"/>
               </a:srgbClr>
             </a:solidFill>
             <a:ln w="9000" cap="rnd">
               <a:solidFill>
                 <a:srgbClr val="FF0000">
-                  <a:alpha val="40000"/>
+                  <a:alpha val="80000"/>
                 </a:srgbClr>
               </a:solidFill>
               <a:prstDash val="solid"/>
@@ -9443,13 +9653,13 @@
             </a:prstGeom>
             <a:solidFill>
               <a:srgbClr val="F69100">
-                <a:alpha val="40000"/>
+                <a:alpha val="80000"/>
               </a:srgbClr>
             </a:solidFill>
             <a:ln w="9000" cap="rnd">
               <a:solidFill>
                 <a:srgbClr val="F69100">
-                  <a:alpha val="40000"/>
+                  <a:alpha val="80000"/>
                 </a:srgbClr>
               </a:solidFill>
               <a:prstDash val="solid"/>
@@ -9478,13 +9688,13 @@
             </a:prstGeom>
             <a:solidFill>
               <a:srgbClr val="50A45C">
-                <a:alpha val="40000"/>
+                <a:alpha val="80000"/>
               </a:srgbClr>
             </a:solidFill>
             <a:ln w="9000" cap="rnd">
               <a:solidFill>
                 <a:srgbClr val="50A45C">
-                  <a:alpha val="40000"/>
+                  <a:alpha val="80000"/>
                 </a:srgbClr>
               </a:solidFill>
               <a:prstDash val="solid"/>
@@ -9513,13 +9723,13 @@
             </a:prstGeom>
             <a:solidFill>
               <a:srgbClr val="FF0000">
-                <a:alpha val="40000"/>
+                <a:alpha val="80000"/>
               </a:srgbClr>
             </a:solidFill>
             <a:ln w="9000" cap="rnd">
               <a:solidFill>
                 <a:srgbClr val="FF0000">
-                  <a:alpha val="40000"/>
+                  <a:alpha val="80000"/>
                 </a:srgbClr>
               </a:solidFill>
               <a:prstDash val="solid"/>
@@ -9548,13 +9758,13 @@
             </a:prstGeom>
             <a:solidFill>
               <a:srgbClr val="F69100">
-                <a:alpha val="40000"/>
+                <a:alpha val="80000"/>
               </a:srgbClr>
             </a:solidFill>
             <a:ln w="9000" cap="rnd">
               <a:solidFill>
                 <a:srgbClr val="F69100">
-                  <a:alpha val="40000"/>
+                  <a:alpha val="80000"/>
                 </a:srgbClr>
               </a:solidFill>
               <a:prstDash val="solid"/>
@@ -9583,13 +9793,13 @@
             </a:prstGeom>
             <a:solidFill>
               <a:srgbClr val="50A45C">
-                <a:alpha val="40000"/>
+                <a:alpha val="80000"/>
               </a:srgbClr>
             </a:solidFill>
             <a:ln w="9000" cap="rnd">
               <a:solidFill>
                 <a:srgbClr val="50A45C">
-                  <a:alpha val="40000"/>
+                  <a:alpha val="80000"/>
                 </a:srgbClr>
               </a:solidFill>
               <a:prstDash val="solid"/>
@@ -9618,13 +9828,13 @@
             </a:prstGeom>
             <a:solidFill>
               <a:srgbClr val="5BBCD6">
-                <a:alpha val="40000"/>
+                <a:alpha val="80000"/>
               </a:srgbClr>
             </a:solidFill>
             <a:ln w="9000" cap="rnd">
               <a:solidFill>
                 <a:srgbClr val="5BBCD6">
-                  <a:alpha val="40000"/>
+                  <a:alpha val="80000"/>
                 </a:srgbClr>
               </a:solidFill>
               <a:prstDash val="solid"/>
@@ -9653,13 +9863,13 @@
             </a:prstGeom>
             <a:solidFill>
               <a:srgbClr val="5BBCD6">
-                <a:alpha val="40000"/>
+                <a:alpha val="80000"/>
               </a:srgbClr>
             </a:solidFill>
             <a:ln w="9000" cap="rnd">
               <a:solidFill>
                 <a:srgbClr val="5BBCD6">
-                  <a:alpha val="40000"/>
+                  <a:alpha val="80000"/>
                 </a:srgbClr>
               </a:solidFill>
               <a:prstDash val="solid"/>
@@ -9688,13 +9898,13 @@
             </a:prstGeom>
             <a:solidFill>
               <a:srgbClr val="50A45C">
-                <a:alpha val="40000"/>
+                <a:alpha val="80000"/>
               </a:srgbClr>
             </a:solidFill>
             <a:ln w="9000" cap="rnd">
               <a:solidFill>
                 <a:srgbClr val="50A45C">
-                  <a:alpha val="40000"/>
+                  <a:alpha val="80000"/>
                 </a:srgbClr>
               </a:solidFill>
               <a:prstDash val="solid"/>
@@ -9715,18 +9925,18 @@
           </p:nvSpPr>
           <p:spPr>
             <a:xfrm>
-              <a:off x="2022662" y="4575552"/>
-              <a:ext cx="123736" cy="57077"/>
+              <a:off x="3343343" y="2815139"/>
+              <a:ext cx="82249" cy="196045"/>
             </a:xfrm>
             <a:custGeom>
               <a:avLst/>
               <a:pathLst>
-                <a:path w="123736" h="57077">
+                <a:path w="82249" h="196045">
                   <a:moveTo>
                     <a:pt x="0" y="0"/>
                   </a:moveTo>
                   <a:lnTo>
-                    <a:pt x="123736" y="57077"/>
+                    <a:pt x="82249" y="196045"/>
                   </a:lnTo>
                 </a:path>
               </a:pathLst>
@@ -9746,18 +9956,18 @@
           </p:nvSpPr>
           <p:spPr>
             <a:xfrm>
-              <a:off x="2423454" y="4276674"/>
-              <a:ext cx="49586" cy="83103"/>
+              <a:off x="3164416" y="2873728"/>
+              <a:ext cx="135680" cy="75235"/>
             </a:xfrm>
             <a:custGeom>
               <a:avLst/>
               <a:pathLst>
-                <a:path w="49586" h="83103">
+                <a:path w="135680" h="75235">
                   <a:moveTo>
                     <a:pt x="0" y="0"/>
                   </a:moveTo>
                   <a:lnTo>
-                    <a:pt x="49586" y="83103"/>
+                    <a:pt x="135680" y="75235"/>
                   </a:lnTo>
                 </a:path>
               </a:pathLst>
@@ -9771,138 +9981,14 @@
         </p:sp>
         <p:sp>
           <p:nvSpPr>
-            <p:cNvPr id="62" name="pl61"/>
-            <p:cNvSpPr/>
-            <p:nvPr/>
-          </p:nvSpPr>
-          <p:spPr>
-            <a:xfrm>
-              <a:off x="2540103" y="4626305"/>
-              <a:ext cx="96821" cy="35989"/>
-            </a:xfrm>
-            <a:custGeom>
-              <a:avLst/>
-              <a:pathLst>
-                <a:path w="96821" h="35989">
-                  <a:moveTo>
-                    <a:pt x="96821" y="35989"/>
-                  </a:moveTo>
-                  <a:lnTo>
-                    <a:pt x="0" y="0"/>
-                  </a:lnTo>
-                </a:path>
-              </a:pathLst>
-            </a:custGeom>
-          </p:spPr>
-          <p:txBody>
-            <a:bodyPr/>
-            <a:lstStyle/>
-            <a:p/>
-          </p:txBody>
-        </p:sp>
-        <p:sp>
-          <p:nvSpPr>
-            <p:cNvPr id="63" name="pl62"/>
-            <p:cNvSpPr/>
-            <p:nvPr/>
-          </p:nvSpPr>
-          <p:spPr>
-            <a:xfrm>
-              <a:off x="3320629" y="3032149"/>
-              <a:ext cx="98809" cy="68086"/>
-            </a:xfrm>
-            <a:custGeom>
-              <a:avLst/>
-              <a:pathLst>
-                <a:path w="98809" h="68086">
-                  <a:moveTo>
-                    <a:pt x="0" y="68086"/>
-                  </a:moveTo>
-                  <a:lnTo>
-                    <a:pt x="98809" y="0"/>
-                  </a:lnTo>
-                </a:path>
-              </a:pathLst>
-            </a:custGeom>
-          </p:spPr>
-          <p:txBody>
-            <a:bodyPr/>
-            <a:lstStyle/>
-            <a:p/>
-          </p:txBody>
-        </p:sp>
-        <p:sp>
-          <p:nvSpPr>
-            <p:cNvPr id="64" name="pl63"/>
-            <p:cNvSpPr/>
-            <p:nvPr/>
-          </p:nvSpPr>
-          <p:spPr>
-            <a:xfrm>
-              <a:off x="2097622" y="4334542"/>
-              <a:ext cx="139531" cy="67498"/>
-            </a:xfrm>
-            <a:custGeom>
-              <a:avLst/>
-              <a:pathLst>
-                <a:path w="139531" h="67498">
-                  <a:moveTo>
-                    <a:pt x="0" y="0"/>
-                  </a:moveTo>
-                  <a:lnTo>
-                    <a:pt x="139531" y="67498"/>
-                  </a:lnTo>
-                </a:path>
-              </a:pathLst>
-            </a:custGeom>
-          </p:spPr>
-          <p:txBody>
-            <a:bodyPr/>
-            <a:lstStyle/>
-            <a:p/>
-          </p:txBody>
-        </p:sp>
-        <p:sp>
-          <p:nvSpPr>
-            <p:cNvPr id="65" name="pl64"/>
-            <p:cNvSpPr/>
-            <p:nvPr/>
-          </p:nvSpPr>
-          <p:spPr>
-            <a:xfrm>
-              <a:off x="3204529" y="2942646"/>
-              <a:ext cx="93897" cy="11443"/>
-            </a:xfrm>
-            <a:custGeom>
-              <a:avLst/>
-              <a:pathLst>
-                <a:path w="93897" h="11443">
-                  <a:moveTo>
-                    <a:pt x="0" y="0"/>
-                  </a:moveTo>
-                  <a:lnTo>
-                    <a:pt x="93897" y="11443"/>
-                  </a:lnTo>
-                </a:path>
-              </a:pathLst>
-            </a:custGeom>
-          </p:spPr>
-          <p:txBody>
-            <a:bodyPr/>
-            <a:lstStyle/>
-            <a:p/>
-          </p:txBody>
-        </p:sp>
-        <p:sp>
-          <p:nvSpPr>
-            <p:cNvPr id="66" name="tx65"/>
-            <p:cNvSpPr/>
-            <p:nvPr/>
-          </p:nvSpPr>
-          <p:spPr>
-            <a:xfrm>
-              <a:off x="1511715" y="4508389"/>
-              <a:ext cx="488087" cy="99300"/>
+            <p:cNvPr id="62" name="tx61"/>
+            <p:cNvSpPr/>
+            <p:nvPr/>
+          </p:nvSpPr>
+          <p:spPr>
+            <a:xfrm>
+              <a:off x="1999017" y="4463465"/>
+              <a:ext cx="100482" cy="129860"/>
             </a:xfrm>
             <a:prstGeom prst="rect">
               <a:avLst/>
@@ -9915,7 +10001,7 @@
             <a:p>
               <a:pPr algn="l" marL="0" marR="0" indent="0">
                 <a:lnSpc>
-                  <a:spcPts val="853"/>
+                  <a:spcPts val="1422"/>
                 </a:lnSpc>
                 <a:spcBef>
                   <a:spcPts val="0"/>
@@ -9925,30 +10011,30 @@
                 </a:spcAft>
               </a:pPr>
               <a:r>
-                <a:rPr sz="853" b="1">
+                <a:rPr sz="1422" b="1">
                   <a:solidFill>
                     <a:srgbClr val="FF0000">
-                      <a:alpha val="40000"/>
+                      <a:alpha val="80000"/>
                     </a:srgbClr>
                   </a:solidFill>
                   <a:latin typeface="Arial"/>
                   <a:cs typeface="Arial"/>
                 </a:rPr>
-                <a:t>Excerpt.1</a:t>
+                <a:t>1</a:t>
               </a:r>
             </a:p>
           </p:txBody>
         </p:sp>
         <p:sp>
           <p:nvSpPr>
-            <p:cNvPr id="67" name="tx66"/>
-            <p:cNvSpPr/>
-            <p:nvPr/>
-          </p:nvSpPr>
-          <p:spPr>
-            <a:xfrm>
-              <a:off x="2744860" y="4242104"/>
-              <a:ext cx="488087" cy="99300"/>
+            <p:cNvPr id="63" name="tx62"/>
+            <p:cNvSpPr/>
+            <p:nvPr/>
+          </p:nvSpPr>
+          <p:spPr>
+            <a:xfrm>
+              <a:off x="2790831" y="4248112"/>
+              <a:ext cx="100482" cy="129860"/>
             </a:xfrm>
             <a:prstGeom prst="rect">
               <a:avLst/>
@@ -9961,7 +10047,7 @@
             <a:p>
               <a:pPr algn="l" marL="0" marR="0" indent="0">
                 <a:lnSpc>
-                  <a:spcPts val="853"/>
+                  <a:spcPts val="1422"/>
                 </a:lnSpc>
                 <a:spcBef>
                   <a:spcPts val="0"/>
@@ -9971,30 +10057,30 @@
                 </a:spcAft>
               </a:pPr>
               <a:r>
-                <a:rPr sz="853" b="1">
+                <a:rPr sz="1422" b="1">
                   <a:solidFill>
                     <a:srgbClr val="FF0000">
-                      <a:alpha val="40000"/>
+                      <a:alpha val="80000"/>
                     </a:srgbClr>
                   </a:solidFill>
                   <a:latin typeface="Arial"/>
                   <a:cs typeface="Arial"/>
                 </a:rPr>
-                <a:t>Excerpt.2</a:t>
+                <a:t>2</a:t>
               </a:r>
             </a:p>
           </p:txBody>
         </p:sp>
         <p:sp>
           <p:nvSpPr>
-            <p:cNvPr id="68" name="tx67"/>
-            <p:cNvSpPr/>
-            <p:nvPr/>
-          </p:nvSpPr>
-          <p:spPr>
-            <a:xfrm>
-              <a:off x="3200690" y="2696221"/>
-              <a:ext cx="488087" cy="99300"/>
+            <p:cNvPr id="64" name="tx63"/>
+            <p:cNvSpPr/>
+            <p:nvPr/>
+          </p:nvSpPr>
+          <p:spPr>
+            <a:xfrm>
+              <a:off x="3587679" y="2659341"/>
+              <a:ext cx="100482" cy="132065"/>
             </a:xfrm>
             <a:prstGeom prst="rect">
               <a:avLst/>
@@ -10007,7 +10093,7 @@
             <a:p>
               <a:pPr algn="l" marL="0" marR="0" indent="0">
                 <a:lnSpc>
-                  <a:spcPts val="853"/>
+                  <a:spcPts val="1422"/>
                 </a:lnSpc>
                 <a:spcBef>
                   <a:spcPts val="0"/>
@@ -10017,30 +10103,30 @@
                 </a:spcAft>
               </a:pPr>
               <a:r>
-                <a:rPr sz="853" b="1">
+                <a:rPr sz="1422" b="1">
                   <a:solidFill>
                     <a:srgbClr val="50A45C">
-                      <a:alpha val="40000"/>
+                      <a:alpha val="80000"/>
                     </a:srgbClr>
                   </a:solidFill>
                   <a:latin typeface="Arial"/>
                   <a:cs typeface="Arial"/>
                 </a:rPr>
-                <a:t>Excerpt.3</a:t>
+                <a:t>3</a:t>
               </a:r>
             </a:p>
           </p:txBody>
         </p:sp>
         <p:sp>
           <p:nvSpPr>
-            <p:cNvPr id="69" name="tx68"/>
-            <p:cNvSpPr/>
-            <p:nvPr/>
-          </p:nvSpPr>
-          <p:spPr>
-            <a:xfrm>
-              <a:off x="1631876" y="4898943"/>
-              <a:ext cx="488087" cy="99300"/>
+            <p:cNvPr id="65" name="tx64"/>
+            <p:cNvSpPr/>
+            <p:nvPr/>
+          </p:nvSpPr>
+          <p:spPr>
+            <a:xfrm>
+              <a:off x="1617564" y="4883699"/>
+              <a:ext cx="100482" cy="129860"/>
             </a:xfrm>
             <a:prstGeom prst="rect">
               <a:avLst/>
@@ -10053,7 +10139,7 @@
             <a:p>
               <a:pPr algn="l" marL="0" marR="0" indent="0">
                 <a:lnSpc>
-                  <a:spcPts val="853"/>
+                  <a:spcPts val="1422"/>
                 </a:lnSpc>
                 <a:spcBef>
                   <a:spcPts val="0"/>
@@ -10063,30 +10149,30 @@
                 </a:spcAft>
               </a:pPr>
               <a:r>
-                <a:rPr sz="853" b="1">
+                <a:rPr sz="1422" b="1">
                   <a:solidFill>
                     <a:srgbClr val="F69100">
-                      <a:alpha val="40000"/>
+                      <a:alpha val="80000"/>
                     </a:srgbClr>
                   </a:solidFill>
                   <a:latin typeface="Arial"/>
                   <a:cs typeface="Arial"/>
                 </a:rPr>
-                <a:t>Excerpt.4</a:t>
+                <a:t>4</a:t>
               </a:r>
             </a:p>
           </p:txBody>
         </p:sp>
         <p:sp>
           <p:nvSpPr>
-            <p:cNvPr id="70" name="tx69"/>
-            <p:cNvSpPr/>
-            <p:nvPr/>
-          </p:nvSpPr>
-          <p:spPr>
-            <a:xfrm>
-              <a:off x="3564609" y="3270005"/>
-              <a:ext cx="488087" cy="98983"/>
+            <p:cNvPr id="66" name="tx65"/>
+            <p:cNvSpPr/>
+            <p:nvPr/>
+          </p:nvSpPr>
+          <p:spPr>
+            <a:xfrm>
+              <a:off x="3563655" y="3342782"/>
+              <a:ext cx="100482" cy="129771"/>
             </a:xfrm>
             <a:prstGeom prst="rect">
               <a:avLst/>
@@ -10099,7 +10185,7 @@
             <a:p>
               <a:pPr algn="l" marL="0" marR="0" indent="0">
                 <a:lnSpc>
-                  <a:spcPts val="853"/>
+                  <a:spcPts val="1422"/>
                 </a:lnSpc>
                 <a:spcBef>
                   <a:spcPts val="0"/>
@@ -10109,30 +10195,30 @@
                 </a:spcAft>
               </a:pPr>
               <a:r>
-                <a:rPr sz="853" b="1">
+                <a:rPr sz="1422" b="1">
                   <a:solidFill>
                     <a:srgbClr val="50A45C">
-                      <a:alpha val="40000"/>
+                      <a:alpha val="80000"/>
                     </a:srgbClr>
                   </a:solidFill>
                   <a:latin typeface="Arial"/>
                   <a:cs typeface="Arial"/>
                 </a:rPr>
-                <a:t>Excerpt.5</a:t>
+                <a:t>5</a:t>
               </a:r>
             </a:p>
           </p:txBody>
         </p:sp>
         <p:sp>
           <p:nvSpPr>
-            <p:cNvPr id="71" name="tx70"/>
-            <p:cNvSpPr/>
-            <p:nvPr/>
-          </p:nvSpPr>
-          <p:spPr>
-            <a:xfrm>
-              <a:off x="3808446" y="2680785"/>
-              <a:ext cx="488087" cy="98983"/>
+            <p:cNvPr id="67" name="tx66"/>
+            <p:cNvSpPr/>
+            <p:nvPr/>
+          </p:nvSpPr>
+          <p:spPr>
+            <a:xfrm>
+              <a:off x="3850134" y="2887005"/>
+              <a:ext cx="100482" cy="127566"/>
             </a:xfrm>
             <a:prstGeom prst="rect">
               <a:avLst/>
@@ -10145,7 +10231,7 @@
             <a:p>
               <a:pPr algn="l" marL="0" marR="0" indent="0">
                 <a:lnSpc>
-                  <a:spcPts val="853"/>
+                  <a:spcPts val="1422"/>
                 </a:lnSpc>
                 <a:spcBef>
                   <a:spcPts val="0"/>
@@ -10155,30 +10241,30 @@
                 </a:spcAft>
               </a:pPr>
               <a:r>
-                <a:rPr sz="853" b="1">
+                <a:rPr sz="1422" b="1">
                   <a:solidFill>
                     <a:srgbClr val="50A45C">
-                      <a:alpha val="40000"/>
+                      <a:alpha val="80000"/>
                     </a:srgbClr>
                   </a:solidFill>
                   <a:latin typeface="Arial"/>
                   <a:cs typeface="Arial"/>
                 </a:rPr>
-                <a:t>Excerpt.7</a:t>
+                <a:t>7</a:t>
               </a:r>
             </a:p>
           </p:txBody>
         </p:sp>
         <p:sp>
           <p:nvSpPr>
-            <p:cNvPr id="72" name="tx71"/>
-            <p:cNvSpPr/>
-            <p:nvPr/>
-          </p:nvSpPr>
-          <p:spPr>
-            <a:xfrm>
-              <a:off x="2165509" y="4154513"/>
-              <a:ext cx="488087" cy="99300"/>
+            <p:cNvPr id="68" name="tx67"/>
+            <p:cNvSpPr/>
+            <p:nvPr/>
+          </p:nvSpPr>
+          <p:spPr>
+            <a:xfrm>
+              <a:off x="2540080" y="4194908"/>
+              <a:ext cx="100482" cy="132153"/>
             </a:xfrm>
             <a:prstGeom prst="rect">
               <a:avLst/>
@@ -10191,7 +10277,7 @@
             <a:p>
               <a:pPr algn="l" marL="0" marR="0" indent="0">
                 <a:lnSpc>
-                  <a:spcPts val="853"/>
+                  <a:spcPts val="1422"/>
                 </a:lnSpc>
                 <a:spcBef>
                   <a:spcPts val="0"/>
@@ -10201,30 +10287,30 @@
                 </a:spcAft>
               </a:pPr>
               <a:r>
-                <a:rPr sz="853" b="1">
+                <a:rPr sz="1422" b="1">
                   <a:solidFill>
                     <a:srgbClr val="5BBCD6">
-                      <a:alpha val="40000"/>
+                      <a:alpha val="80000"/>
                     </a:srgbClr>
                   </a:solidFill>
                   <a:latin typeface="Arial"/>
                   <a:cs typeface="Arial"/>
                 </a:rPr>
-                <a:t>Excerpt.8</a:t>
+                <a:t>8</a:t>
               </a:r>
             </a:p>
           </p:txBody>
         </p:sp>
         <p:sp>
           <p:nvSpPr>
-            <p:cNvPr id="73" name="tx72"/>
-            <p:cNvSpPr/>
-            <p:nvPr/>
-          </p:nvSpPr>
-          <p:spPr>
-            <a:xfrm>
-              <a:off x="2659784" y="4604964"/>
-              <a:ext cx="488087" cy="99300"/>
+            <p:cNvPr id="69" name="tx68"/>
+            <p:cNvSpPr/>
+            <p:nvPr/>
+          </p:nvSpPr>
+          <p:spPr>
+            <a:xfrm>
+              <a:off x="2586556" y="4663143"/>
+              <a:ext cx="100482" cy="132153"/>
             </a:xfrm>
             <a:prstGeom prst="rect">
               <a:avLst/>
@@ -10237,7 +10323,7 @@
             <a:p>
               <a:pPr algn="l" marL="0" marR="0" indent="0">
                 <a:lnSpc>
-                  <a:spcPts val="853"/>
+                  <a:spcPts val="1422"/>
                 </a:lnSpc>
                 <a:spcBef>
                   <a:spcPts val="0"/>
@@ -10247,30 +10333,30 @@
                 </a:spcAft>
               </a:pPr>
               <a:r>
-                <a:rPr sz="853" b="1">
+                <a:rPr sz="1422" b="1">
                   <a:solidFill>
                     <a:srgbClr val="FF0000">
-                      <a:alpha val="40000"/>
+                      <a:alpha val="80000"/>
                     </a:srgbClr>
                   </a:solidFill>
                   <a:latin typeface="Arial"/>
                   <a:cs typeface="Arial"/>
                 </a:rPr>
-                <a:t>Excerpt.9</a:t>
+                <a:t>9</a:t>
               </a:r>
             </a:p>
           </p:txBody>
         </p:sp>
         <p:sp>
           <p:nvSpPr>
-            <p:cNvPr id="74" name="tx73"/>
-            <p:cNvSpPr/>
-            <p:nvPr/>
-          </p:nvSpPr>
-          <p:spPr>
-            <a:xfrm>
-              <a:off x="3272846" y="2882963"/>
-              <a:ext cx="548376" cy="99300"/>
+            <p:cNvPr id="70" name="tx69"/>
+            <p:cNvSpPr/>
+            <p:nvPr/>
+          </p:nvSpPr>
+          <p:spPr>
+            <a:xfrm>
+              <a:off x="3455252" y="2880577"/>
+              <a:ext cx="200965" cy="132065"/>
             </a:xfrm>
             <a:prstGeom prst="rect">
               <a:avLst/>
@@ -10283,7 +10369,7 @@
             <a:p>
               <a:pPr algn="l" marL="0" marR="0" indent="0">
                 <a:lnSpc>
-                  <a:spcPts val="853"/>
+                  <a:spcPts val="1422"/>
                 </a:lnSpc>
                 <a:spcBef>
                   <a:spcPts val="0"/>
@@ -10293,30 +10379,30 @@
                 </a:spcAft>
               </a:pPr>
               <a:r>
-                <a:rPr sz="853" b="1">
+                <a:rPr sz="1422" b="1">
                   <a:solidFill>
                     <a:srgbClr val="50A45C">
-                      <a:alpha val="40000"/>
+                      <a:alpha val="80000"/>
                     </a:srgbClr>
                   </a:solidFill>
                   <a:latin typeface="Arial"/>
                   <a:cs typeface="Arial"/>
                 </a:rPr>
-                <a:t>Excerpt.10</a:t>
+                <a:t>10</a:t>
               </a:r>
             </a:p>
           </p:txBody>
         </p:sp>
         <p:sp>
           <p:nvSpPr>
-            <p:cNvPr id="75" name="tx74"/>
-            <p:cNvSpPr/>
-            <p:nvPr/>
-          </p:nvSpPr>
-          <p:spPr>
-            <a:xfrm>
-              <a:off x="3100851" y="3438625"/>
-              <a:ext cx="548376" cy="99300"/>
+            <p:cNvPr id="71" name="tx70"/>
+            <p:cNvSpPr/>
+            <p:nvPr/>
+          </p:nvSpPr>
+          <p:spPr>
+            <a:xfrm>
+              <a:off x="3143908" y="3434040"/>
+              <a:ext cx="200965" cy="129860"/>
             </a:xfrm>
             <a:prstGeom prst="rect">
               <a:avLst/>
@@ -10329,7 +10415,7 @@
             <a:p>
               <a:pPr algn="l" marL="0" marR="0" indent="0">
                 <a:lnSpc>
-                  <a:spcPts val="853"/>
+                  <a:spcPts val="1422"/>
                 </a:lnSpc>
                 <a:spcBef>
                   <a:spcPts val="0"/>
@@ -10339,30 +10425,30 @@
                 </a:spcAft>
               </a:pPr>
               <a:r>
-                <a:rPr sz="853" b="1">
+                <a:rPr sz="1422" b="1">
                   <a:solidFill>
                     <a:srgbClr val="5BBCD6">
-                      <a:alpha val="40000"/>
+                      <a:alpha val="80000"/>
                     </a:srgbClr>
                   </a:solidFill>
                   <a:latin typeface="Arial"/>
                   <a:cs typeface="Arial"/>
                 </a:rPr>
-                <a:t>Excerpt.11</a:t>
+                <a:t>11</a:t>
               </a:r>
             </a:p>
           </p:txBody>
         </p:sp>
         <p:sp>
           <p:nvSpPr>
-            <p:cNvPr id="76" name="tx75"/>
-            <p:cNvSpPr/>
-            <p:nvPr/>
-          </p:nvSpPr>
-          <p:spPr>
-            <a:xfrm>
-              <a:off x="3385477" y="3607928"/>
-              <a:ext cx="548376" cy="99300"/>
+            <p:cNvPr id="72" name="tx71"/>
+            <p:cNvSpPr/>
+            <p:nvPr/>
+          </p:nvSpPr>
+          <p:spPr>
+            <a:xfrm>
+              <a:off x="3350246" y="3761142"/>
+              <a:ext cx="200965" cy="129860"/>
             </a:xfrm>
             <a:prstGeom prst="rect">
               <a:avLst/>
@@ -10375,7 +10461,7 @@
             <a:p>
               <a:pPr algn="l" marL="0" marR="0" indent="0">
                 <a:lnSpc>
-                  <a:spcPts val="853"/>
+                  <a:spcPts val="1422"/>
                 </a:lnSpc>
                 <a:spcBef>
                   <a:spcPts val="0"/>
@@ -10385,30 +10471,30 @@
                 </a:spcAft>
               </a:pPr>
               <a:r>
-                <a:rPr sz="853" b="1">
+                <a:rPr sz="1422" b="1">
                   <a:solidFill>
                     <a:srgbClr val="FF0000">
-                      <a:alpha val="40000"/>
+                      <a:alpha val="80000"/>
                     </a:srgbClr>
                   </a:solidFill>
                   <a:latin typeface="Arial"/>
                   <a:cs typeface="Arial"/>
                 </a:rPr>
-                <a:t>Excerpt.12</a:t>
+                <a:t>12</a:t>
               </a:r>
             </a:p>
           </p:txBody>
         </p:sp>
         <p:sp>
           <p:nvSpPr>
-            <p:cNvPr id="77" name="tx76"/>
-            <p:cNvSpPr/>
-            <p:nvPr/>
-          </p:nvSpPr>
-          <p:spPr>
-            <a:xfrm>
-              <a:off x="1989392" y="5096465"/>
-              <a:ext cx="548376" cy="99300"/>
+            <p:cNvPr id="73" name="tx72"/>
+            <p:cNvSpPr/>
+            <p:nvPr/>
+          </p:nvSpPr>
+          <p:spPr>
+            <a:xfrm>
+              <a:off x="2126646" y="5115101"/>
+              <a:ext cx="200965" cy="132065"/>
             </a:xfrm>
             <a:prstGeom prst="rect">
               <a:avLst/>
@@ -10421,7 +10507,7 @@
             <a:p>
               <a:pPr algn="l" marL="0" marR="0" indent="0">
                 <a:lnSpc>
-                  <a:spcPts val="853"/>
+                  <a:spcPts val="1422"/>
                 </a:lnSpc>
                 <a:spcBef>
                   <a:spcPts val="0"/>
@@ -10431,30 +10517,30 @@
                 </a:spcAft>
               </a:pPr>
               <a:r>
-                <a:rPr sz="853" b="1">
+                <a:rPr sz="1422" b="1">
                   <a:solidFill>
                     <a:srgbClr val="F69100">
-                      <a:alpha val="40000"/>
+                      <a:alpha val="80000"/>
                     </a:srgbClr>
                   </a:solidFill>
                   <a:latin typeface="Arial"/>
                   <a:cs typeface="Arial"/>
                 </a:rPr>
-                <a:t>Excerpt.13</a:t>
+                <a:t>13</a:t>
               </a:r>
             </a:p>
           </p:txBody>
         </p:sp>
         <p:sp>
           <p:nvSpPr>
-            <p:cNvPr id="78" name="tx77"/>
-            <p:cNvSpPr/>
-            <p:nvPr/>
-          </p:nvSpPr>
-          <p:spPr>
-            <a:xfrm>
-              <a:off x="2749392" y="3051882"/>
-              <a:ext cx="548376" cy="99300"/>
+            <p:cNvPr id="74" name="tx73"/>
+            <p:cNvSpPr/>
+            <p:nvPr/>
+          </p:nvSpPr>
+          <p:spPr>
+            <a:xfrm>
+              <a:off x="3233988" y="2660214"/>
+              <a:ext cx="200965" cy="132065"/>
             </a:xfrm>
             <a:prstGeom prst="rect">
               <a:avLst/>
@@ -10467,7 +10553,7 @@
             <a:p>
               <a:pPr algn="l" marL="0" marR="0" indent="0">
                 <a:lnSpc>
-                  <a:spcPts val="853"/>
+                  <a:spcPts val="1422"/>
                 </a:lnSpc>
                 <a:spcBef>
                   <a:spcPts val="0"/>
@@ -10477,30 +10563,30 @@
                 </a:spcAft>
               </a:pPr>
               <a:r>
-                <a:rPr sz="853" b="1">
+                <a:rPr sz="1422" b="1">
                   <a:solidFill>
                     <a:srgbClr val="50A45C">
-                      <a:alpha val="40000"/>
+                      <a:alpha val="80000"/>
                     </a:srgbClr>
                   </a:solidFill>
                   <a:latin typeface="Arial"/>
                   <a:cs typeface="Arial"/>
                 </a:rPr>
-                <a:t>Excerpt.15</a:t>
+                <a:t>15</a:t>
               </a:r>
             </a:p>
           </p:txBody>
         </p:sp>
         <p:sp>
           <p:nvSpPr>
-            <p:cNvPr id="79" name="tx78"/>
-            <p:cNvSpPr/>
-            <p:nvPr/>
-          </p:nvSpPr>
-          <p:spPr>
-            <a:xfrm>
-              <a:off x="1526385" y="4267293"/>
-              <a:ext cx="548376" cy="99300"/>
+            <p:cNvPr id="75" name="tx74"/>
+            <p:cNvSpPr/>
+            <p:nvPr/>
+          </p:nvSpPr>
+          <p:spPr>
+            <a:xfrm>
+              <a:off x="2024758" y="4216394"/>
+              <a:ext cx="200965" cy="132065"/>
             </a:xfrm>
             <a:prstGeom prst="rect">
               <a:avLst/>
@@ -10513,7 +10599,7 @@
             <a:p>
               <a:pPr algn="l" marL="0" marR="0" indent="0">
                 <a:lnSpc>
-                  <a:spcPts val="853"/>
+                  <a:spcPts val="1422"/>
                 </a:lnSpc>
                 <a:spcBef>
                   <a:spcPts val="0"/>
@@ -10523,30 +10609,30 @@
                 </a:spcAft>
               </a:pPr>
               <a:r>
-                <a:rPr sz="853" b="1">
+                <a:rPr sz="1422" b="1">
                   <a:solidFill>
                     <a:srgbClr val="FF0000">
-                      <a:alpha val="40000"/>
+                      <a:alpha val="80000"/>
                     </a:srgbClr>
                   </a:solidFill>
                   <a:latin typeface="Arial"/>
                   <a:cs typeface="Arial"/>
                 </a:rPr>
-                <a:t>Excerpt.16</a:t>
+                <a:t>16</a:t>
               </a:r>
             </a:p>
           </p:txBody>
         </p:sp>
         <p:sp>
           <p:nvSpPr>
-            <p:cNvPr id="80" name="tx79"/>
-            <p:cNvSpPr/>
-            <p:nvPr/>
-          </p:nvSpPr>
-          <p:spPr>
-            <a:xfrm>
-              <a:off x="2760906" y="3237794"/>
-              <a:ext cx="548376" cy="99300"/>
+            <p:cNvPr id="76" name="tx75"/>
+            <p:cNvSpPr/>
+            <p:nvPr/>
+          </p:nvSpPr>
+          <p:spPr>
+            <a:xfrm>
+              <a:off x="3099031" y="3015450"/>
+              <a:ext cx="200965" cy="129860"/>
             </a:xfrm>
             <a:prstGeom prst="rect">
               <a:avLst/>
@@ -10559,7 +10645,7 @@
             <a:p>
               <a:pPr algn="l" marL="0" marR="0" indent="0">
                 <a:lnSpc>
-                  <a:spcPts val="853"/>
+                  <a:spcPts val="1422"/>
                 </a:lnSpc>
                 <a:spcBef>
                   <a:spcPts val="0"/>
@@ -10569,30 +10655,30 @@
                 </a:spcAft>
               </a:pPr>
               <a:r>
-                <a:rPr sz="853" b="1">
+                <a:rPr sz="1422" b="1">
                   <a:solidFill>
                     <a:srgbClr val="50A45C">
-                      <a:alpha val="40000"/>
+                      <a:alpha val="80000"/>
                     </a:srgbClr>
                   </a:solidFill>
                   <a:latin typeface="Arial"/>
                   <a:cs typeface="Arial"/>
                 </a:rPr>
-                <a:t>Excerpt.17</a:t>
+                <a:t>17</a:t>
               </a:r>
             </a:p>
           </p:txBody>
         </p:sp>
         <p:sp>
           <p:nvSpPr>
-            <p:cNvPr id="81" name="tx80"/>
-            <p:cNvSpPr/>
-            <p:nvPr/>
-          </p:nvSpPr>
-          <p:spPr>
-            <a:xfrm>
-              <a:off x="2633292" y="2882045"/>
-              <a:ext cx="548376" cy="99300"/>
+            <p:cNvPr id="77" name="tx76"/>
+            <p:cNvSpPr/>
+            <p:nvPr/>
+          </p:nvSpPr>
+          <p:spPr>
+            <a:xfrm>
+              <a:off x="2940590" y="2792200"/>
+              <a:ext cx="200965" cy="132153"/>
             </a:xfrm>
             <a:prstGeom prst="rect">
               <a:avLst/>
@@ -10605,7 +10691,7 @@
             <a:p>
               <a:pPr algn="l" marL="0" marR="0" indent="0">
                 <a:lnSpc>
-                  <a:spcPts val="853"/>
+                  <a:spcPts val="1422"/>
                 </a:lnSpc>
                 <a:spcBef>
                   <a:spcPts val="0"/>
@@ -10615,30 +10701,30 @@
                 </a:spcAft>
               </a:pPr>
               <a:r>
-                <a:rPr sz="853" b="1">
+                <a:rPr sz="1422" b="1">
                   <a:solidFill>
                     <a:srgbClr val="50A45C">
-                      <a:alpha val="40000"/>
+                      <a:alpha val="80000"/>
                     </a:srgbClr>
                   </a:solidFill>
                   <a:latin typeface="Arial"/>
                   <a:cs typeface="Arial"/>
                 </a:rPr>
-                <a:t>Excerpt.18</a:t>
+                <a:t>18</a:t>
               </a:r>
             </a:p>
           </p:txBody>
         </p:sp>
         <p:sp>
           <p:nvSpPr>
-            <p:cNvPr id="82" name="tx81"/>
-            <p:cNvSpPr/>
-            <p:nvPr/>
-          </p:nvSpPr>
-          <p:spPr>
-            <a:xfrm>
-              <a:off x="1920979" y="4775389"/>
-              <a:ext cx="548376" cy="99300"/>
+            <p:cNvPr id="78" name="tx77"/>
+            <p:cNvSpPr/>
+            <p:nvPr/>
+          </p:nvSpPr>
+          <p:spPr>
+            <a:xfrm>
+              <a:off x="1859109" y="4865592"/>
+              <a:ext cx="200965" cy="132153"/>
             </a:xfrm>
             <a:prstGeom prst="rect">
               <a:avLst/>
@@ -10651,7 +10737,7 @@
             <a:p>
               <a:pPr algn="l" marL="0" marR="0" indent="0">
                 <a:lnSpc>
-                  <a:spcPts val="853"/>
+                  <a:spcPts val="1422"/>
                 </a:lnSpc>
                 <a:spcBef>
                   <a:spcPts val="0"/>
@@ -10661,30 +10747,30 @@
                 </a:spcAft>
               </a:pPr>
               <a:r>
-                <a:rPr sz="853" b="1">
+                <a:rPr sz="1422" b="1">
                   <a:solidFill>
                     <a:srgbClr val="F69100">
-                      <a:alpha val="40000"/>
+                      <a:alpha val="80000"/>
                     </a:srgbClr>
                   </a:solidFill>
                   <a:latin typeface="Arial"/>
                   <a:cs typeface="Arial"/>
                 </a:rPr>
-                <a:t>Excerpt.19</a:t>
+                <a:t>19</a:t>
               </a:r>
             </a:p>
           </p:txBody>
         </p:sp>
         <p:sp>
           <p:nvSpPr>
-            <p:cNvPr id="83" name="tx82"/>
-            <p:cNvSpPr/>
-            <p:nvPr/>
-          </p:nvSpPr>
-          <p:spPr>
-            <a:xfrm>
-              <a:off x="2034769" y="3619741"/>
-              <a:ext cx="548376" cy="99300"/>
+            <p:cNvPr id="79" name="tx78"/>
+            <p:cNvSpPr/>
+            <p:nvPr/>
+          </p:nvSpPr>
+          <p:spPr>
+            <a:xfrm>
+              <a:off x="2417386" y="3754761"/>
+              <a:ext cx="200965" cy="132065"/>
             </a:xfrm>
             <a:prstGeom prst="rect">
               <a:avLst/>
@@ -10697,7 +10783,7 @@
             <a:p>
               <a:pPr algn="l" marL="0" marR="0" indent="0">
                 <a:lnSpc>
-                  <a:spcPts val="853"/>
+                  <a:spcPts val="1422"/>
                 </a:lnSpc>
                 <a:spcBef>
                   <a:spcPts val="0"/>
@@ -10707,30 +10793,30 @@
                 </a:spcAft>
               </a:pPr>
               <a:r>
-                <a:rPr sz="853" b="1">
+                <a:rPr sz="1422" b="1">
                   <a:solidFill>
                     <a:srgbClr val="5BBCD6">
-                      <a:alpha val="40000"/>
+                      <a:alpha val="80000"/>
                     </a:srgbClr>
                   </a:solidFill>
                   <a:latin typeface="Arial"/>
                   <a:cs typeface="Arial"/>
                 </a:rPr>
-                <a:t>Excerpt.20</a:t>
+                <a:t>20</a:t>
               </a:r>
             </a:p>
           </p:txBody>
         </p:sp>
         <p:sp>
           <p:nvSpPr>
-            <p:cNvPr id="84" name="tx83"/>
-            <p:cNvSpPr/>
-            <p:nvPr/>
-          </p:nvSpPr>
-          <p:spPr>
-            <a:xfrm>
-              <a:off x="3417640" y="3100421"/>
-              <a:ext cx="548376" cy="99300"/>
+            <p:cNvPr id="80" name="tx79"/>
+            <p:cNvSpPr/>
+            <p:nvPr/>
+          </p:nvSpPr>
+          <p:spPr>
+            <a:xfrm>
+              <a:off x="3501888" y="3106021"/>
+              <a:ext cx="200965" cy="129860"/>
             </a:xfrm>
             <a:prstGeom prst="rect">
               <a:avLst/>
@@ -10743,7 +10829,7 @@
             <a:p>
               <a:pPr algn="l" marL="0" marR="0" indent="0">
                 <a:lnSpc>
-                  <a:spcPts val="853"/>
+                  <a:spcPts val="1422"/>
                 </a:lnSpc>
                 <a:spcBef>
                   <a:spcPts val="0"/>
@@ -10753,30 +10839,30 @@
                 </a:spcAft>
               </a:pPr>
               <a:r>
-                <a:rPr sz="853" b="1">
+                <a:rPr sz="1422" b="1">
                   <a:solidFill>
                     <a:srgbClr val="50A45C">
-                      <a:alpha val="40000"/>
+                      <a:alpha val="80000"/>
                     </a:srgbClr>
                   </a:solidFill>
                   <a:latin typeface="Arial"/>
                   <a:cs typeface="Arial"/>
                 </a:rPr>
-                <a:t>Excerpt.21</a:t>
+                <a:t>21</a:t>
               </a:r>
             </a:p>
           </p:txBody>
         </p:sp>
         <p:sp>
           <p:nvSpPr>
-            <p:cNvPr id="85" name="tx84"/>
-            <p:cNvSpPr/>
-            <p:nvPr/>
-          </p:nvSpPr>
-          <p:spPr>
-            <a:xfrm>
-              <a:off x="2563052" y="3980999"/>
-              <a:ext cx="548376" cy="99300"/>
+            <p:cNvPr id="81" name="tx80"/>
+            <p:cNvSpPr/>
+            <p:nvPr/>
+          </p:nvSpPr>
+          <p:spPr>
+            <a:xfrm>
+              <a:off x="2761737" y="3951720"/>
+              <a:ext cx="200965" cy="129860"/>
             </a:xfrm>
             <a:prstGeom prst="rect">
               <a:avLst/>
@@ -10789,7 +10875,7 @@
             <a:p>
               <a:pPr algn="l" marL="0" marR="0" indent="0">
                 <a:lnSpc>
-                  <a:spcPts val="853"/>
+                  <a:spcPts val="1422"/>
                 </a:lnSpc>
                 <a:spcBef>
                   <a:spcPts val="0"/>
@@ -10799,30 +10885,30 @@
                 </a:spcAft>
               </a:pPr>
               <a:r>
-                <a:rPr sz="853" b="1">
+                <a:rPr sz="1422" b="1">
                   <a:solidFill>
                     <a:srgbClr val="FF0000">
-                      <a:alpha val="40000"/>
+                      <a:alpha val="80000"/>
                     </a:srgbClr>
                   </a:solidFill>
                   <a:latin typeface="Arial"/>
                   <a:cs typeface="Arial"/>
                 </a:rPr>
-                <a:t>Excerpt.22</a:t>
+                <a:t>22</a:t>
               </a:r>
             </a:p>
           </p:txBody>
         </p:sp>
         <p:sp>
           <p:nvSpPr>
-            <p:cNvPr id="86" name="tx85"/>
-            <p:cNvSpPr/>
-            <p:nvPr/>
-          </p:nvSpPr>
-          <p:spPr>
-            <a:xfrm>
-              <a:off x="1349950" y="5132072"/>
-              <a:ext cx="548376" cy="99300"/>
+            <p:cNvPr id="82" name="tx81"/>
+            <p:cNvSpPr/>
+            <p:nvPr/>
+          </p:nvSpPr>
+          <p:spPr>
+            <a:xfrm>
+              <a:off x="1513325" y="5150871"/>
+              <a:ext cx="200965" cy="132065"/>
             </a:xfrm>
             <a:prstGeom prst="rect">
               <a:avLst/>
@@ -10835,7 +10921,7 @@
             <a:p>
               <a:pPr algn="l" marL="0" marR="0" indent="0">
                 <a:lnSpc>
-                  <a:spcPts val="853"/>
+                  <a:spcPts val="1422"/>
                 </a:lnSpc>
                 <a:spcBef>
                   <a:spcPts val="0"/>
@@ -10845,30 +10931,30 @@
                 </a:spcAft>
               </a:pPr>
               <a:r>
-                <a:rPr sz="853" b="1">
+                <a:rPr sz="1422" b="1">
                   <a:solidFill>
                     <a:srgbClr val="F69100">
-                      <a:alpha val="40000"/>
+                      <a:alpha val="80000"/>
                     </a:srgbClr>
                   </a:solidFill>
                   <a:latin typeface="Arial"/>
                   <a:cs typeface="Arial"/>
                 </a:rPr>
-                <a:t>Excerpt.23</a:t>
+                <a:t>23</a:t>
               </a:r>
             </a:p>
           </p:txBody>
         </p:sp>
         <p:sp>
           <p:nvSpPr>
-            <p:cNvPr id="87" name="tx86"/>
-            <p:cNvSpPr/>
-            <p:nvPr/>
-          </p:nvSpPr>
-          <p:spPr>
-            <a:xfrm>
-              <a:off x="3859513" y="2384925"/>
-              <a:ext cx="548376" cy="99300"/>
+            <p:cNvPr id="83" name="tx82"/>
+            <p:cNvSpPr/>
+            <p:nvPr/>
+          </p:nvSpPr>
+          <p:spPr>
+            <a:xfrm>
+              <a:off x="4057446" y="2354999"/>
+              <a:ext cx="200965" cy="129860"/>
             </a:xfrm>
             <a:prstGeom prst="rect">
               <a:avLst/>
@@ -10881,7 +10967,7 @@
             <a:p>
               <a:pPr algn="l" marL="0" marR="0" indent="0">
                 <a:lnSpc>
-                  <a:spcPts val="853"/>
+                  <a:spcPts val="1422"/>
                 </a:lnSpc>
                 <a:spcBef>
                   <a:spcPts val="0"/>
@@ -10891,30 +10977,30 @@
                 </a:spcAft>
               </a:pPr>
               <a:r>
-                <a:rPr sz="853" b="1">
+                <a:rPr sz="1422" b="1">
                   <a:solidFill>
                     <a:srgbClr val="50A45C">
-                      <a:alpha val="40000"/>
+                      <a:alpha val="80000"/>
                     </a:srgbClr>
                   </a:solidFill>
                   <a:latin typeface="Arial"/>
                   <a:cs typeface="Arial"/>
                 </a:rPr>
-                <a:t>Excerpt.24</a:t>
+                <a:t>24</a:t>
               </a:r>
             </a:p>
           </p:txBody>
         </p:sp>
         <p:sp>
           <p:nvSpPr>
-            <p:cNvPr id="88" name="tx87"/>
-            <p:cNvSpPr/>
-            <p:nvPr/>
-          </p:nvSpPr>
-          <p:spPr>
-            <a:xfrm>
-              <a:off x="2020132" y="4677457"/>
-              <a:ext cx="548376" cy="99300"/>
+            <p:cNvPr id="84" name="tx83"/>
+            <p:cNvSpPr/>
+            <p:nvPr/>
+          </p:nvSpPr>
+          <p:spPr>
+            <a:xfrm>
+              <a:off x="2151033" y="4712342"/>
+              <a:ext cx="200965" cy="132065"/>
             </a:xfrm>
             <a:prstGeom prst="rect">
               <a:avLst/>
@@ -10927,7 +11013,7 @@
             <a:p>
               <a:pPr algn="l" marL="0" marR="0" indent="0">
                 <a:lnSpc>
-                  <a:spcPts val="853"/>
+                  <a:spcPts val="1422"/>
                 </a:lnSpc>
                 <a:spcBef>
                   <a:spcPts val="0"/>
@@ -10937,30 +11023,30 @@
                 </a:spcAft>
               </a:pPr>
               <a:r>
-                <a:rPr sz="853" b="1">
+                <a:rPr sz="1422" b="1">
                   <a:solidFill>
                     <a:srgbClr val="FF0000">
-                      <a:alpha val="40000"/>
+                      <a:alpha val="80000"/>
                     </a:srgbClr>
                   </a:solidFill>
                   <a:latin typeface="Arial"/>
                   <a:cs typeface="Arial"/>
                 </a:rPr>
-                <a:t>Excerpt.25</a:t>
+                <a:t>25</a:t>
               </a:r>
             </a:p>
           </p:txBody>
         </p:sp>
         <p:sp>
           <p:nvSpPr>
-            <p:cNvPr id="89" name="tx88"/>
-            <p:cNvSpPr/>
-            <p:nvPr/>
-          </p:nvSpPr>
-          <p:spPr>
-            <a:xfrm>
-              <a:off x="993246" y="4932577"/>
-              <a:ext cx="548376" cy="99300"/>
+            <p:cNvPr id="85" name="tx84"/>
+            <p:cNvSpPr/>
+            <p:nvPr/>
+          </p:nvSpPr>
+          <p:spPr>
+            <a:xfrm>
+              <a:off x="1253535" y="4899168"/>
+              <a:ext cx="200965" cy="132065"/>
             </a:xfrm>
             <a:prstGeom prst="rect">
               <a:avLst/>
@@ -10973,7 +11059,7 @@
             <a:p>
               <a:pPr algn="l" marL="0" marR="0" indent="0">
                 <a:lnSpc>
-                  <a:spcPts val="853"/>
+                  <a:spcPts val="1422"/>
                 </a:lnSpc>
                 <a:spcBef>
                   <a:spcPts val="0"/>
@@ -10983,30 +11069,30 @@
                 </a:spcAft>
               </a:pPr>
               <a:r>
-                <a:rPr sz="853" b="1">
+                <a:rPr sz="1422" b="1">
                   <a:solidFill>
                     <a:srgbClr val="F69100">
-                      <a:alpha val="40000"/>
+                      <a:alpha val="80000"/>
                     </a:srgbClr>
                   </a:solidFill>
                   <a:latin typeface="Arial"/>
                   <a:cs typeface="Arial"/>
                 </a:rPr>
-                <a:t>Excerpt.26</a:t>
+                <a:t>26</a:t>
               </a:r>
             </a:p>
           </p:txBody>
         </p:sp>
         <p:sp>
           <p:nvSpPr>
-            <p:cNvPr id="90" name="tx89"/>
-            <p:cNvSpPr/>
-            <p:nvPr/>
-          </p:nvSpPr>
-          <p:spPr>
-            <a:xfrm>
-              <a:off x="3219475" y="2478503"/>
-              <a:ext cx="548376" cy="99300"/>
+            <p:cNvPr id="86" name="tx85"/>
+            <p:cNvSpPr/>
+            <p:nvPr/>
+          </p:nvSpPr>
+          <p:spPr>
+            <a:xfrm>
+              <a:off x="3758873" y="2440577"/>
+              <a:ext cx="200965" cy="129860"/>
             </a:xfrm>
             <a:prstGeom prst="rect">
               <a:avLst/>
@@ -11019,7 +11105,7 @@
             <a:p>
               <a:pPr algn="l" marL="0" marR="0" indent="0">
                 <a:lnSpc>
-                  <a:spcPts val="853"/>
+                  <a:spcPts val="1422"/>
                 </a:lnSpc>
                 <a:spcBef>
                   <a:spcPts val="0"/>
@@ -11029,30 +11115,30 @@
                 </a:spcAft>
               </a:pPr>
               <a:r>
-                <a:rPr sz="853" b="1">
+                <a:rPr sz="1422" b="1">
                   <a:solidFill>
                     <a:srgbClr val="50A45C">
-                      <a:alpha val="40000"/>
+                      <a:alpha val="80000"/>
                     </a:srgbClr>
                   </a:solidFill>
                   <a:latin typeface="Arial"/>
                   <a:cs typeface="Arial"/>
                 </a:rPr>
-                <a:t>Excerpt.27</a:t>
+                <a:t>27</a:t>
               </a:r>
             </a:p>
           </p:txBody>
         </p:sp>
         <p:sp>
           <p:nvSpPr>
-            <p:cNvPr id="91" name="tx90"/>
-            <p:cNvSpPr/>
-            <p:nvPr/>
-          </p:nvSpPr>
-          <p:spPr>
-            <a:xfrm>
-              <a:off x="2848102" y="3816591"/>
-              <a:ext cx="548376" cy="99300"/>
+            <p:cNvPr id="87" name="tx86"/>
+            <p:cNvSpPr/>
+            <p:nvPr/>
+          </p:nvSpPr>
+          <p:spPr>
+            <a:xfrm>
+              <a:off x="2996132" y="3834730"/>
+              <a:ext cx="200965" cy="132153"/>
             </a:xfrm>
             <a:prstGeom prst="rect">
               <a:avLst/>
@@ -11065,7 +11151,7 @@
             <a:p>
               <a:pPr algn="l" marL="0" marR="0" indent="0">
                 <a:lnSpc>
-                  <a:spcPts val="853"/>
+                  <a:spcPts val="1422"/>
                 </a:lnSpc>
                 <a:spcBef>
                   <a:spcPts val="0"/>
@@ -11075,30 +11161,30 @@
                 </a:spcAft>
               </a:pPr>
               <a:r>
-                <a:rPr sz="853" b="1">
+                <a:rPr sz="1422" b="1">
                   <a:solidFill>
                     <a:srgbClr val="5BBCD6">
-                      <a:alpha val="40000"/>
+                      <a:alpha val="80000"/>
                     </a:srgbClr>
                   </a:solidFill>
                   <a:latin typeface="Arial"/>
                   <a:cs typeface="Arial"/>
                 </a:rPr>
-                <a:t>Excerpt.28</a:t>
+                <a:t>28</a:t>
               </a:r>
             </a:p>
           </p:txBody>
         </p:sp>
         <p:sp>
           <p:nvSpPr>
-            <p:cNvPr id="92" name="tx91"/>
-            <p:cNvSpPr/>
-            <p:nvPr/>
-          </p:nvSpPr>
-          <p:spPr>
-            <a:xfrm>
-              <a:off x="2090363" y="4435951"/>
-              <a:ext cx="548376" cy="99300"/>
+            <p:cNvPr id="88" name="tx87"/>
+            <p:cNvSpPr/>
+            <p:nvPr/>
+          </p:nvSpPr>
+          <p:spPr>
+            <a:xfrm>
+              <a:off x="2251427" y="4442134"/>
+              <a:ext cx="200965" cy="132153"/>
             </a:xfrm>
             <a:prstGeom prst="rect">
               <a:avLst/>
@@ -11111,7 +11197,7 @@
             <a:p>
               <a:pPr algn="l" marL="0" marR="0" indent="0">
                 <a:lnSpc>
-                  <a:spcPts val="853"/>
+                  <a:spcPts val="1422"/>
                 </a:lnSpc>
                 <a:spcBef>
                   <a:spcPts val="0"/>
@@ -11121,30 +11207,30 @@
                 </a:spcAft>
               </a:pPr>
               <a:r>
-                <a:rPr sz="853" b="1">
+                <a:rPr sz="1422" b="1">
                   <a:solidFill>
                     <a:srgbClr val="5BBCD6">
-                      <a:alpha val="40000"/>
+                      <a:alpha val="80000"/>
                     </a:srgbClr>
                   </a:solidFill>
                   <a:latin typeface="Arial"/>
                   <a:cs typeface="Arial"/>
                 </a:rPr>
-                <a:t>Excerpt.29</a:t>
+                <a:t>29</a:t>
               </a:r>
             </a:p>
           </p:txBody>
         </p:sp>
         <p:sp>
           <p:nvSpPr>
-            <p:cNvPr id="93" name="tx92"/>
-            <p:cNvSpPr/>
-            <p:nvPr/>
-          </p:nvSpPr>
-          <p:spPr>
-            <a:xfrm>
-              <a:off x="2461425" y="3450589"/>
-              <a:ext cx="548376" cy="99300"/>
+            <p:cNvPr id="89" name="tx88"/>
+            <p:cNvSpPr/>
+            <p:nvPr/>
+          </p:nvSpPr>
+          <p:spPr>
+            <a:xfrm>
+              <a:off x="2809202" y="3469165"/>
+              <a:ext cx="200965" cy="132065"/>
             </a:xfrm>
             <a:prstGeom prst="rect">
               <a:avLst/>
@@ -11157,7 +11243,7 @@
             <a:p>
               <a:pPr algn="l" marL="0" marR="0" indent="0">
                 <a:lnSpc>
-                  <a:spcPts val="853"/>
+                  <a:spcPts val="1422"/>
                 </a:lnSpc>
                 <a:spcBef>
                   <a:spcPts val="0"/>
@@ -11167,23 +11253,23 @@
                 </a:spcAft>
               </a:pPr>
               <a:r>
-                <a:rPr sz="853" b="1">
+                <a:rPr sz="1422" b="1">
                   <a:solidFill>
                     <a:srgbClr val="50A45C">
-                      <a:alpha val="40000"/>
+                      <a:alpha val="80000"/>
                     </a:srgbClr>
                   </a:solidFill>
                   <a:latin typeface="Arial"/>
                   <a:cs typeface="Arial"/>
                 </a:rPr>
-                <a:t>Excerpt.30</a:t>
+                <a:t>30</a:t>
               </a:r>
             </a:p>
           </p:txBody>
         </p:sp>
         <p:sp>
           <p:nvSpPr>
-            <p:cNvPr id="94" name="tx93"/>
+            <p:cNvPr id="90" name="tx89"/>
             <p:cNvSpPr/>
             <p:nvPr/>
           </p:nvSpPr>
@@ -11216,7 +11302,7 @@
                 <a:rPr sz="1707" b="1">
                   <a:solidFill>
                     <a:srgbClr val="FF0000">
-                      <a:alpha val="100000"/>
+                      <a:alpha val="50196"/>
                     </a:srgbClr>
                   </a:solidFill>
                   <a:latin typeface="Arial"/>
@@ -11229,7 +11315,7 @@
         </p:sp>
         <p:sp>
           <p:nvSpPr>
-            <p:cNvPr id="95" name="tx94"/>
+            <p:cNvPr id="91" name="tx90"/>
             <p:cNvSpPr/>
             <p:nvPr/>
           </p:nvSpPr>
@@ -11262,7 +11348,7 @@
                 <a:rPr sz="1707" b="1">
                   <a:solidFill>
                     <a:srgbClr val="50A45C">
-                      <a:alpha val="100000"/>
+                      <a:alpha val="50196"/>
                     </a:srgbClr>
                   </a:solidFill>
                   <a:latin typeface="Arial"/>
@@ -11275,7 +11361,7 @@
         </p:sp>
         <p:sp>
           <p:nvSpPr>
-            <p:cNvPr id="96" name="tx95"/>
+            <p:cNvPr id="92" name="tx91"/>
             <p:cNvSpPr/>
             <p:nvPr/>
           </p:nvSpPr>
@@ -11308,7 +11394,7 @@
                 <a:rPr sz="1707" b="1">
                   <a:solidFill>
                     <a:srgbClr val="F69100">
-                      <a:alpha val="100000"/>
+                      <a:alpha val="50196"/>
                     </a:srgbClr>
                   </a:solidFill>
                   <a:latin typeface="Arial"/>
@@ -11321,7 +11407,7 @@
         </p:sp>
         <p:sp>
           <p:nvSpPr>
-            <p:cNvPr id="97" name="tx96"/>
+            <p:cNvPr id="93" name="tx92"/>
             <p:cNvSpPr/>
             <p:nvPr/>
           </p:nvSpPr>
@@ -11354,7 +11440,7 @@
                 <a:rPr sz="1707" b="1">
                   <a:solidFill>
                     <a:srgbClr val="5BBCD6">
-                      <a:alpha val="100000"/>
+                      <a:alpha val="50196"/>
                     </a:srgbClr>
                   </a:solidFill>
                   <a:latin typeface="Arial"/>
@@ -11367,7 +11453,7 @@
         </p:sp>
         <p:sp>
           <p:nvSpPr>
-            <p:cNvPr id="98" name="pg97"/>
+            <p:cNvPr id="94" name="pg93"/>
             <p:cNvSpPr/>
             <p:nvPr/>
           </p:nvSpPr>
@@ -11539,28 +11625,19 @@
             </a:custGeom>
             <a:solidFill>
               <a:srgbClr val="FF0000">
-                <a:alpha val="29803"/>
+                <a:alpha val="20000"/>
               </a:srgbClr>
             </a:solidFill>
-            <a:ln w="27101" cap="rnd">
-              <a:solidFill>
-                <a:srgbClr val="FF0000">
-                  <a:alpha val="100000"/>
-                </a:srgbClr>
-              </a:solidFill>
-              <a:prstDash val="solid"/>
-              <a:round/>
-            </a:ln>
-          </p:spPr>
-          <p:txBody>
-            <a:bodyPr/>
-            <a:lstStyle/>
-            <a:p/>
-          </p:txBody>
-        </p:sp>
-        <p:sp>
-          <p:nvSpPr>
-            <p:cNvPr id="99" name="pg98"/>
+          </p:spPr>
+          <p:txBody>
+            <a:bodyPr/>
+            <a:lstStyle/>
+            <a:p/>
+          </p:txBody>
+        </p:sp>
+        <p:sp>
+          <p:nvSpPr>
+            <p:cNvPr id="95" name="pg94"/>
             <p:cNvSpPr/>
             <p:nvPr/>
           </p:nvSpPr>
@@ -11732,28 +11809,19 @@
             </a:custGeom>
             <a:solidFill>
               <a:srgbClr val="50A45C">
-                <a:alpha val="29803"/>
+                <a:alpha val="20000"/>
               </a:srgbClr>
             </a:solidFill>
-            <a:ln w="27101" cap="rnd">
-              <a:solidFill>
-                <a:srgbClr val="50A45C">
-                  <a:alpha val="100000"/>
-                </a:srgbClr>
-              </a:solidFill>
-              <a:prstDash val="solid"/>
-              <a:round/>
-            </a:ln>
-          </p:spPr>
-          <p:txBody>
-            <a:bodyPr/>
-            <a:lstStyle/>
-            <a:p/>
-          </p:txBody>
-        </p:sp>
-        <p:sp>
-          <p:nvSpPr>
-            <p:cNvPr id="100" name="pg99"/>
+          </p:spPr>
+          <p:txBody>
+            <a:bodyPr/>
+            <a:lstStyle/>
+            <a:p/>
+          </p:txBody>
+        </p:sp>
+        <p:sp>
+          <p:nvSpPr>
+            <p:cNvPr id="96" name="pg95"/>
             <p:cNvSpPr/>
             <p:nvPr/>
           </p:nvSpPr>
@@ -11925,28 +11993,19 @@
             </a:custGeom>
             <a:solidFill>
               <a:srgbClr val="F69100">
-                <a:alpha val="29803"/>
+                <a:alpha val="20000"/>
               </a:srgbClr>
             </a:solidFill>
-            <a:ln w="27101" cap="rnd">
-              <a:solidFill>
-                <a:srgbClr val="F69100">
-                  <a:alpha val="100000"/>
-                </a:srgbClr>
-              </a:solidFill>
-              <a:prstDash val="solid"/>
-              <a:round/>
-            </a:ln>
-          </p:spPr>
-          <p:txBody>
-            <a:bodyPr/>
-            <a:lstStyle/>
-            <a:p/>
-          </p:txBody>
-        </p:sp>
-        <p:sp>
-          <p:nvSpPr>
-            <p:cNvPr id="101" name="pg100"/>
+          </p:spPr>
+          <p:txBody>
+            <a:bodyPr/>
+            <a:lstStyle/>
+            <a:p/>
+          </p:txBody>
+        </p:sp>
+        <p:sp>
+          <p:nvSpPr>
+            <p:cNvPr id="97" name="pg96"/>
             <p:cNvSpPr/>
             <p:nvPr/>
           </p:nvSpPr>
@@ -12118,28 +12177,19 @@
             </a:custGeom>
             <a:solidFill>
               <a:srgbClr val="5BBCD6">
-                <a:alpha val="29803"/>
+                <a:alpha val="20000"/>
               </a:srgbClr>
             </a:solidFill>
-            <a:ln w="27101" cap="rnd">
-              <a:solidFill>
-                <a:srgbClr val="5BBCD6">
-                  <a:alpha val="100000"/>
-                </a:srgbClr>
-              </a:solidFill>
-              <a:prstDash val="solid"/>
-              <a:round/>
-            </a:ln>
-          </p:spPr>
-          <p:txBody>
-            <a:bodyPr/>
-            <a:lstStyle/>
-            <a:p/>
-          </p:txBody>
-        </p:sp>
-        <p:sp>
-          <p:nvSpPr>
-            <p:cNvPr id="102" name="tx101"/>
+          </p:spPr>
+          <p:txBody>
+            <a:bodyPr/>
+            <a:lstStyle/>
+            <a:p/>
+          </p:txBody>
+        </p:sp>
+        <p:sp>
+          <p:nvSpPr>
+            <p:cNvPr id="98" name="tx97"/>
             <p:cNvSpPr/>
             <p:nvPr/>
           </p:nvSpPr>
@@ -12185,7 +12235,7 @@
         </p:sp>
         <p:sp>
           <p:nvSpPr>
-            <p:cNvPr id="103" name="tx102"/>
+            <p:cNvPr id="99" name="tx98"/>
             <p:cNvSpPr/>
             <p:nvPr/>
           </p:nvSpPr>
@@ -12231,7 +12281,7 @@
         </p:sp>
         <p:sp>
           <p:nvSpPr>
-            <p:cNvPr id="104" name="tx103"/>
+            <p:cNvPr id="100" name="tx99"/>
             <p:cNvSpPr/>
             <p:nvPr/>
           </p:nvSpPr>
@@ -12277,7 +12327,7 @@
         </p:sp>
         <p:sp>
           <p:nvSpPr>
-            <p:cNvPr id="105" name="tx104"/>
+            <p:cNvPr id="101" name="tx100"/>
             <p:cNvSpPr/>
             <p:nvPr/>
           </p:nvSpPr>
@@ -12323,7 +12373,7 @@
         </p:sp>
         <p:sp>
           <p:nvSpPr>
-            <p:cNvPr id="106" name="tx105"/>
+            <p:cNvPr id="102" name="tx101"/>
             <p:cNvSpPr/>
             <p:nvPr/>
           </p:nvSpPr>
@@ -12369,7 +12419,7 @@
         </p:sp>
         <p:sp>
           <p:nvSpPr>
-            <p:cNvPr id="107" name="pl106"/>
+            <p:cNvPr id="103" name="pl102"/>
             <p:cNvSpPr/>
             <p:nvPr/>
           </p:nvSpPr>
@@ -12409,7 +12459,7 @@
         </p:sp>
         <p:sp>
           <p:nvSpPr>
-            <p:cNvPr id="108" name="pl107"/>
+            <p:cNvPr id="104" name="pl103"/>
             <p:cNvSpPr/>
             <p:nvPr/>
           </p:nvSpPr>
@@ -12449,7 +12499,7 @@
         </p:sp>
         <p:sp>
           <p:nvSpPr>
-            <p:cNvPr id="109" name="pl108"/>
+            <p:cNvPr id="105" name="pl104"/>
             <p:cNvSpPr/>
             <p:nvPr/>
           </p:nvSpPr>
@@ -12489,7 +12539,7 @@
         </p:sp>
         <p:sp>
           <p:nvSpPr>
-            <p:cNvPr id="110" name="pl109"/>
+            <p:cNvPr id="106" name="pl105"/>
             <p:cNvSpPr/>
             <p:nvPr/>
           </p:nvSpPr>
@@ -12529,7 +12579,7 @@
         </p:sp>
         <p:sp>
           <p:nvSpPr>
-            <p:cNvPr id="111" name="pl110"/>
+            <p:cNvPr id="107" name="pl106"/>
             <p:cNvSpPr/>
             <p:nvPr/>
           </p:nvSpPr>
@@ -12569,7 +12619,7 @@
         </p:sp>
         <p:sp>
           <p:nvSpPr>
-            <p:cNvPr id="112" name="pl111"/>
+            <p:cNvPr id="108" name="pl107"/>
             <p:cNvSpPr/>
             <p:nvPr/>
           </p:nvSpPr>
@@ -12609,7 +12659,7 @@
         </p:sp>
         <p:sp>
           <p:nvSpPr>
-            <p:cNvPr id="113" name="pl112"/>
+            <p:cNvPr id="109" name="pl108"/>
             <p:cNvSpPr/>
             <p:nvPr/>
           </p:nvSpPr>
@@ -12649,7 +12699,7 @@
         </p:sp>
         <p:sp>
           <p:nvSpPr>
-            <p:cNvPr id="114" name="pl113"/>
+            <p:cNvPr id="110" name="pl109"/>
             <p:cNvSpPr/>
             <p:nvPr/>
           </p:nvSpPr>
@@ -12689,7 +12739,7 @@
         </p:sp>
         <p:sp>
           <p:nvSpPr>
-            <p:cNvPr id="115" name="pl114"/>
+            <p:cNvPr id="111" name="pl110"/>
             <p:cNvSpPr/>
             <p:nvPr/>
           </p:nvSpPr>
@@ -12729,7 +12779,7 @@
         </p:sp>
         <p:sp>
           <p:nvSpPr>
-            <p:cNvPr id="116" name="pl115"/>
+            <p:cNvPr id="112" name="pl111"/>
             <p:cNvSpPr/>
             <p:nvPr/>
           </p:nvSpPr>
@@ -12769,7 +12819,7 @@
         </p:sp>
         <p:sp>
           <p:nvSpPr>
-            <p:cNvPr id="117" name="pl116"/>
+            <p:cNvPr id="113" name="pl112"/>
             <p:cNvSpPr/>
             <p:nvPr/>
           </p:nvSpPr>
@@ -12809,7 +12859,7 @@
         </p:sp>
         <p:sp>
           <p:nvSpPr>
-            <p:cNvPr id="118" name="tx117"/>
+            <p:cNvPr id="114" name="tx113"/>
             <p:cNvSpPr/>
             <p:nvPr/>
           </p:nvSpPr>
@@ -12855,7 +12905,7 @@
         </p:sp>
         <p:sp>
           <p:nvSpPr>
-            <p:cNvPr id="119" name="tx118"/>
+            <p:cNvPr id="115" name="tx114"/>
             <p:cNvSpPr/>
             <p:nvPr/>
           </p:nvSpPr>
@@ -12901,7 +12951,7 @@
         </p:sp>
         <p:sp>
           <p:nvSpPr>
-            <p:cNvPr id="120" name="tx119"/>
+            <p:cNvPr id="116" name="tx115"/>
             <p:cNvSpPr/>
             <p:nvPr/>
           </p:nvSpPr>
@@ -12947,7 +12997,7 @@
         </p:sp>
         <p:sp>
           <p:nvSpPr>
-            <p:cNvPr id="121" name="tx120"/>
+            <p:cNvPr id="117" name="tx116"/>
             <p:cNvSpPr/>
             <p:nvPr/>
           </p:nvSpPr>
@@ -12993,7 +13043,7 @@
         </p:sp>
         <p:sp>
           <p:nvSpPr>
-            <p:cNvPr id="122" name="tx121"/>
+            <p:cNvPr id="118" name="tx117"/>
             <p:cNvSpPr/>
             <p:nvPr/>
           </p:nvSpPr>
@@ -13039,7 +13089,7 @@
         </p:sp>
         <p:sp>
           <p:nvSpPr>
-            <p:cNvPr id="123" name="tx122"/>
+            <p:cNvPr id="119" name="tx118"/>
             <p:cNvSpPr/>
             <p:nvPr/>
           </p:nvSpPr>
@@ -13085,7 +13135,7 @@
         </p:sp>
         <p:sp>
           <p:nvSpPr>
-            <p:cNvPr id="124" name="tx123"/>
+            <p:cNvPr id="120" name="tx119"/>
             <p:cNvSpPr/>
             <p:nvPr/>
           </p:nvSpPr>
@@ -13131,7 +13181,7 @@
         </p:sp>
         <p:sp>
           <p:nvSpPr>
-            <p:cNvPr id="125" name="tx124"/>
+            <p:cNvPr id="121" name="tx120"/>
             <p:cNvSpPr/>
             <p:nvPr/>
           </p:nvSpPr>
@@ -13177,7 +13227,7 @@
         </p:sp>
         <p:sp>
           <p:nvSpPr>
-            <p:cNvPr id="126" name="tx125"/>
+            <p:cNvPr id="122" name="tx121"/>
             <p:cNvSpPr/>
             <p:nvPr/>
           </p:nvSpPr>
@@ -13223,7 +13273,7 @@
         </p:sp>
         <p:sp>
           <p:nvSpPr>
-            <p:cNvPr id="127" name="rc126"/>
+            <p:cNvPr id="123" name="rc122"/>
             <p:cNvSpPr/>
             <p:nvPr/>
           </p:nvSpPr>
@@ -13258,7 +13308,7 @@
         </p:sp>
         <p:sp>
           <p:nvSpPr>
-            <p:cNvPr id="128" name="rc127"/>
+            <p:cNvPr id="124" name="rc123"/>
             <p:cNvSpPr/>
             <p:nvPr/>
           </p:nvSpPr>
@@ -13293,7 +13343,7 @@
         </p:sp>
         <p:sp>
           <p:nvSpPr>
-            <p:cNvPr id="129" name="pl128"/>
+            <p:cNvPr id="125" name="pl124"/>
             <p:cNvSpPr/>
             <p:nvPr/>
           </p:nvSpPr>
@@ -13336,7 +13386,7 @@
         </p:sp>
         <p:sp>
           <p:nvSpPr>
-            <p:cNvPr id="130" name="pl129"/>
+            <p:cNvPr id="126" name="pl125"/>
             <p:cNvSpPr/>
             <p:nvPr/>
           </p:nvSpPr>
@@ -13379,7 +13429,7 @@
         </p:sp>
         <p:sp>
           <p:nvSpPr>
-            <p:cNvPr id="131" name="pl130"/>
+            <p:cNvPr id="127" name="pl126"/>
             <p:cNvSpPr/>
             <p:nvPr/>
           </p:nvSpPr>
@@ -13422,7 +13472,7 @@
         </p:sp>
         <p:sp>
           <p:nvSpPr>
-            <p:cNvPr id="132" name="pl131"/>
+            <p:cNvPr id="128" name="pl127"/>
             <p:cNvSpPr/>
             <p:nvPr/>
           </p:nvSpPr>
@@ -13465,7 +13515,7 @@
         </p:sp>
         <p:sp>
           <p:nvSpPr>
-            <p:cNvPr id="133" name="pl132"/>
+            <p:cNvPr id="129" name="pl128"/>
             <p:cNvSpPr/>
             <p:nvPr/>
           </p:nvSpPr>
@@ -13508,7 +13558,7 @@
         </p:sp>
         <p:sp>
           <p:nvSpPr>
-            <p:cNvPr id="134" name="pl133"/>
+            <p:cNvPr id="130" name="pl129"/>
             <p:cNvSpPr/>
             <p:nvPr/>
           </p:nvSpPr>
@@ -13551,7 +13601,7 @@
         </p:sp>
         <p:sp>
           <p:nvSpPr>
-            <p:cNvPr id="135" name="pl134"/>
+            <p:cNvPr id="131" name="pl130"/>
             <p:cNvSpPr/>
             <p:nvPr/>
           </p:nvSpPr>
@@ -13594,7 +13644,7 @@
         </p:sp>
         <p:sp>
           <p:nvSpPr>
-            <p:cNvPr id="136" name="pl135"/>
+            <p:cNvPr id="132" name="pl131"/>
             <p:cNvSpPr/>
             <p:nvPr/>
           </p:nvSpPr>
@@ -13637,7 +13687,7 @@
         </p:sp>
         <p:sp>
           <p:nvSpPr>
-            <p:cNvPr id="137" name="pl136"/>
+            <p:cNvPr id="133" name="pl132"/>
             <p:cNvSpPr/>
             <p:nvPr/>
           </p:nvSpPr>
@@ -13680,7 +13730,7 @@
         </p:sp>
         <p:sp>
           <p:nvSpPr>
-            <p:cNvPr id="138" name="pl137"/>
+            <p:cNvPr id="134" name="pl133"/>
             <p:cNvSpPr/>
             <p:nvPr/>
           </p:nvSpPr>
@@ -13723,7 +13773,7 @@
         </p:sp>
         <p:sp>
           <p:nvSpPr>
-            <p:cNvPr id="139" name="pl138"/>
+            <p:cNvPr id="135" name="pl134"/>
             <p:cNvSpPr/>
             <p:nvPr/>
           </p:nvSpPr>
@@ -13766,7 +13816,7 @@
         </p:sp>
         <p:sp>
           <p:nvSpPr>
-            <p:cNvPr id="140" name="pl139"/>
+            <p:cNvPr id="136" name="pl135"/>
             <p:cNvSpPr/>
             <p:nvPr/>
           </p:nvSpPr>
@@ -13809,7 +13859,7 @@
         </p:sp>
         <p:sp>
           <p:nvSpPr>
-            <p:cNvPr id="141" name="pl140"/>
+            <p:cNvPr id="137" name="pl136"/>
             <p:cNvSpPr/>
             <p:nvPr/>
           </p:nvSpPr>
@@ -13852,7 +13902,7 @@
         </p:sp>
         <p:sp>
           <p:nvSpPr>
-            <p:cNvPr id="142" name="pl141"/>
+            <p:cNvPr id="138" name="pl137"/>
             <p:cNvSpPr/>
             <p:nvPr/>
           </p:nvSpPr>
@@ -13895,7 +13945,7 @@
         </p:sp>
         <p:sp>
           <p:nvSpPr>
-            <p:cNvPr id="143" name="pl142"/>
+            <p:cNvPr id="139" name="pl138"/>
             <p:cNvSpPr/>
             <p:nvPr/>
           </p:nvSpPr>
@@ -13938,7 +13988,7 @@
         </p:sp>
         <p:sp>
           <p:nvSpPr>
-            <p:cNvPr id="144" name="pl143"/>
+            <p:cNvPr id="140" name="pl139"/>
             <p:cNvSpPr/>
             <p:nvPr/>
           </p:nvSpPr>
@@ -13981,7 +14031,7 @@
         </p:sp>
         <p:sp>
           <p:nvSpPr>
-            <p:cNvPr id="145" name="pl144"/>
+            <p:cNvPr id="141" name="pl140"/>
             <p:cNvSpPr/>
             <p:nvPr/>
           </p:nvSpPr>
@@ -14024,7 +14074,7 @@
         </p:sp>
         <p:sp>
           <p:nvSpPr>
-            <p:cNvPr id="146" name="pl145"/>
+            <p:cNvPr id="142" name="pl141"/>
             <p:cNvSpPr/>
             <p:nvPr/>
           </p:nvSpPr>
@@ -14067,7 +14117,7 @@
         </p:sp>
         <p:sp>
           <p:nvSpPr>
-            <p:cNvPr id="147" name="pl146"/>
+            <p:cNvPr id="143" name="pl142"/>
             <p:cNvSpPr/>
             <p:nvPr/>
           </p:nvSpPr>
@@ -14110,7 +14160,7 @@
         </p:sp>
         <p:sp>
           <p:nvSpPr>
-            <p:cNvPr id="148" name="pl147"/>
+            <p:cNvPr id="144" name="pl143"/>
             <p:cNvSpPr/>
             <p:nvPr/>
           </p:nvSpPr>
@@ -14153,7 +14203,7 @@
         </p:sp>
         <p:sp>
           <p:nvSpPr>
-            <p:cNvPr id="149" name="pl148"/>
+            <p:cNvPr id="145" name="pl144"/>
             <p:cNvSpPr/>
             <p:nvPr/>
           </p:nvSpPr>
@@ -14196,7 +14246,7 @@
         </p:sp>
         <p:sp>
           <p:nvSpPr>
-            <p:cNvPr id="150" name="pl149"/>
+            <p:cNvPr id="146" name="pl145"/>
             <p:cNvSpPr/>
             <p:nvPr/>
           </p:nvSpPr>
@@ -14239,7 +14289,7 @@
         </p:sp>
         <p:sp>
           <p:nvSpPr>
-            <p:cNvPr id="151" name="pl150"/>
+            <p:cNvPr id="147" name="pl146"/>
             <p:cNvSpPr/>
             <p:nvPr/>
           </p:nvSpPr>
@@ -14282,7 +14332,7 @@
         </p:sp>
         <p:sp>
           <p:nvSpPr>
-            <p:cNvPr id="152" name="pt151"/>
+            <p:cNvPr id="148" name="pt147"/>
             <p:cNvSpPr/>
             <p:nvPr/>
           </p:nvSpPr>
@@ -14296,13 +14346,13 @@
             </a:prstGeom>
             <a:solidFill>
               <a:srgbClr val="FF0000">
-                <a:alpha val="40000"/>
+                <a:alpha val="80000"/>
               </a:srgbClr>
             </a:solidFill>
             <a:ln w="9000" cap="rnd">
               <a:solidFill>
                 <a:srgbClr val="FF0000">
-                  <a:alpha val="40000"/>
+                  <a:alpha val="80000"/>
                 </a:srgbClr>
               </a:solidFill>
               <a:prstDash val="solid"/>
@@ -14317,7 +14367,7 @@
         </p:sp>
         <p:sp>
           <p:nvSpPr>
-            <p:cNvPr id="153" name="pt152"/>
+            <p:cNvPr id="149" name="pt148"/>
             <p:cNvSpPr/>
             <p:nvPr/>
           </p:nvSpPr>
@@ -14331,13 +14381,13 @@
             </a:prstGeom>
             <a:solidFill>
               <a:srgbClr val="FF0000">
-                <a:alpha val="40000"/>
+                <a:alpha val="80000"/>
               </a:srgbClr>
             </a:solidFill>
             <a:ln w="9000" cap="rnd">
               <a:solidFill>
                 <a:srgbClr val="FF0000">
-                  <a:alpha val="40000"/>
+                  <a:alpha val="80000"/>
                 </a:srgbClr>
               </a:solidFill>
               <a:prstDash val="solid"/>
@@ -14352,7 +14402,7 @@
         </p:sp>
         <p:sp>
           <p:nvSpPr>
-            <p:cNvPr id="154" name="pt153"/>
+            <p:cNvPr id="150" name="pt149"/>
             <p:cNvSpPr/>
             <p:nvPr/>
           </p:nvSpPr>
@@ -14366,13 +14416,13 @@
             </a:prstGeom>
             <a:solidFill>
               <a:srgbClr val="50A45C">
-                <a:alpha val="40000"/>
+                <a:alpha val="80000"/>
               </a:srgbClr>
             </a:solidFill>
             <a:ln w="9000" cap="rnd">
               <a:solidFill>
                 <a:srgbClr val="50A45C">
-                  <a:alpha val="40000"/>
+                  <a:alpha val="80000"/>
                 </a:srgbClr>
               </a:solidFill>
               <a:prstDash val="solid"/>
@@ -14387,7 +14437,7 @@
         </p:sp>
         <p:sp>
           <p:nvSpPr>
-            <p:cNvPr id="155" name="pt154"/>
+            <p:cNvPr id="151" name="pt150"/>
             <p:cNvSpPr/>
             <p:nvPr/>
           </p:nvSpPr>
@@ -14401,13 +14451,13 @@
             </a:prstGeom>
             <a:solidFill>
               <a:srgbClr val="F69100">
-                <a:alpha val="40000"/>
+                <a:alpha val="80000"/>
               </a:srgbClr>
             </a:solidFill>
             <a:ln w="9000" cap="rnd">
               <a:solidFill>
                 <a:srgbClr val="F69100">
-                  <a:alpha val="40000"/>
+                  <a:alpha val="80000"/>
                 </a:srgbClr>
               </a:solidFill>
               <a:prstDash val="solid"/>
@@ -14422,7 +14472,7 @@
         </p:sp>
         <p:sp>
           <p:nvSpPr>
-            <p:cNvPr id="156" name="pt155"/>
+            <p:cNvPr id="152" name="pt151"/>
             <p:cNvSpPr/>
             <p:nvPr/>
           </p:nvSpPr>
@@ -14436,13 +14486,13 @@
             </a:prstGeom>
             <a:solidFill>
               <a:srgbClr val="50A45C">
-                <a:alpha val="40000"/>
+                <a:alpha val="80000"/>
               </a:srgbClr>
             </a:solidFill>
             <a:ln w="9000" cap="rnd">
               <a:solidFill>
                 <a:srgbClr val="50A45C">
-                  <a:alpha val="40000"/>
+                  <a:alpha val="80000"/>
                 </a:srgbClr>
               </a:solidFill>
               <a:prstDash val="solid"/>
@@ -14457,7 +14507,7 @@
         </p:sp>
         <p:sp>
           <p:nvSpPr>
-            <p:cNvPr id="157" name="pt156"/>
+            <p:cNvPr id="153" name="pt152"/>
             <p:cNvSpPr/>
             <p:nvPr/>
           </p:nvSpPr>
@@ -14471,13 +14521,13 @@
             </a:prstGeom>
             <a:solidFill>
               <a:srgbClr val="50A45C">
-                <a:alpha val="40000"/>
+                <a:alpha val="80000"/>
               </a:srgbClr>
             </a:solidFill>
             <a:ln w="9000" cap="rnd">
               <a:solidFill>
                 <a:srgbClr val="50A45C">
-                  <a:alpha val="40000"/>
+                  <a:alpha val="80000"/>
                 </a:srgbClr>
               </a:solidFill>
               <a:prstDash val="solid"/>
@@ -14492,7 +14542,7 @@
         </p:sp>
         <p:sp>
           <p:nvSpPr>
-            <p:cNvPr id="158" name="pt157"/>
+            <p:cNvPr id="154" name="pt153"/>
             <p:cNvSpPr/>
             <p:nvPr/>
           </p:nvSpPr>
@@ -14506,13 +14556,13 @@
             </a:prstGeom>
             <a:solidFill>
               <a:srgbClr val="5BBCD6">
-                <a:alpha val="40000"/>
+                <a:alpha val="80000"/>
               </a:srgbClr>
             </a:solidFill>
             <a:ln w="9000" cap="rnd">
               <a:solidFill>
                 <a:srgbClr val="5BBCD6">
-                  <a:alpha val="40000"/>
+                  <a:alpha val="80000"/>
                 </a:srgbClr>
               </a:solidFill>
               <a:prstDash val="solid"/>
@@ -14527,7 +14577,7 @@
         </p:sp>
         <p:sp>
           <p:nvSpPr>
-            <p:cNvPr id="159" name="pt158"/>
+            <p:cNvPr id="155" name="pt154"/>
             <p:cNvSpPr/>
             <p:nvPr/>
           </p:nvSpPr>
@@ -14541,13 +14591,13 @@
             </a:prstGeom>
             <a:solidFill>
               <a:srgbClr val="FF0000">
-                <a:alpha val="40000"/>
+                <a:alpha val="80000"/>
               </a:srgbClr>
             </a:solidFill>
             <a:ln w="9000" cap="rnd">
               <a:solidFill>
                 <a:srgbClr val="FF0000">
-                  <a:alpha val="40000"/>
+                  <a:alpha val="80000"/>
                 </a:srgbClr>
               </a:solidFill>
               <a:prstDash val="solid"/>
@@ -14562,7 +14612,7 @@
         </p:sp>
         <p:sp>
           <p:nvSpPr>
-            <p:cNvPr id="160" name="pt159"/>
+            <p:cNvPr id="156" name="pt155"/>
             <p:cNvSpPr/>
             <p:nvPr/>
           </p:nvSpPr>
@@ -14576,13 +14626,13 @@
             </a:prstGeom>
             <a:solidFill>
               <a:srgbClr val="50A45C">
-                <a:alpha val="40000"/>
+                <a:alpha val="80000"/>
               </a:srgbClr>
             </a:solidFill>
             <a:ln w="9000" cap="rnd">
               <a:solidFill>
                 <a:srgbClr val="50A45C">
-                  <a:alpha val="40000"/>
+                  <a:alpha val="80000"/>
                 </a:srgbClr>
               </a:solidFill>
               <a:prstDash val="solid"/>
@@ -14597,7 +14647,7 @@
         </p:sp>
         <p:sp>
           <p:nvSpPr>
-            <p:cNvPr id="161" name="pt160"/>
+            <p:cNvPr id="157" name="pt156"/>
             <p:cNvSpPr/>
             <p:nvPr/>
           </p:nvSpPr>
@@ -14611,13 +14661,13 @@
             </a:prstGeom>
             <a:solidFill>
               <a:srgbClr val="5BBCD6">
-                <a:alpha val="40000"/>
+                <a:alpha val="80000"/>
               </a:srgbClr>
             </a:solidFill>
             <a:ln w="9000" cap="rnd">
               <a:solidFill>
                 <a:srgbClr val="5BBCD6">
-                  <a:alpha val="40000"/>
+                  <a:alpha val="80000"/>
                 </a:srgbClr>
               </a:solidFill>
               <a:prstDash val="solid"/>
@@ -14632,7 +14682,7 @@
         </p:sp>
         <p:sp>
           <p:nvSpPr>
-            <p:cNvPr id="162" name="pt161"/>
+            <p:cNvPr id="158" name="pt157"/>
             <p:cNvSpPr/>
             <p:nvPr/>
           </p:nvSpPr>
@@ -14646,13 +14696,13 @@
             </a:prstGeom>
             <a:solidFill>
               <a:srgbClr val="FF0000">
-                <a:alpha val="40000"/>
+                <a:alpha val="80000"/>
               </a:srgbClr>
             </a:solidFill>
             <a:ln w="9000" cap="rnd">
               <a:solidFill>
                 <a:srgbClr val="FF0000">
-                  <a:alpha val="40000"/>
+                  <a:alpha val="80000"/>
                 </a:srgbClr>
               </a:solidFill>
               <a:prstDash val="solid"/>
@@ -14667,7 +14717,7 @@
         </p:sp>
         <p:sp>
           <p:nvSpPr>
-            <p:cNvPr id="163" name="pt162"/>
+            <p:cNvPr id="159" name="pt158"/>
             <p:cNvSpPr/>
             <p:nvPr/>
           </p:nvSpPr>
@@ -14681,13 +14731,13 @@
             </a:prstGeom>
             <a:solidFill>
               <a:srgbClr val="F69100">
-                <a:alpha val="40000"/>
+                <a:alpha val="80000"/>
               </a:srgbClr>
             </a:solidFill>
             <a:ln w="9000" cap="rnd">
               <a:solidFill>
                 <a:srgbClr val="F69100">
-                  <a:alpha val="40000"/>
+                  <a:alpha val="80000"/>
                 </a:srgbClr>
               </a:solidFill>
               <a:prstDash val="solid"/>
@@ -14702,7 +14752,7 @@
         </p:sp>
         <p:sp>
           <p:nvSpPr>
-            <p:cNvPr id="164" name="pt163"/>
+            <p:cNvPr id="160" name="pt159"/>
             <p:cNvSpPr/>
             <p:nvPr/>
           </p:nvSpPr>
@@ -14716,13 +14766,13 @@
             </a:prstGeom>
             <a:solidFill>
               <a:srgbClr val="50A45C">
-                <a:alpha val="40000"/>
+                <a:alpha val="80000"/>
               </a:srgbClr>
             </a:solidFill>
             <a:ln w="9000" cap="rnd">
               <a:solidFill>
                 <a:srgbClr val="50A45C">
-                  <a:alpha val="40000"/>
+                  <a:alpha val="80000"/>
                 </a:srgbClr>
               </a:solidFill>
               <a:prstDash val="solid"/>
@@ -14737,7 +14787,7 @@
         </p:sp>
         <p:sp>
           <p:nvSpPr>
-            <p:cNvPr id="165" name="pt164"/>
+            <p:cNvPr id="161" name="pt160"/>
             <p:cNvSpPr/>
             <p:nvPr/>
           </p:nvSpPr>
@@ -14751,13 +14801,13 @@
             </a:prstGeom>
             <a:solidFill>
               <a:srgbClr val="FF0000">
-                <a:alpha val="40000"/>
+                <a:alpha val="80000"/>
               </a:srgbClr>
             </a:solidFill>
             <a:ln w="9000" cap="rnd">
               <a:solidFill>
                 <a:srgbClr val="FF0000">
-                  <a:alpha val="40000"/>
+                  <a:alpha val="80000"/>
                 </a:srgbClr>
               </a:solidFill>
               <a:prstDash val="solid"/>
@@ -14772,7 +14822,7 @@
         </p:sp>
         <p:sp>
           <p:nvSpPr>
-            <p:cNvPr id="166" name="pt165"/>
+            <p:cNvPr id="162" name="pt161"/>
             <p:cNvSpPr/>
             <p:nvPr/>
           </p:nvSpPr>
@@ -14786,13 +14836,13 @@
             </a:prstGeom>
             <a:solidFill>
               <a:srgbClr val="50A45C">
-                <a:alpha val="40000"/>
+                <a:alpha val="80000"/>
               </a:srgbClr>
             </a:solidFill>
             <a:ln w="9000" cap="rnd">
               <a:solidFill>
                 <a:srgbClr val="50A45C">
-                  <a:alpha val="40000"/>
+                  <a:alpha val="80000"/>
                 </a:srgbClr>
               </a:solidFill>
               <a:prstDash val="solid"/>
@@ -14807,7 +14857,7 @@
         </p:sp>
         <p:sp>
           <p:nvSpPr>
-            <p:cNvPr id="167" name="pt166"/>
+            <p:cNvPr id="163" name="pt162"/>
             <p:cNvSpPr/>
             <p:nvPr/>
           </p:nvSpPr>
@@ -14821,13 +14871,13 @@
             </a:prstGeom>
             <a:solidFill>
               <a:srgbClr val="50A45C">
-                <a:alpha val="40000"/>
+                <a:alpha val="80000"/>
               </a:srgbClr>
             </a:solidFill>
             <a:ln w="9000" cap="rnd">
               <a:solidFill>
                 <a:srgbClr val="50A45C">
-                  <a:alpha val="40000"/>
+                  <a:alpha val="80000"/>
                 </a:srgbClr>
               </a:solidFill>
               <a:prstDash val="solid"/>
@@ -14842,7 +14892,7 @@
         </p:sp>
         <p:sp>
           <p:nvSpPr>
-            <p:cNvPr id="168" name="pt167"/>
+            <p:cNvPr id="164" name="pt163"/>
             <p:cNvSpPr/>
             <p:nvPr/>
           </p:nvSpPr>
@@ -14856,13 +14906,13 @@
             </a:prstGeom>
             <a:solidFill>
               <a:srgbClr val="F69100">
-                <a:alpha val="40000"/>
+                <a:alpha val="80000"/>
               </a:srgbClr>
             </a:solidFill>
             <a:ln w="9000" cap="rnd">
               <a:solidFill>
                 <a:srgbClr val="F69100">
-                  <a:alpha val="40000"/>
+                  <a:alpha val="80000"/>
                 </a:srgbClr>
               </a:solidFill>
               <a:prstDash val="solid"/>
@@ -14877,7 +14927,7 @@
         </p:sp>
         <p:sp>
           <p:nvSpPr>
-            <p:cNvPr id="169" name="pt168"/>
+            <p:cNvPr id="165" name="pt164"/>
             <p:cNvSpPr/>
             <p:nvPr/>
           </p:nvSpPr>
@@ -14891,13 +14941,13 @@
             </a:prstGeom>
             <a:solidFill>
               <a:srgbClr val="5BBCD6">
-                <a:alpha val="40000"/>
+                <a:alpha val="80000"/>
               </a:srgbClr>
             </a:solidFill>
             <a:ln w="9000" cap="rnd">
               <a:solidFill>
                 <a:srgbClr val="5BBCD6">
-                  <a:alpha val="40000"/>
+                  <a:alpha val="80000"/>
                 </a:srgbClr>
               </a:solidFill>
               <a:prstDash val="solid"/>
@@ -14912,7 +14962,7 @@
         </p:sp>
         <p:sp>
           <p:nvSpPr>
-            <p:cNvPr id="170" name="pt169"/>
+            <p:cNvPr id="166" name="pt165"/>
             <p:cNvSpPr/>
             <p:nvPr/>
           </p:nvSpPr>
@@ -14926,13 +14976,13 @@
             </a:prstGeom>
             <a:solidFill>
               <a:srgbClr val="50A45C">
-                <a:alpha val="40000"/>
+                <a:alpha val="80000"/>
               </a:srgbClr>
             </a:solidFill>
             <a:ln w="9000" cap="rnd">
               <a:solidFill>
                 <a:srgbClr val="50A45C">
-                  <a:alpha val="40000"/>
+                  <a:alpha val="80000"/>
                 </a:srgbClr>
               </a:solidFill>
               <a:prstDash val="solid"/>
@@ -14947,7 +14997,7 @@
         </p:sp>
         <p:sp>
           <p:nvSpPr>
-            <p:cNvPr id="171" name="pt170"/>
+            <p:cNvPr id="167" name="pt166"/>
             <p:cNvSpPr/>
             <p:nvPr/>
           </p:nvSpPr>
@@ -14961,13 +15011,13 @@
             </a:prstGeom>
             <a:solidFill>
               <a:srgbClr val="FF0000">
-                <a:alpha val="40000"/>
+                <a:alpha val="80000"/>
               </a:srgbClr>
             </a:solidFill>
             <a:ln w="9000" cap="rnd">
               <a:solidFill>
                 <a:srgbClr val="FF0000">
-                  <a:alpha val="40000"/>
+                  <a:alpha val="80000"/>
                 </a:srgbClr>
               </a:solidFill>
               <a:prstDash val="solid"/>
@@ -14982,7 +15032,7 @@
         </p:sp>
         <p:sp>
           <p:nvSpPr>
-            <p:cNvPr id="172" name="pt171"/>
+            <p:cNvPr id="168" name="pt167"/>
             <p:cNvSpPr/>
             <p:nvPr/>
           </p:nvSpPr>
@@ -14996,13 +15046,13 @@
             </a:prstGeom>
             <a:solidFill>
               <a:srgbClr val="F69100">
-                <a:alpha val="40000"/>
+                <a:alpha val="80000"/>
               </a:srgbClr>
             </a:solidFill>
             <a:ln w="9000" cap="rnd">
               <a:solidFill>
                 <a:srgbClr val="F69100">
-                  <a:alpha val="40000"/>
+                  <a:alpha val="80000"/>
                 </a:srgbClr>
               </a:solidFill>
               <a:prstDash val="solid"/>
@@ -15017,7 +15067,7 @@
         </p:sp>
         <p:sp>
           <p:nvSpPr>
-            <p:cNvPr id="173" name="pt172"/>
+            <p:cNvPr id="169" name="pt168"/>
             <p:cNvSpPr/>
             <p:nvPr/>
           </p:nvSpPr>
@@ -15031,13 +15081,13 @@
             </a:prstGeom>
             <a:solidFill>
               <a:srgbClr val="50A45C">
-                <a:alpha val="40000"/>
+                <a:alpha val="80000"/>
               </a:srgbClr>
             </a:solidFill>
             <a:ln w="9000" cap="rnd">
               <a:solidFill>
                 <a:srgbClr val="50A45C">
-                  <a:alpha val="40000"/>
+                  <a:alpha val="80000"/>
                 </a:srgbClr>
               </a:solidFill>
               <a:prstDash val="solid"/>
@@ -15052,7 +15102,7 @@
         </p:sp>
         <p:sp>
           <p:nvSpPr>
-            <p:cNvPr id="174" name="pt173"/>
+            <p:cNvPr id="170" name="pt169"/>
             <p:cNvSpPr/>
             <p:nvPr/>
           </p:nvSpPr>
@@ -15066,13 +15116,13 @@
             </a:prstGeom>
             <a:solidFill>
               <a:srgbClr val="FF0000">
-                <a:alpha val="40000"/>
+                <a:alpha val="80000"/>
               </a:srgbClr>
             </a:solidFill>
             <a:ln w="9000" cap="rnd">
               <a:solidFill>
                 <a:srgbClr val="FF0000">
-                  <a:alpha val="40000"/>
+                  <a:alpha val="80000"/>
                 </a:srgbClr>
               </a:solidFill>
               <a:prstDash val="solid"/>
@@ -15087,7 +15137,7 @@
         </p:sp>
         <p:sp>
           <p:nvSpPr>
-            <p:cNvPr id="175" name="pt174"/>
+            <p:cNvPr id="171" name="pt170"/>
             <p:cNvSpPr/>
             <p:nvPr/>
           </p:nvSpPr>
@@ -15101,13 +15151,13 @@
             </a:prstGeom>
             <a:solidFill>
               <a:srgbClr val="F69100">
-                <a:alpha val="40000"/>
+                <a:alpha val="80000"/>
               </a:srgbClr>
             </a:solidFill>
             <a:ln w="9000" cap="rnd">
               <a:solidFill>
                 <a:srgbClr val="F69100">
-                  <a:alpha val="40000"/>
+                  <a:alpha val="80000"/>
                 </a:srgbClr>
               </a:solidFill>
               <a:prstDash val="solid"/>
@@ -15122,7 +15172,7 @@
         </p:sp>
         <p:sp>
           <p:nvSpPr>
-            <p:cNvPr id="176" name="pt175"/>
+            <p:cNvPr id="172" name="pt171"/>
             <p:cNvSpPr/>
             <p:nvPr/>
           </p:nvSpPr>
@@ -15136,13 +15186,13 @@
             </a:prstGeom>
             <a:solidFill>
               <a:srgbClr val="50A45C">
-                <a:alpha val="40000"/>
+                <a:alpha val="80000"/>
               </a:srgbClr>
             </a:solidFill>
             <a:ln w="9000" cap="rnd">
               <a:solidFill>
                 <a:srgbClr val="50A45C">
-                  <a:alpha val="40000"/>
+                  <a:alpha val="80000"/>
                 </a:srgbClr>
               </a:solidFill>
               <a:prstDash val="solid"/>
@@ -15157,7 +15207,7 @@
         </p:sp>
         <p:sp>
           <p:nvSpPr>
-            <p:cNvPr id="177" name="pt176"/>
+            <p:cNvPr id="173" name="pt172"/>
             <p:cNvSpPr/>
             <p:nvPr/>
           </p:nvSpPr>
@@ -15171,13 +15221,13 @@
             </a:prstGeom>
             <a:solidFill>
               <a:srgbClr val="5BBCD6">
-                <a:alpha val="40000"/>
+                <a:alpha val="80000"/>
               </a:srgbClr>
             </a:solidFill>
             <a:ln w="9000" cap="rnd">
               <a:solidFill>
                 <a:srgbClr val="5BBCD6">
-                  <a:alpha val="40000"/>
+                  <a:alpha val="80000"/>
                 </a:srgbClr>
               </a:solidFill>
               <a:prstDash val="solid"/>
@@ -15192,7 +15242,7 @@
         </p:sp>
         <p:sp>
           <p:nvSpPr>
-            <p:cNvPr id="178" name="pt177"/>
+            <p:cNvPr id="174" name="pt173"/>
             <p:cNvSpPr/>
             <p:nvPr/>
           </p:nvSpPr>
@@ -15206,13 +15256,13 @@
             </a:prstGeom>
             <a:solidFill>
               <a:srgbClr val="5BBCD6">
-                <a:alpha val="40000"/>
+                <a:alpha val="80000"/>
               </a:srgbClr>
             </a:solidFill>
             <a:ln w="9000" cap="rnd">
               <a:solidFill>
                 <a:srgbClr val="5BBCD6">
-                  <a:alpha val="40000"/>
+                  <a:alpha val="80000"/>
                 </a:srgbClr>
               </a:solidFill>
               <a:prstDash val="solid"/>
@@ -15227,7 +15277,7 @@
         </p:sp>
         <p:sp>
           <p:nvSpPr>
-            <p:cNvPr id="179" name="pt178"/>
+            <p:cNvPr id="175" name="pt174"/>
             <p:cNvSpPr/>
             <p:nvPr/>
           </p:nvSpPr>
@@ -15241,13 +15291,13 @@
             </a:prstGeom>
             <a:solidFill>
               <a:srgbClr val="50A45C">
-                <a:alpha val="40000"/>
+                <a:alpha val="80000"/>
               </a:srgbClr>
             </a:solidFill>
             <a:ln w="9000" cap="rnd">
               <a:solidFill>
                 <a:srgbClr val="50A45C">
-                  <a:alpha val="40000"/>
+                  <a:alpha val="80000"/>
                 </a:srgbClr>
               </a:solidFill>
               <a:prstDash val="solid"/>
@@ -15262,24 +15312,24 @@
         </p:sp>
         <p:sp>
           <p:nvSpPr>
-            <p:cNvPr id="180" name="pl179"/>
-            <p:cNvSpPr/>
-            <p:nvPr/>
-          </p:nvSpPr>
-          <p:spPr>
-            <a:xfrm>
-              <a:off x="6464194" y="4023944"/>
-              <a:ext cx="309006" cy="106297"/>
+            <p:cNvPr id="176" name="pl175"/>
+            <p:cNvSpPr/>
+            <p:nvPr/>
+          </p:nvSpPr>
+          <p:spPr>
+            <a:xfrm>
+              <a:off x="6676210" y="3241086"/>
+              <a:ext cx="10299" cy="128356"/>
             </a:xfrm>
             <a:custGeom>
               <a:avLst/>
               <a:pathLst>
-                <a:path w="309006" h="106297">
+                <a:path w="10299" h="128356">
                   <a:moveTo>
-                    <a:pt x="309006" y="0"/>
+                    <a:pt x="0" y="0"/>
                   </a:moveTo>
                   <a:lnTo>
-                    <a:pt x="0" y="106297"/>
+                    <a:pt x="10299" y="128356"/>
                   </a:lnTo>
                 </a:path>
               </a:pathLst>
@@ -15293,14 +15343,107 @@
         </p:sp>
         <p:sp>
           <p:nvSpPr>
-            <p:cNvPr id="181" name="tx180"/>
-            <p:cNvSpPr/>
-            <p:nvPr/>
-          </p:nvSpPr>
-          <p:spPr>
-            <a:xfrm>
-              <a:off x="5565845" y="5232601"/>
-              <a:ext cx="488087" cy="99300"/>
+            <p:cNvPr id="177" name="pl176"/>
+            <p:cNvSpPr/>
+            <p:nvPr/>
+          </p:nvSpPr>
+          <p:spPr>
+            <a:xfrm>
+              <a:off x="6295369" y="4092544"/>
+              <a:ext cx="54562" cy="151382"/>
+            </a:xfrm>
+            <a:custGeom>
+              <a:avLst/>
+              <a:pathLst>
+                <a:path w="54562" h="151382">
+                  <a:moveTo>
+                    <a:pt x="0" y="0"/>
+                  </a:moveTo>
+                  <a:lnTo>
+                    <a:pt x="54562" y="151382"/>
+                  </a:lnTo>
+                </a:path>
+              </a:pathLst>
+            </a:custGeom>
+          </p:spPr>
+          <p:txBody>
+            <a:bodyPr/>
+            <a:lstStyle/>
+            <a:p/>
+          </p:txBody>
+        </p:sp>
+        <p:sp>
+          <p:nvSpPr>
+            <p:cNvPr id="178" name="pl177"/>
+            <p:cNvSpPr/>
+            <p:nvPr/>
+          </p:nvSpPr>
+          <p:spPr>
+            <a:xfrm>
+              <a:off x="7034484" y="3667133"/>
+              <a:ext cx="1029" cy="173045"/>
+            </a:xfrm>
+            <a:custGeom>
+              <a:avLst/>
+              <a:pathLst>
+                <a:path w="1029" h="173045">
+                  <a:moveTo>
+                    <a:pt x="1029" y="173045"/>
+                  </a:moveTo>
+                  <a:lnTo>
+                    <a:pt x="0" y="0"/>
+                  </a:lnTo>
+                </a:path>
+              </a:pathLst>
+            </a:custGeom>
+          </p:spPr>
+          <p:txBody>
+            <a:bodyPr/>
+            <a:lstStyle/>
+            <a:p/>
+          </p:txBody>
+        </p:sp>
+        <p:sp>
+          <p:nvSpPr>
+            <p:cNvPr id="179" name="pl178"/>
+            <p:cNvSpPr/>
+            <p:nvPr/>
+          </p:nvSpPr>
+          <p:spPr>
+            <a:xfrm>
+              <a:off x="6436354" y="3826837"/>
+              <a:ext cx="9729" cy="119955"/>
+            </a:xfrm>
+            <a:custGeom>
+              <a:avLst/>
+              <a:pathLst>
+                <a:path w="9729" h="119955">
+                  <a:moveTo>
+                    <a:pt x="0" y="0"/>
+                  </a:moveTo>
+                  <a:lnTo>
+                    <a:pt x="9729" y="119955"/>
+                  </a:lnTo>
+                </a:path>
+              </a:pathLst>
+            </a:custGeom>
+          </p:spPr>
+          <p:txBody>
+            <a:bodyPr/>
+            <a:lstStyle/>
+            <a:p/>
+          </p:txBody>
+        </p:sp>
+        <p:sp>
+          <p:nvSpPr>
+            <p:cNvPr id="180" name="tx179"/>
+            <p:cNvSpPr/>
+            <p:nvPr/>
+          </p:nvSpPr>
+          <p:spPr>
+            <a:xfrm>
+              <a:off x="5942724" y="5252445"/>
+              <a:ext cx="100482" cy="129860"/>
             </a:xfrm>
             <a:prstGeom prst="rect">
               <a:avLst/>
@@ -15313,7 +15456,7 @@
             <a:p>
               <a:pPr algn="l" marL="0" marR="0" indent="0">
                 <a:lnSpc>
-                  <a:spcPts val="853"/>
+                  <a:spcPts val="1422"/>
                 </a:lnSpc>
                 <a:spcBef>
                   <a:spcPts val="0"/>
@@ -15323,30 +15466,30 @@
                 </a:spcAft>
               </a:pPr>
               <a:r>
-                <a:rPr sz="853" b="1">
+                <a:rPr sz="1422" b="1">
                   <a:solidFill>
                     <a:srgbClr val="FF0000">
-                      <a:alpha val="40000"/>
+                      <a:alpha val="80000"/>
                     </a:srgbClr>
                   </a:solidFill>
                   <a:latin typeface="Arial"/>
                   <a:cs typeface="Arial"/>
                 </a:rPr>
-                <a:t>Excerpt.1</a:t>
+                <a:t>1</a:t>
               </a:r>
             </a:p>
           </p:txBody>
         </p:sp>
         <p:sp>
           <p:nvSpPr>
-            <p:cNvPr id="182" name="tx181"/>
-            <p:cNvSpPr/>
-            <p:nvPr/>
-          </p:nvSpPr>
-          <p:spPr>
-            <a:xfrm>
-              <a:off x="6083942" y="4559382"/>
-              <a:ext cx="488087" cy="99300"/>
+            <p:cNvPr id="181" name="tx180"/>
+            <p:cNvSpPr/>
+            <p:nvPr/>
+          </p:nvSpPr>
+          <p:spPr>
+            <a:xfrm>
+              <a:off x="6230818" y="4546458"/>
+              <a:ext cx="100482" cy="129860"/>
             </a:xfrm>
             <a:prstGeom prst="rect">
               <a:avLst/>
@@ -15359,7 +15502,7 @@
             <a:p>
               <a:pPr algn="l" marL="0" marR="0" indent="0">
                 <a:lnSpc>
-                  <a:spcPts val="853"/>
+                  <a:spcPts val="1422"/>
                 </a:lnSpc>
                 <a:spcBef>
                   <a:spcPts val="0"/>
@@ -15369,30 +15512,30 @@
                 </a:spcAft>
               </a:pPr>
               <a:r>
-                <a:rPr sz="853" b="1">
+                <a:rPr sz="1422" b="1">
                   <a:solidFill>
                     <a:srgbClr val="FF0000">
-                      <a:alpha val="40000"/>
+                      <a:alpha val="80000"/>
                     </a:srgbClr>
                   </a:solidFill>
                   <a:latin typeface="Arial"/>
                   <a:cs typeface="Arial"/>
                 </a:rPr>
-                <a:t>Excerpt.2</a:t>
+                <a:t>2</a:t>
               </a:r>
             </a:p>
           </p:txBody>
         </p:sp>
         <p:sp>
           <p:nvSpPr>
-            <p:cNvPr id="183" name="tx182"/>
-            <p:cNvSpPr/>
-            <p:nvPr/>
-          </p:nvSpPr>
-          <p:spPr>
-            <a:xfrm>
-              <a:off x="7321538" y="3648694"/>
-              <a:ext cx="488087" cy="99300"/>
+            <p:cNvPr id="182" name="tx181"/>
+            <p:cNvSpPr/>
+            <p:nvPr/>
+          </p:nvSpPr>
+          <p:spPr>
+            <a:xfrm>
+              <a:off x="7540415" y="3541466"/>
+              <a:ext cx="100482" cy="132065"/>
             </a:xfrm>
             <a:prstGeom prst="rect">
               <a:avLst/>
@@ -15405,7 +15548,7 @@
             <a:p>
               <a:pPr algn="l" marL="0" marR="0" indent="0">
                 <a:lnSpc>
-                  <a:spcPts val="853"/>
+                  <a:spcPts val="1422"/>
                 </a:lnSpc>
                 <a:spcBef>
                   <a:spcPts val="0"/>
@@ -15415,30 +15558,30 @@
                 </a:spcAft>
               </a:pPr>
               <a:r>
-                <a:rPr sz="853" b="1">
+                <a:rPr sz="1422" b="1">
                   <a:solidFill>
                     <a:srgbClr val="50A45C">
-                      <a:alpha val="40000"/>
+                      <a:alpha val="80000"/>
                     </a:srgbClr>
                   </a:solidFill>
                   <a:latin typeface="Arial"/>
                   <a:cs typeface="Arial"/>
                 </a:rPr>
-                <a:t>Excerpt.3</a:t>
+                <a:t>3</a:t>
               </a:r>
             </a:p>
           </p:txBody>
         </p:sp>
         <p:sp>
           <p:nvSpPr>
-            <p:cNvPr id="184" name="tx183"/>
-            <p:cNvSpPr/>
-            <p:nvPr/>
-          </p:nvSpPr>
-          <p:spPr>
-            <a:xfrm>
-              <a:off x="6740891" y="3791387"/>
-              <a:ext cx="488087" cy="99300"/>
+            <p:cNvPr id="183" name="tx182"/>
+            <p:cNvSpPr/>
+            <p:nvPr/>
+          </p:nvSpPr>
+          <p:spPr>
+            <a:xfrm>
+              <a:off x="6742779" y="3849470"/>
+              <a:ext cx="100482" cy="129860"/>
             </a:xfrm>
             <a:prstGeom prst="rect">
               <a:avLst/>
@@ -15451,7 +15594,7 @@
             <a:p>
               <a:pPr algn="l" marL="0" marR="0" indent="0">
                 <a:lnSpc>
-                  <a:spcPts val="853"/>
+                  <a:spcPts val="1422"/>
                 </a:lnSpc>
                 <a:spcBef>
                   <a:spcPts val="0"/>
@@ -15461,30 +15604,30 @@
                 </a:spcAft>
               </a:pPr>
               <a:r>
-                <a:rPr sz="853" b="1">
+                <a:rPr sz="1422" b="1">
                   <a:solidFill>
                     <a:srgbClr val="F69100">
-                      <a:alpha val="40000"/>
+                      <a:alpha val="80000"/>
                     </a:srgbClr>
                   </a:solidFill>
                   <a:latin typeface="Arial"/>
                   <a:cs typeface="Arial"/>
                 </a:rPr>
-                <a:t>Excerpt.4</a:t>
+                <a:t>4</a:t>
               </a:r>
             </a:p>
           </p:txBody>
         </p:sp>
         <p:sp>
           <p:nvSpPr>
-            <p:cNvPr id="185" name="tx184"/>
-            <p:cNvSpPr/>
-            <p:nvPr/>
-          </p:nvSpPr>
-          <p:spPr>
-            <a:xfrm>
-              <a:off x="6470444" y="4390638"/>
-              <a:ext cx="488087" cy="98983"/>
+            <p:cNvPr id="184" name="tx183"/>
+            <p:cNvSpPr/>
+            <p:nvPr/>
+          </p:nvSpPr>
+          <p:spPr>
+            <a:xfrm>
+              <a:off x="6463167" y="4290825"/>
+              <a:ext cx="100482" cy="129771"/>
             </a:xfrm>
             <a:prstGeom prst="rect">
               <a:avLst/>
@@ -15497,7 +15640,7 @@
             <a:p>
               <a:pPr algn="l" marL="0" marR="0" indent="0">
                 <a:lnSpc>
-                  <a:spcPts val="853"/>
+                  <a:spcPts val="1422"/>
                 </a:lnSpc>
                 <a:spcBef>
                   <a:spcPts val="0"/>
@@ -15507,30 +15650,30 @@
                 </a:spcAft>
               </a:pPr>
               <a:r>
-                <a:rPr sz="853" b="1">
+                <a:rPr sz="1422" b="1">
                   <a:solidFill>
                     <a:srgbClr val="50A45C">
-                      <a:alpha val="40000"/>
+                      <a:alpha val="80000"/>
                     </a:srgbClr>
                   </a:solidFill>
                   <a:latin typeface="Arial"/>
                   <a:cs typeface="Arial"/>
                 </a:rPr>
-                <a:t>Excerpt.5</a:t>
+                <a:t>5</a:t>
               </a:r>
             </a:p>
           </p:txBody>
         </p:sp>
         <p:sp>
           <p:nvSpPr>
-            <p:cNvPr id="186" name="tx185"/>
-            <p:cNvSpPr/>
-            <p:nvPr/>
-          </p:nvSpPr>
-          <p:spPr>
-            <a:xfrm>
-              <a:off x="5352043" y="4705688"/>
-              <a:ext cx="488087" cy="98983"/>
+            <p:cNvPr id="185" name="tx184"/>
+            <p:cNvSpPr/>
+            <p:nvPr/>
+          </p:nvSpPr>
+          <p:spPr>
+            <a:xfrm>
+              <a:off x="5525591" y="4678945"/>
+              <a:ext cx="100482" cy="127566"/>
             </a:xfrm>
             <a:prstGeom prst="rect">
               <a:avLst/>
@@ -15543,7 +15686,7 @@
             <a:p>
               <a:pPr algn="l" marL="0" marR="0" indent="0">
                 <a:lnSpc>
-                  <a:spcPts val="853"/>
+                  <a:spcPts val="1422"/>
                 </a:lnSpc>
                 <a:spcBef>
                   <a:spcPts val="0"/>
@@ -15553,30 +15696,30 @@
                 </a:spcAft>
               </a:pPr>
               <a:r>
-                <a:rPr sz="853" b="1">
+                <a:rPr sz="1422" b="1">
                   <a:solidFill>
                     <a:srgbClr val="50A45C">
-                      <a:alpha val="40000"/>
+                      <a:alpha val="80000"/>
                     </a:srgbClr>
                   </a:solidFill>
                   <a:latin typeface="Arial"/>
                   <a:cs typeface="Arial"/>
                 </a:rPr>
-                <a:t>Excerpt.7</a:t>
+                <a:t>7</a:t>
               </a:r>
             </a:p>
           </p:txBody>
         </p:sp>
         <p:sp>
           <p:nvSpPr>
-            <p:cNvPr id="187" name="tx186"/>
-            <p:cNvSpPr/>
-            <p:nvPr/>
-          </p:nvSpPr>
-          <p:spPr>
-            <a:xfrm>
-              <a:off x="6505459" y="3621815"/>
-              <a:ext cx="488087" cy="99300"/>
+            <p:cNvPr id="186" name="tx185"/>
+            <p:cNvSpPr/>
+            <p:nvPr/>
+          </p:nvSpPr>
+          <p:spPr>
+            <a:xfrm>
+              <a:off x="6848464" y="3625977"/>
+              <a:ext cx="100482" cy="132153"/>
             </a:xfrm>
             <a:prstGeom prst="rect">
               <a:avLst/>
@@ -15589,7 +15732,7 @@
             <a:p>
               <a:pPr algn="l" marL="0" marR="0" indent="0">
                 <a:lnSpc>
-                  <a:spcPts val="853"/>
+                  <a:spcPts val="1422"/>
                 </a:lnSpc>
                 <a:spcBef>
                   <a:spcPts val="0"/>
@@ -15599,30 +15742,30 @@
                 </a:spcAft>
               </a:pPr>
               <a:r>
-                <a:rPr sz="853" b="1">
+                <a:rPr sz="1422" b="1">
                   <a:solidFill>
                     <a:srgbClr val="5BBCD6">
-                      <a:alpha val="40000"/>
+                      <a:alpha val="80000"/>
                     </a:srgbClr>
                   </a:solidFill>
                   <a:latin typeface="Arial"/>
                   <a:cs typeface="Arial"/>
                 </a:rPr>
-                <a:t>Excerpt.8</a:t>
+                <a:t>8</a:t>
               </a:r>
             </a:p>
           </p:txBody>
         </p:sp>
         <p:sp>
           <p:nvSpPr>
-            <p:cNvPr id="188" name="tx187"/>
-            <p:cNvSpPr/>
-            <p:nvPr/>
-          </p:nvSpPr>
-          <p:spPr>
-            <a:xfrm>
-              <a:off x="6031190" y="4221190"/>
-              <a:ext cx="488087" cy="99300"/>
+            <p:cNvPr id="187" name="tx186"/>
+            <p:cNvSpPr/>
+            <p:nvPr/>
+          </p:nvSpPr>
+          <p:spPr>
+            <a:xfrm>
+              <a:off x="6195564" y="4157782"/>
+              <a:ext cx="100482" cy="132153"/>
             </a:xfrm>
             <a:prstGeom prst="rect">
               <a:avLst/>
@@ -15635,7 +15778,7 @@
             <a:p>
               <a:pPr algn="l" marL="0" marR="0" indent="0">
                 <a:lnSpc>
-                  <a:spcPts val="853"/>
+                  <a:spcPts val="1422"/>
                 </a:lnSpc>
                 <a:spcBef>
                   <a:spcPts val="0"/>
@@ -15645,30 +15788,30 @@
                 </a:spcAft>
               </a:pPr>
               <a:r>
-                <a:rPr sz="853" b="1">
+                <a:rPr sz="1422" b="1">
                   <a:solidFill>
                     <a:srgbClr val="FF0000">
-                      <a:alpha val="40000"/>
+                      <a:alpha val="80000"/>
                     </a:srgbClr>
                   </a:solidFill>
                   <a:latin typeface="Arial"/>
                   <a:cs typeface="Arial"/>
                 </a:rPr>
-                <a:t>Excerpt.9</a:t>
+                <a:t>9</a:t>
               </a:r>
             </a:p>
           </p:txBody>
         </p:sp>
         <p:sp>
           <p:nvSpPr>
-            <p:cNvPr id="189" name="tx188"/>
-            <p:cNvSpPr/>
-            <p:nvPr/>
-          </p:nvSpPr>
-          <p:spPr>
-            <a:xfrm>
-              <a:off x="6279440" y="3218101"/>
-              <a:ext cx="548376" cy="99300"/>
+            <p:cNvPr id="188" name="tx187"/>
+            <p:cNvSpPr/>
+            <p:nvPr/>
+          </p:nvSpPr>
+          <p:spPr>
+            <a:xfrm>
+              <a:off x="6452384" y="3132326"/>
+              <a:ext cx="200965" cy="132065"/>
             </a:xfrm>
             <a:prstGeom prst="rect">
               <a:avLst/>
@@ -15681,7 +15824,7 @@
             <a:p>
               <a:pPr algn="l" marL="0" marR="0" indent="0">
                 <a:lnSpc>
-                  <a:spcPts val="853"/>
+                  <a:spcPts val="1422"/>
                 </a:lnSpc>
                 <a:spcBef>
                   <a:spcPts val="0"/>
@@ -15691,30 +15834,30 @@
                 </a:spcAft>
               </a:pPr>
               <a:r>
-                <a:rPr sz="853" b="1">
+                <a:rPr sz="1422" b="1">
                   <a:solidFill>
                     <a:srgbClr val="50A45C">
-                      <a:alpha val="40000"/>
+                      <a:alpha val="80000"/>
                     </a:srgbClr>
                   </a:solidFill>
                   <a:latin typeface="Arial"/>
                   <a:cs typeface="Arial"/>
                 </a:rPr>
-                <a:t>Excerpt.10</a:t>
+                <a:t>10</a:t>
               </a:r>
             </a:p>
           </p:txBody>
         </p:sp>
         <p:sp>
           <p:nvSpPr>
-            <p:cNvPr id="190" name="tx189"/>
-            <p:cNvSpPr/>
-            <p:nvPr/>
-          </p:nvSpPr>
-          <p:spPr>
-            <a:xfrm>
-              <a:off x="7766648" y="2592530"/>
-              <a:ext cx="548376" cy="99300"/>
+            <p:cNvPr id="189" name="tx188"/>
+            <p:cNvSpPr/>
+            <p:nvPr/>
+          </p:nvSpPr>
+          <p:spPr>
+            <a:xfrm>
+              <a:off x="7961196" y="2363847"/>
+              <a:ext cx="200965" cy="129860"/>
             </a:xfrm>
             <a:prstGeom prst="rect">
               <a:avLst/>
@@ -15727,7 +15870,7 @@
             <a:p>
               <a:pPr algn="l" marL="0" marR="0" indent="0">
                 <a:lnSpc>
-                  <a:spcPts val="853"/>
+                  <a:spcPts val="1422"/>
                 </a:lnSpc>
                 <a:spcBef>
                   <a:spcPts val="0"/>
@@ -15737,30 +15880,30 @@
                 </a:spcAft>
               </a:pPr>
               <a:r>
-                <a:rPr sz="853" b="1">
+                <a:rPr sz="1422" b="1">
                   <a:solidFill>
                     <a:srgbClr val="5BBCD6">
-                      <a:alpha val="40000"/>
+                      <a:alpha val="80000"/>
                     </a:srgbClr>
                   </a:solidFill>
                   <a:latin typeface="Arial"/>
                   <a:cs typeface="Arial"/>
                 </a:rPr>
-                <a:t>Excerpt.11</a:t>
+                <a:t>11</a:t>
               </a:r>
             </a:p>
           </p:txBody>
         </p:sp>
         <p:sp>
           <p:nvSpPr>
-            <p:cNvPr id="191" name="tx190"/>
-            <p:cNvSpPr/>
-            <p:nvPr/>
-          </p:nvSpPr>
-          <p:spPr>
-            <a:xfrm>
-              <a:off x="5331449" y="4942689"/>
-              <a:ext cx="548376" cy="99300"/>
+            <p:cNvPr id="190" name="tx189"/>
+            <p:cNvSpPr/>
+            <p:nvPr/>
+          </p:nvSpPr>
+          <p:spPr>
+            <a:xfrm>
+              <a:off x="5792069" y="4964182"/>
+              <a:ext cx="200965" cy="129860"/>
             </a:xfrm>
             <a:prstGeom prst="rect">
               <a:avLst/>
@@ -15773,7 +15916,7 @@
             <a:p>
               <a:pPr algn="l" marL="0" marR="0" indent="0">
                 <a:lnSpc>
-                  <a:spcPts val="853"/>
+                  <a:spcPts val="1422"/>
                 </a:lnSpc>
                 <a:spcBef>
                   <a:spcPts val="0"/>
@@ -15783,30 +15926,30 @@
                 </a:spcAft>
               </a:pPr>
               <a:r>
-                <a:rPr sz="853" b="1">
+                <a:rPr sz="1422" b="1">
                   <a:solidFill>
                     <a:srgbClr val="FF0000">
-                      <a:alpha val="40000"/>
+                      <a:alpha val="80000"/>
                     </a:srgbClr>
                   </a:solidFill>
                   <a:latin typeface="Arial"/>
                   <a:cs typeface="Arial"/>
                 </a:rPr>
-                <a:t>Excerpt.12</a:t>
+                <a:t>12</a:t>
               </a:r>
             </a:p>
           </p:txBody>
         </p:sp>
         <p:sp>
           <p:nvSpPr>
-            <p:cNvPr id="192" name="tx191"/>
-            <p:cNvSpPr/>
-            <p:nvPr/>
-          </p:nvSpPr>
-          <p:spPr>
-            <a:xfrm>
-              <a:off x="5865819" y="3585967"/>
-              <a:ext cx="548376" cy="99300"/>
+            <p:cNvPr id="191" name="tx190"/>
+            <p:cNvSpPr/>
+            <p:nvPr/>
+          </p:nvSpPr>
+          <p:spPr>
+            <a:xfrm>
+              <a:off x="7224343" y="3639211"/>
+              <a:ext cx="200965" cy="132065"/>
             </a:xfrm>
             <a:prstGeom prst="rect">
               <a:avLst/>
@@ -15819,7 +15962,7 @@
             <a:p>
               <a:pPr algn="l" marL="0" marR="0" indent="0">
                 <a:lnSpc>
-                  <a:spcPts val="853"/>
+                  <a:spcPts val="1422"/>
                 </a:lnSpc>
                 <a:spcBef>
                   <a:spcPts val="0"/>
@@ -15829,30 +15972,30 @@
                 </a:spcAft>
               </a:pPr>
               <a:r>
-                <a:rPr sz="853" b="1">
+                <a:rPr sz="1422" b="1">
                   <a:solidFill>
-                    <a:srgbClr val="50A45C">
-                      <a:alpha val="40000"/>
+                    <a:srgbClr val="F69100">
+                      <a:alpha val="80000"/>
                     </a:srgbClr>
                   </a:solidFill>
                   <a:latin typeface="Arial"/>
                   <a:cs typeface="Arial"/>
                 </a:rPr>
-                <a:t>Excerpt.15</a:t>
+                <a:t>13</a:t>
               </a:r>
             </a:p>
           </p:txBody>
         </p:sp>
         <p:sp>
           <p:nvSpPr>
-            <p:cNvPr id="193" name="tx192"/>
-            <p:cNvSpPr/>
-            <p:nvPr/>
-          </p:nvSpPr>
-          <p:spPr>
-            <a:xfrm>
-              <a:off x="5588734" y="4390289"/>
-              <a:ext cx="548376" cy="99300"/>
+            <p:cNvPr id="192" name="tx191"/>
+            <p:cNvSpPr/>
+            <p:nvPr/>
+          </p:nvSpPr>
+          <p:spPr>
+            <a:xfrm>
+              <a:off x="6504858" y="3539773"/>
+              <a:ext cx="200965" cy="132065"/>
             </a:xfrm>
             <a:prstGeom prst="rect">
               <a:avLst/>
@@ -15865,7 +16008,7 @@
             <a:p>
               <a:pPr algn="l" marL="0" marR="0" indent="0">
                 <a:lnSpc>
-                  <a:spcPts val="853"/>
+                  <a:spcPts val="1422"/>
                 </a:lnSpc>
                 <a:spcBef>
                   <a:spcPts val="0"/>
@@ -15875,30 +16018,30 @@
                 </a:spcAft>
               </a:pPr>
               <a:r>
-                <a:rPr sz="853" b="1">
+                <a:rPr sz="1422" b="1">
                   <a:solidFill>
-                    <a:srgbClr val="FF0000">
-                      <a:alpha val="40000"/>
+                    <a:srgbClr val="50A45C">
+                      <a:alpha val="80000"/>
                     </a:srgbClr>
                   </a:solidFill>
                   <a:latin typeface="Arial"/>
                   <a:cs typeface="Arial"/>
                 </a:rPr>
-                <a:t>Excerpt.16</a:t>
+                <a:t>15</a:t>
               </a:r>
             </a:p>
           </p:txBody>
         </p:sp>
         <p:sp>
           <p:nvSpPr>
-            <p:cNvPr id="194" name="tx193"/>
-            <p:cNvSpPr/>
-            <p:nvPr/>
-          </p:nvSpPr>
-          <p:spPr>
-            <a:xfrm>
-              <a:off x="6158524" y="4097727"/>
-              <a:ext cx="548376" cy="99300"/>
+            <p:cNvPr id="193" name="tx192"/>
+            <p:cNvSpPr/>
+            <p:nvPr/>
+          </p:nvSpPr>
+          <p:spPr>
+            <a:xfrm>
+              <a:off x="5937745" y="4380983"/>
+              <a:ext cx="200965" cy="132065"/>
             </a:xfrm>
             <a:prstGeom prst="rect">
               <a:avLst/>
@@ -15911,7 +16054,7 @@
             <a:p>
               <a:pPr algn="l" marL="0" marR="0" indent="0">
                 <a:lnSpc>
-                  <a:spcPts val="853"/>
+                  <a:spcPts val="1422"/>
                 </a:lnSpc>
                 <a:spcBef>
                   <a:spcPts val="0"/>
@@ -15921,30 +16064,30 @@
                 </a:spcAft>
               </a:pPr>
               <a:r>
-                <a:rPr sz="853" b="1">
+                <a:rPr sz="1422" b="1">
                   <a:solidFill>
-                    <a:srgbClr val="50A45C">
-                      <a:alpha val="40000"/>
+                    <a:srgbClr val="FF0000">
+                      <a:alpha val="80000"/>
                     </a:srgbClr>
                   </a:solidFill>
                   <a:latin typeface="Arial"/>
                   <a:cs typeface="Arial"/>
                 </a:rPr>
-                <a:t>Excerpt.18</a:t>
+                <a:t>16</a:t>
               </a:r>
             </a:p>
           </p:txBody>
         </p:sp>
         <p:sp>
           <p:nvSpPr>
-            <p:cNvPr id="195" name="tx194"/>
-            <p:cNvSpPr/>
-            <p:nvPr/>
-          </p:nvSpPr>
-          <p:spPr>
-            <a:xfrm>
-              <a:off x="6042978" y="3388402"/>
-              <a:ext cx="548376" cy="99300"/>
+            <p:cNvPr id="194" name="tx193"/>
+            <p:cNvSpPr/>
+            <p:nvPr/>
+          </p:nvSpPr>
+          <p:spPr>
+            <a:xfrm>
+              <a:off x="7036464" y="3335862"/>
+              <a:ext cx="200965" cy="129860"/>
             </a:xfrm>
             <a:prstGeom prst="rect">
               <a:avLst/>
@@ -15957,7 +16100,7 @@
             <a:p>
               <a:pPr algn="l" marL="0" marR="0" indent="0">
                 <a:lnSpc>
-                  <a:spcPts val="853"/>
+                  <a:spcPts val="1422"/>
                 </a:lnSpc>
                 <a:spcBef>
                   <a:spcPts val="0"/>
@@ -15967,30 +16110,30 @@
                 </a:spcAft>
               </a:pPr>
               <a:r>
-                <a:rPr sz="853" b="1">
+                <a:rPr sz="1422" b="1">
                   <a:solidFill>
-                    <a:srgbClr val="F69100">
-                      <a:alpha val="40000"/>
+                    <a:srgbClr val="50A45C">
+                      <a:alpha val="80000"/>
                     </a:srgbClr>
                   </a:solidFill>
                   <a:latin typeface="Arial"/>
                   <a:cs typeface="Arial"/>
                 </a:rPr>
-                <a:t>Excerpt.19</a:t>
+                <a:t>17</a:t>
               </a:r>
             </a:p>
           </p:txBody>
         </p:sp>
         <p:sp>
           <p:nvSpPr>
-            <p:cNvPr id="196" name="tx195"/>
-            <p:cNvSpPr/>
-            <p:nvPr/>
-          </p:nvSpPr>
-          <p:spPr>
-            <a:xfrm>
-              <a:off x="7090580" y="2772117"/>
-              <a:ext cx="548376" cy="99300"/>
+            <p:cNvPr id="195" name="tx194"/>
+            <p:cNvSpPr/>
+            <p:nvPr/>
+          </p:nvSpPr>
+          <p:spPr>
+            <a:xfrm>
+              <a:off x="6188351" y="3937530"/>
+              <a:ext cx="200965" cy="132153"/>
             </a:xfrm>
             <a:prstGeom prst="rect">
               <a:avLst/>
@@ -16003,7 +16146,7 @@
             <a:p>
               <a:pPr algn="l" marL="0" marR="0" indent="0">
                 <a:lnSpc>
-                  <a:spcPts val="853"/>
+                  <a:spcPts val="1422"/>
                 </a:lnSpc>
                 <a:spcBef>
                   <a:spcPts val="0"/>
@@ -16013,30 +16156,30 @@
                 </a:spcAft>
               </a:pPr>
               <a:r>
-                <a:rPr sz="853" b="1">
+                <a:rPr sz="1422" b="1">
                   <a:solidFill>
-                    <a:srgbClr val="5BBCD6">
-                      <a:alpha val="40000"/>
+                    <a:srgbClr val="50A45C">
+                      <a:alpha val="80000"/>
                     </a:srgbClr>
                   </a:solidFill>
                   <a:latin typeface="Arial"/>
                   <a:cs typeface="Arial"/>
                 </a:rPr>
-                <a:t>Excerpt.20</a:t>
+                <a:t>18</a:t>
               </a:r>
             </a:p>
           </p:txBody>
         </p:sp>
         <p:sp>
           <p:nvSpPr>
-            <p:cNvPr id="197" name="tx196"/>
-            <p:cNvSpPr/>
-            <p:nvPr/>
-          </p:nvSpPr>
-          <p:spPr>
-            <a:xfrm>
-              <a:off x="6877945" y="4220908"/>
-              <a:ext cx="548376" cy="99300"/>
+            <p:cNvPr id="196" name="tx195"/>
+            <p:cNvSpPr/>
+            <p:nvPr/>
+          </p:nvSpPr>
+          <p:spPr>
+            <a:xfrm>
+              <a:off x="6195489" y="3355122"/>
+              <a:ext cx="200965" cy="132153"/>
             </a:xfrm>
             <a:prstGeom prst="rect">
               <a:avLst/>
@@ -16049,7 +16192,7 @@
             <a:p>
               <a:pPr algn="l" marL="0" marR="0" indent="0">
                 <a:lnSpc>
-                  <a:spcPts val="853"/>
+                  <a:spcPts val="1422"/>
                 </a:lnSpc>
                 <a:spcBef>
                   <a:spcPts val="0"/>
@@ -16059,30 +16202,30 @@
                 </a:spcAft>
               </a:pPr>
               <a:r>
-                <a:rPr sz="853" b="1">
+                <a:rPr sz="1422" b="1">
                   <a:solidFill>
-                    <a:srgbClr val="FF0000">
-                      <a:alpha val="40000"/>
+                    <a:srgbClr val="F69100">
+                      <a:alpha val="80000"/>
                     </a:srgbClr>
                   </a:solidFill>
                   <a:latin typeface="Arial"/>
                   <a:cs typeface="Arial"/>
                 </a:rPr>
-                <a:t>Excerpt.22</a:t>
+                <a:t>19</a:t>
               </a:r>
             </a:p>
           </p:txBody>
         </p:sp>
         <p:sp>
           <p:nvSpPr>
-            <p:cNvPr id="198" name="tx197"/>
-            <p:cNvSpPr/>
-            <p:nvPr/>
-          </p:nvSpPr>
-          <p:spPr>
-            <a:xfrm>
-              <a:off x="6919251" y="3171778"/>
-              <a:ext cx="548376" cy="99300"/>
+            <p:cNvPr id="197" name="tx196"/>
+            <p:cNvSpPr/>
+            <p:nvPr/>
+          </p:nvSpPr>
+          <p:spPr>
+            <a:xfrm>
+              <a:off x="7241986" y="2738816"/>
+              <a:ext cx="200965" cy="132065"/>
             </a:xfrm>
             <a:prstGeom prst="rect">
               <a:avLst/>
@@ -16095,7 +16238,7 @@
             <a:p>
               <a:pPr algn="l" marL="0" marR="0" indent="0">
                 <a:lnSpc>
-                  <a:spcPts val="853"/>
+                  <a:spcPts val="1422"/>
                 </a:lnSpc>
                 <a:spcBef>
                   <a:spcPts val="0"/>
@@ -16105,30 +16248,30 @@
                 </a:spcAft>
               </a:pPr>
               <a:r>
-                <a:rPr sz="853" b="1">
+                <a:rPr sz="1422" b="1">
                   <a:solidFill>
-                    <a:srgbClr val="F69100">
-                      <a:alpha val="40000"/>
+                    <a:srgbClr val="5BBCD6">
+                      <a:alpha val="80000"/>
                     </a:srgbClr>
                   </a:solidFill>
                   <a:latin typeface="Arial"/>
                   <a:cs typeface="Arial"/>
                 </a:rPr>
-                <a:t>Excerpt.23</a:t>
+                <a:t>20</a:t>
               </a:r>
             </a:p>
           </p:txBody>
         </p:sp>
         <p:sp>
           <p:nvSpPr>
-            <p:cNvPr id="199" name="tx198"/>
-            <p:cNvSpPr/>
-            <p:nvPr/>
-          </p:nvSpPr>
-          <p:spPr>
-            <a:xfrm>
-              <a:off x="6796060" y="3961501"/>
-              <a:ext cx="548376" cy="99300"/>
+            <p:cNvPr id="198" name="tx197"/>
+            <p:cNvSpPr/>
+            <p:nvPr/>
+          </p:nvSpPr>
+          <p:spPr>
+            <a:xfrm>
+              <a:off x="6744849" y="3321091"/>
+              <a:ext cx="200965" cy="129860"/>
             </a:xfrm>
             <a:prstGeom prst="rect">
               <a:avLst/>
@@ -16141,7 +16284,7 @@
             <a:p>
               <a:pPr algn="l" marL="0" marR="0" indent="0">
                 <a:lnSpc>
-                  <a:spcPts val="853"/>
+                  <a:spcPts val="1422"/>
                 </a:lnSpc>
                 <a:spcBef>
                   <a:spcPts val="0"/>
@@ -16151,30 +16294,30 @@
                 </a:spcAft>
               </a:pPr>
               <a:r>
-                <a:rPr sz="853" b="1">
+                <a:rPr sz="1422" b="1">
                   <a:solidFill>
                     <a:srgbClr val="50A45C">
-                      <a:alpha val="40000"/>
+                      <a:alpha val="80000"/>
                     </a:srgbClr>
                   </a:solidFill>
                   <a:latin typeface="Arial"/>
                   <a:cs typeface="Arial"/>
                 </a:rPr>
-                <a:t>Excerpt.24</a:t>
+                <a:t>21</a:t>
               </a:r>
             </a:p>
           </p:txBody>
         </p:sp>
         <p:sp>
           <p:nvSpPr>
-            <p:cNvPr id="200" name="tx199"/>
-            <p:cNvSpPr/>
-            <p:nvPr/>
-          </p:nvSpPr>
-          <p:spPr>
-            <a:xfrm>
-              <a:off x="5970995" y="5019117"/>
-              <a:ext cx="548376" cy="99300"/>
+            <p:cNvPr id="199" name="tx198"/>
+            <p:cNvSpPr/>
+            <p:nvPr/>
+          </p:nvSpPr>
+          <p:spPr>
+            <a:xfrm>
+              <a:off x="6823729" y="4321393"/>
+              <a:ext cx="200965" cy="129860"/>
             </a:xfrm>
             <a:prstGeom prst="rect">
               <a:avLst/>
@@ -16187,7 +16330,7 @@
             <a:p>
               <a:pPr algn="l" marL="0" marR="0" indent="0">
                 <a:lnSpc>
-                  <a:spcPts val="853"/>
+                  <a:spcPts val="1422"/>
                 </a:lnSpc>
                 <a:spcBef>
                   <a:spcPts val="0"/>
@@ -16197,30 +16340,30 @@
                 </a:spcAft>
               </a:pPr>
               <a:r>
-                <a:rPr sz="853" b="1">
+                <a:rPr sz="1422" b="1">
                   <a:solidFill>
                     <a:srgbClr val="FF0000">
-                      <a:alpha val="40000"/>
+                      <a:alpha val="80000"/>
                     </a:srgbClr>
                   </a:solidFill>
                   <a:latin typeface="Arial"/>
                   <a:cs typeface="Arial"/>
                 </a:rPr>
-                <a:t>Excerpt.25</a:t>
+                <a:t>22</a:t>
               </a:r>
             </a:p>
           </p:txBody>
         </p:sp>
         <p:sp>
           <p:nvSpPr>
-            <p:cNvPr id="201" name="tx200"/>
-            <p:cNvSpPr/>
-            <p:nvPr/>
-          </p:nvSpPr>
-          <p:spPr>
-            <a:xfrm>
-              <a:off x="6078445" y="3800924"/>
-              <a:ext cx="548376" cy="99300"/>
+            <p:cNvPr id="200" name="tx199"/>
+            <p:cNvSpPr/>
+            <p:nvPr/>
+          </p:nvSpPr>
+          <p:spPr>
+            <a:xfrm>
+              <a:off x="7036837" y="3099074"/>
+              <a:ext cx="200965" cy="132065"/>
             </a:xfrm>
             <a:prstGeom prst="rect">
               <a:avLst/>
@@ -16233,7 +16376,7 @@
             <a:p>
               <a:pPr algn="l" marL="0" marR="0" indent="0">
                 <a:lnSpc>
-                  <a:spcPts val="853"/>
+                  <a:spcPts val="1422"/>
                 </a:lnSpc>
                 <a:spcBef>
                   <a:spcPts val="0"/>
@@ -16243,30 +16386,30 @@
                 </a:spcAft>
               </a:pPr>
               <a:r>
-                <a:rPr sz="853" b="1">
+                <a:rPr sz="1422" b="1">
                   <a:solidFill>
-                    <a:srgbClr val="50A45C">
-                      <a:alpha val="40000"/>
+                    <a:srgbClr val="F69100">
+                      <a:alpha val="80000"/>
                     </a:srgbClr>
                   </a:solidFill>
                   <a:latin typeface="Arial"/>
                   <a:cs typeface="Arial"/>
                 </a:rPr>
-                <a:t>Excerpt.27</a:t>
+                <a:t>23</a:t>
               </a:r>
             </a:p>
           </p:txBody>
         </p:sp>
         <p:sp>
           <p:nvSpPr>
-            <p:cNvPr id="202" name="tx201"/>
-            <p:cNvSpPr/>
-            <p:nvPr/>
-          </p:nvSpPr>
-          <p:spPr>
-            <a:xfrm>
-              <a:off x="7220988" y="2284950"/>
-              <a:ext cx="548376" cy="99300"/>
+            <p:cNvPr id="201" name="tx200"/>
+            <p:cNvSpPr/>
+            <p:nvPr/>
+          </p:nvSpPr>
+          <p:spPr>
+            <a:xfrm>
+              <a:off x="6509983" y="4070166"/>
+              <a:ext cx="200965" cy="129860"/>
             </a:xfrm>
             <a:prstGeom prst="rect">
               <a:avLst/>
@@ -16279,7 +16422,7 @@
             <a:p>
               <a:pPr algn="l" marL="0" marR="0" indent="0">
                 <a:lnSpc>
-                  <a:spcPts val="853"/>
+                  <a:spcPts val="1422"/>
                 </a:lnSpc>
                 <a:spcBef>
                   <a:spcPts val="0"/>
@@ -16289,30 +16432,30 @@
                 </a:spcAft>
               </a:pPr>
               <a:r>
-                <a:rPr sz="853" b="1">
+                <a:rPr sz="1422" b="1">
                   <a:solidFill>
-                    <a:srgbClr val="5BBCD6">
-                      <a:alpha val="40000"/>
+                    <a:srgbClr val="50A45C">
+                      <a:alpha val="80000"/>
                     </a:srgbClr>
                   </a:solidFill>
                   <a:latin typeface="Arial"/>
                   <a:cs typeface="Arial"/>
                 </a:rPr>
-                <a:t>Excerpt.28</a:t>
+                <a:t>24</a:t>
               </a:r>
             </a:p>
           </p:txBody>
         </p:sp>
         <p:sp>
           <p:nvSpPr>
-            <p:cNvPr id="203" name="tx202"/>
-            <p:cNvSpPr/>
-            <p:nvPr/>
-          </p:nvSpPr>
-          <p:spPr>
-            <a:xfrm>
-              <a:off x="7559708" y="3018776"/>
-              <a:ext cx="548376" cy="99300"/>
+            <p:cNvPr id="202" name="tx201"/>
+            <p:cNvSpPr/>
+            <p:nvPr/>
+          </p:nvSpPr>
+          <p:spPr>
+            <a:xfrm>
+              <a:off x="6139227" y="4788257"/>
+              <a:ext cx="200965" cy="132065"/>
             </a:xfrm>
             <a:prstGeom prst="rect">
               <a:avLst/>
@@ -16325,7 +16468,7 @@
             <a:p>
               <a:pPr algn="l" marL="0" marR="0" indent="0">
                 <a:lnSpc>
-                  <a:spcPts val="853"/>
+                  <a:spcPts val="1422"/>
                 </a:lnSpc>
                 <a:spcBef>
                   <a:spcPts val="0"/>
@@ -16335,23 +16478,253 @@
                 </a:spcAft>
               </a:pPr>
               <a:r>
-                <a:rPr sz="853" b="1">
+                <a:rPr sz="1422" b="1">
                   <a:solidFill>
-                    <a:srgbClr val="5BBCD6">
-                      <a:alpha val="40000"/>
+                    <a:srgbClr val="FF0000">
+                      <a:alpha val="80000"/>
                     </a:srgbClr>
                   </a:solidFill>
                   <a:latin typeface="Arial"/>
                   <a:cs typeface="Arial"/>
                 </a:rPr>
-                <a:t>Excerpt.29</a:t>
+                <a:t>25</a:t>
               </a:r>
             </a:p>
           </p:txBody>
         </p:sp>
         <p:sp>
           <p:nvSpPr>
+            <p:cNvPr id="203" name="tx202"/>
+            <p:cNvSpPr/>
+            <p:nvPr/>
+          </p:nvSpPr>
+          <p:spPr>
+            <a:xfrm>
+              <a:off x="6935030" y="3860304"/>
+              <a:ext cx="200965" cy="132065"/>
+            </a:xfrm>
+            <a:prstGeom prst="rect">
+              <a:avLst/>
+            </a:prstGeom>
+            <a:noFill/>
+          </p:spPr>
+          <p:txBody>
+            <a:bodyPr lIns="0" rIns="0" tIns="0" bIns="0" anchorCtr="1" anchor="ctr" wrap="none"/>
+            <a:lstStyle/>
+            <a:p>
+              <a:pPr algn="l" marL="0" marR="0" indent="0">
+                <a:lnSpc>
+                  <a:spcPts val="1422"/>
+                </a:lnSpc>
+                <a:spcBef>
+                  <a:spcPts val="0"/>
+                </a:spcBef>
+                <a:spcAft>
+                  <a:spcPts val="0"/>
+                </a:spcAft>
+              </a:pPr>
+              <a:r>
+                <a:rPr sz="1422" b="1">
+                  <a:solidFill>
+                    <a:srgbClr val="F69100">
+                      <a:alpha val="80000"/>
+                    </a:srgbClr>
+                  </a:solidFill>
+                  <a:latin typeface="Arial"/>
+                  <a:cs typeface="Arial"/>
+                </a:rPr>
+                <a:t>26</a:t>
+              </a:r>
+            </a:p>
+          </p:txBody>
+        </p:sp>
+        <p:sp>
+          <p:nvSpPr>
             <p:cNvPr id="204" name="tx203"/>
+            <p:cNvSpPr/>
+            <p:nvPr/>
+          </p:nvSpPr>
+          <p:spPr>
+            <a:xfrm>
+              <a:off x="6212528" y="3718690"/>
+              <a:ext cx="200965" cy="129860"/>
+            </a:xfrm>
+            <a:prstGeom prst="rect">
+              <a:avLst/>
+            </a:prstGeom>
+            <a:noFill/>
+          </p:spPr>
+          <p:txBody>
+            <a:bodyPr lIns="0" rIns="0" tIns="0" bIns="0" anchorCtr="1" anchor="ctr" wrap="none"/>
+            <a:lstStyle/>
+            <a:p>
+              <a:pPr algn="l" marL="0" marR="0" indent="0">
+                <a:lnSpc>
+                  <a:spcPts val="1422"/>
+                </a:lnSpc>
+                <a:spcBef>
+                  <a:spcPts val="0"/>
+                </a:spcBef>
+                <a:spcAft>
+                  <a:spcPts val="0"/>
+                </a:spcAft>
+              </a:pPr>
+              <a:r>
+                <a:rPr sz="1422" b="1">
+                  <a:solidFill>
+                    <a:srgbClr val="50A45C">
+                      <a:alpha val="80000"/>
+                    </a:srgbClr>
+                  </a:solidFill>
+                  <a:latin typeface="Arial"/>
+                  <a:cs typeface="Arial"/>
+                </a:rPr>
+                <a:t>27</a:t>
+              </a:r>
+            </a:p>
+          </p:txBody>
+        </p:sp>
+        <p:sp>
+          <p:nvSpPr>
+            <p:cNvPr id="205" name="tx204"/>
+            <p:cNvSpPr/>
+            <p:nvPr/>
+          </p:nvSpPr>
+          <p:spPr>
+            <a:xfrm>
+              <a:off x="7373202" y="2501250"/>
+              <a:ext cx="200965" cy="132153"/>
+            </a:xfrm>
+            <a:prstGeom prst="rect">
+              <a:avLst/>
+            </a:prstGeom>
+            <a:noFill/>
+          </p:spPr>
+          <p:txBody>
+            <a:bodyPr lIns="0" rIns="0" tIns="0" bIns="0" anchorCtr="1" anchor="ctr" wrap="none"/>
+            <a:lstStyle/>
+            <a:p>
+              <a:pPr algn="l" marL="0" marR="0" indent="0">
+                <a:lnSpc>
+                  <a:spcPts val="1422"/>
+                </a:lnSpc>
+                <a:spcBef>
+                  <a:spcPts val="0"/>
+                </a:spcBef>
+                <a:spcAft>
+                  <a:spcPts val="0"/>
+                </a:spcAft>
+              </a:pPr>
+              <a:r>
+                <a:rPr sz="1422" b="1">
+                  <a:solidFill>
+                    <a:srgbClr val="5BBCD6">
+                      <a:alpha val="80000"/>
+                    </a:srgbClr>
+                  </a:solidFill>
+                  <a:latin typeface="Arial"/>
+                  <a:cs typeface="Arial"/>
+                </a:rPr>
+                <a:t>28</a:t>
+              </a:r>
+            </a:p>
+          </p:txBody>
+        </p:sp>
+        <p:sp>
+          <p:nvSpPr>
+            <p:cNvPr id="206" name="tx205"/>
+            <p:cNvSpPr/>
+            <p:nvPr/>
+          </p:nvSpPr>
+          <p:spPr>
+            <a:xfrm>
+              <a:off x="7531698" y="3037874"/>
+              <a:ext cx="200965" cy="132153"/>
+            </a:xfrm>
+            <a:prstGeom prst="rect">
+              <a:avLst/>
+            </a:prstGeom>
+            <a:noFill/>
+          </p:spPr>
+          <p:txBody>
+            <a:bodyPr lIns="0" rIns="0" tIns="0" bIns="0" anchorCtr="1" anchor="ctr" wrap="none"/>
+            <a:lstStyle/>
+            <a:p>
+              <a:pPr algn="l" marL="0" marR="0" indent="0">
+                <a:lnSpc>
+                  <a:spcPts val="1422"/>
+                </a:lnSpc>
+                <a:spcBef>
+                  <a:spcPts val="0"/>
+                </a:spcBef>
+                <a:spcAft>
+                  <a:spcPts val="0"/>
+                </a:spcAft>
+              </a:pPr>
+              <a:r>
+                <a:rPr sz="1422" b="1">
+                  <a:solidFill>
+                    <a:srgbClr val="5BBCD6">
+                      <a:alpha val="80000"/>
+                    </a:srgbClr>
+                  </a:solidFill>
+                  <a:latin typeface="Arial"/>
+                  <a:cs typeface="Arial"/>
+                </a:rPr>
+                <a:t>29</a:t>
+              </a:r>
+            </a:p>
+          </p:txBody>
+        </p:sp>
+        <p:sp>
+          <p:nvSpPr>
+            <p:cNvPr id="207" name="tx206"/>
+            <p:cNvSpPr/>
+            <p:nvPr/>
+          </p:nvSpPr>
+          <p:spPr>
+            <a:xfrm>
+              <a:off x="7329423" y="3320039"/>
+              <a:ext cx="200965" cy="132065"/>
+            </a:xfrm>
+            <a:prstGeom prst="rect">
+              <a:avLst/>
+            </a:prstGeom>
+            <a:noFill/>
+          </p:spPr>
+          <p:txBody>
+            <a:bodyPr lIns="0" rIns="0" tIns="0" bIns="0" anchorCtr="1" anchor="ctr" wrap="none"/>
+            <a:lstStyle/>
+            <a:p>
+              <a:pPr algn="l" marL="0" marR="0" indent="0">
+                <a:lnSpc>
+                  <a:spcPts val="1422"/>
+                </a:lnSpc>
+                <a:spcBef>
+                  <a:spcPts val="0"/>
+                </a:spcBef>
+                <a:spcAft>
+                  <a:spcPts val="0"/>
+                </a:spcAft>
+              </a:pPr>
+              <a:r>
+                <a:rPr sz="1422" b="1">
+                  <a:solidFill>
+                    <a:srgbClr val="50A45C">
+                      <a:alpha val="80000"/>
+                    </a:srgbClr>
+                  </a:solidFill>
+                  <a:latin typeface="Arial"/>
+                  <a:cs typeface="Arial"/>
+                </a:rPr>
+                <a:t>30</a:t>
+              </a:r>
+            </a:p>
+          </p:txBody>
+        </p:sp>
+        <p:sp>
+          <p:nvSpPr>
+            <p:cNvPr id="208" name="tx207"/>
             <p:cNvSpPr/>
             <p:nvPr/>
           </p:nvSpPr>
@@ -16384,7 +16757,7 @@
                 <a:rPr sz="1707" b="1">
                   <a:solidFill>
                     <a:srgbClr val="FF0000">
-                      <a:alpha val="100000"/>
+                      <a:alpha val="50196"/>
                     </a:srgbClr>
                   </a:solidFill>
                   <a:latin typeface="Arial"/>
@@ -16397,7 +16770,7 @@
         </p:sp>
         <p:sp>
           <p:nvSpPr>
-            <p:cNvPr id="205" name="tx204"/>
+            <p:cNvPr id="209" name="tx208"/>
             <p:cNvSpPr/>
             <p:nvPr/>
           </p:nvSpPr>
@@ -16430,7 +16803,7 @@
                 <a:rPr sz="1707" b="1">
                   <a:solidFill>
                     <a:srgbClr val="50A45C">
-                      <a:alpha val="100000"/>
+                      <a:alpha val="50196"/>
                     </a:srgbClr>
                   </a:solidFill>
                   <a:latin typeface="Arial"/>
@@ -16443,7 +16816,7 @@
         </p:sp>
         <p:sp>
           <p:nvSpPr>
-            <p:cNvPr id="206" name="tx205"/>
+            <p:cNvPr id="210" name="tx209"/>
             <p:cNvSpPr/>
             <p:nvPr/>
           </p:nvSpPr>
@@ -16476,7 +16849,7 @@
                 <a:rPr sz="1707" b="1">
                   <a:solidFill>
                     <a:srgbClr val="F69100">
-                      <a:alpha val="100000"/>
+                      <a:alpha val="50196"/>
                     </a:srgbClr>
                   </a:solidFill>
                   <a:latin typeface="Arial"/>
@@ -16489,7 +16862,7 @@
         </p:sp>
         <p:sp>
           <p:nvSpPr>
-            <p:cNvPr id="207" name="tx206"/>
+            <p:cNvPr id="211" name="tx210"/>
             <p:cNvSpPr/>
             <p:nvPr/>
           </p:nvSpPr>
@@ -16522,7 +16895,7 @@
                 <a:rPr sz="1707" b="1">
                   <a:solidFill>
                     <a:srgbClr val="5BBCD6">
-                      <a:alpha val="100000"/>
+                      <a:alpha val="50196"/>
                     </a:srgbClr>
                   </a:solidFill>
                   <a:latin typeface="Arial"/>
@@ -16535,7 +16908,7 @@
         </p:sp>
         <p:sp>
           <p:nvSpPr>
-            <p:cNvPr id="208" name="pg207"/>
+            <p:cNvPr id="212" name="pg211"/>
             <p:cNvSpPr/>
             <p:nvPr/>
           </p:nvSpPr>
@@ -16707,28 +17080,19 @@
             </a:custGeom>
             <a:solidFill>
               <a:srgbClr val="FF0000">
-                <a:alpha val="29803"/>
+                <a:alpha val="20000"/>
               </a:srgbClr>
             </a:solidFill>
-            <a:ln w="27101" cap="rnd">
-              <a:solidFill>
-                <a:srgbClr val="FF0000">
-                  <a:alpha val="100000"/>
-                </a:srgbClr>
-              </a:solidFill>
-              <a:prstDash val="solid"/>
-              <a:round/>
-            </a:ln>
-          </p:spPr>
-          <p:txBody>
-            <a:bodyPr/>
-            <a:lstStyle/>
-            <a:p/>
-          </p:txBody>
-        </p:sp>
-        <p:sp>
-          <p:nvSpPr>
-            <p:cNvPr id="209" name="pg208"/>
+          </p:spPr>
+          <p:txBody>
+            <a:bodyPr/>
+            <a:lstStyle/>
+            <a:p/>
+          </p:txBody>
+        </p:sp>
+        <p:sp>
+          <p:nvSpPr>
+            <p:cNvPr id="213" name="pg212"/>
             <p:cNvSpPr/>
             <p:nvPr/>
           </p:nvSpPr>
@@ -16900,28 +17264,19 @@
             </a:custGeom>
             <a:solidFill>
               <a:srgbClr val="50A45C">
-                <a:alpha val="29803"/>
+                <a:alpha val="20000"/>
               </a:srgbClr>
             </a:solidFill>
-            <a:ln w="27101" cap="rnd">
-              <a:solidFill>
-                <a:srgbClr val="50A45C">
-                  <a:alpha val="100000"/>
-                </a:srgbClr>
-              </a:solidFill>
-              <a:prstDash val="solid"/>
-              <a:round/>
-            </a:ln>
-          </p:spPr>
-          <p:txBody>
-            <a:bodyPr/>
-            <a:lstStyle/>
-            <a:p/>
-          </p:txBody>
-        </p:sp>
-        <p:sp>
-          <p:nvSpPr>
-            <p:cNvPr id="210" name="pg209"/>
+          </p:spPr>
+          <p:txBody>
+            <a:bodyPr/>
+            <a:lstStyle/>
+            <a:p/>
+          </p:txBody>
+        </p:sp>
+        <p:sp>
+          <p:nvSpPr>
+            <p:cNvPr id="214" name="pg213"/>
             <p:cNvSpPr/>
             <p:nvPr/>
           </p:nvSpPr>
@@ -17093,28 +17448,19 @@
             </a:custGeom>
             <a:solidFill>
               <a:srgbClr val="F69100">
-                <a:alpha val="29803"/>
+                <a:alpha val="20000"/>
               </a:srgbClr>
             </a:solidFill>
-            <a:ln w="27101" cap="rnd">
-              <a:solidFill>
-                <a:srgbClr val="F69100">
-                  <a:alpha val="100000"/>
-                </a:srgbClr>
-              </a:solidFill>
-              <a:prstDash val="solid"/>
-              <a:round/>
-            </a:ln>
-          </p:spPr>
-          <p:txBody>
-            <a:bodyPr/>
-            <a:lstStyle/>
-            <a:p/>
-          </p:txBody>
-        </p:sp>
-        <p:sp>
-          <p:nvSpPr>
-            <p:cNvPr id="211" name="pg210"/>
+          </p:spPr>
+          <p:txBody>
+            <a:bodyPr/>
+            <a:lstStyle/>
+            <a:p/>
+          </p:txBody>
+        </p:sp>
+        <p:sp>
+          <p:nvSpPr>
+            <p:cNvPr id="215" name="pg214"/>
             <p:cNvSpPr/>
             <p:nvPr/>
           </p:nvSpPr>
@@ -17286,28 +17632,19 @@
             </a:custGeom>
             <a:solidFill>
               <a:srgbClr val="5BBCD6">
-                <a:alpha val="29803"/>
+                <a:alpha val="20000"/>
               </a:srgbClr>
             </a:solidFill>
-            <a:ln w="27101" cap="rnd">
-              <a:solidFill>
-                <a:srgbClr val="5BBCD6">
-                  <a:alpha val="100000"/>
-                </a:srgbClr>
-              </a:solidFill>
-              <a:prstDash val="solid"/>
-              <a:round/>
-            </a:ln>
-          </p:spPr>
-          <p:txBody>
-            <a:bodyPr/>
-            <a:lstStyle/>
-            <a:p/>
-          </p:txBody>
-        </p:sp>
-        <p:sp>
-          <p:nvSpPr>
-            <p:cNvPr id="212" name="tx211"/>
+          </p:spPr>
+          <p:txBody>
+            <a:bodyPr/>
+            <a:lstStyle/>
+            <a:p/>
+          </p:txBody>
+        </p:sp>
+        <p:sp>
+          <p:nvSpPr>
+            <p:cNvPr id="216" name="tx215"/>
             <p:cNvSpPr/>
             <p:nvPr/>
           </p:nvSpPr>
@@ -17353,7 +17690,7 @@
         </p:sp>
         <p:sp>
           <p:nvSpPr>
-            <p:cNvPr id="213" name="tx212"/>
+            <p:cNvPr id="217" name="tx216"/>
             <p:cNvSpPr/>
             <p:nvPr/>
           </p:nvSpPr>
@@ -17399,7 +17736,7 @@
         </p:sp>
         <p:sp>
           <p:nvSpPr>
-            <p:cNvPr id="214" name="tx213"/>
+            <p:cNvPr id="218" name="tx217"/>
             <p:cNvSpPr/>
             <p:nvPr/>
           </p:nvSpPr>
@@ -17445,7 +17782,7 @@
         </p:sp>
         <p:sp>
           <p:nvSpPr>
-            <p:cNvPr id="215" name="tx214"/>
+            <p:cNvPr id="219" name="tx218"/>
             <p:cNvSpPr/>
             <p:nvPr/>
           </p:nvSpPr>
@@ -17491,7 +17828,7 @@
         </p:sp>
         <p:sp>
           <p:nvSpPr>
-            <p:cNvPr id="216" name="tx215"/>
+            <p:cNvPr id="220" name="tx219"/>
             <p:cNvSpPr/>
             <p:nvPr/>
           </p:nvSpPr>
@@ -17537,7 +17874,7 @@
         </p:sp>
         <p:sp>
           <p:nvSpPr>
-            <p:cNvPr id="217" name="pl216"/>
+            <p:cNvPr id="221" name="pl220"/>
             <p:cNvSpPr/>
             <p:nvPr/>
           </p:nvSpPr>
@@ -17577,7 +17914,7 @@
         </p:sp>
         <p:sp>
           <p:nvSpPr>
-            <p:cNvPr id="218" name="pl217"/>
+            <p:cNvPr id="222" name="pl221"/>
             <p:cNvSpPr/>
             <p:nvPr/>
           </p:nvSpPr>
@@ -17617,7 +17954,7 @@
         </p:sp>
         <p:sp>
           <p:nvSpPr>
-            <p:cNvPr id="219" name="pl218"/>
+            <p:cNvPr id="223" name="pl222"/>
             <p:cNvSpPr/>
             <p:nvPr/>
           </p:nvSpPr>
@@ -17657,7 +17994,7 @@
         </p:sp>
         <p:sp>
           <p:nvSpPr>
-            <p:cNvPr id="220" name="pl219"/>
+            <p:cNvPr id="224" name="pl223"/>
             <p:cNvSpPr/>
             <p:nvPr/>
           </p:nvSpPr>
@@ -17697,7 +18034,7 @@
         </p:sp>
         <p:sp>
           <p:nvSpPr>
-            <p:cNvPr id="221" name="pl220"/>
+            <p:cNvPr id="225" name="pl224"/>
             <p:cNvSpPr/>
             <p:nvPr/>
           </p:nvSpPr>
@@ -17737,7 +18074,7 @@
         </p:sp>
         <p:sp>
           <p:nvSpPr>
-            <p:cNvPr id="222" name="pl221"/>
+            <p:cNvPr id="226" name="pl225"/>
             <p:cNvSpPr/>
             <p:nvPr/>
           </p:nvSpPr>
@@ -17777,7 +18114,7 @@
         </p:sp>
         <p:sp>
           <p:nvSpPr>
-            <p:cNvPr id="223" name="pl222"/>
+            <p:cNvPr id="227" name="pl226"/>
             <p:cNvSpPr/>
             <p:nvPr/>
           </p:nvSpPr>
@@ -17817,7 +18154,7 @@
         </p:sp>
         <p:sp>
           <p:nvSpPr>
-            <p:cNvPr id="224" name="pl223"/>
+            <p:cNvPr id="228" name="pl227"/>
             <p:cNvSpPr/>
             <p:nvPr/>
           </p:nvSpPr>
@@ -17857,7 +18194,7 @@
         </p:sp>
         <p:sp>
           <p:nvSpPr>
-            <p:cNvPr id="225" name="pl224"/>
+            <p:cNvPr id="229" name="pl228"/>
             <p:cNvSpPr/>
             <p:nvPr/>
           </p:nvSpPr>
@@ -17897,7 +18234,7 @@
         </p:sp>
         <p:sp>
           <p:nvSpPr>
-            <p:cNvPr id="226" name="pl225"/>
+            <p:cNvPr id="230" name="pl229"/>
             <p:cNvSpPr/>
             <p:nvPr/>
           </p:nvSpPr>
@@ -17937,7 +18274,7 @@
         </p:sp>
         <p:sp>
           <p:nvSpPr>
-            <p:cNvPr id="227" name="tx226"/>
+            <p:cNvPr id="231" name="tx230"/>
             <p:cNvSpPr/>
             <p:nvPr/>
           </p:nvSpPr>
@@ -17983,7 +18320,7 @@
         </p:sp>
         <p:sp>
           <p:nvSpPr>
-            <p:cNvPr id="228" name="tx227"/>
+            <p:cNvPr id="232" name="tx231"/>
             <p:cNvSpPr/>
             <p:nvPr/>
           </p:nvSpPr>
@@ -18029,7 +18366,7 @@
         </p:sp>
         <p:sp>
           <p:nvSpPr>
-            <p:cNvPr id="229" name="tx228"/>
+            <p:cNvPr id="233" name="tx232"/>
             <p:cNvSpPr/>
             <p:nvPr/>
           </p:nvSpPr>
@@ -18075,7 +18412,7 @@
         </p:sp>
         <p:sp>
           <p:nvSpPr>
-            <p:cNvPr id="230" name="tx229"/>
+            <p:cNvPr id="234" name="tx233"/>
             <p:cNvSpPr/>
             <p:nvPr/>
           </p:nvSpPr>
@@ -18121,7 +18458,7 @@
         </p:sp>
         <p:sp>
           <p:nvSpPr>
-            <p:cNvPr id="231" name="tx230"/>
+            <p:cNvPr id="235" name="tx234"/>
             <p:cNvSpPr/>
             <p:nvPr/>
           </p:nvSpPr>
@@ -18167,7 +18504,7 @@
         </p:sp>
         <p:sp>
           <p:nvSpPr>
-            <p:cNvPr id="232" name="tx231"/>
+            <p:cNvPr id="236" name="tx235"/>
             <p:cNvSpPr/>
             <p:nvPr/>
           </p:nvSpPr>
@@ -18213,7 +18550,7 @@
         </p:sp>
         <p:sp>
           <p:nvSpPr>
-            <p:cNvPr id="233" name="tx232"/>
+            <p:cNvPr id="237" name="tx236"/>
             <p:cNvSpPr/>
             <p:nvPr/>
           </p:nvSpPr>
@@ -18259,7 +18596,7 @@
         </p:sp>
         <p:sp>
           <p:nvSpPr>
-            <p:cNvPr id="234" name="tx233"/>
+            <p:cNvPr id="238" name="tx237"/>
             <p:cNvSpPr/>
             <p:nvPr/>
           </p:nvSpPr>
@@ -25342,7 +25679,7 @@
           <p:spPr>
             <a:xfrm>
               <a:off x="1008347" y="1665696"/>
-              <a:ext cx="3084314" cy="124092"/>
+              <a:ext cx="2077819" cy="124092"/>
             </a:xfrm>
             <a:prstGeom prst="rect">
               <a:avLst/>
@@ -25374,7 +25711,7 @@
                   <a:latin typeface="Arial"/>
                   <a:cs typeface="Arial"/>
                 </a:rPr>
-                <a:t>Contributions to the First Latent Variables</a:t>
+                <a:t>Contributions to the First LV</a:t>
               </a:r>
             </a:p>
           </p:txBody>
@@ -29334,7 +29671,7 @@
           <p:spPr>
             <a:xfrm>
               <a:off x="1008347" y="1665696"/>
-              <a:ext cx="3327015" cy="124092"/>
+              <a:ext cx="2320520" cy="124092"/>
             </a:xfrm>
             <a:prstGeom prst="rect">
               <a:avLst/>
@@ -29366,7 +29703,7 @@
                   <a:latin typeface="Arial"/>
                   <a:cs typeface="Arial"/>
                 </a:rPr>
-                <a:t>Contributions to the Second Latent Variables</a:t>
+                <a:t>Contributions to the Second LV</a:t>
               </a:r>
             </a:p>
           </p:txBody>
@@ -33073,7 +33410,7 @@
           <p:spPr>
             <a:xfrm>
               <a:off x="1009682" y="1665696"/>
-              <a:ext cx="3084314" cy="124092"/>
+              <a:ext cx="2077819" cy="124092"/>
             </a:xfrm>
             <a:prstGeom prst="rect">
               <a:avLst/>
@@ -33105,7 +33442,7 @@
                   <a:latin typeface="Arial"/>
                   <a:cs typeface="Arial"/>
                 </a:rPr>
-                <a:t>Contributions to the First Latent Variables</a:t>
+                <a:t>Contributions to the First LV</a:t>
               </a:r>
             </a:p>
           </p:txBody>
@@ -36963,7 +37300,7 @@
           <p:spPr>
             <a:xfrm>
               <a:off x="1009682" y="3928677"/>
-              <a:ext cx="3327015" cy="124092"/>
+              <a:ext cx="2320520" cy="124092"/>
             </a:xfrm>
             <a:prstGeom prst="rect">
               <a:avLst/>
@@ -36995,7 +37332,7 @@
                   <a:latin typeface="Arial"/>
                   <a:cs typeface="Arial"/>
                 </a:rPr>
-                <a:t>Contributions to the Second Latent Variables</a:t>
+                <a:t>Contributions to the Second LV</a:t>
               </a:r>
             </a:p>
           </p:txBody>
@@ -39401,7 +39738,7 @@
           <p:spPr>
             <a:xfrm>
               <a:off x="946192" y="1632462"/>
-              <a:ext cx="2804859" cy="157326"/>
+              <a:ext cx="3569144" cy="157326"/>
             </a:xfrm>
             <a:prstGeom prst="rect">
               <a:avLst/>
@@ -39433,7 +39770,7 @@
                   <a:latin typeface="Arial"/>
                   <a:cs typeface="Arial"/>
                 </a:rPr>
-                <a:t>Loadings for variables for factor plot 1</a:t>
+                <a:t>Loadings for variables on the factor plot for LV 1</a:t>
               </a:r>
             </a:p>
           </p:txBody>
@@ -41115,7 +41452,7 @@
           <p:spPr>
             <a:xfrm>
               <a:off x="946192" y="1632462"/>
-              <a:ext cx="2804859" cy="157326"/>
+              <a:ext cx="3569144" cy="157326"/>
             </a:xfrm>
             <a:prstGeom prst="rect">
               <a:avLst/>
@@ -41147,7 +41484,7 @@
                   <a:latin typeface="Arial"/>
                   <a:cs typeface="Arial"/>
                 </a:rPr>
-                <a:t>Loadings for variables for factor plot 2</a:t>
+                <a:t>Loadings for variables on the factor plot for LV 2</a:t>
               </a:r>
             </a:p>
           </p:txBody>
@@ -43553,7 +43890,7 @@
           <p:spPr>
             <a:xfrm>
               <a:off x="947526" y="1632462"/>
-              <a:ext cx="2804859" cy="157326"/>
+              <a:ext cx="3569144" cy="157326"/>
             </a:xfrm>
             <a:prstGeom prst="rect">
               <a:avLst/>
@@ -43585,7 +43922,7 @@
                   <a:latin typeface="Arial"/>
                   <a:cs typeface="Arial"/>
                 </a:rPr>
-                <a:t>Loadings for variables for factor plot 1</a:t>
+                <a:t>Loadings for variables on the factor plot for LV 1</a:t>
               </a:r>
             </a:p>
           </p:txBody>
@@ -45165,7 +45502,7 @@
           <p:spPr>
             <a:xfrm>
               <a:off x="5062326" y="1632462"/>
-              <a:ext cx="2804859" cy="157326"/>
+              <a:ext cx="3569144" cy="157326"/>
             </a:xfrm>
             <a:prstGeom prst="rect">
               <a:avLst/>
@@ -45197,7 +45534,7 @@
                   <a:latin typeface="Arial"/>
                   <a:cs typeface="Arial"/>
                 </a:rPr>
-                <a:t>Loadings for variables for factor plot 2</a:t>
+                <a:t>Loadings for variables on the factor plot for LV 2</a:t>
               </a:r>
             </a:p>
           </p:txBody>
@@ -46465,13 +46802,13 @@
             </a:prstGeom>
             <a:solidFill>
               <a:srgbClr val="FF0000">
-                <a:alpha val="40000"/>
+                <a:alpha val="80000"/>
               </a:srgbClr>
             </a:solidFill>
             <a:ln w="9000" cap="rnd">
               <a:solidFill>
                 <a:srgbClr val="FF0000">
-                  <a:alpha val="40000"/>
+                  <a:alpha val="80000"/>
                 </a:srgbClr>
               </a:solidFill>
               <a:prstDash val="solid"/>
@@ -46500,13 +46837,13 @@
             </a:prstGeom>
             <a:solidFill>
               <a:srgbClr val="FF0000">
-                <a:alpha val="40000"/>
+                <a:alpha val="80000"/>
               </a:srgbClr>
             </a:solidFill>
             <a:ln w="9000" cap="rnd">
               <a:solidFill>
                 <a:srgbClr val="FF0000">
-                  <a:alpha val="40000"/>
+                  <a:alpha val="80000"/>
                 </a:srgbClr>
               </a:solidFill>
               <a:prstDash val="solid"/>
@@ -46535,13 +46872,13 @@
             </a:prstGeom>
             <a:solidFill>
               <a:srgbClr val="50A45C">
-                <a:alpha val="40000"/>
+                <a:alpha val="80000"/>
               </a:srgbClr>
             </a:solidFill>
             <a:ln w="9000" cap="rnd">
               <a:solidFill>
                 <a:srgbClr val="50A45C">
-                  <a:alpha val="40000"/>
+                  <a:alpha val="80000"/>
                 </a:srgbClr>
               </a:solidFill>
               <a:prstDash val="solid"/>
@@ -46570,13 +46907,13 @@
             </a:prstGeom>
             <a:solidFill>
               <a:srgbClr val="F69100">
-                <a:alpha val="40000"/>
+                <a:alpha val="80000"/>
               </a:srgbClr>
             </a:solidFill>
             <a:ln w="9000" cap="rnd">
               <a:solidFill>
                 <a:srgbClr val="F69100">
-                  <a:alpha val="40000"/>
+                  <a:alpha val="80000"/>
                 </a:srgbClr>
               </a:solidFill>
               <a:prstDash val="solid"/>
@@ -46605,13 +46942,13 @@
             </a:prstGeom>
             <a:solidFill>
               <a:srgbClr val="50A45C">
-                <a:alpha val="40000"/>
+                <a:alpha val="80000"/>
               </a:srgbClr>
             </a:solidFill>
             <a:ln w="9000" cap="rnd">
               <a:solidFill>
                 <a:srgbClr val="50A45C">
-                  <a:alpha val="40000"/>
+                  <a:alpha val="80000"/>
                 </a:srgbClr>
               </a:solidFill>
               <a:prstDash val="solid"/>
@@ -46640,13 +46977,13 @@
             </a:prstGeom>
             <a:solidFill>
               <a:srgbClr val="50A45C">
-                <a:alpha val="40000"/>
+                <a:alpha val="80000"/>
               </a:srgbClr>
             </a:solidFill>
             <a:ln w="9000" cap="rnd">
               <a:solidFill>
                 <a:srgbClr val="50A45C">
-                  <a:alpha val="40000"/>
+                  <a:alpha val="80000"/>
                 </a:srgbClr>
               </a:solidFill>
               <a:prstDash val="solid"/>
@@ -46675,13 +47012,13 @@
             </a:prstGeom>
             <a:solidFill>
               <a:srgbClr val="5BBCD6">
-                <a:alpha val="40000"/>
+                <a:alpha val="80000"/>
               </a:srgbClr>
             </a:solidFill>
             <a:ln w="9000" cap="rnd">
               <a:solidFill>
                 <a:srgbClr val="5BBCD6">
-                  <a:alpha val="40000"/>
+                  <a:alpha val="80000"/>
                 </a:srgbClr>
               </a:solidFill>
               <a:prstDash val="solid"/>
@@ -46710,13 +47047,13 @@
             </a:prstGeom>
             <a:solidFill>
               <a:srgbClr val="FF0000">
-                <a:alpha val="40000"/>
+                <a:alpha val="80000"/>
               </a:srgbClr>
             </a:solidFill>
             <a:ln w="9000" cap="rnd">
               <a:solidFill>
                 <a:srgbClr val="FF0000">
-                  <a:alpha val="40000"/>
+                  <a:alpha val="80000"/>
                 </a:srgbClr>
               </a:solidFill>
               <a:prstDash val="solid"/>
@@ -46745,13 +47082,13 @@
             </a:prstGeom>
             <a:solidFill>
               <a:srgbClr val="50A45C">
-                <a:alpha val="40000"/>
+                <a:alpha val="80000"/>
               </a:srgbClr>
             </a:solidFill>
             <a:ln w="9000" cap="rnd">
               <a:solidFill>
                 <a:srgbClr val="50A45C">
-                  <a:alpha val="40000"/>
+                  <a:alpha val="80000"/>
                 </a:srgbClr>
               </a:solidFill>
               <a:prstDash val="solid"/>
@@ -46780,13 +47117,13 @@
             </a:prstGeom>
             <a:solidFill>
               <a:srgbClr val="5BBCD6">
-                <a:alpha val="40000"/>
+                <a:alpha val="80000"/>
               </a:srgbClr>
             </a:solidFill>
             <a:ln w="9000" cap="rnd">
               <a:solidFill>
                 <a:srgbClr val="5BBCD6">
-                  <a:alpha val="40000"/>
+                  <a:alpha val="80000"/>
                 </a:srgbClr>
               </a:solidFill>
               <a:prstDash val="solid"/>
@@ -46815,13 +47152,13 @@
             </a:prstGeom>
             <a:solidFill>
               <a:srgbClr val="FF0000">
-                <a:alpha val="40000"/>
+                <a:alpha val="80000"/>
               </a:srgbClr>
             </a:solidFill>
             <a:ln w="9000" cap="rnd">
               <a:solidFill>
                 <a:srgbClr val="FF0000">
-                  <a:alpha val="40000"/>
+                  <a:alpha val="80000"/>
                 </a:srgbClr>
               </a:solidFill>
               <a:prstDash val="solid"/>
@@ -46850,13 +47187,13 @@
             </a:prstGeom>
             <a:solidFill>
               <a:srgbClr val="F69100">
-                <a:alpha val="40000"/>
+                <a:alpha val="80000"/>
               </a:srgbClr>
             </a:solidFill>
             <a:ln w="9000" cap="rnd">
               <a:solidFill>
                 <a:srgbClr val="F69100">
-                  <a:alpha val="40000"/>
+                  <a:alpha val="80000"/>
                 </a:srgbClr>
               </a:solidFill>
               <a:prstDash val="solid"/>
@@ -46885,13 +47222,13 @@
             </a:prstGeom>
             <a:solidFill>
               <a:srgbClr val="50A45C">
-                <a:alpha val="40000"/>
+                <a:alpha val="80000"/>
               </a:srgbClr>
             </a:solidFill>
             <a:ln w="9000" cap="rnd">
               <a:solidFill>
                 <a:srgbClr val="50A45C">
-                  <a:alpha val="40000"/>
+                  <a:alpha val="80000"/>
                 </a:srgbClr>
               </a:solidFill>
               <a:prstDash val="solid"/>
@@ -46920,13 +47257,13 @@
             </a:prstGeom>
             <a:solidFill>
               <a:srgbClr val="FF0000">
-                <a:alpha val="40000"/>
+                <a:alpha val="80000"/>
               </a:srgbClr>
             </a:solidFill>
             <a:ln w="9000" cap="rnd">
               <a:solidFill>
                 <a:srgbClr val="FF0000">
-                  <a:alpha val="40000"/>
+                  <a:alpha val="80000"/>
                 </a:srgbClr>
               </a:solidFill>
               <a:prstDash val="solid"/>
@@ -46955,13 +47292,13 @@
             </a:prstGeom>
             <a:solidFill>
               <a:srgbClr val="50A45C">
-                <a:alpha val="40000"/>
+                <a:alpha val="80000"/>
               </a:srgbClr>
             </a:solidFill>
             <a:ln w="9000" cap="rnd">
               <a:solidFill>
                 <a:srgbClr val="50A45C">
-                  <a:alpha val="40000"/>
+                  <a:alpha val="80000"/>
                 </a:srgbClr>
               </a:solidFill>
               <a:prstDash val="solid"/>
@@ -46990,13 +47327,13 @@
             </a:prstGeom>
             <a:solidFill>
               <a:srgbClr val="50A45C">
-                <a:alpha val="40000"/>
+                <a:alpha val="80000"/>
               </a:srgbClr>
             </a:solidFill>
             <a:ln w="9000" cap="rnd">
               <a:solidFill>
                 <a:srgbClr val="50A45C">
-                  <a:alpha val="40000"/>
+                  <a:alpha val="80000"/>
                 </a:srgbClr>
               </a:solidFill>
               <a:prstDash val="solid"/>
@@ -47025,13 +47362,13 @@
             </a:prstGeom>
             <a:solidFill>
               <a:srgbClr val="F69100">
-                <a:alpha val="40000"/>
+                <a:alpha val="80000"/>
               </a:srgbClr>
             </a:solidFill>
             <a:ln w="9000" cap="rnd">
               <a:solidFill>
                 <a:srgbClr val="F69100">
-                  <a:alpha val="40000"/>
+                  <a:alpha val="80000"/>
                 </a:srgbClr>
               </a:solidFill>
               <a:prstDash val="solid"/>
@@ -47060,13 +47397,13 @@
             </a:prstGeom>
             <a:solidFill>
               <a:srgbClr val="5BBCD6">
-                <a:alpha val="40000"/>
+                <a:alpha val="80000"/>
               </a:srgbClr>
             </a:solidFill>
             <a:ln w="9000" cap="rnd">
               <a:solidFill>
                 <a:srgbClr val="5BBCD6">
-                  <a:alpha val="40000"/>
+                  <a:alpha val="80000"/>
                 </a:srgbClr>
               </a:solidFill>
               <a:prstDash val="solid"/>
@@ -47095,13 +47432,13 @@
             </a:prstGeom>
             <a:solidFill>
               <a:srgbClr val="50A45C">
-                <a:alpha val="40000"/>
+                <a:alpha val="80000"/>
               </a:srgbClr>
             </a:solidFill>
             <a:ln w="9000" cap="rnd">
               <a:solidFill>
                 <a:srgbClr val="50A45C">
-                  <a:alpha val="40000"/>
+                  <a:alpha val="80000"/>
                 </a:srgbClr>
               </a:solidFill>
               <a:prstDash val="solid"/>
@@ -47130,13 +47467,13 @@
             </a:prstGeom>
             <a:solidFill>
               <a:srgbClr val="FF0000">
-                <a:alpha val="40000"/>
+                <a:alpha val="80000"/>
               </a:srgbClr>
             </a:solidFill>
             <a:ln w="9000" cap="rnd">
               <a:solidFill>
                 <a:srgbClr val="FF0000">
-                  <a:alpha val="40000"/>
+                  <a:alpha val="80000"/>
                 </a:srgbClr>
               </a:solidFill>
               <a:prstDash val="solid"/>
@@ -47165,13 +47502,13 @@
             </a:prstGeom>
             <a:solidFill>
               <a:srgbClr val="F69100">
-                <a:alpha val="40000"/>
+                <a:alpha val="80000"/>
               </a:srgbClr>
             </a:solidFill>
             <a:ln w="9000" cap="rnd">
               <a:solidFill>
                 <a:srgbClr val="F69100">
-                  <a:alpha val="40000"/>
+                  <a:alpha val="80000"/>
                 </a:srgbClr>
               </a:solidFill>
               <a:prstDash val="solid"/>
@@ -47200,13 +47537,13 @@
             </a:prstGeom>
             <a:solidFill>
               <a:srgbClr val="50A45C">
-                <a:alpha val="40000"/>
+                <a:alpha val="80000"/>
               </a:srgbClr>
             </a:solidFill>
             <a:ln w="9000" cap="rnd">
               <a:solidFill>
                 <a:srgbClr val="50A45C">
-                  <a:alpha val="40000"/>
+                  <a:alpha val="80000"/>
                 </a:srgbClr>
               </a:solidFill>
               <a:prstDash val="solid"/>
@@ -47235,13 +47572,13 @@
             </a:prstGeom>
             <a:solidFill>
               <a:srgbClr val="FF0000">
-                <a:alpha val="40000"/>
+                <a:alpha val="80000"/>
               </a:srgbClr>
             </a:solidFill>
             <a:ln w="9000" cap="rnd">
               <a:solidFill>
                 <a:srgbClr val="FF0000">
-                  <a:alpha val="40000"/>
+                  <a:alpha val="80000"/>
                 </a:srgbClr>
               </a:solidFill>
               <a:prstDash val="solid"/>
@@ -47270,13 +47607,13 @@
             </a:prstGeom>
             <a:solidFill>
               <a:srgbClr val="F69100">
-                <a:alpha val="40000"/>
+                <a:alpha val="80000"/>
               </a:srgbClr>
             </a:solidFill>
             <a:ln w="9000" cap="rnd">
               <a:solidFill>
                 <a:srgbClr val="F69100">
-                  <a:alpha val="40000"/>
+                  <a:alpha val="80000"/>
                 </a:srgbClr>
               </a:solidFill>
               <a:prstDash val="solid"/>
@@ -47305,13 +47642,13 @@
             </a:prstGeom>
             <a:solidFill>
               <a:srgbClr val="50A45C">
-                <a:alpha val="40000"/>
+                <a:alpha val="80000"/>
               </a:srgbClr>
             </a:solidFill>
             <a:ln w="9000" cap="rnd">
               <a:solidFill>
                 <a:srgbClr val="50A45C">
-                  <a:alpha val="40000"/>
+                  <a:alpha val="80000"/>
                 </a:srgbClr>
               </a:solidFill>
               <a:prstDash val="solid"/>
@@ -47340,13 +47677,13 @@
             </a:prstGeom>
             <a:solidFill>
               <a:srgbClr val="5BBCD6">
-                <a:alpha val="40000"/>
+                <a:alpha val="80000"/>
               </a:srgbClr>
             </a:solidFill>
             <a:ln w="9000" cap="rnd">
               <a:solidFill>
                 <a:srgbClr val="5BBCD6">
-                  <a:alpha val="40000"/>
+                  <a:alpha val="80000"/>
                 </a:srgbClr>
               </a:solidFill>
               <a:prstDash val="solid"/>
@@ -47375,13 +47712,13 @@
             </a:prstGeom>
             <a:solidFill>
               <a:srgbClr val="5BBCD6">
-                <a:alpha val="40000"/>
+                <a:alpha val="80000"/>
               </a:srgbClr>
             </a:solidFill>
             <a:ln w="9000" cap="rnd">
               <a:solidFill>
                 <a:srgbClr val="5BBCD6">
-                  <a:alpha val="40000"/>
+                  <a:alpha val="80000"/>
                 </a:srgbClr>
               </a:solidFill>
               <a:prstDash val="solid"/>
@@ -47410,13 +47747,13 @@
             </a:prstGeom>
             <a:solidFill>
               <a:srgbClr val="50A45C">
-                <a:alpha val="40000"/>
+                <a:alpha val="80000"/>
               </a:srgbClr>
             </a:solidFill>
             <a:ln w="9000" cap="rnd">
               <a:solidFill>
                 <a:srgbClr val="50A45C">
-                  <a:alpha val="40000"/>
+                  <a:alpha val="80000"/>
                 </a:srgbClr>
               </a:solidFill>
               <a:prstDash val="solid"/>
@@ -47437,18 +47774,18 @@
           </p:nvSpPr>
           <p:spPr>
             <a:xfrm>
-              <a:off x="3609898" y="4936763"/>
-              <a:ext cx="140672" cy="210277"/>
+              <a:off x="5546106" y="2850855"/>
+              <a:ext cx="12975" cy="97497"/>
             </a:xfrm>
             <a:custGeom>
               <a:avLst/>
               <a:pathLst>
-                <a:path w="140672" h="210277">
+                <a:path w="12975" h="97497">
                   <a:moveTo>
-                    <a:pt x="0" y="0"/>
+                    <a:pt x="12975" y="0"/>
                   </a:moveTo>
                   <a:lnTo>
-                    <a:pt x="140672" y="210277"/>
+                    <a:pt x="0" y="97497"/>
                   </a:lnTo>
                 </a:path>
               </a:pathLst>
@@ -47468,8 +47805,8 @@
           </p:nvSpPr>
           <p:spPr>
             <a:xfrm>
-              <a:off x="3744430" y="4546355"/>
-              <a:ext cx="488087" cy="99300"/>
+              <a:off x="4010655" y="4530994"/>
+              <a:ext cx="100482" cy="129860"/>
             </a:xfrm>
             <a:prstGeom prst="rect">
               <a:avLst/>
@@ -47482,7 +47819,7 @@
             <a:p>
               <a:pPr algn="l" marL="0" marR="0" indent="0">
                 <a:lnSpc>
-                  <a:spcPts val="853"/>
+                  <a:spcPts val="1422"/>
                 </a:lnSpc>
                 <a:spcBef>
                   <a:spcPts val="0"/>
@@ -47492,16 +47829,16 @@
                 </a:spcAft>
               </a:pPr>
               <a:r>
-                <a:rPr sz="853" b="1">
+                <a:rPr sz="1422" b="1">
                   <a:solidFill>
                     <a:srgbClr val="FF0000">
-                      <a:alpha val="40000"/>
+                      <a:alpha val="80000"/>
                     </a:srgbClr>
                   </a:solidFill>
                   <a:latin typeface="Arial"/>
                   <a:cs typeface="Arial"/>
                 </a:rPr>
-                <a:t>Excerpt.1</a:t>
+                <a:t>1</a:t>
               </a:r>
             </a:p>
           </p:txBody>
@@ -47514,8 +47851,8 @@
           </p:nvSpPr>
           <p:spPr>
             <a:xfrm>
-              <a:off x="4819367" y="4274429"/>
-              <a:ext cx="488087" cy="99300"/>
+              <a:off x="4847752" y="4280679"/>
+              <a:ext cx="100482" cy="129860"/>
             </a:xfrm>
             <a:prstGeom prst="rect">
               <a:avLst/>
@@ -47528,7 +47865,7 @@
             <a:p>
               <a:pPr algn="l" marL="0" marR="0" indent="0">
                 <a:lnSpc>
-                  <a:spcPts val="853"/>
+                  <a:spcPts val="1422"/>
                 </a:lnSpc>
                 <a:spcBef>
                   <a:spcPts val="0"/>
@@ -47538,16 +47875,16 @@
                 </a:spcAft>
               </a:pPr>
               <a:r>
-                <a:rPr sz="853" b="1">
+                <a:rPr sz="1422" b="1">
                   <a:solidFill>
                     <a:srgbClr val="FF0000">
-                      <a:alpha val="40000"/>
+                      <a:alpha val="80000"/>
                     </a:srgbClr>
                   </a:solidFill>
                   <a:latin typeface="Arial"/>
                   <a:cs typeface="Arial"/>
                 </a:rPr>
-                <a:t>Excerpt.2</a:t>
+                <a:t>2</a:t>
               </a:r>
             </a:p>
           </p:txBody>
@@ -47560,8 +47897,8 @@
           </p:nvSpPr>
           <p:spPr>
             <a:xfrm>
-              <a:off x="5339485" y="2620950"/>
-              <a:ext cx="488087" cy="99300"/>
+              <a:off x="5726631" y="2429304"/>
+              <a:ext cx="100482" cy="132065"/>
             </a:xfrm>
             <a:prstGeom prst="rect">
               <a:avLst/>
@@ -47574,7 +47911,7 @@
             <a:p>
               <a:pPr algn="l" marL="0" marR="0" indent="0">
                 <a:lnSpc>
-                  <a:spcPts val="853"/>
+                  <a:spcPts val="1422"/>
                 </a:lnSpc>
                 <a:spcBef>
                   <a:spcPts val="0"/>
@@ -47584,16 +47921,16 @@
                 </a:spcAft>
               </a:pPr>
               <a:r>
-                <a:rPr sz="853" b="1">
+                <a:rPr sz="1422" b="1">
                   <a:solidFill>
                     <a:srgbClr val="50A45C">
-                      <a:alpha val="40000"/>
+                      <a:alpha val="80000"/>
                     </a:srgbClr>
                   </a:solidFill>
                   <a:latin typeface="Arial"/>
                   <a:cs typeface="Arial"/>
                 </a:rPr>
-                <a:t>Excerpt.3</a:t>
+                <a:t>3</a:t>
               </a:r>
             </a:p>
           </p:txBody>
@@ -47606,8 +47943,8 @@
           </p:nvSpPr>
           <p:spPr>
             <a:xfrm>
-              <a:off x="3098951" y="4865188"/>
-              <a:ext cx="488087" cy="99300"/>
+              <a:off x="3598125" y="4983923"/>
+              <a:ext cx="100482" cy="129860"/>
             </a:xfrm>
             <a:prstGeom prst="rect">
               <a:avLst/>
@@ -47620,7 +47957,7 @@
             <a:p>
               <a:pPr algn="l" marL="0" marR="0" indent="0">
                 <a:lnSpc>
-                  <a:spcPts val="853"/>
+                  <a:spcPts val="1422"/>
                 </a:lnSpc>
                 <a:spcBef>
                   <a:spcPts val="0"/>
@@ -47630,16 +47967,16 @@
                 </a:spcAft>
               </a:pPr>
               <a:r>
-                <a:rPr sz="853" b="1">
+                <a:rPr sz="1422" b="1">
                   <a:solidFill>
                     <a:srgbClr val="F69100">
-                      <a:alpha val="40000"/>
+                      <a:alpha val="80000"/>
                     </a:srgbClr>
                   </a:solidFill>
                   <a:latin typeface="Arial"/>
                   <a:cs typeface="Arial"/>
                 </a:rPr>
-                <a:t>Excerpt.4</a:t>
+                <a:t>4</a:t>
               </a:r>
             </a:p>
           </p:txBody>
@@ -47652,8 +47989,8 @@
           </p:nvSpPr>
           <p:spPr>
             <a:xfrm>
-              <a:off x="5683692" y="3211271"/>
-              <a:ext cx="488087" cy="98983"/>
+              <a:off x="5682484" y="3302583"/>
+              <a:ext cx="100482" cy="129771"/>
             </a:xfrm>
             <a:prstGeom prst="rect">
               <a:avLst/>
@@ -47666,7 +48003,7 @@
             <a:p>
               <a:pPr algn="l" marL="0" marR="0" indent="0">
                 <a:lnSpc>
-                  <a:spcPts val="853"/>
+                  <a:spcPts val="1422"/>
                 </a:lnSpc>
                 <a:spcBef>
                   <a:spcPts val="0"/>
@@ -47676,16 +48013,16 @@
                 </a:spcAft>
               </a:pPr>
               <a:r>
-                <a:rPr sz="853" b="1">
+                <a:rPr sz="1422" b="1">
                   <a:solidFill>
                     <a:srgbClr val="50A45C">
-                      <a:alpha val="40000"/>
+                      <a:alpha val="80000"/>
                     </a:srgbClr>
                   </a:solidFill>
                   <a:latin typeface="Arial"/>
                   <a:cs typeface="Arial"/>
                 </a:rPr>
-                <a:t>Excerpt.5</a:t>
+                <a:t>5</a:t>
               </a:r>
             </a:p>
           </p:txBody>
@@ -47698,8 +48035,8 @@
           </p:nvSpPr>
           <p:spPr>
             <a:xfrm>
-              <a:off x="5947331" y="2603985"/>
-              <a:ext cx="488087" cy="98983"/>
+              <a:off x="6019490" y="2627266"/>
+              <a:ext cx="100482" cy="127566"/>
             </a:xfrm>
             <a:prstGeom prst="rect">
               <a:avLst/>
@@ -47712,7 +48049,7 @@
             <a:p>
               <a:pPr algn="l" marL="0" marR="0" indent="0">
                 <a:lnSpc>
-                  <a:spcPts val="853"/>
+                  <a:spcPts val="1422"/>
                 </a:lnSpc>
                 <a:spcBef>
                   <a:spcPts val="0"/>
@@ -47722,16 +48059,16 @@
                 </a:spcAft>
               </a:pPr>
               <a:r>
-                <a:rPr sz="853" b="1">
+                <a:rPr sz="1422" b="1">
                   <a:solidFill>
                     <a:srgbClr val="50A45C">
-                      <a:alpha val="40000"/>
+                      <a:alpha val="80000"/>
                     </a:srgbClr>
                   </a:solidFill>
                   <a:latin typeface="Arial"/>
                   <a:cs typeface="Arial"/>
                 </a:rPr>
-                <a:t>Excerpt.7</a:t>
+                <a:t>7</a:t>
               </a:r>
             </a:p>
           </p:txBody>
@@ -47744,8 +48081,8 @@
           </p:nvSpPr>
           <p:spPr>
             <a:xfrm>
-              <a:off x="4240291" y="4208482"/>
-              <a:ext cx="488087" cy="99300"/>
+              <a:off x="4577491" y="4240242"/>
+              <a:ext cx="100482" cy="132153"/>
             </a:xfrm>
             <a:prstGeom prst="rect">
               <a:avLst/>
@@ -47758,7 +48095,7 @@
             <a:p>
               <a:pPr algn="l" marL="0" marR="0" indent="0">
                 <a:lnSpc>
-                  <a:spcPts val="853"/>
+                  <a:spcPts val="1422"/>
                 </a:lnSpc>
                 <a:spcBef>
                   <a:spcPts val="0"/>
@@ -47768,16 +48105,16 @@
                 </a:spcAft>
               </a:pPr>
               <a:r>
-                <a:rPr sz="853" b="1">
+                <a:rPr sz="1422" b="1">
                   <a:solidFill>
                     <a:srgbClr val="5BBCD6">
-                      <a:alpha val="40000"/>
+                      <a:alpha val="80000"/>
                     </a:srgbClr>
                   </a:solidFill>
                   <a:latin typeface="Arial"/>
                   <a:cs typeface="Arial"/>
                 </a:rPr>
-                <a:t>Excerpt.8</a:t>
+                <a:t>8</a:t>
               </a:r>
             </a:p>
           </p:txBody>
@@ -47790,8 +48127,8 @@
           </p:nvSpPr>
           <p:spPr>
             <a:xfrm>
-              <a:off x="4627547" y="4668756"/>
-              <a:ext cx="488087" cy="99300"/>
+              <a:off x="4627864" y="4729896"/>
+              <a:ext cx="100482" cy="132153"/>
             </a:xfrm>
             <a:prstGeom prst="rect">
               <a:avLst/>
@@ -47804,7 +48141,7 @@
             <a:p>
               <a:pPr algn="l" marL="0" marR="0" indent="0">
                 <a:lnSpc>
-                  <a:spcPts val="853"/>
+                  <a:spcPts val="1422"/>
                 </a:lnSpc>
                 <a:spcBef>
                   <a:spcPts val="0"/>
@@ -47814,16 +48151,16 @@
                 </a:spcAft>
               </a:pPr>
               <a:r>
-                <a:rPr sz="853" b="1">
+                <a:rPr sz="1422" b="1">
                   <a:solidFill>
                     <a:srgbClr val="FF0000">
-                      <a:alpha val="40000"/>
+                      <a:alpha val="80000"/>
                     </a:srgbClr>
                   </a:solidFill>
                   <a:latin typeface="Arial"/>
                   <a:cs typeface="Arial"/>
                 </a:rPr>
-                <a:t>Excerpt.9</a:t>
+                <a:t>9</a:t>
               </a:r>
             </a:p>
           </p:txBody>
@@ -47836,8 +48173,8 @@
           </p:nvSpPr>
           <p:spPr>
             <a:xfrm>
-              <a:off x="5393185" y="2817160"/>
-              <a:ext cx="548376" cy="99300"/>
+              <a:off x="5749661" y="2844327"/>
+              <a:ext cx="200965" cy="132065"/>
             </a:xfrm>
             <a:prstGeom prst="rect">
               <a:avLst/>
@@ -47850,7 +48187,7 @@
             <a:p>
               <a:pPr algn="l" marL="0" marR="0" indent="0">
                 <a:lnSpc>
-                  <a:spcPts val="853"/>
+                  <a:spcPts val="1422"/>
                 </a:lnSpc>
                 <a:spcBef>
                   <a:spcPts val="0"/>
@@ -47860,16 +48197,16 @@
                 </a:spcAft>
               </a:pPr>
               <a:r>
-                <a:rPr sz="853" b="1">
+                <a:rPr sz="1422" b="1">
                   <a:solidFill>
                     <a:srgbClr val="50A45C">
-                      <a:alpha val="40000"/>
+                      <a:alpha val="80000"/>
                     </a:srgbClr>
                   </a:solidFill>
                   <a:latin typeface="Arial"/>
                   <a:cs typeface="Arial"/>
                 </a:rPr>
-                <a:t>Excerpt.10</a:t>
+                <a:t>10</a:t>
               </a:r>
             </a:p>
           </p:txBody>
@@ -47882,8 +48219,8 @@
           </p:nvSpPr>
           <p:spPr>
             <a:xfrm>
-              <a:off x="5300304" y="3379275"/>
-              <a:ext cx="548376" cy="99300"/>
+              <a:off x="5251737" y="3400581"/>
+              <a:ext cx="200965" cy="129860"/>
             </a:xfrm>
             <a:prstGeom prst="rect">
               <a:avLst/>
@@ -47896,7 +48233,7 @@
             <a:p>
               <a:pPr algn="l" marL="0" marR="0" indent="0">
                 <a:lnSpc>
-                  <a:spcPts val="853"/>
+                  <a:spcPts val="1422"/>
                 </a:lnSpc>
                 <a:spcBef>
                   <a:spcPts val="0"/>
@@ -47906,16 +48243,16 @@
                 </a:spcAft>
               </a:pPr>
               <a:r>
-                <a:rPr sz="853" b="1">
+                <a:rPr sz="1422" b="1">
                   <a:solidFill>
                     <a:srgbClr val="5BBCD6">
-                      <a:alpha val="40000"/>
+                      <a:alpha val="80000"/>
                     </a:srgbClr>
                   </a:solidFill>
                   <a:latin typeface="Arial"/>
                   <a:cs typeface="Arial"/>
                 </a:rPr>
-                <a:t>Excerpt.11</a:t>
+                <a:t>11</a:t>
               </a:r>
             </a:p>
           </p:txBody>
@@ -47928,8 +48265,8 @@
           </p:nvSpPr>
           <p:spPr>
             <a:xfrm>
-              <a:off x="5489751" y="3549799"/>
-              <a:ext cx="548376" cy="99300"/>
+              <a:off x="5489917" y="3622218"/>
+              <a:ext cx="200965" cy="129860"/>
             </a:xfrm>
             <a:prstGeom prst="rect">
               <a:avLst/>
@@ -47942,7 +48279,7 @@
             <a:p>
               <a:pPr algn="l" marL="0" marR="0" indent="0">
                 <a:lnSpc>
-                  <a:spcPts val="853"/>
+                  <a:spcPts val="1422"/>
                 </a:lnSpc>
                 <a:spcBef>
                   <a:spcPts val="0"/>
@@ -47952,16 +48289,16 @@
                 </a:spcAft>
               </a:pPr>
               <a:r>
-                <a:rPr sz="853" b="1">
+                <a:rPr sz="1422" b="1">
                   <a:solidFill>
                     <a:srgbClr val="FF0000">
-                      <a:alpha val="40000"/>
+                      <a:alpha val="80000"/>
                     </a:srgbClr>
                   </a:solidFill>
                   <a:latin typeface="Arial"/>
                   <a:cs typeface="Arial"/>
                 </a:rPr>
-                <a:t>Excerpt.12</a:t>
+                <a:t>12</a:t>
               </a:r>
             </a:p>
           </p:txBody>
@@ -47974,8 +48311,8 @@
           </p:nvSpPr>
           <p:spPr>
             <a:xfrm>
-              <a:off x="3983462" y="5197173"/>
-              <a:ext cx="548376" cy="99300"/>
+              <a:off x="4133381" y="5215697"/>
+              <a:ext cx="200965" cy="132065"/>
             </a:xfrm>
             <a:prstGeom prst="rect">
               <a:avLst/>
@@ -47988,7 +48325,7 @@
             <a:p>
               <a:pPr algn="l" marL="0" marR="0" indent="0">
                 <a:lnSpc>
-                  <a:spcPts val="853"/>
+                  <a:spcPts val="1422"/>
                 </a:lnSpc>
                 <a:spcBef>
                   <a:spcPts val="0"/>
@@ -47998,16 +48335,16 @@
                 </a:spcAft>
               </a:pPr>
               <a:r>
-                <a:rPr sz="853" b="1">
+                <a:rPr sz="1422" b="1">
                   <a:solidFill>
                     <a:srgbClr val="F69100">
-                      <a:alpha val="40000"/>
+                      <a:alpha val="80000"/>
                     </a:srgbClr>
                   </a:solidFill>
                   <a:latin typeface="Arial"/>
                   <a:cs typeface="Arial"/>
                 </a:rPr>
-                <a:t>Excerpt.13</a:t>
+                <a:t>13</a:t>
               </a:r>
             </a:p>
           </p:txBody>
@@ -48020,8 +48357,8 @@
           </p:nvSpPr>
           <p:spPr>
             <a:xfrm>
-              <a:off x="4938516" y="2993341"/>
-              <a:ext cx="548376" cy="99300"/>
+              <a:off x="5458731" y="2695929"/>
+              <a:ext cx="200965" cy="132065"/>
             </a:xfrm>
             <a:prstGeom prst="rect">
               <a:avLst/>
@@ -48034,7 +48371,7 @@
             <a:p>
               <a:pPr algn="l" marL="0" marR="0" indent="0">
                 <a:lnSpc>
-                  <a:spcPts val="853"/>
+                  <a:spcPts val="1422"/>
                 </a:lnSpc>
                 <a:spcBef>
                   <a:spcPts val="0"/>
@@ -48044,16 +48381,16 @@
                 </a:spcAft>
               </a:pPr>
               <a:r>
-                <a:rPr sz="853" b="1">
+                <a:rPr sz="1422" b="1">
                   <a:solidFill>
                     <a:srgbClr val="50A45C">
-                      <a:alpha val="40000"/>
+                      <a:alpha val="80000"/>
                     </a:srgbClr>
                   </a:solidFill>
                   <a:latin typeface="Arial"/>
                   <a:cs typeface="Arial"/>
                 </a:rPr>
-                <a:t>Excerpt.15</a:t>
+                <a:t>15</a:t>
               </a:r>
             </a:p>
           </p:txBody>
@@ -48066,8 +48403,8 @@
           </p:nvSpPr>
           <p:spPr>
             <a:xfrm>
-              <a:off x="3658546" y="4375886"/>
-              <a:ext cx="548376" cy="99300"/>
+              <a:off x="4043393" y="4264692"/>
+              <a:ext cx="200965" cy="132065"/>
             </a:xfrm>
             <a:prstGeom prst="rect">
               <a:avLst/>
@@ -48080,7 +48417,7 @@
             <a:p>
               <a:pPr algn="l" marL="0" marR="0" indent="0">
                 <a:lnSpc>
-                  <a:spcPts val="853"/>
+                  <a:spcPts val="1422"/>
                 </a:lnSpc>
                 <a:spcBef>
                   <a:spcPts val="0"/>
@@ -48090,16 +48427,16 @@
                 </a:spcAft>
               </a:pPr>
               <a:r>
-                <a:rPr sz="853" b="1">
+                <a:rPr sz="1422" b="1">
                   <a:solidFill>
                     <a:srgbClr val="FF0000">
-                      <a:alpha val="40000"/>
+                      <a:alpha val="80000"/>
                     </a:srgbClr>
                   </a:solidFill>
                   <a:latin typeface="Arial"/>
                   <a:cs typeface="Arial"/>
                 </a:rPr>
-                <a:t>Excerpt.16</a:t>
+                <a:t>16</a:t>
               </a:r>
             </a:p>
           </p:txBody>
@@ -48112,8 +48449,8 @@
           </p:nvSpPr>
           <p:spPr>
             <a:xfrm>
-              <a:off x="4869175" y="3190621"/>
-              <a:ext cx="548376" cy="99300"/>
+              <a:off x="5235899" y="2961273"/>
+              <a:ext cx="200965" cy="129860"/>
             </a:xfrm>
             <a:prstGeom prst="rect">
               <a:avLst/>
@@ -48126,7 +48463,7 @@
             <a:p>
               <a:pPr algn="l" marL="0" marR="0" indent="0">
                 <a:lnSpc>
-                  <a:spcPts val="853"/>
+                  <a:spcPts val="1422"/>
                 </a:lnSpc>
                 <a:spcBef>
                   <a:spcPts val="0"/>
@@ -48136,16 +48473,16 @@
                 </a:spcAft>
               </a:pPr>
               <a:r>
-                <a:rPr sz="853" b="1">
+                <a:rPr sz="1422" b="1">
                   <a:solidFill>
                     <a:srgbClr val="50A45C">
-                      <a:alpha val="40000"/>
+                      <a:alpha val="80000"/>
                     </a:srgbClr>
                   </a:solidFill>
                   <a:latin typeface="Arial"/>
                   <a:cs typeface="Arial"/>
                 </a:rPr>
-                <a:t>Excerpt.17</a:t>
+                <a:t>17</a:t>
               </a:r>
             </a:p>
           </p:txBody>
@@ -48158,8 +48495,8 @@
           </p:nvSpPr>
           <p:spPr>
             <a:xfrm>
-              <a:off x="4754698" y="2816639"/>
-              <a:ext cx="548376" cy="99300"/>
+              <a:off x="5166495" y="2697020"/>
+              <a:ext cx="200965" cy="132153"/>
             </a:xfrm>
             <a:prstGeom prst="rect">
               <a:avLst/>
@@ -48172,7 +48509,7 @@
             <a:p>
               <a:pPr algn="l" marL="0" marR="0" indent="0">
                 <a:lnSpc>
-                  <a:spcPts val="853"/>
+                  <a:spcPts val="1422"/>
                 </a:lnSpc>
                 <a:spcBef>
                   <a:spcPts val="0"/>
@@ -48182,16 +48519,16 @@
                 </a:spcAft>
               </a:pPr>
               <a:r>
-                <a:rPr sz="853" b="1">
+                <a:rPr sz="1422" b="1">
                   <a:solidFill>
                     <a:srgbClr val="50A45C">
-                      <a:alpha val="40000"/>
+                      <a:alpha val="80000"/>
                     </a:srgbClr>
                   </a:solidFill>
                   <a:latin typeface="Arial"/>
                   <a:cs typeface="Arial"/>
                 </a:rPr>
-                <a:t>Excerpt.18</a:t>
+                <a:t>18</a:t>
               </a:r>
             </a:p>
           </p:txBody>
@@ -48204,8 +48541,8 @@
           </p:nvSpPr>
           <p:spPr>
             <a:xfrm>
-              <a:off x="3678018" y="4999702"/>
-              <a:ext cx="548376" cy="99300"/>
+              <a:off x="3869912" y="4966404"/>
+              <a:ext cx="200965" cy="132153"/>
             </a:xfrm>
             <a:prstGeom prst="rect">
               <a:avLst/>
@@ -48218,7 +48555,7 @@
             <a:p>
               <a:pPr algn="l" marL="0" marR="0" indent="0">
                 <a:lnSpc>
-                  <a:spcPts val="853"/>
+                  <a:spcPts val="1422"/>
                 </a:lnSpc>
                 <a:spcBef>
                   <a:spcPts val="0"/>
@@ -48228,16 +48565,16 @@
                 </a:spcAft>
               </a:pPr>
               <a:r>
-                <a:rPr sz="853" b="1">
+                <a:rPr sz="1422" b="1">
                   <a:solidFill>
                     <a:srgbClr val="F69100">
-                      <a:alpha val="40000"/>
+                      <a:alpha val="80000"/>
                     </a:srgbClr>
                   </a:solidFill>
                   <a:latin typeface="Arial"/>
                   <a:cs typeface="Arial"/>
                 </a:rPr>
-                <a:t>Excerpt.19</a:t>
+                <a:t>19</a:t>
               </a:r>
             </a:p>
           </p:txBody>
@@ -48250,8 +48587,8 @@
           </p:nvSpPr>
           <p:spPr>
             <a:xfrm>
-              <a:off x="4084707" y="3589096"/>
-              <a:ext cx="548376" cy="99300"/>
+              <a:off x="4716498" y="3497896"/>
+              <a:ext cx="200965" cy="132065"/>
             </a:xfrm>
             <a:prstGeom prst="rect">
               <a:avLst/>
@@ -48264,7 +48601,7 @@
             <a:p>
               <a:pPr algn="l" marL="0" marR="0" indent="0">
                 <a:lnSpc>
-                  <a:spcPts val="853"/>
+                  <a:spcPts val="1422"/>
                 </a:lnSpc>
                 <a:spcBef>
                   <a:spcPts val="0"/>
@@ -48274,16 +48611,16 @@
                 </a:spcAft>
               </a:pPr>
               <a:r>
-                <a:rPr sz="853" b="1">
+                <a:rPr sz="1422" b="1">
                   <a:solidFill>
                     <a:srgbClr val="5BBCD6">
-                      <a:alpha val="40000"/>
+                      <a:alpha val="80000"/>
                     </a:srgbClr>
                   </a:solidFill>
                   <a:latin typeface="Arial"/>
                   <a:cs typeface="Arial"/>
                 </a:rPr>
-                <a:t>Excerpt.20</a:t>
+                <a:t>20</a:t>
               </a:r>
             </a:p>
           </p:txBody>
@@ -48296,8 +48633,8 @@
           </p:nvSpPr>
           <p:spPr>
             <a:xfrm>
-              <a:off x="5578674" y="3040690"/>
-              <a:ext cx="548376" cy="99300"/>
+              <a:off x="5528306" y="3067427"/>
+              <a:ext cx="200965" cy="129860"/>
             </a:xfrm>
             <a:prstGeom prst="rect">
               <a:avLst/>
@@ -48310,7 +48647,7 @@
             <a:p>
               <a:pPr algn="l" marL="0" marR="0" indent="0">
                 <a:lnSpc>
-                  <a:spcPts val="853"/>
+                  <a:spcPts val="1422"/>
                 </a:lnSpc>
                 <a:spcBef>
                   <a:spcPts val="0"/>
@@ -48320,16 +48657,16 @@
                 </a:spcAft>
               </a:pPr>
               <a:r>
-                <a:rPr sz="853" b="1">
+                <a:rPr sz="1422" b="1">
                   <a:solidFill>
                     <a:srgbClr val="50A45C">
-                      <a:alpha val="40000"/>
+                      <a:alpha val="80000"/>
                     </a:srgbClr>
                   </a:solidFill>
                   <a:latin typeface="Arial"/>
                   <a:cs typeface="Arial"/>
                 </a:rPr>
-                <a:t>Excerpt.21</a:t>
+                <a:t>21</a:t>
               </a:r>
             </a:p>
           </p:txBody>
@@ -48342,8 +48679,8 @@
           </p:nvSpPr>
           <p:spPr>
             <a:xfrm>
-              <a:off x="4620956" y="4008726"/>
-              <a:ext cx="548376" cy="99300"/>
+              <a:off x="4820071" y="3978667"/>
+              <a:ext cx="200965" cy="129860"/>
             </a:xfrm>
             <a:prstGeom prst="rect">
               <a:avLst/>
@@ -48356,7 +48693,7 @@
             <a:p>
               <a:pPr algn="l" marL="0" marR="0" indent="0">
                 <a:lnSpc>
-                  <a:spcPts val="853"/>
+                  <a:spcPts val="1422"/>
                 </a:lnSpc>
                 <a:spcBef>
                   <a:spcPts val="0"/>
@@ -48366,16 +48703,16 @@
                 </a:spcAft>
               </a:pPr>
               <a:r>
-                <a:rPr sz="853" b="1">
+                <a:rPr sz="1422" b="1">
                   <a:solidFill>
                     <a:srgbClr val="FF0000">
-                      <a:alpha val="40000"/>
+                      <a:alpha val="80000"/>
                     </a:srgbClr>
                   </a:solidFill>
                   <a:latin typeface="Arial"/>
                   <a:cs typeface="Arial"/>
                 </a:rPr>
-                <a:t>Excerpt.22</a:t>
+                <a:t>22</a:t>
               </a:r>
             </a:p>
           </p:txBody>
@@ -48388,8 +48725,8 @@
           </p:nvSpPr>
           <p:spPr>
             <a:xfrm>
-              <a:off x="3343944" y="5235563"/>
-              <a:ext cx="548376" cy="99300"/>
+              <a:off x="3491217" y="5255144"/>
+              <a:ext cx="200965" cy="132065"/>
             </a:xfrm>
             <a:prstGeom prst="rect">
               <a:avLst/>
@@ -48402,7 +48739,7 @@
             <a:p>
               <a:pPr algn="l" marL="0" marR="0" indent="0">
                 <a:lnSpc>
-                  <a:spcPts val="853"/>
+                  <a:spcPts val="1422"/>
                 </a:lnSpc>
                 <a:spcBef>
                   <a:spcPts val="0"/>
@@ -48412,16 +48749,16 @@
                 </a:spcAft>
               </a:pPr>
               <a:r>
-                <a:rPr sz="853" b="1">
+                <a:rPr sz="1422" b="1">
                   <a:solidFill>
                     <a:srgbClr val="F69100">
-                      <a:alpha val="40000"/>
+                      <a:alpha val="80000"/>
                     </a:srgbClr>
                   </a:solidFill>
                   <a:latin typeface="Arial"/>
                   <a:cs typeface="Arial"/>
                 </a:rPr>
-                <a:t>Excerpt.23</a:t>
+                <a:t>23</a:t>
               </a:r>
             </a:p>
           </p:txBody>
@@ -48434,8 +48771,8 @@
           </p:nvSpPr>
           <p:spPr>
             <a:xfrm>
-              <a:off x="6020284" y="2284917"/>
-              <a:ext cx="548376" cy="99300"/>
+              <a:off x="6226427" y="2253812"/>
+              <a:ext cx="200965" cy="129860"/>
             </a:xfrm>
             <a:prstGeom prst="rect">
               <a:avLst/>
@@ -48448,7 +48785,7 @@
             <a:p>
               <a:pPr algn="l" marL="0" marR="0" indent="0">
                 <a:lnSpc>
-                  <a:spcPts val="853"/>
+                  <a:spcPts val="1422"/>
                 </a:lnSpc>
                 <a:spcBef>
                   <a:spcPts val="0"/>
@@ -48458,16 +48795,16 @@
                 </a:spcAft>
               </a:pPr>
               <a:r>
-                <a:rPr sz="853" b="1">
+                <a:rPr sz="1422" b="1">
                   <a:solidFill>
                     <a:srgbClr val="50A45C">
-                      <a:alpha val="40000"/>
+                      <a:alpha val="80000"/>
                     </a:srgbClr>
                   </a:solidFill>
                   <a:latin typeface="Arial"/>
                   <a:cs typeface="Arial"/>
                 </a:rPr>
-                <a:t>Excerpt.24</a:t>
+                <a:t>24</a:t>
               </a:r>
             </a:p>
           </p:txBody>
@@ -48480,8 +48817,8 @@
           </p:nvSpPr>
           <p:spPr>
             <a:xfrm>
-              <a:off x="3988167" y="4783512"/>
-              <a:ext cx="548376" cy="99300"/>
+              <a:off x="4162499" y="4798770"/>
+              <a:ext cx="200965" cy="132065"/>
             </a:xfrm>
             <a:prstGeom prst="rect">
               <a:avLst/>
@@ -48494,7 +48831,7 @@
             <a:p>
               <a:pPr algn="l" marL="0" marR="0" indent="0">
                 <a:lnSpc>
-                  <a:spcPts val="853"/>
+                  <a:spcPts val="1422"/>
                 </a:lnSpc>
                 <a:spcBef>
                   <a:spcPts val="0"/>
@@ -48504,16 +48841,16 @@
                 </a:spcAft>
               </a:pPr>
               <a:r>
-                <a:rPr sz="853" b="1">
+                <a:rPr sz="1422" b="1">
                   <a:solidFill>
                     <a:srgbClr val="FF0000">
-                      <a:alpha val="40000"/>
+                      <a:alpha val="80000"/>
                     </a:srgbClr>
                   </a:solidFill>
                   <a:latin typeface="Arial"/>
                   <a:cs typeface="Arial"/>
                 </a:rPr>
-                <a:t>Excerpt.25</a:t>
+                <a:t>25</a:t>
               </a:r>
             </a:p>
           </p:txBody>
@@ -48526,8 +48863,8 @@
           </p:nvSpPr>
           <p:spPr>
             <a:xfrm>
-              <a:off x="3038648" y="5036089"/>
-              <a:ext cx="548376" cy="99300"/>
+              <a:off x="3211344" y="5003324"/>
+              <a:ext cx="200965" cy="132065"/>
             </a:xfrm>
             <a:prstGeom prst="rect">
               <a:avLst/>
@@ -48540,7 +48877,7 @@
             <a:p>
               <a:pPr algn="l" marL="0" marR="0" indent="0">
                 <a:lnSpc>
-                  <a:spcPts val="853"/>
+                  <a:spcPts val="1422"/>
                 </a:lnSpc>
                 <a:spcBef>
                   <a:spcPts val="0"/>
@@ -48550,16 +48887,16 @@
                 </a:spcAft>
               </a:pPr>
               <a:r>
-                <a:rPr sz="853" b="1">
+                <a:rPr sz="1422" b="1">
                   <a:solidFill>
                     <a:srgbClr val="F69100">
-                      <a:alpha val="40000"/>
+                      <a:alpha val="80000"/>
                     </a:srgbClr>
                   </a:solidFill>
                   <a:latin typeface="Arial"/>
                   <a:cs typeface="Arial"/>
                 </a:rPr>
-                <a:t>Excerpt.26</a:t>
+                <a:t>26</a:t>
               </a:r>
             </a:p>
           </p:txBody>
@@ -48572,8 +48909,8 @@
           </p:nvSpPr>
           <p:spPr>
             <a:xfrm>
-              <a:off x="5380585" y="2385562"/>
-              <a:ext cx="548376" cy="99300"/>
+              <a:off x="5934889" y="2354602"/>
+              <a:ext cx="200965" cy="129860"/>
             </a:xfrm>
             <a:prstGeom prst="rect">
               <a:avLst/>
@@ -48586,7 +48923,7 @@
             <a:p>
               <a:pPr algn="l" marL="0" marR="0" indent="0">
                 <a:lnSpc>
-                  <a:spcPts val="853"/>
+                  <a:spcPts val="1422"/>
                 </a:lnSpc>
                 <a:spcBef>
                   <a:spcPts val="0"/>
@@ -48596,16 +48933,16 @@
                 </a:spcAft>
               </a:pPr>
               <a:r>
-                <a:rPr sz="853" b="1">
+                <a:rPr sz="1422" b="1">
                   <a:solidFill>
                     <a:srgbClr val="50A45C">
-                      <a:alpha val="40000"/>
+                      <a:alpha val="80000"/>
                     </a:srgbClr>
                   </a:solidFill>
                   <a:latin typeface="Arial"/>
                   <a:cs typeface="Arial"/>
                 </a:rPr>
-                <a:t>Excerpt.27</a:t>
+                <a:t>27</a:t>
               </a:r>
             </a:p>
           </p:txBody>
@@ -48618,8 +48955,8 @@
           </p:nvSpPr>
           <p:spPr>
             <a:xfrm>
-              <a:off x="4944384" y="3814910"/>
-              <a:ext cx="548376" cy="99300"/>
+              <a:off x="5092191" y="3833839"/>
+              <a:ext cx="200965" cy="132153"/>
             </a:xfrm>
             <a:prstGeom prst="rect">
               <a:avLst/>
@@ -48632,7 +48969,7 @@
             <a:p>
               <a:pPr algn="l" marL="0" marR="0" indent="0">
                 <a:lnSpc>
-                  <a:spcPts val="853"/>
+                  <a:spcPts val="1422"/>
                 </a:lnSpc>
                 <a:spcBef>
                   <a:spcPts val="0"/>
@@ -48642,16 +48979,16 @@
                 </a:spcAft>
               </a:pPr>
               <a:r>
-                <a:rPr sz="853" b="1">
+                <a:rPr sz="1422" b="1">
                   <a:solidFill>
                     <a:srgbClr val="5BBCD6">
-                      <a:alpha val="40000"/>
+                      <a:alpha val="80000"/>
                     </a:srgbClr>
                   </a:solidFill>
                   <a:latin typeface="Arial"/>
                   <a:cs typeface="Arial"/>
                 </a:rPr>
-                <a:t>Excerpt.28</a:t>
+                <a:t>28</a:t>
               </a:r>
             </a:p>
           </p:txBody>
@@ -48664,8 +49001,8 @@
           </p:nvSpPr>
           <p:spPr>
             <a:xfrm>
-              <a:off x="4324063" y="4498826"/>
-              <a:ext cx="548376" cy="99300"/>
+              <a:off x="4278248" y="4499176"/>
+              <a:ext cx="200965" cy="132153"/>
             </a:xfrm>
             <a:prstGeom prst="rect">
               <a:avLst/>
@@ -48678,7 +49015,7 @@
             <a:p>
               <a:pPr algn="l" marL="0" marR="0" indent="0">
                 <a:lnSpc>
-                  <a:spcPts val="853"/>
+                  <a:spcPts val="1422"/>
                 </a:lnSpc>
                 <a:spcBef>
                   <a:spcPts val="0"/>
@@ -48688,16 +49025,16 @@
                 </a:spcAft>
               </a:pPr>
               <a:r>
-                <a:rPr sz="853" b="1">
+                <a:rPr sz="1422" b="1">
                   <a:solidFill>
                     <a:srgbClr val="5BBCD6">
-                      <a:alpha val="40000"/>
+                      <a:alpha val="80000"/>
                     </a:srgbClr>
                   </a:solidFill>
                   <a:latin typeface="Arial"/>
                   <a:cs typeface="Arial"/>
                 </a:rPr>
-                <a:t>Excerpt.29</a:t>
+                <a:t>29</a:t>
               </a:r>
             </a:p>
           </p:txBody>
@@ -48710,8 +49047,8 @@
           </p:nvSpPr>
           <p:spPr>
             <a:xfrm>
-              <a:off x="4660644" y="3419687"/>
-              <a:ext cx="548376" cy="99300"/>
+              <a:off x="4890398" y="3189317"/>
+              <a:ext cx="200965" cy="132065"/>
             </a:xfrm>
             <a:prstGeom prst="rect">
               <a:avLst/>
@@ -48724,7 +49061,7 @@
             <a:p>
               <a:pPr algn="l" marL="0" marR="0" indent="0">
                 <a:lnSpc>
-                  <a:spcPts val="853"/>
+                  <a:spcPts val="1422"/>
                 </a:lnSpc>
                 <a:spcBef>
                   <a:spcPts val="0"/>
@@ -48734,16 +49071,16 @@
                 </a:spcAft>
               </a:pPr>
               <a:r>
-                <a:rPr sz="853" b="1">
+                <a:rPr sz="1422" b="1">
                   <a:solidFill>
                     <a:srgbClr val="50A45C">
-                      <a:alpha val="40000"/>
+                      <a:alpha val="80000"/>
                     </a:srgbClr>
                   </a:solidFill>
                   <a:latin typeface="Arial"/>
                   <a:cs typeface="Arial"/>
                 </a:rPr>
-                <a:t>Excerpt.30</a:t>
+                <a:t>30</a:t>
               </a:r>
             </a:p>
           </p:txBody>
@@ -48783,7 +49120,7 @@
                 <a:rPr sz="1707" b="1">
                   <a:solidFill>
                     <a:srgbClr val="FF0000">
-                      <a:alpha val="100000"/>
+                      <a:alpha val="50196"/>
                     </a:srgbClr>
                   </a:solidFill>
                   <a:latin typeface="Arial"/>
@@ -48829,7 +49166,7 @@
                 <a:rPr sz="1707" b="1">
                   <a:solidFill>
                     <a:srgbClr val="50A45C">
-                      <a:alpha val="100000"/>
+                      <a:alpha val="50196"/>
                     </a:srgbClr>
                   </a:solidFill>
                   <a:latin typeface="Arial"/>
@@ -48875,7 +49212,7 @@
                 <a:rPr sz="1707" b="1">
                   <a:solidFill>
                     <a:srgbClr val="F69100">
-                      <a:alpha val="100000"/>
+                      <a:alpha val="50196"/>
                     </a:srgbClr>
                   </a:solidFill>
                   <a:latin typeface="Arial"/>
@@ -48921,7 +49258,7 @@
                 <a:rPr sz="1707" b="1">
                   <a:solidFill>
                     <a:srgbClr val="5BBCD6">
-                      <a:alpha val="100000"/>
+                      <a:alpha val="50196"/>
                     </a:srgbClr>
                   </a:solidFill>
                   <a:latin typeface="Arial"/>
@@ -49106,18 +49443,9 @@
             </a:custGeom>
             <a:solidFill>
               <a:srgbClr val="FF0000">
-                <a:alpha val="29803"/>
+                <a:alpha val="20000"/>
               </a:srgbClr>
             </a:solidFill>
-            <a:ln w="27101" cap="rnd">
-              <a:solidFill>
-                <a:srgbClr val="FF0000">
-                  <a:alpha val="100000"/>
-                </a:srgbClr>
-              </a:solidFill>
-              <a:prstDash val="solid"/>
-              <a:round/>
-            </a:ln>
           </p:spPr>
           <p:txBody>
             <a:bodyPr/>
@@ -49299,18 +49627,9 @@
             </a:custGeom>
             <a:solidFill>
               <a:srgbClr val="50A45C">
-                <a:alpha val="29803"/>
+                <a:alpha val="20000"/>
               </a:srgbClr>
             </a:solidFill>
-            <a:ln w="27101" cap="rnd">
-              <a:solidFill>
-                <a:srgbClr val="50A45C">
-                  <a:alpha val="100000"/>
-                </a:srgbClr>
-              </a:solidFill>
-              <a:prstDash val="solid"/>
-              <a:round/>
-            </a:ln>
           </p:spPr>
           <p:txBody>
             <a:bodyPr/>
@@ -49492,18 +49811,9 @@
             </a:custGeom>
             <a:solidFill>
               <a:srgbClr val="F69100">
-                <a:alpha val="29803"/>
+                <a:alpha val="20000"/>
               </a:srgbClr>
             </a:solidFill>
-            <a:ln w="27101" cap="rnd">
-              <a:solidFill>
-                <a:srgbClr val="F69100">
-                  <a:alpha val="100000"/>
-                </a:srgbClr>
-              </a:solidFill>
-              <a:prstDash val="solid"/>
-              <a:round/>
-            </a:ln>
           </p:spPr>
           <p:txBody>
             <a:bodyPr/>
@@ -49685,18 +49995,9 @@
             </a:custGeom>
             <a:solidFill>
               <a:srgbClr val="5BBCD6">
-                <a:alpha val="29803"/>
+                <a:alpha val="20000"/>
               </a:srgbClr>
             </a:solidFill>
-            <a:ln w="27101" cap="rnd">
-              <a:solidFill>
-                <a:srgbClr val="5BBCD6">
-                  <a:alpha val="100000"/>
-                </a:srgbClr>
-              </a:solidFill>
-              <a:prstDash val="solid"/>
-              <a:round/>
-            </a:ln>
           </p:spPr>
           <p:txBody>
             <a:bodyPr/>

--- a/Analysis/Music-Descriptor-Space.pptx
+++ b/Analysis/Music-Descriptor-Space.pptx
@@ -3800,8 +3800,8 @@
           </p:nvSpPr>
           <p:spPr>
             <a:xfrm>
-              <a:off x="3016984" y="1895951"/>
-              <a:ext cx="3475791" cy="135463"/>
+              <a:off x="4729475" y="2031414"/>
+              <a:ext cx="50809" cy="0"/>
             </a:xfrm>
             <a:prstGeom prst="rect">
               <a:avLst/>
@@ -3833,7 +3833,7 @@
                   <a:latin typeface="Arial"/>
                   <a:cs typeface="Arial"/>
                 </a:rPr>
-                <a:t>PLSC Music Features: Inertia Scree Plot</a:t>
+                <a:t> </a:t>
               </a:r>
             </a:p>
           </p:txBody>
@@ -5482,21 +5482,21 @@
           </p:nvSpPr>
           <p:spPr>
             <a:xfrm>
-              <a:off x="1008347" y="3617875"/>
-              <a:ext cx="7608863" cy="0"/>
+              <a:off x="1057343" y="3631339"/>
+              <a:ext cx="7559867" cy="0"/>
             </a:xfrm>
             <a:custGeom>
               <a:avLst/>
               <a:pathLst>
-                <a:path w="7608863" h="0">
+                <a:path w="7559867" h="0">
                   <a:moveTo>
                     <a:pt x="0" y="0"/>
                   </a:moveTo>
                   <a:lnTo>
-                    <a:pt x="7608863" y="0"/>
-                  </a:lnTo>
-                  <a:lnTo>
-                    <a:pt x="7608863" y="0"/>
+                    <a:pt x="7559867" y="0"/>
+                  </a:lnTo>
+                  <a:lnTo>
+                    <a:pt x="7559867" y="0"/>
                   </a:lnTo>
                 </a:path>
               </a:pathLst>
@@ -5525,21 +5525,21 @@
           </p:nvSpPr>
           <p:spPr>
             <a:xfrm>
-              <a:off x="1008347" y="4350471"/>
-              <a:ext cx="7608863" cy="0"/>
+              <a:off x="1057343" y="4359831"/>
+              <a:ext cx="7559867" cy="0"/>
             </a:xfrm>
             <a:custGeom>
               <a:avLst/>
               <a:pathLst>
-                <a:path w="7608863" h="0">
+                <a:path w="7559867" h="0">
                   <a:moveTo>
                     <a:pt x="0" y="0"/>
                   </a:moveTo>
                   <a:lnTo>
-                    <a:pt x="7608863" y="0"/>
-                  </a:lnTo>
-                  <a:lnTo>
-                    <a:pt x="7608863" y="0"/>
+                    <a:pt x="7559867" y="0"/>
+                  </a:lnTo>
+                  <a:lnTo>
+                    <a:pt x="7559867" y="0"/>
                   </a:lnTo>
                 </a:path>
               </a:pathLst>
@@ -5568,20 +5568,20 @@
           </p:nvSpPr>
           <p:spPr>
             <a:xfrm>
-              <a:off x="1042725" y="3984173"/>
-              <a:ext cx="206264" cy="1489826"/>
+              <a:off x="1091499" y="3995585"/>
+              <a:ext cx="204936" cy="1481482"/>
             </a:xfrm>
             <a:prstGeom prst="rect">
               <a:avLst/>
             </a:prstGeom>
             <a:solidFill>
-              <a:srgbClr val="00E9DA">
+              <a:srgbClr val="00461A">
                 <a:alpha val="100000"/>
               </a:srgbClr>
             </a:solidFill>
             <a:ln w="13550" cap="sq">
               <a:solidFill>
-                <a:srgbClr val="00A08A">
+                <a:srgbClr val="000C02">
                   <a:alpha val="100000"/>
                 </a:srgbClr>
               </a:solidFill>
@@ -5603,20 +5603,20 @@
           </p:nvSpPr>
           <p:spPr>
             <a:xfrm>
-              <a:off x="1271907" y="2978794"/>
-              <a:ext cx="206264" cy="1005378"/>
+              <a:off x="1319206" y="2995838"/>
+              <a:ext cx="204936" cy="999747"/>
             </a:xfrm>
             <a:prstGeom prst="rect">
               <a:avLst/>
             </a:prstGeom>
             <a:solidFill>
-              <a:srgbClr val="FF9595">
+              <a:srgbClr val="00461A">
                 <a:alpha val="100000"/>
               </a:srgbClr>
             </a:solidFill>
             <a:ln w="13550" cap="sq">
               <a:solidFill>
-                <a:srgbClr val="FF0000">
+                <a:srgbClr val="000C02">
                   <a:alpha val="100000"/>
                 </a:srgbClr>
               </a:solidFill>
@@ -5638,20 +5638,20 @@
           </p:nvSpPr>
           <p:spPr>
             <a:xfrm>
-              <a:off x="1501090" y="2644312"/>
-              <a:ext cx="206264" cy="1339860"/>
+              <a:off x="1546912" y="2663229"/>
+              <a:ext cx="204936" cy="1332356"/>
             </a:xfrm>
             <a:prstGeom prst="rect">
               <a:avLst/>
             </a:prstGeom>
             <a:solidFill>
-              <a:srgbClr val="FF9595">
+              <a:srgbClr val="00461A">
                 <a:alpha val="100000"/>
               </a:srgbClr>
             </a:solidFill>
             <a:ln w="13550" cap="sq">
               <a:solidFill>
-                <a:srgbClr val="FF0000">
+                <a:srgbClr val="000C02">
                   <a:alpha val="100000"/>
                 </a:srgbClr>
               </a:solidFill>
@@ -5673,20 +5673,20 @@
           </p:nvSpPr>
           <p:spPr>
             <a:xfrm>
-              <a:off x="1730273" y="3366355"/>
-              <a:ext cx="206264" cy="617817"/>
+              <a:off x="1774619" y="3381228"/>
+              <a:ext cx="204936" cy="614357"/>
             </a:xfrm>
             <a:prstGeom prst="rect">
               <a:avLst/>
             </a:prstGeom>
             <a:solidFill>
-              <a:srgbClr val="FF9595">
+              <a:srgbClr val="00461A">
                 <a:alpha val="100000"/>
               </a:srgbClr>
             </a:solidFill>
             <a:ln w="13550" cap="sq">
               <a:solidFill>
-                <a:srgbClr val="FF0000">
+                <a:srgbClr val="000C02">
                   <a:alpha val="100000"/>
                 </a:srgbClr>
               </a:solidFill>
@@ -5708,20 +5708,20 @@
           </p:nvSpPr>
           <p:spPr>
             <a:xfrm>
-              <a:off x="1959455" y="3984173"/>
-              <a:ext cx="206264" cy="466978"/>
+              <a:off x="2002326" y="3995585"/>
+              <a:ext cx="204936" cy="464362"/>
             </a:xfrm>
             <a:prstGeom prst="rect">
               <a:avLst/>
             </a:prstGeom>
             <a:solidFill>
-              <a:srgbClr val="00E9DA">
+              <a:srgbClr val="00461A">
                 <a:alpha val="100000"/>
               </a:srgbClr>
             </a:solidFill>
             <a:ln w="13550" cap="sq">
               <a:solidFill>
-                <a:srgbClr val="00A08A">
+                <a:srgbClr val="000C02">
                   <a:alpha val="100000"/>
                 </a:srgbClr>
               </a:solidFill>
@@ -5743,20 +5743,20 @@
           </p:nvSpPr>
           <p:spPr>
             <a:xfrm>
-              <a:off x="2188638" y="3398346"/>
-              <a:ext cx="206264" cy="585826"/>
+              <a:off x="2230033" y="3413040"/>
+              <a:ext cx="204936" cy="582545"/>
             </a:xfrm>
             <a:prstGeom prst="rect">
               <a:avLst/>
             </a:prstGeom>
             <a:solidFill>
-              <a:srgbClr val="FF9595">
+              <a:srgbClr val="00461A">
                 <a:alpha val="100000"/>
               </a:srgbClr>
             </a:solidFill>
             <a:ln w="13550" cap="sq">
               <a:solidFill>
-                <a:srgbClr val="FF0000">
+                <a:srgbClr val="000C02">
                   <a:alpha val="100000"/>
                 </a:srgbClr>
               </a:solidFill>
@@ -5778,20 +5778,20 @@
           </p:nvSpPr>
           <p:spPr>
             <a:xfrm>
-              <a:off x="2417820" y="3984173"/>
-              <a:ext cx="206264" cy="796577"/>
+              <a:off x="2457740" y="3995585"/>
+              <a:ext cx="204936" cy="792116"/>
             </a:xfrm>
             <a:prstGeom prst="rect">
               <a:avLst/>
             </a:prstGeom>
             <a:solidFill>
-              <a:srgbClr val="00E9DA">
+              <a:srgbClr val="00461A">
                 <a:alpha val="100000"/>
               </a:srgbClr>
             </a:solidFill>
             <a:ln w="13550" cap="sq">
               <a:solidFill>
-                <a:srgbClr val="00A08A">
+                <a:srgbClr val="000C02">
                   <a:alpha val="100000"/>
                 </a:srgbClr>
               </a:solidFill>
@@ -5813,20 +5813,20 @@
           </p:nvSpPr>
           <p:spPr>
             <a:xfrm>
-              <a:off x="2647003" y="3984173"/>
-              <a:ext cx="206264" cy="502445"/>
+              <a:off x="2685447" y="3995585"/>
+              <a:ext cx="204936" cy="499631"/>
             </a:xfrm>
             <a:prstGeom prst="rect">
               <a:avLst/>
             </a:prstGeom>
             <a:solidFill>
-              <a:srgbClr val="00E9DA">
+              <a:srgbClr val="00461A">
                 <a:alpha val="100000"/>
               </a:srgbClr>
             </a:solidFill>
             <a:ln w="13550" cap="sq">
               <a:solidFill>
-                <a:srgbClr val="00A08A">
+                <a:srgbClr val="000C02">
                   <a:alpha val="100000"/>
                 </a:srgbClr>
               </a:solidFill>
@@ -5848,20 +5848,20 @@
           </p:nvSpPr>
           <p:spPr>
             <a:xfrm>
-              <a:off x="2876186" y="3984173"/>
-              <a:ext cx="206264" cy="570400"/>
+              <a:off x="2913154" y="3995585"/>
+              <a:ext cx="204936" cy="567205"/>
             </a:xfrm>
             <a:prstGeom prst="rect">
               <a:avLst/>
             </a:prstGeom>
             <a:solidFill>
-              <a:srgbClr val="00E9DA">
+              <a:srgbClr val="00461A">
                 <a:alpha val="100000"/>
               </a:srgbClr>
             </a:solidFill>
             <a:ln w="13550" cap="sq">
               <a:solidFill>
-                <a:srgbClr val="00A08A">
+                <a:srgbClr val="000C02">
                   <a:alpha val="100000"/>
                 </a:srgbClr>
               </a:solidFill>
@@ -5883,20 +5883,20 @@
           </p:nvSpPr>
           <p:spPr>
             <a:xfrm>
-              <a:off x="3105368" y="3984173"/>
-              <a:ext cx="206264" cy="456673"/>
+              <a:off x="3140860" y="3995585"/>
+              <a:ext cx="204936" cy="454115"/>
             </a:xfrm>
             <a:prstGeom prst="rect">
               <a:avLst/>
             </a:prstGeom>
             <a:solidFill>
-              <a:srgbClr val="00E9DA">
+              <a:srgbClr val="00461A">
                 <a:alpha val="100000"/>
               </a:srgbClr>
             </a:solidFill>
             <a:ln w="13550" cap="sq">
               <a:solidFill>
-                <a:srgbClr val="00A08A">
+                <a:srgbClr val="000C02">
                   <a:alpha val="100000"/>
                 </a:srgbClr>
               </a:solidFill>
@@ -5918,20 +5918,20 @@
           </p:nvSpPr>
           <p:spPr>
             <a:xfrm>
-              <a:off x="3334551" y="3169742"/>
-              <a:ext cx="206264" cy="814430"/>
+              <a:off x="3368567" y="3185716"/>
+              <a:ext cx="204936" cy="809868"/>
             </a:xfrm>
             <a:prstGeom prst="rect">
               <a:avLst/>
             </a:prstGeom>
             <a:solidFill>
-              <a:srgbClr val="FF9595">
+              <a:srgbClr val="00461A">
                 <a:alpha val="100000"/>
               </a:srgbClr>
             </a:solidFill>
             <a:ln w="13550" cap="sq">
               <a:solidFill>
-                <a:srgbClr val="FF0000">
+                <a:srgbClr val="000C02">
                   <a:alpha val="100000"/>
                 </a:srgbClr>
               </a:solidFill>
@@ -5953,20 +5953,20 @@
           </p:nvSpPr>
           <p:spPr>
             <a:xfrm>
-              <a:off x="3563734" y="3984173"/>
-              <a:ext cx="206264" cy="743094"/>
+              <a:off x="3596274" y="3995585"/>
+              <a:ext cx="204936" cy="738932"/>
             </a:xfrm>
             <a:prstGeom prst="rect">
               <a:avLst/>
             </a:prstGeom>
             <a:solidFill>
-              <a:srgbClr val="00E9DA">
+              <a:srgbClr val="00461A">
                 <a:alpha val="100000"/>
               </a:srgbClr>
             </a:solidFill>
             <a:ln w="13550" cap="sq">
               <a:solidFill>
-                <a:srgbClr val="00A08A">
+                <a:srgbClr val="000C02">
                   <a:alpha val="100000"/>
                 </a:srgbClr>
               </a:solidFill>
@@ -5988,20 +5988,20 @@
           </p:nvSpPr>
           <p:spPr>
             <a:xfrm>
-              <a:off x="3792916" y="3984173"/>
-              <a:ext cx="206264" cy="816814"/>
+              <a:off x="3823981" y="3995585"/>
+              <a:ext cx="204936" cy="812239"/>
             </a:xfrm>
             <a:prstGeom prst="rect">
               <a:avLst/>
             </a:prstGeom>
             <a:solidFill>
-              <a:srgbClr val="00E9DA">
+              <a:srgbClr val="00461A">
                 <a:alpha val="100000"/>
               </a:srgbClr>
             </a:solidFill>
             <a:ln w="13550" cap="sq">
               <a:solidFill>
-                <a:srgbClr val="00A08A">
+                <a:srgbClr val="000C02">
                   <a:alpha val="100000"/>
                 </a:srgbClr>
               </a:solidFill>
@@ -6023,20 +6023,20 @@
           </p:nvSpPr>
           <p:spPr>
             <a:xfrm>
-              <a:off x="4022099" y="3984173"/>
-              <a:ext cx="206264" cy="1541674"/>
+              <a:off x="4051688" y="3995585"/>
+              <a:ext cx="204936" cy="1533040"/>
             </a:xfrm>
             <a:prstGeom prst="rect">
               <a:avLst/>
             </a:prstGeom>
             <a:solidFill>
-              <a:srgbClr val="00E9DA">
+              <a:srgbClr val="00461A">
                 <a:alpha val="100000"/>
               </a:srgbClr>
             </a:solidFill>
             <a:ln w="13550" cap="sq">
               <a:solidFill>
-                <a:srgbClr val="00A08A">
+                <a:srgbClr val="000C02">
                   <a:alpha val="100000"/>
                 </a:srgbClr>
               </a:solidFill>
@@ -6058,20 +6058,20 @@
           </p:nvSpPr>
           <p:spPr>
             <a:xfrm>
-              <a:off x="4251281" y="3984173"/>
-              <a:ext cx="206264" cy="1475559"/>
+              <a:off x="4279395" y="3995585"/>
+              <a:ext cx="204936" cy="1467294"/>
             </a:xfrm>
             <a:prstGeom prst="rect">
               <a:avLst/>
             </a:prstGeom>
             <a:solidFill>
-              <a:srgbClr val="00E9DA">
+              <a:srgbClr val="00461A">
                 <a:alpha val="100000"/>
               </a:srgbClr>
             </a:solidFill>
             <a:ln w="13550" cap="sq">
               <a:solidFill>
-                <a:srgbClr val="00A08A">
+                <a:srgbClr val="000C02">
                   <a:alpha val="100000"/>
                 </a:srgbClr>
               </a:solidFill>
@@ -6093,20 +6093,20 @@
           </p:nvSpPr>
           <p:spPr>
             <a:xfrm>
-              <a:off x="4480464" y="2733855"/>
-              <a:ext cx="206264" cy="1250318"/>
+              <a:off x="4507102" y="2752270"/>
+              <a:ext cx="204936" cy="1243315"/>
             </a:xfrm>
             <a:prstGeom prst="rect">
               <a:avLst/>
             </a:prstGeom>
             <a:solidFill>
-              <a:srgbClr val="FF9595">
+              <a:srgbClr val="00461A">
                 <a:alpha val="100000"/>
               </a:srgbClr>
             </a:solidFill>
             <a:ln w="13550" cap="sq">
               <a:solidFill>
-                <a:srgbClr val="FF0000">
+                <a:srgbClr val="000C02">
                   <a:alpha val="100000"/>
                 </a:srgbClr>
               </a:solidFill>
@@ -6128,20 +6128,20 @@
           </p:nvSpPr>
           <p:spPr>
             <a:xfrm>
-              <a:off x="4709647" y="2399240"/>
-              <a:ext cx="206264" cy="1584932"/>
+              <a:off x="4734809" y="2419530"/>
+              <a:ext cx="204936" cy="1576055"/>
             </a:xfrm>
             <a:prstGeom prst="rect">
               <a:avLst/>
             </a:prstGeom>
             <a:solidFill>
-              <a:srgbClr val="FF9595">
+              <a:srgbClr val="00461A">
                 <a:alpha val="100000"/>
               </a:srgbClr>
             </a:solidFill>
             <a:ln w="13550" cap="sq">
               <a:solidFill>
-                <a:srgbClr val="FF0000">
+                <a:srgbClr val="000C02">
                   <a:alpha val="100000"/>
                 </a:srgbClr>
               </a:solidFill>
@@ -6163,20 +6163,20 @@
           </p:nvSpPr>
           <p:spPr>
             <a:xfrm>
-              <a:off x="4938829" y="3042025"/>
-              <a:ext cx="206264" cy="942147"/>
+              <a:off x="4962515" y="3058714"/>
+              <a:ext cx="204936" cy="936870"/>
             </a:xfrm>
             <a:prstGeom prst="rect">
               <a:avLst/>
             </a:prstGeom>
             <a:solidFill>
-              <a:srgbClr val="FF9595">
+              <a:srgbClr val="00461A">
                 <a:alpha val="100000"/>
               </a:srgbClr>
             </a:solidFill>
             <a:ln w="13550" cap="sq">
               <a:solidFill>
-                <a:srgbClr val="FF0000">
+                <a:srgbClr val="000C02">
                   <a:alpha val="100000"/>
                 </a:srgbClr>
               </a:solidFill>
@@ -6198,20 +6198,20 @@
           </p:nvSpPr>
           <p:spPr>
             <a:xfrm>
-              <a:off x="5168012" y="2647657"/>
-              <a:ext cx="206264" cy="1336515"/>
+              <a:off x="5190222" y="2666555"/>
+              <a:ext cx="204936" cy="1329030"/>
             </a:xfrm>
             <a:prstGeom prst="rect">
               <a:avLst/>
             </a:prstGeom>
             <a:solidFill>
-              <a:srgbClr val="FFD48E">
+              <a:srgbClr val="DFE8F6">
                 <a:alpha val="100000"/>
               </a:srgbClr>
             </a:solidFill>
             <a:ln w="13550" cap="sq">
               <a:solidFill>
-                <a:srgbClr val="F98400">
+                <a:srgbClr val="7294D4">
                   <a:alpha val="100000"/>
                 </a:srgbClr>
               </a:solidFill>
@@ -6233,20 +6233,20 @@
           </p:nvSpPr>
           <p:spPr>
             <a:xfrm>
-              <a:off x="5397195" y="2607372"/>
-              <a:ext cx="206264" cy="1376800"/>
+              <a:off x="5417929" y="2626496"/>
+              <a:ext cx="204936" cy="1369089"/>
             </a:xfrm>
             <a:prstGeom prst="rect">
               <a:avLst/>
             </a:prstGeom>
             <a:solidFill>
-              <a:srgbClr val="FFD48E">
+              <a:srgbClr val="DFE8F6">
                 <a:alpha val="100000"/>
               </a:srgbClr>
             </a:solidFill>
             <a:ln w="13550" cap="sq">
               <a:solidFill>
-                <a:srgbClr val="F98400">
+                <a:srgbClr val="7294D4">
                   <a:alpha val="100000"/>
                 </a:srgbClr>
               </a:solidFill>
@@ -6268,20 +6268,20 @@
           </p:nvSpPr>
           <p:spPr>
             <a:xfrm>
-              <a:off x="5626377" y="2858203"/>
-              <a:ext cx="206264" cy="1125969"/>
+              <a:off x="5645636" y="2875922"/>
+              <a:ext cx="204936" cy="1119663"/>
             </a:xfrm>
             <a:prstGeom prst="rect">
               <a:avLst/>
             </a:prstGeom>
             <a:solidFill>
-              <a:srgbClr val="FFD48E">
+              <a:srgbClr val="DFE8F6">
                 <a:alpha val="100000"/>
               </a:srgbClr>
             </a:solidFill>
             <a:ln w="13550" cap="sq">
               <a:solidFill>
-                <a:srgbClr val="F98400">
+                <a:srgbClr val="7294D4">
                   <a:alpha val="100000"/>
                 </a:srgbClr>
               </a:solidFill>
@@ -6303,20 +6303,20 @@
           </p:nvSpPr>
           <p:spPr>
             <a:xfrm>
-              <a:off x="5855560" y="3984173"/>
-              <a:ext cx="206264" cy="1039656"/>
+              <a:off x="5873343" y="3995585"/>
+              <a:ext cx="204936" cy="1033833"/>
             </a:xfrm>
             <a:prstGeom prst="rect">
               <a:avLst/>
             </a:prstGeom>
             <a:solidFill>
-              <a:srgbClr val="27C4E5">
+              <a:srgbClr val="DFE8F6">
                 <a:alpha val="100000"/>
               </a:srgbClr>
             </a:solidFill>
             <a:ln w="13550" cap="sq">
               <a:solidFill>
-                <a:srgbClr val="046C9A">
+                <a:srgbClr val="7294D4">
                   <a:alpha val="100000"/>
                 </a:srgbClr>
               </a:solidFill>
@@ -6338,20 +6338,20 @@
           </p:nvSpPr>
           <p:spPr>
             <a:xfrm>
-              <a:off x="6084742" y="3984173"/>
-              <a:ext cx="206264" cy="1231757"/>
+              <a:off x="6101050" y="3995585"/>
+              <a:ext cx="204936" cy="1224858"/>
             </a:xfrm>
             <a:prstGeom prst="rect">
               <a:avLst/>
             </a:prstGeom>
             <a:solidFill>
-              <a:srgbClr val="27C4E5">
+              <a:srgbClr val="DFE8F6">
                 <a:alpha val="100000"/>
               </a:srgbClr>
             </a:solidFill>
             <a:ln w="13550" cap="sq">
               <a:solidFill>
-                <a:srgbClr val="046C9A">
+                <a:srgbClr val="7294D4">
                   <a:alpha val="100000"/>
                 </a:srgbClr>
               </a:solidFill>
@@ -6373,20 +6373,20 @@
           </p:nvSpPr>
           <p:spPr>
             <a:xfrm>
-              <a:off x="6313925" y="2642971"/>
-              <a:ext cx="206264" cy="1341201"/>
+              <a:off x="6328757" y="2661896"/>
+              <a:ext cx="204936" cy="1333689"/>
             </a:xfrm>
             <a:prstGeom prst="rect">
               <a:avLst/>
             </a:prstGeom>
             <a:solidFill>
-              <a:srgbClr val="FFD48E">
+              <a:srgbClr val="DFE8F6">
                 <a:alpha val="100000"/>
               </a:srgbClr>
             </a:solidFill>
             <a:ln w="13550" cap="sq">
               <a:solidFill>
-                <a:srgbClr val="F98400">
+                <a:srgbClr val="7294D4">
                   <a:alpha val="100000"/>
                 </a:srgbClr>
               </a:solidFill>
@@ -6408,20 +6408,20 @@
           </p:nvSpPr>
           <p:spPr>
             <a:xfrm>
-              <a:off x="6543108" y="2772899"/>
-              <a:ext cx="206264" cy="1211273"/>
+              <a:off x="6556463" y="2791096"/>
+              <a:ext cx="204936" cy="1204489"/>
             </a:xfrm>
             <a:prstGeom prst="rect">
               <a:avLst/>
             </a:prstGeom>
             <a:solidFill>
-              <a:srgbClr val="FFD48E">
+              <a:srgbClr val="DFE8F6">
                 <a:alpha val="100000"/>
               </a:srgbClr>
             </a:solidFill>
             <a:ln w="13550" cap="sq">
               <a:solidFill>
-                <a:srgbClr val="F98400">
+                <a:srgbClr val="7294D4">
                   <a:alpha val="100000"/>
                 </a:srgbClr>
               </a:solidFill>
@@ -6443,20 +6443,20 @@
           </p:nvSpPr>
           <p:spPr>
             <a:xfrm>
-              <a:off x="6772290" y="3152807"/>
-              <a:ext cx="206264" cy="831365"/>
+              <a:off x="6784170" y="3168876"/>
+              <a:ext cx="204936" cy="826709"/>
             </a:xfrm>
             <a:prstGeom prst="rect">
               <a:avLst/>
             </a:prstGeom>
             <a:solidFill>
-              <a:srgbClr val="FFD48E">
+              <a:srgbClr val="DFE8F6">
                 <a:alpha val="100000"/>
               </a:srgbClr>
             </a:solidFill>
             <a:ln w="13550" cap="sq">
               <a:solidFill>
-                <a:srgbClr val="F98400">
+                <a:srgbClr val="7294D4">
                   <a:alpha val="100000"/>
                 </a:srgbClr>
               </a:solidFill>
@@ -6478,20 +6478,20 @@
           </p:nvSpPr>
           <p:spPr>
             <a:xfrm>
-              <a:off x="7001473" y="3984173"/>
-              <a:ext cx="206264" cy="920840"/>
+              <a:off x="7011877" y="3995585"/>
+              <a:ext cx="204936" cy="915683"/>
             </a:xfrm>
             <a:prstGeom prst="rect">
               <a:avLst/>
             </a:prstGeom>
             <a:solidFill>
-              <a:srgbClr val="27C4E5">
+              <a:srgbClr val="DFE8F6">
                 <a:alpha val="100000"/>
               </a:srgbClr>
             </a:solidFill>
             <a:ln w="13550" cap="sq">
               <a:solidFill>
-                <a:srgbClr val="046C9A">
+                <a:srgbClr val="7294D4">
                   <a:alpha val="100000"/>
                 </a:srgbClr>
               </a:solidFill>
@@ -6513,20 +6513,20 @@
           </p:nvSpPr>
           <p:spPr>
             <a:xfrm>
-              <a:off x="7230656" y="3984173"/>
-              <a:ext cx="206264" cy="1311433"/>
+              <a:off x="7239584" y="3995585"/>
+              <a:ext cx="204936" cy="1304088"/>
             </a:xfrm>
             <a:prstGeom prst="rect">
               <a:avLst/>
             </a:prstGeom>
             <a:solidFill>
-              <a:srgbClr val="27C4E5">
+              <a:srgbClr val="DFE8F6">
                 <a:alpha val="100000"/>
               </a:srgbClr>
             </a:solidFill>
             <a:ln w="13550" cap="sq">
               <a:solidFill>
-                <a:srgbClr val="046C9A">
+                <a:srgbClr val="7294D4">
                   <a:alpha val="100000"/>
                 </a:srgbClr>
               </a:solidFill>
@@ -6548,20 +6548,20 @@
           </p:nvSpPr>
           <p:spPr>
             <a:xfrm>
-              <a:off x="7459838" y="3984173"/>
-              <a:ext cx="206264" cy="1261376"/>
+              <a:off x="7467291" y="3995585"/>
+              <a:ext cx="204936" cy="1254311"/>
             </a:xfrm>
             <a:prstGeom prst="rect">
               <a:avLst/>
             </a:prstGeom>
             <a:solidFill>
-              <a:srgbClr val="27C4E5">
+              <a:srgbClr val="DFE8F6">
                 <a:alpha val="100000"/>
               </a:srgbClr>
             </a:solidFill>
             <a:ln w="13550" cap="sq">
               <a:solidFill>
-                <a:srgbClr val="046C9A">
+                <a:srgbClr val="7294D4">
                   <a:alpha val="100000"/>
                 </a:srgbClr>
               </a:solidFill>
@@ -6583,20 +6583,20 @@
           </p:nvSpPr>
           <p:spPr>
             <a:xfrm>
-              <a:off x="7689021" y="3984173"/>
-              <a:ext cx="206264" cy="1433533"/>
+              <a:off x="7694998" y="3995585"/>
+              <a:ext cx="204936" cy="1425504"/>
             </a:xfrm>
             <a:prstGeom prst="rect">
               <a:avLst/>
             </a:prstGeom>
             <a:solidFill>
-              <a:srgbClr val="27C4E5">
+              <a:srgbClr val="DFE8F6">
                 <a:alpha val="100000"/>
               </a:srgbClr>
             </a:solidFill>
             <a:ln w="13550" cap="sq">
               <a:solidFill>
-                <a:srgbClr val="046C9A">
+                <a:srgbClr val="7294D4">
                   <a:alpha val="100000"/>
                 </a:srgbClr>
               </a:solidFill>
@@ -6618,20 +6618,20 @@
           </p:nvSpPr>
           <p:spPr>
             <a:xfrm>
-              <a:off x="7918203" y="3984173"/>
-              <a:ext cx="206264" cy="1247657"/>
+              <a:off x="7922705" y="3995585"/>
+              <a:ext cx="204936" cy="1240669"/>
             </a:xfrm>
             <a:prstGeom prst="rect">
               <a:avLst/>
             </a:prstGeom>
             <a:solidFill>
-              <a:srgbClr val="27C4E5">
+              <a:srgbClr val="DFE8F6">
                 <a:alpha val="100000"/>
               </a:srgbClr>
             </a:solidFill>
             <a:ln w="13550" cap="sq">
               <a:solidFill>
-                <a:srgbClr val="046C9A">
+                <a:srgbClr val="7294D4">
                   <a:alpha val="100000"/>
                 </a:srgbClr>
               </a:solidFill>
@@ -6653,20 +6653,20 @@
           </p:nvSpPr>
           <p:spPr>
             <a:xfrm>
-              <a:off x="8147386" y="3307826"/>
-              <a:ext cx="206264" cy="676346"/>
+              <a:off x="8150411" y="3323027"/>
+              <a:ext cx="204936" cy="672558"/>
             </a:xfrm>
             <a:prstGeom prst="rect">
               <a:avLst/>
             </a:prstGeom>
             <a:solidFill>
-              <a:srgbClr val="FFD48E">
+              <a:srgbClr val="DFE8F6">
                 <a:alpha val="100000"/>
               </a:srgbClr>
             </a:solidFill>
             <a:ln w="13550" cap="sq">
               <a:solidFill>
-                <a:srgbClr val="F98400">
+                <a:srgbClr val="7294D4">
                   <a:alpha val="100000"/>
                 </a:srgbClr>
               </a:solidFill>
@@ -6688,20 +6688,20 @@
           </p:nvSpPr>
           <p:spPr>
             <a:xfrm>
-              <a:off x="8376569" y="3984173"/>
-              <a:ext cx="206264" cy="1062350"/>
+              <a:off x="8378118" y="3995585"/>
+              <a:ext cx="204936" cy="1056400"/>
             </a:xfrm>
             <a:prstGeom prst="rect">
               <a:avLst/>
             </a:prstGeom>
             <a:solidFill>
-              <a:srgbClr val="27C4E5">
+              <a:srgbClr val="DFE8F6">
                 <a:alpha val="100000"/>
               </a:srgbClr>
             </a:solidFill>
             <a:ln w="13550" cap="sq">
               <a:solidFill>
-                <a:srgbClr val="046C9A">
+                <a:srgbClr val="7294D4">
                   <a:alpha val="100000"/>
                 </a:srgbClr>
               </a:solidFill>
@@ -6723,8 +6723,8 @@
           </p:nvSpPr>
           <p:spPr>
             <a:xfrm rot="-5400000">
-              <a:off x="949426" y="3724110"/>
-              <a:ext cx="377653" cy="66941"/>
+              <a:off x="899320" y="3605491"/>
+              <a:ext cx="566479" cy="100412"/>
             </a:xfrm>
             <a:prstGeom prst="rect">
               <a:avLst/>
@@ -6737,7 +6737,7 @@
             <a:p>
               <a:pPr algn="l" marL="0" marR="0" indent="0">
                 <a:lnSpc>
-                  <a:spcPts val="569"/>
+                  <a:spcPts val="853"/>
                 </a:lnSpc>
                 <a:spcBef>
                   <a:spcPts val="0"/>
@@ -6747,9 +6747,9 @@
                 </a:spcAft>
               </a:pPr>
               <a:r>
-                <a:rPr sz="569">
+                <a:rPr sz="853">
                   <a:solidFill>
-                    <a:srgbClr val="00A08A">
+                    <a:srgbClr val="000C02">
                       <a:alpha val="100000"/>
                     </a:srgbClr>
                   </a:solidFill>
@@ -6769,8 +6769,8 @@
           </p:nvSpPr>
           <p:spPr>
             <a:xfrm rot="-5400000">
-              <a:off x="1165781" y="4208485"/>
-              <a:ext cx="417669" cy="52579"/>
+              <a:off x="1107786" y="4332054"/>
+              <a:ext cx="626504" cy="78868"/>
             </a:xfrm>
             <a:prstGeom prst="rect">
               <a:avLst/>
@@ -6783,7 +6783,7 @@
             <a:p>
               <a:pPr algn="l" marL="0" marR="0" indent="0">
                 <a:lnSpc>
-                  <a:spcPts val="569"/>
+                  <a:spcPts val="853"/>
                 </a:lnSpc>
                 <a:spcBef>
                   <a:spcPts val="0"/>
@@ -6793,9 +6793,9 @@
                 </a:spcAft>
               </a:pPr>
               <a:r>
-                <a:rPr sz="569">
+                <a:rPr sz="853">
                   <a:solidFill>
-                    <a:srgbClr val="FF0000">
+                    <a:srgbClr val="000C02">
                       <a:alpha val="100000"/>
                     </a:srgbClr>
                   </a:solidFill>
@@ -6815,8 +6815,8 @@
           </p:nvSpPr>
           <p:spPr>
             <a:xfrm rot="-5400000">
-              <a:off x="1384430" y="4220116"/>
-              <a:ext cx="437819" cy="53496"/>
+              <a:off x="1319693" y="4349500"/>
+              <a:ext cx="656728" cy="80245"/>
             </a:xfrm>
             <a:prstGeom prst="rect">
               <a:avLst/>
@@ -6829,7 +6829,7 @@
             <a:p>
               <a:pPr algn="l" marL="0" marR="0" indent="0">
                 <a:lnSpc>
-                  <a:spcPts val="569"/>
+                  <a:spcPts val="853"/>
                 </a:lnSpc>
                 <a:spcBef>
                   <a:spcPts val="0"/>
@@ -6839,9 +6839,9 @@
                 </a:spcAft>
               </a:pPr>
               <a:r>
-                <a:rPr sz="569">
+                <a:rPr sz="853">
                   <a:solidFill>
-                    <a:srgbClr val="FF0000">
+                    <a:srgbClr val="000C02">
                       <a:alpha val="100000"/>
                     </a:srgbClr>
                   </a:solidFill>
@@ -6861,8 +6861,8 @@
           </p:nvSpPr>
           <p:spPr>
             <a:xfrm rot="-5400000">
-              <a:off x="1574690" y="4252034"/>
-              <a:ext cx="502220" cy="66941"/>
+              <a:off x="1489016" y="4397377"/>
+              <a:ext cx="753330" cy="100412"/>
             </a:xfrm>
             <a:prstGeom prst="rect">
               <a:avLst/>
@@ -6875,7 +6875,7 @@
             <a:p>
               <a:pPr algn="l" marL="0" marR="0" indent="0">
                 <a:lnSpc>
-                  <a:spcPts val="569"/>
+                  <a:spcPts val="853"/>
                 </a:lnSpc>
                 <a:spcBef>
                   <a:spcPts val="0"/>
@@ -6885,9 +6885,9 @@
                 </a:spcAft>
               </a:pPr>
               <a:r>
-                <a:rPr sz="569">
+                <a:rPr sz="853">
                   <a:solidFill>
-                    <a:srgbClr val="FF0000">
+                    <a:srgbClr val="000C02">
                       <a:alpha val="100000"/>
                     </a:srgbClr>
                   </a:solidFill>
@@ -6907,8 +6907,8 @@
           </p:nvSpPr>
           <p:spPr>
             <a:xfrm rot="-5400000">
-              <a:off x="1884153" y="3745728"/>
-              <a:ext cx="341447" cy="67153"/>
+              <a:off x="1837143" y="3637917"/>
+              <a:ext cx="512171" cy="100729"/>
             </a:xfrm>
             <a:prstGeom prst="rect">
               <a:avLst/>
@@ -6921,7 +6921,7 @@
             <a:p>
               <a:pPr algn="l" marL="0" marR="0" indent="0">
                 <a:lnSpc>
-                  <a:spcPts val="569"/>
+                  <a:spcPts val="853"/>
                 </a:lnSpc>
                 <a:spcBef>
                   <a:spcPts val="0"/>
@@ -6931,9 +6931,9 @@
                 </a:spcAft>
               </a:pPr>
               <a:r>
-                <a:rPr sz="569">
+                <a:rPr sz="853">
                   <a:solidFill>
-                    <a:srgbClr val="00A08A">
+                    <a:srgbClr val="000C02">
                       <a:alpha val="100000"/>
                     </a:srgbClr>
                   </a:solidFill>
@@ -6953,8 +6953,8 @@
           </p:nvSpPr>
           <p:spPr>
             <a:xfrm rot="-5400000">
-              <a:off x="2135479" y="4129126"/>
-              <a:ext cx="297372" cy="66941"/>
+              <a:off x="2098065" y="4213014"/>
+              <a:ext cx="446059" cy="100412"/>
             </a:xfrm>
             <a:prstGeom prst="rect">
               <a:avLst/>
@@ -6967,7 +6967,7 @@
             <a:p>
               <a:pPr algn="l" marL="0" marR="0" indent="0">
                 <a:lnSpc>
-                  <a:spcPts val="569"/>
+                  <a:spcPts val="853"/>
                 </a:lnSpc>
                 <a:spcBef>
                   <a:spcPts val="0"/>
@@ -6977,9 +6977,9 @@
                 </a:spcAft>
               </a:pPr>
               <a:r>
-                <a:rPr sz="569">
+                <a:rPr sz="853">
                   <a:solidFill>
-                    <a:srgbClr val="FF0000">
+                    <a:srgbClr val="000C02">
                       <a:alpha val="100000"/>
                     </a:srgbClr>
                   </a:solidFill>
@@ -6999,8 +6999,8 @@
           </p:nvSpPr>
           <p:spPr>
             <a:xfrm rot="-5400000">
-              <a:off x="2380330" y="3791168"/>
-              <a:ext cx="265154" cy="67823"/>
+              <a:off x="2349273" y="3706078"/>
+              <a:ext cx="397732" cy="101735"/>
             </a:xfrm>
             <a:prstGeom prst="rect">
               <a:avLst/>
@@ -7013,7 +7013,7 @@
             <a:p>
               <a:pPr algn="l" marL="0" marR="0" indent="0">
                 <a:lnSpc>
-                  <a:spcPts val="569"/>
+                  <a:spcPts val="853"/>
                 </a:lnSpc>
                 <a:spcBef>
                   <a:spcPts val="0"/>
@@ -7023,9 +7023,9 @@
                 </a:spcAft>
               </a:pPr>
               <a:r>
-                <a:rPr sz="569">
+                <a:rPr sz="853">
                   <a:solidFill>
-                    <a:srgbClr val="00A08A">
+                    <a:srgbClr val="000C02">
                       <a:alpha val="100000"/>
                     </a:srgbClr>
                   </a:solidFill>
@@ -7045,8 +7045,8 @@
           </p:nvSpPr>
           <p:spPr>
             <a:xfrm rot="-5400000">
-              <a:off x="2427214" y="3572322"/>
-              <a:ext cx="630633" cy="66941"/>
+              <a:off x="2303533" y="3377809"/>
+              <a:ext cx="945950" cy="100412"/>
             </a:xfrm>
             <a:prstGeom prst="rect">
               <a:avLst/>
@@ -7059,7 +7059,7 @@
             <a:p>
               <a:pPr algn="l" marL="0" marR="0" indent="0">
                 <a:lnSpc>
-                  <a:spcPts val="569"/>
+                  <a:spcPts val="853"/>
                 </a:lnSpc>
                 <a:spcBef>
                   <a:spcPts val="0"/>
@@ -7069,9 +7069,9 @@
                 </a:spcAft>
               </a:pPr>
               <a:r>
-                <a:rPr sz="569">
+                <a:rPr sz="853">
                   <a:solidFill>
-                    <a:srgbClr val="00A08A">
+                    <a:srgbClr val="000C02">
                       <a:alpha val="100000"/>
                     </a:srgbClr>
                   </a:solidFill>
@@ -7091,8 +7091,8 @@
           </p:nvSpPr>
           <p:spPr>
             <a:xfrm rot="-5400000">
-              <a:off x="2698566" y="3622925"/>
-              <a:ext cx="546294" cy="66941"/>
+              <a:off x="2594494" y="3453714"/>
+              <a:ext cx="819442" cy="100412"/>
             </a:xfrm>
             <a:prstGeom prst="rect">
               <a:avLst/>
@@ -7105,7 +7105,7 @@
             <a:p>
               <a:pPr algn="l" marL="0" marR="0" indent="0">
                 <a:lnSpc>
-                  <a:spcPts val="569"/>
+                  <a:spcPts val="853"/>
                 </a:lnSpc>
                 <a:spcBef>
                   <a:spcPts val="0"/>
@@ -7115,9 +7115,9 @@
                 </a:spcAft>
               </a:pPr>
               <a:r>
-                <a:rPr sz="569">
+                <a:rPr sz="853">
                   <a:solidFill>
-                    <a:srgbClr val="00A08A">
+                    <a:srgbClr val="000C02">
                       <a:alpha val="100000"/>
                     </a:srgbClr>
                   </a:solidFill>
@@ -7137,8 +7137,8 @@
           </p:nvSpPr>
           <p:spPr>
             <a:xfrm rot="-5400000">
-              <a:off x="2932918" y="3627693"/>
-              <a:ext cx="550317" cy="52579"/>
+              <a:off x="2829955" y="3460865"/>
+              <a:ext cx="825476" cy="78868"/>
             </a:xfrm>
             <a:prstGeom prst="rect">
               <a:avLst/>
@@ -7151,7 +7151,7 @@
             <a:p>
               <a:pPr algn="l" marL="0" marR="0" indent="0">
                 <a:lnSpc>
-                  <a:spcPts val="569"/>
+                  <a:spcPts val="853"/>
                 </a:lnSpc>
                 <a:spcBef>
                   <a:spcPts val="0"/>
@@ -7161,9 +7161,9 @@
                 </a:spcAft>
               </a:pPr>
               <a:r>
-                <a:rPr sz="569">
+                <a:rPr sz="853">
                   <a:solidFill>
-                    <a:srgbClr val="00A08A">
+                    <a:srgbClr val="000C02">
                       <a:alpha val="100000"/>
                     </a:srgbClr>
                   </a:solidFill>
@@ -7183,8 +7183,8 @@
           </p:nvSpPr>
           <p:spPr>
             <a:xfrm rot="-5400000">
-              <a:off x="3168523" y="4263598"/>
-              <a:ext cx="522228" cy="67823"/>
+              <a:off x="3067296" y="4414723"/>
+              <a:ext cx="783342" cy="101735"/>
             </a:xfrm>
             <a:prstGeom prst="rect">
               <a:avLst/>
@@ -7197,7 +7197,7 @@
             <a:p>
               <a:pPr algn="l" marL="0" marR="0" indent="0">
                 <a:lnSpc>
-                  <a:spcPts val="569"/>
+                  <a:spcPts val="853"/>
                 </a:lnSpc>
                 <a:spcBef>
                   <a:spcPts val="0"/>
@@ -7207,9 +7207,9 @@
                 </a:spcAft>
               </a:pPr>
               <a:r>
-                <a:rPr sz="569">
+                <a:rPr sz="853">
                   <a:solidFill>
-                    <a:srgbClr val="FF0000">
+                    <a:srgbClr val="000C02">
                       <a:alpha val="100000"/>
                     </a:srgbClr>
                   </a:solidFill>
@@ -7229,8 +7229,8 @@
           </p:nvSpPr>
           <p:spPr>
             <a:xfrm rot="-5400000">
-              <a:off x="3412245" y="3654282"/>
-              <a:ext cx="494033" cy="66941"/>
+              <a:off x="3316811" y="3500749"/>
+              <a:ext cx="741049" cy="100412"/>
             </a:xfrm>
             <a:prstGeom prst="rect">
               <a:avLst/>
@@ -7243,7 +7243,7 @@
             <a:p>
               <a:pPr algn="l" marL="0" marR="0" indent="0">
                 <a:lnSpc>
-                  <a:spcPts val="569"/>
+                  <a:spcPts val="853"/>
                 </a:lnSpc>
                 <a:spcBef>
                   <a:spcPts val="0"/>
@@ -7253,9 +7253,9 @@
                 </a:spcAft>
               </a:pPr>
               <a:r>
-                <a:rPr sz="569">
+                <a:rPr sz="853">
                   <a:solidFill>
-                    <a:srgbClr val="00A08A">
+                    <a:srgbClr val="000C02">
                       <a:alpha val="100000"/>
                     </a:srgbClr>
                   </a:solidFill>
@@ -7275,8 +7275,8 @@
           </p:nvSpPr>
           <p:spPr>
             <a:xfrm rot="-5400000">
-              <a:off x="3736123" y="3767853"/>
-              <a:ext cx="305277" cy="66306"/>
+              <a:off x="3686561" y="3671106"/>
+              <a:ext cx="457915" cy="99459"/>
             </a:xfrm>
             <a:prstGeom prst="rect">
               <a:avLst/>
@@ -7289,7 +7289,7 @@
             <a:p>
               <a:pPr algn="l" marL="0" marR="0" indent="0">
                 <a:lnSpc>
-                  <a:spcPts val="569"/>
+                  <a:spcPts val="853"/>
                 </a:lnSpc>
                 <a:spcBef>
                   <a:spcPts val="0"/>
@@ -7299,9 +7299,9 @@
                 </a:spcAft>
               </a:pPr>
               <a:r>
-                <a:rPr sz="569">
+                <a:rPr sz="853">
                   <a:solidFill>
-                    <a:srgbClr val="00A08A">
+                    <a:srgbClr val="000C02">
                       <a:alpha val="100000"/>
                     </a:srgbClr>
                   </a:solidFill>
@@ -7321,8 +7321,8 @@
           </p:nvSpPr>
           <p:spPr>
             <a:xfrm rot="-5400000">
-              <a:off x="3965305" y="3767853"/>
-              <a:ext cx="305277" cy="66306"/>
+              <a:off x="3914268" y="3671106"/>
+              <a:ext cx="457915" cy="99459"/>
             </a:xfrm>
             <a:prstGeom prst="rect">
               <a:avLst/>
@@ -7335,7 +7335,7 @@
             <a:p>
               <a:pPr algn="l" marL="0" marR="0" indent="0">
                 <a:lnSpc>
-                  <a:spcPts val="569"/>
+                  <a:spcPts val="853"/>
                 </a:lnSpc>
                 <a:spcBef>
                   <a:spcPts val="0"/>
@@ -7345,9 +7345,9 @@
                 </a:spcAft>
               </a:pPr>
               <a:r>
-                <a:rPr sz="569">
+                <a:rPr sz="853">
                   <a:solidFill>
-                    <a:srgbClr val="00A08A">
+                    <a:srgbClr val="000C02">
                       <a:alpha val="100000"/>
                     </a:srgbClr>
                   </a:solidFill>
@@ -7367,8 +7367,8 @@
           </p:nvSpPr>
           <p:spPr>
             <a:xfrm rot="-5400000">
-              <a:off x="4194488" y="3767853"/>
-              <a:ext cx="305277" cy="66306"/>
+              <a:off x="4141974" y="3671106"/>
+              <a:ext cx="457915" cy="99459"/>
             </a:xfrm>
             <a:prstGeom prst="rect">
               <a:avLst/>
@@ -7381,7 +7381,7 @@
             <a:p>
               <a:pPr algn="l" marL="0" marR="0" indent="0">
                 <a:lnSpc>
-                  <a:spcPts val="569"/>
+                  <a:spcPts val="853"/>
                 </a:lnSpc>
                 <a:spcBef>
                   <a:spcPts val="0"/>
@@ -7391,9 +7391,9 @@
                 </a:spcAft>
               </a:pPr>
               <a:r>
-                <a:rPr sz="569">
+                <a:rPr sz="853">
                   <a:solidFill>
-                    <a:srgbClr val="00A08A">
+                    <a:srgbClr val="000C02">
                       <a:alpha val="100000"/>
                     </a:srgbClr>
                   </a:solidFill>
@@ -7413,8 +7413,8 @@
           </p:nvSpPr>
           <p:spPr>
             <a:xfrm rot="-5400000">
-              <a:off x="4423776" y="4134292"/>
-              <a:ext cx="305277" cy="66094"/>
+              <a:off x="4369840" y="4220764"/>
+              <a:ext cx="457915" cy="99141"/>
             </a:xfrm>
             <a:prstGeom prst="rect">
               <a:avLst/>
@@ -7427,7 +7427,7 @@
             <a:p>
               <a:pPr algn="l" marL="0" marR="0" indent="0">
                 <a:lnSpc>
-                  <a:spcPts val="569"/>
+                  <a:spcPts val="853"/>
                 </a:lnSpc>
                 <a:spcBef>
                   <a:spcPts val="0"/>
@@ -7437,9 +7437,9 @@
                 </a:spcAft>
               </a:pPr>
               <a:r>
-                <a:rPr sz="569">
+                <a:rPr sz="853">
                   <a:solidFill>
-                    <a:srgbClr val="FF0000">
+                    <a:srgbClr val="000C02">
                       <a:alpha val="100000"/>
                     </a:srgbClr>
                   </a:solidFill>
@@ -7459,8 +7459,8 @@
           </p:nvSpPr>
           <p:spPr>
             <a:xfrm rot="-5400000">
-              <a:off x="4652853" y="4134186"/>
-              <a:ext cx="305277" cy="66306"/>
+              <a:off x="4597388" y="4220605"/>
+              <a:ext cx="457915" cy="99459"/>
             </a:xfrm>
             <a:prstGeom prst="rect">
               <a:avLst/>
@@ -7473,7 +7473,7 @@
             <a:p>
               <a:pPr algn="l" marL="0" marR="0" indent="0">
                 <a:lnSpc>
-                  <a:spcPts val="569"/>
+                  <a:spcPts val="853"/>
                 </a:lnSpc>
                 <a:spcBef>
                   <a:spcPts val="0"/>
@@ -7483,9 +7483,9 @@
                 </a:spcAft>
               </a:pPr>
               <a:r>
-                <a:rPr sz="569">
+                <a:rPr sz="853">
                   <a:solidFill>
-                    <a:srgbClr val="FF0000">
+                    <a:srgbClr val="000C02">
                       <a:alpha val="100000"/>
                     </a:srgbClr>
                   </a:solidFill>
@@ -7505,8 +7505,8 @@
           </p:nvSpPr>
           <p:spPr>
             <a:xfrm rot="-5400000">
-              <a:off x="4882142" y="4134292"/>
-              <a:ext cx="305277" cy="66094"/>
+              <a:off x="4825254" y="4220764"/>
+              <a:ext cx="457915" cy="99141"/>
             </a:xfrm>
             <a:prstGeom prst="rect">
               <a:avLst/>
@@ -7519,7 +7519,7 @@
             <a:p>
               <a:pPr algn="l" marL="0" marR="0" indent="0">
                 <a:lnSpc>
-                  <a:spcPts val="569"/>
+                  <a:spcPts val="853"/>
                 </a:lnSpc>
                 <a:spcBef>
                   <a:spcPts val="0"/>
@@ -7529,9 +7529,9 @@
                 </a:spcAft>
               </a:pPr>
               <a:r>
-                <a:rPr sz="569">
+                <a:rPr sz="853">
                   <a:solidFill>
-                    <a:srgbClr val="FF0000">
+                    <a:srgbClr val="000C02">
                       <a:alpha val="100000"/>
                     </a:srgbClr>
                   </a:solidFill>
@@ -7551,8 +7551,8 @@
           </p:nvSpPr>
           <p:spPr>
             <a:xfrm rot="-5400000">
-              <a:off x="5169144" y="4063977"/>
-              <a:ext cx="188791" cy="66941"/>
+              <a:off x="5139690" y="4115291"/>
+              <a:ext cx="283186" cy="100412"/>
             </a:xfrm>
             <a:prstGeom prst="rect">
               <a:avLst/>
@@ -7565,7 +7565,7 @@
             <a:p>
               <a:pPr algn="l" marL="0" marR="0" indent="0">
                 <a:lnSpc>
-                  <a:spcPts val="569"/>
+                  <a:spcPts val="853"/>
                 </a:lnSpc>
                 <a:spcBef>
                   <a:spcPts val="0"/>
@@ -7575,9 +7575,9 @@
                 </a:spcAft>
               </a:pPr>
               <a:r>
-                <a:rPr sz="569">
+                <a:rPr sz="853">
                   <a:solidFill>
-                    <a:srgbClr val="F98400">
+                    <a:srgbClr val="7294D4">
                       <a:alpha val="100000"/>
                     </a:srgbClr>
                   </a:solidFill>
@@ -7597,8 +7597,8 @@
           </p:nvSpPr>
           <p:spPr>
             <a:xfrm rot="-5400000">
-              <a:off x="5374931" y="4106841"/>
-              <a:ext cx="249028" cy="53496"/>
+              <a:off x="5332303" y="4179588"/>
+              <a:ext cx="373542" cy="80245"/>
             </a:xfrm>
             <a:prstGeom prst="rect">
               <a:avLst/>
@@ -7611,7 +7611,7 @@
             <a:p>
               <a:pPr algn="l" marL="0" marR="0" indent="0">
                 <a:lnSpc>
-                  <a:spcPts val="569"/>
+                  <a:spcPts val="853"/>
                 </a:lnSpc>
                 <a:spcBef>
                   <a:spcPts val="0"/>
@@ -7621,9 +7621,9 @@
                 </a:spcAft>
               </a:pPr>
               <a:r>
-                <a:rPr sz="569">
+                <a:rPr sz="853">
                   <a:solidFill>
-                    <a:srgbClr val="F98400">
+                    <a:srgbClr val="7294D4">
                       <a:alpha val="100000"/>
                     </a:srgbClr>
                   </a:solidFill>
@@ -7643,8 +7643,8 @@
           </p:nvSpPr>
           <p:spPr>
             <a:xfrm rot="-5400000">
-              <a:off x="5589327" y="4109795"/>
-              <a:ext cx="265154" cy="66941"/>
+              <a:off x="5537831" y="4184018"/>
+              <a:ext cx="397732" cy="100412"/>
             </a:xfrm>
             <a:prstGeom prst="rect">
               <a:avLst/>
@@ -7657,7 +7657,7 @@
             <a:p>
               <a:pPr algn="l" marL="0" marR="0" indent="0">
                 <a:lnSpc>
-                  <a:spcPts val="569"/>
+                  <a:spcPts val="853"/>
                 </a:lnSpc>
                 <a:spcBef>
                   <a:spcPts val="0"/>
@@ -7667,9 +7667,9 @@
                 </a:spcAft>
               </a:pPr>
               <a:r>
-                <a:rPr sz="569">
+                <a:rPr sz="853">
                   <a:solidFill>
-                    <a:srgbClr val="F98400">
+                    <a:srgbClr val="7294D4">
                       <a:alpha val="100000"/>
                     </a:srgbClr>
                   </a:solidFill>
@@ -7689,8 +7689,8 @@
           </p:nvSpPr>
           <p:spPr>
             <a:xfrm rot="-5400000">
-              <a:off x="5881976" y="3866332"/>
-              <a:ext cx="152585" cy="52579"/>
+              <a:off x="5860736" y="3818824"/>
+              <a:ext cx="228878" cy="78868"/>
             </a:xfrm>
             <a:prstGeom prst="rect">
               <a:avLst/>
@@ -7703,7 +7703,7 @@
             <a:p>
               <a:pPr algn="l" marL="0" marR="0" indent="0">
                 <a:lnSpc>
-                  <a:spcPts val="569"/>
+                  <a:spcPts val="853"/>
                 </a:lnSpc>
                 <a:spcBef>
                   <a:spcPts val="0"/>
@@ -7713,9 +7713,9 @@
                 </a:spcAft>
               </a:pPr>
               <a:r>
-                <a:rPr sz="569">
+                <a:rPr sz="853">
                   <a:solidFill>
-                    <a:srgbClr val="046C9A">
+                    <a:srgbClr val="7294D4">
                       <a:alpha val="100000"/>
                     </a:srgbClr>
                   </a:solidFill>
@@ -7735,8 +7735,8 @@
           </p:nvSpPr>
           <p:spPr>
             <a:xfrm rot="-5400000">
-              <a:off x="6125203" y="3883185"/>
-              <a:ext cx="124496" cy="52579"/>
+              <a:off x="6109510" y="3844104"/>
+              <a:ext cx="186744" cy="78868"/>
             </a:xfrm>
             <a:prstGeom prst="rect">
               <a:avLst/>
@@ -7749,7 +7749,7 @@
             <a:p>
               <a:pPr algn="l" marL="0" marR="0" indent="0">
                 <a:lnSpc>
-                  <a:spcPts val="569"/>
+                  <a:spcPts val="853"/>
                 </a:lnSpc>
                 <a:spcBef>
                   <a:spcPts val="0"/>
@@ -7759,9 +7759,9 @@
                 </a:spcAft>
               </a:pPr>
               <a:r>
-                <a:rPr sz="569">
+                <a:rPr sz="853">
                   <a:solidFill>
-                    <a:srgbClr val="046C9A">
+                    <a:srgbClr val="7294D4">
                       <a:alpha val="100000"/>
                     </a:srgbClr>
                   </a:solidFill>
@@ -7781,8 +7781,8 @@
           </p:nvSpPr>
           <p:spPr>
             <a:xfrm rot="-5400000">
-              <a:off x="6346358" y="4042215"/>
-              <a:ext cx="140552" cy="52579"/>
+              <a:off x="6325175" y="4082648"/>
+              <a:ext cx="210828" cy="78868"/>
             </a:xfrm>
             <a:prstGeom prst="rect">
               <a:avLst/>
@@ -7795,7 +7795,7 @@
             <a:p>
               <a:pPr algn="l" marL="0" marR="0" indent="0">
                 <a:lnSpc>
-                  <a:spcPts val="569"/>
+                  <a:spcPts val="853"/>
                 </a:lnSpc>
                 <a:spcBef>
                   <a:spcPts val="0"/>
@@ -7805,9 +7805,9 @@
                 </a:spcAft>
               </a:pPr>
               <a:r>
-                <a:rPr sz="569">
+                <a:rPr sz="853">
                   <a:solidFill>
-                    <a:srgbClr val="F98400">
+                    <a:srgbClr val="7294D4">
                       <a:alpha val="100000"/>
                     </a:srgbClr>
                   </a:solidFill>
@@ -7827,8 +7827,8 @@
           </p:nvSpPr>
           <p:spPr>
             <a:xfrm rot="-5400000">
-              <a:off x="6534183" y="4076045"/>
-              <a:ext cx="208905" cy="66941"/>
+              <a:off x="6490845" y="4133394"/>
+              <a:ext cx="313358" cy="100412"/>
             </a:xfrm>
             <a:prstGeom prst="rect">
               <a:avLst/>
@@ -7841,7 +7841,7 @@
             <a:p>
               <a:pPr algn="l" marL="0" marR="0" indent="0">
                 <a:lnSpc>
-                  <a:spcPts val="569"/>
+                  <a:spcPts val="853"/>
                 </a:lnSpc>
                 <a:spcBef>
                   <a:spcPts val="0"/>
@@ -7851,9 +7851,9 @@
                 </a:spcAft>
               </a:pPr>
               <a:r>
-                <a:rPr sz="569">
+                <a:rPr sz="853">
                   <a:solidFill>
-                    <a:srgbClr val="F98400">
+                    <a:srgbClr val="7294D4">
                       <a:alpha val="100000"/>
                     </a:srgbClr>
                   </a:solidFill>
@@ -7873,8 +7873,8 @@
           </p:nvSpPr>
           <p:spPr>
             <a:xfrm rot="-5400000">
-              <a:off x="6789461" y="4044731"/>
-              <a:ext cx="156714" cy="66941"/>
+              <a:off x="6757696" y="4086422"/>
+              <a:ext cx="235071" cy="100412"/>
             </a:xfrm>
             <a:prstGeom prst="rect">
               <a:avLst/>
@@ -7887,7 +7887,7 @@
             <a:p>
               <a:pPr algn="l" marL="0" marR="0" indent="0">
                 <a:lnSpc>
-                  <a:spcPts val="569"/>
+                  <a:spcPts val="853"/>
                 </a:lnSpc>
                 <a:spcBef>
                   <a:spcPts val="0"/>
@@ -7897,9 +7897,9 @@
                 </a:spcAft>
               </a:pPr>
               <a:r>
-                <a:rPr sz="569">
+                <a:rPr sz="853">
                   <a:solidFill>
-                    <a:srgbClr val="F98400">
+                    <a:srgbClr val="7294D4">
                       <a:alpha val="100000"/>
                     </a:srgbClr>
                   </a:solidFill>
@@ -7919,8 +7919,8 @@
           </p:nvSpPr>
           <p:spPr>
             <a:xfrm rot="-5400000">
-              <a:off x="7016614" y="3854239"/>
-              <a:ext cx="160772" cy="66941"/>
+              <a:off x="6982359" y="3800684"/>
+              <a:ext cx="241158" cy="100412"/>
             </a:xfrm>
             <a:prstGeom prst="rect">
               <a:avLst/>
@@ -7933,7 +7933,7 @@
             <a:p>
               <a:pPr algn="l" marL="0" marR="0" indent="0">
                 <a:lnSpc>
-                  <a:spcPts val="569"/>
+                  <a:spcPts val="853"/>
                 </a:lnSpc>
                 <a:spcBef>
                   <a:spcPts val="0"/>
@@ -7943,9 +7943,9 @@
                 </a:spcAft>
               </a:pPr>
               <a:r>
-                <a:rPr sz="569">
+                <a:rPr sz="853">
                   <a:solidFill>
-                    <a:srgbClr val="046C9A">
+                    <a:srgbClr val="7294D4">
                       <a:alpha val="100000"/>
                     </a:srgbClr>
                   </a:solidFill>
@@ -7965,8 +7965,8 @@
           </p:nvSpPr>
           <p:spPr>
             <a:xfrm rot="-5400000">
-              <a:off x="7143409" y="3731372"/>
-              <a:ext cx="365549" cy="66941"/>
+              <a:off x="7056483" y="3616385"/>
+              <a:ext cx="548323" cy="100412"/>
             </a:xfrm>
             <a:prstGeom prst="rect">
               <a:avLst/>
@@ -7979,7 +7979,7 @@
             <a:p>
               <a:pPr algn="l" marL="0" marR="0" indent="0">
                 <a:lnSpc>
-                  <a:spcPts val="569"/>
+                  <a:spcPts val="853"/>
                 </a:lnSpc>
                 <a:spcBef>
                   <a:spcPts val="0"/>
@@ -7989,9 +7989,9 @@
                 </a:spcAft>
               </a:pPr>
               <a:r>
-                <a:rPr sz="569">
+                <a:rPr sz="853">
                   <a:solidFill>
-                    <a:srgbClr val="046C9A">
+                    <a:srgbClr val="7294D4">
                       <a:alpha val="100000"/>
                     </a:srgbClr>
                   </a:solidFill>
@@ -8011,8 +8011,8 @@
           </p:nvSpPr>
           <p:spPr>
             <a:xfrm rot="-5400000">
-              <a:off x="7497793" y="3880271"/>
-              <a:ext cx="128589" cy="53496"/>
+              <a:off x="7471993" y="3839732"/>
+              <a:ext cx="192884" cy="80245"/>
             </a:xfrm>
             <a:prstGeom prst="rect">
               <a:avLst/>
@@ -8025,7 +8025,7 @@
             <a:p>
               <a:pPr algn="l" marL="0" marR="0" indent="0">
                 <a:lnSpc>
-                  <a:spcPts val="569"/>
+                  <a:spcPts val="853"/>
                 </a:lnSpc>
                 <a:spcBef>
                   <a:spcPts val="0"/>
@@ -8035,9 +8035,9 @@
                 </a:spcAft>
               </a:pPr>
               <a:r>
-                <a:rPr sz="569">
+                <a:rPr sz="853">
                   <a:solidFill>
-                    <a:srgbClr val="046C9A">
+                    <a:srgbClr val="7294D4">
                       <a:alpha val="100000"/>
                     </a:srgbClr>
                   </a:solidFill>
@@ -8057,8 +8057,8 @@
           </p:nvSpPr>
           <p:spPr>
             <a:xfrm rot="-5400000">
-              <a:off x="7712949" y="3863438"/>
-              <a:ext cx="156643" cy="53496"/>
+              <a:off x="7678660" y="3814483"/>
+              <a:ext cx="234965" cy="80245"/>
             </a:xfrm>
             <a:prstGeom prst="rect">
               <a:avLst/>
@@ -8071,7 +8071,7 @@
             <a:p>
               <a:pPr algn="l" marL="0" marR="0" indent="0">
                 <a:lnSpc>
-                  <a:spcPts val="569"/>
+                  <a:spcPts val="853"/>
                 </a:lnSpc>
                 <a:spcBef>
                   <a:spcPts val="0"/>
@@ -8081,9 +8081,9 @@
                 </a:spcAft>
               </a:pPr>
               <a:r>
-                <a:rPr sz="569">
+                <a:rPr sz="853">
                   <a:solidFill>
-                    <a:srgbClr val="046C9A">
+                    <a:srgbClr val="7294D4">
                       <a:alpha val="100000"/>
                     </a:srgbClr>
                   </a:solidFill>
@@ -8103,8 +8103,8 @@
           </p:nvSpPr>
           <p:spPr>
             <a:xfrm rot="-5400000">
-              <a:off x="7897933" y="3810400"/>
-              <a:ext cx="245040" cy="53496"/>
+              <a:off x="7840069" y="3734926"/>
+              <a:ext cx="367560" cy="80245"/>
             </a:xfrm>
             <a:prstGeom prst="rect">
               <a:avLst/>
@@ -8117,7 +8117,7 @@
             <a:p>
               <a:pPr algn="l" marL="0" marR="0" indent="0">
                 <a:lnSpc>
-                  <a:spcPts val="569"/>
+                  <a:spcPts val="853"/>
                 </a:lnSpc>
                 <a:spcBef>
                   <a:spcPts val="0"/>
@@ -8127,9 +8127,9 @@
                 </a:spcAft>
               </a:pPr>
               <a:r>
-                <a:rPr sz="569">
+                <a:rPr sz="853">
                   <a:solidFill>
-                    <a:srgbClr val="046C9A">
+                    <a:srgbClr val="7294D4">
                       <a:alpha val="100000"/>
                     </a:srgbClr>
                   </a:solidFill>
@@ -8149,8 +8149,8 @@
           </p:nvSpPr>
           <p:spPr>
             <a:xfrm rot="-5400000">
-              <a:off x="8139608" y="4090468"/>
-              <a:ext cx="220973" cy="52579"/>
+              <a:off x="8086514" y="4155027"/>
+              <a:ext cx="331460" cy="78868"/>
             </a:xfrm>
             <a:prstGeom prst="rect">
               <a:avLst/>
@@ -8163,7 +8163,7 @@
             <a:p>
               <a:pPr algn="l" marL="0" marR="0" indent="0">
                 <a:lnSpc>
-                  <a:spcPts val="569"/>
+                  <a:spcPts val="853"/>
                 </a:lnSpc>
                 <a:spcBef>
                   <a:spcPts val="0"/>
@@ -8173,9 +8173,9 @@
                 </a:spcAft>
               </a:pPr>
               <a:r>
-                <a:rPr sz="569">
+                <a:rPr sz="853">
                   <a:solidFill>
-                    <a:srgbClr val="F98400">
+                    <a:srgbClr val="7294D4">
                       <a:alpha val="100000"/>
                     </a:srgbClr>
                   </a:solidFill>
@@ -8195,8 +8195,8 @@
           </p:nvSpPr>
           <p:spPr>
             <a:xfrm rot="-5400000">
-              <a:off x="8386911" y="3847043"/>
-              <a:ext cx="184733" cy="52579"/>
+              <a:off x="8341401" y="3789891"/>
+              <a:ext cx="277099" cy="78868"/>
             </a:xfrm>
             <a:prstGeom prst="rect">
               <a:avLst/>
@@ -8209,7 +8209,7 @@
             <a:p>
               <a:pPr algn="l" marL="0" marR="0" indent="0">
                 <a:lnSpc>
-                  <a:spcPts val="569"/>
+                  <a:spcPts val="853"/>
                 </a:lnSpc>
                 <a:spcBef>
                   <a:spcPts val="0"/>
@@ -8219,9 +8219,9 @@
                 </a:spcAft>
               </a:pPr>
               <a:r>
-                <a:rPr sz="569">
+                <a:rPr sz="853">
                   <a:solidFill>
-                    <a:srgbClr val="046C9A">
+                    <a:srgbClr val="7294D4">
                       <a:alpha val="100000"/>
                     </a:srgbClr>
                   </a:solidFill>
@@ -8241,21 +8241,21 @@
           </p:nvSpPr>
           <p:spPr>
             <a:xfrm>
-              <a:off x="1008347" y="3984173"/>
-              <a:ext cx="7608863" cy="0"/>
+              <a:off x="1057343" y="3995585"/>
+              <a:ext cx="7559867" cy="0"/>
             </a:xfrm>
             <a:custGeom>
               <a:avLst/>
               <a:pathLst>
-                <a:path w="7608863" h="0">
+                <a:path w="7559867" h="0">
                   <a:moveTo>
                     <a:pt x="0" y="0"/>
                   </a:moveTo>
                   <a:lnTo>
-                    <a:pt x="7608863" y="0"/>
-                  </a:lnTo>
-                  <a:lnTo>
-                    <a:pt x="7608863" y="0"/>
+                    <a:pt x="7559867" y="0"/>
+                  </a:lnTo>
+                  <a:lnTo>
+                    <a:pt x="7559867" y="0"/>
                   </a:lnTo>
                 </a:path>
               </a:pathLst>
@@ -8284,15 +8284,15 @@
           </p:nvSpPr>
           <p:spPr>
             <a:xfrm>
-              <a:off x="1008347" y="1894657"/>
-              <a:ext cx="0" cy="4127121"/>
+              <a:off x="1057343" y="1917773"/>
+              <a:ext cx="0" cy="4104006"/>
             </a:xfrm>
             <a:custGeom>
               <a:avLst/>
               <a:pathLst>
-                <a:path w="0" h="4127121">
+                <a:path w="0" h="4104006">
                   <a:moveTo>
-                    <a:pt x="0" y="4127121"/>
+                    <a:pt x="0" y="4104006"/>
                   </a:moveTo>
                   <a:lnTo>
                     <a:pt x="0" y="0"/>
@@ -8324,7 +8324,7 @@
           </p:nvSpPr>
           <p:spPr>
             <a:xfrm>
-              <a:off x="690983" y="5041375"/>
+              <a:off x="739978" y="5046632"/>
               <a:ext cx="254734" cy="81691"/>
             </a:xfrm>
             <a:prstGeom prst="rect">
@@ -8370,7 +8370,7 @@
           </p:nvSpPr>
           <p:spPr>
             <a:xfrm>
-              <a:off x="728200" y="3942481"/>
+              <a:off x="777195" y="3953893"/>
               <a:ext cx="217517" cy="81691"/>
             </a:xfrm>
             <a:prstGeom prst="rect">
@@ -8416,7 +8416,7 @@
           </p:nvSpPr>
           <p:spPr>
             <a:xfrm>
-              <a:off x="728200" y="2843588"/>
+              <a:off x="777195" y="2861155"/>
               <a:ext cx="217517" cy="81691"/>
             </a:xfrm>
             <a:prstGeom prst="rect">
@@ -8462,7 +8462,7 @@
           </p:nvSpPr>
           <p:spPr>
             <a:xfrm>
-              <a:off x="973553" y="5083066"/>
+              <a:off x="1022548" y="5088324"/>
               <a:ext cx="34794" cy="0"/>
             </a:xfrm>
             <a:custGeom>
@@ -8502,7 +8502,7 @@
           </p:nvSpPr>
           <p:spPr>
             <a:xfrm>
-              <a:off x="973553" y="3984173"/>
+              <a:off x="1022548" y="3995585"/>
               <a:ext cx="34794" cy="0"/>
             </a:xfrm>
             <a:custGeom>
@@ -8542,7 +8542,7 @@
           </p:nvSpPr>
           <p:spPr>
             <a:xfrm>
-              <a:off x="973553" y="2885279"/>
+              <a:off x="1022548" y="2902846"/>
               <a:ext cx="34794" cy="0"/>
             </a:xfrm>
             <a:custGeom>
@@ -8582,8 +8582,8 @@
           </p:nvSpPr>
           <p:spPr>
             <a:xfrm rot="-5400000">
-              <a:off x="-87229" y="3892666"/>
-              <a:ext cx="1296931" cy="131105"/>
+              <a:off x="-297619" y="3877304"/>
+              <a:ext cx="1732954" cy="184943"/>
             </a:xfrm>
             <a:prstGeom prst="rect">
               <a:avLst/>
@@ -8596,7 +8596,7 @@
             <a:p>
               <a:pPr algn="l" marL="0" marR="0" indent="0">
                 <a:lnSpc>
-                  <a:spcPts val="1100"/>
+                  <a:spcPts val="1600"/>
                 </a:lnSpc>
                 <a:spcBef>
                   <a:spcPts val="0"/>
@@ -8606,14 +8606,14 @@
                 </a:spcAft>
               </a:pPr>
               <a:r>
-                <a:rPr sz="1100">
+                <a:rPr sz="1600" i="1">
                   <a:solidFill>
                     <a:srgbClr val="000000">
                       <a:alpha val="100000"/>
                     </a:srgbClr>
                   </a:solidFill>
-                  <a:latin typeface="Arial"/>
-                  <a:cs typeface="Arial"/>
+                  <a:latin typeface="Times New Roman"/>
+                  <a:cs typeface="Times New Roman"/>
                 </a:rPr>
                 <a:t>Signed Contributions</a:t>
               </a:r>
@@ -8628,8 +8628,8 @@
           </p:nvSpPr>
           <p:spPr>
             <a:xfrm>
-              <a:off x="1008347" y="1665696"/>
-              <a:ext cx="3084314" cy="124092"/>
+              <a:off x="1057343" y="1660164"/>
+              <a:ext cx="3448248" cy="144164"/>
             </a:xfrm>
             <a:prstGeom prst="rect">
               <a:avLst/>
@@ -8642,7 +8642,7 @@
             <a:p>
               <a:pPr algn="l" marL="0" marR="0" indent="0">
                 <a:lnSpc>
-                  <a:spcPts val="1320"/>
+                  <a:spcPts val="1600"/>
                 </a:lnSpc>
                 <a:spcBef>
                   <a:spcPts val="0"/>
@@ -8652,14 +8652,14 @@
                 </a:spcAft>
               </a:pPr>
               <a:r>
-                <a:rPr sz="1320">
+                <a:rPr sz="1600">
                   <a:solidFill>
                     <a:srgbClr val="000000">
                       <a:alpha val="100000"/>
                     </a:srgbClr>
                   </a:solidFill>
-                  <a:latin typeface="Arial"/>
-                  <a:cs typeface="Arial"/>
+                  <a:latin typeface="Times New Roman"/>
+                  <a:cs typeface="Times New Roman"/>
                 </a:rPr>
                 <a:t>Contributions to the First Latent Variables</a:t>
               </a:r>
@@ -8811,21 +8811,21 @@
           </p:nvSpPr>
           <p:spPr>
             <a:xfrm>
-              <a:off x="946192" y="3379776"/>
-              <a:ext cx="7671018" cy="0"/>
+              <a:off x="995187" y="3394574"/>
+              <a:ext cx="7622023" cy="0"/>
             </a:xfrm>
             <a:custGeom>
               <a:avLst/>
               <a:pathLst>
-                <a:path w="7671018" h="0">
+                <a:path w="7622023" h="0">
                   <a:moveTo>
                     <a:pt x="0" y="0"/>
                   </a:moveTo>
                   <a:lnTo>
-                    <a:pt x="7671018" y="0"/>
-                  </a:lnTo>
-                  <a:lnTo>
-                    <a:pt x="7671018" y="0"/>
+                    <a:pt x="7622023" y="0"/>
+                  </a:lnTo>
+                  <a:lnTo>
+                    <a:pt x="7622023" y="0"/>
                   </a:lnTo>
                 </a:path>
               </a:pathLst>
@@ -8854,21 +8854,21 @@
           </p:nvSpPr>
           <p:spPr>
             <a:xfrm>
-              <a:off x="946192" y="3862548"/>
-              <a:ext cx="7671018" cy="0"/>
+              <a:off x="995187" y="3874642"/>
+              <a:ext cx="7622023" cy="0"/>
             </a:xfrm>
             <a:custGeom>
               <a:avLst/>
               <a:pathLst>
-                <a:path w="7671018" h="0">
+                <a:path w="7622023" h="0">
                   <a:moveTo>
                     <a:pt x="0" y="0"/>
                   </a:moveTo>
                   <a:lnTo>
-                    <a:pt x="7671018" y="0"/>
-                  </a:lnTo>
-                  <a:lnTo>
-                    <a:pt x="7671018" y="0"/>
+                    <a:pt x="7622023" y="0"/>
+                  </a:lnTo>
+                  <a:lnTo>
+                    <a:pt x="7622023" y="0"/>
                   </a:lnTo>
                 </a:path>
               </a:pathLst>
@@ -8897,20 +8897,20 @@
           </p:nvSpPr>
           <p:spPr>
             <a:xfrm>
-              <a:off x="976313" y="3621162"/>
-              <a:ext cx="180730" cy="465366"/>
+              <a:off x="1025117" y="3634608"/>
+              <a:ext cx="179576" cy="462760"/>
             </a:xfrm>
             <a:prstGeom prst="rect">
               <a:avLst/>
             </a:prstGeom>
             <a:solidFill>
-              <a:srgbClr val="00E9DA">
+              <a:srgbClr val="00461A">
                 <a:alpha val="100000"/>
               </a:srgbClr>
             </a:solidFill>
             <a:ln w="13550" cap="sq">
               <a:solidFill>
-                <a:srgbClr val="00A08A">
+                <a:srgbClr val="000C02">
                   <a:alpha val="100000"/>
                 </a:srgbClr>
               </a:solidFill>
@@ -8932,20 +8932,20 @@
           </p:nvSpPr>
           <p:spPr>
             <a:xfrm>
-              <a:off x="1177125" y="3246973"/>
-              <a:ext cx="180730" cy="374188"/>
+              <a:off x="1224646" y="3262515"/>
+              <a:ext cx="179576" cy="372093"/>
             </a:xfrm>
             <a:prstGeom prst="rect">
               <a:avLst/>
             </a:prstGeom>
             <a:solidFill>
-              <a:srgbClr val="FF9595">
+              <a:srgbClr val="00461A">
                 <a:alpha val="100000"/>
               </a:srgbClr>
             </a:solidFill>
             <a:ln w="13550" cap="sq">
               <a:solidFill>
-                <a:srgbClr val="FF0000">
+                <a:srgbClr val="000C02">
                   <a:alpha val="100000"/>
                 </a:srgbClr>
               </a:solidFill>
@@ -8967,20 +8967,20 @@
           </p:nvSpPr>
           <p:spPr>
             <a:xfrm>
-              <a:off x="1377938" y="3621162"/>
-              <a:ext cx="180730" cy="376458"/>
+              <a:off x="1424175" y="3634608"/>
+              <a:ext cx="179576" cy="374350"/>
             </a:xfrm>
             <a:prstGeom prst="rect">
               <a:avLst/>
             </a:prstGeom>
             <a:solidFill>
-              <a:srgbClr val="00E9DA">
+              <a:srgbClr val="00461A">
                 <a:alpha val="100000"/>
               </a:srgbClr>
             </a:solidFill>
             <a:ln w="13550" cap="sq">
               <a:solidFill>
-                <a:srgbClr val="00A08A">
+                <a:srgbClr val="000C02">
                   <a:alpha val="100000"/>
                 </a:srgbClr>
               </a:solidFill>
@@ -9002,20 +9002,20 @@
           </p:nvSpPr>
           <p:spPr>
             <a:xfrm>
-              <a:off x="1578750" y="3166182"/>
-              <a:ext cx="180730" cy="454980"/>
+              <a:off x="1623705" y="3182175"/>
+              <a:ext cx="179576" cy="452432"/>
             </a:xfrm>
             <a:prstGeom prst="rect">
               <a:avLst/>
             </a:prstGeom>
             <a:solidFill>
-              <a:srgbClr val="FF9595">
+              <a:srgbClr val="00461A">
                 <a:alpha val="100000"/>
               </a:srgbClr>
             </a:solidFill>
             <a:ln w="13550" cap="sq">
               <a:solidFill>
-                <a:srgbClr val="FF0000">
+                <a:srgbClr val="000C02">
                   <a:alpha val="100000"/>
                 </a:srgbClr>
               </a:solidFill>
@@ -9037,20 +9037,20 @@
           </p:nvSpPr>
           <p:spPr>
             <a:xfrm>
-              <a:off x="1779562" y="3334686"/>
-              <a:ext cx="180730" cy="286476"/>
+              <a:off x="1823234" y="3349736"/>
+              <a:ext cx="179576" cy="284871"/>
             </a:xfrm>
             <a:prstGeom prst="rect">
               <a:avLst/>
             </a:prstGeom>
             <a:solidFill>
-              <a:srgbClr val="FF9595">
+              <a:srgbClr val="00461A">
                 <a:alpha val="100000"/>
               </a:srgbClr>
             </a:solidFill>
             <a:ln w="13550" cap="sq">
               <a:solidFill>
-                <a:srgbClr val="FF0000">
+                <a:srgbClr val="000C02">
                   <a:alpha val="100000"/>
                 </a:srgbClr>
               </a:solidFill>
@@ -9072,20 +9072,20 @@
           </p:nvSpPr>
           <p:spPr>
             <a:xfrm>
-              <a:off x="1980374" y="3621162"/>
-              <a:ext cx="180730" cy="272742"/>
+              <a:off x="2022764" y="3634608"/>
+              <a:ext cx="179576" cy="271214"/>
             </a:xfrm>
             <a:prstGeom prst="rect">
               <a:avLst/>
             </a:prstGeom>
             <a:solidFill>
-              <a:srgbClr val="00E9DA">
+              <a:srgbClr val="00461A">
                 <a:alpha val="100000"/>
               </a:srgbClr>
             </a:solidFill>
             <a:ln w="13550" cap="sq">
               <a:solidFill>
-                <a:srgbClr val="00A08A">
+                <a:srgbClr val="000C02">
                   <a:alpha val="100000"/>
                 </a:srgbClr>
               </a:solidFill>
@@ -9107,20 +9107,20 @@
           </p:nvSpPr>
           <p:spPr>
             <a:xfrm>
-              <a:off x="2181186" y="2932873"/>
-              <a:ext cx="180730" cy="688289"/>
+              <a:off x="2222293" y="2950173"/>
+              <a:ext cx="179576" cy="684434"/>
             </a:xfrm>
             <a:prstGeom prst="rect">
               <a:avLst/>
             </a:prstGeom>
             <a:solidFill>
-              <a:srgbClr val="FF9595">
+              <a:srgbClr val="00461A">
                 <a:alpha val="100000"/>
               </a:srgbClr>
             </a:solidFill>
             <a:ln w="13550" cap="sq">
               <a:solidFill>
-                <a:srgbClr val="FF0000">
+                <a:srgbClr val="000C02">
                   <a:alpha val="100000"/>
                 </a:srgbClr>
               </a:solidFill>
@@ -9142,20 +9142,20 @@
           </p:nvSpPr>
           <p:spPr>
             <a:xfrm>
-              <a:off x="2381998" y="3186891"/>
-              <a:ext cx="180730" cy="434270"/>
+              <a:off x="2421822" y="3202769"/>
+              <a:ext cx="179576" cy="431838"/>
             </a:xfrm>
             <a:prstGeom prst="rect">
               <a:avLst/>
             </a:prstGeom>
             <a:solidFill>
-              <a:srgbClr val="FF9595">
+              <a:srgbClr val="00461A">
                 <a:alpha val="100000"/>
               </a:srgbClr>
             </a:solidFill>
             <a:ln w="13550" cap="sq">
               <a:solidFill>
-                <a:srgbClr val="FF0000">
+                <a:srgbClr val="000C02">
                   <a:alpha val="100000"/>
                 </a:srgbClr>
               </a:solidFill>
@@ -9177,20 +9177,20 @@
           </p:nvSpPr>
           <p:spPr>
             <a:xfrm>
-              <a:off x="2582810" y="3144963"/>
-              <a:ext cx="180730" cy="476198"/>
+              <a:off x="2621352" y="3161076"/>
+              <a:ext cx="179576" cy="473531"/>
             </a:xfrm>
             <a:prstGeom prst="rect">
               <a:avLst/>
             </a:prstGeom>
             <a:solidFill>
-              <a:srgbClr val="FF9595">
+              <a:srgbClr val="00461A">
                 <a:alpha val="100000"/>
               </a:srgbClr>
             </a:solidFill>
             <a:ln w="13550" cap="sq">
               <a:solidFill>
-                <a:srgbClr val="FF0000">
+                <a:srgbClr val="000C02">
                   <a:alpha val="100000"/>
                 </a:srgbClr>
               </a:solidFill>
@@ -9212,20 +9212,20 @@
           </p:nvSpPr>
           <p:spPr>
             <a:xfrm>
-              <a:off x="2783622" y="3621162"/>
-              <a:ext cx="180730" cy="898818"/>
+              <a:off x="2820881" y="3634608"/>
+              <a:ext cx="179576" cy="893784"/>
             </a:xfrm>
             <a:prstGeom prst="rect">
               <a:avLst/>
             </a:prstGeom>
             <a:solidFill>
-              <a:srgbClr val="00E9DA">
+              <a:srgbClr val="00461A">
                 <a:alpha val="100000"/>
               </a:srgbClr>
             </a:solidFill>
             <a:ln w="13550" cap="sq">
               <a:solidFill>
-                <a:srgbClr val="00A08A">
+                <a:srgbClr val="000C02">
                   <a:alpha val="100000"/>
                 </a:srgbClr>
               </a:solidFill>
@@ -9247,20 +9247,20 @@
           </p:nvSpPr>
           <p:spPr>
             <a:xfrm>
-              <a:off x="2984434" y="3621162"/>
-              <a:ext cx="180730" cy="315716"/>
+              <a:off x="3020411" y="3634608"/>
+              <a:ext cx="179576" cy="313948"/>
             </a:xfrm>
             <a:prstGeom prst="rect">
               <a:avLst/>
             </a:prstGeom>
             <a:solidFill>
-              <a:srgbClr val="00E9DA">
+              <a:srgbClr val="00461A">
                 <a:alpha val="100000"/>
               </a:srgbClr>
             </a:solidFill>
             <a:ln w="13550" cap="sq">
               <a:solidFill>
-                <a:srgbClr val="00A08A">
+                <a:srgbClr val="000C02">
                   <a:alpha val="100000"/>
                 </a:srgbClr>
               </a:solidFill>
@@ -9282,20 +9282,20 @@
           </p:nvSpPr>
           <p:spPr>
             <a:xfrm>
-              <a:off x="3185246" y="3299164"/>
-              <a:ext cx="180730" cy="321997"/>
+              <a:off x="3219940" y="3314413"/>
+              <a:ext cx="179576" cy="320194"/>
             </a:xfrm>
             <a:prstGeom prst="rect">
               <a:avLst/>
             </a:prstGeom>
             <a:solidFill>
-              <a:srgbClr val="FF9595">
+              <a:srgbClr val="00461A">
                 <a:alpha val="100000"/>
               </a:srgbClr>
             </a:solidFill>
             <a:ln w="13550" cap="sq">
               <a:solidFill>
-                <a:srgbClr val="FF0000">
+                <a:srgbClr val="000C02">
                   <a:alpha val="100000"/>
                 </a:srgbClr>
               </a:solidFill>
@@ -9317,20 +9317,20 @@
           </p:nvSpPr>
           <p:spPr>
             <a:xfrm>
-              <a:off x="3386058" y="2757927"/>
-              <a:ext cx="180730" cy="863234"/>
+              <a:off x="3419469" y="2776208"/>
+              <a:ext cx="179576" cy="858399"/>
             </a:xfrm>
             <a:prstGeom prst="rect">
               <a:avLst/>
             </a:prstGeom>
             <a:solidFill>
-              <a:srgbClr val="FF9595">
+              <a:srgbClr val="00461A">
                 <a:alpha val="100000"/>
               </a:srgbClr>
             </a:solidFill>
             <a:ln w="13550" cap="sq">
               <a:solidFill>
-                <a:srgbClr val="FF0000">
+                <a:srgbClr val="000C02">
                   <a:alpha val="100000"/>
                 </a:srgbClr>
               </a:solidFill>
@@ -9352,20 +9352,20 @@
           </p:nvSpPr>
           <p:spPr>
             <a:xfrm>
-              <a:off x="3586870" y="3621162"/>
-              <a:ext cx="180730" cy="387997"/>
+              <a:off x="3618999" y="3634608"/>
+              <a:ext cx="179576" cy="385824"/>
             </a:xfrm>
             <a:prstGeom prst="rect">
               <a:avLst/>
             </a:prstGeom>
             <a:solidFill>
-              <a:srgbClr val="00E9DA">
+              <a:srgbClr val="00461A">
                 <a:alpha val="100000"/>
               </a:srgbClr>
             </a:solidFill>
             <a:ln w="13550" cap="sq">
               <a:solidFill>
-                <a:srgbClr val="00A08A">
+                <a:srgbClr val="000C02">
                   <a:alpha val="100000"/>
                 </a:srgbClr>
               </a:solidFill>
@@ -9387,20 +9387,20 @@
           </p:nvSpPr>
           <p:spPr>
             <a:xfrm>
-              <a:off x="3787682" y="3095825"/>
-              <a:ext cx="180730" cy="525336"/>
+              <a:off x="3818528" y="3112213"/>
+              <a:ext cx="179576" cy="522394"/>
             </a:xfrm>
             <a:prstGeom prst="rect">
               <a:avLst/>
             </a:prstGeom>
             <a:solidFill>
-              <a:srgbClr val="FF9595">
+              <a:srgbClr val="00461A">
                 <a:alpha val="100000"/>
               </a:srgbClr>
             </a:solidFill>
             <a:ln w="13550" cap="sq">
               <a:solidFill>
-                <a:srgbClr val="FF0000">
+                <a:srgbClr val="000C02">
                   <a:alpha val="100000"/>
                 </a:srgbClr>
               </a:solidFill>
@@ -9422,20 +9422,20 @@
           </p:nvSpPr>
           <p:spPr>
             <a:xfrm>
-              <a:off x="3988494" y="2889119"/>
-              <a:ext cx="180730" cy="732042"/>
+              <a:off x="4018058" y="2906665"/>
+              <a:ext cx="179576" cy="727942"/>
             </a:xfrm>
             <a:prstGeom prst="rect">
               <a:avLst/>
             </a:prstGeom>
             <a:solidFill>
-              <a:srgbClr val="FF9595">
+              <a:srgbClr val="00461A">
                 <a:alpha val="100000"/>
               </a:srgbClr>
             </a:solidFill>
             <a:ln w="13550" cap="sq">
               <a:solidFill>
-                <a:srgbClr val="FF0000">
+                <a:srgbClr val="000C02">
                   <a:alpha val="100000"/>
                 </a:srgbClr>
               </a:solidFill>
@@ -9457,20 +9457,20 @@
           </p:nvSpPr>
           <p:spPr>
             <a:xfrm>
-              <a:off x="4189306" y="3621162"/>
-              <a:ext cx="180730" cy="1844183"/>
+              <a:off x="4217587" y="3634608"/>
+              <a:ext cx="179576" cy="1833854"/>
             </a:xfrm>
             <a:prstGeom prst="rect">
               <a:avLst/>
             </a:prstGeom>
             <a:solidFill>
-              <a:srgbClr val="00E9DA">
+              <a:srgbClr val="00461A">
                 <a:alpha val="100000"/>
               </a:srgbClr>
             </a:solidFill>
             <a:ln w="13550" cap="sq">
               <a:solidFill>
-                <a:srgbClr val="00A08A">
+                <a:srgbClr val="000C02">
                   <a:alpha val="100000"/>
                 </a:srgbClr>
               </a:solidFill>
@@ -9492,20 +9492,20 @@
           </p:nvSpPr>
           <p:spPr>
             <a:xfrm>
-              <a:off x="4390118" y="3019986"/>
-              <a:ext cx="180730" cy="601175"/>
+              <a:off x="4417116" y="3036799"/>
+              <a:ext cx="179576" cy="597808"/>
             </a:xfrm>
             <a:prstGeom prst="rect">
               <a:avLst/>
             </a:prstGeom>
             <a:solidFill>
-              <a:srgbClr val="FF9595">
+              <a:srgbClr val="00461A">
                 <a:alpha val="100000"/>
               </a:srgbClr>
             </a:solidFill>
             <a:ln w="13550" cap="sq">
               <a:solidFill>
-                <a:srgbClr val="FF0000">
+                <a:srgbClr val="000C02">
                   <a:alpha val="100000"/>
                 </a:srgbClr>
               </a:solidFill>
@@ -9527,20 +9527,20 @@
           </p:nvSpPr>
           <p:spPr>
             <a:xfrm>
-              <a:off x="4590930" y="3163857"/>
-              <a:ext cx="180730" cy="457304"/>
+              <a:off x="4616646" y="3179864"/>
+              <a:ext cx="179576" cy="454743"/>
             </a:xfrm>
             <a:prstGeom prst="rect">
               <a:avLst/>
             </a:prstGeom>
             <a:solidFill>
-              <a:srgbClr val="FF9595">
+              <a:srgbClr val="00461A">
                 <a:alpha val="100000"/>
               </a:srgbClr>
             </a:solidFill>
             <a:ln w="13550" cap="sq">
               <a:solidFill>
-                <a:srgbClr val="FF0000">
+                <a:srgbClr val="000C02">
                   <a:alpha val="100000"/>
                 </a:srgbClr>
               </a:solidFill>
@@ -9562,20 +9562,20 @@
           </p:nvSpPr>
           <p:spPr>
             <a:xfrm>
-              <a:off x="4791742" y="3254708"/>
-              <a:ext cx="180730" cy="366453"/>
+              <a:off x="4816175" y="3270206"/>
+              <a:ext cx="179576" cy="364401"/>
             </a:xfrm>
             <a:prstGeom prst="rect">
               <a:avLst/>
             </a:prstGeom>
             <a:solidFill>
-              <a:srgbClr val="FF9595">
+              <a:srgbClr val="00461A">
                 <a:alpha val="100000"/>
               </a:srgbClr>
             </a:solidFill>
             <a:ln w="13550" cap="sq">
               <a:solidFill>
-                <a:srgbClr val="FF0000">
+                <a:srgbClr val="000C02">
                   <a:alpha val="100000"/>
                 </a:srgbClr>
               </a:solidFill>
@@ -9597,20 +9597,20 @@
           </p:nvSpPr>
           <p:spPr>
             <a:xfrm>
-              <a:off x="4992554" y="3621162"/>
-              <a:ext cx="180730" cy="377152"/>
+              <a:off x="5015705" y="3634608"/>
+              <a:ext cx="179576" cy="375039"/>
             </a:xfrm>
             <a:prstGeom prst="rect">
               <a:avLst/>
             </a:prstGeom>
             <a:solidFill>
-              <a:srgbClr val="00E9DA">
+              <a:srgbClr val="00461A">
                 <a:alpha val="100000"/>
               </a:srgbClr>
             </a:solidFill>
             <a:ln w="13550" cap="sq">
               <a:solidFill>
-                <a:srgbClr val="00A08A">
+                <a:srgbClr val="000C02">
                   <a:alpha val="100000"/>
                 </a:srgbClr>
               </a:solidFill>
@@ -9632,20 +9632,20 @@
           </p:nvSpPr>
           <p:spPr>
             <a:xfrm>
-              <a:off x="5193366" y="3152201"/>
-              <a:ext cx="180730" cy="468961"/>
+              <a:off x="5215234" y="3168273"/>
+              <a:ext cx="179576" cy="466334"/>
             </a:xfrm>
             <a:prstGeom prst="rect">
               <a:avLst/>
             </a:prstGeom>
             <a:solidFill>
-              <a:srgbClr val="FF9595">
+              <a:srgbClr val="00461A">
                 <a:alpha val="100000"/>
               </a:srgbClr>
             </a:solidFill>
             <a:ln w="13550" cap="sq">
               <a:solidFill>
-                <a:srgbClr val="FF0000">
+                <a:srgbClr val="000C02">
                   <a:alpha val="100000"/>
                 </a:srgbClr>
               </a:solidFill>
@@ -9667,20 +9667,20 @@
           </p:nvSpPr>
           <p:spPr>
             <a:xfrm>
-              <a:off x="5394178" y="3621162"/>
-              <a:ext cx="180730" cy="386390"/>
+              <a:off x="5414763" y="3634608"/>
+              <a:ext cx="179576" cy="384226"/>
             </a:xfrm>
             <a:prstGeom prst="rect">
               <a:avLst/>
             </a:prstGeom>
             <a:solidFill>
-              <a:srgbClr val="00E9DA">
+              <a:srgbClr val="00461A">
                 <a:alpha val="100000"/>
               </a:srgbClr>
             </a:solidFill>
             <a:ln w="13550" cap="sq">
               <a:solidFill>
-                <a:srgbClr val="00A08A">
+                <a:srgbClr val="000C02">
                   <a:alpha val="100000"/>
                 </a:srgbClr>
               </a:solidFill>
@@ -9702,20 +9702,20 @@
           </p:nvSpPr>
           <p:spPr>
             <a:xfrm>
-              <a:off x="5594990" y="3352338"/>
-              <a:ext cx="180730" cy="268824"/>
+              <a:off x="5614293" y="3367289"/>
+              <a:ext cx="179576" cy="267318"/>
             </a:xfrm>
             <a:prstGeom prst="rect">
               <a:avLst/>
             </a:prstGeom>
             <a:solidFill>
-              <a:srgbClr val="FF9595">
+              <a:srgbClr val="00461A">
                 <a:alpha val="100000"/>
               </a:srgbClr>
             </a:solidFill>
             <a:ln w="13550" cap="sq">
               <a:solidFill>
-                <a:srgbClr val="FF0000">
+                <a:srgbClr val="000C02">
                   <a:alpha val="100000"/>
                 </a:srgbClr>
               </a:solidFill>
@@ -9737,20 +9737,20 @@
           </p:nvSpPr>
           <p:spPr>
             <a:xfrm>
-              <a:off x="5795802" y="2595484"/>
-              <a:ext cx="180730" cy="1025677"/>
+              <a:off x="5813822" y="2614675"/>
+              <a:ext cx="179576" cy="1019932"/>
             </a:xfrm>
             <a:prstGeom prst="rect">
               <a:avLst/>
             </a:prstGeom>
             <a:solidFill>
-              <a:srgbClr val="FFD48E">
+              <a:srgbClr val="DFE8F6">
                 <a:alpha val="100000"/>
               </a:srgbClr>
             </a:solidFill>
             <a:ln w="13550" cap="sq">
               <a:solidFill>
-                <a:srgbClr val="F98400">
+                <a:srgbClr val="7294D4">
                   <a:alpha val="100000"/>
                 </a:srgbClr>
               </a:solidFill>
@@ -9772,20 +9772,20 @@
           </p:nvSpPr>
           <p:spPr>
             <a:xfrm>
-              <a:off x="5996614" y="2338739"/>
-              <a:ext cx="180730" cy="1282423"/>
+              <a:off x="6013352" y="2359367"/>
+              <a:ext cx="179576" cy="1275240"/>
             </a:xfrm>
             <a:prstGeom prst="rect">
               <a:avLst/>
             </a:prstGeom>
             <a:solidFill>
-              <a:srgbClr val="FFD48E">
+              <a:srgbClr val="DFE8F6">
                 <a:alpha val="100000"/>
               </a:srgbClr>
             </a:solidFill>
             <a:ln w="13550" cap="sq">
               <a:solidFill>
-                <a:srgbClr val="F98400">
+                <a:srgbClr val="7294D4">
                   <a:alpha val="100000"/>
                 </a:srgbClr>
               </a:solidFill>
@@ -9807,20 +9807,20 @@
           </p:nvSpPr>
           <p:spPr>
             <a:xfrm>
-              <a:off x="6197426" y="2562488"/>
-              <a:ext cx="180730" cy="1058674"/>
+              <a:off x="6212881" y="2581863"/>
+              <a:ext cx="179576" cy="1052745"/>
             </a:xfrm>
             <a:prstGeom prst="rect">
               <a:avLst/>
             </a:prstGeom>
             <a:solidFill>
-              <a:srgbClr val="FFD48E">
+              <a:srgbClr val="DFE8F6">
                 <a:alpha val="100000"/>
               </a:srgbClr>
             </a:solidFill>
             <a:ln w="13550" cap="sq">
               <a:solidFill>
-                <a:srgbClr val="F98400">
+                <a:srgbClr val="7294D4">
                   <a:alpha val="100000"/>
                 </a:srgbClr>
               </a:solidFill>
@@ -9842,20 +9842,20 @@
           </p:nvSpPr>
           <p:spPr>
             <a:xfrm>
-              <a:off x="6398238" y="2937466"/>
-              <a:ext cx="180730" cy="683696"/>
+              <a:off x="6412411" y="2954740"/>
+              <a:ext cx="179576" cy="679867"/>
             </a:xfrm>
             <a:prstGeom prst="rect">
               <a:avLst/>
             </a:prstGeom>
             <a:solidFill>
-              <a:srgbClr val="FFD48E">
+              <a:srgbClr val="DFE8F6">
                 <a:alpha val="100000"/>
               </a:srgbClr>
             </a:solidFill>
             <a:ln w="13550" cap="sq">
               <a:solidFill>
-                <a:srgbClr val="F98400">
+                <a:srgbClr val="7294D4">
                   <a:alpha val="100000"/>
                 </a:srgbClr>
               </a:solidFill>
@@ -9877,20 +9877,20 @@
           </p:nvSpPr>
           <p:spPr>
             <a:xfrm>
-              <a:off x="6599050" y="3036011"/>
-              <a:ext cx="180730" cy="585150"/>
+              <a:off x="6611940" y="3052734"/>
+              <a:ext cx="179576" cy="581873"/>
             </a:xfrm>
             <a:prstGeom prst="rect">
               <a:avLst/>
             </a:prstGeom>
             <a:solidFill>
-              <a:srgbClr val="FFD48E">
+              <a:srgbClr val="DFE8F6">
                 <a:alpha val="100000"/>
               </a:srgbClr>
             </a:solidFill>
             <a:ln w="13550" cap="sq">
               <a:solidFill>
-                <a:srgbClr val="F98400">
+                <a:srgbClr val="7294D4">
                   <a:alpha val="100000"/>
                 </a:srgbClr>
               </a:solidFill>
@@ -9912,20 +9912,20 @@
           </p:nvSpPr>
           <p:spPr>
             <a:xfrm>
-              <a:off x="6799862" y="3621162"/>
-              <a:ext cx="180730" cy="771620"/>
+              <a:off x="6811469" y="3634608"/>
+              <a:ext cx="179576" cy="767298"/>
             </a:xfrm>
             <a:prstGeom prst="rect">
               <a:avLst/>
             </a:prstGeom>
             <a:solidFill>
-              <a:srgbClr val="27C4E5">
+              <a:srgbClr val="DFE8F6">
                 <a:alpha val="100000"/>
               </a:srgbClr>
             </a:solidFill>
             <a:ln w="13550" cap="sq">
               <a:solidFill>
-                <a:srgbClr val="046C9A">
+                <a:srgbClr val="7294D4">
                   <a:alpha val="100000"/>
                 </a:srgbClr>
               </a:solidFill>
@@ -9947,20 +9947,20 @@
           </p:nvSpPr>
           <p:spPr>
             <a:xfrm>
-              <a:off x="7000674" y="2971622"/>
-              <a:ext cx="180730" cy="649539"/>
+              <a:off x="7010999" y="2988706"/>
+              <a:ext cx="179576" cy="645901"/>
             </a:xfrm>
             <a:prstGeom prst="rect">
               <a:avLst/>
             </a:prstGeom>
             <a:solidFill>
-              <a:srgbClr val="FFD48E">
+              <a:srgbClr val="DFE8F6">
                 <a:alpha val="100000"/>
               </a:srgbClr>
             </a:solidFill>
             <a:ln w="13550" cap="sq">
               <a:solidFill>
-                <a:srgbClr val="F98400">
+                <a:srgbClr val="7294D4">
                   <a:alpha val="100000"/>
                 </a:srgbClr>
               </a:solidFill>
@@ -9982,20 +9982,20 @@
           </p:nvSpPr>
           <p:spPr>
             <a:xfrm>
-              <a:off x="7201486" y="3034617"/>
-              <a:ext cx="180730" cy="586544"/>
+              <a:off x="7210528" y="3051348"/>
+              <a:ext cx="179576" cy="583259"/>
             </a:xfrm>
             <a:prstGeom prst="rect">
               <a:avLst/>
             </a:prstGeom>
             <a:solidFill>
-              <a:srgbClr val="FFD48E">
+              <a:srgbClr val="DFE8F6">
                 <a:alpha val="100000"/>
               </a:srgbClr>
             </a:solidFill>
             <a:ln w="13550" cap="sq">
               <a:solidFill>
-                <a:srgbClr val="F98400">
+                <a:srgbClr val="7294D4">
                   <a:alpha val="100000"/>
                 </a:srgbClr>
               </a:solidFill>
@@ -10017,20 +10017,20 @@
           </p:nvSpPr>
           <p:spPr>
             <a:xfrm>
-              <a:off x="7402298" y="3621162"/>
-              <a:ext cx="180730" cy="1090358"/>
+              <a:off x="7410058" y="3634608"/>
+              <a:ext cx="179576" cy="1084251"/>
             </a:xfrm>
             <a:prstGeom prst="rect">
               <a:avLst/>
             </a:prstGeom>
             <a:solidFill>
-              <a:srgbClr val="27C4E5">
+              <a:srgbClr val="DFE8F6">
                 <a:alpha val="100000"/>
               </a:srgbClr>
             </a:solidFill>
             <a:ln w="13550" cap="sq">
               <a:solidFill>
-                <a:srgbClr val="046C9A">
+                <a:srgbClr val="7294D4">
                   <a:alpha val="100000"/>
                 </a:srgbClr>
               </a:solidFill>
@@ -10052,20 +10052,20 @@
           </p:nvSpPr>
           <p:spPr>
             <a:xfrm>
-              <a:off x="7603110" y="3621162"/>
-              <a:ext cx="180730" cy="1093387"/>
+              <a:off x="7609587" y="3634608"/>
+              <a:ext cx="179576" cy="1087263"/>
             </a:xfrm>
             <a:prstGeom prst="rect">
               <a:avLst/>
             </a:prstGeom>
             <a:solidFill>
-              <a:srgbClr val="27C4E5">
+              <a:srgbClr val="DFE8F6">
                 <a:alpha val="100000"/>
               </a:srgbClr>
             </a:solidFill>
             <a:ln w="13550" cap="sq">
               <a:solidFill>
-                <a:srgbClr val="046C9A">
+                <a:srgbClr val="7294D4">
                   <a:alpha val="100000"/>
                 </a:srgbClr>
               </a:solidFill>
@@ -10087,20 +10087,20 @@
           </p:nvSpPr>
           <p:spPr>
             <a:xfrm>
-              <a:off x="7803922" y="2655809"/>
-              <a:ext cx="180730" cy="965353"/>
+              <a:off x="7809116" y="2674661"/>
+              <a:ext cx="179576" cy="959946"/>
             </a:xfrm>
             <a:prstGeom prst="rect">
               <a:avLst/>
             </a:prstGeom>
             <a:solidFill>
-              <a:srgbClr val="FFD48E">
+              <a:srgbClr val="DFE8F6">
                 <a:alpha val="100000"/>
               </a:srgbClr>
             </a:solidFill>
             <a:ln w="13550" cap="sq">
               <a:solidFill>
-                <a:srgbClr val="F98400">
+                <a:srgbClr val="7294D4">
                   <a:alpha val="100000"/>
                 </a:srgbClr>
               </a:solidFill>
@@ -10122,20 +10122,20 @@
           </p:nvSpPr>
           <p:spPr>
             <a:xfrm>
-              <a:off x="8004734" y="3621162"/>
-              <a:ext cx="180730" cy="478004"/>
+              <a:off x="8008646" y="3634608"/>
+              <a:ext cx="179576" cy="475327"/>
             </a:xfrm>
             <a:prstGeom prst="rect">
               <a:avLst/>
             </a:prstGeom>
             <a:solidFill>
-              <a:srgbClr val="27C4E5">
+              <a:srgbClr val="DFE8F6">
                 <a:alpha val="100000"/>
               </a:srgbClr>
             </a:solidFill>
             <a:ln w="13550" cap="sq">
               <a:solidFill>
-                <a:srgbClr val="046C9A">
+                <a:srgbClr val="7294D4">
                   <a:alpha val="100000"/>
                 </a:srgbClr>
               </a:solidFill>
@@ -10157,20 +10157,20 @@
           </p:nvSpPr>
           <p:spPr>
             <a:xfrm>
-              <a:off x="8205546" y="2958555"/>
-              <a:ext cx="180730" cy="662606"/>
+              <a:off x="8208175" y="2975712"/>
+              <a:ext cx="179576" cy="658895"/>
             </a:xfrm>
             <a:prstGeom prst="rect">
               <a:avLst/>
             </a:prstGeom>
             <a:solidFill>
-              <a:srgbClr val="FFD48E">
+              <a:srgbClr val="DFE8F6">
                 <a:alpha val="100000"/>
               </a:srgbClr>
             </a:solidFill>
             <a:ln w="13550" cap="sq">
               <a:solidFill>
-                <a:srgbClr val="F98400">
+                <a:srgbClr val="7294D4">
                   <a:alpha val="100000"/>
                 </a:srgbClr>
               </a:solidFill>
@@ -10192,20 +10192,20 @@
           </p:nvSpPr>
           <p:spPr>
             <a:xfrm>
-              <a:off x="8406358" y="3621162"/>
-              <a:ext cx="180730" cy="1197822"/>
+              <a:off x="8407705" y="3634608"/>
+              <a:ext cx="179576" cy="1191114"/>
             </a:xfrm>
             <a:prstGeom prst="rect">
               <a:avLst/>
             </a:prstGeom>
             <a:solidFill>
-              <a:srgbClr val="27C4E5">
+              <a:srgbClr val="DFE8F6">
                 <a:alpha val="100000"/>
               </a:srgbClr>
             </a:solidFill>
             <a:ln w="13550" cap="sq">
               <a:solidFill>
-                <a:srgbClr val="046C9A">
+                <a:srgbClr val="7294D4">
                   <a:alpha val="100000"/>
                 </a:srgbClr>
               </a:solidFill>
@@ -10227,8 +10227,8 @@
           </p:nvSpPr>
           <p:spPr>
             <a:xfrm rot="-5400000">
-              <a:off x="870248" y="3361099"/>
-              <a:ext cx="377653" cy="66941"/>
+              <a:off x="820258" y="3244514"/>
+              <a:ext cx="566479" cy="100412"/>
             </a:xfrm>
             <a:prstGeom prst="rect">
               <a:avLst/>
@@ -10241,7 +10241,7 @@
             <a:p>
               <a:pPr algn="l" marL="0" marR="0" indent="0">
                 <a:lnSpc>
-                  <a:spcPts val="569"/>
+                  <a:spcPts val="853"/>
                 </a:lnSpc>
                 <a:spcBef>
                   <a:spcPts val="0"/>
@@ -10251,9 +10251,9 @@
                 </a:spcAft>
               </a:pPr>
               <a:r>
-                <a:rPr sz="569">
+                <a:rPr sz="853">
                   <a:solidFill>
-                    <a:srgbClr val="00A08A">
+                    <a:srgbClr val="000C02">
                       <a:alpha val="100000"/>
                     </a:srgbClr>
                   </a:solidFill>
@@ -10273,8 +10273,8 @@
           </p:nvSpPr>
           <p:spPr>
             <a:xfrm rot="-5400000">
-              <a:off x="1058233" y="3845474"/>
-              <a:ext cx="417669" cy="52579"/>
+              <a:off x="1000547" y="3971076"/>
+              <a:ext cx="626504" cy="78868"/>
             </a:xfrm>
             <a:prstGeom prst="rect">
               <a:avLst/>
@@ -10287,7 +10287,7 @@
             <a:p>
               <a:pPr algn="l" marL="0" marR="0" indent="0">
                 <a:lnSpc>
-                  <a:spcPts val="569"/>
+                  <a:spcPts val="853"/>
                 </a:lnSpc>
                 <a:spcBef>
                   <a:spcPts val="0"/>
@@ -10297,9 +10297,9 @@
                 </a:spcAft>
               </a:pPr>
               <a:r>
-                <a:rPr sz="569">
+                <a:rPr sz="853">
                   <a:solidFill>
-                    <a:srgbClr val="FF0000">
+                    <a:srgbClr val="000C02">
                       <a:alpha val="100000"/>
                     </a:srgbClr>
                   </a:solidFill>
@@ -10319,8 +10319,8 @@
           </p:nvSpPr>
           <p:spPr>
             <a:xfrm rot="-5400000">
-              <a:off x="1315241" y="3411706"/>
-              <a:ext cx="305277" cy="52579"/>
+              <a:off x="1284370" y="3320424"/>
+              <a:ext cx="457915" cy="78868"/>
             </a:xfrm>
             <a:prstGeom prst="rect">
               <a:avLst/>
@@ -10333,7 +10333,7 @@
             <a:p>
               <a:pPr algn="l" marL="0" marR="0" indent="0">
                 <a:lnSpc>
-                  <a:spcPts val="569"/>
+                  <a:spcPts val="853"/>
                 </a:lnSpc>
                 <a:spcBef>
                   <a:spcPts val="0"/>
@@ -10343,9 +10343,9 @@
                 </a:spcAft>
               </a:pPr>
               <a:r>
-                <a:rPr sz="569">
+                <a:rPr sz="853">
                   <a:solidFill>
-                    <a:srgbClr val="00A08A">
+                    <a:srgbClr val="000C02">
                       <a:alpha val="100000"/>
                     </a:srgbClr>
                   </a:solidFill>
@@ -10365,8 +10365,8 @@
           </p:nvSpPr>
           <p:spPr>
             <a:xfrm rot="-5400000">
-              <a:off x="1414423" y="3884196"/>
-              <a:ext cx="494174" cy="66941"/>
+              <a:off x="1331455" y="4029158"/>
+              <a:ext cx="741261" cy="100412"/>
             </a:xfrm>
             <a:prstGeom prst="rect">
               <a:avLst/>
@@ -10379,7 +10379,7 @@
             <a:p>
               <a:pPr algn="l" marL="0" marR="0" indent="0">
                 <a:lnSpc>
-                  <a:spcPts val="569"/>
+                  <a:spcPts val="853"/>
                 </a:lnSpc>
                 <a:spcBef>
                   <a:spcPts val="0"/>
@@ -10389,9 +10389,9 @@
                 </a:spcAft>
               </a:pPr>
               <a:r>
-                <a:rPr sz="569">
+                <a:rPr sz="853">
                   <a:solidFill>
-                    <a:srgbClr val="FF0000">
+                    <a:srgbClr val="000C02">
                       <a:alpha val="100000"/>
                     </a:srgbClr>
                   </a:solidFill>
@@ -10411,8 +10411,8 @@
           </p:nvSpPr>
           <p:spPr>
             <a:xfrm rot="-5400000">
-              <a:off x="1630444" y="3881743"/>
-              <a:ext cx="478118" cy="52579"/>
+              <a:off x="1553799" y="4025480"/>
+              <a:ext cx="717177" cy="78868"/>
             </a:xfrm>
             <a:prstGeom prst="rect">
               <a:avLst/>
@@ -10425,7 +10425,7 @@
             <a:p>
               <a:pPr algn="l" marL="0" marR="0" indent="0">
                 <a:lnSpc>
-                  <a:spcPts val="569"/>
+                  <a:spcPts val="853"/>
                 </a:lnSpc>
                 <a:spcBef>
                   <a:spcPts val="0"/>
@@ -10435,9 +10435,9 @@
                 </a:spcAft>
               </a:pPr>
               <a:r>
-                <a:rPr sz="569">
+                <a:rPr sz="853">
                   <a:solidFill>
-                    <a:srgbClr val="FF0000">
+                    <a:srgbClr val="000C02">
                       <a:alpha val="100000"/>
                     </a:srgbClr>
                   </a:solidFill>
@@ -10457,8 +10457,8 @@
           </p:nvSpPr>
           <p:spPr>
             <a:xfrm rot="-5400000">
-              <a:off x="1892305" y="3382717"/>
-              <a:ext cx="341447" cy="67153"/>
+              <a:off x="1844901" y="3276940"/>
+              <a:ext cx="512171" cy="100729"/>
             </a:xfrm>
             <a:prstGeom prst="rect">
               <a:avLst/>
@@ -10471,7 +10471,7 @@
             <a:p>
               <a:pPr algn="l" marL="0" marR="0" indent="0">
                 <a:lnSpc>
-                  <a:spcPts val="569"/>
+                  <a:spcPts val="853"/>
                 </a:lnSpc>
                 <a:spcBef>
                   <a:spcPts val="0"/>
@@ -10481,9 +10481,9 @@
                 </a:spcAft>
               </a:pPr>
               <a:r>
-                <a:rPr sz="569">
+                <a:rPr sz="853">
                   <a:solidFill>
-                    <a:srgbClr val="00A08A">
+                    <a:srgbClr val="000C02">
                       <a:alpha val="100000"/>
                     </a:srgbClr>
                   </a:solidFill>
@@ -10503,8 +10503,8 @@
           </p:nvSpPr>
           <p:spPr>
             <a:xfrm rot="-5400000">
-              <a:off x="2093117" y="3792454"/>
-              <a:ext cx="341447" cy="67153"/>
+              <a:off x="2044430" y="3891545"/>
+              <a:ext cx="512171" cy="100729"/>
             </a:xfrm>
             <a:prstGeom prst="rect">
               <a:avLst/>
@@ -10517,7 +10517,7 @@
             <a:p>
               <a:pPr algn="l" marL="0" marR="0" indent="0">
                 <a:lnSpc>
-                  <a:spcPts val="569"/>
+                  <a:spcPts val="853"/>
                 </a:lnSpc>
                 <a:spcBef>
                   <a:spcPts val="0"/>
@@ -10527,9 +10527,9 @@
                 </a:spcAft>
               </a:pPr>
               <a:r>
-                <a:rPr sz="569">
+                <a:rPr sz="853">
                   <a:solidFill>
-                    <a:srgbClr val="FF0000">
+                    <a:srgbClr val="000C02">
                       <a:alpha val="100000"/>
                     </a:srgbClr>
                   </a:solidFill>
@@ -10549,8 +10549,8 @@
           </p:nvSpPr>
           <p:spPr>
             <a:xfrm rot="-5400000">
-              <a:off x="2253383" y="3840372"/>
-              <a:ext cx="421869" cy="67823"/>
+              <a:off x="2183140" y="3963422"/>
+              <a:ext cx="632803" cy="101735"/>
             </a:xfrm>
             <a:prstGeom prst="rect">
               <a:avLst/>
@@ -10563,7 +10563,7 @@
             <a:p>
               <a:pPr algn="l" marL="0" marR="0" indent="0">
                 <a:lnSpc>
-                  <a:spcPts val="569"/>
+                  <a:spcPts val="853"/>
                 </a:lnSpc>
                 <a:spcBef>
                   <a:spcPts val="0"/>
@@ -10573,9 +10573,9 @@
                 </a:spcAft>
               </a:pPr>
               <a:r>
-                <a:rPr sz="569">
+                <a:rPr sz="853">
                   <a:solidFill>
-                    <a:srgbClr val="FF0000">
+                    <a:srgbClr val="000C02">
                       <a:alpha val="100000"/>
                     </a:srgbClr>
                   </a:solidFill>
@@ -10595,8 +10595,8 @@
           </p:nvSpPr>
           <p:spPr>
             <a:xfrm rot="-5400000">
-              <a:off x="2422136" y="3878843"/>
-              <a:ext cx="485987" cy="67823"/>
+              <a:off x="2334581" y="4021129"/>
+              <a:ext cx="728981" cy="101735"/>
             </a:xfrm>
             <a:prstGeom prst="rect">
               <a:avLst/>
@@ -10609,7 +10609,7 @@
             <a:p>
               <a:pPr algn="l" marL="0" marR="0" indent="0">
                 <a:lnSpc>
-                  <a:spcPts val="569"/>
+                  <a:spcPts val="853"/>
                 </a:lnSpc>
                 <a:spcBef>
                   <a:spcPts val="0"/>
@@ -10619,9 +10619,9 @@
                 </a:spcAft>
               </a:pPr>
               <a:r>
-                <a:rPr sz="569">
+                <a:rPr sz="853">
                   <a:solidFill>
-                    <a:srgbClr val="FF0000">
+                    <a:srgbClr val="000C02">
                       <a:alpha val="100000"/>
                     </a:srgbClr>
                   </a:solidFill>
@@ -10641,8 +10641,8 @@
           </p:nvSpPr>
           <p:spPr>
             <a:xfrm rot="-5400000">
-              <a:off x="2691653" y="3378017"/>
-              <a:ext cx="349457" cy="66941"/>
+              <a:off x="2637169" y="3269889"/>
+              <a:ext cx="524186" cy="100412"/>
             </a:xfrm>
             <a:prstGeom prst="rect">
               <a:avLst/>
@@ -10655,7 +10655,7 @@
             <a:p>
               <a:pPr algn="l" marL="0" marR="0" indent="0">
                 <a:lnSpc>
-                  <a:spcPts val="569"/>
+                  <a:spcPts val="853"/>
                 </a:lnSpc>
                 <a:spcBef>
                   <a:spcPts val="0"/>
@@ -10665,9 +10665,9 @@
                 </a:spcAft>
               </a:pPr>
               <a:r>
-                <a:rPr sz="569">
+                <a:rPr sz="853">
                   <a:solidFill>
-                    <a:srgbClr val="00A08A">
+                    <a:srgbClr val="000C02">
                       <a:alpha val="100000"/>
                     </a:srgbClr>
                   </a:solidFill>
@@ -10687,8 +10687,8 @@
           </p:nvSpPr>
           <p:spPr>
             <a:xfrm rot="-5400000">
-              <a:off x="2934176" y="3428157"/>
-              <a:ext cx="265154" cy="67823"/>
+              <a:off x="2899264" y="3345101"/>
+              <a:ext cx="397732" cy="101735"/>
             </a:xfrm>
             <a:prstGeom prst="rect">
               <a:avLst/>
@@ -10701,7 +10701,7 @@
             <a:p>
               <a:pPr algn="l" marL="0" marR="0" indent="0">
                 <a:lnSpc>
-                  <a:spcPts val="569"/>
+                  <a:spcPts val="853"/>
                 </a:lnSpc>
                 <a:spcBef>
                   <a:spcPts val="0"/>
@@ -10711,9 +10711,9 @@
                 </a:spcAft>
               </a:pPr>
               <a:r>
-                <a:rPr sz="569">
+                <a:rPr sz="853">
                   <a:solidFill>
-                    <a:srgbClr val="00A08A">
+                    <a:srgbClr val="000C02">
                       <a:alpha val="100000"/>
                     </a:srgbClr>
                   </a:solidFill>
@@ -10733,8 +10733,8 @@
           </p:nvSpPr>
           <p:spPr>
             <a:xfrm rot="-5400000">
-              <a:off x="2936157" y="3984940"/>
-              <a:ext cx="662816" cy="67823"/>
+              <a:off x="2800548" y="4180274"/>
+              <a:ext cx="994224" cy="101735"/>
             </a:xfrm>
             <a:prstGeom prst="rect">
               <a:avLst/>
@@ -10747,7 +10747,7 @@
             <a:p>
               <a:pPr algn="l" marL="0" marR="0" indent="0">
                 <a:lnSpc>
-                  <a:spcPts val="569"/>
+                  <a:spcPts val="853"/>
                 </a:lnSpc>
                 <a:spcBef>
                   <a:spcPts val="0"/>
@@ -10757,9 +10757,9 @@
                 </a:spcAft>
               </a:pPr>
               <a:r>
-                <a:rPr sz="569">
+                <a:rPr sz="853">
                   <a:solidFill>
-                    <a:srgbClr val="FF0000">
+                    <a:srgbClr val="000C02">
                       <a:alpha val="100000"/>
                     </a:srgbClr>
                   </a:solidFill>
@@ -10779,8 +10779,8 @@
           </p:nvSpPr>
           <p:spPr>
             <a:xfrm rot="-5400000">
-              <a:off x="3153502" y="3966071"/>
-              <a:ext cx="630633" cy="66941"/>
+              <a:off x="3024876" y="4151972"/>
+              <a:ext cx="945950" cy="100412"/>
             </a:xfrm>
             <a:prstGeom prst="rect">
               <a:avLst/>
@@ -10793,7 +10793,7 @@
             <a:p>
               <a:pPr algn="l" marL="0" marR="0" indent="0">
                 <a:lnSpc>
-                  <a:spcPts val="569"/>
+                  <a:spcPts val="853"/>
                 </a:lnSpc>
                 <a:spcBef>
                   <a:spcPts val="0"/>
@@ -10803,9 +10803,9 @@
                 </a:spcAft>
               </a:pPr>
               <a:r>
-                <a:rPr sz="569">
+                <a:rPr sz="853">
                   <a:solidFill>
-                    <a:srgbClr val="FF0000">
+                    <a:srgbClr val="000C02">
                       <a:alpha val="100000"/>
                     </a:srgbClr>
                   </a:solidFill>
@@ -10825,8 +10825,8 @@
           </p:nvSpPr>
           <p:spPr>
             <a:xfrm rot="-5400000">
-              <a:off x="3414551" y="3281595"/>
-              <a:ext cx="510159" cy="66941"/>
+              <a:off x="3314760" y="3125258"/>
+              <a:ext cx="765239" cy="100412"/>
             </a:xfrm>
             <a:prstGeom prst="rect">
               <a:avLst/>
@@ -10839,7 +10839,7 @@
             <a:p>
               <a:pPr algn="l" marL="0" marR="0" indent="0">
                 <a:lnSpc>
-                  <a:spcPts val="569"/>
+                  <a:spcPts val="853"/>
                 </a:lnSpc>
                 <a:spcBef>
                   <a:spcPts val="0"/>
@@ -10849,9 +10849,9 @@
                 </a:spcAft>
               </a:pPr>
               <a:r>
-                <a:rPr sz="569">
+                <a:rPr sz="853">
                   <a:solidFill>
-                    <a:srgbClr val="00A08A">
+                    <a:srgbClr val="000C02">
                       <a:alpha val="100000"/>
                     </a:srgbClr>
                   </a:solidFill>
@@ -10871,8 +10871,8 @@
           </p:nvSpPr>
           <p:spPr>
             <a:xfrm rot="-5400000">
-              <a:off x="3597295" y="3915468"/>
-              <a:ext cx="546294" cy="66941"/>
+              <a:off x="3487188" y="4076067"/>
+              <a:ext cx="819442" cy="100412"/>
             </a:xfrm>
             <a:prstGeom prst="rect">
               <a:avLst/>
@@ -10885,7 +10885,7 @@
             <a:p>
               <a:pPr algn="l" marL="0" marR="0" indent="0">
                 <a:lnSpc>
-                  <a:spcPts val="569"/>
+                  <a:spcPts val="853"/>
                 </a:lnSpc>
                 <a:spcBef>
                   <a:spcPts val="0"/>
@@ -10895,9 +10895,9 @@
                 </a:spcAft>
               </a:pPr>
               <a:r>
-                <a:rPr sz="569">
+                <a:rPr sz="853">
                   <a:solidFill>
-                    <a:srgbClr val="FF0000">
+                    <a:srgbClr val="000C02">
                       <a:alpha val="100000"/>
                     </a:srgbClr>
                   </a:solidFill>
@@ -10917,8 +10917,8 @@
           </p:nvSpPr>
           <p:spPr>
             <a:xfrm rot="-5400000">
-              <a:off x="3820956" y="3902839"/>
-              <a:ext cx="514041" cy="53496"/>
+              <a:off x="3720991" y="4057122"/>
+              <a:ext cx="771062" cy="80245"/>
             </a:xfrm>
             <a:prstGeom prst="rect">
               <a:avLst/>
@@ -10931,7 +10931,7 @@
             <a:p>
               <a:pPr algn="l" marL="0" marR="0" indent="0">
                 <a:lnSpc>
-                  <a:spcPts val="569"/>
+                  <a:spcPts val="853"/>
                 </a:lnSpc>
                 <a:spcBef>
                   <a:spcPts val="0"/>
@@ -10941,9 +10941,9 @@
                 </a:spcAft>
               </a:pPr>
               <a:r>
-                <a:rPr sz="569">
+                <a:rPr sz="853">
                   <a:solidFill>
-                    <a:srgbClr val="FF0000">
+                    <a:srgbClr val="000C02">
                       <a:alpha val="100000"/>
                     </a:srgbClr>
                   </a:solidFill>
@@ -10963,8 +10963,8 @@
           </p:nvSpPr>
           <p:spPr>
             <a:xfrm rot="-5400000">
-              <a:off x="4089345" y="3368425"/>
-              <a:ext cx="365443" cy="66941"/>
+              <a:off x="4021886" y="3255502"/>
+              <a:ext cx="548165" cy="100412"/>
             </a:xfrm>
             <a:prstGeom prst="rect">
               <a:avLst/>
@@ -10977,7 +10977,7 @@
             <a:p>
               <a:pPr algn="l" marL="0" marR="0" indent="0">
                 <a:lnSpc>
-                  <a:spcPts val="569"/>
+                  <a:spcPts val="853"/>
                 </a:lnSpc>
                 <a:spcBef>
                   <a:spcPts val="0"/>
@@ -10987,9 +10987,9 @@
                 </a:spcAft>
               </a:pPr>
               <a:r>
-                <a:rPr sz="569">
+                <a:rPr sz="853">
                   <a:solidFill>
-                    <a:srgbClr val="00A08A">
+                    <a:srgbClr val="000C02">
                       <a:alpha val="100000"/>
                     </a:srgbClr>
                   </a:solidFill>
@@ -11009,8 +11009,8 @@
           </p:nvSpPr>
           <p:spPr>
             <a:xfrm rot="-5400000">
-              <a:off x="4297338" y="3814138"/>
-              <a:ext cx="365443" cy="52579"/>
+              <a:off x="4232187" y="3924072"/>
+              <a:ext cx="548165" cy="78868"/>
             </a:xfrm>
             <a:prstGeom prst="rect">
               <a:avLst/>
@@ -11023,7 +11023,7 @@
             <a:p>
               <a:pPr algn="l" marL="0" marR="0" indent="0">
                 <a:lnSpc>
-                  <a:spcPts val="569"/>
+                  <a:spcPts val="853"/>
                 </a:lnSpc>
                 <a:spcBef>
                   <a:spcPts val="0"/>
@@ -11033,9 +11033,9 @@
                 </a:spcAft>
               </a:pPr>
               <a:r>
-                <a:rPr sz="569">
+                <a:rPr sz="853">
                   <a:solidFill>
-                    <a:srgbClr val="FF0000">
+                    <a:srgbClr val="000C02">
                       <a:alpha val="100000"/>
                     </a:srgbClr>
                   </a:solidFill>
@@ -11055,8 +11055,8 @@
           </p:nvSpPr>
           <p:spPr>
             <a:xfrm rot="-5400000">
-              <a:off x="4490087" y="3823814"/>
-              <a:ext cx="381570" cy="52579"/>
+              <a:off x="4419621" y="3938586"/>
+              <a:ext cx="572355" cy="78868"/>
             </a:xfrm>
             <a:prstGeom prst="rect">
               <a:avLst/>
@@ -11069,7 +11069,7 @@
             <a:p>
               <a:pPr algn="l" marL="0" marR="0" indent="0">
                 <a:lnSpc>
-                  <a:spcPts val="569"/>
+                  <a:spcPts val="853"/>
                 </a:lnSpc>
                 <a:spcBef>
                   <a:spcPts val="0"/>
@@ -11079,9 +11079,9 @@
                 </a:spcAft>
               </a:pPr>
               <a:r>
-                <a:rPr sz="569">
+                <a:rPr sz="853">
                   <a:solidFill>
-                    <a:srgbClr val="FF0000">
+                    <a:srgbClr val="000C02">
                       <a:alpha val="100000"/>
                     </a:srgbClr>
                   </a:solidFill>
@@ -11101,8 +11101,8 @@
           </p:nvSpPr>
           <p:spPr>
             <a:xfrm rot="-5400000">
-              <a:off x="4710942" y="3795259"/>
-              <a:ext cx="337389" cy="56672"/>
+              <a:off x="4649216" y="3895754"/>
+              <a:ext cx="506084" cy="85008"/>
             </a:xfrm>
             <a:prstGeom prst="rect">
               <a:avLst/>
@@ -11115,7 +11115,7 @@
             <a:p>
               <a:pPr algn="l" marL="0" marR="0" indent="0">
                 <a:lnSpc>
-                  <a:spcPts val="569"/>
+                  <a:spcPts val="853"/>
                 </a:lnSpc>
                 <a:spcBef>
                   <a:spcPts val="0"/>
@@ -11125,9 +11125,9 @@
                 </a:spcAft>
               </a:pPr>
               <a:r>
-                <a:rPr sz="569">
+                <a:rPr sz="853">
                   <a:solidFill>
-                    <a:srgbClr val="FF0000">
+                    <a:srgbClr val="000C02">
                       <a:alpha val="100000"/>
                     </a:srgbClr>
                   </a:solidFill>
@@ -11147,8 +11147,8 @@
           </p:nvSpPr>
           <p:spPr>
             <a:xfrm rot="-5400000">
-              <a:off x="4813759" y="3273913"/>
-              <a:ext cx="522228" cy="67823"/>
+              <a:off x="4701753" y="3113734"/>
+              <a:ext cx="783342" cy="101735"/>
             </a:xfrm>
             <a:prstGeom prst="rect">
               <a:avLst/>
@@ -11161,7 +11161,7 @@
             <a:p>
               <a:pPr algn="l" marL="0" marR="0" indent="0">
                 <a:lnSpc>
-                  <a:spcPts val="569"/>
+                  <a:spcPts val="853"/>
                 </a:lnSpc>
                 <a:spcBef>
                   <a:spcPts val="0"/>
@@ -11171,9 +11171,9 @@
                 </a:spcAft>
               </a:pPr>
               <a:r>
-                <a:rPr sz="569">
+                <a:rPr sz="853">
                   <a:solidFill>
-                    <a:srgbClr val="00A08A">
+                    <a:srgbClr val="000C02">
                       <a:alpha val="100000"/>
                     </a:srgbClr>
                   </a:solidFill>
@@ -11193,8 +11193,8 @@
           </p:nvSpPr>
           <p:spPr>
             <a:xfrm rot="-5400000">
-              <a:off x="5029110" y="3884111"/>
-              <a:ext cx="494033" cy="66941"/>
+              <a:off x="4923091" y="4029031"/>
+              <a:ext cx="741049" cy="100412"/>
             </a:xfrm>
             <a:prstGeom prst="rect">
               <a:avLst/>
@@ -11207,7 +11207,7 @@
             <a:p>
               <a:pPr algn="l" marL="0" marR="0" indent="0">
                 <a:lnSpc>
-                  <a:spcPts val="569"/>
+                  <a:spcPts val="853"/>
                 </a:lnSpc>
                 <a:spcBef>
                   <a:spcPts val="0"/>
@@ -11217,9 +11217,9 @@
                 </a:spcAft>
               </a:pPr>
               <a:r>
-                <a:rPr sz="569">
+                <a:rPr sz="853">
                   <a:solidFill>
-                    <a:srgbClr val="FF0000">
+                    <a:srgbClr val="000C02">
                       <a:alpha val="100000"/>
                     </a:srgbClr>
                   </a:solidFill>
@@ -11239,8 +11239,8 @@
           </p:nvSpPr>
           <p:spPr>
             <a:xfrm rot="-5400000">
-              <a:off x="5268051" y="3337026"/>
-              <a:ext cx="417775" cy="66941"/>
+              <a:off x="5179813" y="3208403"/>
+              <a:ext cx="626663" cy="100412"/>
             </a:xfrm>
             <a:prstGeom prst="rect">
               <a:avLst/>
@@ -11253,7 +11253,7 @@
             <a:p>
               <a:pPr algn="l" marL="0" marR="0" indent="0">
                 <a:lnSpc>
-                  <a:spcPts val="569"/>
+                  <a:spcPts val="853"/>
                 </a:lnSpc>
                 <a:spcBef>
                   <a:spcPts val="0"/>
@@ -11263,9 +11263,9 @@
                 </a:spcAft>
               </a:pPr>
               <a:r>
-                <a:rPr sz="569">
+                <a:rPr sz="853">
                   <a:solidFill>
-                    <a:srgbClr val="00A08A">
+                    <a:srgbClr val="000C02">
                       <a:alpha val="100000"/>
                     </a:srgbClr>
                   </a:solidFill>
@@ -11285,8 +11285,8 @@
           </p:nvSpPr>
           <p:spPr>
             <a:xfrm rot="-5400000">
-              <a:off x="5525430" y="3771175"/>
-              <a:ext cx="305277" cy="66306"/>
+              <a:off x="5464193" y="3859627"/>
+              <a:ext cx="457915" cy="99459"/>
             </a:xfrm>
             <a:prstGeom prst="rect">
               <a:avLst/>
@@ -11299,7 +11299,7 @@
             <a:p>
               <a:pPr algn="l" marL="0" marR="0" indent="0">
                 <a:lnSpc>
-                  <a:spcPts val="569"/>
+                  <a:spcPts val="853"/>
                 </a:lnSpc>
                 <a:spcBef>
                   <a:spcPts val="0"/>
@@ -11309,9 +11309,9 @@
                 </a:spcAft>
               </a:pPr>
               <a:r>
-                <a:rPr sz="569">
+                <a:rPr sz="853">
                   <a:solidFill>
-                    <a:srgbClr val="FF0000">
+                    <a:srgbClr val="000C02">
                       <a:alpha val="100000"/>
                     </a:srgbClr>
                   </a:solidFill>
@@ -11331,8 +11331,8 @@
           </p:nvSpPr>
           <p:spPr>
             <a:xfrm rot="-5400000">
-              <a:off x="5699811" y="3802193"/>
-              <a:ext cx="357503" cy="66941"/>
+              <a:off x="5624076" y="3906155"/>
+              <a:ext cx="536255" cy="100412"/>
             </a:xfrm>
             <a:prstGeom prst="rect">
               <a:avLst/>
@@ -11345,7 +11345,7 @@
             <a:p>
               <a:pPr algn="l" marL="0" marR="0" indent="0">
                 <a:lnSpc>
-                  <a:spcPts val="569"/>
+                  <a:spcPts val="853"/>
                 </a:lnSpc>
                 <a:spcBef>
                   <a:spcPts val="0"/>
@@ -11355,9 +11355,9 @@
                 </a:spcAft>
               </a:pPr>
               <a:r>
-                <a:rPr sz="569">
+                <a:rPr sz="853">
                   <a:solidFill>
-                    <a:srgbClr val="F98400">
+                    <a:srgbClr val="7294D4">
                       <a:alpha val="100000"/>
                     </a:srgbClr>
                   </a:solidFill>
@@ -11377,8 +11377,8 @@
           </p:nvSpPr>
           <p:spPr>
             <a:xfrm rot="-5400000">
-              <a:off x="5936775" y="3758771"/>
-              <a:ext cx="285163" cy="66976"/>
+              <a:off x="5877834" y="3841022"/>
+              <a:ext cx="427744" cy="100465"/>
             </a:xfrm>
             <a:prstGeom prst="rect">
               <a:avLst/>
@@ -11391,7 +11391,7 @@
             <a:p>
               <a:pPr algn="l" marL="0" marR="0" indent="0">
                 <a:lnSpc>
-                  <a:spcPts val="569"/>
+                  <a:spcPts val="853"/>
                 </a:lnSpc>
                 <a:spcBef>
                   <a:spcPts val="0"/>
@@ -11401,9 +11401,9 @@
                 </a:spcAft>
               </a:pPr>
               <a:r>
-                <a:rPr sz="569">
+                <a:rPr sz="853">
                   <a:solidFill>
-                    <a:srgbClr val="F98400">
+                    <a:srgbClr val="7294D4">
                       <a:alpha val="100000"/>
                     </a:srgbClr>
                   </a:solidFill>
@@ -11423,8 +11423,8 @@
           </p:nvSpPr>
           <p:spPr>
             <a:xfrm rot="-5400000">
-              <a:off x="6182915" y="3720216"/>
-              <a:ext cx="208905" cy="52579"/>
+              <a:off x="6145355" y="3783188"/>
+              <a:ext cx="313358" cy="78868"/>
             </a:xfrm>
             <a:prstGeom prst="rect">
               <a:avLst/>
@@ -11437,7 +11437,7 @@
             <a:p>
               <a:pPr algn="l" marL="0" marR="0" indent="0">
                 <a:lnSpc>
-                  <a:spcPts val="569"/>
+                  <a:spcPts val="853"/>
                 </a:lnSpc>
                 <a:spcBef>
                   <a:spcPts val="0"/>
@@ -11447,9 +11447,9 @@
                 </a:spcAft>
               </a:pPr>
               <a:r>
-                <a:rPr sz="569">
+                <a:rPr sz="853">
                   <a:solidFill>
-                    <a:srgbClr val="F98400">
+                    <a:srgbClr val="7294D4">
                       <a:alpha val="100000"/>
                     </a:srgbClr>
                   </a:solidFill>
@@ -11469,8 +11469,8 @@
           </p:nvSpPr>
           <p:spPr>
             <a:xfrm rot="-5400000">
-              <a:off x="6318320" y="3782905"/>
-              <a:ext cx="325356" cy="66941"/>
+              <a:off x="6246775" y="3877222"/>
+              <a:ext cx="488034" cy="100412"/>
             </a:xfrm>
             <a:prstGeom prst="rect">
               <a:avLst/>
@@ -11483,7 +11483,7 @@
             <a:p>
               <a:pPr algn="l" marL="0" marR="0" indent="0">
                 <a:lnSpc>
-                  <a:spcPts val="569"/>
+                  <a:spcPts val="853"/>
                 </a:lnSpc>
                 <a:spcBef>
                   <a:spcPts val="0"/>
@@ -11493,9 +11493,9 @@
                 </a:spcAft>
               </a:pPr>
               <a:r>
-                <a:rPr sz="569">
+                <a:rPr sz="853">
                   <a:solidFill>
-                    <a:srgbClr val="F98400">
+                    <a:srgbClr val="7294D4">
                       <a:alpha val="100000"/>
                     </a:srgbClr>
                   </a:solidFill>
@@ -11515,8 +11515,8 @@
           </p:nvSpPr>
           <p:spPr>
             <a:xfrm rot="-5400000">
-              <a:off x="6568501" y="3739462"/>
-              <a:ext cx="240982" cy="52579"/>
+              <a:off x="6520356" y="3812057"/>
+              <a:ext cx="361473" cy="78868"/>
             </a:xfrm>
             <a:prstGeom prst="rect">
               <a:avLst/>
@@ -11529,7 +11529,7 @@
             <a:p>
               <a:pPr algn="l" marL="0" marR="0" indent="0">
                 <a:lnSpc>
-                  <a:spcPts val="569"/>
+                  <a:spcPts val="853"/>
                 </a:lnSpc>
                 <a:spcBef>
                   <a:spcPts val="0"/>
@@ -11539,9 +11539,9 @@
                 </a:spcAft>
               </a:pPr>
               <a:r>
-                <a:rPr sz="569">
+                <a:rPr sz="853">
                   <a:solidFill>
-                    <a:srgbClr val="F98400">
+                    <a:srgbClr val="7294D4">
                       <a:alpha val="100000"/>
                     </a:srgbClr>
                   </a:solidFill>
@@ -11561,8 +11561,8 @@
           </p:nvSpPr>
           <p:spPr>
             <a:xfrm rot="-5400000">
-              <a:off x="6804265" y="3493663"/>
-              <a:ext cx="156714" cy="66941"/>
+              <a:off x="6772315" y="3443359"/>
+              <a:ext cx="235071" cy="100412"/>
             </a:xfrm>
             <a:prstGeom prst="rect">
               <a:avLst/>
@@ -11575,7 +11575,7 @@
             <a:p>
               <a:pPr algn="l" marL="0" marR="0" indent="0">
                 <a:lnSpc>
-                  <a:spcPts val="569"/>
+                  <a:spcPts val="853"/>
                 </a:lnSpc>
                 <a:spcBef>
                   <a:spcPts val="0"/>
@@ -11585,9 +11585,9 @@
                 </a:spcAft>
               </a:pPr>
               <a:r>
-                <a:rPr sz="569">
+                <a:rPr sz="853">
                   <a:solidFill>
-                    <a:srgbClr val="046C9A">
+                    <a:srgbClr val="7294D4">
                       <a:alpha val="100000"/>
                     </a:srgbClr>
                   </a:solidFill>
@@ -11607,8 +11607,8 @@
           </p:nvSpPr>
           <p:spPr>
             <a:xfrm rot="-5400000">
-              <a:off x="6908741" y="3797324"/>
-              <a:ext cx="349387" cy="66941"/>
+              <a:off x="6827340" y="3898850"/>
+              <a:ext cx="524081" cy="100412"/>
             </a:xfrm>
             <a:prstGeom prst="rect">
               <a:avLst/>
@@ -11621,7 +11621,7 @@
             <a:p>
               <a:pPr algn="l" marL="0" marR="0" indent="0">
                 <a:lnSpc>
-                  <a:spcPts val="569"/>
+                  <a:spcPts val="853"/>
                 </a:lnSpc>
                 <a:spcBef>
                   <a:spcPts val="0"/>
@@ -11631,9 +11631,9 @@
                 </a:spcAft>
               </a:pPr>
               <a:r>
-                <a:rPr sz="569">
+                <a:rPr sz="853">
                   <a:solidFill>
-                    <a:srgbClr val="F98400">
+                    <a:srgbClr val="7294D4">
                       <a:alpha val="100000"/>
                     </a:srgbClr>
                   </a:solidFill>
@@ -11653,8 +11653,8 @@
           </p:nvSpPr>
           <p:spPr>
             <a:xfrm rot="-5400000">
-              <a:off x="7150399" y="3763137"/>
-              <a:ext cx="281175" cy="53461"/>
+              <a:off x="7088138" y="3847569"/>
+              <a:ext cx="421763" cy="80192"/>
             </a:xfrm>
             <a:prstGeom prst="rect">
               <a:avLst/>
@@ -11667,7 +11667,7 @@
             <a:p>
               <a:pPr algn="l" marL="0" marR="0" indent="0">
                 <a:lnSpc>
-                  <a:spcPts val="569"/>
+                  <a:spcPts val="853"/>
                 </a:lnSpc>
                 <a:spcBef>
                   <a:spcPts val="0"/>
@@ -11677,9 +11677,9 @@
                 </a:spcAft>
               </a:pPr>
               <a:r>
-                <a:rPr sz="569">
+                <a:rPr sz="853">
                   <a:solidFill>
-                    <a:srgbClr val="F98400">
+                    <a:srgbClr val="7294D4">
                       <a:alpha val="100000"/>
                     </a:srgbClr>
                   </a:solidFill>
@@ -11699,8 +11699,8 @@
           </p:nvSpPr>
           <p:spPr>
             <a:xfrm rot="-5400000">
-              <a:off x="7385758" y="3467094"/>
-              <a:ext cx="212963" cy="52579"/>
+              <a:off x="7339488" y="3403506"/>
+              <a:ext cx="319445" cy="78868"/>
             </a:xfrm>
             <a:prstGeom prst="rect">
               <a:avLst/>
@@ -11713,7 +11713,7 @@
             <a:p>
               <a:pPr algn="l" marL="0" marR="0" indent="0">
                 <a:lnSpc>
-                  <a:spcPts val="569"/>
+                  <a:spcPts val="853"/>
                 </a:lnSpc>
                 <a:spcBef>
                   <a:spcPts val="0"/>
@@ -11723,9 +11723,9 @@
                 </a:spcAft>
               </a:pPr>
               <a:r>
-                <a:rPr sz="569">
+                <a:rPr sz="853">
                   <a:solidFill>
-                    <a:srgbClr val="046C9A">
+                    <a:srgbClr val="7294D4">
                       <a:alpha val="100000"/>
                     </a:srgbClr>
                   </a:solidFill>
@@ -11745,8 +11745,8 @@
           </p:nvSpPr>
           <p:spPr>
             <a:xfrm rot="-5400000">
-              <a:off x="7628316" y="3517281"/>
-              <a:ext cx="128554" cy="53496"/>
+              <a:off x="7601636" y="3478786"/>
+              <a:ext cx="192831" cy="80245"/>
             </a:xfrm>
             <a:prstGeom prst="rect">
               <a:avLst/>
@@ -11759,7 +11759,7 @@
             <a:p>
               <a:pPr algn="l" marL="0" marR="0" indent="0">
                 <a:lnSpc>
-                  <a:spcPts val="569"/>
+                  <a:spcPts val="853"/>
                 </a:lnSpc>
                 <a:spcBef>
                   <a:spcPts val="0"/>
@@ -11769,9 +11769,9 @@
                 </a:spcAft>
               </a:pPr>
               <a:r>
-                <a:rPr sz="569">
+                <a:rPr sz="853">
                   <a:solidFill>
-                    <a:srgbClr val="046C9A">
+                    <a:srgbClr val="7294D4">
                       <a:alpha val="100000"/>
                     </a:srgbClr>
                   </a:solidFill>
@@ -11791,8 +11791,8 @@
           </p:nvSpPr>
           <p:spPr>
             <a:xfrm rot="-5400000">
-              <a:off x="7723563" y="3782464"/>
-              <a:ext cx="325356" cy="67823"/>
+              <a:off x="7642819" y="3876560"/>
+              <a:ext cx="488034" cy="101735"/>
             </a:xfrm>
             <a:prstGeom prst="rect">
               <a:avLst/>
@@ -11805,7 +11805,7 @@
             <a:p>
               <a:pPr algn="l" marL="0" marR="0" indent="0">
                 <a:lnSpc>
-                  <a:spcPts val="569"/>
+                  <a:spcPts val="853"/>
                 </a:lnSpc>
                 <a:spcBef>
                   <a:spcPts val="0"/>
@@ -11815,9 +11815,9 @@
                 </a:spcAft>
               </a:pPr>
               <a:r>
-                <a:rPr sz="569">
+                <a:rPr sz="853">
                   <a:solidFill>
-                    <a:srgbClr val="F98400">
+                    <a:srgbClr val="7294D4">
                       <a:alpha val="100000"/>
                     </a:srgbClr>
                   </a:solidFill>
@@ -11837,8 +11837,8 @@
           </p:nvSpPr>
           <p:spPr>
             <a:xfrm rot="-5400000">
-              <a:off x="7893093" y="3354324"/>
-              <a:ext cx="389651" cy="66094"/>
+              <a:off x="7795424" y="3234351"/>
+              <a:ext cx="584476" cy="99141"/>
             </a:xfrm>
             <a:prstGeom prst="rect">
               <a:avLst/>
@@ -11851,7 +11851,7 @@
             <a:p>
               <a:pPr algn="l" marL="0" marR="0" indent="0">
                 <a:lnSpc>
-                  <a:spcPts val="569"/>
+                  <a:spcPts val="853"/>
                 </a:lnSpc>
                 <a:spcBef>
                   <a:spcPts val="0"/>
@@ -11861,9 +11861,9 @@
                 </a:spcAft>
               </a:pPr>
               <a:r>
-                <a:rPr sz="569">
+                <a:rPr sz="853">
                   <a:solidFill>
-                    <a:srgbClr val="046C9A">
+                    <a:srgbClr val="7294D4">
                       <a:alpha val="100000"/>
                     </a:srgbClr>
                   </a:solidFill>
@@ -11883,8 +11883,8 @@
           </p:nvSpPr>
           <p:spPr>
             <a:xfrm rot="-5400000">
-              <a:off x="8191035" y="3720216"/>
-              <a:ext cx="208905" cy="52579"/>
+              <a:off x="8140649" y="3783188"/>
+              <a:ext cx="313358" cy="78868"/>
             </a:xfrm>
             <a:prstGeom prst="rect">
               <a:avLst/>
@@ -11897,7 +11897,7 @@
             <a:p>
               <a:pPr algn="l" marL="0" marR="0" indent="0">
                 <a:lnSpc>
-                  <a:spcPts val="569"/>
+                  <a:spcPts val="853"/>
                 </a:lnSpc>
                 <a:spcBef>
                   <a:spcPts val="0"/>
@@ -11907,9 +11907,9 @@
                 </a:spcAft>
               </a:pPr>
               <a:r>
-                <a:rPr sz="569">
+                <a:rPr sz="853">
                   <a:solidFill>
-                    <a:srgbClr val="F98400">
+                    <a:srgbClr val="7294D4">
                       <a:alpha val="100000"/>
                     </a:srgbClr>
                   </a:solidFill>
@@ -11929,8 +11929,8 @@
           </p:nvSpPr>
           <p:spPr>
             <a:xfrm rot="-5400000">
-              <a:off x="8399963" y="3479269"/>
-              <a:ext cx="192672" cy="52579"/>
+              <a:off x="8352353" y="3421768"/>
+              <a:ext cx="289009" cy="78868"/>
             </a:xfrm>
             <a:prstGeom prst="rect">
               <a:avLst/>
@@ -11943,7 +11943,7 @@
             <a:p>
               <a:pPr algn="l" marL="0" marR="0" indent="0">
                 <a:lnSpc>
-                  <a:spcPts val="569"/>
+                  <a:spcPts val="853"/>
                 </a:lnSpc>
                 <a:spcBef>
                   <a:spcPts val="0"/>
@@ -11953,9 +11953,9 @@
                 </a:spcAft>
               </a:pPr>
               <a:r>
-                <a:rPr sz="569">
+                <a:rPr sz="853">
                   <a:solidFill>
-                    <a:srgbClr val="046C9A">
+                    <a:srgbClr val="7294D4">
                       <a:alpha val="100000"/>
                     </a:srgbClr>
                   </a:solidFill>
@@ -11975,21 +11975,21 @@
           </p:nvSpPr>
           <p:spPr>
             <a:xfrm>
-              <a:off x="946192" y="3621162"/>
-              <a:ext cx="7671018" cy="0"/>
+              <a:off x="995187" y="3634608"/>
+              <a:ext cx="7622023" cy="0"/>
             </a:xfrm>
             <a:custGeom>
               <a:avLst/>
               <a:pathLst>
-                <a:path w="7671018" h="0">
+                <a:path w="7622023" h="0">
                   <a:moveTo>
                     <a:pt x="0" y="0"/>
                   </a:moveTo>
                   <a:lnTo>
-                    <a:pt x="7671018" y="0"/>
-                  </a:lnTo>
-                  <a:lnTo>
-                    <a:pt x="7671018" y="0"/>
+                    <a:pt x="7622023" y="0"/>
+                  </a:lnTo>
+                  <a:lnTo>
+                    <a:pt x="7622023" y="0"/>
                   </a:lnTo>
                 </a:path>
               </a:pathLst>
@@ -12018,15 +12018,15 @@
           </p:nvSpPr>
           <p:spPr>
             <a:xfrm>
-              <a:off x="946192" y="1894657"/>
-              <a:ext cx="0" cy="4127121"/>
+              <a:off x="995187" y="1917773"/>
+              <a:ext cx="0" cy="4104006"/>
             </a:xfrm>
             <a:custGeom>
               <a:avLst/>
               <a:pathLst>
-                <a:path w="0" h="4127121">
+                <a:path w="0" h="4104006">
                   <a:moveTo>
-                    <a:pt x="0" y="4127121"/>
+                    <a:pt x="0" y="4104006"/>
                   </a:moveTo>
                   <a:lnTo>
                     <a:pt x="0" y="0"/>
@@ -12058,7 +12058,7 @@
           </p:nvSpPr>
           <p:spPr>
             <a:xfrm>
-              <a:off x="690983" y="5027786"/>
+              <a:off x="739978" y="5033120"/>
               <a:ext cx="192578" cy="81691"/>
             </a:xfrm>
             <a:prstGeom prst="rect">
@@ -12104,7 +12104,7 @@
           </p:nvSpPr>
           <p:spPr>
             <a:xfrm>
-              <a:off x="728200" y="3579470"/>
+              <a:off x="777195" y="3592916"/>
               <a:ext cx="155361" cy="81691"/>
             </a:xfrm>
             <a:prstGeom prst="rect">
@@ -12150,7 +12150,7 @@
           </p:nvSpPr>
           <p:spPr>
             <a:xfrm>
-              <a:off x="728200" y="2131154"/>
+              <a:off x="777195" y="2152712"/>
               <a:ext cx="155361" cy="81691"/>
             </a:xfrm>
             <a:prstGeom prst="rect">
@@ -12196,7 +12196,7 @@
           </p:nvSpPr>
           <p:spPr>
             <a:xfrm>
-              <a:off x="911397" y="5069478"/>
+              <a:off x="960393" y="5074812"/>
               <a:ext cx="34794" cy="0"/>
             </a:xfrm>
             <a:custGeom>
@@ -12236,7 +12236,7 @@
           </p:nvSpPr>
           <p:spPr>
             <a:xfrm>
-              <a:off x="911397" y="3621162"/>
+              <a:off x="960393" y="3634608"/>
               <a:ext cx="34794" cy="0"/>
             </a:xfrm>
             <a:custGeom>
@@ -12276,7 +12276,7 @@
           </p:nvSpPr>
           <p:spPr>
             <a:xfrm>
-              <a:off x="911397" y="2172846"/>
+              <a:off x="960393" y="2194403"/>
               <a:ext cx="34794" cy="0"/>
             </a:xfrm>
             <a:custGeom>
@@ -12316,8 +12316,8 @@
           </p:nvSpPr>
           <p:spPr>
             <a:xfrm rot="-5400000">
-              <a:off x="-87229" y="3892666"/>
-              <a:ext cx="1296931" cy="131105"/>
+              <a:off x="-297619" y="3877304"/>
+              <a:ext cx="1732954" cy="184943"/>
             </a:xfrm>
             <a:prstGeom prst="rect">
               <a:avLst/>
@@ -12330,7 +12330,7 @@
             <a:p>
               <a:pPr algn="l" marL="0" marR="0" indent="0">
                 <a:lnSpc>
-                  <a:spcPts val="1100"/>
+                  <a:spcPts val="1600"/>
                 </a:lnSpc>
                 <a:spcBef>
                   <a:spcPts val="0"/>
@@ -12340,14 +12340,14 @@
                 </a:spcAft>
               </a:pPr>
               <a:r>
-                <a:rPr sz="1100">
+                <a:rPr sz="1600" i="1">
                   <a:solidFill>
                     <a:srgbClr val="000000">
                       <a:alpha val="100000"/>
                     </a:srgbClr>
                   </a:solidFill>
-                  <a:latin typeface="Arial"/>
-                  <a:cs typeface="Arial"/>
+                  <a:latin typeface="Times New Roman"/>
+                  <a:cs typeface="Times New Roman"/>
                 </a:rPr>
                 <a:t>Signed Contributions</a:t>
               </a:r>
@@ -12362,8 +12362,8 @@
           </p:nvSpPr>
           <p:spPr>
             <a:xfrm>
-              <a:off x="946192" y="1665696"/>
-              <a:ext cx="3327015" cy="124092"/>
+              <a:off x="995187" y="1660164"/>
+              <a:ext cx="3673772" cy="144164"/>
             </a:xfrm>
             <a:prstGeom prst="rect">
               <a:avLst/>
@@ -12376,7 +12376,7 @@
             <a:p>
               <a:pPr algn="l" marL="0" marR="0" indent="0">
                 <a:lnSpc>
-                  <a:spcPts val="1320"/>
+                  <a:spcPts val="1600"/>
                 </a:lnSpc>
                 <a:spcBef>
                   <a:spcPts val="0"/>
@@ -12386,14 +12386,14 @@
                 </a:spcAft>
               </a:pPr>
               <a:r>
-                <a:rPr sz="1320">
+                <a:rPr sz="1600">
                   <a:solidFill>
                     <a:srgbClr val="000000">
                       <a:alpha val="100000"/>
                     </a:srgbClr>
                   </a:solidFill>
-                  <a:latin typeface="Arial"/>
-                  <a:cs typeface="Arial"/>
+                  <a:latin typeface="Times New Roman"/>
+                  <a:cs typeface="Times New Roman"/>
                 </a:rPr>
                 <a:t>Contributions to the Second Latent Variables</a:t>
               </a:r>
@@ -12510,8 +12510,8 @@
           </p:nvSpPr>
           <p:spPr>
             <a:xfrm>
-              <a:off x="2384939" y="1600200"/>
-              <a:ext cx="4374121" cy="4525962"/>
+              <a:off x="2396392" y="1600200"/>
+              <a:ext cx="4351214" cy="4525962"/>
             </a:xfrm>
             <a:prstGeom prst="rect">
               <a:avLst/>
@@ -12545,8 +12545,8 @@
           </p:nvSpPr>
           <p:spPr>
             <a:xfrm>
-              <a:off x="2873931" y="1894657"/>
-              <a:ext cx="3815540" cy="3831571"/>
+              <a:off x="2912080" y="1917773"/>
+              <a:ext cx="3765937" cy="3781760"/>
             </a:xfrm>
             <a:prstGeom prst="rect">
               <a:avLst/>
@@ -12580,21 +12580,21 @@
           </p:nvSpPr>
           <p:spPr>
             <a:xfrm>
-              <a:off x="2873931" y="5372488"/>
-              <a:ext cx="3815540" cy="0"/>
+              <a:off x="2912080" y="5350390"/>
+              <a:ext cx="3765937" cy="0"/>
             </a:xfrm>
             <a:custGeom>
               <a:avLst/>
               <a:pathLst>
-                <a:path w="3815540" h="0">
+                <a:path w="3765937" h="0">
                   <a:moveTo>
                     <a:pt x="0" y="0"/>
                   </a:moveTo>
                   <a:lnTo>
-                    <a:pt x="3815540" y="0"/>
-                  </a:lnTo>
-                  <a:lnTo>
-                    <a:pt x="3815540" y="0"/>
+                    <a:pt x="3765937" y="0"/>
+                  </a:lnTo>
+                  <a:lnTo>
+                    <a:pt x="3765937" y="0"/>
                   </a:lnTo>
                 </a:path>
               </a:pathLst>
@@ -12623,21 +12623,21 @@
           </p:nvSpPr>
           <p:spPr>
             <a:xfrm>
-              <a:off x="2873931" y="4716035"/>
-              <a:ext cx="3815540" cy="0"/>
+              <a:off x="2912080" y="4702472"/>
+              <a:ext cx="3765937" cy="0"/>
             </a:xfrm>
             <a:custGeom>
               <a:avLst/>
               <a:pathLst>
-                <a:path w="3815540" h="0">
+                <a:path w="3765937" h="0">
                   <a:moveTo>
                     <a:pt x="0" y="0"/>
                   </a:moveTo>
                   <a:lnTo>
-                    <a:pt x="3815540" y="0"/>
-                  </a:lnTo>
-                  <a:lnTo>
-                    <a:pt x="3815540" y="0"/>
+                    <a:pt x="3765937" y="0"/>
+                  </a:lnTo>
+                  <a:lnTo>
+                    <a:pt x="3765937" y="0"/>
                   </a:lnTo>
                 </a:path>
               </a:pathLst>
@@ -12666,21 +12666,21 @@
           </p:nvSpPr>
           <p:spPr>
             <a:xfrm>
-              <a:off x="2873931" y="4059582"/>
-              <a:ext cx="3815540" cy="0"/>
+              <a:off x="2912080" y="4054553"/>
+              <a:ext cx="3765937" cy="0"/>
             </a:xfrm>
             <a:custGeom>
               <a:avLst/>
               <a:pathLst>
-                <a:path w="3815540" h="0">
+                <a:path w="3765937" h="0">
                   <a:moveTo>
                     <a:pt x="0" y="0"/>
                   </a:moveTo>
                   <a:lnTo>
-                    <a:pt x="3815540" y="0"/>
-                  </a:lnTo>
-                  <a:lnTo>
-                    <a:pt x="3815540" y="0"/>
+                    <a:pt x="3765937" y="0"/>
+                  </a:lnTo>
+                  <a:lnTo>
+                    <a:pt x="3765937" y="0"/>
                   </a:lnTo>
                 </a:path>
               </a:pathLst>
@@ -12709,21 +12709,21 @@
           </p:nvSpPr>
           <p:spPr>
             <a:xfrm>
-              <a:off x="2873931" y="3403130"/>
-              <a:ext cx="3815540" cy="0"/>
+              <a:off x="2912080" y="3406635"/>
+              <a:ext cx="3765937" cy="0"/>
             </a:xfrm>
             <a:custGeom>
               <a:avLst/>
               <a:pathLst>
-                <a:path w="3815540" h="0">
+                <a:path w="3765937" h="0">
                   <a:moveTo>
                     <a:pt x="0" y="0"/>
                   </a:moveTo>
                   <a:lnTo>
-                    <a:pt x="3815540" y="0"/>
-                  </a:lnTo>
-                  <a:lnTo>
-                    <a:pt x="3815540" y="0"/>
+                    <a:pt x="3765937" y="0"/>
+                  </a:lnTo>
+                  <a:lnTo>
+                    <a:pt x="3765937" y="0"/>
                   </a:lnTo>
                 </a:path>
               </a:pathLst>
@@ -12752,21 +12752,21 @@
           </p:nvSpPr>
           <p:spPr>
             <a:xfrm>
-              <a:off x="2873931" y="2746677"/>
-              <a:ext cx="3815540" cy="0"/>
+              <a:off x="2912080" y="2758716"/>
+              <a:ext cx="3765937" cy="0"/>
             </a:xfrm>
             <a:custGeom>
               <a:avLst/>
               <a:pathLst>
-                <a:path w="3815540" h="0">
+                <a:path w="3765937" h="0">
                   <a:moveTo>
                     <a:pt x="0" y="0"/>
                   </a:moveTo>
                   <a:lnTo>
-                    <a:pt x="3815540" y="0"/>
-                  </a:lnTo>
-                  <a:lnTo>
-                    <a:pt x="3815540" y="0"/>
+                    <a:pt x="3765937" y="0"/>
+                  </a:lnTo>
+                  <a:lnTo>
+                    <a:pt x="3765937" y="0"/>
                   </a:lnTo>
                 </a:path>
               </a:pathLst>
@@ -12795,21 +12795,21 @@
           </p:nvSpPr>
           <p:spPr>
             <a:xfrm>
-              <a:off x="2873931" y="2090225"/>
-              <a:ext cx="3815540" cy="0"/>
+              <a:off x="2912080" y="2110798"/>
+              <a:ext cx="3765937" cy="0"/>
             </a:xfrm>
             <a:custGeom>
               <a:avLst/>
               <a:pathLst>
-                <a:path w="3815540" h="0">
+                <a:path w="3765937" h="0">
                   <a:moveTo>
                     <a:pt x="0" y="0"/>
                   </a:moveTo>
                   <a:lnTo>
-                    <a:pt x="3815540" y="0"/>
-                  </a:lnTo>
-                  <a:lnTo>
-                    <a:pt x="3815540" y="0"/>
+                    <a:pt x="3765937" y="0"/>
+                  </a:lnTo>
+                  <a:lnTo>
+                    <a:pt x="3765937" y="0"/>
                   </a:lnTo>
                 </a:path>
               </a:pathLst>
@@ -12838,15 +12838,15 @@
           </p:nvSpPr>
           <p:spPr>
             <a:xfrm>
-              <a:off x="3104723" y="1894657"/>
-              <a:ext cx="0" cy="3831571"/>
+              <a:off x="3139873" y="1917773"/>
+              <a:ext cx="0" cy="3781760"/>
             </a:xfrm>
             <a:custGeom>
               <a:avLst/>
               <a:pathLst>
-                <a:path w="0" h="3831571">
+                <a:path w="0" h="3781760">
                   <a:moveTo>
-                    <a:pt x="0" y="3831571"/>
+                    <a:pt x="0" y="3781760"/>
                   </a:moveTo>
                   <a:lnTo>
                     <a:pt x="0" y="0"/>
@@ -12881,15 +12881,15 @@
           </p:nvSpPr>
           <p:spPr>
             <a:xfrm>
-              <a:off x="3761176" y="1894657"/>
-              <a:ext cx="0" cy="3831571"/>
+              <a:off x="3787791" y="1917773"/>
+              <a:ext cx="0" cy="3781760"/>
             </a:xfrm>
             <a:custGeom>
               <a:avLst/>
               <a:pathLst>
-                <a:path w="0" h="3831571">
+                <a:path w="0" h="3781760">
                   <a:moveTo>
-                    <a:pt x="0" y="3831571"/>
+                    <a:pt x="0" y="3781760"/>
                   </a:moveTo>
                   <a:lnTo>
                     <a:pt x="0" y="0"/>
@@ -12924,15 +12924,15 @@
           </p:nvSpPr>
           <p:spPr>
             <a:xfrm>
-              <a:off x="4417629" y="1894657"/>
-              <a:ext cx="0" cy="3831571"/>
+              <a:off x="4435710" y="1917773"/>
+              <a:ext cx="0" cy="3781760"/>
             </a:xfrm>
             <a:custGeom>
               <a:avLst/>
               <a:pathLst>
-                <a:path w="0" h="3831571">
+                <a:path w="0" h="3781760">
                   <a:moveTo>
-                    <a:pt x="0" y="3831571"/>
+                    <a:pt x="0" y="3781760"/>
                   </a:moveTo>
                   <a:lnTo>
                     <a:pt x="0" y="0"/>
@@ -12967,15 +12967,15 @@
           </p:nvSpPr>
           <p:spPr>
             <a:xfrm>
-              <a:off x="5074081" y="1894657"/>
-              <a:ext cx="0" cy="3831571"/>
+              <a:off x="5083628" y="1917773"/>
+              <a:ext cx="0" cy="3781760"/>
             </a:xfrm>
             <a:custGeom>
               <a:avLst/>
               <a:pathLst>
-                <a:path w="0" h="3831571">
+                <a:path w="0" h="3781760">
                   <a:moveTo>
-                    <a:pt x="0" y="3831571"/>
+                    <a:pt x="0" y="3781760"/>
                   </a:moveTo>
                   <a:lnTo>
                     <a:pt x="0" y="0"/>
@@ -13010,15 +13010,15 @@
           </p:nvSpPr>
           <p:spPr>
             <a:xfrm>
-              <a:off x="5730534" y="1894657"/>
-              <a:ext cx="0" cy="3831571"/>
+              <a:off x="5731547" y="1917773"/>
+              <a:ext cx="0" cy="3781760"/>
             </a:xfrm>
             <a:custGeom>
               <a:avLst/>
               <a:pathLst>
-                <a:path w="0" h="3831571">
+                <a:path w="0" h="3781760">
                   <a:moveTo>
-                    <a:pt x="0" y="3831571"/>
+                    <a:pt x="0" y="3781760"/>
                   </a:moveTo>
                   <a:lnTo>
                     <a:pt x="0" y="0"/>
@@ -13053,15 +13053,15 @@
           </p:nvSpPr>
           <p:spPr>
             <a:xfrm>
-              <a:off x="6386987" y="1894657"/>
-              <a:ext cx="0" cy="3831571"/>
+              <a:off x="6379465" y="1917773"/>
+              <a:ext cx="0" cy="3781760"/>
             </a:xfrm>
             <a:custGeom>
               <a:avLst/>
               <a:pathLst>
-                <a:path w="0" h="3831571">
+                <a:path w="0" h="3781760">
                   <a:moveTo>
-                    <a:pt x="0" y="3831571"/>
+                    <a:pt x="0" y="3781760"/>
                   </a:moveTo>
                   <a:lnTo>
                     <a:pt x="0" y="0"/>
@@ -13096,21 +13096,21 @@
           </p:nvSpPr>
           <p:spPr>
             <a:xfrm>
-              <a:off x="2873931" y="5700714"/>
-              <a:ext cx="3815540" cy="0"/>
+              <a:off x="2912080" y="5674350"/>
+              <a:ext cx="3765937" cy="0"/>
             </a:xfrm>
             <a:custGeom>
               <a:avLst/>
               <a:pathLst>
-                <a:path w="3815540" h="0">
+                <a:path w="3765937" h="0">
                   <a:moveTo>
                     <a:pt x="0" y="0"/>
                   </a:moveTo>
                   <a:lnTo>
-                    <a:pt x="3815540" y="0"/>
-                  </a:lnTo>
-                  <a:lnTo>
-                    <a:pt x="3815540" y="0"/>
+                    <a:pt x="3765937" y="0"/>
+                  </a:lnTo>
+                  <a:lnTo>
+                    <a:pt x="3765937" y="0"/>
                   </a:lnTo>
                 </a:path>
               </a:pathLst>
@@ -13139,21 +13139,21 @@
           </p:nvSpPr>
           <p:spPr>
             <a:xfrm>
-              <a:off x="2873931" y="5044261"/>
-              <a:ext cx="3815540" cy="0"/>
+              <a:off x="2912080" y="5026431"/>
+              <a:ext cx="3765937" cy="0"/>
             </a:xfrm>
             <a:custGeom>
               <a:avLst/>
               <a:pathLst>
-                <a:path w="3815540" h="0">
+                <a:path w="3765937" h="0">
                   <a:moveTo>
                     <a:pt x="0" y="0"/>
                   </a:moveTo>
                   <a:lnTo>
-                    <a:pt x="3815540" y="0"/>
-                  </a:lnTo>
-                  <a:lnTo>
-                    <a:pt x="3815540" y="0"/>
+                    <a:pt x="3765937" y="0"/>
+                  </a:lnTo>
+                  <a:lnTo>
+                    <a:pt x="3765937" y="0"/>
                   </a:lnTo>
                 </a:path>
               </a:pathLst>
@@ -13182,21 +13182,21 @@
           </p:nvSpPr>
           <p:spPr>
             <a:xfrm>
-              <a:off x="2873931" y="4387809"/>
-              <a:ext cx="3815540" cy="0"/>
+              <a:off x="2912080" y="4378512"/>
+              <a:ext cx="3765937" cy="0"/>
             </a:xfrm>
             <a:custGeom>
               <a:avLst/>
               <a:pathLst>
-                <a:path w="3815540" h="0">
+                <a:path w="3765937" h="0">
                   <a:moveTo>
                     <a:pt x="0" y="0"/>
                   </a:moveTo>
                   <a:lnTo>
-                    <a:pt x="3815540" y="0"/>
-                  </a:lnTo>
-                  <a:lnTo>
-                    <a:pt x="3815540" y="0"/>
+                    <a:pt x="3765937" y="0"/>
+                  </a:lnTo>
+                  <a:lnTo>
+                    <a:pt x="3765937" y="0"/>
                   </a:lnTo>
                 </a:path>
               </a:pathLst>
@@ -13225,21 +13225,21 @@
           </p:nvSpPr>
           <p:spPr>
             <a:xfrm>
-              <a:off x="2873931" y="3731356"/>
-              <a:ext cx="3815540" cy="0"/>
+              <a:off x="2912080" y="3730594"/>
+              <a:ext cx="3765937" cy="0"/>
             </a:xfrm>
             <a:custGeom>
               <a:avLst/>
               <a:pathLst>
-                <a:path w="3815540" h="0">
+                <a:path w="3765937" h="0">
                   <a:moveTo>
                     <a:pt x="0" y="0"/>
                   </a:moveTo>
                   <a:lnTo>
-                    <a:pt x="3815540" y="0"/>
-                  </a:lnTo>
-                  <a:lnTo>
-                    <a:pt x="3815540" y="0"/>
+                    <a:pt x="3765937" y="0"/>
+                  </a:lnTo>
+                  <a:lnTo>
+                    <a:pt x="3765937" y="0"/>
                   </a:lnTo>
                 </a:path>
               </a:pathLst>
@@ -13268,21 +13268,21 @@
           </p:nvSpPr>
           <p:spPr>
             <a:xfrm>
-              <a:off x="2873931" y="3074903"/>
-              <a:ext cx="3815540" cy="0"/>
+              <a:off x="2912080" y="3082675"/>
+              <a:ext cx="3765937" cy="0"/>
             </a:xfrm>
             <a:custGeom>
               <a:avLst/>
               <a:pathLst>
-                <a:path w="3815540" h="0">
+                <a:path w="3765937" h="0">
                   <a:moveTo>
                     <a:pt x="0" y="0"/>
                   </a:moveTo>
                   <a:lnTo>
-                    <a:pt x="3815540" y="0"/>
-                  </a:lnTo>
-                  <a:lnTo>
-                    <a:pt x="3815540" y="0"/>
+                    <a:pt x="3765937" y="0"/>
+                  </a:lnTo>
+                  <a:lnTo>
+                    <a:pt x="3765937" y="0"/>
                   </a:lnTo>
                 </a:path>
               </a:pathLst>
@@ -13311,21 +13311,21 @@
           </p:nvSpPr>
           <p:spPr>
             <a:xfrm>
-              <a:off x="2873931" y="2418451"/>
-              <a:ext cx="3815540" cy="0"/>
+              <a:off x="2912080" y="2434757"/>
+              <a:ext cx="3765937" cy="0"/>
             </a:xfrm>
             <a:custGeom>
               <a:avLst/>
               <a:pathLst>
-                <a:path w="3815540" h="0">
+                <a:path w="3765937" h="0">
                   <a:moveTo>
                     <a:pt x="0" y="0"/>
                   </a:moveTo>
                   <a:lnTo>
-                    <a:pt x="3815540" y="0"/>
-                  </a:lnTo>
-                  <a:lnTo>
-                    <a:pt x="3815540" y="0"/>
+                    <a:pt x="3765937" y="0"/>
+                  </a:lnTo>
+                  <a:lnTo>
+                    <a:pt x="3765937" y="0"/>
                   </a:lnTo>
                 </a:path>
               </a:pathLst>
@@ -13354,15 +13354,15 @@
           </p:nvSpPr>
           <p:spPr>
             <a:xfrm>
-              <a:off x="3432950" y="1894657"/>
-              <a:ext cx="0" cy="3831571"/>
+              <a:off x="3463832" y="1917773"/>
+              <a:ext cx="0" cy="3781760"/>
             </a:xfrm>
             <a:custGeom>
               <a:avLst/>
               <a:pathLst>
-                <a:path w="0" h="3831571">
+                <a:path w="0" h="3781760">
                   <a:moveTo>
-                    <a:pt x="0" y="3831571"/>
+                    <a:pt x="0" y="3781760"/>
                   </a:moveTo>
                   <a:lnTo>
                     <a:pt x="0" y="0"/>
@@ -13397,15 +13397,15 @@
           </p:nvSpPr>
           <p:spPr>
             <a:xfrm>
-              <a:off x="4089402" y="1894657"/>
-              <a:ext cx="0" cy="3831571"/>
+              <a:off x="4111751" y="1917773"/>
+              <a:ext cx="0" cy="3781760"/>
             </a:xfrm>
             <a:custGeom>
               <a:avLst/>
               <a:pathLst>
-                <a:path w="0" h="3831571">
+                <a:path w="0" h="3781760">
                   <a:moveTo>
-                    <a:pt x="0" y="3831571"/>
+                    <a:pt x="0" y="3781760"/>
                   </a:moveTo>
                   <a:lnTo>
                     <a:pt x="0" y="0"/>
@@ -13440,15 +13440,15 @@
           </p:nvSpPr>
           <p:spPr>
             <a:xfrm>
-              <a:off x="4745855" y="1894657"/>
-              <a:ext cx="0" cy="3831571"/>
+              <a:off x="4759669" y="1917773"/>
+              <a:ext cx="0" cy="3781760"/>
             </a:xfrm>
             <a:custGeom>
               <a:avLst/>
               <a:pathLst>
-                <a:path w="0" h="3831571">
+                <a:path w="0" h="3781760">
                   <a:moveTo>
-                    <a:pt x="0" y="3831571"/>
+                    <a:pt x="0" y="3781760"/>
                   </a:moveTo>
                   <a:lnTo>
                     <a:pt x="0" y="0"/>
@@ -13483,15 +13483,15 @@
           </p:nvSpPr>
           <p:spPr>
             <a:xfrm>
-              <a:off x="5402308" y="1894657"/>
-              <a:ext cx="0" cy="3831571"/>
+              <a:off x="5407588" y="1917773"/>
+              <a:ext cx="0" cy="3781760"/>
             </a:xfrm>
             <a:custGeom>
               <a:avLst/>
               <a:pathLst>
-                <a:path w="0" h="3831571">
+                <a:path w="0" h="3781760">
                   <a:moveTo>
-                    <a:pt x="0" y="3831571"/>
+                    <a:pt x="0" y="3781760"/>
                   </a:moveTo>
                   <a:lnTo>
                     <a:pt x="0" y="0"/>
@@ -13526,15 +13526,15 @@
           </p:nvSpPr>
           <p:spPr>
             <a:xfrm>
-              <a:off x="6058760" y="1894657"/>
-              <a:ext cx="0" cy="3831571"/>
+              <a:off x="6055506" y="1917773"/>
+              <a:ext cx="0" cy="3781760"/>
             </a:xfrm>
             <a:custGeom>
               <a:avLst/>
               <a:pathLst>
-                <a:path w="0" h="3831571">
+                <a:path w="0" h="3781760">
                   <a:moveTo>
-                    <a:pt x="0" y="3831571"/>
+                    <a:pt x="0" y="3781760"/>
                   </a:moveTo>
                   <a:lnTo>
                     <a:pt x="0" y="0"/>
@@ -13569,21 +13569,21 @@
           </p:nvSpPr>
           <p:spPr>
             <a:xfrm>
-              <a:off x="2873931" y="3731356"/>
-              <a:ext cx="3815540" cy="0"/>
+              <a:off x="2912080" y="3730594"/>
+              <a:ext cx="3765937" cy="0"/>
             </a:xfrm>
             <a:custGeom>
               <a:avLst/>
               <a:pathLst>
-                <a:path w="3815540" h="0">
+                <a:path w="3765937" h="0">
                   <a:moveTo>
                     <a:pt x="0" y="0"/>
                   </a:moveTo>
                   <a:lnTo>
-                    <a:pt x="3815540" y="0"/>
-                  </a:lnTo>
-                  <a:lnTo>
-                    <a:pt x="3815540" y="0"/>
+                    <a:pt x="3765937" y="0"/>
+                  </a:lnTo>
+                  <a:lnTo>
+                    <a:pt x="3765937" y="0"/>
                   </a:lnTo>
                 </a:path>
               </a:pathLst>
@@ -13612,15 +13612,15 @@
           </p:nvSpPr>
           <p:spPr>
             <a:xfrm>
-              <a:off x="4745855" y="1894657"/>
-              <a:ext cx="0" cy="3831571"/>
+              <a:off x="4759669" y="1917773"/>
+              <a:ext cx="0" cy="3781760"/>
             </a:xfrm>
             <a:custGeom>
               <a:avLst/>
               <a:pathLst>
-                <a:path w="0" h="3831571">
+                <a:path w="0" h="3781760">
                   <a:moveTo>
-                    <a:pt x="0" y="3831571"/>
+                    <a:pt x="0" y="3781760"/>
                   </a:moveTo>
                   <a:lnTo>
                     <a:pt x="0" y="0"/>
@@ -13655,7 +13655,7 @@
           </p:nvSpPr>
           <p:spPr>
             <a:xfrm>
-              <a:off x="5434821" y="2895986"/>
+              <a:off x="5439180" y="2905585"/>
               <a:ext cx="76753" cy="76753"/>
             </a:xfrm>
             <a:prstGeom prst="ellipse">
@@ -13690,7 +13690,7 @@
           </p:nvSpPr>
           <p:spPr>
             <a:xfrm>
-              <a:off x="4943567" y="3311018"/>
+              <a:off x="4954312" y="3315221"/>
               <a:ext cx="76753" cy="76753"/>
             </a:xfrm>
             <a:prstGeom prst="ellipse">
@@ -13725,7 +13725,7 @@
           </p:nvSpPr>
           <p:spPr>
             <a:xfrm>
-              <a:off x="3744064" y="4973195"/>
+              <a:off x="3770403" y="4955790"/>
               <a:ext cx="76753" cy="76753"/>
             </a:xfrm>
             <a:prstGeom prst="ellipse">
@@ -13760,7 +13760,7 @@
           </p:nvSpPr>
           <p:spPr>
             <a:xfrm>
-              <a:off x="5842230" y="2397160"/>
+              <a:off x="5841292" y="2413244"/>
               <a:ext cx="76753" cy="76753"/>
             </a:xfrm>
             <a:prstGeom prst="ellipse">
@@ -13795,7 +13795,7 @@
           </p:nvSpPr>
           <p:spPr>
             <a:xfrm>
-              <a:off x="4015623" y="4261422"/>
+              <a:off x="4038432" y="4253270"/>
               <a:ext cx="76753" cy="76753"/>
             </a:xfrm>
             <a:prstGeom prst="ellipse">
@@ -13830,7 +13830,7 @@
           </p:nvSpPr>
           <p:spPr>
             <a:xfrm>
-              <a:off x="3704835" y="4768928"/>
+              <a:off x="3731683" y="4754178"/>
               <a:ext cx="76753" cy="76753"/>
             </a:xfrm>
             <a:prstGeom prst="ellipse">
@@ -13865,7 +13865,7 @@
           </p:nvSpPr>
           <p:spPr>
             <a:xfrm>
-              <a:off x="5240032" y="3147810"/>
+              <a:off x="5246923" y="3154135"/>
               <a:ext cx="76753" cy="76753"/>
             </a:xfrm>
             <a:prstGeom prst="ellipse">
@@ -13900,7 +13900,7 @@
           </p:nvSpPr>
           <p:spPr>
             <a:xfrm>
-              <a:off x="5080158" y="2893440"/>
+              <a:off x="5089127" y="2903073"/>
               <a:ext cx="76753" cy="76753"/>
             </a:xfrm>
             <a:prstGeom prst="ellipse">
@@ -13935,7 +13935,7 @@
           </p:nvSpPr>
           <p:spPr>
             <a:xfrm>
-              <a:off x="3807374" y="4808437"/>
+              <a:off x="3832890" y="4793174"/>
               <a:ext cx="76753" cy="76753"/>
             </a:xfrm>
             <a:prstGeom prst="ellipse">
@@ -13970,7 +13970,7 @@
           </p:nvSpPr>
           <p:spPr>
             <a:xfrm>
-              <a:off x="4152456" y="4219513"/>
+              <a:off x="4173486" y="4211906"/>
               <a:ext cx="76753" cy="76753"/>
             </a:xfrm>
             <a:prstGeom prst="ellipse">
@@ -14005,7 +14005,7 @@
           </p:nvSpPr>
           <p:spPr>
             <a:xfrm>
-              <a:off x="4134477" y="3898093"/>
+              <a:off x="4155741" y="3894664"/>
               <a:ext cx="76753" cy="76753"/>
             </a:xfrm>
             <a:prstGeom prst="ellipse">
@@ -14040,7 +14040,7 @@
           </p:nvSpPr>
           <p:spPr>
             <a:xfrm>
-              <a:off x="5536127" y="2446044"/>
+              <a:off x="5539169" y="2461493"/>
               <a:ext cx="76753" cy="76753"/>
             </a:xfrm>
             <a:prstGeom prst="ellipse">
@@ -14075,7 +14075,7 @@
           </p:nvSpPr>
           <p:spPr>
             <a:xfrm>
-              <a:off x="4029424" y="4635908"/>
+              <a:off x="4052053" y="4622887"/>
               <a:ext cx="76753" cy="76753"/>
             </a:xfrm>
             <a:prstGeom prst="ellipse">
@@ -14110,7 +14110,7 @@
           </p:nvSpPr>
           <p:spPr>
             <a:xfrm>
-              <a:off x="5404624" y="3140980"/>
+              <a:off x="5409375" y="3147394"/>
               <a:ext cx="76753" cy="76753"/>
             </a:xfrm>
             <a:prstGeom prst="ellipse">
@@ -14145,7 +14145,7 @@
           </p:nvSpPr>
           <p:spPr>
             <a:xfrm>
-              <a:off x="4198677" y="4681094"/>
+              <a:off x="4219106" y="4667486"/>
               <a:ext cx="76753" cy="76753"/>
             </a:xfrm>
             <a:prstGeom prst="ellipse">
@@ -14180,7 +14180,7 @@
           </p:nvSpPr>
           <p:spPr>
             <a:xfrm>
-              <a:off x="5544892" y="2572217"/>
+              <a:off x="5547819" y="2586025"/>
               <a:ext cx="76753" cy="76753"/>
             </a:xfrm>
             <a:prstGeom prst="ellipse">
@@ -14215,7 +14215,7 @@
           </p:nvSpPr>
           <p:spPr>
             <a:xfrm>
-              <a:off x="4972944" y="3915077"/>
+              <a:off x="4983307" y="3911427"/>
               <a:ext cx="76753" cy="76753"/>
             </a:xfrm>
             <a:prstGeom prst="ellipse">
@@ -14250,7 +14250,7 @@
           </p:nvSpPr>
           <p:spPr>
             <a:xfrm>
-              <a:off x="4042255" y="4590752"/>
+              <a:off x="4064718" y="4578319"/>
               <a:ext cx="76753" cy="76753"/>
             </a:xfrm>
             <a:prstGeom prst="ellipse">
@@ -14285,7 +14285,7 @@
           </p:nvSpPr>
           <p:spPr>
             <a:xfrm>
-              <a:off x="4959950" y="3409072"/>
+              <a:off x="4970481" y="3412001"/>
               <a:ext cx="76753" cy="76753"/>
             </a:xfrm>
             <a:prstGeom prst="ellipse">
@@ -14320,7 +14320,7 @@
           </p:nvSpPr>
           <p:spPr>
             <a:xfrm>
-              <a:off x="5918115" y="2378722"/>
+              <a:off x="5916190" y="2395045"/>
               <a:ext cx="76753" cy="76753"/>
             </a:xfrm>
             <a:prstGeom prst="ellipse">
@@ -14355,7 +14355,7 @@
           </p:nvSpPr>
           <p:spPr>
             <a:xfrm>
-              <a:off x="3364798" y="5132276"/>
+              <a:off x="3396067" y="5112803"/>
               <a:ext cx="76753" cy="76753"/>
             </a:xfrm>
             <a:prstGeom prst="ellipse">
@@ -14390,7 +14390,7 @@
           </p:nvSpPr>
           <p:spPr>
             <a:xfrm>
-              <a:off x="5250888" y="2854090"/>
+              <a:off x="5257637" y="2864234"/>
               <a:ext cx="76753" cy="76753"/>
             </a:xfrm>
             <a:prstGeom prst="ellipse">
@@ -14425,7 +14425,7 @@
           </p:nvSpPr>
           <p:spPr>
             <a:xfrm>
-              <a:off x="6106832" y="2397812"/>
+              <a:off x="6102454" y="2413887"/>
               <a:ext cx="76753" cy="76753"/>
             </a:xfrm>
             <a:prstGeom prst="ellipse">
@@ -14460,7 +14460,7 @@
           </p:nvSpPr>
           <p:spPr>
             <a:xfrm>
-              <a:off x="3694655" y="5036021"/>
+              <a:off x="3721636" y="5017799"/>
               <a:ext cx="76753" cy="76753"/>
             </a:xfrm>
             <a:prstGeom prst="ellipse">
@@ -14495,7 +14495,7 @@
           </p:nvSpPr>
           <p:spPr>
             <a:xfrm>
-              <a:off x="4275155" y="3801066"/>
+              <a:off x="4294589" y="3798899"/>
               <a:ext cx="76753" cy="76753"/>
             </a:xfrm>
             <a:prstGeom prst="ellipse">
@@ -14530,7 +14530,7 @@
           </p:nvSpPr>
           <p:spPr>
             <a:xfrm>
-              <a:off x="5236841" y="2923278"/>
+              <a:off x="5243773" y="2932522"/>
               <a:ext cx="76753" cy="76753"/>
             </a:xfrm>
             <a:prstGeom prst="ellipse">
@@ -14565,7 +14565,7 @@
           </p:nvSpPr>
           <p:spPr>
             <a:xfrm>
-              <a:off x="4466102" y="4221036"/>
+              <a:off x="4483054" y="4213409"/>
               <a:ext cx="76753" cy="76753"/>
             </a:xfrm>
             <a:prstGeom prst="ellipse">
@@ -14600,18 +14600,18 @@
           </p:nvSpPr>
           <p:spPr>
             <a:xfrm>
-              <a:off x="4997817" y="2870715"/>
-              <a:ext cx="108207" cy="54770"/>
+              <a:off x="4999138" y="2878942"/>
+              <a:ext cx="115760" cy="56368"/>
             </a:xfrm>
             <a:custGeom>
               <a:avLst/>
               <a:pathLst>
-                <a:path w="108207" h="54770">
+                <a:path w="115760" h="56368">
                   <a:moveTo>
                     <a:pt x="0" y="0"/>
                   </a:moveTo>
                   <a:lnTo>
-                    <a:pt x="108207" y="54770"/>
+                    <a:pt x="115760" y="56368"/>
                   </a:lnTo>
                 </a:path>
               </a:pathLst>
@@ -14631,15 +14631,15 @@
           </p:nvSpPr>
           <p:spPr>
             <a:xfrm>
-              <a:off x="3858226" y="4853214"/>
-              <a:ext cx="152704" cy="78339"/>
+              <a:off x="3884429" y="4836367"/>
+              <a:ext cx="152568" cy="55830"/>
             </a:xfrm>
             <a:custGeom>
               <a:avLst/>
               <a:pathLst>
-                <a:path w="152704" h="78339">
+                <a:path w="152568" h="55830">
                   <a:moveTo>
-                    <a:pt x="152704" y="78339"/>
+                    <a:pt x="152568" y="55830"/>
                   </a:moveTo>
                   <a:lnTo>
                     <a:pt x="0" y="0"/>
@@ -14662,7 +14662,7 @@
           </p:nvSpPr>
           <p:spPr>
             <a:xfrm>
-              <a:off x="5532922" y="2979739"/>
+              <a:off x="5536954" y="2988902"/>
               <a:ext cx="100482" cy="129860"/>
             </a:xfrm>
             <a:prstGeom prst="rect">
@@ -14708,7 +14708,7 @@
           </p:nvSpPr>
           <p:spPr>
             <a:xfrm>
-              <a:off x="4821582" y="3173955"/>
+              <a:off x="4831746" y="3242782"/>
               <a:ext cx="100482" cy="129860"/>
             </a:xfrm>
             <a:prstGeom prst="rect">
@@ -14754,7 +14754,7 @@
           </p:nvSpPr>
           <p:spPr>
             <a:xfrm>
-              <a:off x="3842164" y="4904610"/>
+              <a:off x="3868556" y="4888884"/>
               <a:ext cx="100482" cy="132065"/>
             </a:xfrm>
             <a:prstGeom prst="rect">
@@ -14800,7 +14800,7 @@
           </p:nvSpPr>
           <p:spPr>
             <a:xfrm>
-              <a:off x="5719673" y="2481177"/>
+              <a:off x="5718730" y="2497515"/>
               <a:ext cx="100482" cy="129860"/>
             </a:xfrm>
             <a:prstGeom prst="rect">
@@ -14846,7 +14846,7 @@
           </p:nvSpPr>
           <p:spPr>
             <a:xfrm>
-              <a:off x="3892930" y="4217620"/>
+              <a:off x="3914498" y="4213719"/>
               <a:ext cx="100482" cy="129771"/>
             </a:xfrm>
             <a:prstGeom prst="rect">
@@ -14892,7 +14892,7 @@
           </p:nvSpPr>
           <p:spPr>
             <a:xfrm>
-              <a:off x="3583368" y="4634096"/>
+              <a:off x="3609622" y="4619482"/>
               <a:ext cx="100482" cy="127566"/>
             </a:xfrm>
             <a:prstGeom prst="rect">
@@ -14938,7 +14938,7 @@
           </p:nvSpPr>
           <p:spPr>
             <a:xfrm>
-              <a:off x="5119647" y="3234455"/>
+              <a:off x="5127716" y="3244423"/>
               <a:ext cx="100482" cy="132153"/>
             </a:xfrm>
             <a:prstGeom prst="rect">
@@ -14984,7 +14984,7 @@
           </p:nvSpPr>
           <p:spPr>
             <a:xfrm>
-              <a:off x="4874474" y="2793582"/>
+              <a:off x="4875795" y="2802489"/>
               <a:ext cx="100482" cy="132153"/>
             </a:xfrm>
             <a:prstGeom prst="rect">
@@ -15030,7 +15030,7 @@
           </p:nvSpPr>
           <p:spPr>
             <a:xfrm>
-              <a:off x="4033791" y="4875914"/>
+              <a:off x="4059858" y="4829275"/>
               <a:ext cx="200965" cy="132065"/>
             </a:xfrm>
             <a:prstGeom prst="rect">
@@ -15076,7 +15076,7 @@
           </p:nvSpPr>
           <p:spPr>
             <a:xfrm>
-              <a:off x="4214801" y="4068890"/>
+              <a:off x="4247477" y="4060962"/>
               <a:ext cx="200965" cy="129860"/>
             </a:xfrm>
             <a:prstGeom prst="rect">
@@ -15122,7 +15122,7 @@
           </p:nvSpPr>
           <p:spPr>
             <a:xfrm>
-              <a:off x="3922368" y="3994998"/>
+              <a:off x="3954423" y="3992537"/>
               <a:ext cx="200965" cy="129860"/>
             </a:xfrm>
             <a:prstGeom prst="rect">
@@ -15168,7 +15168,7 @@
           </p:nvSpPr>
           <p:spPr>
             <a:xfrm>
-              <a:off x="5349527" y="2292458"/>
+              <a:off x="5352824" y="2307603"/>
               <a:ext cx="200965" cy="132065"/>
             </a:xfrm>
             <a:prstGeom prst="rect">
@@ -15214,7 +15214,7 @@
           </p:nvSpPr>
           <p:spPr>
             <a:xfrm>
-              <a:off x="3806509" y="4655688"/>
+              <a:off x="3828194" y="4607510"/>
               <a:ext cx="200965" cy="132065"/>
             </a:xfrm>
             <a:prstGeom prst="rect">
@@ -15260,7 +15260,7 @@
           </p:nvSpPr>
           <p:spPr>
             <a:xfrm>
-              <a:off x="5466286" y="3236185"/>
+              <a:off x="5471535" y="3243422"/>
               <a:ext cx="200965" cy="132065"/>
             </a:xfrm>
             <a:prstGeom prst="rect">
@@ -15306,7 +15306,7 @@
           </p:nvSpPr>
           <p:spPr>
             <a:xfrm>
-              <a:off x="4308835" y="4654616"/>
+              <a:off x="4325563" y="4608235"/>
               <a:ext cx="200965" cy="132153"/>
             </a:xfrm>
             <a:prstGeom prst="rect">
@@ -15352,7 +15352,7 @@
           </p:nvSpPr>
           <p:spPr>
             <a:xfrm>
-              <a:off x="5358790" y="2667679"/>
+              <a:off x="5361680" y="2681119"/>
               <a:ext cx="200965" cy="132153"/>
             </a:xfrm>
             <a:prstGeom prst="rect">
@@ -15398,7 +15398,7 @@
           </p:nvSpPr>
           <p:spPr>
             <a:xfrm>
-              <a:off x="4787055" y="4010528"/>
+              <a:off x="4797117" y="4007234"/>
               <a:ext cx="200965" cy="132065"/>
             </a:xfrm>
             <a:prstGeom prst="rect">
@@ -15444,7 +15444,7 @@
           </p:nvSpPr>
           <p:spPr>
             <a:xfrm>
-              <a:off x="4084844" y="4436535"/>
+              <a:off x="4107017" y="4388957"/>
               <a:ext cx="200965" cy="129860"/>
             </a:xfrm>
             <a:prstGeom prst="rect">
@@ -15490,7 +15490,7 @@
           </p:nvSpPr>
           <p:spPr>
             <a:xfrm>
-              <a:off x="5021332" y="3506318"/>
+              <a:off x="5032776" y="3509823"/>
               <a:ext cx="200965" cy="129860"/>
             </a:xfrm>
             <a:prstGeom prst="rect">
@@ -15536,7 +15536,7 @@
           </p:nvSpPr>
           <p:spPr>
             <a:xfrm>
-              <a:off x="5979547" y="2225181"/>
+              <a:off x="5977894" y="2241729"/>
               <a:ext cx="200965" cy="132065"/>
             </a:xfrm>
             <a:prstGeom prst="rect">
@@ -15582,7 +15582,7 @@
           </p:nvSpPr>
           <p:spPr>
             <a:xfrm>
-              <a:off x="3178179" y="5230083"/>
+              <a:off x="3209758" y="5211033"/>
               <a:ext cx="200965" cy="129860"/>
             </a:xfrm>
             <a:prstGeom prst="rect">
@@ -15628,7 +15628,7 @@
           </p:nvSpPr>
           <p:spPr>
             <a:xfrm>
-              <a:off x="5066225" y="2698753"/>
+              <a:off x="5069334" y="2711182"/>
               <a:ext cx="200965" cy="132065"/>
             </a:xfrm>
             <a:prstGeom prst="rect">
@@ -15674,7 +15674,7 @@
           </p:nvSpPr>
           <p:spPr>
             <a:xfrm>
-              <a:off x="6168460" y="2493003"/>
+              <a:off x="6164093" y="2509569"/>
               <a:ext cx="200965" cy="132065"/>
             </a:xfrm>
             <a:prstGeom prst="rect">
@@ -15720,7 +15720,7 @@
           </p:nvSpPr>
           <p:spPr>
             <a:xfrm>
-              <a:off x="3508518" y="5134125"/>
+              <a:off x="3535034" y="5115573"/>
               <a:ext cx="200965" cy="129860"/>
             </a:xfrm>
             <a:prstGeom prst="rect">
@@ -15766,7 +15766,7 @@
           </p:nvSpPr>
           <p:spPr>
             <a:xfrm>
-              <a:off x="4336810" y="3647748"/>
+              <a:off x="4355458" y="3645899"/>
               <a:ext cx="200965" cy="132153"/>
             </a:xfrm>
             <a:prstGeom prst="rect">
@@ -15812,7 +15812,7 @@
           </p:nvSpPr>
           <p:spPr>
             <a:xfrm>
-              <a:off x="5018125" y="3013909"/>
+              <a:off x="5024963" y="3023073"/>
               <a:ext cx="200965" cy="132153"/>
             </a:xfrm>
             <a:prstGeom prst="rect">
@@ -15858,7 +15858,7 @@
           </p:nvSpPr>
           <p:spPr>
             <a:xfrm>
-              <a:off x="4528026" y="4316440"/>
+              <a:off x="4545142" y="4308631"/>
               <a:ext cx="200965" cy="132065"/>
             </a:xfrm>
             <a:prstGeom prst="rect">
@@ -15904,30 +15904,30 @@
           </p:nvSpPr>
           <p:spPr>
             <a:xfrm>
-              <a:off x="4172854" y="2892467"/>
-              <a:ext cx="1300344" cy="1044002"/>
+              <a:off x="4194117" y="2902610"/>
+              <a:ext cx="1283439" cy="1030430"/>
             </a:xfrm>
             <a:custGeom>
               <a:avLst/>
               <a:pathLst>
-                <a:path w="1300344" h="1044002">
+                <a:path w="1283439" h="1030430">
                   <a:moveTo>
-                    <a:pt x="825472" y="554982"/>
+                    <a:pt x="814740" y="547767"/>
                   </a:moveTo>
                   <a:lnTo>
-                    <a:pt x="0" y="1044002"/>
-                  </a:lnTo>
-                  <a:lnTo>
-                    <a:pt x="945680" y="39350"/>
-                  </a:lnTo>
-                  <a:lnTo>
-                    <a:pt x="1116410" y="0"/>
-                  </a:lnTo>
-                  <a:lnTo>
-                    <a:pt x="1300344" y="41895"/>
-                  </a:lnTo>
-                  <a:lnTo>
-                    <a:pt x="1270146" y="286889"/>
+                    <a:pt x="0" y="1030430"/>
+                  </a:lnTo>
+                  <a:lnTo>
+                    <a:pt x="933386" y="38838"/>
+                  </a:lnTo>
+                  <a:lnTo>
+                    <a:pt x="1101896" y="0"/>
+                  </a:lnTo>
+                  <a:lnTo>
+                    <a:pt x="1283439" y="41350"/>
+                  </a:lnTo>
+                  <a:lnTo>
+                    <a:pt x="1253634" y="283160"/>
                   </a:lnTo>
                   <a:close/>
                 </a:path>
@@ -15962,24 +15962,24 @@
           </p:nvSpPr>
           <p:spPr>
             <a:xfrm>
-              <a:off x="3403175" y="4299799"/>
-              <a:ext cx="833879" cy="870854"/>
+              <a:off x="3434444" y="4291646"/>
+              <a:ext cx="823038" cy="859533"/>
             </a:xfrm>
             <a:custGeom>
               <a:avLst/>
               <a:pathLst>
-                <a:path w="833879" h="870854">
+                <a:path w="823038" h="859533">
                   <a:moveTo>
-                    <a:pt x="329856" y="774599"/>
+                    <a:pt x="325568" y="764529"/>
                   </a:moveTo>
                   <a:lnTo>
-                    <a:pt x="0" y="870854"/>
-                  </a:lnTo>
-                  <a:lnTo>
-                    <a:pt x="650825" y="0"/>
-                  </a:lnTo>
-                  <a:lnTo>
-                    <a:pt x="833879" y="419671"/>
+                    <a:pt x="0" y="859533"/>
+                  </a:lnTo>
+                  <a:lnTo>
+                    <a:pt x="642364" y="0"/>
+                  </a:lnTo>
+                  <a:lnTo>
+                    <a:pt x="823038" y="414215"/>
                   </a:lnTo>
                   <a:close/>
                 </a:path>
@@ -16014,27 +16014,27 @@
           </p:nvSpPr>
           <p:spPr>
             <a:xfrm>
-              <a:off x="5275218" y="2417098"/>
-              <a:ext cx="869991" cy="769088"/>
+              <a:off x="5282150" y="2433422"/>
+              <a:ext cx="858681" cy="759089"/>
             </a:xfrm>
             <a:custGeom>
               <a:avLst/>
               <a:pathLst>
-                <a:path w="869991" h="769088">
+                <a:path w="858681" h="759089">
                   <a:moveTo>
-                    <a:pt x="3191" y="769088"/>
+                    <a:pt x="3149" y="759089"/>
                   </a:moveTo>
                   <a:lnTo>
-                    <a:pt x="0" y="544556"/>
-                  </a:lnTo>
-                  <a:lnTo>
-                    <a:pt x="299286" y="67322"/>
-                  </a:lnTo>
-                  <a:lnTo>
-                    <a:pt x="681273" y="0"/>
-                  </a:lnTo>
-                  <a:lnTo>
-                    <a:pt x="869991" y="19090"/>
+                    <a:pt x="0" y="537477"/>
+                  </a:lnTo>
+                  <a:lnTo>
+                    <a:pt x="295395" y="66447"/>
+                  </a:lnTo>
+                  <a:lnTo>
+                    <a:pt x="672416" y="0"/>
+                  </a:lnTo>
+                  <a:lnTo>
+                    <a:pt x="858681" y="18842"/>
                   </a:lnTo>
                   <a:close/>
                 </a:path>
@@ -16069,21 +16069,21 @@
           </p:nvSpPr>
           <p:spPr>
             <a:xfrm>
-              <a:off x="3845751" y="3839443"/>
-              <a:ext cx="1165569" cy="1007370"/>
+              <a:off x="3871267" y="3837275"/>
+              <a:ext cx="1150416" cy="994274"/>
             </a:xfrm>
             <a:custGeom>
               <a:avLst/>
               <a:pathLst>
-                <a:path w="1165569" h="1007370">
+                <a:path w="1150416" h="994274">
                   <a:moveTo>
-                    <a:pt x="0" y="1007370"/>
+                    <a:pt x="0" y="994274"/>
                   </a:moveTo>
                   <a:lnTo>
-                    <a:pt x="467780" y="0"/>
-                  </a:lnTo>
-                  <a:lnTo>
-                    <a:pt x="1165569" y="114010"/>
+                    <a:pt x="461698" y="0"/>
+                  </a:lnTo>
+                  <a:lnTo>
+                    <a:pt x="1150416" y="112528"/>
                   </a:lnTo>
                   <a:close/>
                 </a:path>
@@ -16118,7 +16118,7 @@
           </p:nvSpPr>
           <p:spPr>
             <a:xfrm>
-              <a:off x="2618722" y="5659022"/>
+              <a:off x="2656872" y="5632658"/>
               <a:ext cx="192578" cy="81691"/>
             </a:xfrm>
             <a:prstGeom prst="rect">
@@ -16164,7 +16164,7 @@
           </p:nvSpPr>
           <p:spPr>
             <a:xfrm>
-              <a:off x="2618722" y="5002570"/>
+              <a:off x="2656872" y="4984739"/>
               <a:ext cx="192578" cy="81691"/>
             </a:xfrm>
             <a:prstGeom prst="rect">
@@ -16210,7 +16210,7 @@
           </p:nvSpPr>
           <p:spPr>
             <a:xfrm>
-              <a:off x="2618722" y="4346117"/>
+              <a:off x="2656872" y="4336821"/>
               <a:ext cx="192578" cy="81691"/>
             </a:xfrm>
             <a:prstGeom prst="rect">
@@ -16256,7 +16256,7 @@
           </p:nvSpPr>
           <p:spPr>
             <a:xfrm>
-              <a:off x="2655939" y="3689664"/>
+              <a:off x="2694089" y="3688902"/>
               <a:ext cx="155361" cy="81691"/>
             </a:xfrm>
             <a:prstGeom prst="rect">
@@ -16302,7 +16302,7 @@
           </p:nvSpPr>
           <p:spPr>
             <a:xfrm>
-              <a:off x="2655939" y="3033212"/>
+              <a:off x="2694089" y="3040984"/>
               <a:ext cx="155361" cy="81691"/>
             </a:xfrm>
             <a:prstGeom prst="rect">
@@ -16348,7 +16348,7 @@
           </p:nvSpPr>
           <p:spPr>
             <a:xfrm>
-              <a:off x="2655939" y="2376759"/>
+              <a:off x="2694089" y="2393065"/>
               <a:ext cx="155361" cy="81691"/>
             </a:xfrm>
             <a:prstGeom prst="rect">
@@ -16394,7 +16394,7 @@
           </p:nvSpPr>
           <p:spPr>
             <a:xfrm>
-              <a:off x="2839136" y="5700714"/>
+              <a:off x="2877286" y="5674350"/>
               <a:ext cx="34794" cy="0"/>
             </a:xfrm>
             <a:custGeom>
@@ -16434,7 +16434,7 @@
           </p:nvSpPr>
           <p:spPr>
             <a:xfrm>
-              <a:off x="2839136" y="5044261"/>
+              <a:off x="2877286" y="5026431"/>
               <a:ext cx="34794" cy="0"/>
             </a:xfrm>
             <a:custGeom>
@@ -16474,7 +16474,7 @@
           </p:nvSpPr>
           <p:spPr>
             <a:xfrm>
-              <a:off x="2839136" y="4387809"/>
+              <a:off x="2877286" y="4378512"/>
               <a:ext cx="34794" cy="0"/>
             </a:xfrm>
             <a:custGeom>
@@ -16514,7 +16514,7 @@
           </p:nvSpPr>
           <p:spPr>
             <a:xfrm>
-              <a:off x="2839136" y="3731356"/>
+              <a:off x="2877286" y="3730594"/>
               <a:ext cx="34794" cy="0"/>
             </a:xfrm>
             <a:custGeom>
@@ -16554,7 +16554,7 @@
           </p:nvSpPr>
           <p:spPr>
             <a:xfrm>
-              <a:off x="2839136" y="3074903"/>
+              <a:off x="2877286" y="3082675"/>
               <a:ext cx="34794" cy="0"/>
             </a:xfrm>
             <a:custGeom>
@@ -16594,7 +16594,7 @@
           </p:nvSpPr>
           <p:spPr>
             <a:xfrm>
-              <a:off x="2839136" y="2418451"/>
+              <a:off x="2877286" y="2434757"/>
               <a:ext cx="34794" cy="0"/>
             </a:xfrm>
             <a:custGeom>
@@ -16634,7 +16634,7 @@
           </p:nvSpPr>
           <p:spPr>
             <a:xfrm>
-              <a:off x="3432950" y="5726229"/>
+              <a:off x="3463832" y="5699533"/>
               <a:ext cx="0" cy="34794"/>
             </a:xfrm>
             <a:custGeom>
@@ -16674,7 +16674,7 @@
           </p:nvSpPr>
           <p:spPr>
             <a:xfrm>
-              <a:off x="4089402" y="5726229"/>
+              <a:off x="4111751" y="5699533"/>
               <a:ext cx="0" cy="34794"/>
             </a:xfrm>
             <a:custGeom>
@@ -16714,7 +16714,7 @@
           </p:nvSpPr>
           <p:spPr>
             <a:xfrm>
-              <a:off x="4745855" y="5726229"/>
+              <a:off x="4759669" y="5699533"/>
               <a:ext cx="0" cy="34794"/>
             </a:xfrm>
             <a:custGeom>
@@ -16754,7 +16754,7 @@
           </p:nvSpPr>
           <p:spPr>
             <a:xfrm>
-              <a:off x="5402308" y="5726229"/>
+              <a:off x="5407588" y="5699533"/>
               <a:ext cx="0" cy="34794"/>
             </a:xfrm>
             <a:custGeom>
@@ -16794,7 +16794,7 @@
           </p:nvSpPr>
           <p:spPr>
             <a:xfrm>
-              <a:off x="6058760" y="5726229"/>
+              <a:off x="6055506" y="5699533"/>
               <a:ext cx="0" cy="34794"/>
             </a:xfrm>
             <a:custGeom>
@@ -16834,7 +16834,7 @@
           </p:nvSpPr>
           <p:spPr>
             <a:xfrm>
-              <a:off x="3336660" y="5787168"/>
+              <a:off x="3367543" y="5760471"/>
               <a:ext cx="192578" cy="81691"/>
             </a:xfrm>
             <a:prstGeom prst="rect">
@@ -16880,7 +16880,7 @@
           </p:nvSpPr>
           <p:spPr>
             <a:xfrm>
-              <a:off x="3993113" y="5787168"/>
+              <a:off x="4015461" y="5760471"/>
               <a:ext cx="192578" cy="81691"/>
             </a:xfrm>
             <a:prstGeom prst="rect">
@@ -16926,7 +16926,7 @@
           </p:nvSpPr>
           <p:spPr>
             <a:xfrm>
-              <a:off x="4668174" y="5787168"/>
+              <a:off x="4681988" y="5760471"/>
               <a:ext cx="155361" cy="81691"/>
             </a:xfrm>
             <a:prstGeom prst="rect">
@@ -16972,7 +16972,7 @@
           </p:nvSpPr>
           <p:spPr>
             <a:xfrm>
-              <a:off x="5324627" y="5787168"/>
+              <a:off x="5329907" y="5760471"/>
               <a:ext cx="155361" cy="81691"/>
             </a:xfrm>
             <a:prstGeom prst="rect">
@@ -17018,7 +17018,7 @@
           </p:nvSpPr>
           <p:spPr>
             <a:xfrm>
-              <a:off x="5981079" y="5787168"/>
+              <a:off x="5977825" y="5760471"/>
               <a:ext cx="155361" cy="81691"/>
             </a:xfrm>
             <a:prstGeom prst="rect">
@@ -17064,8 +17064,8 @@
           </p:nvSpPr>
           <p:spPr>
             <a:xfrm>
-              <a:off x="4649675" y="5926764"/>
-              <a:ext cx="264052" cy="100409"/>
+              <a:off x="4639474" y="5895963"/>
+              <a:ext cx="311150" cy="122237"/>
             </a:xfrm>
             <a:prstGeom prst="rect">
               <a:avLst/>
@@ -17078,7 +17078,7 @@
             <a:p>
               <a:pPr algn="l" marL="0" marR="0" indent="0">
                 <a:lnSpc>
-                  <a:spcPts val="1100"/>
+                  <a:spcPts val="1400"/>
                 </a:lnSpc>
                 <a:spcBef>
                   <a:spcPts val="0"/>
@@ -17088,14 +17088,14 @@
                 </a:spcAft>
               </a:pPr>
               <a:r>
-                <a:rPr sz="1100">
+                <a:rPr sz="1400" i="1">
                   <a:solidFill>
                     <a:srgbClr val="000000">
                       <a:alpha val="100000"/>
                     </a:srgbClr>
                   </a:solidFill>
-                  <a:latin typeface="Arial"/>
-                  <a:cs typeface="Arial"/>
+                  <a:latin typeface="Times New Roman"/>
+                  <a:cs typeface="Times New Roman"/>
                 </a:rPr>
                 <a:t>Lx 1</a:t>
               </a:r>
@@ -17110,8 +17110,8 @@
           </p:nvSpPr>
           <p:spPr>
             <a:xfrm rot="-5400000">
-              <a:off x="2357597" y="3745539"/>
-              <a:ext cx="264052" cy="129809"/>
+              <a:off x="2348866" y="3729390"/>
+              <a:ext cx="311150" cy="158526"/>
             </a:xfrm>
             <a:prstGeom prst="rect">
               <a:avLst/>
@@ -17124,7 +17124,7 @@
             <a:p>
               <a:pPr algn="l" marL="0" marR="0" indent="0">
                 <a:lnSpc>
-                  <a:spcPts val="1100"/>
+                  <a:spcPts val="1400"/>
                 </a:lnSpc>
                 <a:spcBef>
                   <a:spcPts val="0"/>
@@ -17134,14 +17134,14 @@
                 </a:spcAft>
               </a:pPr>
               <a:r>
-                <a:rPr sz="1100">
+                <a:rPr sz="1400" i="1">
                   <a:solidFill>
                     <a:srgbClr val="000000">
                       <a:alpha val="100000"/>
                     </a:srgbClr>
                   </a:solidFill>
-                  <a:latin typeface="Arial"/>
-                  <a:cs typeface="Arial"/>
+                  <a:latin typeface="Times New Roman"/>
+                  <a:cs typeface="Times New Roman"/>
                 </a:rPr>
                 <a:t>Ly 1</a:t>
               </a:r>
@@ -17156,8 +17156,8 @@
           </p:nvSpPr>
           <p:spPr>
             <a:xfrm>
-              <a:off x="2873931" y="1667333"/>
-              <a:ext cx="1602975" cy="122455"/>
+              <a:off x="2912080" y="1660164"/>
+              <a:ext cx="1800026" cy="144164"/>
             </a:xfrm>
             <a:prstGeom prst="rect">
               <a:avLst/>
@@ -17170,7 +17170,7 @@
             <a:p>
               <a:pPr algn="l" marL="0" marR="0" indent="0">
                 <a:lnSpc>
-                  <a:spcPts val="1320"/>
+                  <a:spcPts val="1600"/>
                 </a:lnSpc>
                 <a:spcBef>
                   <a:spcPts val="0"/>
@@ -17180,14 +17180,14 @@
                 </a:spcAft>
               </a:pPr>
               <a:r>
-                <a:rPr sz="1320">
+                <a:rPr sz="1600">
                   <a:solidFill>
                     <a:srgbClr val="000000">
                       <a:alpha val="100000"/>
                     </a:srgbClr>
                   </a:solidFill>
-                  <a:latin typeface="Arial"/>
-                  <a:cs typeface="Arial"/>
+                  <a:latin typeface="Times New Roman"/>
+                  <a:cs typeface="Times New Roman"/>
                 </a:rPr>
                 <a:t>Latent Variable Plot 1</a:t>
               </a:r>
@@ -17304,8 +17304,8 @@
           </p:nvSpPr>
           <p:spPr>
             <a:xfrm>
-              <a:off x="2733949" y="1600200"/>
-              <a:ext cx="3676101" cy="4525962"/>
+              <a:off x="2740865" y="1600200"/>
+              <a:ext cx="3662268" cy="4525962"/>
             </a:xfrm>
             <a:prstGeom prst="rect">
               <a:avLst/>
@@ -17339,8 +17339,8 @@
           </p:nvSpPr>
           <p:spPr>
             <a:xfrm>
-              <a:off x="3222941" y="1894657"/>
-              <a:ext cx="3117520" cy="3831571"/>
+              <a:off x="3256553" y="1917773"/>
+              <a:ext cx="3076991" cy="3781760"/>
             </a:xfrm>
             <a:prstGeom prst="rect">
               <a:avLst/>
@@ -17374,21 +17374,21 @@
           </p:nvSpPr>
           <p:spPr>
             <a:xfrm>
-              <a:off x="3222941" y="5357176"/>
-              <a:ext cx="3117520" cy="0"/>
+              <a:off x="3256553" y="5335277"/>
+              <a:ext cx="3076991" cy="0"/>
             </a:xfrm>
             <a:custGeom>
               <a:avLst/>
               <a:pathLst>
-                <a:path w="3117520" h="0">
+                <a:path w="3076991" h="0">
                   <a:moveTo>
                     <a:pt x="0" y="0"/>
                   </a:moveTo>
                   <a:lnTo>
-                    <a:pt x="3117520" y="0"/>
-                  </a:lnTo>
-                  <a:lnTo>
-                    <a:pt x="3117520" y="0"/>
+                    <a:pt x="3076991" y="0"/>
+                  </a:lnTo>
+                  <a:lnTo>
+                    <a:pt x="3076991" y="0"/>
                   </a:lnTo>
                 </a:path>
               </a:pathLst>
@@ -17417,21 +17417,21 @@
           </p:nvSpPr>
           <p:spPr>
             <a:xfrm>
-              <a:off x="3222941" y="4707814"/>
-              <a:ext cx="3117520" cy="0"/>
+              <a:off x="3256553" y="4694358"/>
+              <a:ext cx="3076991" cy="0"/>
             </a:xfrm>
             <a:custGeom>
               <a:avLst/>
               <a:pathLst>
-                <a:path w="3117520" h="0">
+                <a:path w="3076991" h="0">
                   <a:moveTo>
                     <a:pt x="0" y="0"/>
                   </a:moveTo>
                   <a:lnTo>
-                    <a:pt x="3117520" y="0"/>
-                  </a:lnTo>
-                  <a:lnTo>
-                    <a:pt x="3117520" y="0"/>
+                    <a:pt x="3076991" y="0"/>
+                  </a:lnTo>
+                  <a:lnTo>
+                    <a:pt x="3076991" y="0"/>
                   </a:lnTo>
                 </a:path>
               </a:pathLst>
@@ -17460,21 +17460,21 @@
           </p:nvSpPr>
           <p:spPr>
             <a:xfrm>
-              <a:off x="3222941" y="4058453"/>
-              <a:ext cx="3117520" cy="0"/>
+              <a:off x="3256553" y="4053438"/>
+              <a:ext cx="3076991" cy="0"/>
             </a:xfrm>
             <a:custGeom>
               <a:avLst/>
               <a:pathLst>
-                <a:path w="3117520" h="0">
+                <a:path w="3076991" h="0">
                   <a:moveTo>
                     <a:pt x="0" y="0"/>
                   </a:moveTo>
                   <a:lnTo>
-                    <a:pt x="3117520" y="0"/>
-                  </a:lnTo>
-                  <a:lnTo>
-                    <a:pt x="3117520" y="0"/>
+                    <a:pt x="3076991" y="0"/>
+                  </a:lnTo>
+                  <a:lnTo>
+                    <a:pt x="3076991" y="0"/>
                   </a:lnTo>
                 </a:path>
               </a:pathLst>
@@ -17503,21 +17503,21 @@
           </p:nvSpPr>
           <p:spPr>
             <a:xfrm>
-              <a:off x="3222941" y="3409091"/>
-              <a:ext cx="3117520" cy="0"/>
+              <a:off x="3256553" y="3412518"/>
+              <a:ext cx="3076991" cy="0"/>
             </a:xfrm>
             <a:custGeom>
               <a:avLst/>
               <a:pathLst>
-                <a:path w="3117520" h="0">
+                <a:path w="3076991" h="0">
                   <a:moveTo>
                     <a:pt x="0" y="0"/>
                   </a:moveTo>
                   <a:lnTo>
-                    <a:pt x="3117520" y="0"/>
-                  </a:lnTo>
-                  <a:lnTo>
-                    <a:pt x="3117520" y="0"/>
+                    <a:pt x="3076991" y="0"/>
+                  </a:lnTo>
+                  <a:lnTo>
+                    <a:pt x="3076991" y="0"/>
                   </a:lnTo>
                 </a:path>
               </a:pathLst>
@@ -17546,21 +17546,21 @@
           </p:nvSpPr>
           <p:spPr>
             <a:xfrm>
-              <a:off x="3222941" y="2759729"/>
-              <a:ext cx="3117520" cy="0"/>
+              <a:off x="3256553" y="2771599"/>
+              <a:ext cx="3076991" cy="0"/>
             </a:xfrm>
             <a:custGeom>
               <a:avLst/>
               <a:pathLst>
-                <a:path w="3117520" h="0">
+                <a:path w="3076991" h="0">
                   <a:moveTo>
                     <a:pt x="0" y="0"/>
                   </a:moveTo>
                   <a:lnTo>
-                    <a:pt x="3117520" y="0"/>
-                  </a:lnTo>
-                  <a:lnTo>
-                    <a:pt x="3117520" y="0"/>
+                    <a:pt x="3076991" y="0"/>
+                  </a:lnTo>
+                  <a:lnTo>
+                    <a:pt x="3076991" y="0"/>
                   </a:lnTo>
                 </a:path>
               </a:pathLst>
@@ -17589,21 +17589,21 @@
           </p:nvSpPr>
           <p:spPr>
             <a:xfrm>
-              <a:off x="3222941" y="2110368"/>
-              <a:ext cx="3117520" cy="0"/>
+              <a:off x="3256553" y="2130679"/>
+              <a:ext cx="3076991" cy="0"/>
             </a:xfrm>
             <a:custGeom>
               <a:avLst/>
               <a:pathLst>
-                <a:path w="3117520" h="0">
+                <a:path w="3076991" h="0">
                   <a:moveTo>
                     <a:pt x="0" y="0"/>
                   </a:moveTo>
                   <a:lnTo>
-                    <a:pt x="3117520" y="0"/>
-                  </a:lnTo>
-                  <a:lnTo>
-                    <a:pt x="3117520" y="0"/>
+                    <a:pt x="3076991" y="0"/>
+                  </a:lnTo>
+                  <a:lnTo>
+                    <a:pt x="3076991" y="0"/>
                   </a:lnTo>
                 </a:path>
               </a:pathLst>
@@ -17632,15 +17632,15 @@
           </p:nvSpPr>
           <p:spPr>
             <a:xfrm>
-              <a:off x="3269174" y="1894657"/>
-              <a:ext cx="0" cy="3831571"/>
+              <a:off x="3302185" y="1917773"/>
+              <a:ext cx="0" cy="3781760"/>
             </a:xfrm>
             <a:custGeom>
               <a:avLst/>
               <a:pathLst>
-                <a:path w="0" h="3831571">
+                <a:path w="0" h="3781760">
                   <a:moveTo>
-                    <a:pt x="0" y="3831571"/>
+                    <a:pt x="0" y="3781760"/>
                   </a:moveTo>
                   <a:lnTo>
                     <a:pt x="0" y="0"/>
@@ -17675,15 +17675,15 @@
           </p:nvSpPr>
           <p:spPr>
             <a:xfrm>
-              <a:off x="3918535" y="1894657"/>
-              <a:ext cx="0" cy="3831571"/>
+              <a:off x="3943105" y="1917773"/>
+              <a:ext cx="0" cy="3781760"/>
             </a:xfrm>
             <a:custGeom>
               <a:avLst/>
               <a:pathLst>
-                <a:path w="0" h="3831571">
+                <a:path w="0" h="3781760">
                   <a:moveTo>
-                    <a:pt x="0" y="3831571"/>
+                    <a:pt x="0" y="3781760"/>
                   </a:moveTo>
                   <a:lnTo>
                     <a:pt x="0" y="0"/>
@@ -17718,15 +17718,15 @@
           </p:nvSpPr>
           <p:spPr>
             <a:xfrm>
-              <a:off x="4567897" y="1894657"/>
-              <a:ext cx="0" cy="3831571"/>
+              <a:off x="4584024" y="1917773"/>
+              <a:ext cx="0" cy="3781760"/>
             </a:xfrm>
             <a:custGeom>
               <a:avLst/>
               <a:pathLst>
-                <a:path w="0" h="3831571">
+                <a:path w="0" h="3781760">
                   <a:moveTo>
-                    <a:pt x="0" y="3831571"/>
+                    <a:pt x="0" y="3781760"/>
                   </a:moveTo>
                   <a:lnTo>
                     <a:pt x="0" y="0"/>
@@ -17761,15 +17761,15 @@
           </p:nvSpPr>
           <p:spPr>
             <a:xfrm>
-              <a:off x="5217258" y="1894657"/>
-              <a:ext cx="0" cy="3831571"/>
+              <a:off x="5224944" y="1917773"/>
+              <a:ext cx="0" cy="3781760"/>
             </a:xfrm>
             <a:custGeom>
               <a:avLst/>
               <a:pathLst>
-                <a:path w="0" h="3831571">
+                <a:path w="0" h="3781760">
                   <a:moveTo>
-                    <a:pt x="0" y="3831571"/>
+                    <a:pt x="0" y="3781760"/>
                   </a:moveTo>
                   <a:lnTo>
                     <a:pt x="0" y="0"/>
@@ -17804,15 +17804,15 @@
           </p:nvSpPr>
           <p:spPr>
             <a:xfrm>
-              <a:off x="5866620" y="1894657"/>
-              <a:ext cx="0" cy="3831571"/>
+              <a:off x="5865864" y="1917773"/>
+              <a:ext cx="0" cy="3781760"/>
             </a:xfrm>
             <a:custGeom>
               <a:avLst/>
               <a:pathLst>
-                <a:path w="0" h="3831571">
+                <a:path w="0" h="3781760">
                   <a:moveTo>
-                    <a:pt x="0" y="3831571"/>
+                    <a:pt x="0" y="3781760"/>
                   </a:moveTo>
                   <a:lnTo>
                     <a:pt x="0" y="0"/>
@@ -17847,21 +17847,21 @@
           </p:nvSpPr>
           <p:spPr>
             <a:xfrm>
-              <a:off x="3222941" y="5681856"/>
-              <a:ext cx="3117520" cy="0"/>
+              <a:off x="3256553" y="5655737"/>
+              <a:ext cx="3076991" cy="0"/>
             </a:xfrm>
             <a:custGeom>
               <a:avLst/>
               <a:pathLst>
-                <a:path w="3117520" h="0">
+                <a:path w="3076991" h="0">
                   <a:moveTo>
                     <a:pt x="0" y="0"/>
                   </a:moveTo>
                   <a:lnTo>
-                    <a:pt x="3117520" y="0"/>
-                  </a:lnTo>
-                  <a:lnTo>
-                    <a:pt x="3117520" y="0"/>
+                    <a:pt x="3076991" y="0"/>
+                  </a:lnTo>
+                  <a:lnTo>
+                    <a:pt x="3076991" y="0"/>
                   </a:lnTo>
                 </a:path>
               </a:pathLst>
@@ -17890,21 +17890,21 @@
           </p:nvSpPr>
           <p:spPr>
             <a:xfrm>
-              <a:off x="3222941" y="5032495"/>
-              <a:ext cx="3117520" cy="0"/>
+              <a:off x="3256553" y="5014818"/>
+              <a:ext cx="3076991" cy="0"/>
             </a:xfrm>
             <a:custGeom>
               <a:avLst/>
               <a:pathLst>
-                <a:path w="3117520" h="0">
+                <a:path w="3076991" h="0">
                   <a:moveTo>
                     <a:pt x="0" y="0"/>
                   </a:moveTo>
                   <a:lnTo>
-                    <a:pt x="3117520" y="0"/>
-                  </a:lnTo>
-                  <a:lnTo>
-                    <a:pt x="3117520" y="0"/>
+                    <a:pt x="3076991" y="0"/>
+                  </a:lnTo>
+                  <a:lnTo>
+                    <a:pt x="3076991" y="0"/>
                   </a:lnTo>
                 </a:path>
               </a:pathLst>
@@ -17933,21 +17933,21 @@
           </p:nvSpPr>
           <p:spPr>
             <a:xfrm>
-              <a:off x="3222941" y="4383133"/>
-              <a:ext cx="3117520" cy="0"/>
+              <a:off x="3256553" y="4373898"/>
+              <a:ext cx="3076991" cy="0"/>
             </a:xfrm>
             <a:custGeom>
               <a:avLst/>
               <a:pathLst>
-                <a:path w="3117520" h="0">
+                <a:path w="3076991" h="0">
                   <a:moveTo>
                     <a:pt x="0" y="0"/>
                   </a:moveTo>
                   <a:lnTo>
-                    <a:pt x="3117520" y="0"/>
-                  </a:lnTo>
-                  <a:lnTo>
-                    <a:pt x="3117520" y="0"/>
+                    <a:pt x="3076991" y="0"/>
+                  </a:lnTo>
+                  <a:lnTo>
+                    <a:pt x="3076991" y="0"/>
                   </a:lnTo>
                 </a:path>
               </a:pathLst>
@@ -17976,21 +17976,21 @@
           </p:nvSpPr>
           <p:spPr>
             <a:xfrm>
-              <a:off x="3222941" y="3733772"/>
-              <a:ext cx="3117520" cy="0"/>
+              <a:off x="3256553" y="3732978"/>
+              <a:ext cx="3076991" cy="0"/>
             </a:xfrm>
             <a:custGeom>
               <a:avLst/>
               <a:pathLst>
-                <a:path w="3117520" h="0">
+                <a:path w="3076991" h="0">
                   <a:moveTo>
                     <a:pt x="0" y="0"/>
                   </a:moveTo>
                   <a:lnTo>
-                    <a:pt x="3117520" y="0"/>
-                  </a:lnTo>
-                  <a:lnTo>
-                    <a:pt x="3117520" y="0"/>
+                    <a:pt x="3076991" y="0"/>
+                  </a:lnTo>
+                  <a:lnTo>
+                    <a:pt x="3076991" y="0"/>
                   </a:lnTo>
                 </a:path>
               </a:pathLst>
@@ -18019,21 +18019,21 @@
           </p:nvSpPr>
           <p:spPr>
             <a:xfrm>
-              <a:off x="3222941" y="3084410"/>
-              <a:ext cx="3117520" cy="0"/>
+              <a:off x="3256553" y="3092059"/>
+              <a:ext cx="3076991" cy="0"/>
             </a:xfrm>
             <a:custGeom>
               <a:avLst/>
               <a:pathLst>
-                <a:path w="3117520" h="0">
+                <a:path w="3076991" h="0">
                   <a:moveTo>
                     <a:pt x="0" y="0"/>
                   </a:moveTo>
                   <a:lnTo>
-                    <a:pt x="3117520" y="0"/>
-                  </a:lnTo>
-                  <a:lnTo>
-                    <a:pt x="3117520" y="0"/>
+                    <a:pt x="3076991" y="0"/>
+                  </a:lnTo>
+                  <a:lnTo>
+                    <a:pt x="3076991" y="0"/>
                   </a:lnTo>
                 </a:path>
               </a:pathLst>
@@ -18062,21 +18062,21 @@
           </p:nvSpPr>
           <p:spPr>
             <a:xfrm>
-              <a:off x="3222941" y="2435049"/>
-              <a:ext cx="3117520" cy="0"/>
+              <a:off x="3256553" y="2451139"/>
+              <a:ext cx="3076991" cy="0"/>
             </a:xfrm>
             <a:custGeom>
               <a:avLst/>
               <a:pathLst>
-                <a:path w="3117520" h="0">
+                <a:path w="3076991" h="0">
                   <a:moveTo>
                     <a:pt x="0" y="0"/>
                   </a:moveTo>
                   <a:lnTo>
-                    <a:pt x="3117520" y="0"/>
-                  </a:lnTo>
-                  <a:lnTo>
-                    <a:pt x="3117520" y="0"/>
+                    <a:pt x="3076991" y="0"/>
+                  </a:lnTo>
+                  <a:lnTo>
+                    <a:pt x="3076991" y="0"/>
                   </a:lnTo>
                 </a:path>
               </a:pathLst>
@@ -18105,15 +18105,15 @@
           </p:nvSpPr>
           <p:spPr>
             <a:xfrm>
-              <a:off x="3593854" y="1894657"/>
-              <a:ext cx="0" cy="3831571"/>
+              <a:off x="3622645" y="1917773"/>
+              <a:ext cx="0" cy="3781760"/>
             </a:xfrm>
             <a:custGeom>
               <a:avLst/>
               <a:pathLst>
-                <a:path w="0" h="3831571">
+                <a:path w="0" h="3781760">
                   <a:moveTo>
-                    <a:pt x="0" y="3831571"/>
+                    <a:pt x="0" y="3781760"/>
                   </a:moveTo>
                   <a:lnTo>
                     <a:pt x="0" y="0"/>
@@ -18148,15 +18148,15 @@
           </p:nvSpPr>
           <p:spPr>
             <a:xfrm>
-              <a:off x="4243216" y="1894657"/>
-              <a:ext cx="0" cy="3831571"/>
+              <a:off x="4263564" y="1917773"/>
+              <a:ext cx="0" cy="3781760"/>
             </a:xfrm>
             <a:custGeom>
               <a:avLst/>
               <a:pathLst>
-                <a:path w="0" h="3831571">
+                <a:path w="0" h="3781760">
                   <a:moveTo>
-                    <a:pt x="0" y="3831571"/>
+                    <a:pt x="0" y="3781760"/>
                   </a:moveTo>
                   <a:lnTo>
                     <a:pt x="0" y="0"/>
@@ -18191,15 +18191,15 @@
           </p:nvSpPr>
           <p:spPr>
             <a:xfrm>
-              <a:off x="4892578" y="1894657"/>
-              <a:ext cx="0" cy="3831571"/>
+              <a:off x="4904484" y="1917773"/>
+              <a:ext cx="0" cy="3781760"/>
             </a:xfrm>
             <a:custGeom>
               <a:avLst/>
               <a:pathLst>
-                <a:path w="0" h="3831571">
+                <a:path w="0" h="3781760">
                   <a:moveTo>
-                    <a:pt x="0" y="3831571"/>
+                    <a:pt x="0" y="3781760"/>
                   </a:moveTo>
                   <a:lnTo>
                     <a:pt x="0" y="0"/>
@@ -18234,15 +18234,15 @@
           </p:nvSpPr>
           <p:spPr>
             <a:xfrm>
-              <a:off x="5541939" y="1894657"/>
-              <a:ext cx="0" cy="3831571"/>
+              <a:off x="5545404" y="1917773"/>
+              <a:ext cx="0" cy="3781760"/>
             </a:xfrm>
             <a:custGeom>
               <a:avLst/>
               <a:pathLst>
-                <a:path w="0" h="3831571">
+                <a:path w="0" h="3781760">
                   <a:moveTo>
-                    <a:pt x="0" y="3831571"/>
+                    <a:pt x="0" y="3781760"/>
                   </a:moveTo>
                   <a:lnTo>
                     <a:pt x="0" y="0"/>
@@ -18277,15 +18277,15 @@
           </p:nvSpPr>
           <p:spPr>
             <a:xfrm>
-              <a:off x="6191301" y="1894657"/>
-              <a:ext cx="0" cy="3831571"/>
+              <a:off x="6186324" y="1917773"/>
+              <a:ext cx="0" cy="3781760"/>
             </a:xfrm>
             <a:custGeom>
               <a:avLst/>
               <a:pathLst>
-                <a:path w="0" h="3831571">
+                <a:path w="0" h="3781760">
                   <a:moveTo>
-                    <a:pt x="0" y="3831571"/>
+                    <a:pt x="0" y="3781760"/>
                   </a:moveTo>
                   <a:lnTo>
                     <a:pt x="0" y="0"/>
@@ -18320,21 +18320,21 @@
           </p:nvSpPr>
           <p:spPr>
             <a:xfrm>
-              <a:off x="3222941" y="3733772"/>
-              <a:ext cx="3117520" cy="0"/>
+              <a:off x="3256553" y="3732978"/>
+              <a:ext cx="3076991" cy="0"/>
             </a:xfrm>
             <a:custGeom>
               <a:avLst/>
               <a:pathLst>
-                <a:path w="3117520" h="0">
+                <a:path w="3076991" h="0">
                   <a:moveTo>
                     <a:pt x="0" y="0"/>
                   </a:moveTo>
                   <a:lnTo>
-                    <a:pt x="3117520" y="0"/>
-                  </a:lnTo>
-                  <a:lnTo>
-                    <a:pt x="3117520" y="0"/>
+                    <a:pt x="3076991" y="0"/>
+                  </a:lnTo>
+                  <a:lnTo>
+                    <a:pt x="3076991" y="0"/>
                   </a:lnTo>
                 </a:path>
               </a:pathLst>
@@ -18363,15 +18363,15 @@
           </p:nvSpPr>
           <p:spPr>
             <a:xfrm>
-              <a:off x="4892578" y="1894657"/>
-              <a:ext cx="0" cy="3831571"/>
+              <a:off x="4904484" y="1917773"/>
+              <a:ext cx="0" cy="3781760"/>
             </a:xfrm>
             <a:custGeom>
               <a:avLst/>
               <a:pathLst>
-                <a:path w="0" h="3831571">
+                <a:path w="0" h="3781760">
                   <a:moveTo>
-                    <a:pt x="0" y="3831571"/>
+                    <a:pt x="0" y="3781760"/>
                   </a:moveTo>
                   <a:lnTo>
                     <a:pt x="0" y="0"/>
@@ -18406,7 +18406,7 @@
           </p:nvSpPr>
           <p:spPr>
             <a:xfrm>
-              <a:off x="5707081" y="2379228"/>
+              <a:off x="5707900" y="2395545"/>
               <a:ext cx="76753" cy="76753"/>
             </a:xfrm>
             <a:prstGeom prst="ellipse">
@@ -18441,7 +18441,7 @@
           </p:nvSpPr>
           <p:spPr>
             <a:xfrm>
-              <a:off x="5289970" y="3054688"/>
+              <a:off x="5296212" y="3062223"/>
               <a:ext cx="76753" cy="76753"/>
             </a:xfrm>
             <a:prstGeom prst="ellipse">
@@ -18476,7 +18476,7 @@
           </p:nvSpPr>
           <p:spPr>
             <a:xfrm>
-              <a:off x="4105673" y="3958902"/>
+              <a:off x="4127311" y="3954683"/>
               <a:ext cx="76753" cy="76753"/>
             </a:xfrm>
             <a:prstGeom prst="ellipse">
@@ -18511,7 +18511,7 @@
           </p:nvSpPr>
           <p:spPr>
             <a:xfrm>
-              <a:off x="4924107" y="3669559"/>
+              <a:off x="4935105" y="3669101"/>
               <a:ext cx="76753" cy="76753"/>
             </a:xfrm>
             <a:prstGeom prst="ellipse">
@@ -18546,7 +18546,7 @@
           </p:nvSpPr>
           <p:spPr>
             <a:xfrm>
-              <a:off x="5159787" y="3090154"/>
+              <a:off x="5167721" y="3097229"/>
               <a:ext cx="76753" cy="76753"/>
             </a:xfrm>
             <a:prstGeom prst="ellipse">
@@ -18581,7 +18581,7 @@
           </p:nvSpPr>
           <p:spPr>
             <a:xfrm>
-              <a:off x="5886753" y="2711272"/>
+              <a:off x="5885236" y="2723273"/>
               <a:ext cx="76753" cy="76753"/>
             </a:xfrm>
             <a:prstGeom prst="ellipse">
@@ -18616,7 +18616,7 @@
           </p:nvSpPr>
           <p:spPr>
             <a:xfrm>
-              <a:off x="4790814" y="4012794"/>
+              <a:off x="4803545" y="4007874"/>
               <a:ext cx="76753" cy="76753"/>
             </a:xfrm>
             <a:prstGeom prst="ellipse">
@@ -18651,7 +18651,7 @@
           </p:nvSpPr>
           <p:spPr>
             <a:xfrm>
-              <a:off x="5350314" y="3216269"/>
+              <a:off x="5355771" y="3221704"/>
               <a:ext cx="76753" cy="76753"/>
             </a:xfrm>
             <a:prstGeom prst="ellipse">
@@ -18686,7 +18686,7 @@
           </p:nvSpPr>
           <p:spPr>
             <a:xfrm>
-              <a:off x="4846749" y="4192663"/>
+              <a:off x="4858752" y="4185405"/>
               <a:ext cx="76753" cy="76753"/>
             </a:xfrm>
             <a:prstGeom prst="ellipse">
@@ -18721,7 +18721,7 @@
           </p:nvSpPr>
           <p:spPr>
             <a:xfrm>
-              <a:off x="3646350" y="5007221"/>
+              <a:off x="3673959" y="4989373"/>
               <a:ext cx="76753" cy="76753"/>
             </a:xfrm>
             <a:prstGeom prst="ellipse">
@@ -18756,7 +18756,7 @@
           </p:nvSpPr>
           <p:spPr>
             <a:xfrm>
-              <a:off x="5730564" y="2681916"/>
+              <a:off x="5731078" y="2694298"/>
               <a:ext cx="76753" cy="76753"/>
             </a:xfrm>
             <a:prstGeom prst="ellipse">
@@ -18791,7 +18791,7 @@
           </p:nvSpPr>
           <p:spPr>
             <a:xfrm>
-              <a:off x="4299372" y="3942718"/>
+              <a:off x="4318491" y="3938709"/>
               <a:ext cx="76753" cy="76753"/>
             </a:xfrm>
             <a:prstGeom prst="ellipse">
@@ -18826,7 +18826,7 @@
           </p:nvSpPr>
           <p:spPr>
             <a:xfrm>
-              <a:off x="5079387" y="3856473"/>
+              <a:off x="5088366" y="3853585"/>
               <a:ext cx="76753" cy="76753"/>
             </a:xfrm>
             <a:prstGeom prst="ellipse">
@@ -18861,7 +18861,7 @@
           </p:nvSpPr>
           <p:spPr>
             <a:xfrm>
-              <a:off x="5391618" y="3197928"/>
+              <a:off x="5396538" y="3203602"/>
               <a:ext cx="76753" cy="76753"/>
             </a:xfrm>
             <a:prstGeom prst="ellipse">
@@ -18896,7 +18896,7 @@
           </p:nvSpPr>
           <p:spPr>
             <a:xfrm>
-              <a:off x="5223450" y="3305264"/>
+              <a:off x="5230557" y="3309543"/>
               <a:ext cx="76753" cy="76753"/>
             </a:xfrm>
             <a:prstGeom prst="ellipse">
@@ -18931,7 +18931,7 @@
           </p:nvSpPr>
           <p:spPr>
             <a:xfrm>
-              <a:off x="5180256" y="3995991"/>
+              <a:off x="5187924" y="3991289"/>
               <a:ext cx="76753" cy="76753"/>
             </a:xfrm>
             <a:prstGeom prst="ellipse">
@@ -18966,7 +18966,7 @@
           </p:nvSpPr>
           <p:spPr>
             <a:xfrm>
-              <a:off x="4147738" y="4617120"/>
+              <a:off x="4168829" y="4604344"/>
               <a:ext cx="76753" cy="76753"/>
             </a:xfrm>
             <a:prstGeom prst="ellipse">
@@ -19001,7 +19001,7 @@
           </p:nvSpPr>
           <p:spPr>
             <a:xfrm>
-              <a:off x="4561687" y="4061406"/>
+              <a:off x="4577396" y="4055855"/>
               <a:ext cx="76753" cy="76753"/>
             </a:xfrm>
             <a:prstGeom prst="ellipse">
@@ -19036,7 +19036,7 @@
           </p:nvSpPr>
           <p:spPr>
             <a:xfrm>
-              <a:off x="4765612" y="3284531"/>
+              <a:off x="4778670" y="3289079"/>
               <a:ext cx="76753" cy="76753"/>
             </a:xfrm>
             <a:prstGeom prst="ellipse">
@@ -19071,7 +19071,7 @@
           </p:nvSpPr>
           <p:spPr>
             <a:xfrm>
-              <a:off x="4539290" y="4237427"/>
+              <a:off x="4555291" y="4229587"/>
               <a:ext cx="76753" cy="76753"/>
             </a:xfrm>
             <a:prstGeom prst="ellipse">
@@ -19106,7 +19106,7 @@
           </p:nvSpPr>
           <p:spPr>
             <a:xfrm>
-              <a:off x="5089843" y="3451949"/>
+              <a:off x="5098687" y="3454320"/>
               <a:ext cx="76753" cy="76753"/>
             </a:xfrm>
             <a:prstGeom prst="ellipse">
@@ -19141,7 +19141,7 @@
           </p:nvSpPr>
           <p:spPr>
             <a:xfrm>
-              <a:off x="5420878" y="2582936"/>
+              <a:off x="5425418" y="2596605"/>
               <a:ext cx="76753" cy="76753"/>
             </a:xfrm>
             <a:prstGeom prst="ellipse">
@@ -19176,7 +19176,7 @@
           </p:nvSpPr>
           <p:spPr>
             <a:xfrm>
-              <a:off x="4530719" y="3908979"/>
+              <a:off x="4546831" y="3905409"/>
               <a:ext cx="76753" cy="76753"/>
             </a:xfrm>
             <a:prstGeom prst="ellipse">
@@ -19211,7 +19211,7 @@
           </p:nvSpPr>
           <p:spPr>
             <a:xfrm>
-              <a:off x="5095433" y="3622678"/>
+              <a:off x="5104203" y="3622830"/>
               <a:ext cx="76753" cy="76753"/>
             </a:xfrm>
             <a:prstGeom prst="ellipse">
@@ -19246,7 +19246,7 @@
           </p:nvSpPr>
           <p:spPr>
             <a:xfrm>
-              <a:off x="3980208" y="5132783"/>
+              <a:off x="4003477" y="5113303"/>
               <a:ext cx="76753" cy="76753"/>
             </a:xfrm>
             <a:prstGeom prst="ellipse">
@@ -19281,7 +19281,7 @@
           </p:nvSpPr>
           <p:spPr>
             <a:xfrm>
-              <a:off x="4059317" y="4547895"/>
+              <a:off x="4081558" y="4536019"/>
               <a:ext cx="76753" cy="76753"/>
             </a:xfrm>
             <a:prstGeom prst="ellipse">
@@ -19316,7 +19316,7 @@
           </p:nvSpPr>
           <p:spPr>
             <a:xfrm>
-              <a:off x="4260453" y="4054928"/>
+              <a:off x="4280079" y="4049460"/>
               <a:ext cx="76753" cy="76753"/>
             </a:xfrm>
             <a:prstGeom prst="ellipse">
@@ -19351,18 +19351,18 @@
           </p:nvSpPr>
           <p:spPr>
             <a:xfrm>
-              <a:off x="5031887" y="3450716"/>
-              <a:ext cx="85478" cy="35145"/>
+              <a:off x="5040240" y="3454024"/>
+              <a:ext cx="85937" cy="34324"/>
             </a:xfrm>
             <a:custGeom>
               <a:avLst/>
               <a:pathLst>
-                <a:path w="85478" h="35145">
+                <a:path w="85937" h="34324">
                   <a:moveTo>
                     <a:pt x="0" y="0"/>
                   </a:moveTo>
                   <a:lnTo>
-                    <a:pt x="85478" y="35145"/>
+                    <a:pt x="85937" y="34324"/>
                   </a:lnTo>
                 </a:path>
               </a:pathLst>
@@ -19382,18 +19382,18 @@
           </p:nvSpPr>
           <p:spPr>
             <a:xfrm>
-              <a:off x="4549413" y="3794996"/>
-              <a:ext cx="17888" cy="138465"/>
+              <a:off x="4566138" y="3785428"/>
+              <a:ext cx="17394" cy="144441"/>
             </a:xfrm>
             <a:custGeom>
               <a:avLst/>
               <a:pathLst>
-                <a:path w="17888" h="138465">
+                <a:path w="17394" h="144441">
                   <a:moveTo>
                     <a:pt x="0" y="0"/>
                   </a:moveTo>
                   <a:lnTo>
-                    <a:pt x="17888" y="138465"/>
+                    <a:pt x="17394" y="144441"/>
                   </a:lnTo>
                 </a:path>
               </a:pathLst>
@@ -19413,7 +19413,7 @@
           </p:nvSpPr>
           <p:spPr>
             <a:xfrm>
-              <a:off x="5795668" y="2228653"/>
+              <a:off x="5796296" y="2245825"/>
               <a:ext cx="100482" cy="129860"/>
             </a:xfrm>
             <a:prstGeom prst="rect">
@@ -19459,7 +19459,7 @@
           </p:nvSpPr>
           <p:spPr>
             <a:xfrm>
-              <a:off x="5177883" y="2904833"/>
+              <a:off x="5184088" y="2912553"/>
               <a:ext cx="100482" cy="129860"/>
             </a:xfrm>
             <a:prstGeom prst="rect">
@@ -19505,7 +19505,7 @@
           </p:nvSpPr>
           <p:spPr>
             <a:xfrm>
-              <a:off x="3964511" y="3929773"/>
+              <a:off x="3981238" y="3923802"/>
               <a:ext cx="100482" cy="132065"/>
             </a:xfrm>
             <a:prstGeom prst="rect">
@@ -19551,7 +19551,7 @@
           </p:nvSpPr>
           <p:spPr>
             <a:xfrm>
-              <a:off x="4804443" y="3604296"/>
+              <a:off x="4815620" y="3608290"/>
               <a:ext cx="100482" cy="129860"/>
             </a:xfrm>
             <a:prstGeom prst="rect">
@@ -19597,7 +19597,7 @@
           </p:nvSpPr>
           <p:spPr>
             <a:xfrm>
-              <a:off x="5040227" y="3134013"/>
+              <a:off x="5048433" y="3136831"/>
               <a:ext cx="100482" cy="129771"/>
             </a:xfrm>
             <a:prstGeom prst="rect">
@@ -19643,7 +19643,7 @@
           </p:nvSpPr>
           <p:spPr>
             <a:xfrm>
-              <a:off x="5975493" y="2810587"/>
+              <a:off x="5973600" y="2821569"/>
               <a:ext cx="100482" cy="127566"/>
             </a:xfrm>
             <a:prstGeom prst="rect">
@@ -19689,7 +19689,7 @@
           </p:nvSpPr>
           <p:spPr>
             <a:xfrm>
-              <a:off x="4678678" y="3860493"/>
+              <a:off x="4691701" y="3855793"/>
               <a:ext cx="100482" cy="132153"/>
             </a:xfrm>
             <a:prstGeom prst="rect">
@@ -19735,7 +19735,7 @@
           </p:nvSpPr>
           <p:spPr>
             <a:xfrm>
-              <a:off x="5439177" y="3311376"/>
+              <a:off x="5444594" y="3316067"/>
               <a:ext cx="100482" cy="132153"/>
             </a:xfrm>
             <a:prstGeom prst="rect">
@@ -19781,7 +19781,7 @@
           </p:nvSpPr>
           <p:spPr>
             <a:xfrm>
-              <a:off x="4879187" y="4329143"/>
+              <a:off x="4894165" y="4325945"/>
               <a:ext cx="200965" cy="132065"/>
             </a:xfrm>
             <a:prstGeom prst="rect">
@@ -19827,7 +19827,7 @@
           </p:nvSpPr>
           <p:spPr>
             <a:xfrm>
-              <a:off x="3684984" y="4856365"/>
+              <a:off x="3713044" y="4837995"/>
               <a:ext cx="200965" cy="129860"/>
             </a:xfrm>
             <a:prstGeom prst="rect">
@@ -19873,7 +19873,7 @@
           </p:nvSpPr>
           <p:spPr>
             <a:xfrm>
-              <a:off x="5566795" y="2529992"/>
+              <a:off x="5568195" y="2543337"/>
               <a:ext cx="200965" cy="129860"/>
             </a:xfrm>
             <a:prstGeom prst="rect">
@@ -19919,7 +19919,7 @@
           </p:nvSpPr>
           <p:spPr>
             <a:xfrm>
-              <a:off x="4156638" y="3788415"/>
+              <a:off x="4173033" y="3783422"/>
               <a:ext cx="200965" cy="132065"/>
             </a:xfrm>
             <a:prstGeom prst="rect">
@@ -19965,7 +19965,7 @@
           </p:nvSpPr>
           <p:spPr>
             <a:xfrm>
-              <a:off x="4915651" y="3951923"/>
+              <a:off x="4925632" y="3948701"/>
               <a:ext cx="200965" cy="132065"/>
             </a:xfrm>
             <a:prstGeom prst="rect">
@@ -20011,7 +20011,7 @@
           </p:nvSpPr>
           <p:spPr>
             <a:xfrm>
-              <a:off x="5430733" y="3044035"/>
+              <a:off x="5435771" y="3049797"/>
               <a:ext cx="200965" cy="132065"/>
             </a:xfrm>
             <a:prstGeom prst="rect">
@@ -20057,7 +20057,7 @@
           </p:nvSpPr>
           <p:spPr>
             <a:xfrm>
-              <a:off x="5100131" y="3353356"/>
+              <a:off x="5108037" y="3356004"/>
               <a:ext cx="200965" cy="132153"/>
             </a:xfrm>
             <a:prstGeom prst="rect">
@@ -20103,7 +20103,7 @@
           </p:nvSpPr>
           <p:spPr>
             <a:xfrm>
-              <a:off x="5220087" y="4092120"/>
+              <a:off x="5226965" y="4086901"/>
               <a:ext cx="200965" cy="132153"/>
             </a:xfrm>
             <a:prstGeom prst="rect">
@@ -20149,7 +20149,7 @@
           </p:nvSpPr>
           <p:spPr>
             <a:xfrm>
-              <a:off x="4187472" y="4712832"/>
+              <a:off x="4208419" y="4700029"/>
               <a:ext cx="200965" cy="132065"/>
             </a:xfrm>
             <a:prstGeom prst="rect">
@@ -20195,7 +20195,7 @@
           </p:nvSpPr>
           <p:spPr>
             <a:xfrm>
-              <a:off x="4628343" y="4110604"/>
+              <a:off x="4640168" y="4107192"/>
               <a:ext cx="200965" cy="129860"/>
             </a:xfrm>
             <a:prstGeom prst="rect">
@@ -20241,7 +20241,7 @@
           </p:nvSpPr>
           <p:spPr>
             <a:xfrm>
-              <a:off x="4602197" y="3133567"/>
+              <a:off x="4614913" y="3137193"/>
               <a:ext cx="200965" cy="129860"/>
             </a:xfrm>
             <a:prstGeom prst="rect">
@@ -20287,7 +20287,7 @@
           </p:nvSpPr>
           <p:spPr>
             <a:xfrm>
-              <a:off x="4391425" y="4333715"/>
+              <a:off x="4410365" y="4326285"/>
               <a:ext cx="200965" cy="132065"/>
             </a:xfrm>
             <a:prstGeom prst="rect">
@@ -20333,7 +20333,7 @@
           </p:nvSpPr>
           <p:spPr>
             <a:xfrm>
-              <a:off x="4808061" y="3383100"/>
+              <a:off x="4816414" y="3386609"/>
               <a:ext cx="200965" cy="129860"/>
             </a:xfrm>
             <a:prstGeom prst="rect">
@@ -20379,7 +20379,7 @@
           </p:nvSpPr>
           <p:spPr>
             <a:xfrm>
-              <a:off x="5257782" y="2429824"/>
+              <a:off x="5261587" y="2442680"/>
               <a:ext cx="200965" cy="132065"/>
             </a:xfrm>
             <a:prstGeom prst="rect">
@@ -20425,7 +20425,7 @@
           </p:nvSpPr>
           <p:spPr>
             <a:xfrm>
-              <a:off x="4448677" y="3640070"/>
+              <a:off x="4465443" y="3630502"/>
               <a:ext cx="200965" cy="132065"/>
             </a:xfrm>
             <a:prstGeom prst="rect">
@@ -20471,7 +20471,7 @@
           </p:nvSpPr>
           <p:spPr>
             <a:xfrm>
-              <a:off x="5175127" y="3720544"/>
+              <a:off x="5183603" y="3720391"/>
               <a:ext cx="200965" cy="129860"/>
             </a:xfrm>
             <a:prstGeom prst="rect">
@@ -20517,7 +20517,7 @@
           </p:nvSpPr>
           <p:spPr>
             <a:xfrm>
-              <a:off x="4019575" y="4978815"/>
+              <a:off x="4041997" y="4960050"/>
               <a:ext cx="200965" cy="132153"/>
             </a:xfrm>
             <a:prstGeom prst="rect">
@@ -20563,7 +20563,7 @@
           </p:nvSpPr>
           <p:spPr>
             <a:xfrm>
-              <a:off x="3895482" y="4394322"/>
+              <a:off x="3918113" y="4382658"/>
               <a:ext cx="200965" cy="132153"/>
             </a:xfrm>
             <a:prstGeom prst="rect">
@@ -20609,7 +20609,7 @@
           </p:nvSpPr>
           <p:spPr>
             <a:xfrm>
-              <a:off x="4099802" y="4150449"/>
+              <a:off x="4116700" y="4144865"/>
               <a:ext cx="200965" cy="132065"/>
             </a:xfrm>
             <a:prstGeom prst="rect">
@@ -20655,30 +20655,30 @@
           </p:nvSpPr>
           <p:spPr>
             <a:xfrm>
-              <a:off x="4803988" y="2417604"/>
-              <a:ext cx="964952" cy="905303"/>
+              <a:off x="4817046" y="2433921"/>
+              <a:ext cx="952408" cy="893534"/>
             </a:xfrm>
             <a:custGeom>
               <a:avLst/>
               <a:pathLst>
-                <a:path w="964952" h="905303">
+                <a:path w="952408" h="893534">
                   <a:moveTo>
-                    <a:pt x="626006" y="818700"/>
+                    <a:pt x="617867" y="808057"/>
                   </a:moveTo>
                   <a:lnTo>
-                    <a:pt x="584702" y="837041"/>
-                  </a:lnTo>
-                  <a:lnTo>
-                    <a:pt x="0" y="905303"/>
-                  </a:lnTo>
-                  <a:lnTo>
-                    <a:pt x="655266" y="203708"/>
-                  </a:lnTo>
-                  <a:lnTo>
-                    <a:pt x="941469" y="0"/>
-                  </a:lnTo>
-                  <a:lnTo>
-                    <a:pt x="964952" y="302688"/>
+                    <a:pt x="577101" y="826159"/>
+                  </a:lnTo>
+                  <a:lnTo>
+                    <a:pt x="0" y="893534"/>
+                  </a:lnTo>
+                  <a:lnTo>
+                    <a:pt x="646748" y="201060"/>
+                  </a:lnTo>
+                  <a:lnTo>
+                    <a:pt x="929230" y="0"/>
+                  </a:lnTo>
+                  <a:lnTo>
+                    <a:pt x="952408" y="298753"/>
                   </a:lnTo>
                   <a:close/>
                 </a:path>
@@ -20713,24 +20713,24 @@
           </p:nvSpPr>
           <p:spPr>
             <a:xfrm>
-              <a:off x="4144050" y="2749649"/>
-              <a:ext cx="1781079" cy="1247629"/>
+              <a:off x="4165688" y="2761649"/>
+              <a:ext cx="1757924" cy="1231410"/>
             </a:xfrm>
             <a:custGeom>
               <a:avLst/>
               <a:pathLst>
-                <a:path w="1781079" h="1247629">
+                <a:path w="1757924" h="1231410">
                   <a:moveTo>
-                    <a:pt x="989759" y="911406"/>
+                    <a:pt x="976892" y="899557"/>
                   </a:moveTo>
                   <a:lnTo>
-                    <a:pt x="0" y="1247629"/>
-                  </a:lnTo>
-                  <a:lnTo>
-                    <a:pt x="1054113" y="378881"/>
-                  </a:lnTo>
-                  <a:lnTo>
-                    <a:pt x="1781079" y="0"/>
+                    <a:pt x="0" y="1231410"/>
+                  </a:lnTo>
+                  <a:lnTo>
+                    <a:pt x="1040409" y="373956"/>
+                  </a:lnTo>
+                  <a:lnTo>
+                    <a:pt x="1757924" y="0"/>
                   </a:lnTo>
                   <a:close/>
                 </a:path>
@@ -20765,24 +20765,24 @@
           </p:nvSpPr>
           <p:spPr>
             <a:xfrm>
-              <a:off x="4097694" y="3707935"/>
-              <a:ext cx="1120938" cy="878336"/>
+              <a:off x="4119934" y="3707478"/>
+              <a:ext cx="1106366" cy="866917"/>
             </a:xfrm>
             <a:custGeom>
               <a:avLst/>
               <a:pathLst>
-                <a:path w="1120938" h="878336">
+                <a:path w="1106366" h="866917">
                   <a:moveTo>
-                    <a:pt x="0" y="878336"/>
+                    <a:pt x="0" y="866917"/>
                   </a:moveTo>
                   <a:lnTo>
-                    <a:pt x="240054" y="273158"/>
-                  </a:lnTo>
-                  <a:lnTo>
-                    <a:pt x="864790" y="0"/>
-                  </a:lnTo>
-                  <a:lnTo>
-                    <a:pt x="1120938" y="326432"/>
+                    <a:pt x="236933" y="269607"/>
+                  </a:lnTo>
+                  <a:lnTo>
+                    <a:pt x="853547" y="0"/>
+                  </a:lnTo>
+                  <a:lnTo>
+                    <a:pt x="1106366" y="322188"/>
                   </a:lnTo>
                   <a:close/>
                 </a:path>
@@ -20817,27 +20817,27 @@
           </p:nvSpPr>
           <p:spPr>
             <a:xfrm>
-              <a:off x="3684727" y="3894850"/>
-              <a:ext cx="1433036" cy="1276309"/>
+              <a:off x="3712336" y="3891962"/>
+              <a:ext cx="1414406" cy="1259717"/>
             </a:xfrm>
             <a:custGeom>
               <a:avLst/>
               <a:pathLst>
-                <a:path w="1433036" h="1276309">
+                <a:path w="1414406" h="1259717">
                   <a:moveTo>
-                    <a:pt x="333857" y="1276309"/>
+                    <a:pt x="329517" y="1259717"/>
                   </a:moveTo>
                   <a:lnTo>
-                    <a:pt x="0" y="1150747"/>
-                  </a:lnTo>
-                  <a:lnTo>
-                    <a:pt x="614102" y="198454"/>
-                  </a:lnTo>
-                  <a:lnTo>
-                    <a:pt x="1433036" y="0"/>
-                  </a:lnTo>
-                  <a:lnTo>
-                    <a:pt x="1200398" y="336190"/>
+                    <a:pt x="0" y="1135787"/>
+                  </a:lnTo>
+                  <a:lnTo>
+                    <a:pt x="606119" y="195874"/>
+                  </a:lnTo>
+                  <a:lnTo>
+                    <a:pt x="1414406" y="0"/>
+                  </a:lnTo>
+                  <a:lnTo>
+                    <a:pt x="1184792" y="331819"/>
                   </a:lnTo>
                   <a:close/>
                 </a:path>
@@ -20872,7 +20872,7 @@
           </p:nvSpPr>
           <p:spPr>
             <a:xfrm>
-              <a:off x="2967732" y="5640165"/>
+              <a:off x="3001345" y="5614046"/>
               <a:ext cx="192578" cy="81691"/>
             </a:xfrm>
             <a:prstGeom prst="rect">
@@ -20918,7 +20918,7 @@
           </p:nvSpPr>
           <p:spPr>
             <a:xfrm>
-              <a:off x="2967732" y="4990803"/>
+              <a:off x="3001345" y="4973126"/>
               <a:ext cx="192578" cy="81691"/>
             </a:xfrm>
             <a:prstGeom prst="rect">
@@ -20964,7 +20964,7 @@
           </p:nvSpPr>
           <p:spPr>
             <a:xfrm>
-              <a:off x="2967732" y="4341442"/>
+              <a:off x="3001345" y="4332206"/>
               <a:ext cx="192578" cy="81691"/>
             </a:xfrm>
             <a:prstGeom prst="rect">
@@ -21010,7 +21010,7 @@
           </p:nvSpPr>
           <p:spPr>
             <a:xfrm>
-              <a:off x="3004949" y="3692080"/>
+              <a:off x="3038562" y="3691287"/>
               <a:ext cx="155361" cy="81691"/>
             </a:xfrm>
             <a:prstGeom prst="rect">
@@ -21056,7 +21056,7 @@
           </p:nvSpPr>
           <p:spPr>
             <a:xfrm>
-              <a:off x="3004949" y="3042719"/>
+              <a:off x="3038562" y="3050367"/>
               <a:ext cx="155361" cy="81691"/>
             </a:xfrm>
             <a:prstGeom prst="rect">
@@ -21102,7 +21102,7 @@
           </p:nvSpPr>
           <p:spPr>
             <a:xfrm>
-              <a:off x="3004949" y="2393357"/>
+              <a:off x="3038562" y="2409447"/>
               <a:ext cx="155361" cy="81691"/>
             </a:xfrm>
             <a:prstGeom prst="rect">
@@ -21148,7 +21148,7 @@
           </p:nvSpPr>
           <p:spPr>
             <a:xfrm>
-              <a:off x="3188147" y="5681856"/>
+              <a:off x="3221759" y="5655737"/>
               <a:ext cx="34794" cy="0"/>
             </a:xfrm>
             <a:custGeom>
@@ -21188,7 +21188,7 @@
           </p:nvSpPr>
           <p:spPr>
             <a:xfrm>
-              <a:off x="3188147" y="5032495"/>
+              <a:off x="3221759" y="5014818"/>
               <a:ext cx="34794" cy="0"/>
             </a:xfrm>
             <a:custGeom>
@@ -21228,7 +21228,7 @@
           </p:nvSpPr>
           <p:spPr>
             <a:xfrm>
-              <a:off x="3188147" y="4383133"/>
+              <a:off x="3221759" y="4373898"/>
               <a:ext cx="34794" cy="0"/>
             </a:xfrm>
             <a:custGeom>
@@ -21268,7 +21268,7 @@
           </p:nvSpPr>
           <p:spPr>
             <a:xfrm>
-              <a:off x="3188147" y="3733772"/>
+              <a:off x="3221759" y="3732978"/>
               <a:ext cx="34794" cy="0"/>
             </a:xfrm>
             <a:custGeom>
@@ -21308,7 +21308,7 @@
           </p:nvSpPr>
           <p:spPr>
             <a:xfrm>
-              <a:off x="3188147" y="3084410"/>
+              <a:off x="3221759" y="3092059"/>
               <a:ext cx="34794" cy="0"/>
             </a:xfrm>
             <a:custGeom>
@@ -21348,7 +21348,7 @@
           </p:nvSpPr>
           <p:spPr>
             <a:xfrm>
-              <a:off x="3188147" y="2435049"/>
+              <a:off x="3221759" y="2451139"/>
               <a:ext cx="34794" cy="0"/>
             </a:xfrm>
             <a:custGeom>
@@ -21388,7 +21388,7 @@
           </p:nvSpPr>
           <p:spPr>
             <a:xfrm>
-              <a:off x="3593854" y="5726229"/>
+              <a:off x="3622645" y="5699533"/>
               <a:ext cx="0" cy="34794"/>
             </a:xfrm>
             <a:custGeom>
@@ -21428,7 +21428,7 @@
           </p:nvSpPr>
           <p:spPr>
             <a:xfrm>
-              <a:off x="4243216" y="5726229"/>
+              <a:off x="4263564" y="5699533"/>
               <a:ext cx="0" cy="34794"/>
             </a:xfrm>
             <a:custGeom>
@@ -21468,7 +21468,7 @@
           </p:nvSpPr>
           <p:spPr>
             <a:xfrm>
-              <a:off x="4892578" y="5726229"/>
+              <a:off x="4904484" y="5699533"/>
               <a:ext cx="0" cy="34794"/>
             </a:xfrm>
             <a:custGeom>
@@ -21508,7 +21508,7 @@
           </p:nvSpPr>
           <p:spPr>
             <a:xfrm>
-              <a:off x="5541939" y="5726229"/>
+              <a:off x="5545404" y="5699533"/>
               <a:ext cx="0" cy="34794"/>
             </a:xfrm>
             <a:custGeom>
@@ -21548,7 +21548,7 @@
           </p:nvSpPr>
           <p:spPr>
             <a:xfrm>
-              <a:off x="6191301" y="5726229"/>
+              <a:off x="6186324" y="5699533"/>
               <a:ext cx="0" cy="34794"/>
             </a:xfrm>
             <a:custGeom>
@@ -21588,7 +21588,7 @@
           </p:nvSpPr>
           <p:spPr>
             <a:xfrm>
-              <a:off x="3497565" y="5787168"/>
+              <a:off x="3526355" y="5760471"/>
               <a:ext cx="192578" cy="81691"/>
             </a:xfrm>
             <a:prstGeom prst="rect">
@@ -21634,7 +21634,7 @@
           </p:nvSpPr>
           <p:spPr>
             <a:xfrm>
-              <a:off x="4146927" y="5787168"/>
+              <a:off x="4167275" y="5760471"/>
               <a:ext cx="192578" cy="81691"/>
             </a:xfrm>
             <a:prstGeom prst="rect">
@@ -21680,7 +21680,7 @@
           </p:nvSpPr>
           <p:spPr>
             <a:xfrm>
-              <a:off x="4814897" y="5787168"/>
+              <a:off x="4826803" y="5760471"/>
               <a:ext cx="155361" cy="81691"/>
             </a:xfrm>
             <a:prstGeom prst="rect">
@@ -21726,7 +21726,7 @@
           </p:nvSpPr>
           <p:spPr>
             <a:xfrm>
-              <a:off x="5464258" y="5787168"/>
+              <a:off x="5467723" y="5760471"/>
               <a:ext cx="155361" cy="81691"/>
             </a:xfrm>
             <a:prstGeom prst="rect">
@@ -21772,7 +21772,7 @@
           </p:nvSpPr>
           <p:spPr>
             <a:xfrm>
-              <a:off x="6113620" y="5787168"/>
+              <a:off x="6108643" y="5760471"/>
               <a:ext cx="155361" cy="81691"/>
             </a:xfrm>
             <a:prstGeom prst="rect">
@@ -21818,8 +21818,8 @@
           </p:nvSpPr>
           <p:spPr>
             <a:xfrm>
-              <a:off x="4649675" y="5926764"/>
-              <a:ext cx="264052" cy="100409"/>
+              <a:off x="4639474" y="5895963"/>
+              <a:ext cx="311150" cy="122237"/>
             </a:xfrm>
             <a:prstGeom prst="rect">
               <a:avLst/>
@@ -21832,7 +21832,7 @@
             <a:p>
               <a:pPr algn="l" marL="0" marR="0" indent="0">
                 <a:lnSpc>
-                  <a:spcPts val="1100"/>
+                  <a:spcPts val="1400"/>
                 </a:lnSpc>
                 <a:spcBef>
                   <a:spcPts val="0"/>
@@ -21842,14 +21842,14 @@
                 </a:spcAft>
               </a:pPr>
               <a:r>
-                <a:rPr sz="1100">
+                <a:rPr sz="1400" i="1">
                   <a:solidFill>
                     <a:srgbClr val="000000">
                       <a:alpha val="100000"/>
                     </a:srgbClr>
                   </a:solidFill>
-                  <a:latin typeface="Arial"/>
-                  <a:cs typeface="Arial"/>
+                  <a:latin typeface="Times New Roman"/>
+                  <a:cs typeface="Times New Roman"/>
                 </a:rPr>
                 <a:t>Lx 2</a:t>
               </a:r>
@@ -21864,8 +21864,8 @@
           </p:nvSpPr>
           <p:spPr>
             <a:xfrm rot="-5400000">
-              <a:off x="2706607" y="3745539"/>
-              <a:ext cx="264052" cy="129809"/>
+              <a:off x="2693339" y="3729390"/>
+              <a:ext cx="311150" cy="158526"/>
             </a:xfrm>
             <a:prstGeom prst="rect">
               <a:avLst/>
@@ -21878,7 +21878,7 @@
             <a:p>
               <a:pPr algn="l" marL="0" marR="0" indent="0">
                 <a:lnSpc>
-                  <a:spcPts val="1100"/>
+                  <a:spcPts val="1400"/>
                 </a:lnSpc>
                 <a:spcBef>
                   <a:spcPts val="0"/>
@@ -21888,14 +21888,14 @@
                 </a:spcAft>
               </a:pPr>
               <a:r>
-                <a:rPr sz="1100">
+                <a:rPr sz="1400" i="1">
                   <a:solidFill>
                     <a:srgbClr val="000000">
                       <a:alpha val="100000"/>
                     </a:srgbClr>
                   </a:solidFill>
-                  <a:latin typeface="Arial"/>
-                  <a:cs typeface="Arial"/>
+                  <a:latin typeface="Times New Roman"/>
+                  <a:cs typeface="Times New Roman"/>
                 </a:rPr>
                 <a:t>Ly 2</a:t>
               </a:r>
@@ -21910,8 +21910,8 @@
           </p:nvSpPr>
           <p:spPr>
             <a:xfrm>
-              <a:off x="3222941" y="1667333"/>
-              <a:ext cx="1602975" cy="122455"/>
+              <a:off x="3256553" y="1660164"/>
+              <a:ext cx="1800026" cy="144164"/>
             </a:xfrm>
             <a:prstGeom prst="rect">
               <a:avLst/>
@@ -21924,7 +21924,7 @@
             <a:p>
               <a:pPr algn="l" marL="0" marR="0" indent="0">
                 <a:lnSpc>
-                  <a:spcPts val="1320"/>
+                  <a:spcPts val="1600"/>
                 </a:lnSpc>
                 <a:spcBef>
                   <a:spcPts val="0"/>
@@ -21934,14 +21934,14 @@
                 </a:spcAft>
               </a:pPr>
               <a:r>
-                <a:rPr sz="1320">
+                <a:rPr sz="1600">
                   <a:solidFill>
                     <a:srgbClr val="000000">
                       <a:alpha val="100000"/>
                     </a:srgbClr>
                   </a:solidFill>
-                  <a:latin typeface="Arial"/>
-                  <a:cs typeface="Arial"/>
+                  <a:latin typeface="Times New Roman"/>
+                  <a:cs typeface="Times New Roman"/>
                 </a:rPr>
                 <a:t>Latent Variable Plot 2</a:t>
               </a:r>

--- a/Analysis/Music-Descriptor-Space.pptx
+++ b/Analysis/Music-Descriptor-Space.pptx
@@ -5482,21 +5482,21 @@
           </p:nvSpPr>
           <p:spPr>
             <a:xfrm>
-              <a:off x="1057343" y="3631339"/>
-              <a:ext cx="7559867" cy="0"/>
+              <a:off x="995187" y="4193220"/>
+              <a:ext cx="7622023" cy="0"/>
             </a:xfrm>
             <a:custGeom>
               <a:avLst/>
               <a:pathLst>
-                <a:path w="7559867" h="0">
+                <a:path w="7622023" h="0">
                   <a:moveTo>
                     <a:pt x="0" y="0"/>
                   </a:moveTo>
                   <a:lnTo>
-                    <a:pt x="7559867" y="0"/>
-                  </a:lnTo>
-                  <a:lnTo>
-                    <a:pt x="7559867" y="0"/>
+                    <a:pt x="7622023" y="0"/>
+                  </a:lnTo>
+                  <a:lnTo>
+                    <a:pt x="7622023" y="0"/>
                   </a:lnTo>
                 </a:path>
               </a:pathLst>
@@ -5525,21 +5525,21 @@
           </p:nvSpPr>
           <p:spPr>
             <a:xfrm>
-              <a:off x="1057343" y="4359831"/>
-              <a:ext cx="7559867" cy="0"/>
+              <a:off x="995187" y="4541932"/>
+              <a:ext cx="7622023" cy="0"/>
             </a:xfrm>
             <a:custGeom>
               <a:avLst/>
               <a:pathLst>
-                <a:path w="7559867" h="0">
+                <a:path w="7622023" h="0">
                   <a:moveTo>
                     <a:pt x="0" y="0"/>
                   </a:moveTo>
                   <a:lnTo>
-                    <a:pt x="7559867" y="0"/>
-                  </a:lnTo>
-                  <a:lnTo>
-                    <a:pt x="7559867" y="0"/>
+                    <a:pt x="7622023" y="0"/>
+                  </a:lnTo>
+                  <a:lnTo>
+                    <a:pt x="7622023" y="0"/>
                   </a:lnTo>
                 </a:path>
               </a:pathLst>
@@ -5568,8 +5568,8 @@
           </p:nvSpPr>
           <p:spPr>
             <a:xfrm>
-              <a:off x="1091499" y="3995585"/>
-              <a:ext cx="204936" cy="1481482"/>
+              <a:off x="1029624" y="4367576"/>
+              <a:ext cx="206621" cy="709149"/>
             </a:xfrm>
             <a:prstGeom prst="rect">
               <a:avLst/>
@@ -5603,8 +5603,8 @@
           </p:nvSpPr>
           <p:spPr>
             <a:xfrm>
-              <a:off x="1319206" y="2995838"/>
-              <a:ext cx="204936" cy="999747"/>
+              <a:off x="1259203" y="3889021"/>
+              <a:ext cx="206621" cy="478554"/>
             </a:xfrm>
             <a:prstGeom prst="rect">
               <a:avLst/>
@@ -5638,8 +5638,8 @@
           </p:nvSpPr>
           <p:spPr>
             <a:xfrm>
-              <a:off x="1546912" y="2663229"/>
-              <a:ext cx="204936" cy="1332356"/>
+              <a:off x="1488782" y="3729810"/>
+              <a:ext cx="206621" cy="637766"/>
             </a:xfrm>
             <a:prstGeom prst="rect">
               <a:avLst/>
@@ -5673,8 +5673,8 @@
           </p:nvSpPr>
           <p:spPr>
             <a:xfrm>
-              <a:off x="1774619" y="3381228"/>
-              <a:ext cx="204936" cy="614357"/>
+              <a:off x="1718361" y="4073498"/>
+              <a:ext cx="206621" cy="294077"/>
             </a:xfrm>
             <a:prstGeom prst="rect">
               <a:avLst/>
@@ -5708,8 +5708,8 @@
           </p:nvSpPr>
           <p:spPr>
             <a:xfrm>
-              <a:off x="2002326" y="3995585"/>
-              <a:ext cx="204936" cy="464362"/>
+              <a:off x="1947940" y="4367576"/>
+              <a:ext cx="206621" cy="222279"/>
             </a:xfrm>
             <a:prstGeom prst="rect">
               <a:avLst/>
@@ -5743,8 +5743,8 @@
           </p:nvSpPr>
           <p:spPr>
             <a:xfrm>
-              <a:off x="2230033" y="3413040"/>
-              <a:ext cx="204936" cy="582545"/>
+              <a:off x="2177519" y="4088726"/>
+              <a:ext cx="206621" cy="278850"/>
             </a:xfrm>
             <a:prstGeom prst="rect">
               <a:avLst/>
@@ -5778,8 +5778,8 @@
           </p:nvSpPr>
           <p:spPr>
             <a:xfrm>
-              <a:off x="2457740" y="3995585"/>
-              <a:ext cx="204936" cy="792116"/>
+              <a:off x="2407098" y="4367576"/>
+              <a:ext cx="206621" cy="379166"/>
             </a:xfrm>
             <a:prstGeom prst="rect">
               <a:avLst/>
@@ -5813,8 +5813,8 @@
           </p:nvSpPr>
           <p:spPr>
             <a:xfrm>
-              <a:off x="2685447" y="3995585"/>
-              <a:ext cx="204936" cy="499631"/>
+              <a:off x="2636677" y="4367576"/>
+              <a:ext cx="206621" cy="239161"/>
             </a:xfrm>
             <a:prstGeom prst="rect">
               <a:avLst/>
@@ -5848,8 +5848,8 @@
           </p:nvSpPr>
           <p:spPr>
             <a:xfrm>
-              <a:off x="2913154" y="3995585"/>
-              <a:ext cx="204936" cy="567205"/>
+              <a:off x="2866256" y="4367576"/>
+              <a:ext cx="206621" cy="271507"/>
             </a:xfrm>
             <a:prstGeom prst="rect">
               <a:avLst/>
@@ -5883,8 +5883,8 @@
           </p:nvSpPr>
           <p:spPr>
             <a:xfrm>
-              <a:off x="3140860" y="3995585"/>
-              <a:ext cx="204936" cy="454115"/>
+              <a:off x="3095835" y="4367576"/>
+              <a:ext cx="206621" cy="217374"/>
             </a:xfrm>
             <a:prstGeom prst="rect">
               <a:avLst/>
@@ -5918,8 +5918,8 @@
           </p:nvSpPr>
           <p:spPr>
             <a:xfrm>
-              <a:off x="3368567" y="3185716"/>
-              <a:ext cx="204936" cy="809868"/>
+              <a:off x="3325414" y="3979911"/>
+              <a:ext cx="206621" cy="387664"/>
             </a:xfrm>
             <a:prstGeom prst="rect">
               <a:avLst/>
@@ -5953,8 +5953,8 @@
           </p:nvSpPr>
           <p:spPr>
             <a:xfrm>
-              <a:off x="3596274" y="3995585"/>
-              <a:ext cx="204936" cy="738932"/>
+              <a:off x="3554993" y="4367576"/>
+              <a:ext cx="206621" cy="353708"/>
             </a:xfrm>
             <a:prstGeom prst="rect">
               <a:avLst/>
@@ -5988,8 +5988,8 @@
           </p:nvSpPr>
           <p:spPr>
             <a:xfrm>
-              <a:off x="3823981" y="3995585"/>
-              <a:ext cx="204936" cy="812239"/>
+              <a:off x="3784572" y="4367576"/>
+              <a:ext cx="206621" cy="388799"/>
             </a:xfrm>
             <a:prstGeom prst="rect">
               <a:avLst/>
@@ -6023,8 +6023,8 @@
           </p:nvSpPr>
           <p:spPr>
             <a:xfrm>
-              <a:off x="4051688" y="3995585"/>
-              <a:ext cx="204936" cy="1533040"/>
+              <a:off x="4014151" y="4367576"/>
+              <a:ext cx="206621" cy="733828"/>
             </a:xfrm>
             <a:prstGeom prst="rect">
               <a:avLst/>
@@ -6058,8 +6058,8 @@
           </p:nvSpPr>
           <p:spPr>
             <a:xfrm>
-              <a:off x="4279395" y="3995585"/>
-              <a:ext cx="204936" cy="1467294"/>
+              <a:off x="4243730" y="4367576"/>
+              <a:ext cx="206621" cy="702357"/>
             </a:xfrm>
             <a:prstGeom prst="rect">
               <a:avLst/>
@@ -6093,8 +6093,8 @@
           </p:nvSpPr>
           <p:spPr>
             <a:xfrm>
-              <a:off x="4507102" y="2752270"/>
-              <a:ext cx="204936" cy="1243315"/>
+              <a:off x="4473309" y="3772431"/>
+              <a:ext cx="206621" cy="595144"/>
             </a:xfrm>
             <a:prstGeom prst="rect">
               <a:avLst/>
@@ -6128,8 +6128,8 @@
           </p:nvSpPr>
           <p:spPr>
             <a:xfrm>
-              <a:off x="4734809" y="2419530"/>
-              <a:ext cx="204936" cy="1576055"/>
+              <a:off x="4702888" y="3613157"/>
+              <a:ext cx="206621" cy="754419"/>
             </a:xfrm>
             <a:prstGeom prst="rect">
               <a:avLst/>
@@ -6163,8 +6163,8 @@
           </p:nvSpPr>
           <p:spPr>
             <a:xfrm>
-              <a:off x="4962515" y="3058714"/>
-              <a:ext cx="204936" cy="936870"/>
+              <a:off x="4932467" y="3919119"/>
+              <a:ext cx="206621" cy="448457"/>
             </a:xfrm>
             <a:prstGeom prst="rect">
               <a:avLst/>
@@ -6198,8 +6198,8 @@
           </p:nvSpPr>
           <p:spPr>
             <a:xfrm>
-              <a:off x="5190222" y="2666555"/>
-              <a:ext cx="204936" cy="1329030"/>
+              <a:off x="5162046" y="3731402"/>
+              <a:ext cx="206621" cy="636174"/>
             </a:xfrm>
             <a:prstGeom prst="rect">
               <a:avLst/>
@@ -6233,8 +6233,8 @@
           </p:nvSpPr>
           <p:spPr>
             <a:xfrm>
-              <a:off x="5417929" y="2626496"/>
-              <a:ext cx="204936" cy="1369089"/>
+              <a:off x="5391625" y="3712226"/>
+              <a:ext cx="206621" cy="655349"/>
             </a:xfrm>
             <a:prstGeom prst="rect">
               <a:avLst/>
@@ -6268,8 +6268,8 @@
           </p:nvSpPr>
           <p:spPr>
             <a:xfrm>
-              <a:off x="5645636" y="2875922"/>
-              <a:ext cx="204936" cy="1119663"/>
+              <a:off x="5621204" y="3831620"/>
+              <a:ext cx="206621" cy="535955"/>
             </a:xfrm>
             <a:prstGeom prst="rect">
               <a:avLst/>
@@ -6303,8 +6303,8 @@
           </p:nvSpPr>
           <p:spPr>
             <a:xfrm>
-              <a:off x="5873343" y="3995585"/>
-              <a:ext cx="204936" cy="1033833"/>
+              <a:off x="5850783" y="4367576"/>
+              <a:ext cx="206621" cy="494870"/>
             </a:xfrm>
             <a:prstGeom prst="rect">
               <a:avLst/>
@@ -6338,8 +6338,8 @@
           </p:nvSpPr>
           <p:spPr>
             <a:xfrm>
-              <a:off x="6101050" y="3995585"/>
-              <a:ext cx="204936" cy="1224858"/>
+              <a:off x="6080362" y="4367576"/>
+              <a:ext cx="206621" cy="586309"/>
             </a:xfrm>
             <a:prstGeom prst="rect">
               <a:avLst/>
@@ -6373,8 +6373,8 @@
           </p:nvSpPr>
           <p:spPr>
             <a:xfrm>
-              <a:off x="6328757" y="2661896"/>
-              <a:ext cx="204936" cy="1333689"/>
+              <a:off x="6309941" y="3729171"/>
+              <a:ext cx="206621" cy="638404"/>
             </a:xfrm>
             <a:prstGeom prst="rect">
               <a:avLst/>
@@ -6408,8 +6408,8 @@
           </p:nvSpPr>
           <p:spPr>
             <a:xfrm>
-              <a:off x="6556463" y="2791096"/>
-              <a:ext cx="204936" cy="1204489"/>
+              <a:off x="6539520" y="3791016"/>
+              <a:ext cx="206621" cy="576559"/>
             </a:xfrm>
             <a:prstGeom prst="rect">
               <a:avLst/>
@@ -6443,8 +6443,8 @@
           </p:nvSpPr>
           <p:spPr>
             <a:xfrm>
-              <a:off x="6784170" y="3168876"/>
-              <a:ext cx="204936" cy="826709"/>
+              <a:off x="6769099" y="3971850"/>
+              <a:ext cx="206621" cy="395725"/>
             </a:xfrm>
             <a:prstGeom prst="rect">
               <a:avLst/>
@@ -6478,8 +6478,8 @@
           </p:nvSpPr>
           <p:spPr>
             <a:xfrm>
-              <a:off x="7011877" y="3995585"/>
-              <a:ext cx="204936" cy="915683"/>
+              <a:off x="6998678" y="4367576"/>
+              <a:ext cx="206621" cy="438315"/>
             </a:xfrm>
             <a:prstGeom prst="rect">
               <a:avLst/>
@@ -6513,8 +6513,8 @@
           </p:nvSpPr>
           <p:spPr>
             <a:xfrm>
-              <a:off x="7239584" y="3995585"/>
-              <a:ext cx="204936" cy="1304088"/>
+              <a:off x="7228257" y="4367576"/>
+              <a:ext cx="206621" cy="624235"/>
             </a:xfrm>
             <a:prstGeom prst="rect">
               <a:avLst/>
@@ -6548,8 +6548,8 @@
           </p:nvSpPr>
           <p:spPr>
             <a:xfrm>
-              <a:off x="7467291" y="3995585"/>
-              <a:ext cx="204936" cy="1254311"/>
+              <a:off x="7457836" y="4367576"/>
+              <a:ext cx="206621" cy="600408"/>
             </a:xfrm>
             <a:prstGeom prst="rect">
               <a:avLst/>
@@ -6583,8 +6583,8 @@
           </p:nvSpPr>
           <p:spPr>
             <a:xfrm>
-              <a:off x="7694998" y="3995585"/>
-              <a:ext cx="204936" cy="1425504"/>
+              <a:off x="7687415" y="4367576"/>
+              <a:ext cx="206621" cy="682354"/>
             </a:xfrm>
             <a:prstGeom prst="rect">
               <a:avLst/>
@@ -6618,8 +6618,8 @@
           </p:nvSpPr>
           <p:spPr>
             <a:xfrm>
-              <a:off x="7922705" y="3995585"/>
-              <a:ext cx="204936" cy="1240669"/>
+              <a:off x="7916994" y="4367576"/>
+              <a:ext cx="206621" cy="593878"/>
             </a:xfrm>
             <a:prstGeom prst="rect">
               <a:avLst/>
@@ -6653,8 +6653,8 @@
           </p:nvSpPr>
           <p:spPr>
             <a:xfrm>
-              <a:off x="8150411" y="3323027"/>
-              <a:ext cx="204936" cy="672558"/>
+              <a:off x="8146573" y="4045639"/>
+              <a:ext cx="206621" cy="321937"/>
             </a:xfrm>
             <a:prstGeom prst="rect">
               <a:avLst/>
@@ -6688,8 +6688,8 @@
           </p:nvSpPr>
           <p:spPr>
             <a:xfrm>
-              <a:off x="8378118" y="3995585"/>
-              <a:ext cx="204936" cy="1056400"/>
+              <a:off x="8376152" y="4367576"/>
+              <a:ext cx="206621" cy="505673"/>
             </a:xfrm>
             <a:prstGeom prst="rect">
               <a:avLst/>
@@ -6723,7 +6723,7 @@
           </p:nvSpPr>
           <p:spPr>
             <a:xfrm rot="-5400000">
-              <a:off x="899320" y="3605491"/>
+              <a:off x="838288" y="3977482"/>
               <a:ext cx="566479" cy="100412"/>
             </a:xfrm>
             <a:prstGeom prst="rect">
@@ -6769,7 +6769,7 @@
           </p:nvSpPr>
           <p:spPr>
             <a:xfrm rot="-5400000">
-              <a:off x="1107786" y="4332054"/>
+              <a:off x="1048626" y="4704044"/>
               <a:ext cx="626504" cy="78868"/>
             </a:xfrm>
             <a:prstGeom prst="rect">
@@ -6815,7 +6815,7 @@
           </p:nvSpPr>
           <p:spPr>
             <a:xfrm rot="-5400000">
-              <a:off x="1319693" y="4349500"/>
+              <a:off x="1262405" y="4721491"/>
               <a:ext cx="656728" cy="80245"/>
             </a:xfrm>
             <a:prstGeom prst="rect">
@@ -6861,7 +6861,7 @@
           </p:nvSpPr>
           <p:spPr>
             <a:xfrm rot="-5400000">
-              <a:off x="1489016" y="4397377"/>
+              <a:off x="1433600" y="4769368"/>
               <a:ext cx="753330" cy="100412"/>
             </a:xfrm>
             <a:prstGeom prst="rect">
@@ -6907,7 +6907,7 @@
           </p:nvSpPr>
           <p:spPr>
             <a:xfrm rot="-5400000">
-              <a:off x="1837143" y="3637917"/>
+              <a:off x="1783599" y="4009908"/>
               <a:ext cx="512171" cy="100729"/>
             </a:xfrm>
             <a:prstGeom prst="rect">
@@ -6953,7 +6953,7 @@
           </p:nvSpPr>
           <p:spPr>
             <a:xfrm rot="-5400000">
-              <a:off x="2098065" y="4213014"/>
+              <a:off x="2046393" y="4585005"/>
               <a:ext cx="446059" cy="100412"/>
             </a:xfrm>
             <a:prstGeom prst="rect">
@@ -6999,7 +6999,7 @@
           </p:nvSpPr>
           <p:spPr>
             <a:xfrm rot="-5400000">
-              <a:off x="2349273" y="3706078"/>
+              <a:off x="2299474" y="4078069"/>
               <a:ext cx="397732" cy="101735"/>
             </a:xfrm>
             <a:prstGeom prst="rect">
@@ -7045,7 +7045,7 @@
           </p:nvSpPr>
           <p:spPr>
             <a:xfrm rot="-5400000">
-              <a:off x="2303533" y="3377809"/>
+              <a:off x="2255606" y="3749800"/>
               <a:ext cx="945950" cy="100412"/>
             </a:xfrm>
             <a:prstGeom prst="rect">
@@ -7091,7 +7091,7 @@
           </p:nvSpPr>
           <p:spPr>
             <a:xfrm rot="-5400000">
-              <a:off x="2594494" y="3453714"/>
+              <a:off x="2548439" y="3825704"/>
               <a:ext cx="819442" cy="100412"/>
             </a:xfrm>
             <a:prstGeom prst="rect">
@@ -7137,7 +7137,7 @@
           </p:nvSpPr>
           <p:spPr>
             <a:xfrm rot="-5400000">
-              <a:off x="2829955" y="3460865"/>
+              <a:off x="2785772" y="3832856"/>
               <a:ext cx="825476" cy="78868"/>
             </a:xfrm>
             <a:prstGeom prst="rect">
@@ -7183,7 +7183,7 @@
           </p:nvSpPr>
           <p:spPr>
             <a:xfrm rot="-5400000">
-              <a:off x="3067296" y="4414723"/>
+              <a:off x="3024985" y="4786714"/>
               <a:ext cx="783342" cy="101735"/>
             </a:xfrm>
             <a:prstGeom prst="rect">
@@ -7229,7 +7229,7 @@
           </p:nvSpPr>
           <p:spPr>
             <a:xfrm rot="-5400000">
-              <a:off x="3316811" y="3500749"/>
+              <a:off x="3276372" y="3872740"/>
               <a:ext cx="741049" cy="100412"/>
             </a:xfrm>
             <a:prstGeom prst="rect">
@@ -7275,7 +7275,7 @@
           </p:nvSpPr>
           <p:spPr>
             <a:xfrm rot="-5400000">
-              <a:off x="3686561" y="3671106"/>
+              <a:off x="3647994" y="4043097"/>
               <a:ext cx="457915" cy="99459"/>
             </a:xfrm>
             <a:prstGeom prst="rect">
@@ -7321,7 +7321,7 @@
           </p:nvSpPr>
           <p:spPr>
             <a:xfrm rot="-5400000">
-              <a:off x="3914268" y="3671106"/>
+              <a:off x="3877573" y="4043097"/>
               <a:ext cx="457915" cy="99459"/>
             </a:xfrm>
             <a:prstGeom prst="rect">
@@ -7367,7 +7367,7 @@
           </p:nvSpPr>
           <p:spPr>
             <a:xfrm rot="-5400000">
-              <a:off x="4141974" y="3671106"/>
+              <a:off x="4107152" y="4043097"/>
               <a:ext cx="457915" cy="99459"/>
             </a:xfrm>
             <a:prstGeom prst="rect">
@@ -7413,7 +7413,7 @@
           </p:nvSpPr>
           <p:spPr>
             <a:xfrm rot="-5400000">
-              <a:off x="4369840" y="4220764"/>
+              <a:off x="4336890" y="4592754"/>
               <a:ext cx="457915" cy="99141"/>
             </a:xfrm>
             <a:prstGeom prst="rect">
@@ -7459,7 +7459,7 @@
           </p:nvSpPr>
           <p:spPr>
             <a:xfrm rot="-5400000">
-              <a:off x="4597388" y="4220605"/>
+              <a:off x="4566310" y="4592596"/>
               <a:ext cx="457915" cy="99459"/>
             </a:xfrm>
             <a:prstGeom prst="rect">
@@ -7505,7 +7505,7 @@
           </p:nvSpPr>
           <p:spPr>
             <a:xfrm rot="-5400000">
-              <a:off x="4825254" y="4220764"/>
+              <a:off x="4796048" y="4592754"/>
               <a:ext cx="457915" cy="99141"/>
             </a:xfrm>
             <a:prstGeom prst="rect">
@@ -7551,7 +7551,7 @@
           </p:nvSpPr>
           <p:spPr>
             <a:xfrm rot="-5400000">
-              <a:off x="5139690" y="4115291"/>
+              <a:off x="5112357" y="4487282"/>
               <a:ext cx="283186" cy="100412"/>
             </a:xfrm>
             <a:prstGeom prst="rect">
@@ -7597,7 +7597,7 @@
           </p:nvSpPr>
           <p:spPr>
             <a:xfrm rot="-5400000">
-              <a:off x="5332303" y="4179588"/>
+              <a:off x="5306842" y="4551579"/>
               <a:ext cx="373542" cy="80245"/>
             </a:xfrm>
             <a:prstGeom prst="rect">
@@ -7643,7 +7643,7 @@
           </p:nvSpPr>
           <p:spPr>
             <a:xfrm rot="-5400000">
-              <a:off x="5537831" y="4184018"/>
+              <a:off x="5514242" y="4556009"/>
               <a:ext cx="397732" cy="100412"/>
             </a:xfrm>
             <a:prstGeom prst="rect">
@@ -7689,7 +7689,7 @@
           </p:nvSpPr>
           <p:spPr>
             <a:xfrm rot="-5400000">
-              <a:off x="5860736" y="3818824"/>
+              <a:off x="5839019" y="4190814"/>
               <a:ext cx="228878" cy="78868"/>
             </a:xfrm>
             <a:prstGeom prst="rect">
@@ -7735,7 +7735,7 @@
           </p:nvSpPr>
           <p:spPr>
             <a:xfrm rot="-5400000">
-              <a:off x="6109510" y="3844104"/>
+              <a:off x="6089665" y="4216095"/>
               <a:ext cx="186744" cy="78868"/>
             </a:xfrm>
             <a:prstGeom prst="rect">
@@ -7781,7 +7781,7 @@
           </p:nvSpPr>
           <p:spPr>
             <a:xfrm rot="-5400000">
-              <a:off x="6325175" y="4082648"/>
+              <a:off x="6307202" y="4454639"/>
               <a:ext cx="210828" cy="78868"/>
             </a:xfrm>
             <a:prstGeom prst="rect">
@@ -7827,7 +7827,7 @@
           </p:nvSpPr>
           <p:spPr>
             <a:xfrm rot="-5400000">
-              <a:off x="6490845" y="4133394"/>
+              <a:off x="6474745" y="4505385"/>
               <a:ext cx="313358" cy="100412"/>
             </a:xfrm>
             <a:prstGeom prst="rect">
@@ -7873,7 +7873,7 @@
           </p:nvSpPr>
           <p:spPr>
             <a:xfrm rot="-5400000">
-              <a:off x="6757696" y="4086422"/>
+              <a:off x="6743467" y="4458413"/>
               <a:ext cx="235071" cy="100412"/>
             </a:xfrm>
             <a:prstGeom prst="rect">
@@ -7919,7 +7919,7 @@
           </p:nvSpPr>
           <p:spPr>
             <a:xfrm rot="-5400000">
-              <a:off x="6982359" y="3800684"/>
+              <a:off x="6970003" y="4172674"/>
               <a:ext cx="241158" cy="100412"/>
             </a:xfrm>
             <a:prstGeom prst="rect">
@@ -7965,7 +7965,7 @@
           </p:nvSpPr>
           <p:spPr>
             <a:xfrm rot="-5400000">
-              <a:off x="7056483" y="3616385"/>
+              <a:off x="7045999" y="3988375"/>
               <a:ext cx="548323" cy="100412"/>
             </a:xfrm>
             <a:prstGeom prst="rect">
@@ -8011,7 +8011,7 @@
           </p:nvSpPr>
           <p:spPr>
             <a:xfrm rot="-5400000">
-              <a:off x="7471993" y="3839732"/>
+              <a:off x="7463381" y="4211723"/>
               <a:ext cx="192884" cy="80245"/>
             </a:xfrm>
             <a:prstGeom prst="rect">
@@ -8057,7 +8057,7 @@
           </p:nvSpPr>
           <p:spPr>
             <a:xfrm rot="-5400000">
-              <a:off x="7678660" y="3814483"/>
+              <a:off x="7671920" y="4186474"/>
               <a:ext cx="234965" cy="80245"/>
             </a:xfrm>
             <a:prstGeom prst="rect">
@@ -8103,7 +8103,7 @@
           </p:nvSpPr>
           <p:spPr>
             <a:xfrm rot="-5400000">
-              <a:off x="7840069" y="3734926"/>
+              <a:off x="7835201" y="4106917"/>
               <a:ext cx="367560" cy="80245"/>
             </a:xfrm>
             <a:prstGeom prst="rect">
@@ -8149,7 +8149,7 @@
           </p:nvSpPr>
           <p:spPr>
             <a:xfrm rot="-5400000">
-              <a:off x="8086514" y="4155027"/>
+              <a:off x="8083518" y="4527018"/>
               <a:ext cx="331460" cy="78868"/>
             </a:xfrm>
             <a:prstGeom prst="rect">
@@ -8195,7 +8195,7 @@
           </p:nvSpPr>
           <p:spPr>
             <a:xfrm rot="-5400000">
-              <a:off x="8341401" y="3789891"/>
+              <a:off x="8340278" y="4161882"/>
               <a:ext cx="277099" cy="78868"/>
             </a:xfrm>
             <a:prstGeom prst="rect">
@@ -8241,21 +8241,21 @@
           </p:nvSpPr>
           <p:spPr>
             <a:xfrm>
-              <a:off x="1057343" y="3995585"/>
-              <a:ext cx="7559867" cy="0"/>
+              <a:off x="995187" y="4367576"/>
+              <a:ext cx="7622023" cy="0"/>
             </a:xfrm>
             <a:custGeom>
               <a:avLst/>
               <a:pathLst>
-                <a:path w="7559867" h="0">
+                <a:path w="7622023" h="0">
                   <a:moveTo>
                     <a:pt x="0" y="0"/>
                   </a:moveTo>
                   <a:lnTo>
-                    <a:pt x="7559867" y="0"/>
-                  </a:lnTo>
-                  <a:lnTo>
-                    <a:pt x="7559867" y="0"/>
+                    <a:pt x="7622023" y="0"/>
+                  </a:lnTo>
+                  <a:lnTo>
+                    <a:pt x="7622023" y="0"/>
                   </a:lnTo>
                 </a:path>
               </a:pathLst>
@@ -8284,7 +8284,7 @@
           </p:nvSpPr>
           <p:spPr>
             <a:xfrm>
-              <a:off x="1057343" y="1917773"/>
+              <a:off x="995187" y="1917773"/>
               <a:ext cx="0" cy="4104006"/>
             </a:xfrm>
             <a:custGeom>
@@ -8324,8 +8324,8 @@
           </p:nvSpPr>
           <p:spPr>
             <a:xfrm>
-              <a:off x="739978" y="5046632"/>
-              <a:ext cx="254734" cy="81691"/>
+              <a:off x="739978" y="5372019"/>
+              <a:ext cx="192578" cy="81691"/>
             </a:xfrm>
             <a:prstGeom prst="rect">
               <a:avLst/>
@@ -8357,7 +8357,7 @@
                   <a:latin typeface="Arial"/>
                   <a:cs typeface="Arial"/>
                 </a:rPr>
-                <a:t>-0.05</a:t>
+                <a:t>-0.1</a:t>
               </a:r>
             </a:p>
           </p:txBody>
@@ -8370,8 +8370,8 @@
           </p:nvSpPr>
           <p:spPr>
             <a:xfrm>
-              <a:off x="777195" y="3953893"/>
-              <a:ext cx="217517" cy="81691"/>
+              <a:off x="777195" y="4325884"/>
+              <a:ext cx="155361" cy="81691"/>
             </a:xfrm>
             <a:prstGeom prst="rect">
               <a:avLst/>
@@ -8403,7 +8403,7 @@
                   <a:latin typeface="Arial"/>
                   <a:cs typeface="Arial"/>
                 </a:rPr>
-                <a:t>0.00</a:t>
+                <a:t>0.0</a:t>
               </a:r>
             </a:p>
           </p:txBody>
@@ -8416,8 +8416,8 @@
           </p:nvSpPr>
           <p:spPr>
             <a:xfrm>
-              <a:off x="777195" y="2861155"/>
-              <a:ext cx="217517" cy="81691"/>
+              <a:off x="777195" y="3279750"/>
+              <a:ext cx="155361" cy="81691"/>
             </a:xfrm>
             <a:prstGeom prst="rect">
               <a:avLst/>
@@ -8449,20 +8449,66 @@
                   <a:latin typeface="Arial"/>
                   <a:cs typeface="Arial"/>
                 </a:rPr>
-                <a:t>0.05</a:t>
+                <a:t>0.1</a:t>
               </a:r>
             </a:p>
           </p:txBody>
         </p:sp>
         <p:sp>
           <p:nvSpPr>
-            <p:cNvPr id="79" name="pl78"/>
-            <p:cNvSpPr/>
-            <p:nvPr/>
-          </p:nvSpPr>
-          <p:spPr>
-            <a:xfrm>
-              <a:off x="1022548" y="5088324"/>
+            <p:cNvPr id="79" name="tx78"/>
+            <p:cNvSpPr/>
+            <p:nvPr/>
+          </p:nvSpPr>
+          <p:spPr>
+            <a:xfrm>
+              <a:off x="777195" y="2233615"/>
+              <a:ext cx="155361" cy="81691"/>
+            </a:xfrm>
+            <a:prstGeom prst="rect">
+              <a:avLst/>
+            </a:prstGeom>
+            <a:noFill/>
+          </p:spPr>
+          <p:txBody>
+            <a:bodyPr lIns="0" rIns="0" tIns="0" bIns="0" anchorCtr="1" anchor="ctr" wrap="none"/>
+            <a:lstStyle/>
+            <a:p>
+              <a:pPr algn="l" marL="0" marR="0" indent="0">
+                <a:lnSpc>
+                  <a:spcPts val="880"/>
+                </a:lnSpc>
+                <a:spcBef>
+                  <a:spcPts val="0"/>
+                </a:spcBef>
+                <a:spcAft>
+                  <a:spcPts val="0"/>
+                </a:spcAft>
+              </a:pPr>
+              <a:r>
+                <a:rPr sz="880">
+                  <a:solidFill>
+                    <a:srgbClr val="4D4D4D">
+                      <a:alpha val="100000"/>
+                    </a:srgbClr>
+                  </a:solidFill>
+                  <a:latin typeface="Arial"/>
+                  <a:cs typeface="Arial"/>
+                </a:rPr>
+                <a:t>0.2</a:t>
+              </a:r>
+            </a:p>
+          </p:txBody>
+        </p:sp>
+        <p:sp>
+          <p:nvSpPr>
+            <p:cNvPr id="80" name="pl79"/>
+            <p:cNvSpPr/>
+            <p:nvPr/>
+          </p:nvSpPr>
+          <p:spPr>
+            <a:xfrm>
+              <a:off x="960393" y="5413710"/>
               <a:ext cx="34794" cy="0"/>
             </a:xfrm>
             <a:custGeom>
@@ -8496,13 +8542,13 @@
         </p:sp>
         <p:sp>
           <p:nvSpPr>
-            <p:cNvPr id="80" name="pl79"/>
-            <p:cNvSpPr/>
-            <p:nvPr/>
-          </p:nvSpPr>
-          <p:spPr>
-            <a:xfrm>
-              <a:off x="1022548" y="3995585"/>
+            <p:cNvPr id="81" name="pl80"/>
+            <p:cNvSpPr/>
+            <p:nvPr/>
+          </p:nvSpPr>
+          <p:spPr>
+            <a:xfrm>
+              <a:off x="960393" y="4367576"/>
               <a:ext cx="34794" cy="0"/>
             </a:xfrm>
             <a:custGeom>
@@ -8536,13 +8582,13 @@
         </p:sp>
         <p:sp>
           <p:nvSpPr>
-            <p:cNvPr id="81" name="pl80"/>
-            <p:cNvSpPr/>
-            <p:nvPr/>
-          </p:nvSpPr>
-          <p:spPr>
-            <a:xfrm>
-              <a:off x="1022548" y="2902846"/>
+            <p:cNvPr id="82" name="pl81"/>
+            <p:cNvSpPr/>
+            <p:nvPr/>
+          </p:nvSpPr>
+          <p:spPr>
+            <a:xfrm>
+              <a:off x="960393" y="3321441"/>
               <a:ext cx="34794" cy="0"/>
             </a:xfrm>
             <a:custGeom>
@@ -8576,7 +8622,47 @@
         </p:sp>
         <p:sp>
           <p:nvSpPr>
-            <p:cNvPr id="82" name="tx81"/>
+            <p:cNvPr id="83" name="pl82"/>
+            <p:cNvSpPr/>
+            <p:nvPr/>
+          </p:nvSpPr>
+          <p:spPr>
+            <a:xfrm>
+              <a:off x="960393" y="2275307"/>
+              <a:ext cx="34794" cy="0"/>
+            </a:xfrm>
+            <a:custGeom>
+              <a:avLst/>
+              <a:pathLst>
+                <a:path w="34794" h="0">
+                  <a:moveTo>
+                    <a:pt x="0" y="0"/>
+                  </a:moveTo>
+                  <a:lnTo>
+                    <a:pt x="34794" y="0"/>
+                  </a:lnTo>
+                </a:path>
+              </a:pathLst>
+            </a:custGeom>
+            <a:ln w="13550" cap="flat">
+              <a:solidFill>
+                <a:srgbClr val="333333">
+                  <a:alpha val="100000"/>
+                </a:srgbClr>
+              </a:solidFill>
+              <a:prstDash val="solid"/>
+              <a:round/>
+            </a:ln>
+          </p:spPr>
+          <p:txBody>
+            <a:bodyPr/>
+            <a:lstStyle/>
+            <a:p/>
+          </p:txBody>
+        </p:sp>
+        <p:sp>
+          <p:nvSpPr>
+            <p:cNvPr id="84" name="tx83"/>
             <p:cNvSpPr/>
             <p:nvPr/>
           </p:nvSpPr>
@@ -8622,13 +8708,13 @@
         </p:sp>
         <p:sp>
           <p:nvSpPr>
-            <p:cNvPr id="83" name="tx82"/>
-            <p:cNvSpPr/>
-            <p:nvPr/>
-          </p:nvSpPr>
-          <p:spPr>
-            <a:xfrm>
-              <a:off x="1057343" y="1660164"/>
+            <p:cNvPr id="85" name="tx84"/>
+            <p:cNvSpPr/>
+            <p:nvPr/>
+          </p:nvSpPr>
+          <p:spPr>
+            <a:xfrm>
+              <a:off x="995187" y="1660164"/>
               <a:ext cx="3448248" cy="144164"/>
             </a:xfrm>
             <a:prstGeom prst="rect">
@@ -8811,7 +8897,7 @@
           </p:nvSpPr>
           <p:spPr>
             <a:xfrm>
-              <a:off x="995187" y="3394574"/>
+              <a:off x="995187" y="3889602"/>
               <a:ext cx="7622023" cy="0"/>
             </a:xfrm>
             <a:custGeom>
@@ -8854,7 +8940,7 @@
           </p:nvSpPr>
           <p:spPr>
             <a:xfrm>
-              <a:off x="995187" y="3874642"/>
+              <a:off x="995187" y="4128623"/>
               <a:ext cx="7622023" cy="0"/>
             </a:xfrm>
             <a:custGeom>
@@ -8897,8 +8983,8 @@
           </p:nvSpPr>
           <p:spPr>
             <a:xfrm>
-              <a:off x="1025117" y="3634608"/>
-              <a:ext cx="179576" cy="462760"/>
+              <a:off x="1025117" y="4009113"/>
+              <a:ext cx="179576" cy="230404"/>
             </a:xfrm>
             <a:prstGeom prst="rect">
               <a:avLst/>
@@ -8932,8 +9018,8 @@
           </p:nvSpPr>
           <p:spPr>
             <a:xfrm>
-              <a:off x="1224646" y="3262515"/>
-              <a:ext cx="179576" cy="372093"/>
+              <a:off x="1224646" y="3823851"/>
+              <a:ext cx="179576" cy="185261"/>
             </a:xfrm>
             <a:prstGeom prst="rect">
               <a:avLst/>
@@ -8967,8 +9053,8 @@
           </p:nvSpPr>
           <p:spPr>
             <a:xfrm>
-              <a:off x="1424175" y="3634608"/>
-              <a:ext cx="179576" cy="374350"/>
+              <a:off x="1424175" y="4009113"/>
+              <a:ext cx="179576" cy="186385"/>
             </a:xfrm>
             <a:prstGeom prst="rect">
               <a:avLst/>
@@ -9002,8 +9088,8 @@
           </p:nvSpPr>
           <p:spPr>
             <a:xfrm>
-              <a:off x="1623705" y="3182175"/>
-              <a:ext cx="179576" cy="452432"/>
+              <a:off x="1623705" y="3783851"/>
+              <a:ext cx="179576" cy="225262"/>
             </a:xfrm>
             <a:prstGeom prst="rect">
               <a:avLst/>
@@ -9037,8 +9123,8 @@
           </p:nvSpPr>
           <p:spPr>
             <a:xfrm>
-              <a:off x="1823234" y="3349736"/>
-              <a:ext cx="179576" cy="284871"/>
+              <a:off x="1823234" y="3867277"/>
+              <a:ext cx="179576" cy="141835"/>
             </a:xfrm>
             <a:prstGeom prst="rect">
               <a:avLst/>
@@ -9072,8 +9158,8 @@
           </p:nvSpPr>
           <p:spPr>
             <a:xfrm>
-              <a:off x="2022764" y="3634608"/>
-              <a:ext cx="179576" cy="271214"/>
+              <a:off x="2022764" y="4009113"/>
+              <a:ext cx="179576" cy="135035"/>
             </a:xfrm>
             <a:prstGeom prst="rect">
               <a:avLst/>
@@ -9107,8 +9193,8 @@
           </p:nvSpPr>
           <p:spPr>
             <a:xfrm>
-              <a:off x="2222293" y="2950173"/>
-              <a:ext cx="179576" cy="684434"/>
+              <a:off x="2222293" y="3668339"/>
+              <a:ext cx="179576" cy="340773"/>
             </a:xfrm>
             <a:prstGeom prst="rect">
               <a:avLst/>
@@ -9142,8 +9228,8 @@
           </p:nvSpPr>
           <p:spPr>
             <a:xfrm>
-              <a:off x="2421822" y="3202769"/>
-              <a:ext cx="179576" cy="431838"/>
+              <a:off x="2421822" y="3794104"/>
+              <a:ext cx="179576" cy="215008"/>
             </a:xfrm>
             <a:prstGeom prst="rect">
               <a:avLst/>
@@ -9177,8 +9263,8 @@
           </p:nvSpPr>
           <p:spPr>
             <a:xfrm>
-              <a:off x="2621352" y="3161076"/>
-              <a:ext cx="179576" cy="473531"/>
+              <a:off x="2621352" y="3773345"/>
+              <a:ext cx="179576" cy="235767"/>
             </a:xfrm>
             <a:prstGeom prst="rect">
               <a:avLst/>
@@ -9212,8 +9298,8 @@
           </p:nvSpPr>
           <p:spPr>
             <a:xfrm>
-              <a:off x="2820881" y="3634608"/>
-              <a:ext cx="179576" cy="893784"/>
+              <a:off x="2820881" y="4009113"/>
+              <a:ext cx="179576" cy="445007"/>
             </a:xfrm>
             <a:prstGeom prst="rect">
               <a:avLst/>
@@ -9247,8 +9333,8 @@
           </p:nvSpPr>
           <p:spPr>
             <a:xfrm>
-              <a:off x="3020411" y="3634608"/>
-              <a:ext cx="179576" cy="313948"/>
+              <a:off x="3020411" y="4009113"/>
+              <a:ext cx="179576" cy="156312"/>
             </a:xfrm>
             <a:prstGeom prst="rect">
               <a:avLst/>
@@ -9282,8 +9368,8 @@
           </p:nvSpPr>
           <p:spPr>
             <a:xfrm>
-              <a:off x="3219940" y="3314413"/>
-              <a:ext cx="179576" cy="320194"/>
+              <a:off x="3219940" y="3849691"/>
+              <a:ext cx="179576" cy="159422"/>
             </a:xfrm>
             <a:prstGeom prst="rect">
               <a:avLst/>
@@ -9317,8 +9403,8 @@
           </p:nvSpPr>
           <p:spPr>
             <a:xfrm>
-              <a:off x="3419469" y="2776208"/>
-              <a:ext cx="179576" cy="858399"/>
+              <a:off x="3419469" y="3581723"/>
+              <a:ext cx="179576" cy="427389"/>
             </a:xfrm>
             <a:prstGeom prst="rect">
               <a:avLst/>
@@ -9352,8 +9438,8 @@
           </p:nvSpPr>
           <p:spPr>
             <a:xfrm>
-              <a:off x="3618999" y="3634608"/>
-              <a:ext cx="179576" cy="385824"/>
+              <a:off x="3618999" y="4009113"/>
+              <a:ext cx="179576" cy="192098"/>
             </a:xfrm>
             <a:prstGeom prst="rect">
               <a:avLst/>
@@ -9387,8 +9473,8 @@
           </p:nvSpPr>
           <p:spPr>
             <a:xfrm>
-              <a:off x="3818528" y="3112213"/>
-              <a:ext cx="179576" cy="522394"/>
+              <a:off x="3818528" y="3749017"/>
+              <a:ext cx="179576" cy="260095"/>
             </a:xfrm>
             <a:prstGeom prst="rect">
               <a:avLst/>
@@ -9422,8 +9508,8 @@
           </p:nvSpPr>
           <p:spPr>
             <a:xfrm>
-              <a:off x="4018058" y="2906665"/>
-              <a:ext cx="179576" cy="727942"/>
+              <a:off x="4018058" y="3646676"/>
+              <a:ext cx="179576" cy="362436"/>
             </a:xfrm>
             <a:prstGeom prst="rect">
               <a:avLst/>
@@ -9457,8 +9543,8 @@
           </p:nvSpPr>
           <p:spPr>
             <a:xfrm>
-              <a:off x="4217587" y="3634608"/>
-              <a:ext cx="179576" cy="1833854"/>
+              <a:off x="4217587" y="4009113"/>
+              <a:ext cx="179576" cy="913060"/>
             </a:xfrm>
             <a:prstGeom prst="rect">
               <a:avLst/>
@@ -9492,8 +9578,8 @@
           </p:nvSpPr>
           <p:spPr>
             <a:xfrm>
-              <a:off x="4417116" y="3036799"/>
-              <a:ext cx="179576" cy="597808"/>
+              <a:off x="4417116" y="3711469"/>
+              <a:ext cx="179576" cy="297643"/>
             </a:xfrm>
             <a:prstGeom prst="rect">
               <a:avLst/>
@@ -9527,8 +9613,8 @@
           </p:nvSpPr>
           <p:spPr>
             <a:xfrm>
-              <a:off x="4616646" y="3179864"/>
-              <a:ext cx="179576" cy="454743"/>
+              <a:off x="4616646" y="3782700"/>
+              <a:ext cx="179576" cy="226412"/>
             </a:xfrm>
             <a:prstGeom prst="rect">
               <a:avLst/>
@@ -9562,8 +9648,8 @@
           </p:nvSpPr>
           <p:spPr>
             <a:xfrm>
-              <a:off x="4816175" y="3270206"/>
-              <a:ext cx="179576" cy="364401"/>
+              <a:off x="4816175" y="3827680"/>
+              <a:ext cx="179576" cy="181432"/>
             </a:xfrm>
             <a:prstGeom prst="rect">
               <a:avLst/>
@@ -9597,8 +9683,8 @@
           </p:nvSpPr>
           <p:spPr>
             <a:xfrm>
-              <a:off x="5015705" y="3634608"/>
-              <a:ext cx="179576" cy="375039"/>
+              <a:off x="5015705" y="4009113"/>
+              <a:ext cx="179576" cy="186729"/>
             </a:xfrm>
             <a:prstGeom prst="rect">
               <a:avLst/>
@@ -9632,8 +9718,8 @@
           </p:nvSpPr>
           <p:spPr>
             <a:xfrm>
-              <a:off x="5215234" y="3168273"/>
-              <a:ext cx="179576" cy="466334"/>
+              <a:off x="5215234" y="3776929"/>
+              <a:ext cx="179576" cy="232183"/>
             </a:xfrm>
             <a:prstGeom prst="rect">
               <a:avLst/>
@@ -9667,8 +9753,8 @@
           </p:nvSpPr>
           <p:spPr>
             <a:xfrm>
-              <a:off x="5414763" y="3634608"/>
-              <a:ext cx="179576" cy="384226"/>
+              <a:off x="5414763" y="4009113"/>
+              <a:ext cx="179576" cy="191303"/>
             </a:xfrm>
             <a:prstGeom prst="rect">
               <a:avLst/>
@@ -9702,8 +9788,8 @@
           </p:nvSpPr>
           <p:spPr>
             <a:xfrm>
-              <a:off x="5614293" y="3367289"/>
-              <a:ext cx="179576" cy="267318"/>
+              <a:off x="5614293" y="3876017"/>
+              <a:ext cx="179576" cy="133095"/>
             </a:xfrm>
             <a:prstGeom prst="rect">
               <a:avLst/>
@@ -9737,8 +9823,8 @@
           </p:nvSpPr>
           <p:spPr>
             <a:xfrm>
-              <a:off x="5813822" y="2614675"/>
-              <a:ext cx="179576" cy="1019932"/>
+              <a:off x="5813822" y="3501297"/>
+              <a:ext cx="179576" cy="507815"/>
             </a:xfrm>
             <a:prstGeom prst="rect">
               <a:avLst/>
@@ -9772,8 +9858,8 @@
           </p:nvSpPr>
           <p:spPr>
             <a:xfrm>
-              <a:off x="6013352" y="2359367"/>
-              <a:ext cx="179576" cy="1275240"/>
+              <a:off x="6013352" y="3374181"/>
+              <a:ext cx="179576" cy="634931"/>
             </a:xfrm>
             <a:prstGeom prst="rect">
               <a:avLst/>
@@ -9807,8 +9893,8 @@
           </p:nvSpPr>
           <p:spPr>
             <a:xfrm>
-              <a:off x="6212881" y="2581863"/>
-              <a:ext cx="179576" cy="1052745"/>
+              <a:off x="6212881" y="3484960"/>
+              <a:ext cx="179576" cy="524152"/>
             </a:xfrm>
             <a:prstGeom prst="rect">
               <a:avLst/>
@@ -9842,8 +9928,8 @@
           </p:nvSpPr>
           <p:spPr>
             <a:xfrm>
-              <a:off x="6412411" y="2954740"/>
-              <a:ext cx="179576" cy="679867"/>
+              <a:off x="6412411" y="3670613"/>
+              <a:ext cx="179576" cy="338499"/>
             </a:xfrm>
             <a:prstGeom prst="rect">
               <a:avLst/>
@@ -9877,8 +9963,8 @@
           </p:nvSpPr>
           <p:spPr>
             <a:xfrm>
-              <a:off x="6611940" y="3052734"/>
-              <a:ext cx="179576" cy="581873"/>
+              <a:off x="6611940" y="3719403"/>
+              <a:ext cx="179576" cy="289709"/>
             </a:xfrm>
             <a:prstGeom prst="rect">
               <a:avLst/>
@@ -9912,8 +9998,8 @@
           </p:nvSpPr>
           <p:spPr>
             <a:xfrm>
-              <a:off x="6811469" y="3634608"/>
-              <a:ext cx="179576" cy="767298"/>
+              <a:off x="6811469" y="4009113"/>
+              <a:ext cx="179576" cy="382031"/>
             </a:xfrm>
             <a:prstGeom prst="rect">
               <a:avLst/>
@@ -9947,8 +10033,8 @@
           </p:nvSpPr>
           <p:spPr>
             <a:xfrm>
-              <a:off x="7010999" y="2988706"/>
-              <a:ext cx="179576" cy="645901"/>
+              <a:off x="7010999" y="3687524"/>
+              <a:ext cx="179576" cy="321588"/>
             </a:xfrm>
             <a:prstGeom prst="rect">
               <a:avLst/>
@@ -9982,8 +10068,8 @@
           </p:nvSpPr>
           <p:spPr>
             <a:xfrm>
-              <a:off x="7210528" y="3051348"/>
-              <a:ext cx="179576" cy="583259"/>
+              <a:off x="7210528" y="3718713"/>
+              <a:ext cx="179576" cy="290399"/>
             </a:xfrm>
             <a:prstGeom prst="rect">
               <a:avLst/>
@@ -10017,8 +10103,8 @@
           </p:nvSpPr>
           <p:spPr>
             <a:xfrm>
-              <a:off x="7410058" y="3634608"/>
-              <a:ext cx="179576" cy="1084251"/>
+              <a:off x="7410058" y="4009113"/>
+              <a:ext cx="179576" cy="539839"/>
             </a:xfrm>
             <a:prstGeom prst="rect">
               <a:avLst/>
@@ -10052,8 +10138,8 @@
           </p:nvSpPr>
           <p:spPr>
             <a:xfrm>
-              <a:off x="7609587" y="3634608"/>
-              <a:ext cx="179576" cy="1087263"/>
+              <a:off x="7609587" y="4009113"/>
+              <a:ext cx="179576" cy="541339"/>
             </a:xfrm>
             <a:prstGeom prst="rect">
               <a:avLst/>
@@ -10087,8 +10173,8 @@
           </p:nvSpPr>
           <p:spPr>
             <a:xfrm>
-              <a:off x="7809116" y="2674661"/>
-              <a:ext cx="179576" cy="959946"/>
+              <a:off x="7809116" y="3531164"/>
+              <a:ext cx="179576" cy="477949"/>
             </a:xfrm>
             <a:prstGeom prst="rect">
               <a:avLst/>
@@ -10122,8 +10208,8 @@
           </p:nvSpPr>
           <p:spPr>
             <a:xfrm>
-              <a:off x="8008646" y="3634608"/>
-              <a:ext cx="179576" cy="475327"/>
+              <a:off x="8008646" y="4009113"/>
+              <a:ext cx="179576" cy="236661"/>
             </a:xfrm>
             <a:prstGeom prst="rect">
               <a:avLst/>
@@ -10157,8 +10243,8 @@
           </p:nvSpPr>
           <p:spPr>
             <a:xfrm>
-              <a:off x="8208175" y="2975712"/>
-              <a:ext cx="179576" cy="658895"/>
+              <a:off x="8208175" y="3681054"/>
+              <a:ext cx="179576" cy="328058"/>
             </a:xfrm>
             <a:prstGeom prst="rect">
               <a:avLst/>
@@ -10192,8 +10278,8 @@
           </p:nvSpPr>
           <p:spPr>
             <a:xfrm>
-              <a:off x="8407705" y="3634608"/>
-              <a:ext cx="179576" cy="1191114"/>
+              <a:off x="8407705" y="4009113"/>
+              <a:ext cx="179576" cy="593045"/>
             </a:xfrm>
             <a:prstGeom prst="rect">
               <a:avLst/>
@@ -10227,7 +10313,7 @@
           </p:nvSpPr>
           <p:spPr>
             <a:xfrm rot="-5400000">
-              <a:off x="820258" y="3244514"/>
+              <a:off x="820258" y="3619019"/>
               <a:ext cx="566479" cy="100412"/>
             </a:xfrm>
             <a:prstGeom prst="rect">
@@ -10273,7 +10359,7 @@
           </p:nvSpPr>
           <p:spPr>
             <a:xfrm rot="-5400000">
-              <a:off x="1000547" y="3971076"/>
+              <a:off x="1000547" y="4345581"/>
               <a:ext cx="626504" cy="78868"/>
             </a:xfrm>
             <a:prstGeom prst="rect">
@@ -10319,7 +10405,7 @@
           </p:nvSpPr>
           <p:spPr>
             <a:xfrm rot="-5400000">
-              <a:off x="1284370" y="3320424"/>
+              <a:off x="1284370" y="3694929"/>
               <a:ext cx="457915" cy="78868"/>
             </a:xfrm>
             <a:prstGeom prst="rect">
@@ -10365,7 +10451,7 @@
           </p:nvSpPr>
           <p:spPr>
             <a:xfrm rot="-5400000">
-              <a:off x="1331455" y="4029158"/>
+              <a:off x="1331455" y="4403663"/>
               <a:ext cx="741261" cy="100412"/>
             </a:xfrm>
             <a:prstGeom prst="rect">
@@ -10411,7 +10497,7 @@
           </p:nvSpPr>
           <p:spPr>
             <a:xfrm rot="-5400000">
-              <a:off x="1553799" y="4025480"/>
+              <a:off x="1553799" y="4399985"/>
               <a:ext cx="717177" cy="78868"/>
             </a:xfrm>
             <a:prstGeom prst="rect">
@@ -10457,7 +10543,7 @@
           </p:nvSpPr>
           <p:spPr>
             <a:xfrm rot="-5400000">
-              <a:off x="1844901" y="3276940"/>
+              <a:off x="1844901" y="3651445"/>
               <a:ext cx="512171" cy="100729"/>
             </a:xfrm>
             <a:prstGeom prst="rect">
@@ -10503,7 +10589,7 @@
           </p:nvSpPr>
           <p:spPr>
             <a:xfrm rot="-5400000">
-              <a:off x="2044430" y="3891545"/>
+              <a:off x="2044430" y="4266050"/>
               <a:ext cx="512171" cy="100729"/>
             </a:xfrm>
             <a:prstGeom prst="rect">
@@ -10549,7 +10635,7 @@
           </p:nvSpPr>
           <p:spPr>
             <a:xfrm rot="-5400000">
-              <a:off x="2183140" y="3963422"/>
+              <a:off x="2183140" y="4337927"/>
               <a:ext cx="632803" cy="101735"/>
             </a:xfrm>
             <a:prstGeom prst="rect">
@@ -10595,7 +10681,7 @@
           </p:nvSpPr>
           <p:spPr>
             <a:xfrm rot="-5400000">
-              <a:off x="2334581" y="4021129"/>
+              <a:off x="2334581" y="4395634"/>
               <a:ext cx="728981" cy="101735"/>
             </a:xfrm>
             <a:prstGeom prst="rect">
@@ -10641,7 +10727,7 @@
           </p:nvSpPr>
           <p:spPr>
             <a:xfrm rot="-5400000">
-              <a:off x="2637169" y="3269889"/>
+              <a:off x="2637169" y="3644394"/>
               <a:ext cx="524186" cy="100412"/>
             </a:xfrm>
             <a:prstGeom prst="rect">
@@ -10687,7 +10773,7 @@
           </p:nvSpPr>
           <p:spPr>
             <a:xfrm rot="-5400000">
-              <a:off x="2899264" y="3345101"/>
+              <a:off x="2899264" y="3719606"/>
               <a:ext cx="397732" cy="101735"/>
             </a:xfrm>
             <a:prstGeom prst="rect">
@@ -10733,7 +10819,7 @@
           </p:nvSpPr>
           <p:spPr>
             <a:xfrm rot="-5400000">
-              <a:off x="2800548" y="4180274"/>
+              <a:off x="2800548" y="4554779"/>
               <a:ext cx="994224" cy="101735"/>
             </a:xfrm>
             <a:prstGeom prst="rect">
@@ -10779,7 +10865,7 @@
           </p:nvSpPr>
           <p:spPr>
             <a:xfrm rot="-5400000">
-              <a:off x="3024876" y="4151972"/>
+              <a:off x="3024876" y="4526477"/>
               <a:ext cx="945950" cy="100412"/>
             </a:xfrm>
             <a:prstGeom prst="rect">
@@ -10825,7 +10911,7 @@
           </p:nvSpPr>
           <p:spPr>
             <a:xfrm rot="-5400000">
-              <a:off x="3314760" y="3125258"/>
+              <a:off x="3314760" y="3499763"/>
               <a:ext cx="765239" cy="100412"/>
             </a:xfrm>
             <a:prstGeom prst="rect">
@@ -10871,7 +10957,7 @@
           </p:nvSpPr>
           <p:spPr>
             <a:xfrm rot="-5400000">
-              <a:off x="3487188" y="4076067"/>
+              <a:off x="3487188" y="4450572"/>
               <a:ext cx="819442" cy="100412"/>
             </a:xfrm>
             <a:prstGeom prst="rect">
@@ -10917,7 +11003,7 @@
           </p:nvSpPr>
           <p:spPr>
             <a:xfrm rot="-5400000">
-              <a:off x="3720991" y="4057122"/>
+              <a:off x="3720991" y="4431627"/>
               <a:ext cx="771062" cy="80245"/>
             </a:xfrm>
             <a:prstGeom prst="rect">
@@ -10963,7 +11049,7 @@
           </p:nvSpPr>
           <p:spPr>
             <a:xfrm rot="-5400000">
-              <a:off x="4021886" y="3255502"/>
+              <a:off x="4021886" y="3630007"/>
               <a:ext cx="548165" cy="100412"/>
             </a:xfrm>
             <a:prstGeom prst="rect">
@@ -11009,7 +11095,7 @@
           </p:nvSpPr>
           <p:spPr>
             <a:xfrm rot="-5400000">
-              <a:off x="4232187" y="3924072"/>
+              <a:off x="4232187" y="4298577"/>
               <a:ext cx="548165" cy="78868"/>
             </a:xfrm>
             <a:prstGeom prst="rect">
@@ -11055,7 +11141,7 @@
           </p:nvSpPr>
           <p:spPr>
             <a:xfrm rot="-5400000">
-              <a:off x="4419621" y="3938586"/>
+              <a:off x="4419621" y="4313091"/>
               <a:ext cx="572355" cy="78868"/>
             </a:xfrm>
             <a:prstGeom prst="rect">
@@ -11101,7 +11187,7 @@
           </p:nvSpPr>
           <p:spPr>
             <a:xfrm rot="-5400000">
-              <a:off x="4649216" y="3895754"/>
+              <a:off x="4649216" y="4270259"/>
               <a:ext cx="506084" cy="85008"/>
             </a:xfrm>
             <a:prstGeom prst="rect">
@@ -11147,7 +11233,7 @@
           </p:nvSpPr>
           <p:spPr>
             <a:xfrm rot="-5400000">
-              <a:off x="4701753" y="3113734"/>
+              <a:off x="4701753" y="3488239"/>
               <a:ext cx="783342" cy="101735"/>
             </a:xfrm>
             <a:prstGeom prst="rect">
@@ -11193,7 +11279,7 @@
           </p:nvSpPr>
           <p:spPr>
             <a:xfrm rot="-5400000">
-              <a:off x="4923091" y="4029031"/>
+              <a:off x="4923091" y="4403536"/>
               <a:ext cx="741049" cy="100412"/>
             </a:xfrm>
             <a:prstGeom prst="rect">
@@ -11239,7 +11325,7 @@
           </p:nvSpPr>
           <p:spPr>
             <a:xfrm rot="-5400000">
-              <a:off x="5179813" y="3208403"/>
+              <a:off x="5179813" y="3582908"/>
               <a:ext cx="626663" cy="100412"/>
             </a:xfrm>
             <a:prstGeom prst="rect">
@@ -11285,7 +11371,7 @@
           </p:nvSpPr>
           <p:spPr>
             <a:xfrm rot="-5400000">
-              <a:off x="5464193" y="3859627"/>
+              <a:off x="5464193" y="4234132"/>
               <a:ext cx="457915" cy="99459"/>
             </a:xfrm>
             <a:prstGeom prst="rect">
@@ -11331,7 +11417,7 @@
           </p:nvSpPr>
           <p:spPr>
             <a:xfrm rot="-5400000">
-              <a:off x="5624076" y="3906155"/>
+              <a:off x="5624076" y="4280660"/>
               <a:ext cx="536255" cy="100412"/>
             </a:xfrm>
             <a:prstGeom prst="rect">
@@ -11377,7 +11463,7 @@
           </p:nvSpPr>
           <p:spPr>
             <a:xfrm rot="-5400000">
-              <a:off x="5877834" y="3841022"/>
+              <a:off x="5877834" y="4215527"/>
               <a:ext cx="427744" cy="100465"/>
             </a:xfrm>
             <a:prstGeom prst="rect">
@@ -11423,7 +11509,7 @@
           </p:nvSpPr>
           <p:spPr>
             <a:xfrm rot="-5400000">
-              <a:off x="6145355" y="3783188"/>
+              <a:off x="6145355" y="4157693"/>
               <a:ext cx="313358" cy="78868"/>
             </a:xfrm>
             <a:prstGeom prst="rect">
@@ -11469,7 +11555,7 @@
           </p:nvSpPr>
           <p:spPr>
             <a:xfrm rot="-5400000">
-              <a:off x="6246775" y="3877222"/>
+              <a:off x="6246775" y="4251727"/>
               <a:ext cx="488034" cy="100412"/>
             </a:xfrm>
             <a:prstGeom prst="rect">
@@ -11515,7 +11601,7 @@
           </p:nvSpPr>
           <p:spPr>
             <a:xfrm rot="-5400000">
-              <a:off x="6520356" y="3812057"/>
+              <a:off x="6520356" y="4186562"/>
               <a:ext cx="361473" cy="78868"/>
             </a:xfrm>
             <a:prstGeom prst="rect">
@@ -11561,7 +11647,7 @@
           </p:nvSpPr>
           <p:spPr>
             <a:xfrm rot="-5400000">
-              <a:off x="6772315" y="3443359"/>
+              <a:off x="6772315" y="3817864"/>
               <a:ext cx="235071" cy="100412"/>
             </a:xfrm>
             <a:prstGeom prst="rect">
@@ -11607,7 +11693,7 @@
           </p:nvSpPr>
           <p:spPr>
             <a:xfrm rot="-5400000">
-              <a:off x="6827340" y="3898850"/>
+              <a:off x="6827340" y="4273355"/>
               <a:ext cx="524081" cy="100412"/>
             </a:xfrm>
             <a:prstGeom prst="rect">
@@ -11653,7 +11739,7 @@
           </p:nvSpPr>
           <p:spPr>
             <a:xfrm rot="-5400000">
-              <a:off x="7088138" y="3847569"/>
+              <a:off x="7088138" y="4222074"/>
               <a:ext cx="421763" cy="80192"/>
             </a:xfrm>
             <a:prstGeom prst="rect">
@@ -11699,7 +11785,7 @@
           </p:nvSpPr>
           <p:spPr>
             <a:xfrm rot="-5400000">
-              <a:off x="7339488" y="3403506"/>
+              <a:off x="7339488" y="3778011"/>
               <a:ext cx="319445" cy="78868"/>
             </a:xfrm>
             <a:prstGeom prst="rect">
@@ -11745,7 +11831,7 @@
           </p:nvSpPr>
           <p:spPr>
             <a:xfrm rot="-5400000">
-              <a:off x="7601636" y="3478786"/>
+              <a:off x="7601636" y="3853291"/>
               <a:ext cx="192831" cy="80245"/>
             </a:xfrm>
             <a:prstGeom prst="rect">
@@ -11791,7 +11877,7 @@
           </p:nvSpPr>
           <p:spPr>
             <a:xfrm rot="-5400000">
-              <a:off x="7642819" y="3876560"/>
+              <a:off x="7642819" y="4251065"/>
               <a:ext cx="488034" cy="101735"/>
             </a:xfrm>
             <a:prstGeom prst="rect">
@@ -11837,7 +11923,7 @@
           </p:nvSpPr>
           <p:spPr>
             <a:xfrm rot="-5400000">
-              <a:off x="7795424" y="3234351"/>
+              <a:off x="7795424" y="3608856"/>
               <a:ext cx="584476" cy="99141"/>
             </a:xfrm>
             <a:prstGeom prst="rect">
@@ -11883,7 +11969,7 @@
           </p:nvSpPr>
           <p:spPr>
             <a:xfrm rot="-5400000">
-              <a:off x="8140649" y="3783188"/>
+              <a:off x="8140649" y="4157693"/>
               <a:ext cx="313358" cy="78868"/>
             </a:xfrm>
             <a:prstGeom prst="rect">
@@ -11929,7 +12015,7 @@
           </p:nvSpPr>
           <p:spPr>
             <a:xfrm rot="-5400000">
-              <a:off x="8352353" y="3421768"/>
+              <a:off x="8352353" y="3796273"/>
               <a:ext cx="289009" cy="78868"/>
             </a:xfrm>
             <a:prstGeom prst="rect">
@@ -11975,7 +12061,7 @@
           </p:nvSpPr>
           <p:spPr>
             <a:xfrm>
-              <a:off x="995187" y="3634608"/>
+              <a:off x="995187" y="4009113"/>
               <a:ext cx="7622023" cy="0"/>
             </a:xfrm>
             <a:custGeom>
@@ -12058,7 +12144,53 @@
           </p:nvSpPr>
           <p:spPr>
             <a:xfrm>
-              <a:off x="739978" y="5033120"/>
+              <a:off x="739978" y="5401551"/>
+              <a:ext cx="192578" cy="81691"/>
+            </a:xfrm>
+            <a:prstGeom prst="rect">
+              <a:avLst/>
+            </a:prstGeom>
+            <a:noFill/>
+          </p:spPr>
+          <p:txBody>
+            <a:bodyPr lIns="0" rIns="0" tIns="0" bIns="0" anchorCtr="1" anchor="ctr" wrap="none"/>
+            <a:lstStyle/>
+            <a:p>
+              <a:pPr algn="l" marL="0" marR="0" indent="0">
+                <a:lnSpc>
+                  <a:spcPts val="880"/>
+                </a:lnSpc>
+                <a:spcBef>
+                  <a:spcPts val="0"/>
+                </a:spcBef>
+                <a:spcAft>
+                  <a:spcPts val="0"/>
+                </a:spcAft>
+              </a:pPr>
+              <a:r>
+                <a:rPr sz="880">
+                  <a:solidFill>
+                    <a:srgbClr val="4D4D4D">
+                      <a:alpha val="100000"/>
+                    </a:srgbClr>
+                  </a:solidFill>
+                  <a:latin typeface="Arial"/>
+                  <a:cs typeface="Arial"/>
+                </a:rPr>
+                <a:t>-0.2</a:t>
+              </a:r>
+            </a:p>
+          </p:txBody>
+        </p:sp>
+        <p:sp>
+          <p:nvSpPr>
+            <p:cNvPr id="87" name="tx86"/>
+            <p:cNvSpPr/>
+            <p:nvPr/>
+          </p:nvSpPr>
+          <p:spPr>
+            <a:xfrm>
+              <a:off x="739978" y="4684486"/>
               <a:ext cx="192578" cy="81691"/>
             </a:xfrm>
             <a:prstGeom prst="rect">
@@ -12098,13 +12230,13 @@
         </p:sp>
         <p:sp>
           <p:nvSpPr>
-            <p:cNvPr id="87" name="tx86"/>
-            <p:cNvSpPr/>
-            <p:nvPr/>
-          </p:nvSpPr>
-          <p:spPr>
-            <a:xfrm>
-              <a:off x="777195" y="3592916"/>
+            <p:cNvPr id="88" name="tx87"/>
+            <p:cNvSpPr/>
+            <p:nvPr/>
+          </p:nvSpPr>
+          <p:spPr>
+            <a:xfrm>
+              <a:off x="777195" y="3967421"/>
               <a:ext cx="155361" cy="81691"/>
             </a:xfrm>
             <a:prstGeom prst="rect">
@@ -12144,13 +12276,13 @@
         </p:sp>
         <p:sp>
           <p:nvSpPr>
-            <p:cNvPr id="88" name="tx87"/>
-            <p:cNvSpPr/>
-            <p:nvPr/>
-          </p:nvSpPr>
-          <p:spPr>
-            <a:xfrm>
-              <a:off x="777195" y="2152712"/>
+            <p:cNvPr id="89" name="tx88"/>
+            <p:cNvSpPr/>
+            <p:nvPr/>
+          </p:nvSpPr>
+          <p:spPr>
+            <a:xfrm>
+              <a:off x="777195" y="3250356"/>
               <a:ext cx="155361" cy="81691"/>
             </a:xfrm>
             <a:prstGeom prst="rect">
@@ -12190,13 +12322,59 @@
         </p:sp>
         <p:sp>
           <p:nvSpPr>
-            <p:cNvPr id="89" name="pl88"/>
-            <p:cNvSpPr/>
-            <p:nvPr/>
-          </p:nvSpPr>
-          <p:spPr>
-            <a:xfrm>
-              <a:off x="960393" y="5074812"/>
+            <p:cNvPr id="90" name="tx89"/>
+            <p:cNvSpPr/>
+            <p:nvPr/>
+          </p:nvSpPr>
+          <p:spPr>
+            <a:xfrm>
+              <a:off x="777195" y="2533291"/>
+              <a:ext cx="155361" cy="81691"/>
+            </a:xfrm>
+            <a:prstGeom prst="rect">
+              <a:avLst/>
+            </a:prstGeom>
+            <a:noFill/>
+          </p:spPr>
+          <p:txBody>
+            <a:bodyPr lIns="0" rIns="0" tIns="0" bIns="0" anchorCtr="1" anchor="ctr" wrap="none"/>
+            <a:lstStyle/>
+            <a:p>
+              <a:pPr algn="l" marL="0" marR="0" indent="0">
+                <a:lnSpc>
+                  <a:spcPts val="880"/>
+                </a:lnSpc>
+                <a:spcBef>
+                  <a:spcPts val="0"/>
+                </a:spcBef>
+                <a:spcAft>
+                  <a:spcPts val="0"/>
+                </a:spcAft>
+              </a:pPr>
+              <a:r>
+                <a:rPr sz="880">
+                  <a:solidFill>
+                    <a:srgbClr val="4D4D4D">
+                      <a:alpha val="100000"/>
+                    </a:srgbClr>
+                  </a:solidFill>
+                  <a:latin typeface="Arial"/>
+                  <a:cs typeface="Arial"/>
+                </a:rPr>
+                <a:t>0.2</a:t>
+              </a:r>
+            </a:p>
+          </p:txBody>
+        </p:sp>
+        <p:sp>
+          <p:nvSpPr>
+            <p:cNvPr id="91" name="pl90"/>
+            <p:cNvSpPr/>
+            <p:nvPr/>
+          </p:nvSpPr>
+          <p:spPr>
+            <a:xfrm>
+              <a:off x="960393" y="5443243"/>
               <a:ext cx="34794" cy="0"/>
             </a:xfrm>
             <a:custGeom>
@@ -12230,13 +12408,13 @@
         </p:sp>
         <p:sp>
           <p:nvSpPr>
-            <p:cNvPr id="90" name="pl89"/>
-            <p:cNvSpPr/>
-            <p:nvPr/>
-          </p:nvSpPr>
-          <p:spPr>
-            <a:xfrm>
-              <a:off x="960393" y="3634608"/>
+            <p:cNvPr id="92" name="pl91"/>
+            <p:cNvSpPr/>
+            <p:nvPr/>
+          </p:nvSpPr>
+          <p:spPr>
+            <a:xfrm>
+              <a:off x="960393" y="4726178"/>
               <a:ext cx="34794" cy="0"/>
             </a:xfrm>
             <a:custGeom>
@@ -12270,13 +12448,13 @@
         </p:sp>
         <p:sp>
           <p:nvSpPr>
-            <p:cNvPr id="91" name="pl90"/>
-            <p:cNvSpPr/>
-            <p:nvPr/>
-          </p:nvSpPr>
-          <p:spPr>
-            <a:xfrm>
-              <a:off x="960393" y="2194403"/>
+            <p:cNvPr id="93" name="pl92"/>
+            <p:cNvSpPr/>
+            <p:nvPr/>
+          </p:nvSpPr>
+          <p:spPr>
+            <a:xfrm>
+              <a:off x="960393" y="4009113"/>
               <a:ext cx="34794" cy="0"/>
             </a:xfrm>
             <a:custGeom>
@@ -12310,7 +12488,87 @@
         </p:sp>
         <p:sp>
           <p:nvSpPr>
-            <p:cNvPr id="92" name="tx91"/>
+            <p:cNvPr id="94" name="pl93"/>
+            <p:cNvSpPr/>
+            <p:nvPr/>
+          </p:nvSpPr>
+          <p:spPr>
+            <a:xfrm>
+              <a:off x="960393" y="3292047"/>
+              <a:ext cx="34794" cy="0"/>
+            </a:xfrm>
+            <a:custGeom>
+              <a:avLst/>
+              <a:pathLst>
+                <a:path w="34794" h="0">
+                  <a:moveTo>
+                    <a:pt x="0" y="0"/>
+                  </a:moveTo>
+                  <a:lnTo>
+                    <a:pt x="34794" y="0"/>
+                  </a:lnTo>
+                </a:path>
+              </a:pathLst>
+            </a:custGeom>
+            <a:ln w="13550" cap="flat">
+              <a:solidFill>
+                <a:srgbClr val="333333">
+                  <a:alpha val="100000"/>
+                </a:srgbClr>
+              </a:solidFill>
+              <a:prstDash val="solid"/>
+              <a:round/>
+            </a:ln>
+          </p:spPr>
+          <p:txBody>
+            <a:bodyPr/>
+            <a:lstStyle/>
+            <a:p/>
+          </p:txBody>
+        </p:sp>
+        <p:sp>
+          <p:nvSpPr>
+            <p:cNvPr id="95" name="pl94"/>
+            <p:cNvSpPr/>
+            <p:nvPr/>
+          </p:nvSpPr>
+          <p:spPr>
+            <a:xfrm>
+              <a:off x="960393" y="2574982"/>
+              <a:ext cx="34794" cy="0"/>
+            </a:xfrm>
+            <a:custGeom>
+              <a:avLst/>
+              <a:pathLst>
+                <a:path w="34794" h="0">
+                  <a:moveTo>
+                    <a:pt x="0" y="0"/>
+                  </a:moveTo>
+                  <a:lnTo>
+                    <a:pt x="34794" y="0"/>
+                  </a:lnTo>
+                </a:path>
+              </a:pathLst>
+            </a:custGeom>
+            <a:ln w="13550" cap="flat">
+              <a:solidFill>
+                <a:srgbClr val="333333">
+                  <a:alpha val="100000"/>
+                </a:srgbClr>
+              </a:solidFill>
+              <a:prstDash val="solid"/>
+              <a:round/>
+            </a:ln>
+          </p:spPr>
+          <p:txBody>
+            <a:bodyPr/>
+            <a:lstStyle/>
+            <a:p/>
+          </p:txBody>
+        </p:sp>
+        <p:sp>
+          <p:nvSpPr>
+            <p:cNvPr id="96" name="tx95"/>
             <p:cNvSpPr/>
             <p:nvPr/>
           </p:nvSpPr>
@@ -12356,7 +12614,7 @@
         </p:sp>
         <p:sp>
           <p:nvSpPr>
-            <p:cNvPr id="93" name="tx92"/>
+            <p:cNvPr id="97" name="tx96"/>
             <p:cNvSpPr/>
             <p:nvPr/>
           </p:nvSpPr>
